--- a/17th of July Presentation.pptx
+++ b/17th of July Presentation.pptx
@@ -16591,7 +16591,7 @@
           <a:p>
             <a:fld id="{02B6E7F9-23D7-4C66-92B6-BDAD855859C2}" type="datetimeFigureOut">
               <a:rPr lang="en-GB" smtClean="0"/>
-              <a:t>12/07/2024</a:t>
+              <a:t>14/07/2024</a:t>
             </a:fld>
             <a:endParaRPr lang="en-GB"/>
           </a:p>
@@ -16859,6 +16859,90 @@
 </p:notesMaster>
 </file>
 
+<file path=ppt/notesSlides/notesSlide1.xml><?xml version="1.0" encoding="utf-8"?>
+<p:notes xmlns:a="http://schemas.openxmlformats.org/drawingml/2006/main" xmlns:r="http://schemas.openxmlformats.org/officeDocument/2006/relationships" xmlns:p="http://schemas.openxmlformats.org/presentationml/2006/main">
+  <p:cSld>
+    <p:spTree>
+      <p:nvGrpSpPr>
+        <p:cNvPr id="1" name=""/>
+        <p:cNvGrpSpPr/>
+        <p:nvPr/>
+      </p:nvGrpSpPr>
+      <p:grpSpPr>
+        <a:xfrm>
+          <a:off x="0" y="0"/>
+          <a:ext cx="0" cy="0"/>
+          <a:chOff x="0" y="0"/>
+          <a:chExt cx="0" cy="0"/>
+        </a:xfrm>
+      </p:grpSpPr>
+      <p:sp>
+        <p:nvSpPr>
+          <p:cNvPr id="2" name="Slide Image Placeholder 1"/>
+          <p:cNvSpPr>
+            <a:spLocks noGrp="1" noRot="1" noChangeAspect="1"/>
+          </p:cNvSpPr>
+          <p:nvPr>
+            <p:ph type="sldImg"/>
+          </p:nvPr>
+        </p:nvSpPr>
+        <p:spPr/>
+      </p:sp>
+      <p:sp>
+        <p:nvSpPr>
+          <p:cNvPr id="3" name="Notes Placeholder 2"/>
+          <p:cNvSpPr>
+            <a:spLocks noGrp="1"/>
+          </p:cNvSpPr>
+          <p:nvPr>
+            <p:ph type="body" idx="1"/>
+          </p:nvPr>
+        </p:nvSpPr>
+        <p:spPr/>
+        <p:txBody>
+          <a:bodyPr/>
+          <a:lstStyle/>
+          <a:p>
+            <a:endParaRPr lang="en-GB" dirty="0"/>
+          </a:p>
+        </p:txBody>
+      </p:sp>
+      <p:sp>
+        <p:nvSpPr>
+          <p:cNvPr id="4" name="Slide Number Placeholder 3"/>
+          <p:cNvSpPr>
+            <a:spLocks noGrp="1"/>
+          </p:cNvSpPr>
+          <p:nvPr>
+            <p:ph type="sldNum" sz="quarter" idx="5"/>
+          </p:nvPr>
+        </p:nvSpPr>
+        <p:spPr/>
+        <p:txBody>
+          <a:bodyPr/>
+          <a:lstStyle/>
+          <a:p>
+            <a:fld id="{F4C8C5E5-D80A-4B7B-B646-4C231830A9D5}" type="slidenum">
+              <a:rPr lang="en-GB" smtClean="0"/>
+              <a:t>4</a:t>
+            </a:fld>
+            <a:endParaRPr lang="en-GB"/>
+          </a:p>
+        </p:txBody>
+      </p:sp>
+    </p:spTree>
+    <p:extLst>
+      <p:ext uri="{BB962C8B-B14F-4D97-AF65-F5344CB8AC3E}">
+        <p14:creationId xmlns:p14="http://schemas.microsoft.com/office/powerpoint/2010/main" val="1107488771"/>
+      </p:ext>
+    </p:extLst>
+  </p:cSld>
+  <p:clrMapOvr>
+    <a:masterClrMapping/>
+  </p:clrMapOvr>
+</p:notes>
+</file>
+
 <file path=ppt/slideLayouts/slideLayout1.xml><?xml version="1.0" encoding="utf-8"?>
 <p:sldLayout xmlns:a="http://schemas.openxmlformats.org/drawingml/2006/main" xmlns:r="http://schemas.openxmlformats.org/officeDocument/2006/relationships" xmlns:p="http://schemas.openxmlformats.org/presentationml/2006/main" type="title" preserve="1">
   <p:cSld name="Title Slide">
@@ -17097,7 +17181,7 @@
           <a:p>
             <a:fld id="{ED291B17-9318-49DB-B28B-6E5994AE9581}" type="datetime1">
               <a:rPr lang="en-US" smtClean="0"/>
-              <a:t>7/12/2024</a:t>
+              <a:t>7/14/2024</a:t>
             </a:fld>
             <a:endParaRPr lang="en-US" dirty="0"/>
           </a:p>
@@ -17300,7 +17384,7 @@
           <a:p>
             <a:fld id="{2CED4963-E985-44C4-B8C4-FDD613B7C2F8}" type="datetime1">
               <a:rPr lang="en-US" smtClean="0"/>
-              <a:t>7/12/2024</a:t>
+              <a:t>7/14/2024</a:t>
             </a:fld>
             <a:endParaRPr lang="en-US" dirty="0"/>
           </a:p>
@@ -17662,7 +17746,7 @@
           <a:p>
             <a:fld id="{ED291B17-9318-49DB-B28B-6E5994AE9581}" type="datetime1">
               <a:rPr lang="en-US" smtClean="0"/>
-              <a:t>7/12/2024</a:t>
+              <a:t>7/14/2024</a:t>
             </a:fld>
             <a:endParaRPr lang="en-US" dirty="0"/>
           </a:p>
@@ -17860,7 +17944,7 @@
           <a:p>
             <a:fld id="{78DD82B9-B8EE-4375-B6FF-88FA6ABB15D9}" type="datetime1">
               <a:rPr lang="en-US" smtClean="0"/>
-              <a:t>7/12/2024</a:t>
+              <a:t>7/14/2024</a:t>
             </a:fld>
             <a:endParaRPr lang="en-US" dirty="0"/>
           </a:p>
@@ -18172,7 +18256,7 @@
           <a:p>
             <a:fld id="{B2497495-0637-405E-AE64-5CC7506D51F5}" type="datetime1">
               <a:rPr lang="en-US" smtClean="0"/>
-              <a:t>7/12/2024</a:t>
+              <a:t>7/14/2024</a:t>
             </a:fld>
             <a:endParaRPr lang="en-US" dirty="0"/>
           </a:p>
@@ -18425,7 +18509,7 @@
           <a:p>
             <a:fld id="{7BFFD690-9426-415D-8B65-26881E07B2D4}" type="datetime1">
               <a:rPr lang="en-US" smtClean="0"/>
-              <a:t>7/12/2024</a:t>
+              <a:t>7/14/2024</a:t>
             </a:fld>
             <a:endParaRPr lang="en-US" dirty="0"/>
           </a:p>
@@ -18847,7 +18931,7 @@
           <a:p>
             <a:fld id="{04C4989A-474C-40DE-95B9-011C28B71673}" type="datetime1">
               <a:rPr lang="en-US" smtClean="0"/>
-              <a:t>7/12/2024</a:t>
+              <a:t>7/14/2024</a:t>
             </a:fld>
             <a:endParaRPr lang="en-US" dirty="0"/>
           </a:p>
@@ -18970,7 +19054,7 @@
           <a:p>
             <a:fld id="{5DB4ED54-5B5E-4A04-93D3-5772E3CE3818}" type="datetime1">
               <a:rPr lang="en-US" smtClean="0"/>
-              <a:t>7/12/2024</a:t>
+              <a:t>7/14/2024</a:t>
             </a:fld>
             <a:endParaRPr lang="en-US" dirty="0"/>
           </a:p>
@@ -19065,7 +19149,7 @@
           <a:p>
             <a:fld id="{4EDE50D6-574B-40AF-946F-D52A04ADE379}" type="datetime1">
               <a:rPr lang="en-US" smtClean="0"/>
-              <a:t>7/12/2024</a:t>
+              <a:t>7/14/2024</a:t>
             </a:fld>
             <a:endParaRPr lang="en-US" dirty="0"/>
           </a:p>
@@ -19442,7 +19526,7 @@
           <a:p>
             <a:fld id="{D82884F1-FFEA-405F-9602-3DCA865EDA4E}" type="datetime1">
               <a:rPr lang="en-US" smtClean="0"/>
-              <a:t>7/12/2024</a:t>
+              <a:t>7/14/2024</a:t>
             </a:fld>
             <a:endParaRPr lang="en-US" dirty="0"/>
           </a:p>
@@ -19735,7 +19819,7 @@
           <a:p>
             <a:fld id="{7E18DB4A-8810-4A10-AD5C-D5E2C667F5B3}" type="datetime1">
               <a:rPr lang="en-US" smtClean="0"/>
-              <a:t>7/12/2024</a:t>
+              <a:t>7/14/2024</a:t>
             </a:fld>
             <a:endParaRPr lang="en-US" dirty="0"/>
           </a:p>
@@ -19950,7 +20034,7 @@
           <a:p>
             <a:fld id="{ED291B17-9318-49DB-B28B-6E5994AE9581}" type="datetime1">
               <a:rPr lang="en-US" smtClean="0"/>
-              <a:t>7/12/2024</a:t>
+              <a:t>7/14/2024</a:t>
             </a:fld>
             <a:endParaRPr lang="en-US" dirty="0"/>
           </a:p>
@@ -21004,14 +21088,37 @@
             <p:ph type="body" idx="1"/>
           </p:nvPr>
         </p:nvSpPr>
-        <p:spPr/>
+        <p:spPr>
+          <a:xfrm>
+            <a:off x="581191" y="1785257"/>
+            <a:ext cx="5194769" cy="2020389"/>
+          </a:xfrm>
+        </p:spPr>
         <p:txBody>
           <a:bodyPr/>
           <a:lstStyle/>
           <a:p>
             <a:r>
-              <a:rPr lang="en-GB" dirty="0"/>
-              <a:t>Models’ performance will be measured using the following metrics: </a:t>
+              <a:rPr lang="en-GB" sz="1300" dirty="0"/>
+              <a:t>RMSE is a general loss metric.  </a:t>
+            </a:r>
+          </a:p>
+          <a:p>
+            <a:r>
+              <a:rPr lang="en-GB" sz="1300" dirty="0"/>
+              <a:t>R2 is handy because (in theory) it is between 0 and 1, thus giving an intuitive interpretation of how well the predictions fit the actual data.</a:t>
+            </a:r>
+          </a:p>
+          <a:p>
+            <a:r>
+              <a:rPr lang="en-GB" sz="1300" dirty="0"/>
+              <a:t>MAPE tells us what percentage of the actual values were the predictions off.</a:t>
+            </a:r>
+          </a:p>
+          <a:p>
+            <a:r>
+              <a:rPr lang="en-GB" sz="1300" dirty="0"/>
+              <a:t>MDA doesn’t say whether the predictions were good or bad, but rather it measures how good the DIRECTION of predictions are.</a:t>
             </a:r>
           </a:p>
         </p:txBody>
@@ -21032,14 +21139,25 @@
             <p:ph type="body" sz="quarter" idx="3"/>
           </p:nvPr>
         </p:nvSpPr>
-        <p:spPr/>
+        <p:spPr>
+          <a:xfrm>
+            <a:off x="6416039" y="1785257"/>
+            <a:ext cx="5194770" cy="1086275"/>
+          </a:xfrm>
+        </p:spPr>
         <p:txBody>
           <a:bodyPr/>
           <a:lstStyle/>
           <a:p>
             <a:r>
-              <a:rPr lang="en-GB" dirty="0"/>
-              <a:t>Statistical significance of the measurements will be ensured using K-fold Time Series Cross Validation:</a:t>
+              <a:rPr lang="en-GB" sz="1300" dirty="0"/>
+              <a:t>To ensure statistical significance, we will run the K-fold Time series Cross Validation on every time-series. </a:t>
+            </a:r>
+          </a:p>
+          <a:p>
+            <a:r>
+              <a:rPr lang="en-GB" sz="1300" dirty="0"/>
+              <a:t>K and the size of the training set are parameters of the experiment.</a:t>
             </a:r>
           </a:p>
         </p:txBody>
@@ -24137,6 +24255,148 @@
       </p:grpSpPr>
       <p:sp>
         <p:nvSpPr>
+          <p:cNvPr id="12" name="Rectangle: Rounded Corners 11">
+            <a:extLst>
+              <a:ext uri="{FF2B5EF4-FFF2-40B4-BE49-F238E27FC236}">
+                <a16:creationId xmlns:a16="http://schemas.microsoft.com/office/drawing/2014/main" id="{239E79A8-357B-0DA2-5660-C05D5E14648C}"/>
+              </a:ext>
+            </a:extLst>
+          </p:cNvPr>
+          <p:cNvSpPr/>
+          <p:nvPr/>
+        </p:nvSpPr>
+        <p:spPr>
+          <a:xfrm>
+            <a:off x="6261099" y="3441408"/>
+            <a:ext cx="5495677" cy="3048941"/>
+          </a:xfrm>
+          <a:prstGeom prst="roundRect">
+            <a:avLst/>
+          </a:prstGeom>
+          <a:gradFill flip="none" rotWithShape="1">
+            <a:gsLst>
+              <a:gs pos="0">
+                <a:schemeClr val="accent1">
+                  <a:tint val="66000"/>
+                  <a:satMod val="160000"/>
+                </a:schemeClr>
+              </a:gs>
+              <a:gs pos="50000">
+                <a:schemeClr val="accent1">
+                  <a:tint val="44500"/>
+                  <a:satMod val="160000"/>
+                </a:schemeClr>
+              </a:gs>
+              <a:gs pos="100000">
+                <a:schemeClr val="accent1">
+                  <a:tint val="23500"/>
+                  <a:satMod val="160000"/>
+                </a:schemeClr>
+              </a:gs>
+            </a:gsLst>
+            <a:path path="circle">
+              <a:fillToRect l="100000" t="100000"/>
+            </a:path>
+            <a:tileRect r="-100000" b="-100000"/>
+          </a:gradFill>
+        </p:spPr>
+        <p:style>
+          <a:lnRef idx="2">
+            <a:schemeClr val="accent1">
+              <a:shade val="15000"/>
+            </a:schemeClr>
+          </a:lnRef>
+          <a:fillRef idx="1">
+            <a:schemeClr val="accent1"/>
+          </a:fillRef>
+          <a:effectRef idx="0">
+            <a:schemeClr val="accent1"/>
+          </a:effectRef>
+          <a:fontRef idx="minor">
+            <a:schemeClr val="lt1"/>
+          </a:fontRef>
+        </p:style>
+        <p:txBody>
+          <a:bodyPr rtlCol="0" anchor="ctr"/>
+          <a:lstStyle/>
+          <a:p>
+            <a:pPr algn="ctr"/>
+            <a:endParaRPr lang="en-GB"/>
+          </a:p>
+        </p:txBody>
+      </p:sp>
+      <p:sp>
+        <p:nvSpPr>
+          <p:cNvPr id="11" name="Rectangle: Rounded Corners 10">
+            <a:extLst>
+              <a:ext uri="{FF2B5EF4-FFF2-40B4-BE49-F238E27FC236}">
+                <a16:creationId xmlns:a16="http://schemas.microsoft.com/office/drawing/2014/main" id="{E4B93F83-48FA-E8B8-BBC3-BE83026D4F92}"/>
+              </a:ext>
+            </a:extLst>
+          </p:cNvPr>
+          <p:cNvSpPr/>
+          <p:nvPr/>
+        </p:nvSpPr>
+        <p:spPr>
+          <a:xfrm>
+            <a:off x="6261098" y="367650"/>
+            <a:ext cx="5495677" cy="2802269"/>
+          </a:xfrm>
+          <a:prstGeom prst="roundRect">
+            <a:avLst/>
+          </a:prstGeom>
+          <a:gradFill flip="none" rotWithShape="1">
+            <a:gsLst>
+              <a:gs pos="0">
+                <a:schemeClr val="accent1">
+                  <a:tint val="66000"/>
+                  <a:satMod val="160000"/>
+                </a:schemeClr>
+              </a:gs>
+              <a:gs pos="50000">
+                <a:schemeClr val="accent1">
+                  <a:tint val="44500"/>
+                  <a:satMod val="160000"/>
+                </a:schemeClr>
+              </a:gs>
+              <a:gs pos="100000">
+                <a:schemeClr val="accent1">
+                  <a:tint val="23500"/>
+                  <a:satMod val="160000"/>
+                </a:schemeClr>
+              </a:gs>
+            </a:gsLst>
+            <a:lin ang="8100000" scaled="1"/>
+            <a:tileRect/>
+          </a:gradFill>
+        </p:spPr>
+        <p:style>
+          <a:lnRef idx="2">
+            <a:schemeClr val="accent1">
+              <a:shade val="15000"/>
+            </a:schemeClr>
+          </a:lnRef>
+          <a:fillRef idx="1">
+            <a:schemeClr val="accent1"/>
+          </a:fillRef>
+          <a:effectRef idx="0">
+            <a:schemeClr val="accent1"/>
+          </a:effectRef>
+          <a:fontRef idx="minor">
+            <a:schemeClr val="lt1"/>
+          </a:fontRef>
+        </p:style>
+        <p:txBody>
+          <a:bodyPr rtlCol="0" anchor="ctr"/>
+          <a:lstStyle/>
+          <a:p>
+            <a:pPr algn="ctr"/>
+            <a:endParaRPr lang="en-GB"/>
+          </a:p>
+        </p:txBody>
+      </p:sp>
+      <p:sp>
+        <p:nvSpPr>
           <p:cNvPr id="2" name="Title 1">
             <a:extLst>
               <a:ext uri="{FF2B5EF4-FFF2-40B4-BE49-F238E27FC236}">
@@ -24151,142 +24411,21 @@
             <p:ph type="title"/>
           </p:nvPr>
         </p:nvSpPr>
-        <p:spPr/>
-        <p:txBody>
-          <a:bodyPr/>
-          <a:lstStyle/>
-          <a:p>
-            <a:r>
-              <a:rPr lang="en-GB" dirty="0"/>
-              <a:t>Summary</a:t>
-            </a:r>
-          </a:p>
-        </p:txBody>
-      </p:sp>
-      <p:sp>
-        <p:nvSpPr>
-          <p:cNvPr id="3" name="Text Placeholder 2">
-            <a:extLst>
-              <a:ext uri="{FF2B5EF4-FFF2-40B4-BE49-F238E27FC236}">
-                <a16:creationId xmlns:a16="http://schemas.microsoft.com/office/drawing/2014/main" id="{D00568A1-30B6-C3B6-7DBD-CE8C0369A0F0}"/>
-              </a:ext>
-            </a:extLst>
-          </p:cNvPr>
-          <p:cNvSpPr>
-            <a:spLocks noGrp="1"/>
-          </p:cNvSpPr>
-          <p:nvPr>
-            <p:ph type="body" idx="1"/>
-          </p:nvPr>
-        </p:nvSpPr>
         <p:spPr>
           <a:xfrm>
-            <a:off x="581192" y="2222218"/>
-            <a:ext cx="3635208" cy="557784"/>
-          </a:xfrm>
-        </p:spPr>
-        <p:txBody>
-          <a:bodyPr/>
-          <a:lstStyle/>
-          <a:p>
-            <a:r>
-              <a:rPr lang="en-GB" b="1" dirty="0"/>
-              <a:t>Why</a:t>
-            </a:r>
-            <a:r>
-              <a:rPr lang="en-GB" dirty="0"/>
-              <a:t> need for changing the time-series forecasting paradigm?</a:t>
-            </a:r>
-          </a:p>
-        </p:txBody>
-      </p:sp>
-      <p:sp>
-        <p:nvSpPr>
-          <p:cNvPr id="4" name="Content Placeholder 3">
-            <a:extLst>
-              <a:ext uri="{FF2B5EF4-FFF2-40B4-BE49-F238E27FC236}">
-                <a16:creationId xmlns:a16="http://schemas.microsoft.com/office/drawing/2014/main" id="{D8539792-8B2E-DAED-1D01-85A094FCCC6C}"/>
-              </a:ext>
-            </a:extLst>
-          </p:cNvPr>
-          <p:cNvSpPr>
-            <a:spLocks noGrp="1"/>
-          </p:cNvSpPr>
-          <p:nvPr>
-            <p:ph sz="half" idx="2"/>
-          </p:nvPr>
-        </p:nvSpPr>
-        <p:spPr>
-          <a:xfrm>
-            <a:off x="581194" y="2926052"/>
-            <a:ext cx="3635206" cy="2934999"/>
+            <a:off x="1357768" y="1397515"/>
+            <a:ext cx="3302829" cy="988332"/>
           </a:xfrm>
         </p:spPr>
         <p:txBody>
           <a:bodyPr>
-            <a:normAutofit fontScale="77500" lnSpcReduction="20000"/>
+            <a:noAutofit/>
           </a:bodyPr>
           <a:lstStyle/>
           <a:p>
-            <a:pPr marL="0" indent="0">
-              <a:buNone/>
-            </a:pPr>
             <a:r>
-              <a:rPr lang="en-GB" dirty="0"/>
-              <a:t>Time-series forecasting is </a:t>
-            </a:r>
-          </a:p>
-          <a:p>
-            <a:r>
-              <a:rPr lang="en-GB" sz="1400" dirty="0"/>
-              <a:t>Hard</a:t>
-            </a:r>
-          </a:p>
-          <a:p>
-            <a:pPr lvl="1"/>
-            <a:r>
-              <a:rPr lang="en-GB" sz="1300" dirty="0"/>
-              <a:t>Building ML pipelines for time-series forecasting models requires specialized expert knowledge</a:t>
-            </a:r>
-          </a:p>
-          <a:p>
-            <a:pPr lvl="1"/>
-            <a:r>
-              <a:rPr lang="en-GB" sz="1300" dirty="0"/>
-              <a:t>ML models can be 100s of lines of code, and require vast amounts of data to train</a:t>
-            </a:r>
-          </a:p>
-          <a:p>
-            <a:r>
-              <a:rPr lang="en-GB" sz="1400" dirty="0"/>
-              <a:t>Confusing</a:t>
-            </a:r>
-          </a:p>
-          <a:p>
-            <a:pPr lvl="1"/>
-            <a:r>
-              <a:rPr lang="en-GB" sz="1300" dirty="0"/>
-              <a:t>It’s easy to get lost and oversee mistakes in the code</a:t>
-            </a:r>
-          </a:p>
-          <a:p>
-            <a:pPr lvl="1"/>
-            <a:r>
-              <a:rPr lang="en-GB" sz="1300" dirty="0"/>
-              <a:t>We often don’t know why models make forecasts that they do</a:t>
-            </a:r>
-          </a:p>
-          <a:p>
-            <a:r>
-              <a:rPr lang="en-GB" sz="1400" dirty="0"/>
-              <a:t>Expensive</a:t>
-            </a:r>
-          </a:p>
-          <a:p>
-            <a:pPr lvl="1"/>
-            <a:r>
-              <a:rPr lang="en-GB" sz="1300" dirty="0"/>
-              <a:t>Getting the data and employing staff to maintain the ML pipeline requires a lot of resources</a:t>
+              <a:rPr lang="en-GB" sz="5400" dirty="0"/>
+              <a:t>Summary</a:t>
             </a:r>
           </a:p>
         </p:txBody>
@@ -24309,8 +24448,8 @@
         </p:nvSpPr>
         <p:spPr>
           <a:xfrm>
-            <a:off x="4428489" y="2104842"/>
-            <a:ext cx="3858262" cy="553373"/>
+            <a:off x="6969386" y="350562"/>
+            <a:ext cx="4404008" cy="451998"/>
           </a:xfrm>
         </p:spPr>
         <p:txBody>
@@ -24323,7 +24462,7 @@
             </a:r>
             <a:r>
               <a:rPr lang="en-GB" dirty="0"/>
-              <a:t> is the solution?           Answer: TSFMs!</a:t>
+              <a:t> is the solution? Answer: TSFMs!</a:t>
             </a:r>
           </a:p>
         </p:txBody>
@@ -24346,13 +24485,13 @@
         </p:nvSpPr>
         <p:spPr>
           <a:xfrm>
-            <a:off x="4428488" y="2780002"/>
-            <a:ext cx="3858263" cy="2934999"/>
+            <a:off x="6380981" y="731736"/>
+            <a:ext cx="5286101" cy="2397327"/>
           </a:xfrm>
         </p:spPr>
         <p:txBody>
           <a:bodyPr>
-            <a:normAutofit/>
+            <a:noAutofit/>
           </a:bodyPr>
           <a:lstStyle/>
           <a:p>
@@ -24360,69 +24499,41 @@
               <a:buNone/>
             </a:pPr>
             <a:r>
-              <a:rPr lang="en-GB" sz="1100" dirty="0"/>
-              <a:t>TSFMs are:</a:t>
+              <a:rPr lang="en-GB" sz="1300" dirty="0"/>
+              <a:t>TSFMs are already pre-trained on large amounts of diverse time-series data thus using them reduces the need for proprietary data collection, cleaning, storage, etc…</a:t>
             </a:r>
           </a:p>
           <a:p>
+            <a:pPr marL="0" indent="0">
+              <a:buNone/>
+            </a:pPr>
             <a:r>
-              <a:rPr lang="en-GB" sz="1100" dirty="0"/>
-              <a:t>Already pre-trained on large amounts of time-series data</a:t>
+              <a:rPr lang="en-GB" sz="1300" dirty="0"/>
+              <a:t>They are rather simple and ready to use. </a:t>
             </a:r>
           </a:p>
           <a:p>
-            <a:pPr lvl="1"/>
+            <a:pPr marL="0" indent="0">
+              <a:buNone/>
+            </a:pPr>
             <a:r>
-              <a:rPr lang="en-GB" sz="1000" dirty="0"/>
-              <a:t>Reducing the need for proprietary data collection, cleaning, storage, etc…</a:t>
+              <a:rPr lang="en-GB" sz="1300" dirty="0"/>
+              <a:t>They are flexible and apt for use on many different types / instances of time-series data without the need for retraining (however the option for fine-tuning still exists).</a:t>
             </a:r>
           </a:p>
           <a:p>
+            <a:pPr marL="0" indent="0">
+              <a:buNone/>
+            </a:pPr>
             <a:r>
-              <a:rPr lang="en-GB" sz="1100" dirty="0"/>
-              <a:t>Simple and ready to use</a:t>
+              <a:rPr lang="en-GB" sz="1300" dirty="0"/>
+              <a:t>They are proven effective on general datasets. The aim of this research is to establish whether they are effective in </a:t>
             </a:r>
-          </a:p>
-          <a:p>
-            <a:pPr lvl="1"/>
             <a:r>
-              <a:rPr lang="en-GB" sz="1000" dirty="0"/>
-              <a:t>Reducing the need for complex ML pipelines and large ML teams to build and maintain them</a:t>
+              <a:rPr lang="en-GB" sz="1300" b="1" dirty="0"/>
+              <a:t>FINANCE.</a:t>
             </a:r>
-          </a:p>
-          <a:p>
-            <a:r>
-              <a:rPr lang="en-GB" sz="1100" dirty="0"/>
-              <a:t>Flexible</a:t>
-            </a:r>
-          </a:p>
-          <a:p>
-            <a:pPr lvl="1"/>
-            <a:r>
-              <a:rPr lang="en-GB" sz="1000" dirty="0"/>
-              <a:t>Having the ability to be fine-tuned in special cases</a:t>
-            </a:r>
-          </a:p>
-          <a:p>
-            <a:r>
-              <a:rPr lang="en-GB" sz="1100" dirty="0">
-                <a:solidFill>
-                  <a:srgbClr val="FF0000"/>
-                </a:solidFill>
-              </a:rPr>
-              <a:t>Proven effective</a:t>
-            </a:r>
-          </a:p>
-          <a:p>
-            <a:pPr lvl="1"/>
-            <a:r>
-              <a:rPr lang="en-GB" sz="1000" dirty="0">
-                <a:solidFill>
-                  <a:srgbClr val="FF0000"/>
-                </a:solidFill>
-              </a:rPr>
-              <a:t>Reliable and accurate</a:t>
-            </a:r>
+            <a:endParaRPr lang="en-GB" sz="1300" dirty="0"/>
           </a:p>
         </p:txBody>
       </p:sp>
@@ -24442,8 +24553,8 @@
         </p:nvSpPr>
         <p:spPr>
           <a:xfrm>
-            <a:off x="8286751" y="2104842"/>
-            <a:ext cx="3858262" cy="553373"/>
+            <a:off x="6311630" y="3400196"/>
+            <a:ext cx="5495676" cy="555940"/>
           </a:xfrm>
           <a:prstGeom prst="rect">
             <a:avLst/>
@@ -24691,8 +24802,80 @@
             </a:r>
             <a:r>
               <a:rPr lang="en-GB" dirty="0"/>
-              <a:t> do we find out whether TSFMs are effective ?</a:t>
+              <a:t> do we find out whether TSFMs are effective?</a:t>
             </a:r>
+          </a:p>
+        </p:txBody>
+      </p:sp>
+      <p:sp>
+        <p:nvSpPr>
+          <p:cNvPr id="10" name="Rectangle: Rounded Corners 9">
+            <a:extLst>
+              <a:ext uri="{FF2B5EF4-FFF2-40B4-BE49-F238E27FC236}">
+                <a16:creationId xmlns:a16="http://schemas.microsoft.com/office/drawing/2014/main" id="{2BD610D2-F79D-B045-405B-CDEBD8FACB6B}"/>
+              </a:ext>
+            </a:extLst>
+          </p:cNvPr>
+          <p:cNvSpPr/>
+          <p:nvPr/>
+        </p:nvSpPr>
+        <p:spPr>
+          <a:xfrm>
+            <a:off x="391886" y="3433444"/>
+            <a:ext cx="5539014" cy="3079401"/>
+          </a:xfrm>
+          <a:prstGeom prst="roundRect">
+            <a:avLst/>
+          </a:prstGeom>
+          <a:gradFill flip="none" rotWithShape="1">
+            <a:gsLst>
+              <a:gs pos="0">
+                <a:schemeClr val="accent1">
+                  <a:tint val="66000"/>
+                  <a:satMod val="160000"/>
+                </a:schemeClr>
+              </a:gs>
+              <a:gs pos="50000">
+                <a:schemeClr val="accent1">
+                  <a:tint val="44500"/>
+                  <a:satMod val="160000"/>
+                </a:schemeClr>
+              </a:gs>
+              <a:gs pos="100000">
+                <a:schemeClr val="accent1">
+                  <a:tint val="23500"/>
+                  <a:satMod val="160000"/>
+                </a:schemeClr>
+              </a:gs>
+            </a:gsLst>
+            <a:path path="circle">
+              <a:fillToRect t="100000" r="100000"/>
+            </a:path>
+            <a:tileRect l="-100000" b="-100000"/>
+          </a:gradFill>
+        </p:spPr>
+        <p:style>
+          <a:lnRef idx="2">
+            <a:schemeClr val="accent1">
+              <a:shade val="15000"/>
+            </a:schemeClr>
+          </a:lnRef>
+          <a:fillRef idx="1">
+            <a:schemeClr val="accent1"/>
+          </a:fillRef>
+          <a:effectRef idx="0">
+            <a:schemeClr val="accent1"/>
+          </a:effectRef>
+          <a:fontRef idx="minor">
+            <a:schemeClr val="lt1"/>
+          </a:fontRef>
+        </p:style>
+        <p:txBody>
+          <a:bodyPr rtlCol="0" anchor="ctr"/>
+          <a:lstStyle/>
+          <a:p>
+            <a:pPr algn="ctr"/>
+            <a:endParaRPr lang="en-GB" dirty="0"/>
           </a:p>
         </p:txBody>
       </p:sp>
@@ -24712,7 +24895,7 @@
         </p:nvSpPr>
         <p:spPr>
           <a:xfrm>
-            <a:off x="8286750" y="2780002"/>
+            <a:off x="8333737" y="4558893"/>
             <a:ext cx="3858263" cy="2934999"/>
           </a:xfrm>
           <a:prstGeom prst="rect">
@@ -24974,8 +25157,8 @@
         </p:nvSpPr>
         <p:spPr>
           <a:xfrm>
-            <a:off x="8286749" y="2658215"/>
-            <a:ext cx="3858263" cy="2934999"/>
+            <a:off x="6362160" y="3648850"/>
+            <a:ext cx="5495677" cy="2377542"/>
           </a:xfrm>
           <a:prstGeom prst="rect">
             <a:avLst/>
@@ -25220,53 +25403,154 @@
               <a:buFont typeface="Wingdings 2" panose="05020102010507070707" pitchFamily="18" charset="2"/>
               <a:buNone/>
             </a:pPr>
-            <a:r>
-              <a:rPr lang="en-GB" sz="1100" dirty="0"/>
-              <a:t>Steps:</a:t>
-            </a:r>
+            <a:endParaRPr lang="en-GB" sz="1300" dirty="0"/>
           </a:p>
           <a:p>
+            <a:pPr marL="342900" indent="-342900">
+              <a:buFont typeface="+mj-lt"/>
+              <a:buAutoNum type="arabicPeriod"/>
+            </a:pPr>
             <a:r>
-              <a:rPr lang="en-GB" sz="1100" dirty="0"/>
+              <a:rPr lang="en-GB" sz="1300" dirty="0"/>
               <a:t>Models’ performance needs to be measured</a:t>
             </a:r>
           </a:p>
           <a:p>
             <a:pPr lvl="1"/>
             <a:r>
-              <a:rPr lang="en-GB" sz="1000" dirty="0"/>
-              <a:t>This is done using regression metrics</a:t>
+              <a:rPr lang="en-GB" sz="1300" dirty="0"/>
+              <a:t>This is done using standard regression metrics</a:t>
             </a:r>
           </a:p>
           <a:p>
+            <a:pPr marL="342900" indent="-342900">
+              <a:buFont typeface="+mj-lt"/>
+              <a:buAutoNum type="arabicPeriod"/>
+            </a:pPr>
             <a:r>
-              <a:rPr lang="en-GB" sz="1100" dirty="0"/>
+              <a:rPr lang="en-GB" sz="1300" dirty="0"/>
               <a:t>We need to make sure that the evaluation is statistically significant</a:t>
             </a:r>
           </a:p>
           <a:p>
             <a:pPr lvl="1"/>
             <a:r>
-              <a:rPr lang="en-GB" sz="1000" dirty="0"/>
+              <a:rPr lang="en-GB" sz="1300" dirty="0"/>
               <a:t>This is done by employing Time Series Cross Validation (TSCV)</a:t>
             </a:r>
           </a:p>
           <a:p>
+            <a:pPr marL="342900" indent="-342900">
+              <a:buFont typeface="+mj-lt"/>
+              <a:buAutoNum type="arabicPeriod"/>
+            </a:pPr>
             <a:r>
-              <a:rPr lang="en-GB" sz="1100" dirty="0"/>
+              <a:rPr lang="en-GB" sz="1300" dirty="0"/>
               <a:t>We need to compare the TSFM against a benchmark</a:t>
             </a:r>
           </a:p>
           <a:p>
             <a:pPr lvl="1"/>
             <a:r>
-              <a:rPr lang="en-GB" sz="1000" dirty="0"/>
+              <a:rPr lang="en-GB" sz="1300" dirty="0"/>
               <a:t>Benchmark are the traditional time-series prediction models</a:t>
             </a:r>
-            <a:endParaRPr lang="en-GB" sz="1100" dirty="0"/>
           </a:p>
           <a:p>
             <a:endParaRPr lang="en-GB" sz="1100" dirty="0"/>
+          </a:p>
+        </p:txBody>
+      </p:sp>
+      <p:sp>
+        <p:nvSpPr>
+          <p:cNvPr id="4" name="Content Placeholder 3">
+            <a:extLst>
+              <a:ext uri="{FF2B5EF4-FFF2-40B4-BE49-F238E27FC236}">
+                <a16:creationId xmlns:a16="http://schemas.microsoft.com/office/drawing/2014/main" id="{D8539792-8B2E-DAED-1D01-85A094FCCC6C}"/>
+              </a:ext>
+            </a:extLst>
+          </p:cNvPr>
+          <p:cNvSpPr>
+            <a:spLocks noGrp="1"/>
+          </p:cNvSpPr>
+          <p:nvPr>
+            <p:ph sz="half" idx="2"/>
+          </p:nvPr>
+        </p:nvSpPr>
+        <p:spPr>
+          <a:xfrm>
+            <a:off x="435224" y="4113502"/>
+            <a:ext cx="5294827" cy="2047425"/>
+          </a:xfrm>
+        </p:spPr>
+        <p:txBody>
+          <a:bodyPr>
+            <a:normAutofit/>
+          </a:bodyPr>
+          <a:lstStyle/>
+          <a:p>
+            <a:pPr marL="0" indent="0">
+              <a:buNone/>
+            </a:pPr>
+            <a:r>
+              <a:rPr lang="en-GB" sz="1300" dirty="0"/>
+              <a:t>Time-series forecasting is hard. Building ML pipelines for time-series forecasting models requires specialized expert knowledge. </a:t>
+            </a:r>
+          </a:p>
+          <a:p>
+            <a:pPr marL="0" indent="0">
+              <a:buNone/>
+            </a:pPr>
+            <a:r>
+              <a:rPr lang="en-GB" sz="1300" dirty="0"/>
+              <a:t>Furthermore, those pipelines can be 100s of lines of code. Finding bugs or tuning such a code can therefore be quite complicated </a:t>
+            </a:r>
+          </a:p>
+          <a:p>
+            <a:pPr marL="0" indent="0">
+              <a:buNone/>
+            </a:pPr>
+            <a:r>
+              <a:rPr lang="en-GB" sz="1300" dirty="0"/>
+              <a:t>Finally: acquiring, cleaning and storing the training data, and employing staff to maintain the ML pipeline can be rather expensive.</a:t>
+            </a:r>
+          </a:p>
+        </p:txBody>
+      </p:sp>
+      <p:sp>
+        <p:nvSpPr>
+          <p:cNvPr id="3" name="Text Placeholder 2">
+            <a:extLst>
+              <a:ext uri="{FF2B5EF4-FFF2-40B4-BE49-F238E27FC236}">
+                <a16:creationId xmlns:a16="http://schemas.microsoft.com/office/drawing/2014/main" id="{D00568A1-30B6-C3B6-7DBD-CE8C0369A0F0}"/>
+              </a:ext>
+            </a:extLst>
+          </p:cNvPr>
+          <p:cNvSpPr>
+            <a:spLocks noGrp="1"/>
+          </p:cNvSpPr>
+          <p:nvPr>
+            <p:ph type="body" idx="1"/>
+          </p:nvPr>
+        </p:nvSpPr>
+        <p:spPr>
+          <a:xfrm>
+            <a:off x="506620" y="3567032"/>
+            <a:ext cx="5294829" cy="389104"/>
+          </a:xfrm>
+        </p:spPr>
+        <p:txBody>
+          <a:bodyPr/>
+          <a:lstStyle/>
+          <a:p>
+            <a:r>
+              <a:rPr lang="en-GB" b="1" dirty="0"/>
+              <a:t>Why</a:t>
+            </a:r>
+            <a:r>
+              <a:rPr lang="en-GB" dirty="0"/>
+              <a:t> need for changing time-series forecasting?</a:t>
+            </a:r>
           </a:p>
         </p:txBody>
       </p:sp>
@@ -25961,6 +26245,49 @@
           </a:prstGeom>
         </p:spPr>
       </p:pic>
+      <p:sp>
+        <p:nvSpPr>
+          <p:cNvPr id="3" name="TextBox 2">
+            <a:extLst>
+              <a:ext uri="{FF2B5EF4-FFF2-40B4-BE49-F238E27FC236}">
+                <a16:creationId xmlns:a16="http://schemas.microsoft.com/office/drawing/2014/main" id="{5F5F7604-EC9B-B940-5086-407D14062639}"/>
+              </a:ext>
+            </a:extLst>
+          </p:cNvPr>
+          <p:cNvSpPr txBox="1"/>
+          <p:nvPr/>
+        </p:nvSpPr>
+        <p:spPr>
+          <a:xfrm>
+            <a:off x="7910148" y="1367656"/>
+            <a:ext cx="3421117" cy="523220"/>
+          </a:xfrm>
+          <a:prstGeom prst="rect">
+            <a:avLst/>
+          </a:prstGeom>
+          <a:noFill/>
+        </p:spPr>
+        <p:txBody>
+          <a:bodyPr wrap="square" rtlCol="0">
+            <a:spAutoFit/>
+          </a:bodyPr>
+          <a:lstStyle/>
+          <a:p>
+            <a:r>
+              <a:rPr lang="en-GB" sz="2800" dirty="0">
+                <a:solidFill>
+                  <a:schemeClr val="tx1">
+                    <a:lumMod val="75000"/>
+                    <a:lumOff val="25000"/>
+                  </a:schemeClr>
+                </a:solidFill>
+                <a:latin typeface="+mj-lt"/>
+              </a:rPr>
+              <a:t>ARCHITECTURE</a:t>
+            </a:r>
+          </a:p>
+        </p:txBody>
+      </p:sp>
     </p:spTree>
     <p:extLst>
       <p:ext uri="{BB962C8B-B14F-4D97-AF65-F5344CB8AC3E}">
@@ -26085,8 +26412,8 @@
           </a:prstGeom>
         </p:spPr>
       </p:pic>
-      <mc:AlternateContent xmlns:mc="http://schemas.openxmlformats.org/markup-compatibility/2006">
-        <mc:Choice xmlns:p14="http://schemas.microsoft.com/office/powerpoint/2010/main" Requires="p14">
+      <mc:AlternateContent xmlns:mc="http://schemas.openxmlformats.org/markup-compatibility/2006" xmlns:p14="http://schemas.microsoft.com/office/powerpoint/2010/main">
+        <mc:Choice Requires="p14">
           <p:contentPart p14:bwMode="auto" r:id="rId8">
             <p14:nvContentPartPr>
               <p14:cNvPr id="42" name="Ink 41">
@@ -26105,7 +26432,7 @@
             </p14:xfrm>
           </p:contentPart>
         </mc:Choice>
-        <mc:Fallback>
+        <mc:Fallback xmlns="">
           <p:pic>
             <p:nvPicPr>
               <p:cNvPr id="42" name="Ink 41">
@@ -26136,8 +26463,8 @@
           </p:pic>
         </mc:Fallback>
       </mc:AlternateContent>
-      <mc:AlternateContent xmlns:mc="http://schemas.openxmlformats.org/markup-compatibility/2006">
-        <mc:Choice xmlns:p14="http://schemas.microsoft.com/office/powerpoint/2010/main" Requires="p14">
+      <mc:AlternateContent xmlns:mc="http://schemas.openxmlformats.org/markup-compatibility/2006" xmlns:p14="http://schemas.microsoft.com/office/powerpoint/2010/main">
+        <mc:Choice Requires="p14">
           <p:contentPart p14:bwMode="auto" r:id="rId10">
             <p14:nvContentPartPr>
               <p14:cNvPr id="43" name="Ink 42">
@@ -26156,7 +26483,7 @@
             </p14:xfrm>
           </p:contentPart>
         </mc:Choice>
-        <mc:Fallback>
+        <mc:Fallback xmlns="">
           <p:pic>
             <p:nvPicPr>
               <p:cNvPr id="43" name="Ink 42">
@@ -26187,6 +26514,49 @@
           </p:pic>
         </mc:Fallback>
       </mc:AlternateContent>
+      <p:sp>
+        <p:nvSpPr>
+          <p:cNvPr id="3" name="TextBox 2">
+            <a:extLst>
+              <a:ext uri="{FF2B5EF4-FFF2-40B4-BE49-F238E27FC236}">
+                <a16:creationId xmlns:a16="http://schemas.microsoft.com/office/drawing/2014/main" id="{A584F152-3B34-8032-8772-EE8AA587657B}"/>
+              </a:ext>
+            </a:extLst>
+          </p:cNvPr>
+          <p:cNvSpPr txBox="1"/>
+          <p:nvPr/>
+        </p:nvSpPr>
+        <p:spPr>
+          <a:xfrm>
+            <a:off x="7910148" y="1367656"/>
+            <a:ext cx="3421117" cy="523220"/>
+          </a:xfrm>
+          <a:prstGeom prst="rect">
+            <a:avLst/>
+          </a:prstGeom>
+          <a:noFill/>
+        </p:spPr>
+        <p:txBody>
+          <a:bodyPr wrap="square" rtlCol="0">
+            <a:spAutoFit/>
+          </a:bodyPr>
+          <a:lstStyle/>
+          <a:p>
+            <a:r>
+              <a:rPr lang="en-GB" sz="2800" dirty="0">
+                <a:solidFill>
+                  <a:schemeClr val="tx1">
+                    <a:lumMod val="75000"/>
+                    <a:lumOff val="25000"/>
+                  </a:schemeClr>
+                </a:solidFill>
+                <a:latin typeface="+mj-lt"/>
+              </a:rPr>
+              <a:t>ARCHITECTURE</a:t>
+            </a:r>
+          </a:p>
+        </p:txBody>
+      </p:sp>
     </p:spTree>
     <p:extLst>
       <p:ext uri="{BB962C8B-B14F-4D97-AF65-F5344CB8AC3E}">

--- a/17th of July Presentation.pptx
+++ b/17th of July Presentation.pptx
@@ -5,7 +5,7 @@
     <p:sldMasterId id="2147483692" r:id="rId1"/>
   </p:sldMasterIdLst>
   <p:notesMasterIdLst>
-    <p:notesMasterId r:id="rId18"/>
+    <p:notesMasterId r:id="rId23"/>
   </p:notesMasterIdLst>
   <p:sldIdLst>
     <p:sldId id="256" r:id="rId2"/>
@@ -22,8 +22,13 @@
     <p:sldId id="263" r:id="rId13"/>
     <p:sldId id="266" r:id="rId14"/>
     <p:sldId id="269" r:id="rId15"/>
-    <p:sldId id="270" r:id="rId16"/>
-    <p:sldId id="271" r:id="rId17"/>
+    <p:sldId id="278" r:id="rId16"/>
+    <p:sldId id="279" r:id="rId17"/>
+    <p:sldId id="280" r:id="rId18"/>
+    <p:sldId id="276" r:id="rId19"/>
+    <p:sldId id="277" r:id="rId20"/>
+    <p:sldId id="270" r:id="rId21"/>
+    <p:sldId id="271" r:id="rId22"/>
   </p:sldIdLst>
   <p:sldSz cx="12192000" cy="6858000"/>
   <p:notesSz cx="6858000" cy="9144000"/>
@@ -3154,6 +3159,753 @@
 </file>
 
 <file path=ppt/diagrams/colors5.xml><?xml version="1.0" encoding="utf-8"?>
+<dgm:colorsDef xmlns:dgm="http://schemas.openxmlformats.org/drawingml/2006/diagram" xmlns:a="http://schemas.openxmlformats.org/drawingml/2006/main" uniqueId="urn:microsoft.com/office/officeart/2005/8/colors/accent1_2">
+  <dgm:title val=""/>
+  <dgm:desc val=""/>
+  <dgm:catLst>
+    <dgm:cat type="accent1" pri="11200"/>
+  </dgm:catLst>
+  <dgm:styleLbl name="node0">
+    <dgm:fillClrLst meth="repeat">
+      <a:schemeClr val="accent1"/>
+    </dgm:fillClrLst>
+    <dgm:linClrLst meth="repeat">
+      <a:schemeClr val="lt1"/>
+    </dgm:linClrLst>
+    <dgm:effectClrLst/>
+    <dgm:txLinClrLst/>
+    <dgm:txFillClrLst/>
+    <dgm:txEffectClrLst/>
+  </dgm:styleLbl>
+  <dgm:styleLbl name="alignNode1">
+    <dgm:fillClrLst meth="repeat">
+      <a:schemeClr val="accent1"/>
+    </dgm:fillClrLst>
+    <dgm:linClrLst meth="repeat">
+      <a:schemeClr val="accent1"/>
+    </dgm:linClrLst>
+    <dgm:effectClrLst/>
+    <dgm:txLinClrLst/>
+    <dgm:txFillClrLst/>
+    <dgm:txEffectClrLst/>
+  </dgm:styleLbl>
+  <dgm:styleLbl name="node1">
+    <dgm:fillClrLst meth="repeat">
+      <a:schemeClr val="accent1"/>
+    </dgm:fillClrLst>
+    <dgm:linClrLst meth="repeat">
+      <a:schemeClr val="lt1"/>
+    </dgm:linClrLst>
+    <dgm:effectClrLst/>
+    <dgm:txLinClrLst/>
+    <dgm:txFillClrLst/>
+    <dgm:txEffectClrLst/>
+  </dgm:styleLbl>
+  <dgm:styleLbl name="lnNode1">
+    <dgm:fillClrLst meth="repeat">
+      <a:schemeClr val="accent1"/>
+    </dgm:fillClrLst>
+    <dgm:linClrLst meth="repeat">
+      <a:schemeClr val="lt1"/>
+    </dgm:linClrLst>
+    <dgm:effectClrLst/>
+    <dgm:txLinClrLst/>
+    <dgm:txFillClrLst/>
+    <dgm:txEffectClrLst/>
+  </dgm:styleLbl>
+  <dgm:styleLbl name="vennNode1">
+    <dgm:fillClrLst meth="repeat">
+      <a:schemeClr val="accent1">
+        <a:alpha val="50000"/>
+      </a:schemeClr>
+    </dgm:fillClrLst>
+    <dgm:linClrLst meth="repeat">
+      <a:schemeClr val="lt1"/>
+    </dgm:linClrLst>
+    <dgm:effectClrLst/>
+    <dgm:txLinClrLst/>
+    <dgm:txFillClrLst/>
+    <dgm:txEffectClrLst/>
+  </dgm:styleLbl>
+  <dgm:styleLbl name="node2">
+    <dgm:fillClrLst meth="repeat">
+      <a:schemeClr val="accent1"/>
+    </dgm:fillClrLst>
+    <dgm:linClrLst meth="repeat">
+      <a:schemeClr val="lt1"/>
+    </dgm:linClrLst>
+    <dgm:effectClrLst/>
+    <dgm:txLinClrLst/>
+    <dgm:txFillClrLst/>
+    <dgm:txEffectClrLst/>
+  </dgm:styleLbl>
+  <dgm:styleLbl name="node3">
+    <dgm:fillClrLst meth="repeat">
+      <a:schemeClr val="accent1"/>
+    </dgm:fillClrLst>
+    <dgm:linClrLst meth="repeat">
+      <a:schemeClr val="lt1"/>
+    </dgm:linClrLst>
+    <dgm:effectClrLst/>
+    <dgm:txLinClrLst/>
+    <dgm:txFillClrLst/>
+    <dgm:txEffectClrLst/>
+  </dgm:styleLbl>
+  <dgm:styleLbl name="node4">
+    <dgm:fillClrLst meth="repeat">
+      <a:schemeClr val="accent1"/>
+    </dgm:fillClrLst>
+    <dgm:linClrLst meth="repeat">
+      <a:schemeClr val="lt1"/>
+    </dgm:linClrLst>
+    <dgm:effectClrLst/>
+    <dgm:txLinClrLst/>
+    <dgm:txFillClrLst/>
+    <dgm:txEffectClrLst/>
+  </dgm:styleLbl>
+  <dgm:styleLbl name="fgImgPlace1">
+    <dgm:fillClrLst meth="repeat">
+      <a:schemeClr val="accent1">
+        <a:tint val="50000"/>
+      </a:schemeClr>
+    </dgm:fillClrLst>
+    <dgm:linClrLst meth="repeat">
+      <a:schemeClr val="lt1"/>
+    </dgm:linClrLst>
+    <dgm:effectClrLst/>
+    <dgm:txLinClrLst/>
+    <dgm:txFillClrLst meth="repeat">
+      <a:schemeClr val="lt1"/>
+    </dgm:txFillClrLst>
+    <dgm:txEffectClrLst/>
+  </dgm:styleLbl>
+  <dgm:styleLbl name="alignImgPlace1">
+    <dgm:fillClrLst meth="repeat">
+      <a:schemeClr val="accent1">
+        <a:tint val="50000"/>
+      </a:schemeClr>
+    </dgm:fillClrLst>
+    <dgm:linClrLst meth="repeat">
+      <a:schemeClr val="lt1"/>
+    </dgm:linClrLst>
+    <dgm:effectClrLst/>
+    <dgm:txLinClrLst/>
+    <dgm:txFillClrLst meth="repeat">
+      <a:schemeClr val="lt1"/>
+    </dgm:txFillClrLst>
+    <dgm:txEffectClrLst/>
+  </dgm:styleLbl>
+  <dgm:styleLbl name="bgImgPlace1">
+    <dgm:fillClrLst meth="repeat">
+      <a:schemeClr val="accent1">
+        <a:tint val="50000"/>
+      </a:schemeClr>
+    </dgm:fillClrLst>
+    <dgm:linClrLst meth="repeat">
+      <a:schemeClr val="lt1"/>
+    </dgm:linClrLst>
+    <dgm:effectClrLst/>
+    <dgm:txLinClrLst/>
+    <dgm:txFillClrLst meth="repeat">
+      <a:schemeClr val="lt1"/>
+    </dgm:txFillClrLst>
+    <dgm:txEffectClrLst/>
+  </dgm:styleLbl>
+  <dgm:styleLbl name="sibTrans2D1">
+    <dgm:fillClrLst meth="repeat">
+      <a:schemeClr val="accent1">
+        <a:tint val="60000"/>
+      </a:schemeClr>
+    </dgm:fillClrLst>
+    <dgm:linClrLst meth="repeat">
+      <a:schemeClr val="accent1">
+        <a:tint val="60000"/>
+      </a:schemeClr>
+    </dgm:linClrLst>
+    <dgm:effectClrLst/>
+    <dgm:txLinClrLst/>
+    <dgm:txFillClrLst/>
+    <dgm:txEffectClrLst/>
+  </dgm:styleLbl>
+  <dgm:styleLbl name="fgSibTrans2D1">
+    <dgm:fillClrLst meth="repeat">
+      <a:schemeClr val="accent1">
+        <a:tint val="60000"/>
+      </a:schemeClr>
+    </dgm:fillClrLst>
+    <dgm:linClrLst meth="repeat">
+      <a:schemeClr val="accent1">
+        <a:tint val="60000"/>
+      </a:schemeClr>
+    </dgm:linClrLst>
+    <dgm:effectClrLst/>
+    <dgm:txLinClrLst/>
+    <dgm:txFillClrLst/>
+    <dgm:txEffectClrLst/>
+  </dgm:styleLbl>
+  <dgm:styleLbl name="bgSibTrans2D1">
+    <dgm:fillClrLst meth="repeat">
+      <a:schemeClr val="accent1">
+        <a:tint val="60000"/>
+      </a:schemeClr>
+    </dgm:fillClrLst>
+    <dgm:linClrLst meth="repeat">
+      <a:schemeClr val="accent1">
+        <a:tint val="60000"/>
+      </a:schemeClr>
+    </dgm:linClrLst>
+    <dgm:effectClrLst/>
+    <dgm:txLinClrLst/>
+    <dgm:txFillClrLst/>
+    <dgm:txEffectClrLst/>
+  </dgm:styleLbl>
+  <dgm:styleLbl name="sibTrans1D1">
+    <dgm:fillClrLst meth="repeat">
+      <a:schemeClr val="accent1"/>
+    </dgm:fillClrLst>
+    <dgm:linClrLst meth="repeat">
+      <a:schemeClr val="accent1"/>
+    </dgm:linClrLst>
+    <dgm:effectClrLst/>
+    <dgm:txLinClrLst/>
+    <dgm:txFillClrLst meth="repeat">
+      <a:schemeClr val="tx1"/>
+    </dgm:txFillClrLst>
+    <dgm:txEffectClrLst/>
+  </dgm:styleLbl>
+  <dgm:styleLbl name="callout">
+    <dgm:fillClrLst meth="repeat">
+      <a:schemeClr val="accent1"/>
+    </dgm:fillClrLst>
+    <dgm:linClrLst meth="repeat">
+      <a:schemeClr val="accent1">
+        <a:tint val="50000"/>
+      </a:schemeClr>
+    </dgm:linClrLst>
+    <dgm:effectClrLst/>
+    <dgm:txLinClrLst/>
+    <dgm:txFillClrLst meth="repeat">
+      <a:schemeClr val="tx1"/>
+    </dgm:txFillClrLst>
+    <dgm:txEffectClrLst/>
+  </dgm:styleLbl>
+  <dgm:styleLbl name="asst0">
+    <dgm:fillClrLst meth="repeat">
+      <a:schemeClr val="accent1"/>
+    </dgm:fillClrLst>
+    <dgm:linClrLst meth="repeat">
+      <a:schemeClr val="lt1"/>
+    </dgm:linClrLst>
+    <dgm:effectClrLst/>
+    <dgm:txLinClrLst/>
+    <dgm:txFillClrLst/>
+    <dgm:txEffectClrLst/>
+  </dgm:styleLbl>
+  <dgm:styleLbl name="asst1">
+    <dgm:fillClrLst meth="repeat">
+      <a:schemeClr val="accent1"/>
+    </dgm:fillClrLst>
+    <dgm:linClrLst meth="repeat">
+      <a:schemeClr val="lt1"/>
+    </dgm:linClrLst>
+    <dgm:effectClrLst/>
+    <dgm:txLinClrLst/>
+    <dgm:txFillClrLst/>
+    <dgm:txEffectClrLst/>
+  </dgm:styleLbl>
+  <dgm:styleLbl name="asst2">
+    <dgm:fillClrLst meth="repeat">
+      <a:schemeClr val="accent1"/>
+    </dgm:fillClrLst>
+    <dgm:linClrLst meth="repeat">
+      <a:schemeClr val="lt1"/>
+    </dgm:linClrLst>
+    <dgm:effectClrLst/>
+    <dgm:txLinClrLst/>
+    <dgm:txFillClrLst/>
+    <dgm:txEffectClrLst/>
+  </dgm:styleLbl>
+  <dgm:styleLbl name="asst3">
+    <dgm:fillClrLst meth="repeat">
+      <a:schemeClr val="accent1"/>
+    </dgm:fillClrLst>
+    <dgm:linClrLst meth="repeat">
+      <a:schemeClr val="lt1"/>
+    </dgm:linClrLst>
+    <dgm:effectClrLst/>
+    <dgm:txLinClrLst/>
+    <dgm:txFillClrLst/>
+    <dgm:txEffectClrLst/>
+  </dgm:styleLbl>
+  <dgm:styleLbl name="asst4">
+    <dgm:fillClrLst meth="repeat">
+      <a:schemeClr val="accent1"/>
+    </dgm:fillClrLst>
+    <dgm:linClrLst meth="repeat">
+      <a:schemeClr val="lt1"/>
+    </dgm:linClrLst>
+    <dgm:effectClrLst/>
+    <dgm:txLinClrLst/>
+    <dgm:txFillClrLst/>
+    <dgm:txEffectClrLst/>
+  </dgm:styleLbl>
+  <dgm:styleLbl name="parChTrans2D1">
+    <dgm:fillClrLst meth="repeat">
+      <a:schemeClr val="accent1">
+        <a:tint val="60000"/>
+      </a:schemeClr>
+    </dgm:fillClrLst>
+    <dgm:linClrLst meth="repeat">
+      <a:schemeClr val="accent1">
+        <a:tint val="60000"/>
+      </a:schemeClr>
+    </dgm:linClrLst>
+    <dgm:effectClrLst/>
+    <dgm:txLinClrLst/>
+    <dgm:txFillClrLst meth="repeat">
+      <a:schemeClr val="lt1"/>
+    </dgm:txFillClrLst>
+    <dgm:txEffectClrLst/>
+  </dgm:styleLbl>
+  <dgm:styleLbl name="parChTrans2D2">
+    <dgm:fillClrLst meth="repeat">
+      <a:schemeClr val="accent1"/>
+    </dgm:fillClrLst>
+    <dgm:linClrLst meth="repeat">
+      <a:schemeClr val="accent1"/>
+    </dgm:linClrLst>
+    <dgm:effectClrLst/>
+    <dgm:txLinClrLst/>
+    <dgm:txFillClrLst meth="repeat">
+      <a:schemeClr val="lt1"/>
+    </dgm:txFillClrLst>
+    <dgm:txEffectClrLst/>
+  </dgm:styleLbl>
+  <dgm:styleLbl name="parChTrans2D3">
+    <dgm:fillClrLst meth="repeat">
+      <a:schemeClr val="accent1"/>
+    </dgm:fillClrLst>
+    <dgm:linClrLst meth="repeat">
+      <a:schemeClr val="accent1"/>
+    </dgm:linClrLst>
+    <dgm:effectClrLst/>
+    <dgm:txLinClrLst/>
+    <dgm:txFillClrLst meth="repeat">
+      <a:schemeClr val="lt1"/>
+    </dgm:txFillClrLst>
+    <dgm:txEffectClrLst/>
+  </dgm:styleLbl>
+  <dgm:styleLbl name="parChTrans2D4">
+    <dgm:fillClrLst meth="repeat">
+      <a:schemeClr val="accent1"/>
+    </dgm:fillClrLst>
+    <dgm:linClrLst meth="repeat">
+      <a:schemeClr val="accent1"/>
+    </dgm:linClrLst>
+    <dgm:effectClrLst/>
+    <dgm:txLinClrLst/>
+    <dgm:txFillClrLst meth="repeat">
+      <a:schemeClr val="lt1"/>
+    </dgm:txFillClrLst>
+    <dgm:txEffectClrLst/>
+  </dgm:styleLbl>
+  <dgm:styleLbl name="parChTrans1D1">
+    <dgm:fillClrLst meth="repeat">
+      <a:schemeClr val="accent1"/>
+    </dgm:fillClrLst>
+    <dgm:linClrLst meth="repeat">
+      <a:schemeClr val="accent1">
+        <a:shade val="60000"/>
+      </a:schemeClr>
+    </dgm:linClrLst>
+    <dgm:effectClrLst/>
+    <dgm:txLinClrLst/>
+    <dgm:txFillClrLst meth="repeat">
+      <a:schemeClr val="tx1"/>
+    </dgm:txFillClrLst>
+    <dgm:txEffectClrLst/>
+  </dgm:styleLbl>
+  <dgm:styleLbl name="parChTrans1D2">
+    <dgm:fillClrLst meth="repeat">
+      <a:schemeClr val="accent1"/>
+    </dgm:fillClrLst>
+    <dgm:linClrLst meth="repeat">
+      <a:schemeClr val="accent1">
+        <a:shade val="60000"/>
+      </a:schemeClr>
+    </dgm:linClrLst>
+    <dgm:effectClrLst/>
+    <dgm:txLinClrLst/>
+    <dgm:txFillClrLst meth="repeat">
+      <a:schemeClr val="tx1"/>
+    </dgm:txFillClrLst>
+    <dgm:txEffectClrLst/>
+  </dgm:styleLbl>
+  <dgm:styleLbl name="parChTrans1D3">
+    <dgm:fillClrLst meth="repeat">
+      <a:schemeClr val="accent1"/>
+    </dgm:fillClrLst>
+    <dgm:linClrLst meth="repeat">
+      <a:schemeClr val="accent1">
+        <a:shade val="80000"/>
+      </a:schemeClr>
+    </dgm:linClrLst>
+    <dgm:effectClrLst/>
+    <dgm:txLinClrLst/>
+    <dgm:txFillClrLst meth="repeat">
+      <a:schemeClr val="tx1"/>
+    </dgm:txFillClrLst>
+    <dgm:txEffectClrLst/>
+  </dgm:styleLbl>
+  <dgm:styleLbl name="parChTrans1D4">
+    <dgm:fillClrLst meth="repeat">
+      <a:schemeClr val="accent1"/>
+    </dgm:fillClrLst>
+    <dgm:linClrLst meth="repeat">
+      <a:schemeClr val="accent1">
+        <a:shade val="80000"/>
+      </a:schemeClr>
+    </dgm:linClrLst>
+    <dgm:effectClrLst/>
+    <dgm:txLinClrLst/>
+    <dgm:txFillClrLst meth="repeat">
+      <a:schemeClr val="tx1"/>
+    </dgm:txFillClrLst>
+    <dgm:txEffectClrLst/>
+  </dgm:styleLbl>
+  <dgm:styleLbl name="fgAcc1">
+    <dgm:fillClrLst meth="repeat">
+      <a:schemeClr val="lt1">
+        <a:alpha val="90000"/>
+      </a:schemeClr>
+    </dgm:fillClrLst>
+    <dgm:linClrLst meth="repeat">
+      <a:schemeClr val="accent1"/>
+    </dgm:linClrLst>
+    <dgm:effectClrLst/>
+    <dgm:txLinClrLst/>
+    <dgm:txFillClrLst meth="repeat">
+      <a:schemeClr val="dk1"/>
+    </dgm:txFillClrLst>
+    <dgm:txEffectClrLst/>
+  </dgm:styleLbl>
+  <dgm:styleLbl name="conFgAcc1">
+    <dgm:fillClrLst meth="repeat">
+      <a:schemeClr val="lt1">
+        <a:alpha val="90000"/>
+      </a:schemeClr>
+    </dgm:fillClrLst>
+    <dgm:linClrLst meth="repeat">
+      <a:schemeClr val="accent1"/>
+    </dgm:linClrLst>
+    <dgm:effectClrLst/>
+    <dgm:txLinClrLst/>
+    <dgm:txFillClrLst meth="repeat">
+      <a:schemeClr val="dk1"/>
+    </dgm:txFillClrLst>
+    <dgm:txEffectClrLst/>
+  </dgm:styleLbl>
+  <dgm:styleLbl name="alignAcc1">
+    <dgm:fillClrLst meth="repeat">
+      <a:schemeClr val="lt1">
+        <a:alpha val="90000"/>
+      </a:schemeClr>
+    </dgm:fillClrLst>
+    <dgm:linClrLst meth="repeat">
+      <a:schemeClr val="accent1"/>
+    </dgm:linClrLst>
+    <dgm:effectClrLst/>
+    <dgm:txLinClrLst/>
+    <dgm:txFillClrLst meth="repeat">
+      <a:schemeClr val="dk1"/>
+    </dgm:txFillClrLst>
+    <dgm:txEffectClrLst/>
+  </dgm:styleLbl>
+  <dgm:styleLbl name="trAlignAcc1">
+    <dgm:fillClrLst meth="repeat">
+      <a:schemeClr val="lt1">
+        <a:alpha val="40000"/>
+      </a:schemeClr>
+    </dgm:fillClrLst>
+    <dgm:linClrLst meth="repeat">
+      <a:schemeClr val="accent1"/>
+    </dgm:linClrLst>
+    <dgm:effectClrLst/>
+    <dgm:txLinClrLst/>
+    <dgm:txFillClrLst meth="repeat">
+      <a:schemeClr val="dk1"/>
+    </dgm:txFillClrLst>
+    <dgm:txEffectClrLst/>
+  </dgm:styleLbl>
+  <dgm:styleLbl name="bgAcc1">
+    <dgm:fillClrLst meth="repeat">
+      <a:schemeClr val="lt1">
+        <a:alpha val="90000"/>
+      </a:schemeClr>
+    </dgm:fillClrLst>
+    <dgm:linClrLst meth="repeat">
+      <a:schemeClr val="accent1"/>
+    </dgm:linClrLst>
+    <dgm:effectClrLst/>
+    <dgm:txLinClrLst/>
+    <dgm:txFillClrLst meth="repeat">
+      <a:schemeClr val="dk1"/>
+    </dgm:txFillClrLst>
+    <dgm:txEffectClrLst/>
+  </dgm:styleLbl>
+  <dgm:styleLbl name="solidFgAcc1">
+    <dgm:fillClrLst meth="repeat">
+      <a:schemeClr val="lt1"/>
+    </dgm:fillClrLst>
+    <dgm:linClrLst meth="repeat">
+      <a:schemeClr val="accent1"/>
+    </dgm:linClrLst>
+    <dgm:effectClrLst/>
+    <dgm:txLinClrLst/>
+    <dgm:txFillClrLst meth="repeat">
+      <a:schemeClr val="dk1"/>
+    </dgm:txFillClrLst>
+    <dgm:txEffectClrLst/>
+  </dgm:styleLbl>
+  <dgm:styleLbl name="solidAlignAcc1">
+    <dgm:fillClrLst meth="repeat">
+      <a:schemeClr val="lt1"/>
+    </dgm:fillClrLst>
+    <dgm:linClrLst meth="repeat">
+      <a:schemeClr val="accent1"/>
+    </dgm:linClrLst>
+    <dgm:effectClrLst/>
+    <dgm:txLinClrLst/>
+    <dgm:txFillClrLst meth="repeat">
+      <a:schemeClr val="dk1"/>
+    </dgm:txFillClrLst>
+    <dgm:txEffectClrLst/>
+  </dgm:styleLbl>
+  <dgm:styleLbl name="solidBgAcc1">
+    <dgm:fillClrLst meth="repeat">
+      <a:schemeClr val="lt1"/>
+    </dgm:fillClrLst>
+    <dgm:linClrLst meth="repeat">
+      <a:schemeClr val="accent1"/>
+    </dgm:linClrLst>
+    <dgm:effectClrLst/>
+    <dgm:txLinClrLst/>
+    <dgm:txFillClrLst meth="repeat">
+      <a:schemeClr val="dk1"/>
+    </dgm:txFillClrLst>
+    <dgm:txEffectClrLst/>
+  </dgm:styleLbl>
+  <dgm:styleLbl name="fgAccFollowNode1">
+    <dgm:fillClrLst meth="repeat">
+      <a:schemeClr val="accent1">
+        <a:alpha val="90000"/>
+        <a:tint val="40000"/>
+      </a:schemeClr>
+    </dgm:fillClrLst>
+    <dgm:linClrLst meth="repeat">
+      <a:schemeClr val="accent1">
+        <a:alpha val="90000"/>
+        <a:tint val="40000"/>
+      </a:schemeClr>
+    </dgm:linClrLst>
+    <dgm:effectClrLst/>
+    <dgm:txLinClrLst/>
+    <dgm:txFillClrLst meth="repeat">
+      <a:schemeClr val="dk1"/>
+    </dgm:txFillClrLst>
+    <dgm:txEffectClrLst/>
+  </dgm:styleLbl>
+  <dgm:styleLbl name="alignAccFollowNode1">
+    <dgm:fillClrLst meth="repeat">
+      <a:schemeClr val="accent1">
+        <a:alpha val="90000"/>
+        <a:tint val="40000"/>
+      </a:schemeClr>
+    </dgm:fillClrLst>
+    <dgm:linClrLst meth="repeat">
+      <a:schemeClr val="accent1">
+        <a:alpha val="90000"/>
+        <a:tint val="40000"/>
+      </a:schemeClr>
+    </dgm:linClrLst>
+    <dgm:effectClrLst/>
+    <dgm:txLinClrLst/>
+    <dgm:txFillClrLst meth="repeat">
+      <a:schemeClr val="dk1"/>
+    </dgm:txFillClrLst>
+    <dgm:txEffectClrLst/>
+  </dgm:styleLbl>
+  <dgm:styleLbl name="bgAccFollowNode1">
+    <dgm:fillClrLst meth="repeat">
+      <a:schemeClr val="accent1">
+        <a:alpha val="90000"/>
+        <a:tint val="40000"/>
+      </a:schemeClr>
+    </dgm:fillClrLst>
+    <dgm:linClrLst meth="repeat">
+      <a:schemeClr val="accent1">
+        <a:alpha val="90000"/>
+        <a:tint val="40000"/>
+      </a:schemeClr>
+    </dgm:linClrLst>
+    <dgm:effectClrLst/>
+    <dgm:txLinClrLst/>
+    <dgm:txFillClrLst meth="repeat">
+      <a:schemeClr val="dk1"/>
+    </dgm:txFillClrLst>
+    <dgm:txEffectClrLst/>
+  </dgm:styleLbl>
+  <dgm:styleLbl name="fgAcc0">
+    <dgm:fillClrLst meth="repeat">
+      <a:schemeClr val="lt1">
+        <a:alpha val="90000"/>
+      </a:schemeClr>
+    </dgm:fillClrLst>
+    <dgm:linClrLst meth="repeat">
+      <a:schemeClr val="accent1"/>
+    </dgm:linClrLst>
+    <dgm:effectClrLst/>
+    <dgm:txLinClrLst/>
+    <dgm:txFillClrLst meth="repeat">
+      <a:schemeClr val="dk1"/>
+    </dgm:txFillClrLst>
+    <dgm:txEffectClrLst/>
+  </dgm:styleLbl>
+  <dgm:styleLbl name="fgAcc2">
+    <dgm:fillClrLst meth="repeat">
+      <a:schemeClr val="lt1">
+        <a:alpha val="90000"/>
+      </a:schemeClr>
+    </dgm:fillClrLst>
+    <dgm:linClrLst meth="repeat">
+      <a:schemeClr val="accent1"/>
+    </dgm:linClrLst>
+    <dgm:effectClrLst/>
+    <dgm:txLinClrLst/>
+    <dgm:txFillClrLst meth="repeat">
+      <a:schemeClr val="dk1"/>
+    </dgm:txFillClrLst>
+    <dgm:txEffectClrLst/>
+  </dgm:styleLbl>
+  <dgm:styleLbl name="fgAcc3">
+    <dgm:fillClrLst meth="repeat">
+      <a:schemeClr val="lt1">
+        <a:alpha val="90000"/>
+      </a:schemeClr>
+    </dgm:fillClrLst>
+    <dgm:linClrLst meth="repeat">
+      <a:schemeClr val="accent1"/>
+    </dgm:linClrLst>
+    <dgm:effectClrLst/>
+    <dgm:txLinClrLst/>
+    <dgm:txFillClrLst meth="repeat">
+      <a:schemeClr val="dk1"/>
+    </dgm:txFillClrLst>
+    <dgm:txEffectClrLst/>
+  </dgm:styleLbl>
+  <dgm:styleLbl name="fgAcc4">
+    <dgm:fillClrLst meth="repeat">
+      <a:schemeClr val="lt1">
+        <a:alpha val="90000"/>
+      </a:schemeClr>
+    </dgm:fillClrLst>
+    <dgm:linClrLst meth="repeat">
+      <a:schemeClr val="accent1"/>
+    </dgm:linClrLst>
+    <dgm:effectClrLst/>
+    <dgm:txLinClrLst/>
+    <dgm:txFillClrLst meth="repeat">
+      <a:schemeClr val="dk1"/>
+    </dgm:txFillClrLst>
+    <dgm:txEffectClrLst/>
+  </dgm:styleLbl>
+  <dgm:styleLbl name="bgShp">
+    <dgm:fillClrLst meth="repeat">
+      <a:schemeClr val="accent1">
+        <a:tint val="40000"/>
+      </a:schemeClr>
+    </dgm:fillClrLst>
+    <dgm:linClrLst meth="repeat">
+      <a:schemeClr val="accent1"/>
+    </dgm:linClrLst>
+    <dgm:effectClrLst/>
+    <dgm:txLinClrLst/>
+    <dgm:txFillClrLst meth="repeat">
+      <a:schemeClr val="dk1"/>
+    </dgm:txFillClrLst>
+    <dgm:txEffectClrLst/>
+  </dgm:styleLbl>
+  <dgm:styleLbl name="dkBgShp">
+    <dgm:fillClrLst meth="repeat">
+      <a:schemeClr val="accent1">
+        <a:shade val="80000"/>
+      </a:schemeClr>
+    </dgm:fillClrLst>
+    <dgm:linClrLst meth="repeat">
+      <a:schemeClr val="accent1"/>
+    </dgm:linClrLst>
+    <dgm:effectClrLst/>
+    <dgm:txLinClrLst/>
+    <dgm:txFillClrLst meth="repeat">
+      <a:schemeClr val="lt1"/>
+    </dgm:txFillClrLst>
+    <dgm:txEffectClrLst/>
+  </dgm:styleLbl>
+  <dgm:styleLbl name="trBgShp">
+    <dgm:fillClrLst meth="repeat">
+      <a:schemeClr val="accent1">
+        <a:tint val="50000"/>
+        <a:alpha val="40000"/>
+      </a:schemeClr>
+    </dgm:fillClrLst>
+    <dgm:linClrLst meth="repeat">
+      <a:schemeClr val="accent1"/>
+    </dgm:linClrLst>
+    <dgm:effectClrLst/>
+    <dgm:txLinClrLst/>
+    <dgm:txFillClrLst meth="repeat">
+      <a:schemeClr val="lt1"/>
+    </dgm:txFillClrLst>
+    <dgm:txEffectClrLst/>
+  </dgm:styleLbl>
+  <dgm:styleLbl name="fgShp">
+    <dgm:fillClrLst meth="repeat">
+      <a:schemeClr val="accent1">
+        <a:tint val="60000"/>
+      </a:schemeClr>
+    </dgm:fillClrLst>
+    <dgm:linClrLst meth="repeat">
+      <a:schemeClr val="lt1"/>
+    </dgm:linClrLst>
+    <dgm:effectClrLst/>
+    <dgm:txLinClrLst/>
+    <dgm:txFillClrLst meth="repeat">
+      <a:schemeClr val="dk1"/>
+    </dgm:txFillClrLst>
+    <dgm:txEffectClrLst/>
+  </dgm:styleLbl>
+  <dgm:styleLbl name="revTx">
+    <dgm:fillClrLst meth="repeat">
+      <a:schemeClr val="lt1">
+        <a:alpha val="0"/>
+      </a:schemeClr>
+    </dgm:fillClrLst>
+    <dgm:linClrLst meth="repeat">
+      <a:schemeClr val="dk1">
+        <a:alpha val="0"/>
+      </a:schemeClr>
+    </dgm:linClrLst>
+    <dgm:effectClrLst/>
+    <dgm:txLinClrLst/>
+    <dgm:txFillClrLst meth="repeat">
+      <a:schemeClr val="tx1"/>
+    </dgm:txFillClrLst>
+    <dgm:txEffectClrLst/>
+  </dgm:styleLbl>
+</dgm:colorsDef>
+</file>
+
+<file path=ppt/diagrams/colors6.xml><?xml version="1.0" encoding="utf-8"?>
 <dgm:colorsDef xmlns:dgm="http://schemas.openxmlformats.org/drawingml/2006/diagram" xmlns:a="http://schemas.openxmlformats.org/drawingml/2006/main" uniqueId="urn:microsoft.com/office/officeart/2005/8/colors/accent1_2">
   <dgm:title val=""/>
   <dgm:desc val=""/>
@@ -6110,6 +6862,527 @@
     <dgm:cxn modelId="{66410344-C753-40E8-96CD-8CE0B59A0B50}" type="presParOf" srcId="{58DD5BC4-B268-4126-A417-62507590AD94}" destId="{C84E31AD-48DF-4B0A-A83B-9C7E8D894BF3}" srcOrd="1" destOrd="0" presId="urn:microsoft.com/office/officeart/2018/2/layout/IconVerticalSolidList"/>
     <dgm:cxn modelId="{A95569A3-814D-43D6-9AB6-A9E18491BDCD}" type="presParOf" srcId="{58DD5BC4-B268-4126-A417-62507590AD94}" destId="{96EDFDC4-FD31-4FD5-896D-8B8538F3C090}" srcOrd="2" destOrd="0" presId="urn:microsoft.com/office/officeart/2018/2/layout/IconVerticalSolidList"/>
     <dgm:cxn modelId="{B9C708F0-517F-401B-A98F-BCFA57F3763F}" type="presParOf" srcId="{58DD5BC4-B268-4126-A417-62507590AD94}" destId="{25983D35-24F0-45B3-9D64-562541C2A760}" srcOrd="3" destOrd="0" presId="urn:microsoft.com/office/officeart/2018/2/layout/IconVerticalSolidList"/>
+  </dgm:cxnLst>
+  <dgm:bg/>
+  <dgm:whole/>
+  <dgm:extLst>
+    <a:ext uri="http://schemas.microsoft.com/office/drawing/2008/diagram">
+      <dsp:dataModelExt xmlns:dsp="http://schemas.microsoft.com/office/drawing/2008/diagram" relId="rId6" minVer="http://schemas.openxmlformats.org/drawingml/2006/diagram"/>
+    </a:ext>
+  </dgm:extLst>
+</dgm:dataModel>
+</file>
+
+<file path=ppt/diagrams/data6.xml><?xml version="1.0" encoding="utf-8"?>
+<dgm:dataModel xmlns:dgm="http://schemas.openxmlformats.org/drawingml/2006/diagram" xmlns:a="http://schemas.openxmlformats.org/drawingml/2006/main">
+  <dgm:ptLst>
+    <dgm:pt modelId="{43BD19D8-841B-4BC8-8F86-ACF71B52AA4B}" type="doc">
+      <dgm:prSet loTypeId="urn:microsoft.com/office/officeart/2018/2/layout/IconVerticalSolidList" loCatId="icon" qsTypeId="urn:microsoft.com/office/officeart/2005/8/quickstyle/simple1" qsCatId="simple" csTypeId="urn:microsoft.com/office/officeart/2005/8/colors/accent1_2" csCatId="accent1" phldr="1"/>
+      <dgm:spPr/>
+      <dgm:t>
+        <a:bodyPr/>
+        <a:lstStyle/>
+        <a:p>
+          <a:endParaRPr lang="en-US"/>
+        </a:p>
+      </dgm:t>
+    </dgm:pt>
+    <dgm:pt modelId="{2BDA8AB1-EE8F-43B5-B325-0E3D91A12970}">
+      <dgm:prSet/>
+      <dgm:spPr/>
+      <dgm:t>
+        <a:bodyPr/>
+        <a:lstStyle/>
+        <a:p>
+          <a:pPr>
+            <a:lnSpc>
+              <a:spcPct val="100000"/>
+            </a:lnSpc>
+          </a:pPr>
+          <a:r>
+            <a:rPr lang="en-GB"/>
+            <a:t>Implement mode models</a:t>
+          </a:r>
+          <a:endParaRPr lang="en-US"/>
+        </a:p>
+      </dgm:t>
+    </dgm:pt>
+    <dgm:pt modelId="{89F263CE-18A1-4C9B-B657-04B666A8A324}" type="parTrans" cxnId="{47D1465F-E146-4950-B2C1-A89F6DFF18BA}">
+      <dgm:prSet/>
+      <dgm:spPr/>
+      <dgm:t>
+        <a:bodyPr/>
+        <a:lstStyle/>
+        <a:p>
+          <a:endParaRPr lang="en-US"/>
+        </a:p>
+      </dgm:t>
+    </dgm:pt>
+    <dgm:pt modelId="{FB7AB135-5323-4B14-9675-2A19584678B4}" type="sibTrans" cxnId="{47D1465F-E146-4950-B2C1-A89F6DFF18BA}">
+      <dgm:prSet/>
+      <dgm:spPr/>
+      <dgm:t>
+        <a:bodyPr/>
+        <a:lstStyle/>
+        <a:p>
+          <a:endParaRPr lang="en-US"/>
+        </a:p>
+      </dgm:t>
+    </dgm:pt>
+    <dgm:pt modelId="{795C0D8B-8362-4EFC-AED1-297F8C66BE50}">
+      <dgm:prSet/>
+      <dgm:spPr/>
+      <dgm:t>
+        <a:bodyPr/>
+        <a:lstStyle/>
+        <a:p>
+          <a:pPr>
+            <a:lnSpc>
+              <a:spcPct val="100000"/>
+            </a:lnSpc>
+          </a:pPr>
+          <a:r>
+            <a:rPr lang="en-GB"/>
+            <a:t>Gather more data</a:t>
+          </a:r>
+          <a:endParaRPr lang="en-US"/>
+        </a:p>
+      </dgm:t>
+    </dgm:pt>
+    <dgm:pt modelId="{083B1500-F2BC-4578-B014-720B8BC6599E}" type="parTrans" cxnId="{7EF4BC75-73D6-4326-A820-63AAD01488BE}">
+      <dgm:prSet/>
+      <dgm:spPr/>
+      <dgm:t>
+        <a:bodyPr/>
+        <a:lstStyle/>
+        <a:p>
+          <a:endParaRPr lang="en-US"/>
+        </a:p>
+      </dgm:t>
+    </dgm:pt>
+    <dgm:pt modelId="{1E83FCBE-8C6F-4AAD-A519-9F3A9CB5213E}" type="sibTrans" cxnId="{7EF4BC75-73D6-4326-A820-63AAD01488BE}">
+      <dgm:prSet/>
+      <dgm:spPr/>
+      <dgm:t>
+        <a:bodyPr/>
+        <a:lstStyle/>
+        <a:p>
+          <a:endParaRPr lang="en-US"/>
+        </a:p>
+      </dgm:t>
+    </dgm:pt>
+    <dgm:pt modelId="{B5F02339-21A7-466E-8032-EBF6B05CCE5F}">
+      <dgm:prSet/>
+      <dgm:spPr/>
+      <dgm:t>
+        <a:bodyPr/>
+        <a:lstStyle/>
+        <a:p>
+          <a:pPr>
+            <a:lnSpc>
+              <a:spcPct val="100000"/>
+            </a:lnSpc>
+          </a:pPr>
+          <a:r>
+            <a:rPr lang="en-GB" dirty="0"/>
+            <a:t>Fine tune TSFMs</a:t>
+          </a:r>
+          <a:endParaRPr lang="en-US" dirty="0"/>
+        </a:p>
+      </dgm:t>
+    </dgm:pt>
+    <dgm:pt modelId="{38E6C79F-5E48-4CD6-A2AF-08097450BFBD}" type="parTrans" cxnId="{0D536B63-0406-41F6-89BF-4371884792E7}">
+      <dgm:prSet/>
+      <dgm:spPr/>
+      <dgm:t>
+        <a:bodyPr/>
+        <a:lstStyle/>
+        <a:p>
+          <a:endParaRPr lang="en-US"/>
+        </a:p>
+      </dgm:t>
+    </dgm:pt>
+    <dgm:pt modelId="{A9A480A6-4518-41FD-8143-8C49EC2B3F74}" type="sibTrans" cxnId="{0D536B63-0406-41F6-89BF-4371884792E7}">
+      <dgm:prSet/>
+      <dgm:spPr/>
+      <dgm:t>
+        <a:bodyPr/>
+        <a:lstStyle/>
+        <a:p>
+          <a:endParaRPr lang="en-US"/>
+        </a:p>
+      </dgm:t>
+    </dgm:pt>
+    <dgm:pt modelId="{FEB091F9-39B4-4A7E-A447-5A0F50691D6C}">
+      <dgm:prSet/>
+      <dgm:spPr/>
+      <dgm:t>
+        <a:bodyPr/>
+        <a:lstStyle/>
+        <a:p>
+          <a:pPr>
+            <a:lnSpc>
+              <a:spcPct val="100000"/>
+            </a:lnSpc>
+          </a:pPr>
+          <a:r>
+            <a:rPr lang="en-GB" dirty="0"/>
+            <a:t>Run the experiment on different configurations</a:t>
+          </a:r>
+          <a:endParaRPr lang="en-US" dirty="0"/>
+        </a:p>
+      </dgm:t>
+    </dgm:pt>
+    <dgm:pt modelId="{A2976B9B-CE43-46C4-8E97-F0D225E3F015}" type="parTrans" cxnId="{D0D676A7-0C38-4A34-ACE7-2121743D38BC}">
+      <dgm:prSet/>
+      <dgm:spPr/>
+      <dgm:t>
+        <a:bodyPr/>
+        <a:lstStyle/>
+        <a:p>
+          <a:endParaRPr lang="en-US"/>
+        </a:p>
+      </dgm:t>
+    </dgm:pt>
+    <dgm:pt modelId="{364DA164-2879-41A1-A80C-AFE96ACF1EC7}" type="sibTrans" cxnId="{D0D676A7-0C38-4A34-ACE7-2121743D38BC}">
+      <dgm:prSet/>
+      <dgm:spPr/>
+      <dgm:t>
+        <a:bodyPr/>
+        <a:lstStyle/>
+        <a:p>
+          <a:endParaRPr lang="en-US"/>
+        </a:p>
+      </dgm:t>
+    </dgm:pt>
+    <dgm:pt modelId="{C8CD0C19-4867-4F5D-982B-BE9806DB6AC8}">
+      <dgm:prSet/>
+      <dgm:spPr/>
+      <dgm:t>
+        <a:bodyPr/>
+        <a:lstStyle/>
+        <a:p>
+          <a:pPr>
+            <a:lnSpc>
+              <a:spcPct val="100000"/>
+            </a:lnSpc>
+          </a:pPr>
+          <a:r>
+            <a:rPr lang="en-GB"/>
+            <a:t>Record and summarize results</a:t>
+          </a:r>
+        </a:p>
+      </dgm:t>
+    </dgm:pt>
+    <dgm:pt modelId="{AC573584-E865-4DB7-AF62-4D33A8C757E9}" type="parTrans" cxnId="{68FB55BD-EE2C-4491-A6FF-177E46F01D32}">
+      <dgm:prSet/>
+      <dgm:spPr/>
+      <dgm:t>
+        <a:bodyPr/>
+        <a:lstStyle/>
+        <a:p>
+          <a:endParaRPr lang="en-US"/>
+        </a:p>
+      </dgm:t>
+    </dgm:pt>
+    <dgm:pt modelId="{FD9FB649-1962-423A-A577-5535D1C2315F}" type="sibTrans" cxnId="{68FB55BD-EE2C-4491-A6FF-177E46F01D32}">
+      <dgm:prSet/>
+      <dgm:spPr/>
+      <dgm:t>
+        <a:bodyPr/>
+        <a:lstStyle/>
+        <a:p>
+          <a:endParaRPr lang="en-US"/>
+        </a:p>
+      </dgm:t>
+    </dgm:pt>
+    <dgm:pt modelId="{34E965BA-5F5A-4C19-BCA9-E38A0BFC15BF}" type="pres">
+      <dgm:prSet presAssocID="{43BD19D8-841B-4BC8-8F86-ACF71B52AA4B}" presName="root" presStyleCnt="0">
+        <dgm:presLayoutVars>
+          <dgm:dir/>
+          <dgm:resizeHandles val="exact"/>
+        </dgm:presLayoutVars>
+      </dgm:prSet>
+      <dgm:spPr/>
+    </dgm:pt>
+    <dgm:pt modelId="{FC4A4EC8-4514-49C8-80D0-17A9650C0312}" type="pres">
+      <dgm:prSet presAssocID="{2BDA8AB1-EE8F-43B5-B325-0E3D91A12970}" presName="compNode" presStyleCnt="0"/>
+      <dgm:spPr/>
+    </dgm:pt>
+    <dgm:pt modelId="{E678C021-50A0-4247-BBCF-2EE15F86BE12}" type="pres">
+      <dgm:prSet presAssocID="{2BDA8AB1-EE8F-43B5-B325-0E3D91A12970}" presName="bgRect" presStyleLbl="bgShp" presStyleIdx="0" presStyleCnt="5"/>
+      <dgm:spPr/>
+    </dgm:pt>
+    <dgm:pt modelId="{D9C2DD32-75C7-4C18-9E1C-B94981A1850D}" type="pres">
+      <dgm:prSet presAssocID="{2BDA8AB1-EE8F-43B5-B325-0E3D91A12970}" presName="iconRect" presStyleLbl="node1" presStyleIdx="0" presStyleCnt="5"/>
+      <dgm:spPr>
+        <a:blipFill>
+          <a:blip xmlns:r="http://schemas.openxmlformats.org/officeDocument/2006/relationships" r:embed="rId1">
+            <a:extLst>
+              <a:ext uri="{96DAC541-7B7A-43D3-8B79-37D633B846F1}">
+                <asvg:svgBlip xmlns:asvg="http://schemas.microsoft.com/office/drawing/2016/SVG/main" r:embed="rId2"/>
+              </a:ext>
+            </a:extLst>
+          </a:blip>
+          <a:srcRect/>
+          <a:stretch>
+            <a:fillRect/>
+          </a:stretch>
+        </a:blipFill>
+      </dgm:spPr>
+      <dgm:extLst>
+        <a:ext uri="{E40237B7-FDA0-4F09-8148-C483321AD2D9}">
+          <dgm14:cNvPr xmlns:dgm14="http://schemas.microsoft.com/office/drawing/2010/diagram" id="0" name="" descr="Gears with solid fill"/>
+        </a:ext>
+      </dgm:extLst>
+    </dgm:pt>
+    <dgm:pt modelId="{8428D608-405D-4DCC-B6E5-00B9C07729EF}" type="pres">
+      <dgm:prSet presAssocID="{2BDA8AB1-EE8F-43B5-B325-0E3D91A12970}" presName="spaceRect" presStyleCnt="0"/>
+      <dgm:spPr/>
+    </dgm:pt>
+    <dgm:pt modelId="{62D7DCFE-AF71-4D42-B302-3F60F0F5FD02}" type="pres">
+      <dgm:prSet presAssocID="{2BDA8AB1-EE8F-43B5-B325-0E3D91A12970}" presName="parTx" presStyleLbl="revTx" presStyleIdx="0" presStyleCnt="5">
+        <dgm:presLayoutVars>
+          <dgm:chMax val="0"/>
+          <dgm:chPref val="0"/>
+        </dgm:presLayoutVars>
+      </dgm:prSet>
+      <dgm:spPr/>
+    </dgm:pt>
+    <dgm:pt modelId="{726ADF52-AF2C-4AAC-B34A-84B0AB99EC0E}" type="pres">
+      <dgm:prSet presAssocID="{FB7AB135-5323-4B14-9675-2A19584678B4}" presName="sibTrans" presStyleCnt="0"/>
+      <dgm:spPr/>
+    </dgm:pt>
+    <dgm:pt modelId="{79AD45D6-1FF9-43E0-BA3E-4ED3782D6500}" type="pres">
+      <dgm:prSet presAssocID="{795C0D8B-8362-4EFC-AED1-297F8C66BE50}" presName="compNode" presStyleCnt="0"/>
+      <dgm:spPr/>
+    </dgm:pt>
+    <dgm:pt modelId="{DEFFEA6F-8791-4E63-85AF-A7B6505A1C0D}" type="pres">
+      <dgm:prSet presAssocID="{795C0D8B-8362-4EFC-AED1-297F8C66BE50}" presName="bgRect" presStyleLbl="bgShp" presStyleIdx="1" presStyleCnt="5"/>
+      <dgm:spPr/>
+    </dgm:pt>
+    <dgm:pt modelId="{0EEF1034-35D9-4266-970B-CA313D4BA44E}" type="pres">
+      <dgm:prSet presAssocID="{795C0D8B-8362-4EFC-AED1-297F8C66BE50}" presName="iconRect" presStyleLbl="node1" presStyleIdx="1" presStyleCnt="5"/>
+      <dgm:spPr>
+        <a:blipFill>
+          <a:blip xmlns:r="http://schemas.openxmlformats.org/officeDocument/2006/relationships" r:embed="rId3">
+            <a:extLst>
+              <a:ext uri="{96DAC541-7B7A-43D3-8B79-37D633B846F1}">
+                <asvg:svgBlip xmlns:asvg="http://schemas.microsoft.com/office/drawing/2016/SVG/main" r:embed="rId4"/>
+              </a:ext>
+            </a:extLst>
+          </a:blip>
+          <a:srcRect/>
+          <a:stretch>
+            <a:fillRect/>
+          </a:stretch>
+        </a:blipFill>
+      </dgm:spPr>
+      <dgm:extLst>
+        <a:ext uri="{E40237B7-FDA0-4F09-8148-C483321AD2D9}">
+          <dgm14:cNvPr xmlns:dgm14="http://schemas.microsoft.com/office/drawing/2010/diagram" id="0" name="" descr="Folder Search with solid fill"/>
+        </a:ext>
+      </dgm:extLst>
+    </dgm:pt>
+    <dgm:pt modelId="{80B8D466-5AFF-4FEF-9F2C-9535FFD7CEF3}" type="pres">
+      <dgm:prSet presAssocID="{795C0D8B-8362-4EFC-AED1-297F8C66BE50}" presName="spaceRect" presStyleCnt="0"/>
+      <dgm:spPr/>
+    </dgm:pt>
+    <dgm:pt modelId="{2338D0C1-C399-43B0-B98A-43A2CEBE6389}" type="pres">
+      <dgm:prSet presAssocID="{795C0D8B-8362-4EFC-AED1-297F8C66BE50}" presName="parTx" presStyleLbl="revTx" presStyleIdx="1" presStyleCnt="5">
+        <dgm:presLayoutVars>
+          <dgm:chMax val="0"/>
+          <dgm:chPref val="0"/>
+        </dgm:presLayoutVars>
+      </dgm:prSet>
+      <dgm:spPr/>
+    </dgm:pt>
+    <dgm:pt modelId="{B4B2D04C-28FF-4187-96C5-5D710DFEDFFE}" type="pres">
+      <dgm:prSet presAssocID="{1E83FCBE-8C6F-4AAD-A519-9F3A9CB5213E}" presName="sibTrans" presStyleCnt="0"/>
+      <dgm:spPr/>
+    </dgm:pt>
+    <dgm:pt modelId="{59628788-78A3-482B-B674-954D43ECE36A}" type="pres">
+      <dgm:prSet presAssocID="{B5F02339-21A7-466E-8032-EBF6B05CCE5F}" presName="compNode" presStyleCnt="0"/>
+      <dgm:spPr/>
+    </dgm:pt>
+    <dgm:pt modelId="{A972A108-6430-4771-A796-F526871636A9}" type="pres">
+      <dgm:prSet presAssocID="{B5F02339-21A7-466E-8032-EBF6B05CCE5F}" presName="bgRect" presStyleLbl="bgShp" presStyleIdx="2" presStyleCnt="5"/>
+      <dgm:spPr/>
+    </dgm:pt>
+    <dgm:pt modelId="{0837A0D2-333B-4FD3-BD60-03763CD32DA6}" type="pres">
+      <dgm:prSet presAssocID="{B5F02339-21A7-466E-8032-EBF6B05CCE5F}" presName="iconRect" presStyleLbl="node1" presStyleIdx="2" presStyleCnt="5"/>
+      <dgm:spPr>
+        <a:blipFill>
+          <a:blip xmlns:r="http://schemas.openxmlformats.org/officeDocument/2006/relationships" r:embed="rId5">
+            <a:extLst>
+              <a:ext uri="{96DAC541-7B7A-43D3-8B79-37D633B846F1}">
+                <asvg:svgBlip xmlns:asvg="http://schemas.microsoft.com/office/drawing/2016/SVG/main" r:embed="rId6"/>
+              </a:ext>
+            </a:extLst>
+          </a:blip>
+          <a:srcRect/>
+          <a:stretch>
+            <a:fillRect/>
+          </a:stretch>
+        </a:blipFill>
+      </dgm:spPr>
+      <dgm:extLst>
+        <a:ext uri="{E40237B7-FDA0-4F09-8148-C483321AD2D9}">
+          <dgm14:cNvPr xmlns:dgm14="http://schemas.microsoft.com/office/drawing/2010/diagram" id="0" name="" descr="Wrench with solid fill"/>
+        </a:ext>
+      </dgm:extLst>
+    </dgm:pt>
+    <dgm:pt modelId="{F21EF490-8AB3-43B7-A540-66EAA3ECF466}" type="pres">
+      <dgm:prSet presAssocID="{B5F02339-21A7-466E-8032-EBF6B05CCE5F}" presName="spaceRect" presStyleCnt="0"/>
+      <dgm:spPr/>
+    </dgm:pt>
+    <dgm:pt modelId="{056832DA-4E60-4882-84A2-077A3DE5AC8C}" type="pres">
+      <dgm:prSet presAssocID="{B5F02339-21A7-466E-8032-EBF6B05CCE5F}" presName="parTx" presStyleLbl="revTx" presStyleIdx="2" presStyleCnt="5">
+        <dgm:presLayoutVars>
+          <dgm:chMax val="0"/>
+          <dgm:chPref val="0"/>
+        </dgm:presLayoutVars>
+      </dgm:prSet>
+      <dgm:spPr/>
+    </dgm:pt>
+    <dgm:pt modelId="{641813E1-B028-4DC3-9675-C8D355E13CD6}" type="pres">
+      <dgm:prSet presAssocID="{A9A480A6-4518-41FD-8143-8C49EC2B3F74}" presName="sibTrans" presStyleCnt="0"/>
+      <dgm:spPr/>
+    </dgm:pt>
+    <dgm:pt modelId="{248DC194-3C36-4B09-9107-E9A71B9E065E}" type="pres">
+      <dgm:prSet presAssocID="{FEB091F9-39B4-4A7E-A447-5A0F50691D6C}" presName="compNode" presStyleCnt="0"/>
+      <dgm:spPr/>
+    </dgm:pt>
+    <dgm:pt modelId="{FAFB4CFD-D9B2-4C41-BCF6-E25877D82F60}" type="pres">
+      <dgm:prSet presAssocID="{FEB091F9-39B4-4A7E-A447-5A0F50691D6C}" presName="bgRect" presStyleLbl="bgShp" presStyleIdx="3" presStyleCnt="5"/>
+      <dgm:spPr/>
+    </dgm:pt>
+    <dgm:pt modelId="{B66D5C97-50BF-45B8-9B6B-400CE53F96B9}" type="pres">
+      <dgm:prSet presAssocID="{FEB091F9-39B4-4A7E-A447-5A0F50691D6C}" presName="iconRect" presStyleLbl="node1" presStyleIdx="3" presStyleCnt="5"/>
+      <dgm:spPr>
+        <a:blipFill>
+          <a:blip xmlns:r="http://schemas.openxmlformats.org/officeDocument/2006/relationships" r:embed="rId7">
+            <a:extLst>
+              <a:ext uri="{96DAC541-7B7A-43D3-8B79-37D633B846F1}">
+                <asvg:svgBlip xmlns:asvg="http://schemas.microsoft.com/office/drawing/2016/SVG/main" r:embed="rId8"/>
+              </a:ext>
+            </a:extLst>
+          </a:blip>
+          <a:srcRect/>
+          <a:stretch>
+            <a:fillRect/>
+          </a:stretch>
+        </a:blipFill>
+      </dgm:spPr>
+      <dgm:extLst>
+        <a:ext uri="{E40237B7-FDA0-4F09-8148-C483321AD2D9}">
+          <dgm14:cNvPr xmlns:dgm14="http://schemas.microsoft.com/office/drawing/2010/diagram" id="0" name="" descr="Blockchain with solid fill"/>
+        </a:ext>
+      </dgm:extLst>
+    </dgm:pt>
+    <dgm:pt modelId="{74C6C441-D94F-4B96-B48D-21DE5159DC6A}" type="pres">
+      <dgm:prSet presAssocID="{FEB091F9-39B4-4A7E-A447-5A0F50691D6C}" presName="spaceRect" presStyleCnt="0"/>
+      <dgm:spPr/>
+    </dgm:pt>
+    <dgm:pt modelId="{5D2E83D5-9061-42CE-9ABB-4D53EDEEF19C}" type="pres">
+      <dgm:prSet presAssocID="{FEB091F9-39B4-4A7E-A447-5A0F50691D6C}" presName="parTx" presStyleLbl="revTx" presStyleIdx="3" presStyleCnt="5">
+        <dgm:presLayoutVars>
+          <dgm:chMax val="0"/>
+          <dgm:chPref val="0"/>
+        </dgm:presLayoutVars>
+      </dgm:prSet>
+      <dgm:spPr/>
+    </dgm:pt>
+    <dgm:pt modelId="{697EF37B-3E6D-4A75-9998-572D371002D4}" type="pres">
+      <dgm:prSet presAssocID="{364DA164-2879-41A1-A80C-AFE96ACF1EC7}" presName="sibTrans" presStyleCnt="0"/>
+      <dgm:spPr/>
+    </dgm:pt>
+    <dgm:pt modelId="{9D1E96F5-0CE4-44DA-8906-77D9974DFB34}" type="pres">
+      <dgm:prSet presAssocID="{C8CD0C19-4867-4F5D-982B-BE9806DB6AC8}" presName="compNode" presStyleCnt="0"/>
+      <dgm:spPr/>
+    </dgm:pt>
+    <dgm:pt modelId="{A6C45460-8E19-4C13-9A74-9B53D8E25C47}" type="pres">
+      <dgm:prSet presAssocID="{C8CD0C19-4867-4F5D-982B-BE9806DB6AC8}" presName="bgRect" presStyleLbl="bgShp" presStyleIdx="4" presStyleCnt="5"/>
+      <dgm:spPr/>
+    </dgm:pt>
+    <dgm:pt modelId="{9129C24B-12B7-4804-AA78-A936053C4F47}" type="pres">
+      <dgm:prSet presAssocID="{C8CD0C19-4867-4F5D-982B-BE9806DB6AC8}" presName="iconRect" presStyleLbl="node1" presStyleIdx="4" presStyleCnt="5"/>
+      <dgm:spPr>
+        <a:blipFill>
+          <a:blip xmlns:r="http://schemas.openxmlformats.org/officeDocument/2006/relationships" r:embed="rId9">
+            <a:extLst>
+              <a:ext uri="{96DAC541-7B7A-43D3-8B79-37D633B846F1}">
+                <asvg:svgBlip xmlns:asvg="http://schemas.microsoft.com/office/drawing/2016/SVG/main" r:embed="rId10"/>
+              </a:ext>
+            </a:extLst>
+          </a:blip>
+          <a:srcRect/>
+          <a:stretch>
+            <a:fillRect/>
+          </a:stretch>
+        </a:blipFill>
+      </dgm:spPr>
+      <dgm:extLst>
+        <a:ext uri="{E40237B7-FDA0-4F09-8148-C483321AD2D9}">
+          <dgm14:cNvPr xmlns:dgm14="http://schemas.microsoft.com/office/drawing/2010/diagram" id="0" name="" descr="Disk with solid fill"/>
+        </a:ext>
+      </dgm:extLst>
+    </dgm:pt>
+    <dgm:pt modelId="{64B74D58-EABA-4239-85A7-337C4D9F5D30}" type="pres">
+      <dgm:prSet presAssocID="{C8CD0C19-4867-4F5D-982B-BE9806DB6AC8}" presName="spaceRect" presStyleCnt="0"/>
+      <dgm:spPr/>
+    </dgm:pt>
+    <dgm:pt modelId="{2341D9F2-92E6-4E73-9765-5E5F1CF6DBEA}" type="pres">
+      <dgm:prSet presAssocID="{C8CD0C19-4867-4F5D-982B-BE9806DB6AC8}" presName="parTx" presStyleLbl="revTx" presStyleIdx="4" presStyleCnt="5">
+        <dgm:presLayoutVars>
+          <dgm:chMax val="0"/>
+          <dgm:chPref val="0"/>
+        </dgm:presLayoutVars>
+      </dgm:prSet>
+      <dgm:spPr/>
+    </dgm:pt>
+  </dgm:ptLst>
+  <dgm:cxnLst>
+    <dgm:cxn modelId="{47D1465F-E146-4950-B2C1-A89F6DFF18BA}" srcId="{43BD19D8-841B-4BC8-8F86-ACF71B52AA4B}" destId="{2BDA8AB1-EE8F-43B5-B325-0E3D91A12970}" srcOrd="0" destOrd="0" parTransId="{89F263CE-18A1-4C9B-B657-04B666A8A324}" sibTransId="{FB7AB135-5323-4B14-9675-2A19584678B4}"/>
+    <dgm:cxn modelId="{0D536B63-0406-41F6-89BF-4371884792E7}" srcId="{43BD19D8-841B-4BC8-8F86-ACF71B52AA4B}" destId="{B5F02339-21A7-466E-8032-EBF6B05CCE5F}" srcOrd="2" destOrd="0" parTransId="{38E6C79F-5E48-4CD6-A2AF-08097450BFBD}" sibTransId="{A9A480A6-4518-41FD-8143-8C49EC2B3F74}"/>
+    <dgm:cxn modelId="{2A6A4D6A-5455-41B1-A1B9-2AB02D8F69BE}" type="presOf" srcId="{2BDA8AB1-EE8F-43B5-B325-0E3D91A12970}" destId="{62D7DCFE-AF71-4D42-B302-3F60F0F5FD02}" srcOrd="0" destOrd="0" presId="urn:microsoft.com/office/officeart/2018/2/layout/IconVerticalSolidList"/>
+    <dgm:cxn modelId="{7EF4BC75-73D6-4326-A820-63AAD01488BE}" srcId="{43BD19D8-841B-4BC8-8F86-ACF71B52AA4B}" destId="{795C0D8B-8362-4EFC-AED1-297F8C66BE50}" srcOrd="1" destOrd="0" parTransId="{083B1500-F2BC-4578-B014-720B8BC6599E}" sibTransId="{1E83FCBE-8C6F-4AAD-A519-9F3A9CB5213E}"/>
+    <dgm:cxn modelId="{9F554382-8921-4423-824A-BE60A94F5F37}" type="presOf" srcId="{C8CD0C19-4867-4F5D-982B-BE9806DB6AC8}" destId="{2341D9F2-92E6-4E73-9765-5E5F1CF6DBEA}" srcOrd="0" destOrd="0" presId="urn:microsoft.com/office/officeart/2018/2/layout/IconVerticalSolidList"/>
+    <dgm:cxn modelId="{1068CC97-0675-449C-ADF0-4264C62E2378}" type="presOf" srcId="{FEB091F9-39B4-4A7E-A447-5A0F50691D6C}" destId="{5D2E83D5-9061-42CE-9ABB-4D53EDEEF19C}" srcOrd="0" destOrd="0" presId="urn:microsoft.com/office/officeart/2018/2/layout/IconVerticalSolidList"/>
+    <dgm:cxn modelId="{D0D676A7-0C38-4A34-ACE7-2121743D38BC}" srcId="{43BD19D8-841B-4BC8-8F86-ACF71B52AA4B}" destId="{FEB091F9-39B4-4A7E-A447-5A0F50691D6C}" srcOrd="3" destOrd="0" parTransId="{A2976B9B-CE43-46C4-8E97-F0D225E3F015}" sibTransId="{364DA164-2879-41A1-A80C-AFE96ACF1EC7}"/>
+    <dgm:cxn modelId="{E6E790B7-61DD-404C-8D6B-EE57B100602A}" type="presOf" srcId="{B5F02339-21A7-466E-8032-EBF6B05CCE5F}" destId="{056832DA-4E60-4882-84A2-077A3DE5AC8C}" srcOrd="0" destOrd="0" presId="urn:microsoft.com/office/officeart/2018/2/layout/IconVerticalSolidList"/>
+    <dgm:cxn modelId="{68FB55BD-EE2C-4491-A6FF-177E46F01D32}" srcId="{43BD19D8-841B-4BC8-8F86-ACF71B52AA4B}" destId="{C8CD0C19-4867-4F5D-982B-BE9806DB6AC8}" srcOrd="4" destOrd="0" parTransId="{AC573584-E865-4DB7-AF62-4D33A8C757E9}" sibTransId="{FD9FB649-1962-423A-A577-5535D1C2315F}"/>
+    <dgm:cxn modelId="{F65BEFC4-3EEB-4D93-BF53-D37F791D3EC8}" type="presOf" srcId="{795C0D8B-8362-4EFC-AED1-297F8C66BE50}" destId="{2338D0C1-C399-43B0-B98A-43A2CEBE6389}" srcOrd="0" destOrd="0" presId="urn:microsoft.com/office/officeart/2018/2/layout/IconVerticalSolidList"/>
+    <dgm:cxn modelId="{5CC402D2-2823-4A69-A6B4-948B51D20914}" type="presOf" srcId="{43BD19D8-841B-4BC8-8F86-ACF71B52AA4B}" destId="{34E965BA-5F5A-4C19-BCA9-E38A0BFC15BF}" srcOrd="0" destOrd="0" presId="urn:microsoft.com/office/officeart/2018/2/layout/IconVerticalSolidList"/>
+    <dgm:cxn modelId="{69D9DFF1-9685-4B5C-BA62-477E061E6E0C}" type="presParOf" srcId="{34E965BA-5F5A-4C19-BCA9-E38A0BFC15BF}" destId="{FC4A4EC8-4514-49C8-80D0-17A9650C0312}" srcOrd="0" destOrd="0" presId="urn:microsoft.com/office/officeart/2018/2/layout/IconVerticalSolidList"/>
+    <dgm:cxn modelId="{DB4DD25A-3D36-4F88-8381-17E2EB79B5E9}" type="presParOf" srcId="{FC4A4EC8-4514-49C8-80D0-17A9650C0312}" destId="{E678C021-50A0-4247-BBCF-2EE15F86BE12}" srcOrd="0" destOrd="0" presId="urn:microsoft.com/office/officeart/2018/2/layout/IconVerticalSolidList"/>
+    <dgm:cxn modelId="{C0D0C05E-8166-4D27-90C1-CB23862F286C}" type="presParOf" srcId="{FC4A4EC8-4514-49C8-80D0-17A9650C0312}" destId="{D9C2DD32-75C7-4C18-9E1C-B94981A1850D}" srcOrd="1" destOrd="0" presId="urn:microsoft.com/office/officeart/2018/2/layout/IconVerticalSolidList"/>
+    <dgm:cxn modelId="{57C40359-FB16-4EE7-B4D7-40F462C2B6FE}" type="presParOf" srcId="{FC4A4EC8-4514-49C8-80D0-17A9650C0312}" destId="{8428D608-405D-4DCC-B6E5-00B9C07729EF}" srcOrd="2" destOrd="0" presId="urn:microsoft.com/office/officeart/2018/2/layout/IconVerticalSolidList"/>
+    <dgm:cxn modelId="{88C8439D-BD63-4D92-B530-B654E04880B6}" type="presParOf" srcId="{FC4A4EC8-4514-49C8-80D0-17A9650C0312}" destId="{62D7DCFE-AF71-4D42-B302-3F60F0F5FD02}" srcOrd="3" destOrd="0" presId="urn:microsoft.com/office/officeart/2018/2/layout/IconVerticalSolidList"/>
+    <dgm:cxn modelId="{004FDA24-0437-455B-91B9-99FCD1B0D47E}" type="presParOf" srcId="{34E965BA-5F5A-4C19-BCA9-E38A0BFC15BF}" destId="{726ADF52-AF2C-4AAC-B34A-84B0AB99EC0E}" srcOrd="1" destOrd="0" presId="urn:microsoft.com/office/officeart/2018/2/layout/IconVerticalSolidList"/>
+    <dgm:cxn modelId="{F5682E9F-967F-43D2-AB73-B6CD2D798443}" type="presParOf" srcId="{34E965BA-5F5A-4C19-BCA9-E38A0BFC15BF}" destId="{79AD45D6-1FF9-43E0-BA3E-4ED3782D6500}" srcOrd="2" destOrd="0" presId="urn:microsoft.com/office/officeart/2018/2/layout/IconVerticalSolidList"/>
+    <dgm:cxn modelId="{E3A9C6FC-65B6-4F5A-98C5-55002099E956}" type="presParOf" srcId="{79AD45D6-1FF9-43E0-BA3E-4ED3782D6500}" destId="{DEFFEA6F-8791-4E63-85AF-A7B6505A1C0D}" srcOrd="0" destOrd="0" presId="urn:microsoft.com/office/officeart/2018/2/layout/IconVerticalSolidList"/>
+    <dgm:cxn modelId="{2886E42E-9007-414F-87C7-91804B16FF38}" type="presParOf" srcId="{79AD45D6-1FF9-43E0-BA3E-4ED3782D6500}" destId="{0EEF1034-35D9-4266-970B-CA313D4BA44E}" srcOrd="1" destOrd="0" presId="urn:microsoft.com/office/officeart/2018/2/layout/IconVerticalSolidList"/>
+    <dgm:cxn modelId="{72CA7B49-8FDB-415D-A541-4E390646A076}" type="presParOf" srcId="{79AD45D6-1FF9-43E0-BA3E-4ED3782D6500}" destId="{80B8D466-5AFF-4FEF-9F2C-9535FFD7CEF3}" srcOrd="2" destOrd="0" presId="urn:microsoft.com/office/officeart/2018/2/layout/IconVerticalSolidList"/>
+    <dgm:cxn modelId="{F0ED9796-85D9-46F7-B517-1727202770AB}" type="presParOf" srcId="{79AD45D6-1FF9-43E0-BA3E-4ED3782D6500}" destId="{2338D0C1-C399-43B0-B98A-43A2CEBE6389}" srcOrd="3" destOrd="0" presId="urn:microsoft.com/office/officeart/2018/2/layout/IconVerticalSolidList"/>
+    <dgm:cxn modelId="{D9276481-03F0-439D-9B77-0D8101F41C60}" type="presParOf" srcId="{34E965BA-5F5A-4C19-BCA9-E38A0BFC15BF}" destId="{B4B2D04C-28FF-4187-96C5-5D710DFEDFFE}" srcOrd="3" destOrd="0" presId="urn:microsoft.com/office/officeart/2018/2/layout/IconVerticalSolidList"/>
+    <dgm:cxn modelId="{47CDD0C7-2DF5-4F66-A198-6532A668337C}" type="presParOf" srcId="{34E965BA-5F5A-4C19-BCA9-E38A0BFC15BF}" destId="{59628788-78A3-482B-B674-954D43ECE36A}" srcOrd="4" destOrd="0" presId="urn:microsoft.com/office/officeart/2018/2/layout/IconVerticalSolidList"/>
+    <dgm:cxn modelId="{A67FC5E9-59D5-4B45-85BD-37AADDBD2124}" type="presParOf" srcId="{59628788-78A3-482B-B674-954D43ECE36A}" destId="{A972A108-6430-4771-A796-F526871636A9}" srcOrd="0" destOrd="0" presId="urn:microsoft.com/office/officeart/2018/2/layout/IconVerticalSolidList"/>
+    <dgm:cxn modelId="{5C3BE1D0-1118-4837-A361-1678EB1C94D0}" type="presParOf" srcId="{59628788-78A3-482B-B674-954D43ECE36A}" destId="{0837A0D2-333B-4FD3-BD60-03763CD32DA6}" srcOrd="1" destOrd="0" presId="urn:microsoft.com/office/officeart/2018/2/layout/IconVerticalSolidList"/>
+    <dgm:cxn modelId="{399415FA-02CD-43FE-B3DE-46AC7CC97990}" type="presParOf" srcId="{59628788-78A3-482B-B674-954D43ECE36A}" destId="{F21EF490-8AB3-43B7-A540-66EAA3ECF466}" srcOrd="2" destOrd="0" presId="urn:microsoft.com/office/officeart/2018/2/layout/IconVerticalSolidList"/>
+    <dgm:cxn modelId="{BDA25F4D-A940-4D8B-A70C-057AA3A727E0}" type="presParOf" srcId="{59628788-78A3-482B-B674-954D43ECE36A}" destId="{056832DA-4E60-4882-84A2-077A3DE5AC8C}" srcOrd="3" destOrd="0" presId="urn:microsoft.com/office/officeart/2018/2/layout/IconVerticalSolidList"/>
+    <dgm:cxn modelId="{6A954D7F-2E23-4C42-977A-D31FB0FA9E29}" type="presParOf" srcId="{34E965BA-5F5A-4C19-BCA9-E38A0BFC15BF}" destId="{641813E1-B028-4DC3-9675-C8D355E13CD6}" srcOrd="5" destOrd="0" presId="urn:microsoft.com/office/officeart/2018/2/layout/IconVerticalSolidList"/>
+    <dgm:cxn modelId="{822CB9A8-1DC0-4941-BF3C-C15B5B2EFFC5}" type="presParOf" srcId="{34E965BA-5F5A-4C19-BCA9-E38A0BFC15BF}" destId="{248DC194-3C36-4B09-9107-E9A71B9E065E}" srcOrd="6" destOrd="0" presId="urn:microsoft.com/office/officeart/2018/2/layout/IconVerticalSolidList"/>
+    <dgm:cxn modelId="{9F66A4B4-55B3-4E2B-AC79-EBC415521BA3}" type="presParOf" srcId="{248DC194-3C36-4B09-9107-E9A71B9E065E}" destId="{FAFB4CFD-D9B2-4C41-BCF6-E25877D82F60}" srcOrd="0" destOrd="0" presId="urn:microsoft.com/office/officeart/2018/2/layout/IconVerticalSolidList"/>
+    <dgm:cxn modelId="{F261D748-4D52-4425-95F8-A0B9F6CF2EB0}" type="presParOf" srcId="{248DC194-3C36-4B09-9107-E9A71B9E065E}" destId="{B66D5C97-50BF-45B8-9B6B-400CE53F96B9}" srcOrd="1" destOrd="0" presId="urn:microsoft.com/office/officeart/2018/2/layout/IconVerticalSolidList"/>
+    <dgm:cxn modelId="{640D560E-9FE9-4100-816B-7962BFD317CE}" type="presParOf" srcId="{248DC194-3C36-4B09-9107-E9A71B9E065E}" destId="{74C6C441-D94F-4B96-B48D-21DE5159DC6A}" srcOrd="2" destOrd="0" presId="urn:microsoft.com/office/officeart/2018/2/layout/IconVerticalSolidList"/>
+    <dgm:cxn modelId="{E181D46F-714B-4B2E-A920-6B4739B879BF}" type="presParOf" srcId="{248DC194-3C36-4B09-9107-E9A71B9E065E}" destId="{5D2E83D5-9061-42CE-9ABB-4D53EDEEF19C}" srcOrd="3" destOrd="0" presId="urn:microsoft.com/office/officeart/2018/2/layout/IconVerticalSolidList"/>
+    <dgm:cxn modelId="{C21BA6E7-27DB-4497-99FD-9368FF47BA00}" type="presParOf" srcId="{34E965BA-5F5A-4C19-BCA9-E38A0BFC15BF}" destId="{697EF37B-3E6D-4A75-9998-572D371002D4}" srcOrd="7" destOrd="0" presId="urn:microsoft.com/office/officeart/2018/2/layout/IconVerticalSolidList"/>
+    <dgm:cxn modelId="{6B833AA7-0BEA-4AD4-82A6-5FC5F06BEC1E}" type="presParOf" srcId="{34E965BA-5F5A-4C19-BCA9-E38A0BFC15BF}" destId="{9D1E96F5-0CE4-44DA-8906-77D9974DFB34}" srcOrd="8" destOrd="0" presId="urn:microsoft.com/office/officeart/2018/2/layout/IconVerticalSolidList"/>
+    <dgm:cxn modelId="{6A15785B-E17C-4A0C-8B2A-EFC04722E2F5}" type="presParOf" srcId="{9D1E96F5-0CE4-44DA-8906-77D9974DFB34}" destId="{A6C45460-8E19-4C13-9A74-9B53D8E25C47}" srcOrd="0" destOrd="0" presId="urn:microsoft.com/office/officeart/2018/2/layout/IconVerticalSolidList"/>
+    <dgm:cxn modelId="{FB8CC958-09FE-4001-98F6-07603B694C51}" type="presParOf" srcId="{9D1E96F5-0CE4-44DA-8906-77D9974DFB34}" destId="{9129C24B-12B7-4804-AA78-A936053C4F47}" srcOrd="1" destOrd="0" presId="urn:microsoft.com/office/officeart/2018/2/layout/IconVerticalSolidList"/>
+    <dgm:cxn modelId="{CB135E76-535B-4894-AB2E-3F03D8CD7C3F}" type="presParOf" srcId="{9D1E96F5-0CE4-44DA-8906-77D9974DFB34}" destId="{64B74D58-EABA-4239-85A7-337C4D9F5D30}" srcOrd="2" destOrd="0" presId="urn:microsoft.com/office/officeart/2018/2/layout/IconVerticalSolidList"/>
+    <dgm:cxn modelId="{1F51090D-46DA-4919-BF71-E0EEC0F5127C}" type="presParOf" srcId="{9D1E96F5-0CE4-44DA-8906-77D9974DFB34}" destId="{2341D9F2-92E6-4E73-9765-5E5F1CF6DBEA}" srcOrd="3" destOrd="0" presId="urn:microsoft.com/office/officeart/2018/2/layout/IconVerticalSolidList"/>
   </dgm:cxnLst>
   <dgm:bg/>
   <dgm:whole/>
@@ -9544,6 +10817,802 @@
 </dsp:drawing>
 </file>
 
+<file path=ppt/diagrams/drawing6.xml><?xml version="1.0" encoding="utf-8"?>
+<dsp:drawing xmlns:dgm="http://schemas.openxmlformats.org/drawingml/2006/diagram" xmlns:dsp="http://schemas.microsoft.com/office/drawing/2008/diagram" xmlns:a="http://schemas.openxmlformats.org/drawingml/2006/main">
+  <dsp:spTree>
+    <dsp:nvGrpSpPr>
+      <dsp:cNvPr id="0" name=""/>
+      <dsp:cNvGrpSpPr/>
+    </dsp:nvGrpSpPr>
+    <dsp:grpSpPr/>
+    <dsp:sp modelId="{E678C021-50A0-4247-BBCF-2EE15F86BE12}">
+      <dsp:nvSpPr>
+        <dsp:cNvPr id="0" name=""/>
+        <dsp:cNvSpPr/>
+      </dsp:nvSpPr>
+      <dsp:spPr>
+        <a:xfrm>
+          <a:off x="0" y="4349"/>
+          <a:ext cx="7948662" cy="926396"/>
+        </a:xfrm>
+        <a:prstGeom prst="roundRect">
+          <a:avLst>
+            <a:gd name="adj" fmla="val 10000"/>
+          </a:avLst>
+        </a:prstGeom>
+        <a:solidFill>
+          <a:schemeClr val="accent1">
+            <a:tint val="40000"/>
+            <a:hueOff val="0"/>
+            <a:satOff val="0"/>
+            <a:lumOff val="0"/>
+            <a:alphaOff val="0"/>
+          </a:schemeClr>
+        </a:solidFill>
+        <a:ln>
+          <a:noFill/>
+        </a:ln>
+        <a:effectLst/>
+      </dsp:spPr>
+      <dsp:style>
+        <a:lnRef idx="0">
+          <a:scrgbClr r="0" g="0" b="0"/>
+        </a:lnRef>
+        <a:fillRef idx="1">
+          <a:scrgbClr r="0" g="0" b="0"/>
+        </a:fillRef>
+        <a:effectRef idx="0">
+          <a:scrgbClr r="0" g="0" b="0"/>
+        </a:effectRef>
+        <a:fontRef idx="minor"/>
+      </dsp:style>
+    </dsp:sp>
+    <dsp:sp modelId="{D9C2DD32-75C7-4C18-9E1C-B94981A1850D}">
+      <dsp:nvSpPr>
+        <dsp:cNvPr id="0" name=""/>
+        <dsp:cNvSpPr/>
+      </dsp:nvSpPr>
+      <dsp:spPr>
+        <a:xfrm>
+          <a:off x="280234" y="212788"/>
+          <a:ext cx="509518" cy="509518"/>
+        </a:xfrm>
+        <a:prstGeom prst="rect">
+          <a:avLst/>
+        </a:prstGeom>
+        <a:blipFill>
+          <a:blip xmlns:r="http://schemas.openxmlformats.org/officeDocument/2006/relationships" r:embed="rId1">
+            <a:extLst>
+              <a:ext uri="{96DAC541-7B7A-43D3-8B79-37D633B846F1}">
+                <asvg:svgBlip xmlns:asvg="http://schemas.microsoft.com/office/drawing/2016/SVG/main" r:embed="rId2"/>
+              </a:ext>
+            </a:extLst>
+          </a:blip>
+          <a:srcRect/>
+          <a:stretch>
+            <a:fillRect/>
+          </a:stretch>
+        </a:blipFill>
+        <a:ln w="22225" cap="rnd" cmpd="sng" algn="ctr">
+          <a:solidFill>
+            <a:schemeClr val="lt1">
+              <a:hueOff val="0"/>
+              <a:satOff val="0"/>
+              <a:lumOff val="0"/>
+              <a:alphaOff val="0"/>
+            </a:schemeClr>
+          </a:solidFill>
+          <a:prstDash val="solid"/>
+        </a:ln>
+        <a:effectLst/>
+      </dsp:spPr>
+      <dsp:style>
+        <a:lnRef idx="2">
+          <a:scrgbClr r="0" g="0" b="0"/>
+        </a:lnRef>
+        <a:fillRef idx="1">
+          <a:scrgbClr r="0" g="0" b="0"/>
+        </a:fillRef>
+        <a:effectRef idx="0">
+          <a:scrgbClr r="0" g="0" b="0"/>
+        </a:effectRef>
+        <a:fontRef idx="minor">
+          <a:schemeClr val="lt1"/>
+        </a:fontRef>
+      </dsp:style>
+    </dsp:sp>
+    <dsp:sp modelId="{62D7DCFE-AF71-4D42-B302-3F60F0F5FD02}">
+      <dsp:nvSpPr>
+        <dsp:cNvPr id="0" name=""/>
+        <dsp:cNvSpPr/>
+      </dsp:nvSpPr>
+      <dsp:spPr>
+        <a:xfrm>
+          <a:off x="1069988" y="4349"/>
+          <a:ext cx="6878673" cy="926396"/>
+        </a:xfrm>
+        <a:prstGeom prst="rect">
+          <a:avLst/>
+        </a:prstGeom>
+        <a:noFill/>
+        <a:ln>
+          <a:noFill/>
+        </a:ln>
+        <a:effectLst/>
+      </dsp:spPr>
+      <dsp:style>
+        <a:lnRef idx="0">
+          <a:scrgbClr r="0" g="0" b="0"/>
+        </a:lnRef>
+        <a:fillRef idx="0">
+          <a:scrgbClr r="0" g="0" b="0"/>
+        </a:fillRef>
+        <a:effectRef idx="0">
+          <a:scrgbClr r="0" g="0" b="0"/>
+        </a:effectRef>
+        <a:fontRef idx="minor"/>
+      </dsp:style>
+      <dsp:txBody>
+        <a:bodyPr spcFirstLastPara="0" vert="horz" wrap="square" lIns="98044" tIns="98044" rIns="98044" bIns="98044" numCol="1" spcCol="1270" anchor="ctr" anchorCtr="0">
+          <a:noAutofit/>
+        </a:bodyPr>
+        <a:lstStyle/>
+        <a:p>
+          <a:pPr marL="0" lvl="0" indent="0" algn="l" defTabSz="844550">
+            <a:lnSpc>
+              <a:spcPct val="100000"/>
+            </a:lnSpc>
+            <a:spcBef>
+              <a:spcPct val="0"/>
+            </a:spcBef>
+            <a:spcAft>
+              <a:spcPct val="35000"/>
+            </a:spcAft>
+            <a:buNone/>
+          </a:pPr>
+          <a:r>
+            <a:rPr lang="en-GB" sz="1900" kern="1200"/>
+            <a:t>Implement mode models</a:t>
+          </a:r>
+          <a:endParaRPr lang="en-US" sz="1900" kern="1200"/>
+        </a:p>
+      </dsp:txBody>
+      <dsp:txXfrm>
+        <a:off x="1069988" y="4349"/>
+        <a:ext cx="6878673" cy="926396"/>
+      </dsp:txXfrm>
+    </dsp:sp>
+    <dsp:sp modelId="{DEFFEA6F-8791-4E63-85AF-A7B6505A1C0D}">
+      <dsp:nvSpPr>
+        <dsp:cNvPr id="0" name=""/>
+        <dsp:cNvSpPr/>
+      </dsp:nvSpPr>
+      <dsp:spPr>
+        <a:xfrm>
+          <a:off x="0" y="1162344"/>
+          <a:ext cx="7948662" cy="926396"/>
+        </a:xfrm>
+        <a:prstGeom prst="roundRect">
+          <a:avLst>
+            <a:gd name="adj" fmla="val 10000"/>
+          </a:avLst>
+        </a:prstGeom>
+        <a:solidFill>
+          <a:schemeClr val="accent1">
+            <a:tint val="40000"/>
+            <a:hueOff val="0"/>
+            <a:satOff val="0"/>
+            <a:lumOff val="0"/>
+            <a:alphaOff val="0"/>
+          </a:schemeClr>
+        </a:solidFill>
+        <a:ln>
+          <a:noFill/>
+        </a:ln>
+        <a:effectLst/>
+      </dsp:spPr>
+      <dsp:style>
+        <a:lnRef idx="0">
+          <a:scrgbClr r="0" g="0" b="0"/>
+        </a:lnRef>
+        <a:fillRef idx="1">
+          <a:scrgbClr r="0" g="0" b="0"/>
+        </a:fillRef>
+        <a:effectRef idx="0">
+          <a:scrgbClr r="0" g="0" b="0"/>
+        </a:effectRef>
+        <a:fontRef idx="minor"/>
+      </dsp:style>
+    </dsp:sp>
+    <dsp:sp modelId="{0EEF1034-35D9-4266-970B-CA313D4BA44E}">
+      <dsp:nvSpPr>
+        <dsp:cNvPr id="0" name=""/>
+        <dsp:cNvSpPr/>
+      </dsp:nvSpPr>
+      <dsp:spPr>
+        <a:xfrm>
+          <a:off x="280234" y="1370784"/>
+          <a:ext cx="509518" cy="509518"/>
+        </a:xfrm>
+        <a:prstGeom prst="rect">
+          <a:avLst/>
+        </a:prstGeom>
+        <a:blipFill>
+          <a:blip xmlns:r="http://schemas.openxmlformats.org/officeDocument/2006/relationships" r:embed="rId3">
+            <a:extLst>
+              <a:ext uri="{96DAC541-7B7A-43D3-8B79-37D633B846F1}">
+                <asvg:svgBlip xmlns:asvg="http://schemas.microsoft.com/office/drawing/2016/SVG/main" r:embed="rId4"/>
+              </a:ext>
+            </a:extLst>
+          </a:blip>
+          <a:srcRect/>
+          <a:stretch>
+            <a:fillRect/>
+          </a:stretch>
+        </a:blipFill>
+        <a:ln w="22225" cap="rnd" cmpd="sng" algn="ctr">
+          <a:solidFill>
+            <a:schemeClr val="lt1">
+              <a:hueOff val="0"/>
+              <a:satOff val="0"/>
+              <a:lumOff val="0"/>
+              <a:alphaOff val="0"/>
+            </a:schemeClr>
+          </a:solidFill>
+          <a:prstDash val="solid"/>
+        </a:ln>
+        <a:effectLst/>
+      </dsp:spPr>
+      <dsp:style>
+        <a:lnRef idx="2">
+          <a:scrgbClr r="0" g="0" b="0"/>
+        </a:lnRef>
+        <a:fillRef idx="1">
+          <a:scrgbClr r="0" g="0" b="0"/>
+        </a:fillRef>
+        <a:effectRef idx="0">
+          <a:scrgbClr r="0" g="0" b="0"/>
+        </a:effectRef>
+        <a:fontRef idx="minor">
+          <a:schemeClr val="lt1"/>
+        </a:fontRef>
+      </dsp:style>
+    </dsp:sp>
+    <dsp:sp modelId="{2338D0C1-C399-43B0-B98A-43A2CEBE6389}">
+      <dsp:nvSpPr>
+        <dsp:cNvPr id="0" name=""/>
+        <dsp:cNvSpPr/>
+      </dsp:nvSpPr>
+      <dsp:spPr>
+        <a:xfrm>
+          <a:off x="1069988" y="1162344"/>
+          <a:ext cx="6878673" cy="926396"/>
+        </a:xfrm>
+        <a:prstGeom prst="rect">
+          <a:avLst/>
+        </a:prstGeom>
+        <a:noFill/>
+        <a:ln>
+          <a:noFill/>
+        </a:ln>
+        <a:effectLst/>
+      </dsp:spPr>
+      <dsp:style>
+        <a:lnRef idx="0">
+          <a:scrgbClr r="0" g="0" b="0"/>
+        </a:lnRef>
+        <a:fillRef idx="0">
+          <a:scrgbClr r="0" g="0" b="0"/>
+        </a:fillRef>
+        <a:effectRef idx="0">
+          <a:scrgbClr r="0" g="0" b="0"/>
+        </a:effectRef>
+        <a:fontRef idx="minor"/>
+      </dsp:style>
+      <dsp:txBody>
+        <a:bodyPr spcFirstLastPara="0" vert="horz" wrap="square" lIns="98044" tIns="98044" rIns="98044" bIns="98044" numCol="1" spcCol="1270" anchor="ctr" anchorCtr="0">
+          <a:noAutofit/>
+        </a:bodyPr>
+        <a:lstStyle/>
+        <a:p>
+          <a:pPr marL="0" lvl="0" indent="0" algn="l" defTabSz="844550">
+            <a:lnSpc>
+              <a:spcPct val="100000"/>
+            </a:lnSpc>
+            <a:spcBef>
+              <a:spcPct val="0"/>
+            </a:spcBef>
+            <a:spcAft>
+              <a:spcPct val="35000"/>
+            </a:spcAft>
+            <a:buNone/>
+          </a:pPr>
+          <a:r>
+            <a:rPr lang="en-GB" sz="1900" kern="1200"/>
+            <a:t>Gather more data</a:t>
+          </a:r>
+          <a:endParaRPr lang="en-US" sz="1900" kern="1200"/>
+        </a:p>
+      </dsp:txBody>
+      <dsp:txXfrm>
+        <a:off x="1069988" y="1162344"/>
+        <a:ext cx="6878673" cy="926396"/>
+      </dsp:txXfrm>
+    </dsp:sp>
+    <dsp:sp modelId="{A972A108-6430-4771-A796-F526871636A9}">
+      <dsp:nvSpPr>
+        <dsp:cNvPr id="0" name=""/>
+        <dsp:cNvSpPr/>
+      </dsp:nvSpPr>
+      <dsp:spPr>
+        <a:xfrm>
+          <a:off x="0" y="2320340"/>
+          <a:ext cx="7948662" cy="926396"/>
+        </a:xfrm>
+        <a:prstGeom prst="roundRect">
+          <a:avLst>
+            <a:gd name="adj" fmla="val 10000"/>
+          </a:avLst>
+        </a:prstGeom>
+        <a:solidFill>
+          <a:schemeClr val="accent1">
+            <a:tint val="40000"/>
+            <a:hueOff val="0"/>
+            <a:satOff val="0"/>
+            <a:lumOff val="0"/>
+            <a:alphaOff val="0"/>
+          </a:schemeClr>
+        </a:solidFill>
+        <a:ln>
+          <a:noFill/>
+        </a:ln>
+        <a:effectLst/>
+      </dsp:spPr>
+      <dsp:style>
+        <a:lnRef idx="0">
+          <a:scrgbClr r="0" g="0" b="0"/>
+        </a:lnRef>
+        <a:fillRef idx="1">
+          <a:scrgbClr r="0" g="0" b="0"/>
+        </a:fillRef>
+        <a:effectRef idx="0">
+          <a:scrgbClr r="0" g="0" b="0"/>
+        </a:effectRef>
+        <a:fontRef idx="minor"/>
+      </dsp:style>
+    </dsp:sp>
+    <dsp:sp modelId="{0837A0D2-333B-4FD3-BD60-03763CD32DA6}">
+      <dsp:nvSpPr>
+        <dsp:cNvPr id="0" name=""/>
+        <dsp:cNvSpPr/>
+      </dsp:nvSpPr>
+      <dsp:spPr>
+        <a:xfrm>
+          <a:off x="280234" y="2528779"/>
+          <a:ext cx="509518" cy="509518"/>
+        </a:xfrm>
+        <a:prstGeom prst="rect">
+          <a:avLst/>
+        </a:prstGeom>
+        <a:blipFill>
+          <a:blip xmlns:r="http://schemas.openxmlformats.org/officeDocument/2006/relationships" r:embed="rId5">
+            <a:extLst>
+              <a:ext uri="{96DAC541-7B7A-43D3-8B79-37D633B846F1}">
+                <asvg:svgBlip xmlns:asvg="http://schemas.microsoft.com/office/drawing/2016/SVG/main" r:embed="rId6"/>
+              </a:ext>
+            </a:extLst>
+          </a:blip>
+          <a:srcRect/>
+          <a:stretch>
+            <a:fillRect/>
+          </a:stretch>
+        </a:blipFill>
+        <a:ln w="22225" cap="rnd" cmpd="sng" algn="ctr">
+          <a:solidFill>
+            <a:schemeClr val="lt1">
+              <a:hueOff val="0"/>
+              <a:satOff val="0"/>
+              <a:lumOff val="0"/>
+              <a:alphaOff val="0"/>
+            </a:schemeClr>
+          </a:solidFill>
+          <a:prstDash val="solid"/>
+        </a:ln>
+        <a:effectLst/>
+      </dsp:spPr>
+      <dsp:style>
+        <a:lnRef idx="2">
+          <a:scrgbClr r="0" g="0" b="0"/>
+        </a:lnRef>
+        <a:fillRef idx="1">
+          <a:scrgbClr r="0" g="0" b="0"/>
+        </a:fillRef>
+        <a:effectRef idx="0">
+          <a:scrgbClr r="0" g="0" b="0"/>
+        </a:effectRef>
+        <a:fontRef idx="minor">
+          <a:schemeClr val="lt1"/>
+        </a:fontRef>
+      </dsp:style>
+    </dsp:sp>
+    <dsp:sp modelId="{056832DA-4E60-4882-84A2-077A3DE5AC8C}">
+      <dsp:nvSpPr>
+        <dsp:cNvPr id="0" name=""/>
+        <dsp:cNvSpPr/>
+      </dsp:nvSpPr>
+      <dsp:spPr>
+        <a:xfrm>
+          <a:off x="1069988" y="2320340"/>
+          <a:ext cx="6878673" cy="926396"/>
+        </a:xfrm>
+        <a:prstGeom prst="rect">
+          <a:avLst/>
+        </a:prstGeom>
+        <a:noFill/>
+        <a:ln>
+          <a:noFill/>
+        </a:ln>
+        <a:effectLst/>
+      </dsp:spPr>
+      <dsp:style>
+        <a:lnRef idx="0">
+          <a:scrgbClr r="0" g="0" b="0"/>
+        </a:lnRef>
+        <a:fillRef idx="0">
+          <a:scrgbClr r="0" g="0" b="0"/>
+        </a:fillRef>
+        <a:effectRef idx="0">
+          <a:scrgbClr r="0" g="0" b="0"/>
+        </a:effectRef>
+        <a:fontRef idx="minor"/>
+      </dsp:style>
+      <dsp:txBody>
+        <a:bodyPr spcFirstLastPara="0" vert="horz" wrap="square" lIns="98044" tIns="98044" rIns="98044" bIns="98044" numCol="1" spcCol="1270" anchor="ctr" anchorCtr="0">
+          <a:noAutofit/>
+        </a:bodyPr>
+        <a:lstStyle/>
+        <a:p>
+          <a:pPr marL="0" lvl="0" indent="0" algn="l" defTabSz="844550">
+            <a:lnSpc>
+              <a:spcPct val="100000"/>
+            </a:lnSpc>
+            <a:spcBef>
+              <a:spcPct val="0"/>
+            </a:spcBef>
+            <a:spcAft>
+              <a:spcPct val="35000"/>
+            </a:spcAft>
+            <a:buNone/>
+          </a:pPr>
+          <a:r>
+            <a:rPr lang="en-GB" sz="1900" kern="1200" dirty="0"/>
+            <a:t>Fine tune TSFMs</a:t>
+          </a:r>
+          <a:endParaRPr lang="en-US" sz="1900" kern="1200" dirty="0"/>
+        </a:p>
+      </dsp:txBody>
+      <dsp:txXfrm>
+        <a:off x="1069988" y="2320340"/>
+        <a:ext cx="6878673" cy="926396"/>
+      </dsp:txXfrm>
+    </dsp:sp>
+    <dsp:sp modelId="{FAFB4CFD-D9B2-4C41-BCF6-E25877D82F60}">
+      <dsp:nvSpPr>
+        <dsp:cNvPr id="0" name=""/>
+        <dsp:cNvSpPr/>
+      </dsp:nvSpPr>
+      <dsp:spPr>
+        <a:xfrm>
+          <a:off x="0" y="3478336"/>
+          <a:ext cx="7948662" cy="926396"/>
+        </a:xfrm>
+        <a:prstGeom prst="roundRect">
+          <a:avLst>
+            <a:gd name="adj" fmla="val 10000"/>
+          </a:avLst>
+        </a:prstGeom>
+        <a:solidFill>
+          <a:schemeClr val="accent1">
+            <a:tint val="40000"/>
+            <a:hueOff val="0"/>
+            <a:satOff val="0"/>
+            <a:lumOff val="0"/>
+            <a:alphaOff val="0"/>
+          </a:schemeClr>
+        </a:solidFill>
+        <a:ln>
+          <a:noFill/>
+        </a:ln>
+        <a:effectLst/>
+      </dsp:spPr>
+      <dsp:style>
+        <a:lnRef idx="0">
+          <a:scrgbClr r="0" g="0" b="0"/>
+        </a:lnRef>
+        <a:fillRef idx="1">
+          <a:scrgbClr r="0" g="0" b="0"/>
+        </a:fillRef>
+        <a:effectRef idx="0">
+          <a:scrgbClr r="0" g="0" b="0"/>
+        </a:effectRef>
+        <a:fontRef idx="minor"/>
+      </dsp:style>
+    </dsp:sp>
+    <dsp:sp modelId="{B66D5C97-50BF-45B8-9B6B-400CE53F96B9}">
+      <dsp:nvSpPr>
+        <dsp:cNvPr id="0" name=""/>
+        <dsp:cNvSpPr/>
+      </dsp:nvSpPr>
+      <dsp:spPr>
+        <a:xfrm>
+          <a:off x="280234" y="3686775"/>
+          <a:ext cx="509518" cy="509518"/>
+        </a:xfrm>
+        <a:prstGeom prst="rect">
+          <a:avLst/>
+        </a:prstGeom>
+        <a:blipFill>
+          <a:blip xmlns:r="http://schemas.openxmlformats.org/officeDocument/2006/relationships" r:embed="rId7">
+            <a:extLst>
+              <a:ext uri="{96DAC541-7B7A-43D3-8B79-37D633B846F1}">
+                <asvg:svgBlip xmlns:asvg="http://schemas.microsoft.com/office/drawing/2016/SVG/main" r:embed="rId8"/>
+              </a:ext>
+            </a:extLst>
+          </a:blip>
+          <a:srcRect/>
+          <a:stretch>
+            <a:fillRect/>
+          </a:stretch>
+        </a:blipFill>
+        <a:ln w="22225" cap="rnd" cmpd="sng" algn="ctr">
+          <a:solidFill>
+            <a:schemeClr val="lt1">
+              <a:hueOff val="0"/>
+              <a:satOff val="0"/>
+              <a:lumOff val="0"/>
+              <a:alphaOff val="0"/>
+            </a:schemeClr>
+          </a:solidFill>
+          <a:prstDash val="solid"/>
+        </a:ln>
+        <a:effectLst/>
+      </dsp:spPr>
+      <dsp:style>
+        <a:lnRef idx="2">
+          <a:scrgbClr r="0" g="0" b="0"/>
+        </a:lnRef>
+        <a:fillRef idx="1">
+          <a:scrgbClr r="0" g="0" b="0"/>
+        </a:fillRef>
+        <a:effectRef idx="0">
+          <a:scrgbClr r="0" g="0" b="0"/>
+        </a:effectRef>
+        <a:fontRef idx="minor">
+          <a:schemeClr val="lt1"/>
+        </a:fontRef>
+      </dsp:style>
+    </dsp:sp>
+    <dsp:sp modelId="{5D2E83D5-9061-42CE-9ABB-4D53EDEEF19C}">
+      <dsp:nvSpPr>
+        <dsp:cNvPr id="0" name=""/>
+        <dsp:cNvSpPr/>
+      </dsp:nvSpPr>
+      <dsp:spPr>
+        <a:xfrm>
+          <a:off x="1069988" y="3478336"/>
+          <a:ext cx="6878673" cy="926396"/>
+        </a:xfrm>
+        <a:prstGeom prst="rect">
+          <a:avLst/>
+        </a:prstGeom>
+        <a:noFill/>
+        <a:ln>
+          <a:noFill/>
+        </a:ln>
+        <a:effectLst/>
+      </dsp:spPr>
+      <dsp:style>
+        <a:lnRef idx="0">
+          <a:scrgbClr r="0" g="0" b="0"/>
+        </a:lnRef>
+        <a:fillRef idx="0">
+          <a:scrgbClr r="0" g="0" b="0"/>
+        </a:fillRef>
+        <a:effectRef idx="0">
+          <a:scrgbClr r="0" g="0" b="0"/>
+        </a:effectRef>
+        <a:fontRef idx="minor"/>
+      </dsp:style>
+      <dsp:txBody>
+        <a:bodyPr spcFirstLastPara="0" vert="horz" wrap="square" lIns="98044" tIns="98044" rIns="98044" bIns="98044" numCol="1" spcCol="1270" anchor="ctr" anchorCtr="0">
+          <a:noAutofit/>
+        </a:bodyPr>
+        <a:lstStyle/>
+        <a:p>
+          <a:pPr marL="0" lvl="0" indent="0" algn="l" defTabSz="844550">
+            <a:lnSpc>
+              <a:spcPct val="100000"/>
+            </a:lnSpc>
+            <a:spcBef>
+              <a:spcPct val="0"/>
+            </a:spcBef>
+            <a:spcAft>
+              <a:spcPct val="35000"/>
+            </a:spcAft>
+            <a:buNone/>
+          </a:pPr>
+          <a:r>
+            <a:rPr lang="en-GB" sz="1900" kern="1200" dirty="0"/>
+            <a:t>Run the experiment on different configurations</a:t>
+          </a:r>
+          <a:endParaRPr lang="en-US" sz="1900" kern="1200" dirty="0"/>
+        </a:p>
+      </dsp:txBody>
+      <dsp:txXfrm>
+        <a:off x="1069988" y="3478336"/>
+        <a:ext cx="6878673" cy="926396"/>
+      </dsp:txXfrm>
+    </dsp:sp>
+    <dsp:sp modelId="{A6C45460-8E19-4C13-9A74-9B53D8E25C47}">
+      <dsp:nvSpPr>
+        <dsp:cNvPr id="0" name=""/>
+        <dsp:cNvSpPr/>
+      </dsp:nvSpPr>
+      <dsp:spPr>
+        <a:xfrm>
+          <a:off x="0" y="4636332"/>
+          <a:ext cx="7948662" cy="926396"/>
+        </a:xfrm>
+        <a:prstGeom prst="roundRect">
+          <a:avLst>
+            <a:gd name="adj" fmla="val 10000"/>
+          </a:avLst>
+        </a:prstGeom>
+        <a:solidFill>
+          <a:schemeClr val="accent1">
+            <a:tint val="40000"/>
+            <a:hueOff val="0"/>
+            <a:satOff val="0"/>
+            <a:lumOff val="0"/>
+            <a:alphaOff val="0"/>
+          </a:schemeClr>
+        </a:solidFill>
+        <a:ln>
+          <a:noFill/>
+        </a:ln>
+        <a:effectLst/>
+      </dsp:spPr>
+      <dsp:style>
+        <a:lnRef idx="0">
+          <a:scrgbClr r="0" g="0" b="0"/>
+        </a:lnRef>
+        <a:fillRef idx="1">
+          <a:scrgbClr r="0" g="0" b="0"/>
+        </a:fillRef>
+        <a:effectRef idx="0">
+          <a:scrgbClr r="0" g="0" b="0"/>
+        </a:effectRef>
+        <a:fontRef idx="minor"/>
+      </dsp:style>
+    </dsp:sp>
+    <dsp:sp modelId="{9129C24B-12B7-4804-AA78-A936053C4F47}">
+      <dsp:nvSpPr>
+        <dsp:cNvPr id="0" name=""/>
+        <dsp:cNvSpPr/>
+      </dsp:nvSpPr>
+      <dsp:spPr>
+        <a:xfrm>
+          <a:off x="280234" y="4844771"/>
+          <a:ext cx="509518" cy="509518"/>
+        </a:xfrm>
+        <a:prstGeom prst="rect">
+          <a:avLst/>
+        </a:prstGeom>
+        <a:blipFill>
+          <a:blip xmlns:r="http://schemas.openxmlformats.org/officeDocument/2006/relationships" r:embed="rId9">
+            <a:extLst>
+              <a:ext uri="{96DAC541-7B7A-43D3-8B79-37D633B846F1}">
+                <asvg:svgBlip xmlns:asvg="http://schemas.microsoft.com/office/drawing/2016/SVG/main" r:embed="rId10"/>
+              </a:ext>
+            </a:extLst>
+          </a:blip>
+          <a:srcRect/>
+          <a:stretch>
+            <a:fillRect/>
+          </a:stretch>
+        </a:blipFill>
+        <a:ln w="22225" cap="rnd" cmpd="sng" algn="ctr">
+          <a:solidFill>
+            <a:schemeClr val="lt1">
+              <a:hueOff val="0"/>
+              <a:satOff val="0"/>
+              <a:lumOff val="0"/>
+              <a:alphaOff val="0"/>
+            </a:schemeClr>
+          </a:solidFill>
+          <a:prstDash val="solid"/>
+        </a:ln>
+        <a:effectLst/>
+      </dsp:spPr>
+      <dsp:style>
+        <a:lnRef idx="2">
+          <a:scrgbClr r="0" g="0" b="0"/>
+        </a:lnRef>
+        <a:fillRef idx="1">
+          <a:scrgbClr r="0" g="0" b="0"/>
+        </a:fillRef>
+        <a:effectRef idx="0">
+          <a:scrgbClr r="0" g="0" b="0"/>
+        </a:effectRef>
+        <a:fontRef idx="minor">
+          <a:schemeClr val="lt1"/>
+        </a:fontRef>
+      </dsp:style>
+    </dsp:sp>
+    <dsp:sp modelId="{2341D9F2-92E6-4E73-9765-5E5F1CF6DBEA}">
+      <dsp:nvSpPr>
+        <dsp:cNvPr id="0" name=""/>
+        <dsp:cNvSpPr/>
+      </dsp:nvSpPr>
+      <dsp:spPr>
+        <a:xfrm>
+          <a:off x="1069988" y="4636332"/>
+          <a:ext cx="6878673" cy="926396"/>
+        </a:xfrm>
+        <a:prstGeom prst="rect">
+          <a:avLst/>
+        </a:prstGeom>
+        <a:noFill/>
+        <a:ln>
+          <a:noFill/>
+        </a:ln>
+        <a:effectLst/>
+      </dsp:spPr>
+      <dsp:style>
+        <a:lnRef idx="0">
+          <a:scrgbClr r="0" g="0" b="0"/>
+        </a:lnRef>
+        <a:fillRef idx="0">
+          <a:scrgbClr r="0" g="0" b="0"/>
+        </a:fillRef>
+        <a:effectRef idx="0">
+          <a:scrgbClr r="0" g="0" b="0"/>
+        </a:effectRef>
+        <a:fontRef idx="minor"/>
+      </dsp:style>
+      <dsp:txBody>
+        <a:bodyPr spcFirstLastPara="0" vert="horz" wrap="square" lIns="98044" tIns="98044" rIns="98044" bIns="98044" numCol="1" spcCol="1270" anchor="ctr" anchorCtr="0">
+          <a:noAutofit/>
+        </a:bodyPr>
+        <a:lstStyle/>
+        <a:p>
+          <a:pPr marL="0" lvl="0" indent="0" algn="l" defTabSz="844550">
+            <a:lnSpc>
+              <a:spcPct val="100000"/>
+            </a:lnSpc>
+            <a:spcBef>
+              <a:spcPct val="0"/>
+            </a:spcBef>
+            <a:spcAft>
+              <a:spcPct val="35000"/>
+            </a:spcAft>
+            <a:buNone/>
+          </a:pPr>
+          <a:r>
+            <a:rPr lang="en-GB" sz="1900" kern="1200"/>
+            <a:t>Record and summarize results</a:t>
+          </a:r>
+        </a:p>
+      </dsp:txBody>
+      <dsp:txXfrm>
+        <a:off x="1069988" y="4636332"/>
+        <a:ext cx="6878673" cy="926396"/>
+      </dsp:txXfrm>
+    </dsp:sp>
+  </dsp:spTree>
+</dsp:drawing>
+</file>
+
 <file path=ppt/diagrams/layout1.xml><?xml version="1.0" encoding="utf-8"?>
 <dgm:layoutDef xmlns:dgm="http://schemas.openxmlformats.org/drawingml/2006/diagram" xmlns:a="http://schemas.openxmlformats.org/drawingml/2006/main" uniqueId="urn:microsoft.com/office/officeart/2018/2/layout/IconVerticalSolidList">
   <dgm:title val="Icon Vertical Solid List"/>
@@ -11283,6 +13352,300 @@
 </dgm:layoutDef>
 </file>
 
+<file path=ppt/diagrams/layout6.xml><?xml version="1.0" encoding="utf-8"?>
+<dgm:layoutDef xmlns:dgm="http://schemas.openxmlformats.org/drawingml/2006/diagram" xmlns:a="http://schemas.openxmlformats.org/drawingml/2006/main" uniqueId="urn:microsoft.com/office/officeart/2018/2/layout/IconVerticalSolidList">
+  <dgm:title val="Icon Vertical Solid List"/>
+  <dgm:desc val="Use to show a series of visuals from top to bottom with Level 1 or Level 1 and Level 2 text grouped in a shape. Works best with icons or small pictures with lengthier descriptions."/>
+  <dgm:catLst>
+    <dgm:cat type="icon" pri="500"/>
+  </dgm:catLst>
+  <dgm:sampData useDef="1">
+    <dgm:dataModel>
+      <dgm:ptLst/>
+      <dgm:bg/>
+      <dgm:whole/>
+    </dgm:dataModel>
+  </dgm:sampData>
+  <dgm:styleData useDef="1">
+    <dgm:dataModel>
+      <dgm:ptLst/>
+      <dgm:bg/>
+      <dgm:whole/>
+    </dgm:dataModel>
+  </dgm:styleData>
+  <dgm:clrData useDef="1">
+    <dgm:dataModel>
+      <dgm:ptLst/>
+      <dgm:bg/>
+      <dgm:whole/>
+    </dgm:dataModel>
+  </dgm:clrData>
+  <dgm:layoutNode name="root">
+    <dgm:varLst>
+      <dgm:dir/>
+      <dgm:resizeHandles val="exact"/>
+    </dgm:varLst>
+    <dgm:choose name="Name0">
+      <dgm:if name="Name1" axis="self" func="var" arg="dir" op="equ" val="norm">
+        <dgm:alg type="lin">
+          <dgm:param type="linDir" val="fromT"/>
+          <dgm:param type="nodeHorzAlign" val="l"/>
+        </dgm:alg>
+      </dgm:if>
+      <dgm:else name="Name2">
+        <dgm:alg type="lin">
+          <dgm:param type="linDir" val="fromT"/>
+          <dgm:param type="nodeHorzAlign" val="r"/>
+        </dgm:alg>
+      </dgm:else>
+    </dgm:choose>
+    <dgm:shape xmlns:r="http://schemas.openxmlformats.org/officeDocument/2006/relationships" r:blip="">
+      <dgm:adjLst/>
+    </dgm:shape>
+    <dgm:presOf/>
+    <dgm:choose name="Name3">
+      <dgm:if name="Name4" axis="ch" ptType="node" func="cnt" op="lte" val="3">
+        <dgm:constrLst>
+          <dgm:constr type="h" for="ch" forName="compNode" refType="h" fact="0.3"/>
+          <dgm:constr type="w" for="ch" forName="compNode" refType="w"/>
+          <dgm:constr type="h" for="ch" forName="sibTrans" refType="h" refFor="ch" refForName="compNode" fact="0.25"/>
+          <dgm:constr type="primFontSz" for="des" forName="parTx" val="25"/>
+          <dgm:constr type="primFontSz" for="des" forName="desTx" refType="primFontSz" refFor="des" refForName="parTx" op="lte" fact="0.75"/>
+          <dgm:constr type="h" for="des" forName="compNode" op="equ"/>
+          <dgm:constr type="h" for="des" forName="bgRect" op="equ"/>
+          <dgm:constr type="h" for="des" forName="iconRect" op="equ"/>
+          <dgm:constr type="w" for="des" forName="iconRect" op="equ"/>
+          <dgm:constr type="h" for="des" forName="spaceRect" op="equ"/>
+          <dgm:constr type="h" for="des" forName="parTx" op="equ"/>
+          <dgm:constr type="h" for="des" forName="desTx" op="equ"/>
+        </dgm:constrLst>
+      </dgm:if>
+      <dgm:if name="Name5" axis="ch" ptType="node" func="cnt" op="lte" val="4">
+        <dgm:constrLst>
+          <dgm:constr type="h" for="ch" forName="compNode" refType="h" fact="0.3"/>
+          <dgm:constr type="w" for="ch" forName="compNode" refType="w"/>
+          <dgm:constr type="h" for="ch" forName="sibTrans" refType="h" refFor="ch" refForName="compNode" fact="0.25"/>
+          <dgm:constr type="primFontSz" for="des" forName="parTx" val="22"/>
+          <dgm:constr type="primFontSz" for="des" forName="desTx" refType="primFontSz" refFor="des" refForName="parTx" op="lte" fact="0.75"/>
+          <dgm:constr type="h" for="des" forName="compNode" op="equ"/>
+          <dgm:constr type="h" for="des" forName="bgRect" op="equ"/>
+          <dgm:constr type="h" for="des" forName="iconRect" op="equ"/>
+          <dgm:constr type="w" for="des" forName="iconRect" op="equ"/>
+          <dgm:constr type="h" for="des" forName="spaceRect" op="equ"/>
+          <dgm:constr type="h" for="des" forName="parTx" op="equ"/>
+          <dgm:constr type="h" for="des" forName="desTx" op="equ"/>
+        </dgm:constrLst>
+      </dgm:if>
+      <dgm:if name="Name6" axis="ch" ptType="node" func="cnt" op="lte" val="6">
+        <dgm:constrLst>
+          <dgm:constr type="h" for="ch" forName="compNode" refType="h" fact="0.3"/>
+          <dgm:constr type="w" for="ch" forName="compNode" refType="w"/>
+          <dgm:constr type="h" for="ch" forName="sibTrans" refType="h" refFor="ch" refForName="compNode" fact="0.25"/>
+          <dgm:constr type="primFontSz" for="des" forName="parTx" val="19"/>
+          <dgm:constr type="primFontSz" for="des" forName="desTx" refType="primFontSz" refFor="des" refForName="parTx" op="lte" fact="0.75"/>
+          <dgm:constr type="h" for="des" forName="compNode" op="equ"/>
+          <dgm:constr type="h" for="des" forName="bgRect" op="equ"/>
+          <dgm:constr type="h" for="des" forName="iconRect" op="equ"/>
+          <dgm:constr type="w" for="des" forName="iconRect" op="equ"/>
+          <dgm:constr type="h" for="des" forName="spaceRect" op="equ"/>
+          <dgm:constr type="h" for="des" forName="parTx" op="equ"/>
+          <dgm:constr type="h" for="des" forName="desTx" op="equ"/>
+        </dgm:constrLst>
+      </dgm:if>
+      <dgm:else name="Name7">
+        <dgm:constrLst>
+          <dgm:constr type="h" for="ch" forName="compNode" refType="h" fact="0.3"/>
+          <dgm:constr type="w" for="ch" forName="compNode" refType="w"/>
+          <dgm:constr type="h" for="ch" forName="sibTrans" refType="h" refFor="ch" refForName="compNode" fact="0.25"/>
+          <dgm:constr type="primFontSz" for="des" forName="parTx" val="16"/>
+          <dgm:constr type="primFontSz" for="des" forName="desTx" refType="primFontSz" refFor="des" refForName="parTx" op="lte" fact="0.75"/>
+          <dgm:constr type="h" for="des" forName="compNode" op="equ"/>
+          <dgm:constr type="h" for="des" forName="bgRect" op="equ"/>
+          <dgm:constr type="h" for="des" forName="iconRect" op="equ"/>
+          <dgm:constr type="w" for="des" forName="iconRect" op="equ"/>
+          <dgm:constr type="h" for="des" forName="spaceRect" op="equ"/>
+          <dgm:constr type="h" for="des" forName="parTx" op="equ"/>
+          <dgm:constr type="h" for="des" forName="desTx" op="equ"/>
+        </dgm:constrLst>
+      </dgm:else>
+    </dgm:choose>
+    <dgm:ruleLst>
+      <dgm:rule type="h" for="ch" forName="compNode" val="0" fact="NaN" max="NaN"/>
+    </dgm:ruleLst>
+    <dgm:forEach name="Name8" axis="ch" ptType="node">
+      <dgm:layoutNode name="compNode">
+        <dgm:alg type="composite"/>
+        <dgm:shape xmlns:r="http://schemas.openxmlformats.org/officeDocument/2006/relationships" r:blip="">
+          <dgm:adjLst/>
+        </dgm:shape>
+        <dgm:presOf axis="self"/>
+        <dgm:choose name="Name9">
+          <dgm:if name="Name10" axis="ch" ptType="node" func="cnt" op="gte" val="1">
+            <dgm:constrLst>
+              <dgm:constr type="w" for="ch" forName="bgRect" refType="w"/>
+              <dgm:constr type="h" for="ch" forName="bgRect" refType="h"/>
+              <dgm:constr type="l" for="ch" forName="bgRect"/>
+              <dgm:constr type="t" for="ch" forName="bgRect"/>
+              <dgm:constr type="h" for="ch" forName="iconRect" refType="h" fact="0.55"/>
+              <dgm:constr type="w" for="ch" forName="iconRect" refType="h" refFor="ch" refForName="iconRect"/>
+              <dgm:constr type="l" for="ch" forName="iconRect" refType="h" refFor="ch" refForName="iconRect" fact="0.55"/>
+              <dgm:constr type="ctrY" for="ch" forName="iconRect" refType="ctrY" refFor="ch" refForName="bgRect"/>
+              <dgm:constr type="w" for="ch" forName="spaceRect" refType="l" refFor="ch" refForName="iconRect"/>
+              <dgm:constr type="h" for="ch" forName="spaceRect" refType="h"/>
+              <dgm:constr type="l" for="ch" forName="spaceRect" refType="r" refFor="ch" refForName="iconRect"/>
+              <dgm:constr type="t" for="ch" forName="spaceRect"/>
+              <dgm:constr type="w" for="ch" forName="parTx" refType="w" fact="0.45"/>
+              <dgm:constr type="h" for="ch" forName="parTx" refType="h"/>
+              <dgm:constr type="l" for="ch" forName="parTx" refType="r" refFor="ch" refForName="spaceRect"/>
+              <dgm:constr type="t" for="ch" forName="parTx"/>
+              <dgm:constr type="h" for="ch" forName="desTx" refType="h"/>
+              <dgm:constr type="l" for="ch" forName="desTx" refType="r" refFor="ch" refForName="parTx"/>
+              <dgm:constr type="t" for="ch" forName="desTx"/>
+            </dgm:constrLst>
+          </dgm:if>
+          <dgm:else name="Name11">
+            <dgm:constrLst>
+              <dgm:constr type="w" for="ch" forName="bgRect" refType="w"/>
+              <dgm:constr type="h" for="ch" forName="bgRect" refType="h"/>
+              <dgm:constr type="l" for="ch" forName="bgRect"/>
+              <dgm:constr type="t" for="ch" forName="bgRect"/>
+              <dgm:constr type="h" for="ch" forName="iconRect" refType="h" fact="0.55"/>
+              <dgm:constr type="w" for="ch" forName="iconRect" refType="h" refFor="ch" refForName="iconRect"/>
+              <dgm:constr type="l" for="ch" forName="iconRect" refType="h" refFor="ch" refForName="iconRect" fact="0.55"/>
+              <dgm:constr type="ctrY" for="ch" forName="iconRect" refType="ctrY" refFor="ch" refForName="bgRect"/>
+              <dgm:constr type="w" for="ch" forName="spaceRect" refType="l" refFor="ch" refForName="iconRect"/>
+              <dgm:constr type="h" for="ch" forName="spaceRect" refType="h"/>
+              <dgm:constr type="l" for="ch" forName="spaceRect" refType="r" refFor="ch" refForName="iconRect"/>
+              <dgm:constr type="t" for="ch" forName="spaceRect"/>
+              <dgm:constr type="h" for="ch" forName="parTx" refType="h"/>
+              <dgm:constr type="l" for="ch" forName="parTx" refType="r" refFor="ch" refForName="spaceRect"/>
+              <dgm:constr type="t" for="ch" forName="parTx"/>
+            </dgm:constrLst>
+          </dgm:else>
+        </dgm:choose>
+        <dgm:ruleLst>
+          <dgm:rule type="h" val="INF" fact="NaN" max="NaN"/>
+        </dgm:ruleLst>
+        <dgm:layoutNode name="bgRect" styleLbl="bgShp">
+          <dgm:alg type="sp"/>
+          <dgm:shape xmlns:r="http://schemas.openxmlformats.org/officeDocument/2006/relationships" type="roundRect" r:blip="">
+            <dgm:adjLst>
+              <dgm:adj idx="1" val="0.1"/>
+            </dgm:adjLst>
+          </dgm:shape>
+          <dgm:presOf/>
+          <dgm:constrLst/>
+          <dgm:ruleLst/>
+        </dgm:layoutNode>
+        <dgm:layoutNode name="iconRect" styleLbl="node1">
+          <dgm:alg type="sp"/>
+          <dgm:shape xmlns:r="http://schemas.openxmlformats.org/officeDocument/2006/relationships" type="rect" r:blip="" blipPhldr="1">
+            <dgm:adjLst/>
+          </dgm:shape>
+          <dgm:presOf/>
+          <dgm:constrLst/>
+          <dgm:ruleLst/>
+        </dgm:layoutNode>
+        <dgm:layoutNode name="spaceRect">
+          <dgm:alg type="sp"/>
+          <dgm:shape xmlns:r="http://schemas.openxmlformats.org/officeDocument/2006/relationships" r:blip="">
+            <dgm:adjLst/>
+          </dgm:shape>
+          <dgm:presOf/>
+          <dgm:constrLst/>
+          <dgm:ruleLst/>
+        </dgm:layoutNode>
+        <dgm:layoutNode name="parTx" styleLbl="revTx">
+          <dgm:varLst>
+            <dgm:chMax val="0"/>
+            <dgm:chPref val="0"/>
+          </dgm:varLst>
+          <dgm:alg type="tx">
+            <dgm:param type="txAnchorVert" val="mid"/>
+            <dgm:param type="parTxLTRAlign" val="l"/>
+            <dgm:param type="shpTxLTRAlignCh" val="l"/>
+            <dgm:param type="parTxRTLAlign" val="r"/>
+            <dgm:param type="shpTxRTLAlignCh" val="r"/>
+          </dgm:alg>
+          <dgm:shape xmlns:r="http://schemas.openxmlformats.org/officeDocument/2006/relationships" type="rect" r:blip="">
+            <dgm:adjLst/>
+          </dgm:shape>
+          <dgm:presOf axis="self" ptType="node"/>
+          <dgm:constrLst>
+            <dgm:constr type="lMarg" refType="h" fact="0.3"/>
+            <dgm:constr type="rMarg" refType="h" fact="0.3"/>
+            <dgm:constr type="tMarg" refType="h" fact="0.3"/>
+            <dgm:constr type="bMarg" refType="h" fact="0.3"/>
+          </dgm:constrLst>
+          <dgm:ruleLst>
+            <dgm:rule type="primFontSz" val="14" fact="NaN" max="NaN"/>
+            <dgm:rule type="h" val="INF" fact="NaN" max="NaN"/>
+          </dgm:ruleLst>
+        </dgm:layoutNode>
+        <dgm:choose name="Name12">
+          <dgm:if name="Name13" axis="ch" ptType="node" func="cnt" op="gte" val="1">
+            <dgm:layoutNode name="desTx" styleLbl="revTx">
+              <dgm:varLst/>
+              <dgm:alg type="tx">
+                <dgm:param type="txAnchorVertCh" val="mid"/>
+                <dgm:param type="parTxLTRAlign" val="l"/>
+                <dgm:param type="shpTxLTRAlignCh" val="l"/>
+                <dgm:param type="parTxRTLAlign" val="r"/>
+                <dgm:param type="shpTxRTLAlignCh" val="r"/>
+                <dgm:param type="stBulletLvl" val="0"/>
+              </dgm:alg>
+              <dgm:shape xmlns:r="http://schemas.openxmlformats.org/officeDocument/2006/relationships" type="rect" r:blip="">
+                <dgm:adjLst/>
+              </dgm:shape>
+              <dgm:presOf axis="des" ptType="node"/>
+              <dgm:constrLst>
+                <dgm:constr type="primFontSz" val="18"/>
+                <dgm:constr type="secFontSz" refType="primFontSz"/>
+                <dgm:constr type="lMarg" refType="h" fact="0.3"/>
+                <dgm:constr type="rMarg" refType="h" fact="0.3"/>
+                <dgm:constr type="tMarg" refType="h" fact="0.3"/>
+                <dgm:constr type="bMarg" refType="h" fact="0.3"/>
+              </dgm:constrLst>
+              <dgm:ruleLst>
+                <dgm:rule type="primFontSz" val="11" fact="NaN" max="NaN"/>
+              </dgm:ruleLst>
+            </dgm:layoutNode>
+          </dgm:if>
+          <dgm:else name="Name14"/>
+        </dgm:choose>
+      </dgm:layoutNode>
+      <dgm:forEach name="Name15" axis="followSib" ptType="sibTrans" cnt="1">
+        <dgm:layoutNode name="sibTrans">
+          <dgm:alg type="sp"/>
+          <dgm:shape xmlns:r="http://schemas.openxmlformats.org/officeDocument/2006/relationships" r:blip="">
+            <dgm:adjLst/>
+          </dgm:shape>
+          <dgm:presOf axis="self"/>
+          <dgm:constrLst/>
+          <dgm:ruleLst/>
+        </dgm:layoutNode>
+      </dgm:forEach>
+    </dgm:forEach>
+  </dgm:layoutNode>
+  <dgm:extLst>
+    <a:ext uri="{68A01E43-0DF5-4B5B-8FA6-DAF915123BFB}">
+      <dgm1612:lstStyle xmlns:dgm1612="http://schemas.microsoft.com/office/drawing/2016/12/diagram">
+        <a:lvl1pPr>
+          <a:lnSpc>
+            <a:spcPct val="100000"/>
+          </a:lnSpc>
+        </a:lvl1pPr>
+        <a:lvl2pPr>
+          <a:lnSpc>
+            <a:spcPct val="100000"/>
+          </a:lnSpc>
+        </a:lvl2pPr>
+      </dgm1612:lstStyle>
+    </a:ext>
+  </dgm:extLst>
+</dgm:layoutDef>
+</file>
+
 <file path=ppt/diagrams/quickStyle1.xml><?xml version="1.0" encoding="utf-8"?>
 <dgm:styleDef xmlns:dgm="http://schemas.openxmlformats.org/drawingml/2006/diagram" xmlns:a="http://schemas.openxmlformats.org/drawingml/2006/main" uniqueId="urn:microsoft.com/office/officeart/2005/8/quickstyle/simple1">
   <dgm:title val=""/>
@@ -15420,6 +17783,1040 @@
 </file>
 
 <file path=ppt/diagrams/quickStyle5.xml><?xml version="1.0" encoding="utf-8"?>
+<dgm:styleDef xmlns:dgm="http://schemas.openxmlformats.org/drawingml/2006/diagram" xmlns:a="http://schemas.openxmlformats.org/drawingml/2006/main" uniqueId="urn:microsoft.com/office/officeart/2005/8/quickstyle/simple1">
+  <dgm:title val=""/>
+  <dgm:desc val=""/>
+  <dgm:catLst>
+    <dgm:cat type="simple" pri="10100"/>
+  </dgm:catLst>
+  <dgm:scene3d>
+    <a:camera prst="orthographicFront"/>
+    <a:lightRig rig="threePt" dir="t"/>
+  </dgm:scene3d>
+  <dgm:styleLbl name="node0">
+    <dgm:scene3d>
+      <a:camera prst="orthographicFront"/>
+      <a:lightRig rig="threePt" dir="t"/>
+    </dgm:scene3d>
+    <dgm:sp3d/>
+    <dgm:txPr/>
+    <dgm:style>
+      <a:lnRef idx="2">
+        <a:scrgbClr r="0" g="0" b="0"/>
+      </a:lnRef>
+      <a:fillRef idx="1">
+        <a:scrgbClr r="0" g="0" b="0"/>
+      </a:fillRef>
+      <a:effectRef idx="0">
+        <a:scrgbClr r="0" g="0" b="0"/>
+      </a:effectRef>
+      <a:fontRef idx="minor">
+        <a:schemeClr val="lt1"/>
+      </a:fontRef>
+    </dgm:style>
+  </dgm:styleLbl>
+  <dgm:styleLbl name="lnNode1">
+    <dgm:scene3d>
+      <a:camera prst="orthographicFront"/>
+      <a:lightRig rig="threePt" dir="t"/>
+    </dgm:scene3d>
+    <dgm:sp3d/>
+    <dgm:txPr/>
+    <dgm:style>
+      <a:lnRef idx="2">
+        <a:scrgbClr r="0" g="0" b="0"/>
+      </a:lnRef>
+      <a:fillRef idx="1">
+        <a:scrgbClr r="0" g="0" b="0"/>
+      </a:fillRef>
+      <a:effectRef idx="0">
+        <a:scrgbClr r="0" g="0" b="0"/>
+      </a:effectRef>
+      <a:fontRef idx="minor">
+        <a:schemeClr val="lt1"/>
+      </a:fontRef>
+    </dgm:style>
+  </dgm:styleLbl>
+  <dgm:styleLbl name="vennNode1">
+    <dgm:scene3d>
+      <a:camera prst="orthographicFront"/>
+      <a:lightRig rig="threePt" dir="t"/>
+    </dgm:scene3d>
+    <dgm:sp3d/>
+    <dgm:txPr/>
+    <dgm:style>
+      <a:lnRef idx="2">
+        <a:scrgbClr r="0" g="0" b="0"/>
+      </a:lnRef>
+      <a:fillRef idx="1">
+        <a:scrgbClr r="0" g="0" b="0"/>
+      </a:fillRef>
+      <a:effectRef idx="0">
+        <a:scrgbClr r="0" g="0" b="0"/>
+      </a:effectRef>
+      <a:fontRef idx="minor">
+        <a:schemeClr val="tx1"/>
+      </a:fontRef>
+    </dgm:style>
+  </dgm:styleLbl>
+  <dgm:styleLbl name="alignNode1">
+    <dgm:scene3d>
+      <a:camera prst="orthographicFront"/>
+      <a:lightRig rig="threePt" dir="t"/>
+    </dgm:scene3d>
+    <dgm:sp3d/>
+    <dgm:txPr/>
+    <dgm:style>
+      <a:lnRef idx="2">
+        <a:scrgbClr r="0" g="0" b="0"/>
+      </a:lnRef>
+      <a:fillRef idx="1">
+        <a:scrgbClr r="0" g="0" b="0"/>
+      </a:fillRef>
+      <a:effectRef idx="0">
+        <a:scrgbClr r="0" g="0" b="0"/>
+      </a:effectRef>
+      <a:fontRef idx="minor">
+        <a:schemeClr val="lt1"/>
+      </a:fontRef>
+    </dgm:style>
+  </dgm:styleLbl>
+  <dgm:styleLbl name="node1">
+    <dgm:scene3d>
+      <a:camera prst="orthographicFront"/>
+      <a:lightRig rig="threePt" dir="t"/>
+    </dgm:scene3d>
+    <dgm:sp3d/>
+    <dgm:txPr/>
+    <dgm:style>
+      <a:lnRef idx="2">
+        <a:scrgbClr r="0" g="0" b="0"/>
+      </a:lnRef>
+      <a:fillRef idx="1">
+        <a:scrgbClr r="0" g="0" b="0"/>
+      </a:fillRef>
+      <a:effectRef idx="0">
+        <a:scrgbClr r="0" g="0" b="0"/>
+      </a:effectRef>
+      <a:fontRef idx="minor">
+        <a:schemeClr val="lt1"/>
+      </a:fontRef>
+    </dgm:style>
+  </dgm:styleLbl>
+  <dgm:styleLbl name="node2">
+    <dgm:scene3d>
+      <a:camera prst="orthographicFront"/>
+      <a:lightRig rig="threePt" dir="t"/>
+    </dgm:scene3d>
+    <dgm:sp3d/>
+    <dgm:txPr/>
+    <dgm:style>
+      <a:lnRef idx="2">
+        <a:scrgbClr r="0" g="0" b="0"/>
+      </a:lnRef>
+      <a:fillRef idx="1">
+        <a:scrgbClr r="0" g="0" b="0"/>
+      </a:fillRef>
+      <a:effectRef idx="0">
+        <a:scrgbClr r="0" g="0" b="0"/>
+      </a:effectRef>
+      <a:fontRef idx="minor">
+        <a:schemeClr val="lt1"/>
+      </a:fontRef>
+    </dgm:style>
+  </dgm:styleLbl>
+  <dgm:styleLbl name="node3">
+    <dgm:scene3d>
+      <a:camera prst="orthographicFront"/>
+      <a:lightRig rig="threePt" dir="t"/>
+    </dgm:scene3d>
+    <dgm:sp3d/>
+    <dgm:txPr/>
+    <dgm:style>
+      <a:lnRef idx="2">
+        <a:scrgbClr r="0" g="0" b="0"/>
+      </a:lnRef>
+      <a:fillRef idx="1">
+        <a:scrgbClr r="0" g="0" b="0"/>
+      </a:fillRef>
+      <a:effectRef idx="0">
+        <a:scrgbClr r="0" g="0" b="0"/>
+      </a:effectRef>
+      <a:fontRef idx="minor">
+        <a:schemeClr val="lt1"/>
+      </a:fontRef>
+    </dgm:style>
+  </dgm:styleLbl>
+  <dgm:styleLbl name="node4">
+    <dgm:scene3d>
+      <a:camera prst="orthographicFront"/>
+      <a:lightRig rig="threePt" dir="t"/>
+    </dgm:scene3d>
+    <dgm:sp3d/>
+    <dgm:txPr/>
+    <dgm:style>
+      <a:lnRef idx="2">
+        <a:scrgbClr r="0" g="0" b="0"/>
+      </a:lnRef>
+      <a:fillRef idx="1">
+        <a:scrgbClr r="0" g="0" b="0"/>
+      </a:fillRef>
+      <a:effectRef idx="0">
+        <a:scrgbClr r="0" g="0" b="0"/>
+      </a:effectRef>
+      <a:fontRef idx="minor">
+        <a:schemeClr val="lt1"/>
+      </a:fontRef>
+    </dgm:style>
+  </dgm:styleLbl>
+  <dgm:styleLbl name="fgImgPlace1">
+    <dgm:scene3d>
+      <a:camera prst="orthographicFront"/>
+      <a:lightRig rig="threePt" dir="t"/>
+    </dgm:scene3d>
+    <dgm:sp3d/>
+    <dgm:txPr/>
+    <dgm:style>
+      <a:lnRef idx="2">
+        <a:scrgbClr r="0" g="0" b="0"/>
+      </a:lnRef>
+      <a:fillRef idx="1">
+        <a:scrgbClr r="0" g="0" b="0"/>
+      </a:fillRef>
+      <a:effectRef idx="0">
+        <a:scrgbClr r="0" g="0" b="0"/>
+      </a:effectRef>
+      <a:fontRef idx="minor"/>
+    </dgm:style>
+  </dgm:styleLbl>
+  <dgm:styleLbl name="alignImgPlace1">
+    <dgm:scene3d>
+      <a:camera prst="orthographicFront"/>
+      <a:lightRig rig="threePt" dir="t"/>
+    </dgm:scene3d>
+    <dgm:sp3d/>
+    <dgm:txPr/>
+    <dgm:style>
+      <a:lnRef idx="2">
+        <a:scrgbClr r="0" g="0" b="0"/>
+      </a:lnRef>
+      <a:fillRef idx="1">
+        <a:scrgbClr r="0" g="0" b="0"/>
+      </a:fillRef>
+      <a:effectRef idx="0">
+        <a:scrgbClr r="0" g="0" b="0"/>
+      </a:effectRef>
+      <a:fontRef idx="minor"/>
+    </dgm:style>
+  </dgm:styleLbl>
+  <dgm:styleLbl name="bgImgPlace1">
+    <dgm:scene3d>
+      <a:camera prst="orthographicFront"/>
+      <a:lightRig rig="threePt" dir="t"/>
+    </dgm:scene3d>
+    <dgm:sp3d/>
+    <dgm:txPr/>
+    <dgm:style>
+      <a:lnRef idx="2">
+        <a:scrgbClr r="0" g="0" b="0"/>
+      </a:lnRef>
+      <a:fillRef idx="1">
+        <a:scrgbClr r="0" g="0" b="0"/>
+      </a:fillRef>
+      <a:effectRef idx="0">
+        <a:scrgbClr r="0" g="0" b="0"/>
+      </a:effectRef>
+      <a:fontRef idx="minor"/>
+    </dgm:style>
+  </dgm:styleLbl>
+  <dgm:styleLbl name="sibTrans2D1">
+    <dgm:scene3d>
+      <a:camera prst="orthographicFront"/>
+      <a:lightRig rig="threePt" dir="t"/>
+    </dgm:scene3d>
+    <dgm:sp3d/>
+    <dgm:txPr/>
+    <dgm:style>
+      <a:lnRef idx="0">
+        <a:scrgbClr r="0" g="0" b="0"/>
+      </a:lnRef>
+      <a:fillRef idx="1">
+        <a:scrgbClr r="0" g="0" b="0"/>
+      </a:fillRef>
+      <a:effectRef idx="0">
+        <a:scrgbClr r="0" g="0" b="0"/>
+      </a:effectRef>
+      <a:fontRef idx="minor">
+        <a:schemeClr val="lt1"/>
+      </a:fontRef>
+    </dgm:style>
+  </dgm:styleLbl>
+  <dgm:styleLbl name="fgSibTrans2D1">
+    <dgm:scene3d>
+      <a:camera prst="orthographicFront"/>
+      <a:lightRig rig="threePt" dir="t"/>
+    </dgm:scene3d>
+    <dgm:sp3d/>
+    <dgm:txPr/>
+    <dgm:style>
+      <a:lnRef idx="0">
+        <a:scrgbClr r="0" g="0" b="0"/>
+      </a:lnRef>
+      <a:fillRef idx="1">
+        <a:scrgbClr r="0" g="0" b="0"/>
+      </a:fillRef>
+      <a:effectRef idx="0">
+        <a:scrgbClr r="0" g="0" b="0"/>
+      </a:effectRef>
+      <a:fontRef idx="minor">
+        <a:schemeClr val="lt1"/>
+      </a:fontRef>
+    </dgm:style>
+  </dgm:styleLbl>
+  <dgm:styleLbl name="bgSibTrans2D1">
+    <dgm:scene3d>
+      <a:camera prst="orthographicFront"/>
+      <a:lightRig rig="threePt" dir="t"/>
+    </dgm:scene3d>
+    <dgm:sp3d/>
+    <dgm:txPr/>
+    <dgm:style>
+      <a:lnRef idx="0">
+        <a:scrgbClr r="0" g="0" b="0"/>
+      </a:lnRef>
+      <a:fillRef idx="1">
+        <a:scrgbClr r="0" g="0" b="0"/>
+      </a:fillRef>
+      <a:effectRef idx="0">
+        <a:scrgbClr r="0" g="0" b="0"/>
+      </a:effectRef>
+      <a:fontRef idx="minor">
+        <a:schemeClr val="lt1"/>
+      </a:fontRef>
+    </dgm:style>
+  </dgm:styleLbl>
+  <dgm:styleLbl name="sibTrans1D1">
+    <dgm:scene3d>
+      <a:camera prst="orthographicFront"/>
+      <a:lightRig rig="threePt" dir="t"/>
+    </dgm:scene3d>
+    <dgm:sp3d/>
+    <dgm:txPr/>
+    <dgm:style>
+      <a:lnRef idx="1">
+        <a:scrgbClr r="0" g="0" b="0"/>
+      </a:lnRef>
+      <a:fillRef idx="0">
+        <a:scrgbClr r="0" g="0" b="0"/>
+      </a:fillRef>
+      <a:effectRef idx="0">
+        <a:scrgbClr r="0" g="0" b="0"/>
+      </a:effectRef>
+      <a:fontRef idx="minor"/>
+    </dgm:style>
+  </dgm:styleLbl>
+  <dgm:styleLbl name="callout">
+    <dgm:scene3d>
+      <a:camera prst="orthographicFront"/>
+      <a:lightRig rig="threePt" dir="t"/>
+    </dgm:scene3d>
+    <dgm:sp3d/>
+    <dgm:txPr/>
+    <dgm:style>
+      <a:lnRef idx="2">
+        <a:scrgbClr r="0" g="0" b="0"/>
+      </a:lnRef>
+      <a:fillRef idx="1">
+        <a:scrgbClr r="0" g="0" b="0"/>
+      </a:fillRef>
+      <a:effectRef idx="0">
+        <a:scrgbClr r="0" g="0" b="0"/>
+      </a:effectRef>
+      <a:fontRef idx="minor"/>
+    </dgm:style>
+  </dgm:styleLbl>
+  <dgm:styleLbl name="asst0">
+    <dgm:scene3d>
+      <a:camera prst="orthographicFront"/>
+      <a:lightRig rig="threePt" dir="t"/>
+    </dgm:scene3d>
+    <dgm:sp3d/>
+    <dgm:txPr/>
+    <dgm:style>
+      <a:lnRef idx="2">
+        <a:scrgbClr r="0" g="0" b="0"/>
+      </a:lnRef>
+      <a:fillRef idx="1">
+        <a:scrgbClr r="0" g="0" b="0"/>
+      </a:fillRef>
+      <a:effectRef idx="0">
+        <a:scrgbClr r="0" g="0" b="0"/>
+      </a:effectRef>
+      <a:fontRef idx="minor">
+        <a:schemeClr val="lt1"/>
+      </a:fontRef>
+    </dgm:style>
+  </dgm:styleLbl>
+  <dgm:styleLbl name="asst1">
+    <dgm:scene3d>
+      <a:camera prst="orthographicFront"/>
+      <a:lightRig rig="threePt" dir="t"/>
+    </dgm:scene3d>
+    <dgm:sp3d/>
+    <dgm:txPr/>
+    <dgm:style>
+      <a:lnRef idx="2">
+        <a:scrgbClr r="0" g="0" b="0"/>
+      </a:lnRef>
+      <a:fillRef idx="1">
+        <a:scrgbClr r="0" g="0" b="0"/>
+      </a:fillRef>
+      <a:effectRef idx="0">
+        <a:scrgbClr r="0" g="0" b="0"/>
+      </a:effectRef>
+      <a:fontRef idx="minor">
+        <a:schemeClr val="lt1"/>
+      </a:fontRef>
+    </dgm:style>
+  </dgm:styleLbl>
+  <dgm:styleLbl name="asst2">
+    <dgm:scene3d>
+      <a:camera prst="orthographicFront"/>
+      <a:lightRig rig="threePt" dir="t"/>
+    </dgm:scene3d>
+    <dgm:sp3d/>
+    <dgm:txPr/>
+    <dgm:style>
+      <a:lnRef idx="2">
+        <a:scrgbClr r="0" g="0" b="0"/>
+      </a:lnRef>
+      <a:fillRef idx="1">
+        <a:scrgbClr r="0" g="0" b="0"/>
+      </a:fillRef>
+      <a:effectRef idx="0">
+        <a:scrgbClr r="0" g="0" b="0"/>
+      </a:effectRef>
+      <a:fontRef idx="minor">
+        <a:schemeClr val="lt1"/>
+      </a:fontRef>
+    </dgm:style>
+  </dgm:styleLbl>
+  <dgm:styleLbl name="asst3">
+    <dgm:scene3d>
+      <a:camera prst="orthographicFront"/>
+      <a:lightRig rig="threePt" dir="t"/>
+    </dgm:scene3d>
+    <dgm:sp3d/>
+    <dgm:txPr/>
+    <dgm:style>
+      <a:lnRef idx="2">
+        <a:scrgbClr r="0" g="0" b="0"/>
+      </a:lnRef>
+      <a:fillRef idx="1">
+        <a:scrgbClr r="0" g="0" b="0"/>
+      </a:fillRef>
+      <a:effectRef idx="0">
+        <a:scrgbClr r="0" g="0" b="0"/>
+      </a:effectRef>
+      <a:fontRef idx="minor">
+        <a:schemeClr val="lt1"/>
+      </a:fontRef>
+    </dgm:style>
+  </dgm:styleLbl>
+  <dgm:styleLbl name="asst4">
+    <dgm:scene3d>
+      <a:camera prst="orthographicFront"/>
+      <a:lightRig rig="threePt" dir="t"/>
+    </dgm:scene3d>
+    <dgm:sp3d/>
+    <dgm:txPr/>
+    <dgm:style>
+      <a:lnRef idx="2">
+        <a:scrgbClr r="0" g="0" b="0"/>
+      </a:lnRef>
+      <a:fillRef idx="1">
+        <a:scrgbClr r="0" g="0" b="0"/>
+      </a:fillRef>
+      <a:effectRef idx="0">
+        <a:scrgbClr r="0" g="0" b="0"/>
+      </a:effectRef>
+      <a:fontRef idx="minor">
+        <a:schemeClr val="lt1"/>
+      </a:fontRef>
+    </dgm:style>
+  </dgm:styleLbl>
+  <dgm:styleLbl name="parChTrans2D1">
+    <dgm:scene3d>
+      <a:camera prst="orthographicFront"/>
+      <a:lightRig rig="threePt" dir="t"/>
+    </dgm:scene3d>
+    <dgm:sp3d/>
+    <dgm:txPr/>
+    <dgm:style>
+      <a:lnRef idx="2">
+        <a:scrgbClr r="0" g="0" b="0"/>
+      </a:lnRef>
+      <a:fillRef idx="1">
+        <a:scrgbClr r="0" g="0" b="0"/>
+      </a:fillRef>
+      <a:effectRef idx="0">
+        <a:scrgbClr r="0" g="0" b="0"/>
+      </a:effectRef>
+      <a:fontRef idx="minor">
+        <a:schemeClr val="lt1"/>
+      </a:fontRef>
+    </dgm:style>
+  </dgm:styleLbl>
+  <dgm:styleLbl name="parChTrans2D2">
+    <dgm:scene3d>
+      <a:camera prst="orthographicFront"/>
+      <a:lightRig rig="threePt" dir="t"/>
+    </dgm:scene3d>
+    <dgm:sp3d/>
+    <dgm:txPr/>
+    <dgm:style>
+      <a:lnRef idx="2">
+        <a:scrgbClr r="0" g="0" b="0"/>
+      </a:lnRef>
+      <a:fillRef idx="1">
+        <a:scrgbClr r="0" g="0" b="0"/>
+      </a:fillRef>
+      <a:effectRef idx="0">
+        <a:scrgbClr r="0" g="0" b="0"/>
+      </a:effectRef>
+      <a:fontRef idx="minor">
+        <a:schemeClr val="lt1"/>
+      </a:fontRef>
+    </dgm:style>
+  </dgm:styleLbl>
+  <dgm:styleLbl name="parChTrans2D3">
+    <dgm:scene3d>
+      <a:camera prst="orthographicFront"/>
+      <a:lightRig rig="threePt" dir="t"/>
+    </dgm:scene3d>
+    <dgm:sp3d/>
+    <dgm:txPr/>
+    <dgm:style>
+      <a:lnRef idx="2">
+        <a:scrgbClr r="0" g="0" b="0"/>
+      </a:lnRef>
+      <a:fillRef idx="1">
+        <a:scrgbClr r="0" g="0" b="0"/>
+      </a:fillRef>
+      <a:effectRef idx="0">
+        <a:scrgbClr r="0" g="0" b="0"/>
+      </a:effectRef>
+      <a:fontRef idx="minor">
+        <a:schemeClr val="lt1"/>
+      </a:fontRef>
+    </dgm:style>
+  </dgm:styleLbl>
+  <dgm:styleLbl name="parChTrans2D4">
+    <dgm:scene3d>
+      <a:camera prst="orthographicFront"/>
+      <a:lightRig rig="threePt" dir="t"/>
+    </dgm:scene3d>
+    <dgm:sp3d/>
+    <dgm:txPr/>
+    <dgm:style>
+      <a:lnRef idx="2">
+        <a:scrgbClr r="0" g="0" b="0"/>
+      </a:lnRef>
+      <a:fillRef idx="1">
+        <a:scrgbClr r="0" g="0" b="0"/>
+      </a:fillRef>
+      <a:effectRef idx="0">
+        <a:scrgbClr r="0" g="0" b="0"/>
+      </a:effectRef>
+      <a:fontRef idx="minor">
+        <a:schemeClr val="lt1"/>
+      </a:fontRef>
+    </dgm:style>
+  </dgm:styleLbl>
+  <dgm:styleLbl name="parChTrans1D1">
+    <dgm:scene3d>
+      <a:camera prst="orthographicFront"/>
+      <a:lightRig rig="threePt" dir="t"/>
+    </dgm:scene3d>
+    <dgm:sp3d/>
+    <dgm:txPr/>
+    <dgm:style>
+      <a:lnRef idx="2">
+        <a:scrgbClr r="0" g="0" b="0"/>
+      </a:lnRef>
+      <a:fillRef idx="0">
+        <a:scrgbClr r="0" g="0" b="0"/>
+      </a:fillRef>
+      <a:effectRef idx="0">
+        <a:scrgbClr r="0" g="0" b="0"/>
+      </a:effectRef>
+      <a:fontRef idx="minor"/>
+    </dgm:style>
+  </dgm:styleLbl>
+  <dgm:styleLbl name="parChTrans1D2">
+    <dgm:scene3d>
+      <a:camera prst="orthographicFront"/>
+      <a:lightRig rig="threePt" dir="t"/>
+    </dgm:scene3d>
+    <dgm:sp3d/>
+    <dgm:txPr/>
+    <dgm:style>
+      <a:lnRef idx="2">
+        <a:scrgbClr r="0" g="0" b="0"/>
+      </a:lnRef>
+      <a:fillRef idx="0">
+        <a:scrgbClr r="0" g="0" b="0"/>
+      </a:fillRef>
+      <a:effectRef idx="0">
+        <a:scrgbClr r="0" g="0" b="0"/>
+      </a:effectRef>
+      <a:fontRef idx="minor"/>
+    </dgm:style>
+  </dgm:styleLbl>
+  <dgm:styleLbl name="parChTrans1D3">
+    <dgm:scene3d>
+      <a:camera prst="orthographicFront"/>
+      <a:lightRig rig="threePt" dir="t"/>
+    </dgm:scene3d>
+    <dgm:sp3d/>
+    <dgm:txPr/>
+    <dgm:style>
+      <a:lnRef idx="2">
+        <a:scrgbClr r="0" g="0" b="0"/>
+      </a:lnRef>
+      <a:fillRef idx="0">
+        <a:scrgbClr r="0" g="0" b="0"/>
+      </a:fillRef>
+      <a:effectRef idx="0">
+        <a:scrgbClr r="0" g="0" b="0"/>
+      </a:effectRef>
+      <a:fontRef idx="minor"/>
+    </dgm:style>
+  </dgm:styleLbl>
+  <dgm:styleLbl name="parChTrans1D4">
+    <dgm:scene3d>
+      <a:camera prst="orthographicFront"/>
+      <a:lightRig rig="threePt" dir="t"/>
+    </dgm:scene3d>
+    <dgm:sp3d/>
+    <dgm:txPr/>
+    <dgm:style>
+      <a:lnRef idx="2">
+        <a:scrgbClr r="0" g="0" b="0"/>
+      </a:lnRef>
+      <a:fillRef idx="0">
+        <a:scrgbClr r="0" g="0" b="0"/>
+      </a:fillRef>
+      <a:effectRef idx="0">
+        <a:scrgbClr r="0" g="0" b="0"/>
+      </a:effectRef>
+      <a:fontRef idx="minor"/>
+    </dgm:style>
+  </dgm:styleLbl>
+  <dgm:styleLbl name="fgAcc1">
+    <dgm:scene3d>
+      <a:camera prst="orthographicFront"/>
+      <a:lightRig rig="threePt" dir="t"/>
+    </dgm:scene3d>
+    <dgm:sp3d/>
+    <dgm:txPr/>
+    <dgm:style>
+      <a:lnRef idx="2">
+        <a:scrgbClr r="0" g="0" b="0"/>
+      </a:lnRef>
+      <a:fillRef idx="1">
+        <a:scrgbClr r="0" g="0" b="0"/>
+      </a:fillRef>
+      <a:effectRef idx="0">
+        <a:scrgbClr r="0" g="0" b="0"/>
+      </a:effectRef>
+      <a:fontRef idx="minor"/>
+    </dgm:style>
+  </dgm:styleLbl>
+  <dgm:styleLbl name="conFgAcc1">
+    <dgm:scene3d>
+      <a:camera prst="orthographicFront"/>
+      <a:lightRig rig="threePt" dir="t"/>
+    </dgm:scene3d>
+    <dgm:sp3d/>
+    <dgm:txPr/>
+    <dgm:style>
+      <a:lnRef idx="2">
+        <a:scrgbClr r="0" g="0" b="0"/>
+      </a:lnRef>
+      <a:fillRef idx="1">
+        <a:scrgbClr r="0" g="0" b="0"/>
+      </a:fillRef>
+      <a:effectRef idx="0">
+        <a:scrgbClr r="0" g="0" b="0"/>
+      </a:effectRef>
+      <a:fontRef idx="minor"/>
+    </dgm:style>
+  </dgm:styleLbl>
+  <dgm:styleLbl name="alignAcc1">
+    <dgm:scene3d>
+      <a:camera prst="orthographicFront"/>
+      <a:lightRig rig="threePt" dir="t"/>
+    </dgm:scene3d>
+    <dgm:sp3d/>
+    <dgm:txPr/>
+    <dgm:style>
+      <a:lnRef idx="2">
+        <a:scrgbClr r="0" g="0" b="0"/>
+      </a:lnRef>
+      <a:fillRef idx="1">
+        <a:scrgbClr r="0" g="0" b="0"/>
+      </a:fillRef>
+      <a:effectRef idx="0">
+        <a:scrgbClr r="0" g="0" b="0"/>
+      </a:effectRef>
+      <a:fontRef idx="minor"/>
+    </dgm:style>
+  </dgm:styleLbl>
+  <dgm:styleLbl name="trAlignAcc1">
+    <dgm:scene3d>
+      <a:camera prst="orthographicFront"/>
+      <a:lightRig rig="threePt" dir="t"/>
+    </dgm:scene3d>
+    <dgm:sp3d/>
+    <dgm:txPr/>
+    <dgm:style>
+      <a:lnRef idx="1">
+        <a:scrgbClr r="0" g="0" b="0"/>
+      </a:lnRef>
+      <a:fillRef idx="1">
+        <a:scrgbClr r="0" g="0" b="0"/>
+      </a:fillRef>
+      <a:effectRef idx="0">
+        <a:scrgbClr r="0" g="0" b="0"/>
+      </a:effectRef>
+      <a:fontRef idx="minor"/>
+    </dgm:style>
+  </dgm:styleLbl>
+  <dgm:styleLbl name="bgAcc1">
+    <dgm:scene3d>
+      <a:camera prst="orthographicFront"/>
+      <a:lightRig rig="threePt" dir="t"/>
+    </dgm:scene3d>
+    <dgm:sp3d/>
+    <dgm:txPr/>
+    <dgm:style>
+      <a:lnRef idx="2">
+        <a:scrgbClr r="0" g="0" b="0"/>
+      </a:lnRef>
+      <a:fillRef idx="1">
+        <a:scrgbClr r="0" g="0" b="0"/>
+      </a:fillRef>
+      <a:effectRef idx="0">
+        <a:scrgbClr r="0" g="0" b="0"/>
+      </a:effectRef>
+      <a:fontRef idx="minor"/>
+    </dgm:style>
+  </dgm:styleLbl>
+  <dgm:styleLbl name="solidFgAcc1">
+    <dgm:scene3d>
+      <a:camera prst="orthographicFront"/>
+      <a:lightRig rig="threePt" dir="t"/>
+    </dgm:scene3d>
+    <dgm:sp3d/>
+    <dgm:txPr/>
+    <dgm:style>
+      <a:lnRef idx="2">
+        <a:scrgbClr r="0" g="0" b="0"/>
+      </a:lnRef>
+      <a:fillRef idx="1">
+        <a:scrgbClr r="0" g="0" b="0"/>
+      </a:fillRef>
+      <a:effectRef idx="0">
+        <a:scrgbClr r="0" g="0" b="0"/>
+      </a:effectRef>
+      <a:fontRef idx="minor"/>
+    </dgm:style>
+  </dgm:styleLbl>
+  <dgm:styleLbl name="solidAlignAcc1">
+    <dgm:scene3d>
+      <a:camera prst="orthographicFront"/>
+      <a:lightRig rig="threePt" dir="t"/>
+    </dgm:scene3d>
+    <dgm:sp3d/>
+    <dgm:txPr/>
+    <dgm:style>
+      <a:lnRef idx="2">
+        <a:scrgbClr r="0" g="0" b="0"/>
+      </a:lnRef>
+      <a:fillRef idx="1">
+        <a:scrgbClr r="0" g="0" b="0"/>
+      </a:fillRef>
+      <a:effectRef idx="0">
+        <a:scrgbClr r="0" g="0" b="0"/>
+      </a:effectRef>
+      <a:fontRef idx="minor"/>
+    </dgm:style>
+  </dgm:styleLbl>
+  <dgm:styleLbl name="solidBgAcc1">
+    <dgm:scene3d>
+      <a:camera prst="orthographicFront"/>
+      <a:lightRig rig="threePt" dir="t"/>
+    </dgm:scene3d>
+    <dgm:sp3d/>
+    <dgm:txPr/>
+    <dgm:style>
+      <a:lnRef idx="2">
+        <a:scrgbClr r="0" g="0" b="0"/>
+      </a:lnRef>
+      <a:fillRef idx="1">
+        <a:scrgbClr r="0" g="0" b="0"/>
+      </a:fillRef>
+      <a:effectRef idx="0">
+        <a:scrgbClr r="0" g="0" b="0"/>
+      </a:effectRef>
+      <a:fontRef idx="minor"/>
+    </dgm:style>
+  </dgm:styleLbl>
+  <dgm:styleLbl name="fgAccFollowNode1">
+    <dgm:scene3d>
+      <a:camera prst="orthographicFront"/>
+      <a:lightRig rig="threePt" dir="t"/>
+    </dgm:scene3d>
+    <dgm:sp3d/>
+    <dgm:txPr/>
+    <dgm:style>
+      <a:lnRef idx="2">
+        <a:scrgbClr r="0" g="0" b="0"/>
+      </a:lnRef>
+      <a:fillRef idx="1">
+        <a:scrgbClr r="0" g="0" b="0"/>
+      </a:fillRef>
+      <a:effectRef idx="0">
+        <a:scrgbClr r="0" g="0" b="0"/>
+      </a:effectRef>
+      <a:fontRef idx="minor"/>
+    </dgm:style>
+  </dgm:styleLbl>
+  <dgm:styleLbl name="alignAccFollowNode1">
+    <dgm:scene3d>
+      <a:camera prst="orthographicFront"/>
+      <a:lightRig rig="threePt" dir="t"/>
+    </dgm:scene3d>
+    <dgm:sp3d/>
+    <dgm:txPr/>
+    <dgm:style>
+      <a:lnRef idx="2">
+        <a:scrgbClr r="0" g="0" b="0"/>
+      </a:lnRef>
+      <a:fillRef idx="1">
+        <a:scrgbClr r="0" g="0" b="0"/>
+      </a:fillRef>
+      <a:effectRef idx="0">
+        <a:scrgbClr r="0" g="0" b="0"/>
+      </a:effectRef>
+      <a:fontRef idx="minor"/>
+    </dgm:style>
+  </dgm:styleLbl>
+  <dgm:styleLbl name="bgAccFollowNode1">
+    <dgm:scene3d>
+      <a:camera prst="orthographicFront"/>
+      <a:lightRig rig="threePt" dir="t"/>
+    </dgm:scene3d>
+    <dgm:sp3d/>
+    <dgm:txPr/>
+    <dgm:style>
+      <a:lnRef idx="2">
+        <a:scrgbClr r="0" g="0" b="0"/>
+      </a:lnRef>
+      <a:fillRef idx="1">
+        <a:scrgbClr r="0" g="0" b="0"/>
+      </a:fillRef>
+      <a:effectRef idx="0">
+        <a:scrgbClr r="0" g="0" b="0"/>
+      </a:effectRef>
+      <a:fontRef idx="minor"/>
+    </dgm:style>
+  </dgm:styleLbl>
+  <dgm:styleLbl name="fgAcc0">
+    <dgm:scene3d>
+      <a:camera prst="orthographicFront"/>
+      <a:lightRig rig="threePt" dir="t"/>
+    </dgm:scene3d>
+    <dgm:sp3d/>
+    <dgm:txPr/>
+    <dgm:style>
+      <a:lnRef idx="2">
+        <a:scrgbClr r="0" g="0" b="0"/>
+      </a:lnRef>
+      <a:fillRef idx="1">
+        <a:scrgbClr r="0" g="0" b="0"/>
+      </a:fillRef>
+      <a:effectRef idx="0">
+        <a:scrgbClr r="0" g="0" b="0"/>
+      </a:effectRef>
+      <a:fontRef idx="minor"/>
+    </dgm:style>
+  </dgm:styleLbl>
+  <dgm:styleLbl name="fgAcc2">
+    <dgm:scene3d>
+      <a:camera prst="orthographicFront"/>
+      <a:lightRig rig="threePt" dir="t"/>
+    </dgm:scene3d>
+    <dgm:sp3d/>
+    <dgm:txPr/>
+    <dgm:style>
+      <a:lnRef idx="2">
+        <a:scrgbClr r="0" g="0" b="0"/>
+      </a:lnRef>
+      <a:fillRef idx="1">
+        <a:scrgbClr r="0" g="0" b="0"/>
+      </a:fillRef>
+      <a:effectRef idx="0">
+        <a:scrgbClr r="0" g="0" b="0"/>
+      </a:effectRef>
+      <a:fontRef idx="minor"/>
+    </dgm:style>
+  </dgm:styleLbl>
+  <dgm:styleLbl name="fgAcc3">
+    <dgm:scene3d>
+      <a:camera prst="orthographicFront"/>
+      <a:lightRig rig="threePt" dir="t"/>
+    </dgm:scene3d>
+    <dgm:sp3d/>
+    <dgm:txPr/>
+    <dgm:style>
+      <a:lnRef idx="2">
+        <a:scrgbClr r="0" g="0" b="0"/>
+      </a:lnRef>
+      <a:fillRef idx="1">
+        <a:scrgbClr r="0" g="0" b="0"/>
+      </a:fillRef>
+      <a:effectRef idx="0">
+        <a:scrgbClr r="0" g="0" b="0"/>
+      </a:effectRef>
+      <a:fontRef idx="minor"/>
+    </dgm:style>
+  </dgm:styleLbl>
+  <dgm:styleLbl name="fgAcc4">
+    <dgm:scene3d>
+      <a:camera prst="orthographicFront"/>
+      <a:lightRig rig="threePt" dir="t"/>
+    </dgm:scene3d>
+    <dgm:sp3d/>
+    <dgm:txPr/>
+    <dgm:style>
+      <a:lnRef idx="2">
+        <a:scrgbClr r="0" g="0" b="0"/>
+      </a:lnRef>
+      <a:fillRef idx="1">
+        <a:scrgbClr r="0" g="0" b="0"/>
+      </a:fillRef>
+      <a:effectRef idx="0">
+        <a:scrgbClr r="0" g="0" b="0"/>
+      </a:effectRef>
+      <a:fontRef idx="minor"/>
+    </dgm:style>
+  </dgm:styleLbl>
+  <dgm:styleLbl name="bgShp">
+    <dgm:scene3d>
+      <a:camera prst="orthographicFront"/>
+      <a:lightRig rig="threePt" dir="t"/>
+    </dgm:scene3d>
+    <dgm:sp3d/>
+    <dgm:txPr/>
+    <dgm:style>
+      <a:lnRef idx="0">
+        <a:scrgbClr r="0" g="0" b="0"/>
+      </a:lnRef>
+      <a:fillRef idx="1">
+        <a:scrgbClr r="0" g="0" b="0"/>
+      </a:fillRef>
+      <a:effectRef idx="0">
+        <a:scrgbClr r="0" g="0" b="0"/>
+      </a:effectRef>
+      <a:fontRef idx="minor"/>
+    </dgm:style>
+  </dgm:styleLbl>
+  <dgm:styleLbl name="dkBgShp">
+    <dgm:scene3d>
+      <a:camera prst="orthographicFront"/>
+      <a:lightRig rig="threePt" dir="t"/>
+    </dgm:scene3d>
+    <dgm:sp3d/>
+    <dgm:txPr/>
+    <dgm:style>
+      <a:lnRef idx="0">
+        <a:scrgbClr r="0" g="0" b="0"/>
+      </a:lnRef>
+      <a:fillRef idx="1">
+        <a:scrgbClr r="0" g="0" b="0"/>
+      </a:fillRef>
+      <a:effectRef idx="0">
+        <a:scrgbClr r="0" g="0" b="0"/>
+      </a:effectRef>
+      <a:fontRef idx="minor"/>
+    </dgm:style>
+  </dgm:styleLbl>
+  <dgm:styleLbl name="trBgShp">
+    <dgm:scene3d>
+      <a:camera prst="orthographicFront"/>
+      <a:lightRig rig="threePt" dir="t"/>
+    </dgm:scene3d>
+    <dgm:sp3d/>
+    <dgm:txPr/>
+    <dgm:style>
+      <a:lnRef idx="0">
+        <a:scrgbClr r="0" g="0" b="0"/>
+      </a:lnRef>
+      <a:fillRef idx="1">
+        <a:scrgbClr r="0" g="0" b="0"/>
+      </a:fillRef>
+      <a:effectRef idx="0">
+        <a:scrgbClr r="0" g="0" b="0"/>
+      </a:effectRef>
+      <a:fontRef idx="minor"/>
+    </dgm:style>
+  </dgm:styleLbl>
+  <dgm:styleLbl name="fgShp">
+    <dgm:scene3d>
+      <a:camera prst="orthographicFront"/>
+      <a:lightRig rig="threePt" dir="t"/>
+    </dgm:scene3d>
+    <dgm:sp3d/>
+    <dgm:txPr/>
+    <dgm:style>
+      <a:lnRef idx="2">
+        <a:scrgbClr r="0" g="0" b="0"/>
+      </a:lnRef>
+      <a:fillRef idx="1">
+        <a:scrgbClr r="0" g="0" b="0"/>
+      </a:fillRef>
+      <a:effectRef idx="0">
+        <a:scrgbClr r="0" g="0" b="0"/>
+      </a:effectRef>
+      <a:fontRef idx="minor"/>
+    </dgm:style>
+  </dgm:styleLbl>
+  <dgm:styleLbl name="revTx">
+    <dgm:scene3d>
+      <a:camera prst="orthographicFront"/>
+      <a:lightRig rig="threePt" dir="t"/>
+    </dgm:scene3d>
+    <dgm:sp3d/>
+    <dgm:txPr/>
+    <dgm:style>
+      <a:lnRef idx="0">
+        <a:scrgbClr r="0" g="0" b="0"/>
+      </a:lnRef>
+      <a:fillRef idx="0">
+        <a:scrgbClr r="0" g="0" b="0"/>
+      </a:fillRef>
+      <a:effectRef idx="0">
+        <a:scrgbClr r="0" g="0" b="0"/>
+      </a:effectRef>
+      <a:fontRef idx="minor"/>
+    </dgm:style>
+  </dgm:styleLbl>
+</dgm:styleDef>
+</file>
+
+<file path=ppt/diagrams/quickStyle6.xml><?xml version="1.0" encoding="utf-8"?>
 <dgm:styleDef xmlns:dgm="http://schemas.openxmlformats.org/drawingml/2006/diagram" xmlns:a="http://schemas.openxmlformats.org/drawingml/2006/main" uniqueId="urn:microsoft.com/office/officeart/2005/8/quickstyle/simple1">
   <dgm:title val=""/>
   <dgm:desc val=""/>
@@ -16591,7 +19988,7 @@
           <a:p>
             <a:fld id="{02B6E7F9-23D7-4C66-92B6-BDAD855859C2}" type="datetimeFigureOut">
               <a:rPr lang="en-GB" smtClean="0"/>
-              <a:t>14/07/2024</a:t>
+              <a:t>15/07/2024</a:t>
             </a:fld>
             <a:endParaRPr lang="en-GB"/>
           </a:p>
@@ -17181,7 +20578,7 @@
           <a:p>
             <a:fld id="{ED291B17-9318-49DB-B28B-6E5994AE9581}" type="datetime1">
               <a:rPr lang="en-US" smtClean="0"/>
-              <a:t>7/14/2024</a:t>
+              <a:t>7/15/2024</a:t>
             </a:fld>
             <a:endParaRPr lang="en-US" dirty="0"/>
           </a:p>
@@ -17384,7 +20781,7 @@
           <a:p>
             <a:fld id="{2CED4963-E985-44C4-B8C4-FDD613B7C2F8}" type="datetime1">
               <a:rPr lang="en-US" smtClean="0"/>
-              <a:t>7/14/2024</a:t>
+              <a:t>7/15/2024</a:t>
             </a:fld>
             <a:endParaRPr lang="en-US" dirty="0"/>
           </a:p>
@@ -17746,7 +21143,7 @@
           <a:p>
             <a:fld id="{ED291B17-9318-49DB-B28B-6E5994AE9581}" type="datetime1">
               <a:rPr lang="en-US" smtClean="0"/>
-              <a:t>7/14/2024</a:t>
+              <a:t>7/15/2024</a:t>
             </a:fld>
             <a:endParaRPr lang="en-US" dirty="0"/>
           </a:p>
@@ -17944,7 +21341,7 @@
           <a:p>
             <a:fld id="{78DD82B9-B8EE-4375-B6FF-88FA6ABB15D9}" type="datetime1">
               <a:rPr lang="en-US" smtClean="0"/>
-              <a:t>7/14/2024</a:t>
+              <a:t>7/15/2024</a:t>
             </a:fld>
             <a:endParaRPr lang="en-US" dirty="0"/>
           </a:p>
@@ -18256,7 +21653,7 @@
           <a:p>
             <a:fld id="{B2497495-0637-405E-AE64-5CC7506D51F5}" type="datetime1">
               <a:rPr lang="en-US" smtClean="0"/>
-              <a:t>7/14/2024</a:t>
+              <a:t>7/15/2024</a:t>
             </a:fld>
             <a:endParaRPr lang="en-US" dirty="0"/>
           </a:p>
@@ -18509,7 +21906,7 @@
           <a:p>
             <a:fld id="{7BFFD690-9426-415D-8B65-26881E07B2D4}" type="datetime1">
               <a:rPr lang="en-US" smtClean="0"/>
-              <a:t>7/14/2024</a:t>
+              <a:t>7/15/2024</a:t>
             </a:fld>
             <a:endParaRPr lang="en-US" dirty="0"/>
           </a:p>
@@ -18931,7 +22328,7 @@
           <a:p>
             <a:fld id="{04C4989A-474C-40DE-95B9-011C28B71673}" type="datetime1">
               <a:rPr lang="en-US" smtClean="0"/>
-              <a:t>7/14/2024</a:t>
+              <a:t>7/15/2024</a:t>
             </a:fld>
             <a:endParaRPr lang="en-US" dirty="0"/>
           </a:p>
@@ -19054,7 +22451,7 @@
           <a:p>
             <a:fld id="{5DB4ED54-5B5E-4A04-93D3-5772E3CE3818}" type="datetime1">
               <a:rPr lang="en-US" smtClean="0"/>
-              <a:t>7/14/2024</a:t>
+              <a:t>7/15/2024</a:t>
             </a:fld>
             <a:endParaRPr lang="en-US" dirty="0"/>
           </a:p>
@@ -19149,7 +22546,7 @@
           <a:p>
             <a:fld id="{4EDE50D6-574B-40AF-946F-D52A04ADE379}" type="datetime1">
               <a:rPr lang="en-US" smtClean="0"/>
-              <a:t>7/14/2024</a:t>
+              <a:t>7/15/2024</a:t>
             </a:fld>
             <a:endParaRPr lang="en-US" dirty="0"/>
           </a:p>
@@ -19526,7 +22923,7 @@
           <a:p>
             <a:fld id="{D82884F1-FFEA-405F-9602-3DCA865EDA4E}" type="datetime1">
               <a:rPr lang="en-US" smtClean="0"/>
-              <a:t>7/14/2024</a:t>
+              <a:t>7/15/2024</a:t>
             </a:fld>
             <a:endParaRPr lang="en-US" dirty="0"/>
           </a:p>
@@ -19819,7 +23216,7 @@
           <a:p>
             <a:fld id="{7E18DB4A-8810-4A10-AD5C-D5E2C667F5B3}" type="datetime1">
               <a:rPr lang="en-US" smtClean="0"/>
-              <a:t>7/14/2024</a:t>
+              <a:t>7/15/2024</a:t>
             </a:fld>
             <a:endParaRPr lang="en-US" dirty="0"/>
           </a:p>
@@ -20034,7 +23431,7 @@
           <a:p>
             <a:fld id="{ED291B17-9318-49DB-B28B-6E5994AE9581}" type="datetime1">
               <a:rPr lang="en-US" smtClean="0"/>
-              <a:t>7/14/2024</a:t>
+              <a:t>7/15/2024</a:t>
             </a:fld>
             <a:endParaRPr lang="en-US" dirty="0"/>
           </a:p>
@@ -22820,7 +26217,7 @@
                   <a:schemeClr val="tx1"/>
                 </a:solidFill>
               </a:rPr>
-              <a:t>Initial Results</a:t>
+              <a:t>Current progress</a:t>
             </a:r>
           </a:p>
         </p:txBody>
@@ -23055,6 +26452,14 @@
 <file path=ppt/slides/slide14.xml><?xml version="1.0" encoding="utf-8"?>
 <p:sld xmlns:a="http://schemas.openxmlformats.org/drawingml/2006/main" xmlns:r="http://schemas.openxmlformats.org/officeDocument/2006/relationships" xmlns:p="http://schemas.openxmlformats.org/presentationml/2006/main">
   <p:cSld>
+    <p:bg>
+      <p:bgPr>
+        <a:solidFill>
+          <a:schemeClr val="bg1"/>
+        </a:solidFill>
+        <a:effectLst/>
+      </p:bgPr>
+    </p:bg>
     <p:spTree>
       <p:nvGrpSpPr>
         <p:cNvPr id="1" name=""/>
@@ -23069,6 +26474,506 @@
           <a:chExt cx="0" cy="0"/>
         </a:xfrm>
       </p:grpSpPr>
+      <p:sp>
+        <p:nvSpPr>
+          <p:cNvPr id="8" name="Rectangle 7">
+            <a:extLst>
+              <a:ext uri="{FF2B5EF4-FFF2-40B4-BE49-F238E27FC236}">
+                <a16:creationId xmlns:a16="http://schemas.microsoft.com/office/drawing/2014/main" id="{E6C8E6EB-4C59-429B-97E4-72A058CFC4FB}"/>
+              </a:ext>
+              <a:ext uri="{C183D7F6-B498-43B3-948B-1728B52AA6E4}">
+                <adec:decorative xmlns:adec="http://schemas.microsoft.com/office/drawing/2017/decorative" val="1"/>
+              </a:ext>
+            </a:extLst>
+          </p:cNvPr>
+          <p:cNvSpPr>
+            <a:spLocks noGrp="1" noRot="1" noChangeAspect="1" noMove="1" noResize="1" noEditPoints="1" noAdjustHandles="1" noChangeArrowheads="1" noChangeShapeType="1" noTextEdit="1"/>
+          </p:cNvSpPr>
+          <p:nvPr>
+            <p:extLst>
+              <p:ext uri="{386F3935-93C4-4BCD-93E2-E3B085C9AB24}">
+                <p16:designElem xmlns:p16="http://schemas.microsoft.com/office/powerpoint/2015/main" val="1"/>
+              </p:ext>
+            </p:extLst>
+          </p:nvPr>
+        </p:nvSpPr>
+        <p:spPr>
+          <a:xfrm>
+            <a:off x="446534" y="457200"/>
+            <a:ext cx="3703320" cy="94997"/>
+          </a:xfrm>
+          <a:prstGeom prst="rect">
+            <a:avLst/>
+          </a:prstGeom>
+          <a:solidFill>
+            <a:srgbClr val="465359"/>
+          </a:solidFill>
+          <a:ln>
+            <a:noFill/>
+          </a:ln>
+          <a:effectLst/>
+        </p:spPr>
+        <p:style>
+          <a:lnRef idx="1">
+            <a:schemeClr val="accent1"/>
+          </a:lnRef>
+          <a:fillRef idx="3">
+            <a:schemeClr val="accent1"/>
+          </a:fillRef>
+          <a:effectRef idx="2">
+            <a:schemeClr val="accent1"/>
+          </a:effectRef>
+          <a:fontRef idx="minor">
+            <a:schemeClr val="lt1"/>
+          </a:fontRef>
+        </p:style>
+        <p:txBody>
+          <a:bodyPr/>
+          <a:lstStyle/>
+          <a:p>
+            <a:endParaRPr lang="en-GB"/>
+          </a:p>
+        </p:txBody>
+      </p:sp>
+      <p:sp>
+        <p:nvSpPr>
+          <p:cNvPr id="10" name="Rectangle 9">
+            <a:extLst>
+              <a:ext uri="{FF2B5EF4-FFF2-40B4-BE49-F238E27FC236}">
+                <a16:creationId xmlns:a16="http://schemas.microsoft.com/office/drawing/2014/main" id="{B5B90362-AFCC-46A9-B41C-A257A8C5B314}"/>
+              </a:ext>
+              <a:ext uri="{C183D7F6-B498-43B3-948B-1728B52AA6E4}">
+                <adec:decorative xmlns:adec="http://schemas.microsoft.com/office/drawing/2017/decorative" val="1"/>
+              </a:ext>
+            </a:extLst>
+          </p:cNvPr>
+          <p:cNvSpPr>
+            <a:spLocks noGrp="1" noRot="1" noChangeAspect="1" noMove="1" noResize="1" noEditPoints="1" noAdjustHandles="1" noChangeArrowheads="1" noChangeShapeType="1" noTextEdit="1"/>
+          </p:cNvSpPr>
+          <p:nvPr>
+            <p:extLst>
+              <p:ext uri="{386F3935-93C4-4BCD-93E2-E3B085C9AB24}">
+                <p16:designElem xmlns:p16="http://schemas.microsoft.com/office/powerpoint/2015/main" val="1"/>
+              </p:ext>
+            </p:extLst>
+          </p:nvPr>
+        </p:nvSpPr>
+        <p:spPr>
+          <a:xfrm>
+            <a:off x="8042147" y="453643"/>
+            <a:ext cx="3703320" cy="98554"/>
+          </a:xfrm>
+          <a:prstGeom prst="rect">
+            <a:avLst/>
+          </a:prstGeom>
+          <a:solidFill>
+            <a:srgbClr val="969FA7"/>
+          </a:solidFill>
+          <a:ln>
+            <a:noFill/>
+          </a:ln>
+          <a:effectLst/>
+        </p:spPr>
+        <p:style>
+          <a:lnRef idx="1">
+            <a:schemeClr val="accent1"/>
+          </a:lnRef>
+          <a:fillRef idx="3">
+            <a:schemeClr val="accent1"/>
+          </a:fillRef>
+          <a:effectRef idx="2">
+            <a:schemeClr val="accent1"/>
+          </a:effectRef>
+          <a:fontRef idx="minor">
+            <a:schemeClr val="lt1"/>
+          </a:fontRef>
+        </p:style>
+        <p:txBody>
+          <a:bodyPr/>
+          <a:lstStyle/>
+          <a:p>
+            <a:endParaRPr lang="en-GB"/>
+          </a:p>
+        </p:txBody>
+      </p:sp>
+      <p:sp>
+        <p:nvSpPr>
+          <p:cNvPr id="12" name="Rectangle 11">
+            <a:extLst>
+              <a:ext uri="{FF2B5EF4-FFF2-40B4-BE49-F238E27FC236}">
+                <a16:creationId xmlns:a16="http://schemas.microsoft.com/office/drawing/2014/main" id="{F71EF7F1-38BA-471D-8CD4-2A9AE8E35527}"/>
+              </a:ext>
+              <a:ext uri="{C183D7F6-B498-43B3-948B-1728B52AA6E4}">
+                <adec:decorative xmlns:adec="http://schemas.microsoft.com/office/drawing/2017/decorative" val="1"/>
+              </a:ext>
+            </a:extLst>
+          </p:cNvPr>
+          <p:cNvSpPr>
+            <a:spLocks noGrp="1" noRot="1" noChangeAspect="1" noMove="1" noResize="1" noEditPoints="1" noAdjustHandles="1" noChangeArrowheads="1" noChangeShapeType="1" noTextEdit="1"/>
+          </p:cNvSpPr>
+          <p:nvPr>
+            <p:extLst>
+              <p:ext uri="{386F3935-93C4-4BCD-93E2-E3B085C9AB24}">
+                <p16:designElem xmlns:p16="http://schemas.microsoft.com/office/powerpoint/2015/main" val="1"/>
+              </p:ext>
+            </p:extLst>
+          </p:nvPr>
+        </p:nvSpPr>
+        <p:spPr>
+          <a:xfrm>
+            <a:off x="4241830" y="457200"/>
+            <a:ext cx="3703320" cy="91440"/>
+          </a:xfrm>
+          <a:prstGeom prst="rect">
+            <a:avLst/>
+          </a:prstGeom>
+          <a:solidFill>
+            <a:schemeClr val="accent1"/>
+          </a:solidFill>
+          <a:ln>
+            <a:noFill/>
+          </a:ln>
+          <a:effectLst/>
+        </p:spPr>
+        <p:style>
+          <a:lnRef idx="1">
+            <a:schemeClr val="accent1"/>
+          </a:lnRef>
+          <a:fillRef idx="3">
+            <a:schemeClr val="accent1"/>
+          </a:fillRef>
+          <a:effectRef idx="2">
+            <a:schemeClr val="accent1"/>
+          </a:effectRef>
+          <a:fontRef idx="minor">
+            <a:schemeClr val="lt1"/>
+          </a:fontRef>
+        </p:style>
+        <p:txBody>
+          <a:bodyPr/>
+          <a:lstStyle/>
+          <a:p>
+            <a:endParaRPr lang="en-GB"/>
+          </a:p>
+        </p:txBody>
+      </p:sp>
+      <p:sp useBgFill="1">
+        <p:nvSpPr>
+          <p:cNvPr id="14" name="Rectangle 13">
+            <a:extLst>
+              <a:ext uri="{FF2B5EF4-FFF2-40B4-BE49-F238E27FC236}">
+                <a16:creationId xmlns:a16="http://schemas.microsoft.com/office/drawing/2014/main" id="{504BED40-EAF7-4E55-AFF7-2CD840EBD3AA}"/>
+              </a:ext>
+              <a:ext uri="{C183D7F6-B498-43B3-948B-1728B52AA6E4}">
+                <adec:decorative xmlns:adec="http://schemas.microsoft.com/office/drawing/2017/decorative" val="1"/>
+              </a:ext>
+            </a:extLst>
+          </p:cNvPr>
+          <p:cNvSpPr>
+            <a:spLocks noGrp="1" noRot="1" noChangeAspect="1" noMove="1" noResize="1" noEditPoints="1" noAdjustHandles="1" noChangeArrowheads="1" noChangeShapeType="1" noTextEdit="1"/>
+          </p:cNvSpPr>
+          <p:nvPr>
+            <p:extLst>
+              <p:ext uri="{386F3935-93C4-4BCD-93E2-E3B085C9AB24}">
+                <p16:designElem xmlns:p16="http://schemas.microsoft.com/office/powerpoint/2015/main" val="1"/>
+              </p:ext>
+            </p:extLst>
+          </p:nvPr>
+        </p:nvSpPr>
+        <p:spPr>
+          <a:xfrm>
+            <a:off x="0" y="0"/>
+            <a:ext cx="12192000" cy="6858000"/>
+          </a:xfrm>
+          <a:prstGeom prst="rect">
+            <a:avLst/>
+          </a:prstGeom>
+          <a:ln>
+            <a:noFill/>
+          </a:ln>
+        </p:spPr>
+        <p:style>
+          <a:lnRef idx="2">
+            <a:schemeClr val="accent1">
+              <a:shade val="50000"/>
+            </a:schemeClr>
+          </a:lnRef>
+          <a:fillRef idx="1">
+            <a:schemeClr val="accent1"/>
+          </a:fillRef>
+          <a:effectRef idx="0">
+            <a:schemeClr val="accent1"/>
+          </a:effectRef>
+          <a:fontRef idx="minor">
+            <a:schemeClr val="lt1"/>
+          </a:fontRef>
+        </p:style>
+        <p:txBody>
+          <a:bodyPr rtlCol="0" anchor="ctr"/>
+          <a:lstStyle/>
+          <a:p>
+            <a:pPr algn="ctr"/>
+            <a:endParaRPr lang="en-US"/>
+          </a:p>
+        </p:txBody>
+      </p:sp>
+      <p:sp>
+        <p:nvSpPr>
+          <p:cNvPr id="16" name="Rectangle 15">
+            <a:extLst>
+              <a:ext uri="{FF2B5EF4-FFF2-40B4-BE49-F238E27FC236}">
+                <a16:creationId xmlns:a16="http://schemas.microsoft.com/office/drawing/2014/main" id="{F367CCF1-BB1E-41CF-8499-94A870C33EFA}"/>
+              </a:ext>
+              <a:ext uri="{C183D7F6-B498-43B3-948B-1728B52AA6E4}">
+                <adec:decorative xmlns:adec="http://schemas.microsoft.com/office/drawing/2017/decorative" val="1"/>
+              </a:ext>
+            </a:extLst>
+          </p:cNvPr>
+          <p:cNvSpPr>
+            <a:spLocks noGrp="1" noRot="1" noChangeAspect="1" noMove="1" noResize="1" noEditPoints="1" noAdjustHandles="1" noChangeArrowheads="1" noChangeShapeType="1" noTextEdit="1"/>
+          </p:cNvSpPr>
+          <p:nvPr>
+            <p:extLst>
+              <p:ext uri="{386F3935-93C4-4BCD-93E2-E3B085C9AB24}">
+                <p16:designElem xmlns:p16="http://schemas.microsoft.com/office/powerpoint/2015/main" val="1"/>
+              </p:ext>
+            </p:extLst>
+          </p:nvPr>
+        </p:nvSpPr>
+        <p:spPr>
+          <a:xfrm>
+            <a:off x="446534" y="457200"/>
+            <a:ext cx="6675120" cy="94997"/>
+          </a:xfrm>
+          <a:prstGeom prst="rect">
+            <a:avLst/>
+          </a:prstGeom>
+          <a:solidFill>
+            <a:schemeClr val="accent1"/>
+          </a:solidFill>
+          <a:ln>
+            <a:noFill/>
+          </a:ln>
+          <a:effectLst/>
+        </p:spPr>
+        <p:style>
+          <a:lnRef idx="1">
+            <a:schemeClr val="accent1"/>
+          </a:lnRef>
+          <a:fillRef idx="3">
+            <a:schemeClr val="accent1"/>
+          </a:fillRef>
+          <a:effectRef idx="2">
+            <a:schemeClr val="accent1"/>
+          </a:effectRef>
+          <a:fontRef idx="minor">
+            <a:schemeClr val="lt1"/>
+          </a:fontRef>
+        </p:style>
+        <p:txBody>
+          <a:bodyPr/>
+          <a:lstStyle/>
+          <a:p>
+            <a:endParaRPr lang="en-US"/>
+          </a:p>
+        </p:txBody>
+      </p:sp>
+      <p:sp>
+        <p:nvSpPr>
+          <p:cNvPr id="2" name="TextBox 1">
+            <a:extLst>
+              <a:ext uri="{FF2B5EF4-FFF2-40B4-BE49-F238E27FC236}">
+                <a16:creationId xmlns:a16="http://schemas.microsoft.com/office/drawing/2014/main" id="{C273DC6D-08AD-FBE5-078B-299C088C72ED}"/>
+              </a:ext>
+            </a:extLst>
+          </p:cNvPr>
+          <p:cNvSpPr txBox="1"/>
+          <p:nvPr/>
+        </p:nvSpPr>
+        <p:spPr>
+          <a:xfrm>
+            <a:off x="581194" y="1896533"/>
+            <a:ext cx="6309003" cy="3962266"/>
+          </a:xfrm>
+          <a:prstGeom prst="rect">
+            <a:avLst/>
+          </a:prstGeom>
+        </p:spPr>
+        <p:txBody>
+          <a:bodyPr vert="horz" lIns="91440" tIns="45720" rIns="91440" bIns="45720" rtlCol="0" anchor="ctr">
+            <a:normAutofit/>
+          </a:bodyPr>
+          <a:lstStyle/>
+          <a:p>
+            <a:pPr defTabSz="457200">
+              <a:spcBef>
+                <a:spcPct val="20000"/>
+              </a:spcBef>
+              <a:spcAft>
+                <a:spcPts val="600"/>
+              </a:spcAft>
+              <a:buClr>
+                <a:schemeClr val="accent1"/>
+              </a:buClr>
+              <a:buSzPct val="92000"/>
+            </a:pPr>
+            <a:r>
+              <a:rPr lang="en-US" dirty="0">
+                <a:solidFill>
+                  <a:schemeClr val="tx2"/>
+                </a:solidFill>
+              </a:rPr>
+              <a:t>Implemented and abstracted the Lag-Llama, </a:t>
+            </a:r>
+            <a:r>
+              <a:rPr lang="en-US" dirty="0" err="1">
+                <a:solidFill>
+                  <a:schemeClr val="tx2"/>
+                </a:solidFill>
+              </a:rPr>
+              <a:t>autoARIMA</a:t>
+            </a:r>
+            <a:r>
+              <a:rPr lang="en-US" dirty="0">
+                <a:solidFill>
+                  <a:schemeClr val="tx2"/>
+                </a:solidFill>
+              </a:rPr>
+              <a:t> and </a:t>
+            </a:r>
+            <a:r>
+              <a:rPr lang="en-US" dirty="0" err="1">
+                <a:solidFill>
+                  <a:schemeClr val="tx2"/>
+                </a:solidFill>
+              </a:rPr>
+              <a:t>autoRegressor</a:t>
+            </a:r>
+            <a:r>
+              <a:rPr lang="en-US" dirty="0">
+                <a:solidFill>
+                  <a:schemeClr val="tx2"/>
+                </a:solidFill>
+              </a:rPr>
+              <a:t> models</a:t>
+            </a:r>
+          </a:p>
+          <a:p>
+            <a:pPr marL="800100" lvl="1" indent="-342900" defTabSz="457200">
+              <a:spcBef>
+                <a:spcPct val="20000"/>
+              </a:spcBef>
+              <a:spcAft>
+                <a:spcPts val="600"/>
+              </a:spcAft>
+              <a:buClr>
+                <a:schemeClr val="accent1"/>
+              </a:buClr>
+              <a:buSzPct val="92000"/>
+              <a:buFont typeface="Wingdings 2" panose="05020102010507070707" pitchFamily="18" charset="2"/>
+              <a:buChar char=""/>
+            </a:pPr>
+            <a:r>
+              <a:rPr lang="en-US" dirty="0">
+                <a:solidFill>
+                  <a:schemeClr val="tx2"/>
+                </a:solidFill>
+              </a:rPr>
+              <a:t>get_(MODEL_NAME)_predictions(data, </a:t>
+            </a:r>
+            <a:r>
+              <a:rPr lang="en-US" dirty="0" err="1">
+                <a:solidFill>
+                  <a:schemeClr val="tx2"/>
+                </a:solidFill>
+              </a:rPr>
+              <a:t>prediction_horizon</a:t>
+            </a:r>
+            <a:r>
+              <a:rPr lang="en-US" dirty="0">
+                <a:solidFill>
+                  <a:schemeClr val="tx2"/>
+                </a:solidFill>
+              </a:rPr>
+              <a:t>)</a:t>
+            </a:r>
+          </a:p>
+          <a:p>
+            <a:pPr marL="800100" lvl="1" indent="-342900" defTabSz="457200">
+              <a:spcBef>
+                <a:spcPct val="20000"/>
+              </a:spcBef>
+              <a:spcAft>
+                <a:spcPts val="600"/>
+              </a:spcAft>
+              <a:buClr>
+                <a:schemeClr val="accent1"/>
+              </a:buClr>
+              <a:buSzPct val="92000"/>
+              <a:buFont typeface="Wingdings 2" panose="05020102010507070707" pitchFamily="18" charset="2"/>
+              <a:buChar char=""/>
+            </a:pPr>
+            <a:r>
+              <a:rPr lang="en-US" dirty="0">
+                <a:solidFill>
+                  <a:schemeClr val="tx2"/>
+                </a:solidFill>
+              </a:rPr>
+              <a:t>Standardized all the models is a way that they take data of the same format as input</a:t>
+            </a:r>
+          </a:p>
+          <a:p>
+            <a:pPr defTabSz="457200">
+              <a:spcBef>
+                <a:spcPct val="20000"/>
+              </a:spcBef>
+              <a:spcAft>
+                <a:spcPts val="600"/>
+              </a:spcAft>
+              <a:buClr>
+                <a:schemeClr val="accent1"/>
+              </a:buClr>
+              <a:buSzPct val="92000"/>
+              <a:buFont typeface="Wingdings 2" panose="05020102010507070707" pitchFamily="18" charset="2"/>
+              <a:buChar char=""/>
+            </a:pPr>
+            <a:endParaRPr lang="en-US" dirty="0">
+              <a:solidFill>
+                <a:schemeClr val="tx2"/>
+              </a:solidFill>
+            </a:endParaRPr>
+          </a:p>
+        </p:txBody>
+      </p:sp>
+      <p:pic>
+        <p:nvPicPr>
+          <p:cNvPr id="4" name="Picture 3" descr="A race between four rabbits and one tortoise and the tortoise is on the lead">
+            <a:extLst>
+              <a:ext uri="{FF2B5EF4-FFF2-40B4-BE49-F238E27FC236}">
+                <a16:creationId xmlns:a16="http://schemas.microsoft.com/office/drawing/2014/main" id="{3331FED0-800A-B832-B89F-80CEFF04C291}"/>
+              </a:ext>
+            </a:extLst>
+          </p:cNvPr>
+          <p:cNvPicPr>
+            <a:picLocks noChangeAspect="1"/>
+          </p:cNvPicPr>
+          <p:nvPr/>
+        </p:nvPicPr>
+        <p:blipFill rotWithShape="1">
+          <a:blip r:embed="rId2"/>
+          <a:srcRect l="23170" r="21665" b="2"/>
+          <a:stretch/>
+        </p:blipFill>
+        <p:spPr>
+          <a:xfrm>
+            <a:off x="7521283" y="10"/>
+            <a:ext cx="4670717" cy="6857990"/>
+          </a:xfrm>
+          <a:prstGeom prst="rect">
+            <a:avLst/>
+          </a:prstGeom>
+        </p:spPr>
+      </p:pic>
     </p:spTree>
     <p:extLst>
       <p:ext uri="{BB962C8B-B14F-4D97-AF65-F5344CB8AC3E}">
@@ -23083,6 +26988,2392 @@
 </file>
 
 <file path=ppt/slides/slide15.xml><?xml version="1.0" encoding="utf-8"?>
+<p:sld xmlns:a="http://schemas.openxmlformats.org/drawingml/2006/main" xmlns:r="http://schemas.openxmlformats.org/officeDocument/2006/relationships" xmlns:p="http://schemas.openxmlformats.org/presentationml/2006/main">
+  <p:cSld>
+    <p:bg>
+      <p:bgPr>
+        <a:solidFill>
+          <a:schemeClr val="bg1"/>
+        </a:solidFill>
+        <a:effectLst/>
+      </p:bgPr>
+    </p:bg>
+    <p:spTree>
+      <p:nvGrpSpPr>
+        <p:cNvPr id="1" name=""/>
+        <p:cNvGrpSpPr/>
+        <p:nvPr/>
+      </p:nvGrpSpPr>
+      <p:grpSpPr>
+        <a:xfrm>
+          <a:off x="0" y="0"/>
+          <a:ext cx="0" cy="0"/>
+          <a:chOff x="0" y="0"/>
+          <a:chExt cx="0" cy="0"/>
+        </a:xfrm>
+      </p:grpSpPr>
+      <p:sp>
+        <p:nvSpPr>
+          <p:cNvPr id="8" name="Rectangle 7">
+            <a:extLst>
+              <a:ext uri="{FF2B5EF4-FFF2-40B4-BE49-F238E27FC236}">
+                <a16:creationId xmlns:a16="http://schemas.microsoft.com/office/drawing/2014/main" id="{E6C8E6EB-4C59-429B-97E4-72A058CFC4FB}"/>
+              </a:ext>
+              <a:ext uri="{C183D7F6-B498-43B3-948B-1728B52AA6E4}">
+                <adec:decorative xmlns:adec="http://schemas.microsoft.com/office/drawing/2017/decorative" val="1"/>
+              </a:ext>
+            </a:extLst>
+          </p:cNvPr>
+          <p:cNvSpPr>
+            <a:spLocks noGrp="1" noRot="1" noChangeAspect="1" noMove="1" noResize="1" noEditPoints="1" noAdjustHandles="1" noChangeArrowheads="1" noChangeShapeType="1" noTextEdit="1"/>
+          </p:cNvSpPr>
+          <p:nvPr>
+            <p:extLst>
+              <p:ext uri="{386F3935-93C4-4BCD-93E2-E3B085C9AB24}">
+                <p16:designElem xmlns:p16="http://schemas.microsoft.com/office/powerpoint/2015/main" val="1"/>
+              </p:ext>
+            </p:extLst>
+          </p:nvPr>
+        </p:nvSpPr>
+        <p:spPr>
+          <a:xfrm>
+            <a:off x="446534" y="457200"/>
+            <a:ext cx="3703320" cy="94997"/>
+          </a:xfrm>
+          <a:prstGeom prst="rect">
+            <a:avLst/>
+          </a:prstGeom>
+          <a:solidFill>
+            <a:srgbClr val="465359"/>
+          </a:solidFill>
+          <a:ln>
+            <a:noFill/>
+          </a:ln>
+          <a:effectLst/>
+        </p:spPr>
+        <p:style>
+          <a:lnRef idx="1">
+            <a:schemeClr val="accent1"/>
+          </a:lnRef>
+          <a:fillRef idx="3">
+            <a:schemeClr val="accent1"/>
+          </a:fillRef>
+          <a:effectRef idx="2">
+            <a:schemeClr val="accent1"/>
+          </a:effectRef>
+          <a:fontRef idx="minor">
+            <a:schemeClr val="lt1"/>
+          </a:fontRef>
+        </p:style>
+        <p:txBody>
+          <a:bodyPr/>
+          <a:lstStyle/>
+          <a:p>
+            <a:endParaRPr lang="en-GB"/>
+          </a:p>
+        </p:txBody>
+      </p:sp>
+      <p:sp>
+        <p:nvSpPr>
+          <p:cNvPr id="10" name="Rectangle 9">
+            <a:extLst>
+              <a:ext uri="{FF2B5EF4-FFF2-40B4-BE49-F238E27FC236}">
+                <a16:creationId xmlns:a16="http://schemas.microsoft.com/office/drawing/2014/main" id="{B5B90362-AFCC-46A9-B41C-A257A8C5B314}"/>
+              </a:ext>
+              <a:ext uri="{C183D7F6-B498-43B3-948B-1728B52AA6E4}">
+                <adec:decorative xmlns:adec="http://schemas.microsoft.com/office/drawing/2017/decorative" val="1"/>
+              </a:ext>
+            </a:extLst>
+          </p:cNvPr>
+          <p:cNvSpPr>
+            <a:spLocks noGrp="1" noRot="1" noChangeAspect="1" noMove="1" noResize="1" noEditPoints="1" noAdjustHandles="1" noChangeArrowheads="1" noChangeShapeType="1" noTextEdit="1"/>
+          </p:cNvSpPr>
+          <p:nvPr>
+            <p:extLst>
+              <p:ext uri="{386F3935-93C4-4BCD-93E2-E3B085C9AB24}">
+                <p16:designElem xmlns:p16="http://schemas.microsoft.com/office/powerpoint/2015/main" val="1"/>
+              </p:ext>
+            </p:extLst>
+          </p:nvPr>
+        </p:nvSpPr>
+        <p:spPr>
+          <a:xfrm>
+            <a:off x="8042147" y="453643"/>
+            <a:ext cx="3703320" cy="98554"/>
+          </a:xfrm>
+          <a:prstGeom prst="rect">
+            <a:avLst/>
+          </a:prstGeom>
+          <a:solidFill>
+            <a:srgbClr val="969FA7"/>
+          </a:solidFill>
+          <a:ln>
+            <a:noFill/>
+          </a:ln>
+          <a:effectLst/>
+        </p:spPr>
+        <p:style>
+          <a:lnRef idx="1">
+            <a:schemeClr val="accent1"/>
+          </a:lnRef>
+          <a:fillRef idx="3">
+            <a:schemeClr val="accent1"/>
+          </a:fillRef>
+          <a:effectRef idx="2">
+            <a:schemeClr val="accent1"/>
+          </a:effectRef>
+          <a:fontRef idx="minor">
+            <a:schemeClr val="lt1"/>
+          </a:fontRef>
+        </p:style>
+        <p:txBody>
+          <a:bodyPr/>
+          <a:lstStyle/>
+          <a:p>
+            <a:endParaRPr lang="en-GB"/>
+          </a:p>
+        </p:txBody>
+      </p:sp>
+      <p:sp>
+        <p:nvSpPr>
+          <p:cNvPr id="12" name="Rectangle 11">
+            <a:extLst>
+              <a:ext uri="{FF2B5EF4-FFF2-40B4-BE49-F238E27FC236}">
+                <a16:creationId xmlns:a16="http://schemas.microsoft.com/office/drawing/2014/main" id="{F71EF7F1-38BA-471D-8CD4-2A9AE8E35527}"/>
+              </a:ext>
+              <a:ext uri="{C183D7F6-B498-43B3-948B-1728B52AA6E4}">
+                <adec:decorative xmlns:adec="http://schemas.microsoft.com/office/drawing/2017/decorative" val="1"/>
+              </a:ext>
+            </a:extLst>
+          </p:cNvPr>
+          <p:cNvSpPr>
+            <a:spLocks noGrp="1" noRot="1" noChangeAspect="1" noMove="1" noResize="1" noEditPoints="1" noAdjustHandles="1" noChangeArrowheads="1" noChangeShapeType="1" noTextEdit="1"/>
+          </p:cNvSpPr>
+          <p:nvPr>
+            <p:extLst>
+              <p:ext uri="{386F3935-93C4-4BCD-93E2-E3B085C9AB24}">
+                <p16:designElem xmlns:p16="http://schemas.microsoft.com/office/powerpoint/2015/main" val="1"/>
+              </p:ext>
+            </p:extLst>
+          </p:nvPr>
+        </p:nvSpPr>
+        <p:spPr>
+          <a:xfrm>
+            <a:off x="4241830" y="457200"/>
+            <a:ext cx="3703320" cy="91440"/>
+          </a:xfrm>
+          <a:prstGeom prst="rect">
+            <a:avLst/>
+          </a:prstGeom>
+          <a:solidFill>
+            <a:schemeClr val="accent1"/>
+          </a:solidFill>
+          <a:ln>
+            <a:noFill/>
+          </a:ln>
+          <a:effectLst/>
+        </p:spPr>
+        <p:style>
+          <a:lnRef idx="1">
+            <a:schemeClr val="accent1"/>
+          </a:lnRef>
+          <a:fillRef idx="3">
+            <a:schemeClr val="accent1"/>
+          </a:fillRef>
+          <a:effectRef idx="2">
+            <a:schemeClr val="accent1"/>
+          </a:effectRef>
+          <a:fontRef idx="minor">
+            <a:schemeClr val="lt1"/>
+          </a:fontRef>
+        </p:style>
+        <p:txBody>
+          <a:bodyPr/>
+          <a:lstStyle/>
+          <a:p>
+            <a:endParaRPr lang="en-GB"/>
+          </a:p>
+        </p:txBody>
+      </p:sp>
+      <p:sp useBgFill="1">
+        <p:nvSpPr>
+          <p:cNvPr id="14" name="Rectangle 13">
+            <a:extLst>
+              <a:ext uri="{FF2B5EF4-FFF2-40B4-BE49-F238E27FC236}">
+                <a16:creationId xmlns:a16="http://schemas.microsoft.com/office/drawing/2014/main" id="{504BED40-EAF7-4E55-AFF7-2CD840EBD3AA}"/>
+              </a:ext>
+              <a:ext uri="{C183D7F6-B498-43B3-948B-1728B52AA6E4}">
+                <adec:decorative xmlns:adec="http://schemas.microsoft.com/office/drawing/2017/decorative" val="1"/>
+              </a:ext>
+            </a:extLst>
+          </p:cNvPr>
+          <p:cNvSpPr>
+            <a:spLocks noGrp="1" noRot="1" noChangeAspect="1" noMove="1" noResize="1" noEditPoints="1" noAdjustHandles="1" noChangeArrowheads="1" noChangeShapeType="1" noTextEdit="1"/>
+          </p:cNvSpPr>
+          <p:nvPr>
+            <p:extLst>
+              <p:ext uri="{386F3935-93C4-4BCD-93E2-E3B085C9AB24}">
+                <p16:designElem xmlns:p16="http://schemas.microsoft.com/office/powerpoint/2015/main" val="1"/>
+              </p:ext>
+            </p:extLst>
+          </p:nvPr>
+        </p:nvSpPr>
+        <p:spPr>
+          <a:xfrm>
+            <a:off x="0" y="0"/>
+            <a:ext cx="12192000" cy="6858000"/>
+          </a:xfrm>
+          <a:prstGeom prst="rect">
+            <a:avLst/>
+          </a:prstGeom>
+          <a:ln>
+            <a:noFill/>
+          </a:ln>
+        </p:spPr>
+        <p:style>
+          <a:lnRef idx="2">
+            <a:schemeClr val="accent1">
+              <a:shade val="50000"/>
+            </a:schemeClr>
+          </a:lnRef>
+          <a:fillRef idx="1">
+            <a:schemeClr val="accent1"/>
+          </a:fillRef>
+          <a:effectRef idx="0">
+            <a:schemeClr val="accent1"/>
+          </a:effectRef>
+          <a:fontRef idx="minor">
+            <a:schemeClr val="lt1"/>
+          </a:fontRef>
+        </p:style>
+        <p:txBody>
+          <a:bodyPr rtlCol="0" anchor="ctr"/>
+          <a:lstStyle/>
+          <a:p>
+            <a:pPr algn="ctr"/>
+            <a:endParaRPr lang="en-US"/>
+          </a:p>
+        </p:txBody>
+      </p:sp>
+      <p:sp>
+        <p:nvSpPr>
+          <p:cNvPr id="16" name="Rectangle 15">
+            <a:extLst>
+              <a:ext uri="{FF2B5EF4-FFF2-40B4-BE49-F238E27FC236}">
+                <a16:creationId xmlns:a16="http://schemas.microsoft.com/office/drawing/2014/main" id="{F367CCF1-BB1E-41CF-8499-94A870C33EFA}"/>
+              </a:ext>
+              <a:ext uri="{C183D7F6-B498-43B3-948B-1728B52AA6E4}">
+                <adec:decorative xmlns:adec="http://schemas.microsoft.com/office/drawing/2017/decorative" val="1"/>
+              </a:ext>
+            </a:extLst>
+          </p:cNvPr>
+          <p:cNvSpPr>
+            <a:spLocks noGrp="1" noRot="1" noChangeAspect="1" noMove="1" noResize="1" noEditPoints="1" noAdjustHandles="1" noChangeArrowheads="1" noChangeShapeType="1" noTextEdit="1"/>
+          </p:cNvSpPr>
+          <p:nvPr>
+            <p:extLst>
+              <p:ext uri="{386F3935-93C4-4BCD-93E2-E3B085C9AB24}">
+                <p16:designElem xmlns:p16="http://schemas.microsoft.com/office/powerpoint/2015/main" val="1"/>
+              </p:ext>
+            </p:extLst>
+          </p:nvPr>
+        </p:nvSpPr>
+        <p:spPr>
+          <a:xfrm>
+            <a:off x="446534" y="457200"/>
+            <a:ext cx="6675120" cy="94997"/>
+          </a:xfrm>
+          <a:prstGeom prst="rect">
+            <a:avLst/>
+          </a:prstGeom>
+          <a:solidFill>
+            <a:schemeClr val="accent1"/>
+          </a:solidFill>
+          <a:ln>
+            <a:noFill/>
+          </a:ln>
+          <a:effectLst/>
+        </p:spPr>
+        <p:style>
+          <a:lnRef idx="1">
+            <a:schemeClr val="accent1"/>
+          </a:lnRef>
+          <a:fillRef idx="3">
+            <a:schemeClr val="accent1"/>
+          </a:fillRef>
+          <a:effectRef idx="2">
+            <a:schemeClr val="accent1"/>
+          </a:effectRef>
+          <a:fontRef idx="minor">
+            <a:schemeClr val="lt1"/>
+          </a:fontRef>
+        </p:style>
+        <p:txBody>
+          <a:bodyPr/>
+          <a:lstStyle/>
+          <a:p>
+            <a:endParaRPr lang="en-US"/>
+          </a:p>
+        </p:txBody>
+      </p:sp>
+      <p:sp>
+        <p:nvSpPr>
+          <p:cNvPr id="2" name="TextBox 1">
+            <a:extLst>
+              <a:ext uri="{FF2B5EF4-FFF2-40B4-BE49-F238E27FC236}">
+                <a16:creationId xmlns:a16="http://schemas.microsoft.com/office/drawing/2014/main" id="{B69601C3-1E91-F946-C22E-033B52C0BB56}"/>
+              </a:ext>
+            </a:extLst>
+          </p:cNvPr>
+          <p:cNvSpPr txBox="1"/>
+          <p:nvPr/>
+        </p:nvSpPr>
+        <p:spPr>
+          <a:xfrm>
+            <a:off x="581194" y="1896533"/>
+            <a:ext cx="6309003" cy="3962266"/>
+          </a:xfrm>
+          <a:prstGeom prst="rect">
+            <a:avLst/>
+          </a:prstGeom>
+        </p:spPr>
+        <p:txBody>
+          <a:bodyPr vert="horz" lIns="91440" tIns="45720" rIns="91440" bIns="45720" rtlCol="0" anchor="ctr">
+            <a:normAutofit/>
+          </a:bodyPr>
+          <a:lstStyle/>
+          <a:p>
+            <a:pPr defTabSz="457200">
+              <a:spcBef>
+                <a:spcPct val="20000"/>
+              </a:spcBef>
+              <a:spcAft>
+                <a:spcPts val="600"/>
+              </a:spcAft>
+              <a:buClr>
+                <a:schemeClr val="accent1"/>
+              </a:buClr>
+              <a:buSzPct val="92000"/>
+            </a:pPr>
+            <a:r>
+              <a:rPr lang="en-US" dirty="0">
+                <a:solidFill>
+                  <a:schemeClr val="tx2"/>
+                </a:solidFill>
+              </a:rPr>
+              <a:t>Implemented rudimentary data sourcing capabilities which enables loading, writing and reading of the different types of data</a:t>
+            </a:r>
+          </a:p>
+          <a:p>
+            <a:pPr marL="742950" lvl="1" indent="-285750" defTabSz="457200">
+              <a:spcBef>
+                <a:spcPct val="20000"/>
+              </a:spcBef>
+              <a:spcAft>
+                <a:spcPts val="600"/>
+              </a:spcAft>
+              <a:buClr>
+                <a:schemeClr val="accent1"/>
+              </a:buClr>
+              <a:buSzPct val="92000"/>
+              <a:buFont typeface="Wingdings 2" panose="05020102010507070707" pitchFamily="18" charset="2"/>
+              <a:buChar char=""/>
+            </a:pPr>
+            <a:r>
+              <a:rPr lang="en-US" dirty="0" err="1">
+                <a:solidFill>
+                  <a:schemeClr val="tx2"/>
+                </a:solidFill>
+              </a:rPr>
+              <a:t>data_loader</a:t>
+            </a:r>
+            <a:endParaRPr lang="en-US" dirty="0">
+              <a:solidFill>
+                <a:schemeClr val="tx2"/>
+              </a:solidFill>
+            </a:endParaRPr>
+          </a:p>
+          <a:p>
+            <a:pPr marL="742950" lvl="1" indent="-285750" defTabSz="457200">
+              <a:spcBef>
+                <a:spcPct val="20000"/>
+              </a:spcBef>
+              <a:spcAft>
+                <a:spcPts val="600"/>
+              </a:spcAft>
+              <a:buClr>
+                <a:schemeClr val="accent1"/>
+              </a:buClr>
+              <a:buSzPct val="92000"/>
+              <a:buFont typeface="Wingdings 2" panose="05020102010507070707" pitchFamily="18" charset="2"/>
+              <a:buChar char=""/>
+            </a:pPr>
+            <a:r>
+              <a:rPr lang="en-US" dirty="0" err="1">
+                <a:solidFill>
+                  <a:schemeClr val="tx2"/>
+                </a:solidFill>
+              </a:rPr>
+              <a:t>data_writer</a:t>
+            </a:r>
+            <a:endParaRPr lang="en-US" dirty="0">
+              <a:solidFill>
+                <a:schemeClr val="tx2"/>
+              </a:solidFill>
+            </a:endParaRPr>
+          </a:p>
+          <a:p>
+            <a:pPr marL="742950" lvl="1" indent="-285750" defTabSz="457200">
+              <a:spcBef>
+                <a:spcPct val="20000"/>
+              </a:spcBef>
+              <a:spcAft>
+                <a:spcPts val="600"/>
+              </a:spcAft>
+              <a:buClr>
+                <a:schemeClr val="accent1"/>
+              </a:buClr>
+              <a:buSzPct val="92000"/>
+              <a:buFont typeface="Wingdings 2" panose="05020102010507070707" pitchFamily="18" charset="2"/>
+              <a:buChar char=""/>
+            </a:pPr>
+            <a:r>
+              <a:rPr lang="en-US" dirty="0" err="1">
+                <a:solidFill>
+                  <a:schemeClr val="tx2"/>
+                </a:solidFill>
+              </a:rPr>
+              <a:t>data_reader</a:t>
+            </a:r>
+            <a:endParaRPr lang="en-US" dirty="0">
+              <a:solidFill>
+                <a:schemeClr val="tx2"/>
+              </a:solidFill>
+            </a:endParaRPr>
+          </a:p>
+        </p:txBody>
+      </p:sp>
+      <p:pic>
+        <p:nvPicPr>
+          <p:cNvPr id="4" name="Picture 3" descr="Computer script on a screen">
+            <a:extLst>
+              <a:ext uri="{FF2B5EF4-FFF2-40B4-BE49-F238E27FC236}">
+                <a16:creationId xmlns:a16="http://schemas.microsoft.com/office/drawing/2014/main" id="{75A65DEF-0A91-E2AB-8088-3A0B5A9C2C76}"/>
+              </a:ext>
+            </a:extLst>
+          </p:cNvPr>
+          <p:cNvPicPr>
+            <a:picLocks noChangeAspect="1"/>
+          </p:cNvPicPr>
+          <p:nvPr/>
+        </p:nvPicPr>
+        <p:blipFill rotWithShape="1">
+          <a:blip r:embed="rId2"/>
+          <a:srcRect l="7383" r="47155" b="-1"/>
+          <a:stretch/>
+        </p:blipFill>
+        <p:spPr>
+          <a:xfrm>
+            <a:off x="7521283" y="10"/>
+            <a:ext cx="4670717" cy="6857990"/>
+          </a:xfrm>
+          <a:prstGeom prst="rect">
+            <a:avLst/>
+          </a:prstGeom>
+        </p:spPr>
+      </p:pic>
+    </p:spTree>
+    <p:extLst>
+      <p:ext uri="{BB962C8B-B14F-4D97-AF65-F5344CB8AC3E}">
+        <p14:creationId xmlns:p14="http://schemas.microsoft.com/office/powerpoint/2010/main" val="66811996"/>
+      </p:ext>
+    </p:extLst>
+  </p:cSld>
+  <p:clrMapOvr>
+    <a:masterClrMapping/>
+  </p:clrMapOvr>
+</p:sld>
+</file>
+
+<file path=ppt/slides/slide16.xml><?xml version="1.0" encoding="utf-8"?>
+<p:sld xmlns:a="http://schemas.openxmlformats.org/drawingml/2006/main" xmlns:r="http://schemas.openxmlformats.org/officeDocument/2006/relationships" xmlns:p="http://schemas.openxmlformats.org/presentationml/2006/main">
+  <p:cSld>
+    <p:bg>
+      <p:bgPr>
+        <a:solidFill>
+          <a:schemeClr val="bg1"/>
+        </a:solidFill>
+        <a:effectLst/>
+      </p:bgPr>
+    </p:bg>
+    <p:spTree>
+      <p:nvGrpSpPr>
+        <p:cNvPr id="1" name=""/>
+        <p:cNvGrpSpPr/>
+        <p:nvPr/>
+      </p:nvGrpSpPr>
+      <p:grpSpPr>
+        <a:xfrm>
+          <a:off x="0" y="0"/>
+          <a:ext cx="0" cy="0"/>
+          <a:chOff x="0" y="0"/>
+          <a:chExt cx="0" cy="0"/>
+        </a:xfrm>
+      </p:grpSpPr>
+      <p:sp>
+        <p:nvSpPr>
+          <p:cNvPr id="8" name="Rectangle 7">
+            <a:extLst>
+              <a:ext uri="{FF2B5EF4-FFF2-40B4-BE49-F238E27FC236}">
+                <a16:creationId xmlns:a16="http://schemas.microsoft.com/office/drawing/2014/main" id="{E6C8E6EB-4C59-429B-97E4-72A058CFC4FB}"/>
+              </a:ext>
+              <a:ext uri="{C183D7F6-B498-43B3-948B-1728B52AA6E4}">
+                <adec:decorative xmlns:adec="http://schemas.microsoft.com/office/drawing/2017/decorative" val="1"/>
+              </a:ext>
+            </a:extLst>
+          </p:cNvPr>
+          <p:cNvSpPr>
+            <a:spLocks noGrp="1" noRot="1" noChangeAspect="1" noMove="1" noResize="1" noEditPoints="1" noAdjustHandles="1" noChangeArrowheads="1" noChangeShapeType="1" noTextEdit="1"/>
+          </p:cNvSpPr>
+          <p:nvPr>
+            <p:extLst>
+              <p:ext uri="{386F3935-93C4-4BCD-93E2-E3B085C9AB24}">
+                <p16:designElem xmlns:p16="http://schemas.microsoft.com/office/powerpoint/2015/main" val="1"/>
+              </p:ext>
+            </p:extLst>
+          </p:nvPr>
+        </p:nvSpPr>
+        <p:spPr>
+          <a:xfrm>
+            <a:off x="446534" y="457200"/>
+            <a:ext cx="3703320" cy="94997"/>
+          </a:xfrm>
+          <a:prstGeom prst="rect">
+            <a:avLst/>
+          </a:prstGeom>
+          <a:solidFill>
+            <a:srgbClr val="465359"/>
+          </a:solidFill>
+          <a:ln>
+            <a:noFill/>
+          </a:ln>
+          <a:effectLst/>
+        </p:spPr>
+        <p:style>
+          <a:lnRef idx="1">
+            <a:schemeClr val="accent1"/>
+          </a:lnRef>
+          <a:fillRef idx="3">
+            <a:schemeClr val="accent1"/>
+          </a:fillRef>
+          <a:effectRef idx="2">
+            <a:schemeClr val="accent1"/>
+          </a:effectRef>
+          <a:fontRef idx="minor">
+            <a:schemeClr val="lt1"/>
+          </a:fontRef>
+        </p:style>
+        <p:txBody>
+          <a:bodyPr/>
+          <a:lstStyle/>
+          <a:p>
+            <a:endParaRPr lang="en-GB"/>
+          </a:p>
+        </p:txBody>
+      </p:sp>
+      <p:sp>
+        <p:nvSpPr>
+          <p:cNvPr id="10" name="Rectangle 9">
+            <a:extLst>
+              <a:ext uri="{FF2B5EF4-FFF2-40B4-BE49-F238E27FC236}">
+                <a16:creationId xmlns:a16="http://schemas.microsoft.com/office/drawing/2014/main" id="{B5B90362-AFCC-46A9-B41C-A257A8C5B314}"/>
+              </a:ext>
+              <a:ext uri="{C183D7F6-B498-43B3-948B-1728B52AA6E4}">
+                <adec:decorative xmlns:adec="http://schemas.microsoft.com/office/drawing/2017/decorative" val="1"/>
+              </a:ext>
+            </a:extLst>
+          </p:cNvPr>
+          <p:cNvSpPr>
+            <a:spLocks noGrp="1" noRot="1" noChangeAspect="1" noMove="1" noResize="1" noEditPoints="1" noAdjustHandles="1" noChangeArrowheads="1" noChangeShapeType="1" noTextEdit="1"/>
+          </p:cNvSpPr>
+          <p:nvPr>
+            <p:extLst>
+              <p:ext uri="{386F3935-93C4-4BCD-93E2-E3B085C9AB24}">
+                <p16:designElem xmlns:p16="http://schemas.microsoft.com/office/powerpoint/2015/main" val="1"/>
+              </p:ext>
+            </p:extLst>
+          </p:nvPr>
+        </p:nvSpPr>
+        <p:spPr>
+          <a:xfrm>
+            <a:off x="8042147" y="453643"/>
+            <a:ext cx="3703320" cy="98554"/>
+          </a:xfrm>
+          <a:prstGeom prst="rect">
+            <a:avLst/>
+          </a:prstGeom>
+          <a:solidFill>
+            <a:srgbClr val="969FA7"/>
+          </a:solidFill>
+          <a:ln>
+            <a:noFill/>
+          </a:ln>
+          <a:effectLst/>
+        </p:spPr>
+        <p:style>
+          <a:lnRef idx="1">
+            <a:schemeClr val="accent1"/>
+          </a:lnRef>
+          <a:fillRef idx="3">
+            <a:schemeClr val="accent1"/>
+          </a:fillRef>
+          <a:effectRef idx="2">
+            <a:schemeClr val="accent1"/>
+          </a:effectRef>
+          <a:fontRef idx="minor">
+            <a:schemeClr val="lt1"/>
+          </a:fontRef>
+        </p:style>
+        <p:txBody>
+          <a:bodyPr/>
+          <a:lstStyle/>
+          <a:p>
+            <a:endParaRPr lang="en-GB"/>
+          </a:p>
+        </p:txBody>
+      </p:sp>
+      <p:sp>
+        <p:nvSpPr>
+          <p:cNvPr id="12" name="Rectangle 11">
+            <a:extLst>
+              <a:ext uri="{FF2B5EF4-FFF2-40B4-BE49-F238E27FC236}">
+                <a16:creationId xmlns:a16="http://schemas.microsoft.com/office/drawing/2014/main" id="{F71EF7F1-38BA-471D-8CD4-2A9AE8E35527}"/>
+              </a:ext>
+              <a:ext uri="{C183D7F6-B498-43B3-948B-1728B52AA6E4}">
+                <adec:decorative xmlns:adec="http://schemas.microsoft.com/office/drawing/2017/decorative" val="1"/>
+              </a:ext>
+            </a:extLst>
+          </p:cNvPr>
+          <p:cNvSpPr>
+            <a:spLocks noGrp="1" noRot="1" noChangeAspect="1" noMove="1" noResize="1" noEditPoints="1" noAdjustHandles="1" noChangeArrowheads="1" noChangeShapeType="1" noTextEdit="1"/>
+          </p:cNvSpPr>
+          <p:nvPr>
+            <p:extLst>
+              <p:ext uri="{386F3935-93C4-4BCD-93E2-E3B085C9AB24}">
+                <p16:designElem xmlns:p16="http://schemas.microsoft.com/office/powerpoint/2015/main" val="1"/>
+              </p:ext>
+            </p:extLst>
+          </p:nvPr>
+        </p:nvSpPr>
+        <p:spPr>
+          <a:xfrm>
+            <a:off x="4241830" y="457200"/>
+            <a:ext cx="3703320" cy="91440"/>
+          </a:xfrm>
+          <a:prstGeom prst="rect">
+            <a:avLst/>
+          </a:prstGeom>
+          <a:solidFill>
+            <a:schemeClr val="accent1"/>
+          </a:solidFill>
+          <a:ln>
+            <a:noFill/>
+          </a:ln>
+          <a:effectLst/>
+        </p:spPr>
+        <p:style>
+          <a:lnRef idx="1">
+            <a:schemeClr val="accent1"/>
+          </a:lnRef>
+          <a:fillRef idx="3">
+            <a:schemeClr val="accent1"/>
+          </a:fillRef>
+          <a:effectRef idx="2">
+            <a:schemeClr val="accent1"/>
+          </a:effectRef>
+          <a:fontRef idx="minor">
+            <a:schemeClr val="lt1"/>
+          </a:fontRef>
+        </p:style>
+        <p:txBody>
+          <a:bodyPr/>
+          <a:lstStyle/>
+          <a:p>
+            <a:endParaRPr lang="en-GB"/>
+          </a:p>
+        </p:txBody>
+      </p:sp>
+      <p:sp useBgFill="1">
+        <p:nvSpPr>
+          <p:cNvPr id="14" name="Rectangle 13">
+            <a:extLst>
+              <a:ext uri="{FF2B5EF4-FFF2-40B4-BE49-F238E27FC236}">
+                <a16:creationId xmlns:a16="http://schemas.microsoft.com/office/drawing/2014/main" id="{504BED40-EAF7-4E55-AFF7-2CD840EBD3AA}"/>
+              </a:ext>
+              <a:ext uri="{C183D7F6-B498-43B3-948B-1728B52AA6E4}">
+                <adec:decorative xmlns:adec="http://schemas.microsoft.com/office/drawing/2017/decorative" val="1"/>
+              </a:ext>
+            </a:extLst>
+          </p:cNvPr>
+          <p:cNvSpPr>
+            <a:spLocks noGrp="1" noRot="1" noChangeAspect="1" noMove="1" noResize="1" noEditPoints="1" noAdjustHandles="1" noChangeArrowheads="1" noChangeShapeType="1" noTextEdit="1"/>
+          </p:cNvSpPr>
+          <p:nvPr>
+            <p:extLst>
+              <p:ext uri="{386F3935-93C4-4BCD-93E2-E3B085C9AB24}">
+                <p16:designElem xmlns:p16="http://schemas.microsoft.com/office/powerpoint/2015/main" val="1"/>
+              </p:ext>
+            </p:extLst>
+          </p:nvPr>
+        </p:nvSpPr>
+        <p:spPr>
+          <a:xfrm>
+            <a:off x="0" y="0"/>
+            <a:ext cx="12192000" cy="6858000"/>
+          </a:xfrm>
+          <a:prstGeom prst="rect">
+            <a:avLst/>
+          </a:prstGeom>
+          <a:ln>
+            <a:noFill/>
+          </a:ln>
+        </p:spPr>
+        <p:style>
+          <a:lnRef idx="2">
+            <a:schemeClr val="accent1">
+              <a:shade val="50000"/>
+            </a:schemeClr>
+          </a:lnRef>
+          <a:fillRef idx="1">
+            <a:schemeClr val="accent1"/>
+          </a:fillRef>
+          <a:effectRef idx="0">
+            <a:schemeClr val="accent1"/>
+          </a:effectRef>
+          <a:fontRef idx="minor">
+            <a:schemeClr val="lt1"/>
+          </a:fontRef>
+        </p:style>
+        <p:txBody>
+          <a:bodyPr rtlCol="0" anchor="ctr"/>
+          <a:lstStyle/>
+          <a:p>
+            <a:pPr algn="ctr"/>
+            <a:endParaRPr lang="en-US"/>
+          </a:p>
+        </p:txBody>
+      </p:sp>
+      <p:sp>
+        <p:nvSpPr>
+          <p:cNvPr id="16" name="Rectangle 15">
+            <a:extLst>
+              <a:ext uri="{FF2B5EF4-FFF2-40B4-BE49-F238E27FC236}">
+                <a16:creationId xmlns:a16="http://schemas.microsoft.com/office/drawing/2014/main" id="{F367CCF1-BB1E-41CF-8499-94A870C33EFA}"/>
+              </a:ext>
+              <a:ext uri="{C183D7F6-B498-43B3-948B-1728B52AA6E4}">
+                <adec:decorative xmlns:adec="http://schemas.microsoft.com/office/drawing/2017/decorative" val="1"/>
+              </a:ext>
+            </a:extLst>
+          </p:cNvPr>
+          <p:cNvSpPr>
+            <a:spLocks noGrp="1" noRot="1" noChangeAspect="1" noMove="1" noResize="1" noEditPoints="1" noAdjustHandles="1" noChangeArrowheads="1" noChangeShapeType="1" noTextEdit="1"/>
+          </p:cNvSpPr>
+          <p:nvPr>
+            <p:extLst>
+              <p:ext uri="{386F3935-93C4-4BCD-93E2-E3B085C9AB24}">
+                <p16:designElem xmlns:p16="http://schemas.microsoft.com/office/powerpoint/2015/main" val="1"/>
+              </p:ext>
+            </p:extLst>
+          </p:nvPr>
+        </p:nvSpPr>
+        <p:spPr>
+          <a:xfrm>
+            <a:off x="446534" y="457200"/>
+            <a:ext cx="6675120" cy="94997"/>
+          </a:xfrm>
+          <a:prstGeom prst="rect">
+            <a:avLst/>
+          </a:prstGeom>
+          <a:solidFill>
+            <a:schemeClr val="accent1"/>
+          </a:solidFill>
+          <a:ln>
+            <a:noFill/>
+          </a:ln>
+          <a:effectLst/>
+        </p:spPr>
+        <p:style>
+          <a:lnRef idx="1">
+            <a:schemeClr val="accent1"/>
+          </a:lnRef>
+          <a:fillRef idx="3">
+            <a:schemeClr val="accent1"/>
+          </a:fillRef>
+          <a:effectRef idx="2">
+            <a:schemeClr val="accent1"/>
+          </a:effectRef>
+          <a:fontRef idx="minor">
+            <a:schemeClr val="lt1"/>
+          </a:fontRef>
+        </p:style>
+        <p:txBody>
+          <a:bodyPr/>
+          <a:lstStyle/>
+          <a:p>
+            <a:endParaRPr lang="en-US"/>
+          </a:p>
+        </p:txBody>
+      </p:sp>
+      <p:sp>
+        <p:nvSpPr>
+          <p:cNvPr id="2" name="TextBox 1">
+            <a:extLst>
+              <a:ext uri="{FF2B5EF4-FFF2-40B4-BE49-F238E27FC236}">
+                <a16:creationId xmlns:a16="http://schemas.microsoft.com/office/drawing/2014/main" id="{7BD091E3-B3E8-FF13-3364-242BFC485849}"/>
+              </a:ext>
+            </a:extLst>
+          </p:cNvPr>
+          <p:cNvSpPr txBox="1"/>
+          <p:nvPr/>
+        </p:nvSpPr>
+        <p:spPr>
+          <a:xfrm>
+            <a:off x="581194" y="1896533"/>
+            <a:ext cx="6309003" cy="3962266"/>
+          </a:xfrm>
+          <a:prstGeom prst="rect">
+            <a:avLst/>
+          </a:prstGeom>
+        </p:spPr>
+        <p:txBody>
+          <a:bodyPr vert="horz" lIns="91440" tIns="45720" rIns="91440" bIns="45720" rtlCol="0" anchor="ctr">
+            <a:normAutofit/>
+          </a:bodyPr>
+          <a:lstStyle/>
+          <a:p>
+            <a:pPr defTabSz="457200">
+              <a:spcBef>
+                <a:spcPct val="20000"/>
+              </a:spcBef>
+              <a:spcAft>
+                <a:spcPts val="600"/>
+              </a:spcAft>
+              <a:buClr>
+                <a:schemeClr val="accent1"/>
+              </a:buClr>
+              <a:buSzPct val="92000"/>
+            </a:pPr>
+            <a:r>
+              <a:rPr lang="en-US" dirty="0">
+                <a:solidFill>
+                  <a:schemeClr val="tx2"/>
+                </a:solidFill>
+              </a:rPr>
+              <a:t>Implemented the TSCV functionality which returns the results of the TSCV over the given time-series. Results come in form of </a:t>
+            </a:r>
+            <a:r>
+              <a:rPr lang="en-US" dirty="0" err="1">
+                <a:solidFill>
+                  <a:schemeClr val="tx2"/>
+                </a:solidFill>
+              </a:rPr>
+              <a:t>dataframes</a:t>
+            </a:r>
+            <a:r>
+              <a:rPr lang="en-US" dirty="0">
+                <a:solidFill>
+                  <a:schemeClr val="tx2"/>
+                </a:solidFill>
+              </a:rPr>
+              <a:t> containing the information on all the evaluation metrics (mentioned before) as well as the actual predictions across all folds of the Cross Validation</a:t>
+            </a:r>
+          </a:p>
+          <a:p>
+            <a:pPr marL="742950" lvl="1" indent="-285750" defTabSz="457200">
+              <a:spcBef>
+                <a:spcPct val="20000"/>
+              </a:spcBef>
+              <a:spcAft>
+                <a:spcPts val="600"/>
+              </a:spcAft>
+              <a:buClr>
+                <a:schemeClr val="accent1"/>
+              </a:buClr>
+              <a:buSzPct val="92000"/>
+              <a:buFont typeface="Wingdings 2" panose="05020102010507070707" pitchFamily="18" charset="2"/>
+              <a:buChar char=""/>
+            </a:pPr>
+            <a:r>
+              <a:rPr lang="en-US" dirty="0" err="1">
+                <a:solidFill>
+                  <a:schemeClr val="tx2"/>
+                </a:solidFill>
+              </a:rPr>
+              <a:t>get_tscv_results</a:t>
+            </a:r>
+            <a:r>
+              <a:rPr lang="en-US" dirty="0">
+                <a:solidFill>
+                  <a:schemeClr val="tx2"/>
+                </a:solidFill>
+              </a:rPr>
+              <a:t>(data, </a:t>
+            </a:r>
+            <a:r>
+              <a:rPr lang="en-US" dirty="0" err="1">
+                <a:solidFill>
+                  <a:schemeClr val="tx2"/>
+                </a:solidFill>
+              </a:rPr>
+              <a:t>prediction_horizon</a:t>
+            </a:r>
+            <a:r>
+              <a:rPr lang="en-US" dirty="0">
+                <a:solidFill>
+                  <a:schemeClr val="tx2"/>
+                </a:solidFill>
+              </a:rPr>
+              <a:t>, </a:t>
+            </a:r>
+            <a:r>
+              <a:rPr lang="en-US" dirty="0" err="1">
+                <a:solidFill>
+                  <a:schemeClr val="tx2"/>
+                </a:solidFill>
+              </a:rPr>
+              <a:t>context_length</a:t>
+            </a:r>
+            <a:r>
+              <a:rPr lang="en-US" dirty="0">
+                <a:solidFill>
+                  <a:schemeClr val="tx2"/>
+                </a:solidFill>
+              </a:rPr>
+              <a:t>, </a:t>
+            </a:r>
+            <a:r>
+              <a:rPr lang="en-US" dirty="0" err="1">
+                <a:solidFill>
+                  <a:schemeClr val="tx2"/>
+                </a:solidFill>
+              </a:rPr>
+              <a:t>n_folds</a:t>
+            </a:r>
+            <a:r>
+              <a:rPr lang="en-US" dirty="0">
+                <a:solidFill>
+                  <a:schemeClr val="tx2"/>
+                </a:solidFill>
+              </a:rPr>
+              <a:t>)</a:t>
+            </a:r>
+          </a:p>
+        </p:txBody>
+      </p:sp>
+      <p:pic>
+        <p:nvPicPr>
+          <p:cNvPr id="4" name="Picture 3" descr="Financial graphs on a dark display">
+            <a:extLst>
+              <a:ext uri="{FF2B5EF4-FFF2-40B4-BE49-F238E27FC236}">
+                <a16:creationId xmlns:a16="http://schemas.microsoft.com/office/drawing/2014/main" id="{BD4D89CF-DF63-3C44-2E9D-10A73DCF942F}"/>
+              </a:ext>
+            </a:extLst>
+          </p:cNvPr>
+          <p:cNvPicPr>
+            <a:picLocks noChangeAspect="1"/>
+          </p:cNvPicPr>
+          <p:nvPr/>
+        </p:nvPicPr>
+        <p:blipFill rotWithShape="1">
+          <a:blip r:embed="rId2"/>
+          <a:srcRect l="25813" r="31621"/>
+          <a:stretch/>
+        </p:blipFill>
+        <p:spPr>
+          <a:xfrm>
+            <a:off x="7521283" y="10"/>
+            <a:ext cx="4670717" cy="6857990"/>
+          </a:xfrm>
+          <a:prstGeom prst="rect">
+            <a:avLst/>
+          </a:prstGeom>
+        </p:spPr>
+      </p:pic>
+    </p:spTree>
+    <p:extLst>
+      <p:ext uri="{BB962C8B-B14F-4D97-AF65-F5344CB8AC3E}">
+        <p14:creationId xmlns:p14="http://schemas.microsoft.com/office/powerpoint/2010/main" val="2259220390"/>
+      </p:ext>
+    </p:extLst>
+  </p:cSld>
+  <p:clrMapOvr>
+    <a:masterClrMapping/>
+  </p:clrMapOvr>
+</p:sld>
+</file>
+
+<file path=ppt/slides/slide17.xml><?xml version="1.0" encoding="utf-8"?>
+<p:sld xmlns:a="http://schemas.openxmlformats.org/drawingml/2006/main" xmlns:r="http://schemas.openxmlformats.org/officeDocument/2006/relationships" xmlns:p="http://schemas.openxmlformats.org/presentationml/2006/main">
+  <p:cSld>
+    <p:bg>
+      <p:bgPr>
+        <a:solidFill>
+          <a:schemeClr val="bg1"/>
+        </a:solidFill>
+        <a:effectLst/>
+      </p:bgPr>
+    </p:bg>
+    <p:spTree>
+      <p:nvGrpSpPr>
+        <p:cNvPr id="1" name=""/>
+        <p:cNvGrpSpPr/>
+        <p:nvPr/>
+      </p:nvGrpSpPr>
+      <p:grpSpPr>
+        <a:xfrm>
+          <a:off x="0" y="0"/>
+          <a:ext cx="0" cy="0"/>
+          <a:chOff x="0" y="0"/>
+          <a:chExt cx="0" cy="0"/>
+        </a:xfrm>
+      </p:grpSpPr>
+      <p:sp>
+        <p:nvSpPr>
+          <p:cNvPr id="21" name="Rectangle 20">
+            <a:extLst>
+              <a:ext uri="{FF2B5EF4-FFF2-40B4-BE49-F238E27FC236}">
+                <a16:creationId xmlns:a16="http://schemas.microsoft.com/office/drawing/2014/main" id="{E6C8E6EB-4C59-429B-97E4-72A058CFC4FB}"/>
+              </a:ext>
+              <a:ext uri="{C183D7F6-B498-43B3-948B-1728B52AA6E4}">
+                <adec:decorative xmlns:adec="http://schemas.microsoft.com/office/drawing/2017/decorative" val="1"/>
+              </a:ext>
+            </a:extLst>
+          </p:cNvPr>
+          <p:cNvSpPr>
+            <a:spLocks noGrp="1" noRot="1" noChangeAspect="1" noMove="1" noResize="1" noEditPoints="1" noAdjustHandles="1" noChangeArrowheads="1" noChangeShapeType="1" noTextEdit="1"/>
+          </p:cNvSpPr>
+          <p:nvPr>
+            <p:extLst>
+              <p:ext uri="{386F3935-93C4-4BCD-93E2-E3B085C9AB24}">
+                <p16:designElem xmlns:p16="http://schemas.microsoft.com/office/powerpoint/2015/main" val="1"/>
+              </p:ext>
+            </p:extLst>
+          </p:nvPr>
+        </p:nvSpPr>
+        <p:spPr>
+          <a:xfrm>
+            <a:off x="446534" y="457200"/>
+            <a:ext cx="3703320" cy="94997"/>
+          </a:xfrm>
+          <a:prstGeom prst="rect">
+            <a:avLst/>
+          </a:prstGeom>
+          <a:solidFill>
+            <a:srgbClr val="465359"/>
+          </a:solidFill>
+          <a:ln>
+            <a:noFill/>
+          </a:ln>
+          <a:effectLst/>
+        </p:spPr>
+        <p:style>
+          <a:lnRef idx="1">
+            <a:schemeClr val="accent1"/>
+          </a:lnRef>
+          <a:fillRef idx="3">
+            <a:schemeClr val="accent1"/>
+          </a:fillRef>
+          <a:effectRef idx="2">
+            <a:schemeClr val="accent1"/>
+          </a:effectRef>
+          <a:fontRef idx="minor">
+            <a:schemeClr val="lt1"/>
+          </a:fontRef>
+        </p:style>
+        <p:txBody>
+          <a:bodyPr/>
+          <a:lstStyle/>
+          <a:p>
+            <a:endParaRPr lang="en-GB"/>
+          </a:p>
+        </p:txBody>
+      </p:sp>
+      <p:sp>
+        <p:nvSpPr>
+          <p:cNvPr id="23" name="Rectangle 22">
+            <a:extLst>
+              <a:ext uri="{FF2B5EF4-FFF2-40B4-BE49-F238E27FC236}">
+                <a16:creationId xmlns:a16="http://schemas.microsoft.com/office/drawing/2014/main" id="{B5B90362-AFCC-46A9-B41C-A257A8C5B314}"/>
+              </a:ext>
+              <a:ext uri="{C183D7F6-B498-43B3-948B-1728B52AA6E4}">
+                <adec:decorative xmlns:adec="http://schemas.microsoft.com/office/drawing/2017/decorative" val="1"/>
+              </a:ext>
+            </a:extLst>
+          </p:cNvPr>
+          <p:cNvSpPr>
+            <a:spLocks noGrp="1" noRot="1" noChangeAspect="1" noMove="1" noResize="1" noEditPoints="1" noAdjustHandles="1" noChangeArrowheads="1" noChangeShapeType="1" noTextEdit="1"/>
+          </p:cNvSpPr>
+          <p:nvPr>
+            <p:extLst>
+              <p:ext uri="{386F3935-93C4-4BCD-93E2-E3B085C9AB24}">
+                <p16:designElem xmlns:p16="http://schemas.microsoft.com/office/powerpoint/2015/main" val="1"/>
+              </p:ext>
+            </p:extLst>
+          </p:nvPr>
+        </p:nvSpPr>
+        <p:spPr>
+          <a:xfrm>
+            <a:off x="8042147" y="453643"/>
+            <a:ext cx="3703320" cy="98554"/>
+          </a:xfrm>
+          <a:prstGeom prst="rect">
+            <a:avLst/>
+          </a:prstGeom>
+          <a:solidFill>
+            <a:srgbClr val="969FA7"/>
+          </a:solidFill>
+          <a:ln>
+            <a:noFill/>
+          </a:ln>
+          <a:effectLst/>
+        </p:spPr>
+        <p:style>
+          <a:lnRef idx="1">
+            <a:schemeClr val="accent1"/>
+          </a:lnRef>
+          <a:fillRef idx="3">
+            <a:schemeClr val="accent1"/>
+          </a:fillRef>
+          <a:effectRef idx="2">
+            <a:schemeClr val="accent1"/>
+          </a:effectRef>
+          <a:fontRef idx="minor">
+            <a:schemeClr val="lt1"/>
+          </a:fontRef>
+        </p:style>
+        <p:txBody>
+          <a:bodyPr/>
+          <a:lstStyle/>
+          <a:p>
+            <a:endParaRPr lang="en-GB"/>
+          </a:p>
+        </p:txBody>
+      </p:sp>
+      <p:sp>
+        <p:nvSpPr>
+          <p:cNvPr id="25" name="Rectangle 24">
+            <a:extLst>
+              <a:ext uri="{FF2B5EF4-FFF2-40B4-BE49-F238E27FC236}">
+                <a16:creationId xmlns:a16="http://schemas.microsoft.com/office/drawing/2014/main" id="{F71EF7F1-38BA-471D-8CD4-2A9AE8E35527}"/>
+              </a:ext>
+              <a:ext uri="{C183D7F6-B498-43B3-948B-1728B52AA6E4}">
+                <adec:decorative xmlns:adec="http://schemas.microsoft.com/office/drawing/2017/decorative" val="1"/>
+              </a:ext>
+            </a:extLst>
+          </p:cNvPr>
+          <p:cNvSpPr>
+            <a:spLocks noGrp="1" noRot="1" noChangeAspect="1" noMove="1" noResize="1" noEditPoints="1" noAdjustHandles="1" noChangeArrowheads="1" noChangeShapeType="1" noTextEdit="1"/>
+          </p:cNvSpPr>
+          <p:nvPr>
+            <p:extLst>
+              <p:ext uri="{386F3935-93C4-4BCD-93E2-E3B085C9AB24}">
+                <p16:designElem xmlns:p16="http://schemas.microsoft.com/office/powerpoint/2015/main" val="1"/>
+              </p:ext>
+            </p:extLst>
+          </p:nvPr>
+        </p:nvSpPr>
+        <p:spPr>
+          <a:xfrm>
+            <a:off x="4241830" y="457200"/>
+            <a:ext cx="3703320" cy="91440"/>
+          </a:xfrm>
+          <a:prstGeom prst="rect">
+            <a:avLst/>
+          </a:prstGeom>
+          <a:solidFill>
+            <a:schemeClr val="accent1"/>
+          </a:solidFill>
+          <a:ln>
+            <a:noFill/>
+          </a:ln>
+          <a:effectLst/>
+        </p:spPr>
+        <p:style>
+          <a:lnRef idx="1">
+            <a:schemeClr val="accent1"/>
+          </a:lnRef>
+          <a:fillRef idx="3">
+            <a:schemeClr val="accent1"/>
+          </a:fillRef>
+          <a:effectRef idx="2">
+            <a:schemeClr val="accent1"/>
+          </a:effectRef>
+          <a:fontRef idx="minor">
+            <a:schemeClr val="lt1"/>
+          </a:fontRef>
+        </p:style>
+        <p:txBody>
+          <a:bodyPr/>
+          <a:lstStyle/>
+          <a:p>
+            <a:endParaRPr lang="en-GB"/>
+          </a:p>
+        </p:txBody>
+      </p:sp>
+      <p:sp>
+        <p:nvSpPr>
+          <p:cNvPr id="27" name="Rectangle 26">
+            <a:extLst>
+              <a:ext uri="{FF2B5EF4-FFF2-40B4-BE49-F238E27FC236}">
+                <a16:creationId xmlns:a16="http://schemas.microsoft.com/office/drawing/2014/main" id="{3CED7894-4F62-4A6C-8DB5-DB5BE08E9C03}"/>
+              </a:ext>
+              <a:ext uri="{C183D7F6-B498-43B3-948B-1728B52AA6E4}">
+                <adec:decorative xmlns:adec="http://schemas.microsoft.com/office/drawing/2017/decorative" val="1"/>
+              </a:ext>
+            </a:extLst>
+          </p:cNvPr>
+          <p:cNvSpPr>
+            <a:spLocks noGrp="1" noRot="1" noChangeAspect="1" noMove="1" noResize="1" noEditPoints="1" noAdjustHandles="1" noChangeArrowheads="1" noChangeShapeType="1" noTextEdit="1"/>
+          </p:cNvSpPr>
+          <p:nvPr>
+            <p:extLst>
+              <p:ext uri="{386F3935-93C4-4BCD-93E2-E3B085C9AB24}">
+                <p16:designElem xmlns:p16="http://schemas.microsoft.com/office/powerpoint/2015/main" val="1"/>
+              </p:ext>
+            </p:extLst>
+          </p:nvPr>
+        </p:nvSpPr>
+        <p:spPr>
+          <a:xfrm>
+            <a:off x="0" y="0"/>
+            <a:ext cx="12192000" cy="6858000"/>
+          </a:xfrm>
+          <a:prstGeom prst="rect">
+            <a:avLst/>
+          </a:prstGeom>
+          <a:solidFill>
+            <a:schemeClr val="bg1">
+              <a:lumMod val="75000"/>
+              <a:lumOff val="25000"/>
+            </a:schemeClr>
+          </a:solidFill>
+          <a:ln>
+            <a:noFill/>
+          </a:ln>
+          <a:effectLst/>
+        </p:spPr>
+        <p:style>
+          <a:lnRef idx="1">
+            <a:schemeClr val="accent1"/>
+          </a:lnRef>
+          <a:fillRef idx="3">
+            <a:schemeClr val="accent1"/>
+          </a:fillRef>
+          <a:effectRef idx="2">
+            <a:schemeClr val="accent1"/>
+          </a:effectRef>
+          <a:fontRef idx="minor">
+            <a:schemeClr val="lt1"/>
+          </a:fontRef>
+        </p:style>
+        <p:txBody>
+          <a:bodyPr/>
+          <a:lstStyle/>
+          <a:p>
+            <a:endParaRPr lang="en-US"/>
+          </a:p>
+        </p:txBody>
+      </p:sp>
+      <p:sp>
+        <p:nvSpPr>
+          <p:cNvPr id="29" name="Rectangle 28">
+            <a:extLst>
+              <a:ext uri="{FF2B5EF4-FFF2-40B4-BE49-F238E27FC236}">
+                <a16:creationId xmlns:a16="http://schemas.microsoft.com/office/drawing/2014/main" id="{E536F3B4-50F6-4C52-8F76-4EB1214719DC}"/>
+              </a:ext>
+              <a:ext uri="{C183D7F6-B498-43B3-948B-1728B52AA6E4}">
+                <adec:decorative xmlns:adec="http://schemas.microsoft.com/office/drawing/2017/decorative" val="1"/>
+              </a:ext>
+            </a:extLst>
+          </p:cNvPr>
+          <p:cNvSpPr>
+            <a:spLocks noGrp="1" noRot="1" noChangeAspect="1" noMove="1" noResize="1" noEditPoints="1" noAdjustHandles="1" noChangeArrowheads="1" noChangeShapeType="1" noTextEdit="1"/>
+          </p:cNvSpPr>
+          <p:nvPr>
+            <p:extLst>
+              <p:ext uri="{386F3935-93C4-4BCD-93E2-E3B085C9AB24}">
+                <p16:designElem xmlns:p16="http://schemas.microsoft.com/office/powerpoint/2015/main" val="1"/>
+              </p:ext>
+            </p:extLst>
+          </p:nvPr>
+        </p:nvSpPr>
+        <p:spPr>
+          <a:xfrm>
+            <a:off x="638620" y="457200"/>
+            <a:ext cx="3511233" cy="91439"/>
+          </a:xfrm>
+          <a:prstGeom prst="rect">
+            <a:avLst/>
+          </a:prstGeom>
+          <a:solidFill>
+            <a:schemeClr val="accent1"/>
+          </a:solidFill>
+          <a:ln>
+            <a:noFill/>
+          </a:ln>
+          <a:effectLst/>
+        </p:spPr>
+        <p:style>
+          <a:lnRef idx="1">
+            <a:schemeClr val="accent1"/>
+          </a:lnRef>
+          <a:fillRef idx="3">
+            <a:schemeClr val="accent1"/>
+          </a:fillRef>
+          <a:effectRef idx="2">
+            <a:schemeClr val="accent1"/>
+          </a:effectRef>
+          <a:fontRef idx="minor">
+            <a:schemeClr val="lt1"/>
+          </a:fontRef>
+        </p:style>
+        <p:txBody>
+          <a:bodyPr/>
+          <a:lstStyle/>
+          <a:p>
+            <a:endParaRPr lang="en-US"/>
+          </a:p>
+        </p:txBody>
+      </p:sp>
+      <p:sp>
+        <p:nvSpPr>
+          <p:cNvPr id="2" name="TextBox 1">
+            <a:extLst>
+              <a:ext uri="{FF2B5EF4-FFF2-40B4-BE49-F238E27FC236}">
+                <a16:creationId xmlns:a16="http://schemas.microsoft.com/office/drawing/2014/main" id="{4F7F4887-CB1A-2D11-30C4-93BC61D339B4}"/>
+              </a:ext>
+            </a:extLst>
+          </p:cNvPr>
+          <p:cNvSpPr txBox="1"/>
+          <p:nvPr/>
+        </p:nvSpPr>
+        <p:spPr>
+          <a:xfrm>
+            <a:off x="609906" y="2340864"/>
+            <a:ext cx="3568661" cy="3634486"/>
+          </a:xfrm>
+          <a:prstGeom prst="rect">
+            <a:avLst/>
+          </a:prstGeom>
+        </p:spPr>
+        <p:txBody>
+          <a:bodyPr vert="horz" lIns="91440" tIns="45720" rIns="91440" bIns="45720" rtlCol="0" anchor="ctr">
+            <a:normAutofit/>
+          </a:bodyPr>
+          <a:lstStyle/>
+          <a:p>
+            <a:pPr defTabSz="457200">
+              <a:lnSpc>
+                <a:spcPct val="90000"/>
+              </a:lnSpc>
+              <a:spcBef>
+                <a:spcPct val="20000"/>
+              </a:spcBef>
+              <a:spcAft>
+                <a:spcPts val="600"/>
+              </a:spcAft>
+              <a:buClr>
+                <a:schemeClr val="accent1"/>
+              </a:buClr>
+              <a:buSzPct val="92000"/>
+              <a:buFont typeface="Wingdings 2" panose="05020102010507070707" pitchFamily="18" charset="2"/>
+              <a:buChar char=""/>
+            </a:pPr>
+            <a:r>
+              <a:rPr lang="en-US" sz="1500" dirty="0">
+                <a:solidFill>
+                  <a:schemeClr val="tx1">
+                    <a:lumMod val="75000"/>
+                    <a:lumOff val="25000"/>
+                  </a:schemeClr>
+                </a:solidFill>
+              </a:rPr>
+              <a:t>Created the visualization code</a:t>
+            </a:r>
+          </a:p>
+          <a:p>
+            <a:pPr marL="742950" lvl="1" indent="-285750" defTabSz="457200">
+              <a:lnSpc>
+                <a:spcPct val="90000"/>
+              </a:lnSpc>
+              <a:spcBef>
+                <a:spcPct val="20000"/>
+              </a:spcBef>
+              <a:spcAft>
+                <a:spcPts val="600"/>
+              </a:spcAft>
+              <a:buClr>
+                <a:schemeClr val="accent1"/>
+              </a:buClr>
+              <a:buSzPct val="92000"/>
+              <a:buFont typeface="Wingdings 2" panose="05020102010507070707" pitchFamily="18" charset="2"/>
+              <a:buChar char=""/>
+            </a:pPr>
+            <a:r>
+              <a:rPr lang="en-US" sz="1500" dirty="0">
+                <a:solidFill>
+                  <a:schemeClr val="tx1">
+                    <a:lumMod val="75000"/>
+                    <a:lumOff val="25000"/>
+                  </a:schemeClr>
+                </a:solidFill>
+              </a:rPr>
+              <a:t>Summary statistic graph of all metrics (showing their mean, median, and standard deviation)</a:t>
+            </a:r>
+          </a:p>
+          <a:p>
+            <a:pPr marL="742950" lvl="1" indent="-285750" defTabSz="457200">
+              <a:lnSpc>
+                <a:spcPct val="90000"/>
+              </a:lnSpc>
+              <a:spcBef>
+                <a:spcPct val="20000"/>
+              </a:spcBef>
+              <a:spcAft>
+                <a:spcPts val="600"/>
+              </a:spcAft>
+              <a:buClr>
+                <a:schemeClr val="accent1"/>
+              </a:buClr>
+              <a:buSzPct val="92000"/>
+              <a:buFont typeface="Wingdings 2" panose="05020102010507070707" pitchFamily="18" charset="2"/>
+              <a:buChar char=""/>
+            </a:pPr>
+            <a:r>
+              <a:rPr lang="en-US" sz="1500" dirty="0">
+                <a:solidFill>
+                  <a:schemeClr val="tx1">
+                    <a:lumMod val="75000"/>
+                    <a:lumOff val="25000"/>
+                  </a:schemeClr>
+                </a:solidFill>
+              </a:rPr>
+              <a:t>Interactive version with ability to choose which models and which metrics you want to be displayed on the graph</a:t>
+            </a:r>
+          </a:p>
+          <a:p>
+            <a:pPr marL="742950" lvl="1" indent="-285750" defTabSz="457200">
+              <a:lnSpc>
+                <a:spcPct val="90000"/>
+              </a:lnSpc>
+              <a:spcBef>
+                <a:spcPct val="20000"/>
+              </a:spcBef>
+              <a:spcAft>
+                <a:spcPts val="600"/>
+              </a:spcAft>
+              <a:buClr>
+                <a:schemeClr val="accent1"/>
+              </a:buClr>
+              <a:buSzPct val="92000"/>
+              <a:buFont typeface="Wingdings 2" panose="05020102010507070707" pitchFamily="18" charset="2"/>
+              <a:buChar char=""/>
+            </a:pPr>
+            <a:r>
+              <a:rPr lang="en-US" sz="1500" dirty="0">
+                <a:solidFill>
+                  <a:schemeClr val="tx1">
+                    <a:lumMod val="75000"/>
+                    <a:lumOff val="25000"/>
+                  </a:schemeClr>
+                </a:solidFill>
+              </a:rPr>
+              <a:t>Interactive visualization of all models’ prediction where you can manually choose which models’ prediction you want to see and compare with the actual values – for any fold of the Cross Validation</a:t>
+            </a:r>
+          </a:p>
+          <a:p>
+            <a:pPr marL="742950" lvl="1" indent="-285750" defTabSz="457200">
+              <a:lnSpc>
+                <a:spcPct val="90000"/>
+              </a:lnSpc>
+              <a:spcBef>
+                <a:spcPct val="20000"/>
+              </a:spcBef>
+              <a:spcAft>
+                <a:spcPts val="600"/>
+              </a:spcAft>
+              <a:buClr>
+                <a:schemeClr val="accent1"/>
+              </a:buClr>
+              <a:buSzPct val="92000"/>
+              <a:buFont typeface="Wingdings 2" panose="05020102010507070707" pitchFamily="18" charset="2"/>
+              <a:buChar char=""/>
+            </a:pPr>
+            <a:endParaRPr lang="en-US" sz="1500" dirty="0">
+              <a:solidFill>
+                <a:schemeClr val="tx1">
+                  <a:lumMod val="75000"/>
+                  <a:lumOff val="25000"/>
+                </a:schemeClr>
+              </a:solidFill>
+            </a:endParaRPr>
+          </a:p>
+        </p:txBody>
+      </p:sp>
+      <p:pic>
+        <p:nvPicPr>
+          <p:cNvPr id="4" name="Picture 3" descr="Graph">
+            <a:extLst>
+              <a:ext uri="{FF2B5EF4-FFF2-40B4-BE49-F238E27FC236}">
+                <a16:creationId xmlns:a16="http://schemas.microsoft.com/office/drawing/2014/main" id="{8B3BBE10-5BEA-A9DE-2985-061BAD9B622A}"/>
+              </a:ext>
+            </a:extLst>
+          </p:cNvPr>
+          <p:cNvPicPr>
+            <a:picLocks noChangeAspect="1"/>
+          </p:cNvPicPr>
+          <p:nvPr/>
+        </p:nvPicPr>
+        <p:blipFill rotWithShape="1">
+          <a:blip r:embed="rId2"/>
+          <a:srcRect l="8087" r="23219"/>
+          <a:stretch/>
+        </p:blipFill>
+        <p:spPr>
+          <a:xfrm>
+            <a:off x="4654295" y="10"/>
+            <a:ext cx="7537705" cy="6857990"/>
+          </a:xfrm>
+          <a:prstGeom prst="rect">
+            <a:avLst/>
+          </a:prstGeom>
+        </p:spPr>
+      </p:pic>
+    </p:spTree>
+    <p:extLst>
+      <p:ext uri="{BB962C8B-B14F-4D97-AF65-F5344CB8AC3E}">
+        <p14:creationId xmlns:p14="http://schemas.microsoft.com/office/powerpoint/2010/main" val="2134353381"/>
+      </p:ext>
+    </p:extLst>
+  </p:cSld>
+  <p:clrMapOvr>
+    <a:masterClrMapping/>
+  </p:clrMapOvr>
+</p:sld>
+</file>
+
+<file path=ppt/slides/slide18.xml><?xml version="1.0" encoding="utf-8"?>
+<p:sld xmlns:a="http://schemas.openxmlformats.org/drawingml/2006/main" xmlns:r="http://schemas.openxmlformats.org/officeDocument/2006/relationships" xmlns:p="http://schemas.openxmlformats.org/presentationml/2006/main">
+  <p:cSld>
+    <p:bg>
+      <p:bgPr>
+        <a:solidFill>
+          <a:schemeClr val="bg1"/>
+        </a:solidFill>
+        <a:effectLst/>
+      </p:bgPr>
+    </p:bg>
+    <p:spTree>
+      <p:nvGrpSpPr>
+        <p:cNvPr id="1" name=""/>
+        <p:cNvGrpSpPr/>
+        <p:nvPr/>
+      </p:nvGrpSpPr>
+      <p:grpSpPr>
+        <a:xfrm>
+          <a:off x="0" y="0"/>
+          <a:ext cx="0" cy="0"/>
+          <a:chOff x="0" y="0"/>
+          <a:chExt cx="0" cy="0"/>
+        </a:xfrm>
+      </p:grpSpPr>
+      <p:pic>
+        <p:nvPicPr>
+          <p:cNvPr id="13" name="Picture 12" descr="Codes on papers">
+            <a:extLst>
+              <a:ext uri="{FF2B5EF4-FFF2-40B4-BE49-F238E27FC236}">
+                <a16:creationId xmlns:a16="http://schemas.microsoft.com/office/drawing/2014/main" id="{CCB38929-176F-F657-E169-1F69C8773D3A}"/>
+              </a:ext>
+            </a:extLst>
+          </p:cNvPr>
+          <p:cNvPicPr>
+            <a:picLocks noChangeAspect="1"/>
+          </p:cNvPicPr>
+          <p:nvPr/>
+        </p:nvPicPr>
+        <p:blipFill rotWithShape="1">
+          <a:blip r:embed="rId2"/>
+          <a:srcRect t="3608" b="12122"/>
+          <a:stretch/>
+        </p:blipFill>
+        <p:spPr>
+          <a:xfrm>
+            <a:off x="-3047" y="10"/>
+            <a:ext cx="12191999" cy="6857990"/>
+          </a:xfrm>
+          <a:prstGeom prst="rect">
+            <a:avLst/>
+          </a:prstGeom>
+        </p:spPr>
+      </p:pic>
+      <p:sp>
+        <p:nvSpPr>
+          <p:cNvPr id="14" name="Rectangle 13">
+            <a:extLst>
+              <a:ext uri="{FF2B5EF4-FFF2-40B4-BE49-F238E27FC236}">
+                <a16:creationId xmlns:a16="http://schemas.microsoft.com/office/drawing/2014/main" id="{007891EC-4501-44ED-A8C8-B11B6DB767AB}"/>
+              </a:ext>
+              <a:ext uri="{C183D7F6-B498-43B3-948B-1728B52AA6E4}">
+                <adec:decorative xmlns:adec="http://schemas.microsoft.com/office/drawing/2017/decorative" val="1"/>
+              </a:ext>
+            </a:extLst>
+          </p:cNvPr>
+          <p:cNvSpPr>
+            <a:spLocks noGrp="1" noRot="1" noChangeAspect="1" noMove="1" noResize="1" noEditPoints="1" noAdjustHandles="1" noChangeArrowheads="1" noChangeShapeType="1" noTextEdit="1"/>
+          </p:cNvSpPr>
+          <p:nvPr>
+            <p:extLst>
+              <p:ext uri="{386F3935-93C4-4BCD-93E2-E3B085C9AB24}">
+                <p16:designElem xmlns:p16="http://schemas.microsoft.com/office/powerpoint/2015/main" val="1"/>
+              </p:ext>
+            </p:extLst>
+          </p:nvPr>
+        </p:nvSpPr>
+        <p:spPr>
+          <a:xfrm>
+            <a:off x="0" y="2207602"/>
+            <a:ext cx="12191999" cy="3162146"/>
+          </a:xfrm>
+          <a:prstGeom prst="rect">
+            <a:avLst/>
+          </a:prstGeom>
+          <a:gradFill flip="none" rotWithShape="1">
+            <a:gsLst>
+              <a:gs pos="0">
+                <a:schemeClr val="tx2">
+                  <a:alpha val="0"/>
+                </a:schemeClr>
+              </a:gs>
+              <a:gs pos="50000">
+                <a:schemeClr val="tx2">
+                  <a:alpha val="35000"/>
+                </a:schemeClr>
+              </a:gs>
+              <a:gs pos="100000">
+                <a:schemeClr val="tx2">
+                  <a:alpha val="0"/>
+                </a:schemeClr>
+              </a:gs>
+            </a:gsLst>
+            <a:lin ang="16200000" scaled="1"/>
+            <a:tileRect/>
+          </a:gradFill>
+          <a:ln>
+            <a:noFill/>
+          </a:ln>
+        </p:spPr>
+        <p:style>
+          <a:lnRef idx="2">
+            <a:schemeClr val="accent1">
+              <a:shade val="50000"/>
+            </a:schemeClr>
+          </a:lnRef>
+          <a:fillRef idx="1">
+            <a:schemeClr val="accent1"/>
+          </a:fillRef>
+          <a:effectRef idx="0">
+            <a:schemeClr val="accent1"/>
+          </a:effectRef>
+          <a:fontRef idx="minor">
+            <a:schemeClr val="lt1"/>
+          </a:fontRef>
+        </p:style>
+        <p:txBody>
+          <a:bodyPr rtlCol="0" anchor="ctr"/>
+          <a:lstStyle/>
+          <a:p>
+            <a:pPr algn="ctr"/>
+            <a:endParaRPr lang="en-US"/>
+          </a:p>
+        </p:txBody>
+      </p:sp>
+      <p:sp>
+        <p:nvSpPr>
+          <p:cNvPr id="2" name="Title 1">
+            <a:extLst>
+              <a:ext uri="{FF2B5EF4-FFF2-40B4-BE49-F238E27FC236}">
+                <a16:creationId xmlns:a16="http://schemas.microsoft.com/office/drawing/2014/main" id="{C6386199-CDDC-B066-FDBE-4823E86D4F26}"/>
+              </a:ext>
+            </a:extLst>
+          </p:cNvPr>
+          <p:cNvSpPr>
+            <a:spLocks noGrp="1"/>
+          </p:cNvSpPr>
+          <p:nvPr>
+            <p:ph type="ctrTitle"/>
+          </p:nvPr>
+        </p:nvSpPr>
+        <p:spPr>
+          <a:xfrm>
+            <a:off x="643466" y="643467"/>
+            <a:ext cx="10905059" cy="3330353"/>
+          </a:xfrm>
+          <a:effectLst>
+            <a:outerShdw blurRad="50800" dist="38100" dir="2700000" algn="tl" rotWithShape="0">
+              <a:prstClr val="black">
+                <a:alpha val="40000"/>
+              </a:prstClr>
+            </a:outerShdw>
+          </a:effectLst>
+        </p:spPr>
+        <p:txBody>
+          <a:bodyPr>
+            <a:normAutofit/>
+          </a:bodyPr>
+          <a:lstStyle/>
+          <a:p>
+            <a:pPr algn="ctr"/>
+            <a:r>
+              <a:rPr lang="en-GB" dirty="0">
+                <a:solidFill>
+                  <a:schemeClr val="bg1"/>
+                </a:solidFill>
+              </a:rPr>
+              <a:t>Preliminary results</a:t>
+            </a:r>
+          </a:p>
+        </p:txBody>
+      </p:sp>
+      <p:sp>
+        <p:nvSpPr>
+          <p:cNvPr id="3" name="Subtitle 2">
+            <a:extLst>
+              <a:ext uri="{FF2B5EF4-FFF2-40B4-BE49-F238E27FC236}">
+                <a16:creationId xmlns:a16="http://schemas.microsoft.com/office/drawing/2014/main" id="{B84CE7FC-B71B-E31E-D271-D21C1009D343}"/>
+              </a:ext>
+            </a:extLst>
+          </p:cNvPr>
+          <p:cNvSpPr>
+            <a:spLocks noGrp="1"/>
+          </p:cNvSpPr>
+          <p:nvPr>
+            <p:ph type="subTitle" idx="1"/>
+          </p:nvPr>
+        </p:nvSpPr>
+        <p:spPr>
+          <a:xfrm>
+            <a:off x="643466" y="4133135"/>
+            <a:ext cx="10902016" cy="1454510"/>
+          </a:xfrm>
+          <a:effectLst>
+            <a:outerShdw blurRad="50800" dist="38100" dir="2700000" algn="tl" rotWithShape="0">
+              <a:prstClr val="black">
+                <a:alpha val="40000"/>
+              </a:prstClr>
+            </a:outerShdw>
+          </a:effectLst>
+        </p:spPr>
+        <p:txBody>
+          <a:bodyPr>
+            <a:normAutofit/>
+          </a:bodyPr>
+          <a:lstStyle/>
+          <a:p>
+            <a:pPr algn="ctr"/>
+            <a:endParaRPr lang="en-GB" sz="1800">
+              <a:solidFill>
+                <a:schemeClr val="bg1"/>
+              </a:solidFill>
+            </a:endParaRPr>
+          </a:p>
+        </p:txBody>
+      </p:sp>
+      <p:cxnSp>
+        <p:nvCxnSpPr>
+          <p:cNvPr id="15" name="Straight Connector 14">
+            <a:extLst>
+              <a:ext uri="{FF2B5EF4-FFF2-40B4-BE49-F238E27FC236}">
+                <a16:creationId xmlns:a16="http://schemas.microsoft.com/office/drawing/2014/main" id="{34E5597F-CE67-4085-9548-E6A8036DA3BB}"/>
+              </a:ext>
+              <a:ext uri="{C183D7F6-B498-43B3-948B-1728B52AA6E4}">
+                <adec:decorative xmlns:adec="http://schemas.microsoft.com/office/drawing/2017/decorative" val="1"/>
+              </a:ext>
+            </a:extLst>
+          </p:cNvPr>
+          <p:cNvCxnSpPr>
+            <a:cxnSpLocks noGrp="1" noRot="1" noChangeAspect="1" noMove="1" noResize="1" noEditPoints="1" noAdjustHandles="1" noChangeArrowheads="1" noChangeShapeType="1"/>
+          </p:cNvCxnSpPr>
+          <p:nvPr>
+            <p:extLst>
+              <p:ext uri="{386F3935-93C4-4BCD-93E2-E3B085C9AB24}">
+                <p16:designElem xmlns:p16="http://schemas.microsoft.com/office/powerpoint/2015/main" val="1"/>
+              </p:ext>
+            </p:extLst>
+          </p:nvPr>
+        </p:nvCxnSpPr>
+        <p:spPr>
+          <a:xfrm>
+            <a:off x="3393881" y="4035362"/>
+            <a:ext cx="5404237" cy="0"/>
+          </a:xfrm>
+          <a:prstGeom prst="line">
+            <a:avLst/>
+          </a:prstGeom>
+          <a:ln>
+            <a:solidFill>
+              <a:schemeClr val="bg1"/>
+            </a:solidFill>
+          </a:ln>
+          <a:effectLst>
+            <a:outerShdw blurRad="50800" dist="38100" dir="2700000" algn="tl" rotWithShape="0">
+              <a:prstClr val="black">
+                <a:alpha val="40000"/>
+              </a:prstClr>
+            </a:outerShdw>
+          </a:effectLst>
+        </p:spPr>
+        <p:style>
+          <a:lnRef idx="1">
+            <a:schemeClr val="accent1"/>
+          </a:lnRef>
+          <a:fillRef idx="0">
+            <a:schemeClr val="accent1"/>
+          </a:fillRef>
+          <a:effectRef idx="0">
+            <a:schemeClr val="accent1"/>
+          </a:effectRef>
+          <a:fontRef idx="minor">
+            <a:schemeClr val="tx1"/>
+          </a:fontRef>
+        </p:style>
+      </p:cxnSp>
+    </p:spTree>
+    <p:extLst>
+      <p:ext uri="{BB962C8B-B14F-4D97-AF65-F5344CB8AC3E}">
+        <p14:creationId xmlns:p14="http://schemas.microsoft.com/office/powerpoint/2010/main" val="590300266"/>
+      </p:ext>
+    </p:extLst>
+  </p:cSld>
+  <p:clrMapOvr>
+    <a:masterClrMapping/>
+  </p:clrMapOvr>
+  <p:timing>
+    <p:tnLst>
+      <p:par>
+        <p:cTn id="1" dur="indefinite" restart="never" nodeType="tmRoot">
+          <p:childTnLst>
+            <p:seq concurrent="1" nextAc="seek">
+              <p:cTn id="2" dur="indefinite" nodeType="mainSeq">
+                <p:childTnLst>
+                  <p:par>
+                    <p:cTn id="3" fill="hold">
+                      <p:stCondLst>
+                        <p:cond delay="indefinite"/>
+                        <p:cond evt="onBegin" delay="0">
+                          <p:tn val="2"/>
+                        </p:cond>
+                      </p:stCondLst>
+                      <p:childTnLst>
+                        <p:par>
+                          <p:cTn id="4" fill="hold">
+                            <p:stCondLst>
+                              <p:cond delay="0"/>
+                            </p:stCondLst>
+                            <p:childTnLst>
+                              <p:par>
+                                <p:cTn id="5" presetID="10" presetClass="entr" presetSubtype="0" fill="hold" grpId="0" nodeType="withEffect">
+                                  <p:stCondLst>
+                                    <p:cond delay="1000"/>
+                                  </p:stCondLst>
+                                  <p:iterate type="lt">
+                                    <p:tmPct val="10000"/>
+                                  </p:iterate>
+                                  <p:childTnLst>
+                                    <p:set>
+                                      <p:cBhvr>
+                                        <p:cTn id="6" dur="1" fill="hold">
+                                          <p:stCondLst>
+                                            <p:cond delay="0"/>
+                                          </p:stCondLst>
+                                        </p:cTn>
+                                        <p:tgtEl>
+                                          <p:spTgt spid="2"/>
+                                        </p:tgtEl>
+                                        <p:attrNameLst>
+                                          <p:attrName>style.visibility</p:attrName>
+                                        </p:attrNameLst>
+                                      </p:cBhvr>
+                                      <p:to>
+                                        <p:strVal val="visible"/>
+                                      </p:to>
+                                    </p:set>
+                                    <p:animEffect transition="in" filter="fade">
+                                      <p:cBhvr>
+                                        <p:cTn id="7" dur="400"/>
+                                        <p:tgtEl>
+                                          <p:spTgt spid="2"/>
+                                        </p:tgtEl>
+                                      </p:cBhvr>
+                                    </p:animEffect>
+                                  </p:childTnLst>
+                                </p:cTn>
+                              </p:par>
+                            </p:childTnLst>
+                          </p:cTn>
+                        </p:par>
+                      </p:childTnLst>
+                    </p:cTn>
+                  </p:par>
+                </p:childTnLst>
+              </p:cTn>
+              <p:prevCondLst>
+                <p:cond evt="onPrev" delay="0">
+                  <p:tgtEl>
+                    <p:sldTgt/>
+                  </p:tgtEl>
+                </p:cond>
+              </p:prevCondLst>
+              <p:nextCondLst>
+                <p:cond evt="onNext" delay="0">
+                  <p:tgtEl>
+                    <p:sldTgt/>
+                  </p:tgtEl>
+                </p:cond>
+              </p:nextCondLst>
+            </p:seq>
+          </p:childTnLst>
+        </p:cTn>
+      </p:par>
+    </p:tnLst>
+    <p:bldLst>
+      <p:bldP spid="2" grpId="0"/>
+    </p:bldLst>
+  </p:timing>
+</p:sld>
+</file>
+
+<file path=ppt/slides/slide19.xml><?xml version="1.0" encoding="utf-8"?>
+<p:sld xmlns:a="http://schemas.openxmlformats.org/drawingml/2006/main" xmlns:r="http://schemas.openxmlformats.org/officeDocument/2006/relationships" xmlns:p="http://schemas.openxmlformats.org/presentationml/2006/main">
+  <p:cSld>
+    <p:bg>
+      <p:bgPr>
+        <a:solidFill>
+          <a:schemeClr val="bg1">
+            <a:tint val="95000"/>
+            <a:satMod val="170000"/>
+          </a:schemeClr>
+        </a:solidFill>
+        <a:effectLst/>
+      </p:bgPr>
+    </p:bg>
+    <p:spTree>
+      <p:nvGrpSpPr>
+        <p:cNvPr id="1" name=""/>
+        <p:cNvGrpSpPr/>
+        <p:nvPr/>
+      </p:nvGrpSpPr>
+      <p:grpSpPr>
+        <a:xfrm>
+          <a:off x="0" y="0"/>
+          <a:ext cx="0" cy="0"/>
+          <a:chOff x="0" y="0"/>
+          <a:chExt cx="0" cy="0"/>
+        </a:xfrm>
+      </p:grpSpPr>
+      <p:sp useBgFill="1">
+        <p:nvSpPr>
+          <p:cNvPr id="17" name="Rectangle 16">
+            <a:extLst>
+              <a:ext uri="{FF2B5EF4-FFF2-40B4-BE49-F238E27FC236}">
+                <a16:creationId xmlns:a16="http://schemas.microsoft.com/office/drawing/2014/main" id="{19E301E5-1206-47D0-9CDF-72583D739089}"/>
+              </a:ext>
+              <a:ext uri="{C183D7F6-B498-43B3-948B-1728B52AA6E4}">
+                <adec:decorative xmlns:adec="http://schemas.microsoft.com/office/drawing/2017/decorative" val="1"/>
+              </a:ext>
+            </a:extLst>
+          </p:cNvPr>
+          <p:cNvSpPr>
+            <a:spLocks noGrp="1" noRot="1" noChangeAspect="1" noMove="1" noResize="1" noEditPoints="1" noAdjustHandles="1" noChangeArrowheads="1" noChangeShapeType="1" noTextEdit="1"/>
+          </p:cNvSpPr>
+          <p:nvPr>
+            <p:extLst>
+              <p:ext uri="{386F3935-93C4-4BCD-93E2-E3B085C9AB24}">
+                <p16:designElem xmlns:p16="http://schemas.microsoft.com/office/powerpoint/2015/main" val="1"/>
+              </p:ext>
+            </p:extLst>
+          </p:nvPr>
+        </p:nvSpPr>
+        <p:spPr>
+          <a:xfrm>
+            <a:off x="0" y="0"/>
+            <a:ext cx="12192000" cy="6858000"/>
+          </a:xfrm>
+          <a:prstGeom prst="rect">
+            <a:avLst/>
+          </a:prstGeom>
+          <a:ln>
+            <a:noFill/>
+          </a:ln>
+        </p:spPr>
+        <p:style>
+          <a:lnRef idx="2">
+            <a:schemeClr val="accent1">
+              <a:shade val="50000"/>
+            </a:schemeClr>
+          </a:lnRef>
+          <a:fillRef idx="1">
+            <a:schemeClr val="accent1"/>
+          </a:fillRef>
+          <a:effectRef idx="0">
+            <a:schemeClr val="accent1"/>
+          </a:effectRef>
+          <a:fontRef idx="minor">
+            <a:schemeClr val="lt1"/>
+          </a:fontRef>
+        </p:style>
+        <p:txBody>
+          <a:bodyPr rtlCol="0" anchor="ctr"/>
+          <a:lstStyle/>
+          <a:p>
+            <a:pPr algn="ctr"/>
+            <a:endParaRPr lang="en-US"/>
+          </a:p>
+        </p:txBody>
+      </p:sp>
+      <p:sp>
+        <p:nvSpPr>
+          <p:cNvPr id="19" name="Rectangle 18">
+            <a:extLst>
+              <a:ext uri="{FF2B5EF4-FFF2-40B4-BE49-F238E27FC236}">
+                <a16:creationId xmlns:a16="http://schemas.microsoft.com/office/drawing/2014/main" id="{AFA31FBE-7948-4384-B68A-75DEFDC4955A}"/>
+              </a:ext>
+              <a:ext uri="{C183D7F6-B498-43B3-948B-1728B52AA6E4}">
+                <adec:decorative xmlns:adec="http://schemas.microsoft.com/office/drawing/2017/decorative" val="1"/>
+              </a:ext>
+            </a:extLst>
+          </p:cNvPr>
+          <p:cNvSpPr>
+            <a:spLocks noGrp="1" noRot="1" noChangeAspect="1" noMove="1" noResize="1" noEditPoints="1" noAdjustHandles="1" noChangeArrowheads="1" noChangeShapeType="1" noTextEdit="1"/>
+          </p:cNvSpPr>
+          <p:nvPr>
+            <p:extLst>
+              <p:ext uri="{386F3935-93C4-4BCD-93E2-E3B085C9AB24}">
+                <p16:designElem xmlns:p16="http://schemas.microsoft.com/office/powerpoint/2015/main" val="1"/>
+              </p:ext>
+            </p:extLst>
+          </p:nvPr>
+        </p:nvSpPr>
+        <p:spPr>
+          <a:xfrm>
+            <a:off x="477012" y="480060"/>
+            <a:ext cx="11237976" cy="5897880"/>
+          </a:xfrm>
+          <a:prstGeom prst="rect">
+            <a:avLst/>
+          </a:prstGeom>
+          <a:noFill/>
+          <a:ln>
+            <a:solidFill>
+              <a:schemeClr val="tx1"/>
+            </a:solidFill>
+          </a:ln>
+        </p:spPr>
+        <p:style>
+          <a:lnRef idx="2">
+            <a:schemeClr val="accent1">
+              <a:shade val="50000"/>
+            </a:schemeClr>
+          </a:lnRef>
+          <a:fillRef idx="1">
+            <a:schemeClr val="accent1"/>
+          </a:fillRef>
+          <a:effectRef idx="0">
+            <a:schemeClr val="accent1"/>
+          </a:effectRef>
+          <a:fontRef idx="minor">
+            <a:schemeClr val="lt1"/>
+          </a:fontRef>
+        </p:style>
+        <p:txBody>
+          <a:bodyPr rtlCol="0" anchor="ctr"/>
+          <a:lstStyle/>
+          <a:p>
+            <a:pPr algn="ctr"/>
+            <a:endParaRPr lang="en-US"/>
+          </a:p>
+        </p:txBody>
+      </p:sp>
+      <p:pic>
+        <p:nvPicPr>
+          <p:cNvPr id="5" name="Picture 4">
+            <a:extLst>
+              <a:ext uri="{FF2B5EF4-FFF2-40B4-BE49-F238E27FC236}">
+                <a16:creationId xmlns:a16="http://schemas.microsoft.com/office/drawing/2014/main" id="{3A153F54-41C4-46E0-7FB2-B4A9873311B2}"/>
+              </a:ext>
+            </a:extLst>
+          </p:cNvPr>
+          <p:cNvPicPr>
+            <a:picLocks noChangeAspect="1"/>
+          </p:cNvPicPr>
+          <p:nvPr/>
+        </p:nvPicPr>
+        <p:blipFill rotWithShape="1">
+          <a:blip r:embed="rId2"/>
+          <a:srcRect r="4" b="6144"/>
+          <a:stretch/>
+        </p:blipFill>
+        <p:spPr>
+          <a:xfrm>
+            <a:off x="641276" y="643467"/>
+            <a:ext cx="4013020" cy="2702558"/>
+          </a:xfrm>
+          <a:prstGeom prst="rect">
+            <a:avLst/>
+          </a:prstGeom>
+        </p:spPr>
+      </p:pic>
+      <p:pic>
+        <p:nvPicPr>
+          <p:cNvPr id="3" name="Picture 2">
+            <a:extLst>
+              <a:ext uri="{FF2B5EF4-FFF2-40B4-BE49-F238E27FC236}">
+                <a16:creationId xmlns:a16="http://schemas.microsoft.com/office/drawing/2014/main" id="{78B3A1E8-D07E-23A2-5BC2-36FD90A4AF9B}"/>
+              </a:ext>
+            </a:extLst>
+          </p:cNvPr>
+          <p:cNvPicPr>
+            <a:picLocks noChangeAspect="1"/>
+          </p:cNvPicPr>
+          <p:nvPr/>
+        </p:nvPicPr>
+        <p:blipFill rotWithShape="1">
+          <a:blip r:embed="rId3"/>
+          <a:srcRect t="2254" r="-1" b="-1"/>
+          <a:stretch/>
+        </p:blipFill>
+        <p:spPr>
+          <a:xfrm>
+            <a:off x="643467" y="3509433"/>
+            <a:ext cx="4010830" cy="2705099"/>
+          </a:xfrm>
+          <a:prstGeom prst="rect">
+            <a:avLst/>
+          </a:prstGeom>
+        </p:spPr>
+      </p:pic>
+      <p:pic>
+        <p:nvPicPr>
+          <p:cNvPr id="7" name="Picture 6">
+            <a:extLst>
+              <a:ext uri="{FF2B5EF4-FFF2-40B4-BE49-F238E27FC236}">
+                <a16:creationId xmlns:a16="http://schemas.microsoft.com/office/drawing/2014/main" id="{CCD5007E-8008-DB8C-9B0C-088ED69CD8CB}"/>
+              </a:ext>
+            </a:extLst>
+          </p:cNvPr>
+          <p:cNvPicPr>
+            <a:picLocks noChangeAspect="1"/>
+          </p:cNvPicPr>
+          <p:nvPr/>
+        </p:nvPicPr>
+        <p:blipFill rotWithShape="1">
+          <a:blip r:embed="rId4"/>
+          <a:srcRect r="15062" b="1"/>
+          <a:stretch/>
+        </p:blipFill>
+        <p:spPr>
+          <a:xfrm>
+            <a:off x="4812633" y="643467"/>
+            <a:ext cx="6735900" cy="5571066"/>
+          </a:xfrm>
+          <a:prstGeom prst="rect">
+            <a:avLst/>
+          </a:prstGeom>
+        </p:spPr>
+      </p:pic>
+    </p:spTree>
+    <p:extLst>
+      <p:ext uri="{BB962C8B-B14F-4D97-AF65-F5344CB8AC3E}">
+        <p14:creationId xmlns:p14="http://schemas.microsoft.com/office/powerpoint/2010/main" val="1528911241"/>
+      </p:ext>
+    </p:extLst>
+  </p:cSld>
+  <p:clrMapOvr>
+    <a:overrideClrMapping bg1="dk1" tx1="lt1" bg2="dk2" tx2="lt2" accent1="accent1" accent2="accent2" accent3="accent3" accent4="accent4" accent5="accent5" accent6="accent6" hlink="hlink" folHlink="folHlink"/>
+  </p:clrMapOvr>
+</p:sld>
+</file>
+
+<file path=ppt/slides/slide2.xml><?xml version="1.0" encoding="utf-8"?>
+<p:sld xmlns:a="http://schemas.openxmlformats.org/drawingml/2006/main" xmlns:r="http://schemas.openxmlformats.org/officeDocument/2006/relationships" xmlns:p="http://schemas.openxmlformats.org/presentationml/2006/main">
+  <p:cSld>
+    <p:spTree>
+      <p:nvGrpSpPr>
+        <p:cNvPr id="1" name=""/>
+        <p:cNvGrpSpPr/>
+        <p:nvPr/>
+      </p:nvGrpSpPr>
+      <p:grpSpPr>
+        <a:xfrm>
+          <a:off x="0" y="0"/>
+          <a:ext cx="0" cy="0"/>
+          <a:chOff x="0" y="0"/>
+          <a:chExt cx="0" cy="0"/>
+        </a:xfrm>
+      </p:grpSpPr>
+      <p:sp>
+        <p:nvSpPr>
+          <p:cNvPr id="2" name="Title 1">
+            <a:extLst>
+              <a:ext uri="{FF2B5EF4-FFF2-40B4-BE49-F238E27FC236}">
+                <a16:creationId xmlns:a16="http://schemas.microsoft.com/office/drawing/2014/main" id="{17AB0D97-EA00-B311-37CC-37EAB842407E}"/>
+              </a:ext>
+            </a:extLst>
+          </p:cNvPr>
+          <p:cNvSpPr>
+            <a:spLocks noGrp="1"/>
+          </p:cNvSpPr>
+          <p:nvPr>
+            <p:ph type="title"/>
+          </p:nvPr>
+        </p:nvSpPr>
+        <p:spPr/>
+        <p:txBody>
+          <a:bodyPr/>
+          <a:lstStyle/>
+          <a:p>
+            <a:r>
+              <a:rPr lang="en-GB" dirty="0"/>
+              <a:t>Agenda</a:t>
+            </a:r>
+          </a:p>
+        </p:txBody>
+      </p:sp>
+      <p:sp>
+        <p:nvSpPr>
+          <p:cNvPr id="3" name="Content Placeholder 2">
+            <a:extLst>
+              <a:ext uri="{FF2B5EF4-FFF2-40B4-BE49-F238E27FC236}">
+                <a16:creationId xmlns:a16="http://schemas.microsoft.com/office/drawing/2014/main" id="{531CD239-0868-BC28-4787-705D64541A5D}"/>
+              </a:ext>
+            </a:extLst>
+          </p:cNvPr>
+          <p:cNvSpPr>
+            <a:spLocks noGrp="1"/>
+          </p:cNvSpPr>
+          <p:nvPr>
+            <p:ph idx="1"/>
+          </p:nvPr>
+        </p:nvSpPr>
+        <p:spPr/>
+        <p:txBody>
+          <a:bodyPr>
+            <a:normAutofit fontScale="70000" lnSpcReduction="20000"/>
+          </a:bodyPr>
+          <a:lstStyle/>
+          <a:p>
+            <a:r>
+              <a:rPr lang="en-GB" dirty="0"/>
+              <a:t>Summary</a:t>
+            </a:r>
+          </a:p>
+          <a:p>
+            <a:r>
+              <a:rPr lang="en-GB" dirty="0"/>
+              <a:t>Why is time-series forecasting important? (slide3)</a:t>
+            </a:r>
+          </a:p>
+          <a:p>
+            <a:r>
+              <a:rPr lang="en-GB" dirty="0"/>
+              <a:t>Why is there a need for another way of doing time-series forecasting? (slide4)</a:t>
+            </a:r>
+          </a:p>
+          <a:p>
+            <a:r>
+              <a:rPr lang="en-GB" dirty="0"/>
+              <a:t>What is the solution to the previous question? – Answer: (slide 4)</a:t>
+            </a:r>
+          </a:p>
+          <a:p>
+            <a:r>
+              <a:rPr lang="en-GB" dirty="0"/>
+              <a:t>What are TSFMs? (slide 5)</a:t>
+            </a:r>
+          </a:p>
+          <a:p>
+            <a:r>
+              <a:rPr lang="en-GB" dirty="0"/>
+              <a:t>Which are the best / most popular TSFMs? (slides 6 and 7)</a:t>
+            </a:r>
+          </a:p>
+          <a:p>
+            <a:r>
+              <a:rPr lang="en-GB" dirty="0"/>
+              <a:t>HOW are we going to figure out if they are useful in Finance? (slide 8)</a:t>
+            </a:r>
+          </a:p>
+          <a:p>
+            <a:pPr lvl="1"/>
+            <a:r>
+              <a:rPr lang="en-GB" dirty="0"/>
+              <a:t>How do we evaluate time-series forecasting performance? (slide 9)</a:t>
+            </a:r>
+          </a:p>
+          <a:p>
+            <a:pPr lvl="1"/>
+            <a:r>
+              <a:rPr lang="en-GB" dirty="0"/>
+              <a:t>What do we compare TSFMs with? (slide 10)</a:t>
+            </a:r>
+          </a:p>
+          <a:p>
+            <a:pPr lvl="1"/>
+            <a:r>
+              <a:rPr lang="en-GB" dirty="0"/>
+              <a:t>How do we set up the experiment? (slide 11)</a:t>
+            </a:r>
+          </a:p>
+          <a:p>
+            <a:r>
+              <a:rPr lang="en-GB" dirty="0"/>
+              <a:t>What have we done so far? (slides 12 and 13)</a:t>
+            </a:r>
+          </a:p>
+          <a:p>
+            <a:r>
+              <a:rPr lang="en-GB" dirty="0"/>
+              <a:t>What should we do in the future? (slides 14 and 15)</a:t>
+            </a:r>
+          </a:p>
+          <a:p>
+            <a:r>
+              <a:rPr lang="en-GB" dirty="0"/>
+              <a:t>What does the future schedule look like? (slides 16 and 17)</a:t>
+            </a:r>
+          </a:p>
+          <a:p>
+            <a:endParaRPr lang="en-GB" dirty="0"/>
+          </a:p>
+          <a:p>
+            <a:pPr lvl="1"/>
+            <a:endParaRPr lang="en-GB" dirty="0"/>
+          </a:p>
+        </p:txBody>
+      </p:sp>
+    </p:spTree>
+    <p:extLst>
+      <p:ext uri="{BB962C8B-B14F-4D97-AF65-F5344CB8AC3E}">
+        <p14:creationId xmlns:p14="http://schemas.microsoft.com/office/powerpoint/2010/main" val="3169601364"/>
+      </p:ext>
+    </p:extLst>
+  </p:cSld>
+  <p:clrMapOvr>
+    <a:masterClrMapping/>
+  </p:clrMapOvr>
+</p:sld>
+</file>
+
+<file path=ppt/slides/slide20.xml><?xml version="1.0" encoding="utf-8"?>
 <p:sld xmlns:a="http://schemas.openxmlformats.org/drawingml/2006/main" xmlns:r="http://schemas.openxmlformats.org/officeDocument/2006/relationships" xmlns:p="http://schemas.openxmlformats.org/presentationml/2006/main">
   <p:cSld>
     <p:bg>
@@ -23529,39 +29820,17 @@
 </p:sld>
 </file>
 
-<file path=ppt/slides/slide16.xml><?xml version="1.0" encoding="utf-8"?>
+<file path=ppt/slides/slide21.xml><?xml version="1.0" encoding="utf-8"?>
 <p:sld xmlns:a="http://schemas.openxmlformats.org/drawingml/2006/main" xmlns:r="http://schemas.openxmlformats.org/officeDocument/2006/relationships" xmlns:p="http://schemas.openxmlformats.org/presentationml/2006/main">
   <p:cSld>
-    <p:spTree>
-      <p:nvGrpSpPr>
-        <p:cNvPr id="1" name=""/>
-        <p:cNvGrpSpPr/>
-        <p:nvPr/>
-      </p:nvGrpSpPr>
-      <p:grpSpPr>
-        <a:xfrm>
-          <a:off x="0" y="0"/>
-          <a:ext cx="0" cy="0"/>
-          <a:chOff x="0" y="0"/>
-          <a:chExt cx="0" cy="0"/>
-        </a:xfrm>
-      </p:grpSpPr>
-    </p:spTree>
-    <p:extLst>
-      <p:ext uri="{BB962C8B-B14F-4D97-AF65-F5344CB8AC3E}">
-        <p14:creationId xmlns:p14="http://schemas.microsoft.com/office/powerpoint/2010/main" val="326027777"/>
-      </p:ext>
-    </p:extLst>
-  </p:cSld>
-  <p:clrMapOvr>
-    <a:masterClrMapping/>
-  </p:clrMapOvr>
-</p:sld>
-</file>
-
-<file path=ppt/slides/slide2.xml><?xml version="1.0" encoding="utf-8"?>
-<p:sld xmlns:a="http://schemas.openxmlformats.org/drawingml/2006/main" xmlns:r="http://schemas.openxmlformats.org/officeDocument/2006/relationships" xmlns:p="http://schemas.openxmlformats.org/presentationml/2006/main">
-  <p:cSld>
+    <p:bg>
+      <p:bgPr>
+        <a:solidFill>
+          <a:schemeClr val="bg1"/>
+        </a:solidFill>
+        <a:effectLst/>
+      </p:bgPr>
+    </p:bg>
     <p:spTree>
       <p:nvGrpSpPr>
         <p:cNvPr id="1" name=""/>
@@ -23578,148 +29847,434 @@
       </p:grpSpPr>
       <p:sp>
         <p:nvSpPr>
-          <p:cNvPr id="2" name="Title 1">
+          <p:cNvPr id="11" name="Rectangle 10">
             <a:extLst>
               <a:ext uri="{FF2B5EF4-FFF2-40B4-BE49-F238E27FC236}">
-                <a16:creationId xmlns:a16="http://schemas.microsoft.com/office/drawing/2014/main" id="{17AB0D97-EA00-B311-37CC-37EAB842407E}"/>
+                <a16:creationId xmlns:a16="http://schemas.microsoft.com/office/drawing/2014/main" id="{1259A422-0023-4292-8200-E080556F30F9}"/>
+              </a:ext>
+              <a:ext uri="{C183D7F6-B498-43B3-948B-1728B52AA6E4}">
+                <adec:decorative xmlns:adec="http://schemas.microsoft.com/office/drawing/2017/decorative" val="1"/>
               </a:ext>
             </a:extLst>
           </p:cNvPr>
           <p:cNvSpPr>
-            <a:spLocks noGrp="1"/>
+            <a:spLocks noGrp="1" noRot="1" noChangeAspect="1" noMove="1" noResize="1" noEditPoints="1" noAdjustHandles="1" noChangeArrowheads="1" noChangeShapeType="1" noTextEdit="1"/>
           </p:cNvSpPr>
           <p:nvPr>
-            <p:ph type="title"/>
+            <p:extLst>
+              <p:ext uri="{386F3935-93C4-4BCD-93E2-E3B085C9AB24}">
+                <p16:designElem xmlns:p16="http://schemas.microsoft.com/office/powerpoint/2015/main" val="1"/>
+              </p:ext>
+            </p:extLst>
           </p:nvPr>
         </p:nvSpPr>
-        <p:spPr/>
+        <p:spPr>
+          <a:xfrm>
+            <a:off x="0" y="0"/>
+            <a:ext cx="12192000" cy="6858000"/>
+          </a:xfrm>
+          <a:prstGeom prst="rect">
+            <a:avLst/>
+          </a:prstGeom>
+          <a:solidFill>
+            <a:srgbClr val="47B56E"/>
+          </a:solidFill>
+          <a:ln>
+            <a:noFill/>
+          </a:ln>
+        </p:spPr>
+        <p:style>
+          <a:lnRef idx="2">
+            <a:schemeClr val="accent1">
+              <a:shade val="50000"/>
+            </a:schemeClr>
+          </a:lnRef>
+          <a:fillRef idx="1">
+            <a:schemeClr val="accent1"/>
+          </a:fillRef>
+          <a:effectRef idx="0">
+            <a:schemeClr val="accent1"/>
+          </a:effectRef>
+          <a:fontRef idx="minor">
+            <a:schemeClr val="lt1"/>
+          </a:fontRef>
+        </p:style>
         <p:txBody>
-          <a:bodyPr/>
+          <a:bodyPr rtlCol="0" anchor="ctr"/>
           <a:lstStyle/>
           <a:p>
-            <a:r>
-              <a:rPr lang="en-GB" dirty="0"/>
-              <a:t>Agenda</a:t>
-            </a:r>
+            <a:pPr algn="ctr"/>
+            <a:endParaRPr lang="en-US"/>
           </a:p>
         </p:txBody>
       </p:sp>
       <p:sp>
         <p:nvSpPr>
-          <p:cNvPr id="3" name="Content Placeholder 2">
+          <p:cNvPr id="13" name="Rectangle 12">
             <a:extLst>
               <a:ext uri="{FF2B5EF4-FFF2-40B4-BE49-F238E27FC236}">
-                <a16:creationId xmlns:a16="http://schemas.microsoft.com/office/drawing/2014/main" id="{531CD239-0868-BC28-4787-705D64541A5D}"/>
+                <a16:creationId xmlns:a16="http://schemas.microsoft.com/office/drawing/2014/main" id="{A2413CA5-4739-4BC9-8BB3-B0A4928D314F}"/>
+              </a:ext>
+              <a:ext uri="{C183D7F6-B498-43B3-948B-1728B52AA6E4}">
+                <adec:decorative xmlns:adec="http://schemas.microsoft.com/office/drawing/2017/decorative" val="1"/>
               </a:ext>
             </a:extLst>
           </p:cNvPr>
           <p:cNvSpPr>
-            <a:spLocks noGrp="1"/>
+            <a:spLocks noGrp="1" noRot="1" noChangeAspect="1" noMove="1" noResize="1" noEditPoints="1" noAdjustHandles="1" noChangeArrowheads="1" noChangeShapeType="1" noTextEdit="1"/>
           </p:cNvSpPr>
           <p:nvPr>
-            <p:ph idx="1"/>
+            <p:extLst>
+              <p:ext uri="{386F3935-93C4-4BCD-93E2-E3B085C9AB24}">
+                <p16:designElem xmlns:p16="http://schemas.microsoft.com/office/powerpoint/2015/main" val="1"/>
+              </p:ext>
+            </p:extLst>
           </p:nvPr>
         </p:nvSpPr>
-        <p:spPr/>
+        <p:spPr>
+          <a:xfrm>
+            <a:off x="477012" y="480060"/>
+            <a:ext cx="11237976" cy="5897880"/>
+          </a:xfrm>
+          <a:prstGeom prst="rect">
+            <a:avLst/>
+          </a:prstGeom>
+          <a:solidFill>
+            <a:srgbClr val="FFFFFF"/>
+          </a:solidFill>
+          <a:ln>
+            <a:noFill/>
+          </a:ln>
+        </p:spPr>
+        <p:style>
+          <a:lnRef idx="2">
+            <a:schemeClr val="accent1">
+              <a:shade val="50000"/>
+            </a:schemeClr>
+          </a:lnRef>
+          <a:fillRef idx="1">
+            <a:schemeClr val="accent1"/>
+          </a:fillRef>
+          <a:effectRef idx="0">
+            <a:schemeClr val="accent1"/>
+          </a:effectRef>
+          <a:fontRef idx="minor">
+            <a:schemeClr val="lt1"/>
+          </a:fontRef>
+        </p:style>
         <p:txBody>
-          <a:bodyPr>
-            <a:normAutofit fontScale="70000" lnSpcReduction="20000"/>
+          <a:bodyPr rtlCol="0" anchor="ctr"/>
+          <a:lstStyle/>
+          <a:p>
+            <a:pPr algn="ctr"/>
+            <a:endParaRPr lang="en-US"/>
+          </a:p>
+        </p:txBody>
+      </p:sp>
+      <p:graphicFrame>
+        <p:nvGraphicFramePr>
+          <p:cNvPr id="19" name="Content Placeholder 2">
+            <a:extLst>
+              <a:ext uri="{FF2B5EF4-FFF2-40B4-BE49-F238E27FC236}">
+                <a16:creationId xmlns:a16="http://schemas.microsoft.com/office/drawing/2014/main" id="{2121DBF9-828B-9CD1-AEC1-CE27B9A90097}"/>
+              </a:ext>
+            </a:extLst>
+          </p:cNvPr>
+          <p:cNvGraphicFramePr>
+            <a:graphicFrameLocks/>
+          </p:cNvGraphicFramePr>
+          <p:nvPr>
+            <p:extLst>
+              <p:ext uri="{D42A27DB-BD31-4B8C-83A1-F6EECF244321}">
+                <p14:modId xmlns:p14="http://schemas.microsoft.com/office/powerpoint/2010/main" val="2976895272"/>
+              </p:ext>
+            </p:extLst>
+          </p:nvPr>
+        </p:nvGraphicFramePr>
+        <p:xfrm>
+          <a:off x="2121669" y="647455"/>
+          <a:ext cx="7948662" cy="5567078"/>
+        </p:xfrm>
+        <a:graphic>
+          <a:graphicData uri="http://schemas.openxmlformats.org/drawingml/2006/diagram">
+            <dgm:relIds xmlns:dgm="http://schemas.openxmlformats.org/drawingml/2006/diagram" xmlns:r="http://schemas.openxmlformats.org/officeDocument/2006/relationships" r:dm="rId2" r:lo="rId3" r:qs="rId4" r:cs="rId5"/>
+          </a:graphicData>
+        </a:graphic>
+      </p:graphicFrame>
+      <p:sp>
+        <p:nvSpPr>
+          <p:cNvPr id="4" name="TextBox 3">
+            <a:extLst>
+              <a:ext uri="{FF2B5EF4-FFF2-40B4-BE49-F238E27FC236}">
+                <a16:creationId xmlns:a16="http://schemas.microsoft.com/office/drawing/2014/main" id="{64EDBA16-30C7-A93D-0675-D77AAB94A966}"/>
+              </a:ext>
+            </a:extLst>
+          </p:cNvPr>
+          <p:cNvSpPr txBox="1"/>
+          <p:nvPr/>
+        </p:nvSpPr>
+        <p:spPr>
+          <a:xfrm>
+            <a:off x="8490663" y="643467"/>
+            <a:ext cx="1579668" cy="982320"/>
+          </a:xfrm>
+          <a:prstGeom prst="rect">
+            <a:avLst/>
+          </a:prstGeom>
+          <a:noFill/>
+        </p:spPr>
+        <p:txBody>
+          <a:bodyPr wrap="square" rtlCol="0">
+            <a:spAutoFit/>
           </a:bodyPr>
           <a:lstStyle/>
           <a:p>
+            <a:pPr marL="204026" indent="-204026" defTabSz="1088136">
+              <a:spcAft>
+                <a:spcPts val="600"/>
+              </a:spcAft>
+              <a:buFont typeface="Arial" panose="020B0604020202020204" pitchFamily="34" charset="0"/>
+              <a:buChar char="•"/>
+            </a:pPr>
             <a:r>
-              <a:rPr lang="en-GB" dirty="0"/>
-              <a:t>Summary</a:t>
+              <a:rPr lang="en-GB" sz="1071" kern="1200" dirty="0" err="1">
+                <a:solidFill>
+                  <a:schemeClr val="tx1"/>
+                </a:solidFill>
+                <a:latin typeface="+mn-lt"/>
+                <a:ea typeface="+mn-ea"/>
+                <a:cs typeface="+mn-cs"/>
+              </a:rPr>
+              <a:t>TimeGPT</a:t>
+            </a:r>
+            <a:endParaRPr lang="en-GB" sz="1071" kern="1200" dirty="0">
+              <a:solidFill>
+                <a:schemeClr val="tx1"/>
+              </a:solidFill>
+              <a:latin typeface="+mn-lt"/>
+              <a:ea typeface="+mn-ea"/>
+              <a:cs typeface="+mn-cs"/>
+            </a:endParaRPr>
+          </a:p>
+          <a:p>
+            <a:pPr marL="204026" indent="-204026" defTabSz="1088136">
+              <a:spcAft>
+                <a:spcPts val="600"/>
+              </a:spcAft>
+              <a:buFont typeface="Arial" panose="020B0604020202020204" pitchFamily="34" charset="0"/>
+              <a:buChar char="•"/>
+            </a:pPr>
+            <a:r>
+              <a:rPr lang="en-GB" sz="1071" kern="1200" dirty="0" err="1">
+                <a:solidFill>
+                  <a:schemeClr val="tx1"/>
+                </a:solidFill>
+                <a:latin typeface="+mn-lt"/>
+                <a:ea typeface="+mn-ea"/>
+                <a:cs typeface="+mn-cs"/>
+              </a:rPr>
+              <a:t>XGBoost</a:t>
+            </a:r>
+            <a:endParaRPr lang="en-GB" sz="1071" kern="1200" dirty="0">
+              <a:solidFill>
+                <a:schemeClr val="tx1"/>
+              </a:solidFill>
+              <a:latin typeface="+mn-lt"/>
+              <a:ea typeface="+mn-ea"/>
+              <a:cs typeface="+mn-cs"/>
+            </a:endParaRPr>
+          </a:p>
+          <a:p>
+            <a:pPr marL="204026" indent="-204026" defTabSz="1088136">
+              <a:spcAft>
+                <a:spcPts val="600"/>
+              </a:spcAft>
+              <a:buFont typeface="Arial" panose="020B0604020202020204" pitchFamily="34" charset="0"/>
+              <a:buChar char="•"/>
+            </a:pPr>
+            <a:r>
+              <a:rPr lang="en-GB" sz="1071" kern="1200" dirty="0" err="1">
+                <a:solidFill>
+                  <a:schemeClr val="tx1"/>
+                </a:solidFill>
+                <a:latin typeface="+mn-lt"/>
+                <a:ea typeface="+mn-ea"/>
+                <a:cs typeface="+mn-cs"/>
+              </a:rPr>
+              <a:t>DeepAR</a:t>
+            </a:r>
+            <a:endParaRPr lang="en-GB" sz="1071" kern="1200" dirty="0">
+              <a:solidFill>
+                <a:schemeClr val="tx1"/>
+              </a:solidFill>
+              <a:latin typeface="+mn-lt"/>
+              <a:ea typeface="+mn-ea"/>
+              <a:cs typeface="+mn-cs"/>
+            </a:endParaRPr>
+          </a:p>
+          <a:p>
+            <a:pPr marL="204026" indent="-204026" defTabSz="1088136">
+              <a:spcAft>
+                <a:spcPts val="600"/>
+              </a:spcAft>
+              <a:buFont typeface="Arial" panose="020B0604020202020204" pitchFamily="34" charset="0"/>
+              <a:buChar char="•"/>
+            </a:pPr>
+            <a:r>
+              <a:rPr lang="en-GB" sz="1071" kern="1200" dirty="0">
+                <a:solidFill>
+                  <a:schemeClr val="tx1"/>
+                </a:solidFill>
+                <a:latin typeface="+mn-lt"/>
+                <a:ea typeface="+mn-ea"/>
+                <a:cs typeface="+mn-cs"/>
+              </a:rPr>
+              <a:t>Prophet</a:t>
+            </a:r>
+            <a:endParaRPr lang="en-GB" sz="900" dirty="0"/>
+          </a:p>
+        </p:txBody>
+      </p:sp>
+      <p:sp>
+        <p:nvSpPr>
+          <p:cNvPr id="6" name="TextBox 5">
+            <a:extLst>
+              <a:ext uri="{FF2B5EF4-FFF2-40B4-BE49-F238E27FC236}">
+                <a16:creationId xmlns:a16="http://schemas.microsoft.com/office/drawing/2014/main" id="{10E08BFE-25E4-1F0C-6B60-4EB95A5E5D46}"/>
+              </a:ext>
+            </a:extLst>
+          </p:cNvPr>
+          <p:cNvSpPr txBox="1"/>
+          <p:nvPr/>
+        </p:nvSpPr>
+        <p:spPr>
+          <a:xfrm>
+            <a:off x="8490663" y="1789194"/>
+            <a:ext cx="1502262" cy="1439497"/>
+          </a:xfrm>
+          <a:prstGeom prst="rect">
+            <a:avLst/>
+          </a:prstGeom>
+          <a:noFill/>
+        </p:spPr>
+        <p:txBody>
+          <a:bodyPr wrap="square" rtlCol="0">
+            <a:spAutoFit/>
+          </a:bodyPr>
+          <a:lstStyle/>
+          <a:p>
+            <a:pPr marL="204026" indent="-204026" defTabSz="1088136">
+              <a:spcAft>
+                <a:spcPts val="600"/>
+              </a:spcAft>
+              <a:buFont typeface="Arial" panose="020B0604020202020204" pitchFamily="34" charset="0"/>
+              <a:buChar char="•"/>
+            </a:pPr>
+            <a:r>
+              <a:rPr lang="en-GB" sz="1071" kern="1200" dirty="0">
+                <a:solidFill>
+                  <a:schemeClr val="tx1"/>
+                </a:solidFill>
+                <a:latin typeface="+mn-lt"/>
+                <a:ea typeface="+mn-ea"/>
+                <a:cs typeface="+mn-cs"/>
+              </a:rPr>
+              <a:t>Exchange rates</a:t>
             </a:r>
           </a:p>
           <a:p>
+            <a:pPr marL="204026" indent="-204026" defTabSz="1088136">
+              <a:spcAft>
+                <a:spcPts val="600"/>
+              </a:spcAft>
+              <a:buFont typeface="Arial" panose="020B0604020202020204" pitchFamily="34" charset="0"/>
+              <a:buChar char="•"/>
+            </a:pPr>
             <a:r>
-              <a:rPr lang="en-GB" dirty="0"/>
-              <a:t>Why is time-series forecasting important? (slide3)</a:t>
+              <a:rPr lang="en-GB" sz="1071" kern="1200" dirty="0">
+                <a:solidFill>
+                  <a:schemeClr val="tx1"/>
+                </a:solidFill>
+                <a:latin typeface="+mn-lt"/>
+                <a:ea typeface="+mn-ea"/>
+                <a:cs typeface="+mn-cs"/>
+              </a:rPr>
+              <a:t>Interest rates</a:t>
             </a:r>
           </a:p>
           <a:p>
+            <a:pPr marL="204026" indent="-204026" defTabSz="1088136">
+              <a:spcAft>
+                <a:spcPts val="600"/>
+              </a:spcAft>
+              <a:buFont typeface="Arial" panose="020B0604020202020204" pitchFamily="34" charset="0"/>
+              <a:buChar char="•"/>
+            </a:pPr>
             <a:r>
-              <a:rPr lang="en-GB" dirty="0"/>
-              <a:t>Why is there a need for another way of doing time-series forecasting? (slide4)</a:t>
+              <a:rPr lang="en-GB" sz="1071" kern="1200" dirty="0">
+                <a:solidFill>
+                  <a:schemeClr val="tx1"/>
+                </a:solidFill>
+                <a:latin typeface="+mn-lt"/>
+                <a:ea typeface="+mn-ea"/>
+                <a:cs typeface="+mn-cs"/>
+              </a:rPr>
+              <a:t>Volatility</a:t>
             </a:r>
           </a:p>
           <a:p>
+            <a:pPr marL="204026" indent="-204026" defTabSz="1088136">
+              <a:spcAft>
+                <a:spcPts val="600"/>
+              </a:spcAft>
+              <a:buFont typeface="Arial" panose="020B0604020202020204" pitchFamily="34" charset="0"/>
+              <a:buChar char="•"/>
+            </a:pPr>
             <a:r>
-              <a:rPr lang="en-GB" dirty="0"/>
-              <a:t>What is the solution to the previous question? – Answer: (slide 4)</a:t>
+              <a:rPr lang="en-GB" sz="1071" kern="1200" dirty="0">
+                <a:solidFill>
+                  <a:schemeClr val="tx1"/>
+                </a:solidFill>
+                <a:latin typeface="+mn-lt"/>
+                <a:ea typeface="+mn-ea"/>
+                <a:cs typeface="+mn-cs"/>
+              </a:rPr>
+              <a:t>Trading volumes</a:t>
             </a:r>
           </a:p>
           <a:p>
-            <a:r>
-              <a:rPr lang="en-GB" dirty="0"/>
-              <a:t>What are TSFMs? (slide 5)</a:t>
-            </a:r>
+            <a:pPr marL="204026" indent="-204026" defTabSz="1088136">
+              <a:spcAft>
+                <a:spcPts val="600"/>
+              </a:spcAft>
+              <a:buFont typeface="Arial" panose="020B0604020202020204" pitchFamily="34" charset="0"/>
+              <a:buChar char="•"/>
+            </a:pPr>
+            <a:endParaRPr lang="en-GB" sz="1071" kern="1200" dirty="0">
+              <a:solidFill>
+                <a:schemeClr val="tx1"/>
+              </a:solidFill>
+              <a:latin typeface="+mn-lt"/>
+              <a:ea typeface="+mn-ea"/>
+              <a:cs typeface="+mn-cs"/>
+            </a:endParaRPr>
           </a:p>
           <a:p>
-            <a:r>
-              <a:rPr lang="en-GB" dirty="0"/>
-              <a:t>Which are the best / most popular TSFMs? (slides 6 and 7)</a:t>
-            </a:r>
-          </a:p>
-          <a:p>
-            <a:r>
-              <a:rPr lang="en-GB" dirty="0"/>
-              <a:t>HOW are we going to figure out if they are useful in Finance? (slide 8)</a:t>
-            </a:r>
-          </a:p>
-          <a:p>
-            <a:pPr lvl="1"/>
-            <a:r>
-              <a:rPr lang="en-GB" dirty="0"/>
-              <a:t>How do we evaluate time-series forecasting performance? (slide 9)</a:t>
-            </a:r>
-          </a:p>
-          <a:p>
-            <a:pPr lvl="1"/>
-            <a:r>
-              <a:rPr lang="en-GB" dirty="0"/>
-              <a:t>What do we compare TSFMs with? (slide 10)</a:t>
-            </a:r>
-          </a:p>
-          <a:p>
-            <a:pPr lvl="1"/>
-            <a:r>
-              <a:rPr lang="en-GB" dirty="0"/>
-              <a:t>How do we set up the experiment? (slide 11)</a:t>
-            </a:r>
-          </a:p>
-          <a:p>
-            <a:r>
-              <a:rPr lang="en-GB" dirty="0"/>
-              <a:t>What have we done so far? (slides 12 and 13)</a:t>
-            </a:r>
-          </a:p>
-          <a:p>
-            <a:r>
-              <a:rPr lang="en-GB" dirty="0"/>
-              <a:t>What should we do in the future? (slides 14 and 15)</a:t>
-            </a:r>
-          </a:p>
-          <a:p>
-            <a:r>
-              <a:rPr lang="en-GB" dirty="0"/>
-              <a:t>What does the future schedule look like? (slides 16 and 17)</a:t>
-            </a:r>
-          </a:p>
-          <a:p>
-            <a:endParaRPr lang="en-GB" dirty="0"/>
-          </a:p>
-          <a:p>
-            <a:pPr lvl="1"/>
-            <a:endParaRPr lang="en-GB" dirty="0"/>
+            <a:pPr marL="171450" indent="-171450">
+              <a:spcAft>
+                <a:spcPts val="600"/>
+              </a:spcAft>
+              <a:buFont typeface="Arial" panose="020B0604020202020204" pitchFamily="34" charset="0"/>
+              <a:buChar char="•"/>
+            </a:pPr>
+            <a:endParaRPr lang="en-GB" sz="900" dirty="0"/>
           </a:p>
         </p:txBody>
       </p:sp>
     </p:spTree>
     <p:extLst>
       <p:ext uri="{BB962C8B-B14F-4D97-AF65-F5344CB8AC3E}">
-        <p14:creationId xmlns:p14="http://schemas.microsoft.com/office/powerpoint/2010/main" val="3169601364"/>
+        <p14:creationId xmlns:p14="http://schemas.microsoft.com/office/powerpoint/2010/main" val="326027777"/>
       </p:ext>
     </p:extLst>
   </p:cSld>

--- a/17th of July Presentation.pptx
+++ b/17th of July Presentation.pptx
@@ -5,7 +5,7 @@
     <p:sldMasterId id="2147483692" r:id="rId1"/>
   </p:sldMasterIdLst>
   <p:notesMasterIdLst>
-    <p:notesMasterId r:id="rId23"/>
+    <p:notesMasterId r:id="rId26"/>
   </p:notesMasterIdLst>
   <p:sldIdLst>
     <p:sldId id="256" r:id="rId2"/>
@@ -21,14 +21,17 @@
     <p:sldId id="264" r:id="rId12"/>
     <p:sldId id="263" r:id="rId13"/>
     <p:sldId id="266" r:id="rId14"/>
-    <p:sldId id="269" r:id="rId15"/>
-    <p:sldId id="278" r:id="rId16"/>
-    <p:sldId id="279" r:id="rId17"/>
-    <p:sldId id="280" r:id="rId18"/>
-    <p:sldId id="276" r:id="rId19"/>
-    <p:sldId id="277" r:id="rId20"/>
-    <p:sldId id="270" r:id="rId21"/>
-    <p:sldId id="271" r:id="rId22"/>
+    <p:sldId id="282" r:id="rId15"/>
+    <p:sldId id="269" r:id="rId16"/>
+    <p:sldId id="278" r:id="rId17"/>
+    <p:sldId id="279" r:id="rId18"/>
+    <p:sldId id="280" r:id="rId19"/>
+    <p:sldId id="276" r:id="rId20"/>
+    <p:sldId id="284" r:id="rId21"/>
+    <p:sldId id="283" r:id="rId22"/>
+    <p:sldId id="270" r:id="rId23"/>
+    <p:sldId id="271" r:id="rId24"/>
+    <p:sldId id="281" r:id="rId25"/>
   </p:sldIdLst>
   <p:sldSz cx="12192000" cy="6858000"/>
   <p:notesSz cx="6858000" cy="9144000"/>
@@ -3906,6 +3909,753 @@
 </file>
 
 <file path=ppt/diagrams/colors6.xml><?xml version="1.0" encoding="utf-8"?>
+<dgm:colorsDef xmlns:dgm="http://schemas.openxmlformats.org/drawingml/2006/diagram" xmlns:a="http://schemas.openxmlformats.org/drawingml/2006/main" uniqueId="urn:microsoft.com/office/officeart/2005/8/colors/accent1_2">
+  <dgm:title val=""/>
+  <dgm:desc val=""/>
+  <dgm:catLst>
+    <dgm:cat type="accent1" pri="11200"/>
+  </dgm:catLst>
+  <dgm:styleLbl name="node0">
+    <dgm:fillClrLst meth="repeat">
+      <a:schemeClr val="accent1"/>
+    </dgm:fillClrLst>
+    <dgm:linClrLst meth="repeat">
+      <a:schemeClr val="lt1"/>
+    </dgm:linClrLst>
+    <dgm:effectClrLst/>
+    <dgm:txLinClrLst/>
+    <dgm:txFillClrLst/>
+    <dgm:txEffectClrLst/>
+  </dgm:styleLbl>
+  <dgm:styleLbl name="alignNode1">
+    <dgm:fillClrLst meth="repeat">
+      <a:schemeClr val="accent1"/>
+    </dgm:fillClrLst>
+    <dgm:linClrLst meth="repeat">
+      <a:schemeClr val="accent1"/>
+    </dgm:linClrLst>
+    <dgm:effectClrLst/>
+    <dgm:txLinClrLst/>
+    <dgm:txFillClrLst/>
+    <dgm:txEffectClrLst/>
+  </dgm:styleLbl>
+  <dgm:styleLbl name="node1">
+    <dgm:fillClrLst meth="repeat">
+      <a:schemeClr val="accent1"/>
+    </dgm:fillClrLst>
+    <dgm:linClrLst meth="repeat">
+      <a:schemeClr val="lt1"/>
+    </dgm:linClrLst>
+    <dgm:effectClrLst/>
+    <dgm:txLinClrLst/>
+    <dgm:txFillClrLst/>
+    <dgm:txEffectClrLst/>
+  </dgm:styleLbl>
+  <dgm:styleLbl name="lnNode1">
+    <dgm:fillClrLst meth="repeat">
+      <a:schemeClr val="accent1"/>
+    </dgm:fillClrLst>
+    <dgm:linClrLst meth="repeat">
+      <a:schemeClr val="lt1"/>
+    </dgm:linClrLst>
+    <dgm:effectClrLst/>
+    <dgm:txLinClrLst/>
+    <dgm:txFillClrLst/>
+    <dgm:txEffectClrLst/>
+  </dgm:styleLbl>
+  <dgm:styleLbl name="vennNode1">
+    <dgm:fillClrLst meth="repeat">
+      <a:schemeClr val="accent1">
+        <a:alpha val="50000"/>
+      </a:schemeClr>
+    </dgm:fillClrLst>
+    <dgm:linClrLst meth="repeat">
+      <a:schemeClr val="lt1"/>
+    </dgm:linClrLst>
+    <dgm:effectClrLst/>
+    <dgm:txLinClrLst/>
+    <dgm:txFillClrLst/>
+    <dgm:txEffectClrLst/>
+  </dgm:styleLbl>
+  <dgm:styleLbl name="node2">
+    <dgm:fillClrLst meth="repeat">
+      <a:schemeClr val="accent1"/>
+    </dgm:fillClrLst>
+    <dgm:linClrLst meth="repeat">
+      <a:schemeClr val="lt1"/>
+    </dgm:linClrLst>
+    <dgm:effectClrLst/>
+    <dgm:txLinClrLst/>
+    <dgm:txFillClrLst/>
+    <dgm:txEffectClrLst/>
+  </dgm:styleLbl>
+  <dgm:styleLbl name="node3">
+    <dgm:fillClrLst meth="repeat">
+      <a:schemeClr val="accent1"/>
+    </dgm:fillClrLst>
+    <dgm:linClrLst meth="repeat">
+      <a:schemeClr val="lt1"/>
+    </dgm:linClrLst>
+    <dgm:effectClrLst/>
+    <dgm:txLinClrLst/>
+    <dgm:txFillClrLst/>
+    <dgm:txEffectClrLst/>
+  </dgm:styleLbl>
+  <dgm:styleLbl name="node4">
+    <dgm:fillClrLst meth="repeat">
+      <a:schemeClr val="accent1"/>
+    </dgm:fillClrLst>
+    <dgm:linClrLst meth="repeat">
+      <a:schemeClr val="lt1"/>
+    </dgm:linClrLst>
+    <dgm:effectClrLst/>
+    <dgm:txLinClrLst/>
+    <dgm:txFillClrLst/>
+    <dgm:txEffectClrLst/>
+  </dgm:styleLbl>
+  <dgm:styleLbl name="fgImgPlace1">
+    <dgm:fillClrLst meth="repeat">
+      <a:schemeClr val="accent1">
+        <a:tint val="50000"/>
+      </a:schemeClr>
+    </dgm:fillClrLst>
+    <dgm:linClrLst meth="repeat">
+      <a:schemeClr val="lt1"/>
+    </dgm:linClrLst>
+    <dgm:effectClrLst/>
+    <dgm:txLinClrLst/>
+    <dgm:txFillClrLst meth="repeat">
+      <a:schemeClr val="lt1"/>
+    </dgm:txFillClrLst>
+    <dgm:txEffectClrLst/>
+  </dgm:styleLbl>
+  <dgm:styleLbl name="alignImgPlace1">
+    <dgm:fillClrLst meth="repeat">
+      <a:schemeClr val="accent1">
+        <a:tint val="50000"/>
+      </a:schemeClr>
+    </dgm:fillClrLst>
+    <dgm:linClrLst meth="repeat">
+      <a:schemeClr val="lt1"/>
+    </dgm:linClrLst>
+    <dgm:effectClrLst/>
+    <dgm:txLinClrLst/>
+    <dgm:txFillClrLst meth="repeat">
+      <a:schemeClr val="lt1"/>
+    </dgm:txFillClrLst>
+    <dgm:txEffectClrLst/>
+  </dgm:styleLbl>
+  <dgm:styleLbl name="bgImgPlace1">
+    <dgm:fillClrLst meth="repeat">
+      <a:schemeClr val="accent1">
+        <a:tint val="50000"/>
+      </a:schemeClr>
+    </dgm:fillClrLst>
+    <dgm:linClrLst meth="repeat">
+      <a:schemeClr val="lt1"/>
+    </dgm:linClrLst>
+    <dgm:effectClrLst/>
+    <dgm:txLinClrLst/>
+    <dgm:txFillClrLst meth="repeat">
+      <a:schemeClr val="lt1"/>
+    </dgm:txFillClrLst>
+    <dgm:txEffectClrLst/>
+  </dgm:styleLbl>
+  <dgm:styleLbl name="sibTrans2D1">
+    <dgm:fillClrLst meth="repeat">
+      <a:schemeClr val="accent1">
+        <a:tint val="60000"/>
+      </a:schemeClr>
+    </dgm:fillClrLst>
+    <dgm:linClrLst meth="repeat">
+      <a:schemeClr val="accent1">
+        <a:tint val="60000"/>
+      </a:schemeClr>
+    </dgm:linClrLst>
+    <dgm:effectClrLst/>
+    <dgm:txLinClrLst/>
+    <dgm:txFillClrLst/>
+    <dgm:txEffectClrLst/>
+  </dgm:styleLbl>
+  <dgm:styleLbl name="fgSibTrans2D1">
+    <dgm:fillClrLst meth="repeat">
+      <a:schemeClr val="accent1">
+        <a:tint val="60000"/>
+      </a:schemeClr>
+    </dgm:fillClrLst>
+    <dgm:linClrLst meth="repeat">
+      <a:schemeClr val="accent1">
+        <a:tint val="60000"/>
+      </a:schemeClr>
+    </dgm:linClrLst>
+    <dgm:effectClrLst/>
+    <dgm:txLinClrLst/>
+    <dgm:txFillClrLst/>
+    <dgm:txEffectClrLst/>
+  </dgm:styleLbl>
+  <dgm:styleLbl name="bgSibTrans2D1">
+    <dgm:fillClrLst meth="repeat">
+      <a:schemeClr val="accent1">
+        <a:tint val="60000"/>
+      </a:schemeClr>
+    </dgm:fillClrLst>
+    <dgm:linClrLst meth="repeat">
+      <a:schemeClr val="accent1">
+        <a:tint val="60000"/>
+      </a:schemeClr>
+    </dgm:linClrLst>
+    <dgm:effectClrLst/>
+    <dgm:txLinClrLst/>
+    <dgm:txFillClrLst/>
+    <dgm:txEffectClrLst/>
+  </dgm:styleLbl>
+  <dgm:styleLbl name="sibTrans1D1">
+    <dgm:fillClrLst meth="repeat">
+      <a:schemeClr val="accent1"/>
+    </dgm:fillClrLst>
+    <dgm:linClrLst meth="repeat">
+      <a:schemeClr val="accent1"/>
+    </dgm:linClrLst>
+    <dgm:effectClrLst/>
+    <dgm:txLinClrLst/>
+    <dgm:txFillClrLst meth="repeat">
+      <a:schemeClr val="tx1"/>
+    </dgm:txFillClrLst>
+    <dgm:txEffectClrLst/>
+  </dgm:styleLbl>
+  <dgm:styleLbl name="callout">
+    <dgm:fillClrLst meth="repeat">
+      <a:schemeClr val="accent1"/>
+    </dgm:fillClrLst>
+    <dgm:linClrLst meth="repeat">
+      <a:schemeClr val="accent1">
+        <a:tint val="50000"/>
+      </a:schemeClr>
+    </dgm:linClrLst>
+    <dgm:effectClrLst/>
+    <dgm:txLinClrLst/>
+    <dgm:txFillClrLst meth="repeat">
+      <a:schemeClr val="tx1"/>
+    </dgm:txFillClrLst>
+    <dgm:txEffectClrLst/>
+  </dgm:styleLbl>
+  <dgm:styleLbl name="asst0">
+    <dgm:fillClrLst meth="repeat">
+      <a:schemeClr val="accent1"/>
+    </dgm:fillClrLst>
+    <dgm:linClrLst meth="repeat">
+      <a:schemeClr val="lt1"/>
+    </dgm:linClrLst>
+    <dgm:effectClrLst/>
+    <dgm:txLinClrLst/>
+    <dgm:txFillClrLst/>
+    <dgm:txEffectClrLst/>
+  </dgm:styleLbl>
+  <dgm:styleLbl name="asst1">
+    <dgm:fillClrLst meth="repeat">
+      <a:schemeClr val="accent1"/>
+    </dgm:fillClrLst>
+    <dgm:linClrLst meth="repeat">
+      <a:schemeClr val="lt1"/>
+    </dgm:linClrLst>
+    <dgm:effectClrLst/>
+    <dgm:txLinClrLst/>
+    <dgm:txFillClrLst/>
+    <dgm:txEffectClrLst/>
+  </dgm:styleLbl>
+  <dgm:styleLbl name="asst2">
+    <dgm:fillClrLst meth="repeat">
+      <a:schemeClr val="accent1"/>
+    </dgm:fillClrLst>
+    <dgm:linClrLst meth="repeat">
+      <a:schemeClr val="lt1"/>
+    </dgm:linClrLst>
+    <dgm:effectClrLst/>
+    <dgm:txLinClrLst/>
+    <dgm:txFillClrLst/>
+    <dgm:txEffectClrLst/>
+  </dgm:styleLbl>
+  <dgm:styleLbl name="asst3">
+    <dgm:fillClrLst meth="repeat">
+      <a:schemeClr val="accent1"/>
+    </dgm:fillClrLst>
+    <dgm:linClrLst meth="repeat">
+      <a:schemeClr val="lt1"/>
+    </dgm:linClrLst>
+    <dgm:effectClrLst/>
+    <dgm:txLinClrLst/>
+    <dgm:txFillClrLst/>
+    <dgm:txEffectClrLst/>
+  </dgm:styleLbl>
+  <dgm:styleLbl name="asst4">
+    <dgm:fillClrLst meth="repeat">
+      <a:schemeClr val="accent1"/>
+    </dgm:fillClrLst>
+    <dgm:linClrLst meth="repeat">
+      <a:schemeClr val="lt1"/>
+    </dgm:linClrLst>
+    <dgm:effectClrLst/>
+    <dgm:txLinClrLst/>
+    <dgm:txFillClrLst/>
+    <dgm:txEffectClrLst/>
+  </dgm:styleLbl>
+  <dgm:styleLbl name="parChTrans2D1">
+    <dgm:fillClrLst meth="repeat">
+      <a:schemeClr val="accent1">
+        <a:tint val="60000"/>
+      </a:schemeClr>
+    </dgm:fillClrLst>
+    <dgm:linClrLst meth="repeat">
+      <a:schemeClr val="accent1">
+        <a:tint val="60000"/>
+      </a:schemeClr>
+    </dgm:linClrLst>
+    <dgm:effectClrLst/>
+    <dgm:txLinClrLst/>
+    <dgm:txFillClrLst meth="repeat">
+      <a:schemeClr val="lt1"/>
+    </dgm:txFillClrLst>
+    <dgm:txEffectClrLst/>
+  </dgm:styleLbl>
+  <dgm:styleLbl name="parChTrans2D2">
+    <dgm:fillClrLst meth="repeat">
+      <a:schemeClr val="accent1"/>
+    </dgm:fillClrLst>
+    <dgm:linClrLst meth="repeat">
+      <a:schemeClr val="accent1"/>
+    </dgm:linClrLst>
+    <dgm:effectClrLst/>
+    <dgm:txLinClrLst/>
+    <dgm:txFillClrLst meth="repeat">
+      <a:schemeClr val="lt1"/>
+    </dgm:txFillClrLst>
+    <dgm:txEffectClrLst/>
+  </dgm:styleLbl>
+  <dgm:styleLbl name="parChTrans2D3">
+    <dgm:fillClrLst meth="repeat">
+      <a:schemeClr val="accent1"/>
+    </dgm:fillClrLst>
+    <dgm:linClrLst meth="repeat">
+      <a:schemeClr val="accent1"/>
+    </dgm:linClrLst>
+    <dgm:effectClrLst/>
+    <dgm:txLinClrLst/>
+    <dgm:txFillClrLst meth="repeat">
+      <a:schemeClr val="lt1"/>
+    </dgm:txFillClrLst>
+    <dgm:txEffectClrLst/>
+  </dgm:styleLbl>
+  <dgm:styleLbl name="parChTrans2D4">
+    <dgm:fillClrLst meth="repeat">
+      <a:schemeClr val="accent1"/>
+    </dgm:fillClrLst>
+    <dgm:linClrLst meth="repeat">
+      <a:schemeClr val="accent1"/>
+    </dgm:linClrLst>
+    <dgm:effectClrLst/>
+    <dgm:txLinClrLst/>
+    <dgm:txFillClrLst meth="repeat">
+      <a:schemeClr val="lt1"/>
+    </dgm:txFillClrLst>
+    <dgm:txEffectClrLst/>
+  </dgm:styleLbl>
+  <dgm:styleLbl name="parChTrans1D1">
+    <dgm:fillClrLst meth="repeat">
+      <a:schemeClr val="accent1"/>
+    </dgm:fillClrLst>
+    <dgm:linClrLst meth="repeat">
+      <a:schemeClr val="accent1">
+        <a:shade val="60000"/>
+      </a:schemeClr>
+    </dgm:linClrLst>
+    <dgm:effectClrLst/>
+    <dgm:txLinClrLst/>
+    <dgm:txFillClrLst meth="repeat">
+      <a:schemeClr val="tx1"/>
+    </dgm:txFillClrLst>
+    <dgm:txEffectClrLst/>
+  </dgm:styleLbl>
+  <dgm:styleLbl name="parChTrans1D2">
+    <dgm:fillClrLst meth="repeat">
+      <a:schemeClr val="accent1"/>
+    </dgm:fillClrLst>
+    <dgm:linClrLst meth="repeat">
+      <a:schemeClr val="accent1">
+        <a:shade val="60000"/>
+      </a:schemeClr>
+    </dgm:linClrLst>
+    <dgm:effectClrLst/>
+    <dgm:txLinClrLst/>
+    <dgm:txFillClrLst meth="repeat">
+      <a:schemeClr val="tx1"/>
+    </dgm:txFillClrLst>
+    <dgm:txEffectClrLst/>
+  </dgm:styleLbl>
+  <dgm:styleLbl name="parChTrans1D3">
+    <dgm:fillClrLst meth="repeat">
+      <a:schemeClr val="accent1"/>
+    </dgm:fillClrLst>
+    <dgm:linClrLst meth="repeat">
+      <a:schemeClr val="accent1">
+        <a:shade val="80000"/>
+      </a:schemeClr>
+    </dgm:linClrLst>
+    <dgm:effectClrLst/>
+    <dgm:txLinClrLst/>
+    <dgm:txFillClrLst meth="repeat">
+      <a:schemeClr val="tx1"/>
+    </dgm:txFillClrLst>
+    <dgm:txEffectClrLst/>
+  </dgm:styleLbl>
+  <dgm:styleLbl name="parChTrans1D4">
+    <dgm:fillClrLst meth="repeat">
+      <a:schemeClr val="accent1"/>
+    </dgm:fillClrLst>
+    <dgm:linClrLst meth="repeat">
+      <a:schemeClr val="accent1">
+        <a:shade val="80000"/>
+      </a:schemeClr>
+    </dgm:linClrLst>
+    <dgm:effectClrLst/>
+    <dgm:txLinClrLst/>
+    <dgm:txFillClrLst meth="repeat">
+      <a:schemeClr val="tx1"/>
+    </dgm:txFillClrLst>
+    <dgm:txEffectClrLst/>
+  </dgm:styleLbl>
+  <dgm:styleLbl name="fgAcc1">
+    <dgm:fillClrLst meth="repeat">
+      <a:schemeClr val="lt1">
+        <a:alpha val="90000"/>
+      </a:schemeClr>
+    </dgm:fillClrLst>
+    <dgm:linClrLst meth="repeat">
+      <a:schemeClr val="accent1"/>
+    </dgm:linClrLst>
+    <dgm:effectClrLst/>
+    <dgm:txLinClrLst/>
+    <dgm:txFillClrLst meth="repeat">
+      <a:schemeClr val="dk1"/>
+    </dgm:txFillClrLst>
+    <dgm:txEffectClrLst/>
+  </dgm:styleLbl>
+  <dgm:styleLbl name="conFgAcc1">
+    <dgm:fillClrLst meth="repeat">
+      <a:schemeClr val="lt1">
+        <a:alpha val="90000"/>
+      </a:schemeClr>
+    </dgm:fillClrLst>
+    <dgm:linClrLst meth="repeat">
+      <a:schemeClr val="accent1"/>
+    </dgm:linClrLst>
+    <dgm:effectClrLst/>
+    <dgm:txLinClrLst/>
+    <dgm:txFillClrLst meth="repeat">
+      <a:schemeClr val="dk1"/>
+    </dgm:txFillClrLst>
+    <dgm:txEffectClrLst/>
+  </dgm:styleLbl>
+  <dgm:styleLbl name="alignAcc1">
+    <dgm:fillClrLst meth="repeat">
+      <a:schemeClr val="lt1">
+        <a:alpha val="90000"/>
+      </a:schemeClr>
+    </dgm:fillClrLst>
+    <dgm:linClrLst meth="repeat">
+      <a:schemeClr val="accent1"/>
+    </dgm:linClrLst>
+    <dgm:effectClrLst/>
+    <dgm:txLinClrLst/>
+    <dgm:txFillClrLst meth="repeat">
+      <a:schemeClr val="dk1"/>
+    </dgm:txFillClrLst>
+    <dgm:txEffectClrLst/>
+  </dgm:styleLbl>
+  <dgm:styleLbl name="trAlignAcc1">
+    <dgm:fillClrLst meth="repeat">
+      <a:schemeClr val="lt1">
+        <a:alpha val="40000"/>
+      </a:schemeClr>
+    </dgm:fillClrLst>
+    <dgm:linClrLst meth="repeat">
+      <a:schemeClr val="accent1"/>
+    </dgm:linClrLst>
+    <dgm:effectClrLst/>
+    <dgm:txLinClrLst/>
+    <dgm:txFillClrLst meth="repeat">
+      <a:schemeClr val="dk1"/>
+    </dgm:txFillClrLst>
+    <dgm:txEffectClrLst/>
+  </dgm:styleLbl>
+  <dgm:styleLbl name="bgAcc1">
+    <dgm:fillClrLst meth="repeat">
+      <a:schemeClr val="lt1">
+        <a:alpha val="90000"/>
+      </a:schemeClr>
+    </dgm:fillClrLst>
+    <dgm:linClrLst meth="repeat">
+      <a:schemeClr val="accent1"/>
+    </dgm:linClrLst>
+    <dgm:effectClrLst/>
+    <dgm:txLinClrLst/>
+    <dgm:txFillClrLst meth="repeat">
+      <a:schemeClr val="dk1"/>
+    </dgm:txFillClrLst>
+    <dgm:txEffectClrLst/>
+  </dgm:styleLbl>
+  <dgm:styleLbl name="solidFgAcc1">
+    <dgm:fillClrLst meth="repeat">
+      <a:schemeClr val="lt1"/>
+    </dgm:fillClrLst>
+    <dgm:linClrLst meth="repeat">
+      <a:schemeClr val="accent1"/>
+    </dgm:linClrLst>
+    <dgm:effectClrLst/>
+    <dgm:txLinClrLst/>
+    <dgm:txFillClrLst meth="repeat">
+      <a:schemeClr val="dk1"/>
+    </dgm:txFillClrLst>
+    <dgm:txEffectClrLst/>
+  </dgm:styleLbl>
+  <dgm:styleLbl name="solidAlignAcc1">
+    <dgm:fillClrLst meth="repeat">
+      <a:schemeClr val="lt1"/>
+    </dgm:fillClrLst>
+    <dgm:linClrLst meth="repeat">
+      <a:schemeClr val="accent1"/>
+    </dgm:linClrLst>
+    <dgm:effectClrLst/>
+    <dgm:txLinClrLst/>
+    <dgm:txFillClrLst meth="repeat">
+      <a:schemeClr val="dk1"/>
+    </dgm:txFillClrLst>
+    <dgm:txEffectClrLst/>
+  </dgm:styleLbl>
+  <dgm:styleLbl name="solidBgAcc1">
+    <dgm:fillClrLst meth="repeat">
+      <a:schemeClr val="lt1"/>
+    </dgm:fillClrLst>
+    <dgm:linClrLst meth="repeat">
+      <a:schemeClr val="accent1"/>
+    </dgm:linClrLst>
+    <dgm:effectClrLst/>
+    <dgm:txLinClrLst/>
+    <dgm:txFillClrLst meth="repeat">
+      <a:schemeClr val="dk1"/>
+    </dgm:txFillClrLst>
+    <dgm:txEffectClrLst/>
+  </dgm:styleLbl>
+  <dgm:styleLbl name="fgAccFollowNode1">
+    <dgm:fillClrLst meth="repeat">
+      <a:schemeClr val="accent1">
+        <a:alpha val="90000"/>
+        <a:tint val="40000"/>
+      </a:schemeClr>
+    </dgm:fillClrLst>
+    <dgm:linClrLst meth="repeat">
+      <a:schemeClr val="accent1">
+        <a:alpha val="90000"/>
+        <a:tint val="40000"/>
+      </a:schemeClr>
+    </dgm:linClrLst>
+    <dgm:effectClrLst/>
+    <dgm:txLinClrLst/>
+    <dgm:txFillClrLst meth="repeat">
+      <a:schemeClr val="dk1"/>
+    </dgm:txFillClrLst>
+    <dgm:txEffectClrLst/>
+  </dgm:styleLbl>
+  <dgm:styleLbl name="alignAccFollowNode1">
+    <dgm:fillClrLst meth="repeat">
+      <a:schemeClr val="accent1">
+        <a:alpha val="90000"/>
+        <a:tint val="40000"/>
+      </a:schemeClr>
+    </dgm:fillClrLst>
+    <dgm:linClrLst meth="repeat">
+      <a:schemeClr val="accent1">
+        <a:alpha val="90000"/>
+        <a:tint val="40000"/>
+      </a:schemeClr>
+    </dgm:linClrLst>
+    <dgm:effectClrLst/>
+    <dgm:txLinClrLst/>
+    <dgm:txFillClrLst meth="repeat">
+      <a:schemeClr val="dk1"/>
+    </dgm:txFillClrLst>
+    <dgm:txEffectClrLst/>
+  </dgm:styleLbl>
+  <dgm:styleLbl name="bgAccFollowNode1">
+    <dgm:fillClrLst meth="repeat">
+      <a:schemeClr val="accent1">
+        <a:alpha val="90000"/>
+        <a:tint val="40000"/>
+      </a:schemeClr>
+    </dgm:fillClrLst>
+    <dgm:linClrLst meth="repeat">
+      <a:schemeClr val="accent1">
+        <a:alpha val="90000"/>
+        <a:tint val="40000"/>
+      </a:schemeClr>
+    </dgm:linClrLst>
+    <dgm:effectClrLst/>
+    <dgm:txLinClrLst/>
+    <dgm:txFillClrLst meth="repeat">
+      <a:schemeClr val="dk1"/>
+    </dgm:txFillClrLst>
+    <dgm:txEffectClrLst/>
+  </dgm:styleLbl>
+  <dgm:styleLbl name="fgAcc0">
+    <dgm:fillClrLst meth="repeat">
+      <a:schemeClr val="lt1">
+        <a:alpha val="90000"/>
+      </a:schemeClr>
+    </dgm:fillClrLst>
+    <dgm:linClrLst meth="repeat">
+      <a:schemeClr val="accent1"/>
+    </dgm:linClrLst>
+    <dgm:effectClrLst/>
+    <dgm:txLinClrLst/>
+    <dgm:txFillClrLst meth="repeat">
+      <a:schemeClr val="dk1"/>
+    </dgm:txFillClrLst>
+    <dgm:txEffectClrLst/>
+  </dgm:styleLbl>
+  <dgm:styleLbl name="fgAcc2">
+    <dgm:fillClrLst meth="repeat">
+      <a:schemeClr val="lt1">
+        <a:alpha val="90000"/>
+      </a:schemeClr>
+    </dgm:fillClrLst>
+    <dgm:linClrLst meth="repeat">
+      <a:schemeClr val="accent1"/>
+    </dgm:linClrLst>
+    <dgm:effectClrLst/>
+    <dgm:txLinClrLst/>
+    <dgm:txFillClrLst meth="repeat">
+      <a:schemeClr val="dk1"/>
+    </dgm:txFillClrLst>
+    <dgm:txEffectClrLst/>
+  </dgm:styleLbl>
+  <dgm:styleLbl name="fgAcc3">
+    <dgm:fillClrLst meth="repeat">
+      <a:schemeClr val="lt1">
+        <a:alpha val="90000"/>
+      </a:schemeClr>
+    </dgm:fillClrLst>
+    <dgm:linClrLst meth="repeat">
+      <a:schemeClr val="accent1"/>
+    </dgm:linClrLst>
+    <dgm:effectClrLst/>
+    <dgm:txLinClrLst/>
+    <dgm:txFillClrLst meth="repeat">
+      <a:schemeClr val="dk1"/>
+    </dgm:txFillClrLst>
+    <dgm:txEffectClrLst/>
+  </dgm:styleLbl>
+  <dgm:styleLbl name="fgAcc4">
+    <dgm:fillClrLst meth="repeat">
+      <a:schemeClr val="lt1">
+        <a:alpha val="90000"/>
+      </a:schemeClr>
+    </dgm:fillClrLst>
+    <dgm:linClrLst meth="repeat">
+      <a:schemeClr val="accent1"/>
+    </dgm:linClrLst>
+    <dgm:effectClrLst/>
+    <dgm:txLinClrLst/>
+    <dgm:txFillClrLst meth="repeat">
+      <a:schemeClr val="dk1"/>
+    </dgm:txFillClrLst>
+    <dgm:txEffectClrLst/>
+  </dgm:styleLbl>
+  <dgm:styleLbl name="bgShp">
+    <dgm:fillClrLst meth="repeat">
+      <a:schemeClr val="accent1">
+        <a:tint val="40000"/>
+      </a:schemeClr>
+    </dgm:fillClrLst>
+    <dgm:linClrLst meth="repeat">
+      <a:schemeClr val="accent1"/>
+    </dgm:linClrLst>
+    <dgm:effectClrLst/>
+    <dgm:txLinClrLst/>
+    <dgm:txFillClrLst meth="repeat">
+      <a:schemeClr val="dk1"/>
+    </dgm:txFillClrLst>
+    <dgm:txEffectClrLst/>
+  </dgm:styleLbl>
+  <dgm:styleLbl name="dkBgShp">
+    <dgm:fillClrLst meth="repeat">
+      <a:schemeClr val="accent1">
+        <a:shade val="80000"/>
+      </a:schemeClr>
+    </dgm:fillClrLst>
+    <dgm:linClrLst meth="repeat">
+      <a:schemeClr val="accent1"/>
+    </dgm:linClrLst>
+    <dgm:effectClrLst/>
+    <dgm:txLinClrLst/>
+    <dgm:txFillClrLst meth="repeat">
+      <a:schemeClr val="lt1"/>
+    </dgm:txFillClrLst>
+    <dgm:txEffectClrLst/>
+  </dgm:styleLbl>
+  <dgm:styleLbl name="trBgShp">
+    <dgm:fillClrLst meth="repeat">
+      <a:schemeClr val="accent1">
+        <a:tint val="50000"/>
+        <a:alpha val="40000"/>
+      </a:schemeClr>
+    </dgm:fillClrLst>
+    <dgm:linClrLst meth="repeat">
+      <a:schemeClr val="accent1"/>
+    </dgm:linClrLst>
+    <dgm:effectClrLst/>
+    <dgm:txLinClrLst/>
+    <dgm:txFillClrLst meth="repeat">
+      <a:schemeClr val="lt1"/>
+    </dgm:txFillClrLst>
+    <dgm:txEffectClrLst/>
+  </dgm:styleLbl>
+  <dgm:styleLbl name="fgShp">
+    <dgm:fillClrLst meth="repeat">
+      <a:schemeClr val="accent1">
+        <a:tint val="60000"/>
+      </a:schemeClr>
+    </dgm:fillClrLst>
+    <dgm:linClrLst meth="repeat">
+      <a:schemeClr val="lt1"/>
+    </dgm:linClrLst>
+    <dgm:effectClrLst/>
+    <dgm:txLinClrLst/>
+    <dgm:txFillClrLst meth="repeat">
+      <a:schemeClr val="dk1"/>
+    </dgm:txFillClrLst>
+    <dgm:txEffectClrLst/>
+  </dgm:styleLbl>
+  <dgm:styleLbl name="revTx">
+    <dgm:fillClrLst meth="repeat">
+      <a:schemeClr val="lt1">
+        <a:alpha val="0"/>
+      </a:schemeClr>
+    </dgm:fillClrLst>
+    <dgm:linClrLst meth="repeat">
+      <a:schemeClr val="dk1">
+        <a:alpha val="0"/>
+      </a:schemeClr>
+    </dgm:linClrLst>
+    <dgm:effectClrLst/>
+    <dgm:txLinClrLst/>
+    <dgm:txFillClrLst meth="repeat">
+      <a:schemeClr val="tx1"/>
+    </dgm:txFillClrLst>
+    <dgm:txEffectClrLst/>
+  </dgm:styleLbl>
+</dgm:colorsDef>
+</file>
+
+<file path=ppt/diagrams/colors7.xml><?xml version="1.0" encoding="utf-8"?>
 <dgm:colorsDef xmlns:dgm="http://schemas.openxmlformats.org/drawingml/2006/diagram" xmlns:a="http://schemas.openxmlformats.org/drawingml/2006/main" uniqueId="urn:microsoft.com/office/officeart/2005/8/colors/accent1_2">
   <dgm:title val=""/>
   <dgm:desc val=""/>
@@ -5404,7 +6154,7 @@
   <dgm:whole/>
   <dgm:extLst>
     <a:ext uri="http://schemas.microsoft.com/office/drawing/2008/diagram">
-      <dsp:dataModelExt xmlns:dsp="http://schemas.microsoft.com/office/drawing/2008/diagram" relId="rId6" minVer="http://schemas.openxmlformats.org/drawingml/2006/diagram"/>
+      <dsp:dataModelExt xmlns:dsp="http://schemas.microsoft.com/office/drawing/2008/diagram" relId="rId7" minVer="http://schemas.openxmlformats.org/drawingml/2006/diagram"/>
     </a:ext>
   </dgm:extLst>
 </dgm:dataModel>
@@ -5927,7 +6677,7 @@
   <dgm:whole/>
   <dgm:extLst>
     <a:ext uri="http://schemas.microsoft.com/office/drawing/2008/diagram">
-      <dsp:dataModelExt xmlns:dsp="http://schemas.microsoft.com/office/drawing/2008/diagram" relId="rId6" minVer="http://schemas.openxmlformats.org/drawingml/2006/diagram"/>
+      <dsp:dataModelExt xmlns:dsp="http://schemas.microsoft.com/office/drawing/2008/diagram" relId="rId7" minVer="http://schemas.openxmlformats.org/drawingml/2006/diagram"/>
     </a:ext>
   </dgm:extLst>
 </dgm:dataModel>
@@ -6239,7 +6989,7 @@
   <dgm:whole/>
   <dgm:extLst>
     <a:ext uri="http://schemas.microsoft.com/office/drawing/2008/diagram">
-      <dsp:dataModelExt xmlns:dsp="http://schemas.microsoft.com/office/drawing/2008/diagram" relId="rId6" minVer="http://schemas.openxmlformats.org/drawingml/2006/diagram"/>
+      <dsp:dataModelExt xmlns:dsp="http://schemas.microsoft.com/office/drawing/2008/diagram" relId="rId7" minVer="http://schemas.openxmlformats.org/drawingml/2006/diagram"/>
     </a:ext>
   </dgm:extLst>
 </dgm:dataModel>
@@ -6814,54 +7564,754 @@
     </dgm:pt>
   </dgm:ptLst>
   <dgm:cxnLst>
-    <dgm:cxn modelId="{BA977A11-BA05-4340-854A-EC3AF99C253D}" type="presOf" srcId="{C8CD0C19-4867-4F5D-982B-BE9806DB6AC8}" destId="{522D51F4-464B-40A0-A145-E5D144823C93}" srcOrd="0" destOrd="0" presId="urn:microsoft.com/office/officeart/2018/2/layout/IconVerticalSolidList"/>
+    <dgm:cxn modelId="{45844C36-2BBA-4567-A663-457371EC4391}" type="presOf" srcId="{FEB091F9-39B4-4A7E-A447-5A0F50691D6C}" destId="{FEF33DA0-ED9E-4663-AB8A-3C6E3B2929E2}" srcOrd="0" destOrd="0" presId="urn:microsoft.com/office/officeart/2018/2/layout/IconVerticalSolidList"/>
     <dgm:cxn modelId="{47D1465F-E146-4950-B2C1-A89F6DFF18BA}" srcId="{43BD19D8-841B-4BC8-8F86-ACF71B52AA4B}" destId="{2BDA8AB1-EE8F-43B5-B325-0E3D91A12970}" srcOrd="0" destOrd="0" parTransId="{89F263CE-18A1-4C9B-B657-04B666A8A324}" sibTransId="{FB7AB135-5323-4B14-9675-2A19584678B4}"/>
     <dgm:cxn modelId="{0D536B63-0406-41F6-89BF-4371884792E7}" srcId="{43BD19D8-841B-4BC8-8F86-ACF71B52AA4B}" destId="{B5F02339-21A7-466E-8032-EBF6B05CCE5F}" srcOrd="2" destOrd="0" parTransId="{38E6C79F-5E48-4CD6-A2AF-08097450BFBD}" sibTransId="{A9A480A6-4518-41FD-8143-8C49EC2B3F74}"/>
-    <dgm:cxn modelId="{B4A63044-EA11-4862-A074-823CD1539805}" type="presOf" srcId="{43BD19D8-841B-4BC8-8F86-ACF71B52AA4B}" destId="{DE30EEF5-C64E-453B-B4AE-FA9938BB7E88}" srcOrd="0" destOrd="0" presId="urn:microsoft.com/office/officeart/2018/2/layout/IconVerticalSolidList"/>
-    <dgm:cxn modelId="{C1FCE16C-8D41-4CEE-9B21-4EE1015988EC}" type="presOf" srcId="{B5F02339-21A7-466E-8032-EBF6B05CCE5F}" destId="{95A4D373-D4D0-4479-8E80-F5C5E6D58260}" srcOrd="0" destOrd="0" presId="urn:microsoft.com/office/officeart/2018/2/layout/IconVerticalSolidList"/>
-    <dgm:cxn modelId="{62C77471-6820-4644-9687-841B810651BD}" type="presOf" srcId="{2BDA8AB1-EE8F-43B5-B325-0E3D91A12970}" destId="{8D19E82B-91DD-40FB-B8C2-05E2E7FA524F}" srcOrd="0" destOrd="0" presId="urn:microsoft.com/office/officeart/2018/2/layout/IconVerticalSolidList"/>
+    <dgm:cxn modelId="{B00CEB50-E4BB-4150-A895-FAC4E02AFAC8}" type="presOf" srcId="{43BD19D8-841B-4BC8-8F86-ACF71B52AA4B}" destId="{DE30EEF5-C64E-453B-B4AE-FA9938BB7E88}" srcOrd="0" destOrd="0" presId="urn:microsoft.com/office/officeart/2018/2/layout/IconVerticalSolidList"/>
     <dgm:cxn modelId="{7EF4BC75-73D6-4326-A820-63AAD01488BE}" srcId="{43BD19D8-841B-4BC8-8F86-ACF71B52AA4B}" destId="{795C0D8B-8362-4EFC-AED1-297F8C66BE50}" srcOrd="1" destOrd="0" parTransId="{083B1500-F2BC-4578-B014-720B8BC6599E}" sibTransId="{1E83FCBE-8C6F-4AAD-A519-9F3A9CB5213E}"/>
-    <dgm:cxn modelId="{15D8D086-B396-4A8D-B3C3-AECEA6E5BF3D}" type="presOf" srcId="{FEB091F9-39B4-4A7E-A447-5A0F50691D6C}" destId="{FEF33DA0-ED9E-4663-AB8A-3C6E3B2929E2}" srcOrd="0" destOrd="0" presId="urn:microsoft.com/office/officeart/2018/2/layout/IconVerticalSolidList"/>
-    <dgm:cxn modelId="{D04DBC9E-C5DF-4641-8589-5C2FB1A396BC}" type="presOf" srcId="{795C0D8B-8362-4EFC-AED1-297F8C66BE50}" destId="{F48C8905-412C-49AB-AE3F-E50FFC90D59C}" srcOrd="0" destOrd="0" presId="urn:microsoft.com/office/officeart/2018/2/layout/IconVerticalSolidList"/>
+    <dgm:cxn modelId="{5507C1A6-7478-44FA-B866-33D21A419724}" type="presOf" srcId="{67DA9364-1D36-40EE-92E4-62D466CC2922}" destId="{25983D35-24F0-45B3-9D64-562541C2A760}" srcOrd="0" destOrd="0" presId="urn:microsoft.com/office/officeart/2018/2/layout/IconVerticalSolidList"/>
     <dgm:cxn modelId="{D0D676A7-0C38-4A34-ACE7-2121743D38BC}" srcId="{43BD19D8-841B-4BC8-8F86-ACF71B52AA4B}" destId="{FEB091F9-39B4-4A7E-A447-5A0F50691D6C}" srcOrd="3" destOrd="0" parTransId="{A2976B9B-CE43-46C4-8E97-F0D225E3F015}" sibTransId="{364DA164-2879-41A1-A80C-AFE96ACF1EC7}"/>
+    <dgm:cxn modelId="{1D182FB3-9C58-4F29-9927-C648E3CF0A06}" type="presOf" srcId="{795C0D8B-8362-4EFC-AED1-297F8C66BE50}" destId="{F48C8905-412C-49AB-AE3F-E50FFC90D59C}" srcOrd="0" destOrd="0" presId="urn:microsoft.com/office/officeart/2018/2/layout/IconVerticalSolidList"/>
+    <dgm:cxn modelId="{5964B5B6-332F-4E3C-BED7-3FEF2B86C489}" type="presOf" srcId="{2BDA8AB1-EE8F-43B5-B325-0E3D91A12970}" destId="{8D19E82B-91DD-40FB-B8C2-05E2E7FA524F}" srcOrd="0" destOrd="0" presId="urn:microsoft.com/office/officeart/2018/2/layout/IconVerticalSolidList"/>
     <dgm:cxn modelId="{68FB55BD-EE2C-4491-A6FF-177E46F01D32}" srcId="{43BD19D8-841B-4BC8-8F86-ACF71B52AA4B}" destId="{C8CD0C19-4867-4F5D-982B-BE9806DB6AC8}" srcOrd="4" destOrd="0" parTransId="{AC573584-E865-4DB7-AF62-4D33A8C757E9}" sibTransId="{FD9FB649-1962-423A-A577-5535D1C2315F}"/>
-    <dgm:cxn modelId="{BCA2EEC7-EF40-4833-85B6-8966A5DA3F8C}" type="presOf" srcId="{67DA9364-1D36-40EE-92E4-62D466CC2922}" destId="{25983D35-24F0-45B3-9D64-562541C2A760}" srcOrd="0" destOrd="0" presId="urn:microsoft.com/office/officeart/2018/2/layout/IconVerticalSolidList"/>
+    <dgm:cxn modelId="{94B50AC1-2DC1-4E31-8CC0-2C0BAB541533}" type="presOf" srcId="{C8CD0C19-4867-4F5D-982B-BE9806DB6AC8}" destId="{522D51F4-464B-40A0-A145-E5D144823C93}" srcOrd="0" destOrd="0" presId="urn:microsoft.com/office/officeart/2018/2/layout/IconVerticalSolidList"/>
     <dgm:cxn modelId="{3D27B7D2-7B91-45A1-BE5A-E8DF6776C84E}" srcId="{43BD19D8-841B-4BC8-8F86-ACF71B52AA4B}" destId="{67DA9364-1D36-40EE-92E4-62D466CC2922}" srcOrd="5" destOrd="0" parTransId="{CF86C927-00B0-4D71-8987-7EA4EC6FEB44}" sibTransId="{280C1F33-0E83-43DF-8BB9-F2E457A0F037}"/>
-    <dgm:cxn modelId="{0565DCA4-578E-4ACB-802F-B97301213E5C}" type="presParOf" srcId="{DE30EEF5-C64E-453B-B4AE-FA9938BB7E88}" destId="{B150020A-D68C-4209-9E7B-283EB19FD10F}" srcOrd="0" destOrd="0" presId="urn:microsoft.com/office/officeart/2018/2/layout/IconVerticalSolidList"/>
-    <dgm:cxn modelId="{DACD8247-0F80-487D-9BF7-5C05DE810DC4}" type="presParOf" srcId="{B150020A-D68C-4209-9E7B-283EB19FD10F}" destId="{EAB2128A-E560-4298-8A04-43129C253E44}" srcOrd="0" destOrd="0" presId="urn:microsoft.com/office/officeart/2018/2/layout/IconVerticalSolidList"/>
-    <dgm:cxn modelId="{9D521D1B-1A25-460F-BE66-95C7E6B95E88}" type="presParOf" srcId="{B150020A-D68C-4209-9E7B-283EB19FD10F}" destId="{5B9F1D8E-79A2-4C83-A2D3-2DFED6B0A98D}" srcOrd="1" destOrd="0" presId="urn:microsoft.com/office/officeart/2018/2/layout/IconVerticalSolidList"/>
-    <dgm:cxn modelId="{57CC338E-A07E-4411-852E-9ED1C72AA687}" type="presParOf" srcId="{B150020A-D68C-4209-9E7B-283EB19FD10F}" destId="{E6A6A40B-AA80-4112-82A7-7653EB84AE29}" srcOrd="2" destOrd="0" presId="urn:microsoft.com/office/officeart/2018/2/layout/IconVerticalSolidList"/>
-    <dgm:cxn modelId="{1914356C-E927-4209-9904-5A432FB23119}" type="presParOf" srcId="{B150020A-D68C-4209-9E7B-283EB19FD10F}" destId="{8D19E82B-91DD-40FB-B8C2-05E2E7FA524F}" srcOrd="3" destOrd="0" presId="urn:microsoft.com/office/officeart/2018/2/layout/IconVerticalSolidList"/>
-    <dgm:cxn modelId="{6BD6A059-7CDE-4453-BDF9-D589450C4624}" type="presParOf" srcId="{DE30EEF5-C64E-453B-B4AE-FA9938BB7E88}" destId="{42B89033-FEE2-4147-BD43-5DC30368E6DD}" srcOrd="1" destOrd="0" presId="urn:microsoft.com/office/officeart/2018/2/layout/IconVerticalSolidList"/>
-    <dgm:cxn modelId="{1170CBB8-E3F2-4167-849D-857E93A406BF}" type="presParOf" srcId="{DE30EEF5-C64E-453B-B4AE-FA9938BB7E88}" destId="{2C42F253-870B-4D82-9265-C58BC1C165BC}" srcOrd="2" destOrd="0" presId="urn:microsoft.com/office/officeart/2018/2/layout/IconVerticalSolidList"/>
-    <dgm:cxn modelId="{08057E23-A86A-4223-9057-6CC19E8B43CB}" type="presParOf" srcId="{2C42F253-870B-4D82-9265-C58BC1C165BC}" destId="{F24C99CC-FC41-43FE-A8FC-18D6756C46E7}" srcOrd="0" destOrd="0" presId="urn:microsoft.com/office/officeart/2018/2/layout/IconVerticalSolidList"/>
-    <dgm:cxn modelId="{0889A761-C5A5-4E99-AA48-79D185BF82FF}" type="presParOf" srcId="{2C42F253-870B-4D82-9265-C58BC1C165BC}" destId="{B2FACBDD-7C95-4AF4-9976-51D0CD25148D}" srcOrd="1" destOrd="0" presId="urn:microsoft.com/office/officeart/2018/2/layout/IconVerticalSolidList"/>
-    <dgm:cxn modelId="{548E5D37-88FA-442E-9D1E-8A57FA1BE964}" type="presParOf" srcId="{2C42F253-870B-4D82-9265-C58BC1C165BC}" destId="{32A8A183-0A75-4C87-873D-C46EDE5A37FE}" srcOrd="2" destOrd="0" presId="urn:microsoft.com/office/officeart/2018/2/layout/IconVerticalSolidList"/>
-    <dgm:cxn modelId="{4450F2E4-981C-46E8-8A35-3171105E8C94}" type="presParOf" srcId="{2C42F253-870B-4D82-9265-C58BC1C165BC}" destId="{F48C8905-412C-49AB-AE3F-E50FFC90D59C}" srcOrd="3" destOrd="0" presId="urn:microsoft.com/office/officeart/2018/2/layout/IconVerticalSolidList"/>
-    <dgm:cxn modelId="{C9AAD13D-10B3-45AD-BDEB-5ADBAE490A0B}" type="presParOf" srcId="{DE30EEF5-C64E-453B-B4AE-FA9938BB7E88}" destId="{350975A3-6D5B-421C-9E9B-189E4A79F45F}" srcOrd="3" destOrd="0" presId="urn:microsoft.com/office/officeart/2018/2/layout/IconVerticalSolidList"/>
-    <dgm:cxn modelId="{911E384F-9456-4100-BE68-53DD92AA128C}" type="presParOf" srcId="{DE30EEF5-C64E-453B-B4AE-FA9938BB7E88}" destId="{01AC59AB-1CEF-434D-8F45-D670951EA06D}" srcOrd="4" destOrd="0" presId="urn:microsoft.com/office/officeart/2018/2/layout/IconVerticalSolidList"/>
-    <dgm:cxn modelId="{6FBDC567-17EF-4D5F-B498-9C3849237230}" type="presParOf" srcId="{01AC59AB-1CEF-434D-8F45-D670951EA06D}" destId="{1F504EB9-DF8B-4CC4-9068-B1CE285079CD}" srcOrd="0" destOrd="0" presId="urn:microsoft.com/office/officeart/2018/2/layout/IconVerticalSolidList"/>
-    <dgm:cxn modelId="{C3019AEA-EB93-4BDB-A771-754239F1C7D4}" type="presParOf" srcId="{01AC59AB-1CEF-434D-8F45-D670951EA06D}" destId="{04B08B29-D630-4F65-98ED-A6A2B3522993}" srcOrd="1" destOrd="0" presId="urn:microsoft.com/office/officeart/2018/2/layout/IconVerticalSolidList"/>
-    <dgm:cxn modelId="{FB03D3DE-2D4D-4FE8-80A7-FA0C7DB3CD53}" type="presParOf" srcId="{01AC59AB-1CEF-434D-8F45-D670951EA06D}" destId="{F4953929-6838-4EEF-98D5-E42E66BFA490}" srcOrd="2" destOrd="0" presId="urn:microsoft.com/office/officeart/2018/2/layout/IconVerticalSolidList"/>
-    <dgm:cxn modelId="{07433EEC-856C-4950-BB95-8C5BFBA924AF}" type="presParOf" srcId="{01AC59AB-1CEF-434D-8F45-D670951EA06D}" destId="{95A4D373-D4D0-4479-8E80-F5C5E6D58260}" srcOrd="3" destOrd="0" presId="urn:microsoft.com/office/officeart/2018/2/layout/IconVerticalSolidList"/>
-    <dgm:cxn modelId="{A942B1DC-D960-4372-9771-8A79F0EB6270}" type="presParOf" srcId="{DE30EEF5-C64E-453B-B4AE-FA9938BB7E88}" destId="{91502ADD-1D6B-4B4C-AB14-55851B6816DB}" srcOrd="5" destOrd="0" presId="urn:microsoft.com/office/officeart/2018/2/layout/IconVerticalSolidList"/>
-    <dgm:cxn modelId="{4880F9C9-6EF2-4F35-851E-95AA3D3615A4}" type="presParOf" srcId="{DE30EEF5-C64E-453B-B4AE-FA9938BB7E88}" destId="{5CE199EA-9BBF-46AC-B2CA-D776A2238675}" srcOrd="6" destOrd="0" presId="urn:microsoft.com/office/officeart/2018/2/layout/IconVerticalSolidList"/>
-    <dgm:cxn modelId="{C71FF860-B051-47A8-AB33-851F4B488A3B}" type="presParOf" srcId="{5CE199EA-9BBF-46AC-B2CA-D776A2238675}" destId="{5D79D0B3-9B60-45A5-A988-672CB92B72DB}" srcOrd="0" destOrd="0" presId="urn:microsoft.com/office/officeart/2018/2/layout/IconVerticalSolidList"/>
-    <dgm:cxn modelId="{67B2A481-A9D1-41AD-BE32-F1AE43E12592}" type="presParOf" srcId="{5CE199EA-9BBF-46AC-B2CA-D776A2238675}" destId="{65DEE235-D37B-4173-8F70-77E4C203F55B}" srcOrd="1" destOrd="0" presId="urn:microsoft.com/office/officeart/2018/2/layout/IconVerticalSolidList"/>
-    <dgm:cxn modelId="{B1E75132-3989-48E8-9E38-4658EFB2C33B}" type="presParOf" srcId="{5CE199EA-9BBF-46AC-B2CA-D776A2238675}" destId="{19569438-B2A1-4576-871A-EB9550F7D1AE}" srcOrd="2" destOrd="0" presId="urn:microsoft.com/office/officeart/2018/2/layout/IconVerticalSolidList"/>
-    <dgm:cxn modelId="{012A1803-D2A3-4B24-AEFE-F6513E42DD50}" type="presParOf" srcId="{5CE199EA-9BBF-46AC-B2CA-D776A2238675}" destId="{FEF33DA0-ED9E-4663-AB8A-3C6E3B2929E2}" srcOrd="3" destOrd="0" presId="urn:microsoft.com/office/officeart/2018/2/layout/IconVerticalSolidList"/>
-    <dgm:cxn modelId="{CAC38D8A-7040-4902-B811-E2C229DDF965}" type="presParOf" srcId="{DE30EEF5-C64E-453B-B4AE-FA9938BB7E88}" destId="{B6F4B383-2654-4472-B481-77F7DB151AA2}" srcOrd="7" destOrd="0" presId="urn:microsoft.com/office/officeart/2018/2/layout/IconVerticalSolidList"/>
-    <dgm:cxn modelId="{8F78B5E8-6859-493F-9696-A3C0C21F0495}" type="presParOf" srcId="{DE30EEF5-C64E-453B-B4AE-FA9938BB7E88}" destId="{EB223067-7FB7-4C3F-8888-2916A3FA698E}" srcOrd="8" destOrd="0" presId="urn:microsoft.com/office/officeart/2018/2/layout/IconVerticalSolidList"/>
-    <dgm:cxn modelId="{BF1A5FB8-E0D2-4524-951D-8409374DD754}" type="presParOf" srcId="{EB223067-7FB7-4C3F-8888-2916A3FA698E}" destId="{DDC869DA-A471-4EEC-B739-DB81ADA50B76}" srcOrd="0" destOrd="0" presId="urn:microsoft.com/office/officeart/2018/2/layout/IconVerticalSolidList"/>
-    <dgm:cxn modelId="{ECDF4FAE-AAF5-492E-B134-F96EFD1011EF}" type="presParOf" srcId="{EB223067-7FB7-4C3F-8888-2916A3FA698E}" destId="{57093893-8931-4081-8BB4-9526C716373B}" srcOrd="1" destOrd="0" presId="urn:microsoft.com/office/officeart/2018/2/layout/IconVerticalSolidList"/>
-    <dgm:cxn modelId="{E6AAC1D0-58A1-49F1-AF41-62C1C3B3D0BB}" type="presParOf" srcId="{EB223067-7FB7-4C3F-8888-2916A3FA698E}" destId="{2F880590-99FA-4657-B419-9CACEFC51DB6}" srcOrd="2" destOrd="0" presId="urn:microsoft.com/office/officeart/2018/2/layout/IconVerticalSolidList"/>
-    <dgm:cxn modelId="{387DCCF2-1752-4D81-9CE4-1796CDA715CD}" type="presParOf" srcId="{EB223067-7FB7-4C3F-8888-2916A3FA698E}" destId="{522D51F4-464B-40A0-A145-E5D144823C93}" srcOrd="3" destOrd="0" presId="urn:microsoft.com/office/officeart/2018/2/layout/IconVerticalSolidList"/>
-    <dgm:cxn modelId="{3DD30F23-40B4-47E5-9463-CC5A1006EC4B}" type="presParOf" srcId="{DE30EEF5-C64E-453B-B4AE-FA9938BB7E88}" destId="{29721B37-D4A3-42B8-93E6-6AB9F641FD24}" srcOrd="9" destOrd="0" presId="urn:microsoft.com/office/officeart/2018/2/layout/IconVerticalSolidList"/>
-    <dgm:cxn modelId="{555938C5-A71B-49ED-9BF2-8CBAC9F1B0F6}" type="presParOf" srcId="{DE30EEF5-C64E-453B-B4AE-FA9938BB7E88}" destId="{58DD5BC4-B268-4126-A417-62507590AD94}" srcOrd="10" destOrd="0" presId="urn:microsoft.com/office/officeart/2018/2/layout/IconVerticalSolidList"/>
-    <dgm:cxn modelId="{1BBC97E6-6AD3-4977-9734-A2601107ABA7}" type="presParOf" srcId="{58DD5BC4-B268-4126-A417-62507590AD94}" destId="{2EE0B528-8897-428A-A225-F06EF38DE0E2}" srcOrd="0" destOrd="0" presId="urn:microsoft.com/office/officeart/2018/2/layout/IconVerticalSolidList"/>
-    <dgm:cxn modelId="{66410344-C753-40E8-96CD-8CE0B59A0B50}" type="presParOf" srcId="{58DD5BC4-B268-4126-A417-62507590AD94}" destId="{C84E31AD-48DF-4B0A-A83B-9C7E8D894BF3}" srcOrd="1" destOrd="0" presId="urn:microsoft.com/office/officeart/2018/2/layout/IconVerticalSolidList"/>
-    <dgm:cxn modelId="{A95569A3-814D-43D6-9AB6-A9E18491BDCD}" type="presParOf" srcId="{58DD5BC4-B268-4126-A417-62507590AD94}" destId="{96EDFDC4-FD31-4FD5-896D-8B8538F3C090}" srcOrd="2" destOrd="0" presId="urn:microsoft.com/office/officeart/2018/2/layout/IconVerticalSolidList"/>
-    <dgm:cxn modelId="{B9C708F0-517F-401B-A98F-BCFA57F3763F}" type="presParOf" srcId="{58DD5BC4-B268-4126-A417-62507590AD94}" destId="{25983D35-24F0-45B3-9D64-562541C2A760}" srcOrd="3" destOrd="0" presId="urn:microsoft.com/office/officeart/2018/2/layout/IconVerticalSolidList"/>
+    <dgm:cxn modelId="{018BABEC-3657-4978-ADFC-FA5E02989D9D}" type="presOf" srcId="{B5F02339-21A7-466E-8032-EBF6B05CCE5F}" destId="{95A4D373-D4D0-4479-8E80-F5C5E6D58260}" srcOrd="0" destOrd="0" presId="urn:microsoft.com/office/officeart/2018/2/layout/IconVerticalSolidList"/>
+    <dgm:cxn modelId="{F2F0E9BE-A745-4F35-BDF6-37EB810107AA}" type="presParOf" srcId="{DE30EEF5-C64E-453B-B4AE-FA9938BB7E88}" destId="{B150020A-D68C-4209-9E7B-283EB19FD10F}" srcOrd="0" destOrd="0" presId="urn:microsoft.com/office/officeart/2018/2/layout/IconVerticalSolidList"/>
+    <dgm:cxn modelId="{FABD562A-F052-483C-83D4-FBC10FEF9753}" type="presParOf" srcId="{B150020A-D68C-4209-9E7B-283EB19FD10F}" destId="{EAB2128A-E560-4298-8A04-43129C253E44}" srcOrd="0" destOrd="0" presId="urn:microsoft.com/office/officeart/2018/2/layout/IconVerticalSolidList"/>
+    <dgm:cxn modelId="{EE46DD7B-EB29-4FBE-8459-AD340848FDDD}" type="presParOf" srcId="{B150020A-D68C-4209-9E7B-283EB19FD10F}" destId="{5B9F1D8E-79A2-4C83-A2D3-2DFED6B0A98D}" srcOrd="1" destOrd="0" presId="urn:microsoft.com/office/officeart/2018/2/layout/IconVerticalSolidList"/>
+    <dgm:cxn modelId="{A2BEB439-6889-4292-B45C-AFE4B1C20AB8}" type="presParOf" srcId="{B150020A-D68C-4209-9E7B-283EB19FD10F}" destId="{E6A6A40B-AA80-4112-82A7-7653EB84AE29}" srcOrd="2" destOrd="0" presId="urn:microsoft.com/office/officeart/2018/2/layout/IconVerticalSolidList"/>
+    <dgm:cxn modelId="{D28A0585-37A9-4582-B9B8-FC8DA54B5EE5}" type="presParOf" srcId="{B150020A-D68C-4209-9E7B-283EB19FD10F}" destId="{8D19E82B-91DD-40FB-B8C2-05E2E7FA524F}" srcOrd="3" destOrd="0" presId="urn:microsoft.com/office/officeart/2018/2/layout/IconVerticalSolidList"/>
+    <dgm:cxn modelId="{F3889274-A501-484F-A154-C4CEB1B63F34}" type="presParOf" srcId="{DE30EEF5-C64E-453B-B4AE-FA9938BB7E88}" destId="{42B89033-FEE2-4147-BD43-5DC30368E6DD}" srcOrd="1" destOrd="0" presId="urn:microsoft.com/office/officeart/2018/2/layout/IconVerticalSolidList"/>
+    <dgm:cxn modelId="{1C9C979E-D412-4365-8A1F-32B7C194BD7E}" type="presParOf" srcId="{DE30EEF5-C64E-453B-B4AE-FA9938BB7E88}" destId="{2C42F253-870B-4D82-9265-C58BC1C165BC}" srcOrd="2" destOrd="0" presId="urn:microsoft.com/office/officeart/2018/2/layout/IconVerticalSolidList"/>
+    <dgm:cxn modelId="{7E73B076-B08D-494A-BCBE-5A329C4F52E0}" type="presParOf" srcId="{2C42F253-870B-4D82-9265-C58BC1C165BC}" destId="{F24C99CC-FC41-43FE-A8FC-18D6756C46E7}" srcOrd="0" destOrd="0" presId="urn:microsoft.com/office/officeart/2018/2/layout/IconVerticalSolidList"/>
+    <dgm:cxn modelId="{50597C8D-D070-4B0B-B2A9-7DBE30E951B9}" type="presParOf" srcId="{2C42F253-870B-4D82-9265-C58BC1C165BC}" destId="{B2FACBDD-7C95-4AF4-9976-51D0CD25148D}" srcOrd="1" destOrd="0" presId="urn:microsoft.com/office/officeart/2018/2/layout/IconVerticalSolidList"/>
+    <dgm:cxn modelId="{5D588976-1C2E-4ED2-A53B-8468B88F8899}" type="presParOf" srcId="{2C42F253-870B-4D82-9265-C58BC1C165BC}" destId="{32A8A183-0A75-4C87-873D-C46EDE5A37FE}" srcOrd="2" destOrd="0" presId="urn:microsoft.com/office/officeart/2018/2/layout/IconVerticalSolidList"/>
+    <dgm:cxn modelId="{C3B9718B-DF31-4930-9DA4-3F95B94497E1}" type="presParOf" srcId="{2C42F253-870B-4D82-9265-C58BC1C165BC}" destId="{F48C8905-412C-49AB-AE3F-E50FFC90D59C}" srcOrd="3" destOrd="0" presId="urn:microsoft.com/office/officeart/2018/2/layout/IconVerticalSolidList"/>
+    <dgm:cxn modelId="{2393E5DD-A571-4A12-9BAB-FE6EA7B1843F}" type="presParOf" srcId="{DE30EEF5-C64E-453B-B4AE-FA9938BB7E88}" destId="{350975A3-6D5B-421C-9E9B-189E4A79F45F}" srcOrd="3" destOrd="0" presId="urn:microsoft.com/office/officeart/2018/2/layout/IconVerticalSolidList"/>
+    <dgm:cxn modelId="{B57A57D7-2D48-4810-AB4E-5C91E3914BA3}" type="presParOf" srcId="{DE30EEF5-C64E-453B-B4AE-FA9938BB7E88}" destId="{01AC59AB-1CEF-434D-8F45-D670951EA06D}" srcOrd="4" destOrd="0" presId="urn:microsoft.com/office/officeart/2018/2/layout/IconVerticalSolidList"/>
+    <dgm:cxn modelId="{522B21D9-34B8-4469-A7BE-6845402AC622}" type="presParOf" srcId="{01AC59AB-1CEF-434D-8F45-D670951EA06D}" destId="{1F504EB9-DF8B-4CC4-9068-B1CE285079CD}" srcOrd="0" destOrd="0" presId="urn:microsoft.com/office/officeart/2018/2/layout/IconVerticalSolidList"/>
+    <dgm:cxn modelId="{D9574B85-D63B-4713-B9B7-9DE9B9FF63A9}" type="presParOf" srcId="{01AC59AB-1CEF-434D-8F45-D670951EA06D}" destId="{04B08B29-D630-4F65-98ED-A6A2B3522993}" srcOrd="1" destOrd="0" presId="urn:microsoft.com/office/officeart/2018/2/layout/IconVerticalSolidList"/>
+    <dgm:cxn modelId="{DD7B7FB4-D7D9-4A6B-9BBD-A61F9BA4E288}" type="presParOf" srcId="{01AC59AB-1CEF-434D-8F45-D670951EA06D}" destId="{F4953929-6838-4EEF-98D5-E42E66BFA490}" srcOrd="2" destOrd="0" presId="urn:microsoft.com/office/officeart/2018/2/layout/IconVerticalSolidList"/>
+    <dgm:cxn modelId="{A4221111-FCD7-4A2F-824D-27A6971D7526}" type="presParOf" srcId="{01AC59AB-1CEF-434D-8F45-D670951EA06D}" destId="{95A4D373-D4D0-4479-8E80-F5C5E6D58260}" srcOrd="3" destOrd="0" presId="urn:microsoft.com/office/officeart/2018/2/layout/IconVerticalSolidList"/>
+    <dgm:cxn modelId="{A2893658-C2DD-4F89-B1EB-FDBD896B1B4E}" type="presParOf" srcId="{DE30EEF5-C64E-453B-B4AE-FA9938BB7E88}" destId="{91502ADD-1D6B-4B4C-AB14-55851B6816DB}" srcOrd="5" destOrd="0" presId="urn:microsoft.com/office/officeart/2018/2/layout/IconVerticalSolidList"/>
+    <dgm:cxn modelId="{1D14F40E-611E-442E-9708-0A69F828D7F8}" type="presParOf" srcId="{DE30EEF5-C64E-453B-B4AE-FA9938BB7E88}" destId="{5CE199EA-9BBF-46AC-B2CA-D776A2238675}" srcOrd="6" destOrd="0" presId="urn:microsoft.com/office/officeart/2018/2/layout/IconVerticalSolidList"/>
+    <dgm:cxn modelId="{B6E00E8F-B1FD-4E10-BBA5-A5FD9F7B4E7E}" type="presParOf" srcId="{5CE199EA-9BBF-46AC-B2CA-D776A2238675}" destId="{5D79D0B3-9B60-45A5-A988-672CB92B72DB}" srcOrd="0" destOrd="0" presId="urn:microsoft.com/office/officeart/2018/2/layout/IconVerticalSolidList"/>
+    <dgm:cxn modelId="{40595E31-9F90-42FB-9444-192A3EF1512D}" type="presParOf" srcId="{5CE199EA-9BBF-46AC-B2CA-D776A2238675}" destId="{65DEE235-D37B-4173-8F70-77E4C203F55B}" srcOrd="1" destOrd="0" presId="urn:microsoft.com/office/officeart/2018/2/layout/IconVerticalSolidList"/>
+    <dgm:cxn modelId="{BC36F1B1-60CC-433F-96B8-51307A78C5B1}" type="presParOf" srcId="{5CE199EA-9BBF-46AC-B2CA-D776A2238675}" destId="{19569438-B2A1-4576-871A-EB9550F7D1AE}" srcOrd="2" destOrd="0" presId="urn:microsoft.com/office/officeart/2018/2/layout/IconVerticalSolidList"/>
+    <dgm:cxn modelId="{09AFA387-9D30-418B-B451-2F21EEEEEC1D}" type="presParOf" srcId="{5CE199EA-9BBF-46AC-B2CA-D776A2238675}" destId="{FEF33DA0-ED9E-4663-AB8A-3C6E3B2929E2}" srcOrd="3" destOrd="0" presId="urn:microsoft.com/office/officeart/2018/2/layout/IconVerticalSolidList"/>
+    <dgm:cxn modelId="{9731C34D-C74F-4144-BB6F-46631C1C73C3}" type="presParOf" srcId="{DE30EEF5-C64E-453B-B4AE-FA9938BB7E88}" destId="{B6F4B383-2654-4472-B481-77F7DB151AA2}" srcOrd="7" destOrd="0" presId="urn:microsoft.com/office/officeart/2018/2/layout/IconVerticalSolidList"/>
+    <dgm:cxn modelId="{B5066499-24A6-4C01-AA21-2974555848EC}" type="presParOf" srcId="{DE30EEF5-C64E-453B-B4AE-FA9938BB7E88}" destId="{EB223067-7FB7-4C3F-8888-2916A3FA698E}" srcOrd="8" destOrd="0" presId="urn:microsoft.com/office/officeart/2018/2/layout/IconVerticalSolidList"/>
+    <dgm:cxn modelId="{CE55B4EB-0256-4787-BAB9-D5408921C003}" type="presParOf" srcId="{EB223067-7FB7-4C3F-8888-2916A3FA698E}" destId="{DDC869DA-A471-4EEC-B739-DB81ADA50B76}" srcOrd="0" destOrd="0" presId="urn:microsoft.com/office/officeart/2018/2/layout/IconVerticalSolidList"/>
+    <dgm:cxn modelId="{8319BB7C-5C71-4A7A-874E-20FC62138279}" type="presParOf" srcId="{EB223067-7FB7-4C3F-8888-2916A3FA698E}" destId="{57093893-8931-4081-8BB4-9526C716373B}" srcOrd="1" destOrd="0" presId="urn:microsoft.com/office/officeart/2018/2/layout/IconVerticalSolidList"/>
+    <dgm:cxn modelId="{FB1DC73B-230E-4D65-BD5B-F6F8345A1C6A}" type="presParOf" srcId="{EB223067-7FB7-4C3F-8888-2916A3FA698E}" destId="{2F880590-99FA-4657-B419-9CACEFC51DB6}" srcOrd="2" destOrd="0" presId="urn:microsoft.com/office/officeart/2018/2/layout/IconVerticalSolidList"/>
+    <dgm:cxn modelId="{DF869A94-DA26-4435-9211-B36B7C728A75}" type="presParOf" srcId="{EB223067-7FB7-4C3F-8888-2916A3FA698E}" destId="{522D51F4-464B-40A0-A145-E5D144823C93}" srcOrd="3" destOrd="0" presId="urn:microsoft.com/office/officeart/2018/2/layout/IconVerticalSolidList"/>
+    <dgm:cxn modelId="{2702BD34-3190-4A97-AB51-DEB792F9F7C2}" type="presParOf" srcId="{DE30EEF5-C64E-453B-B4AE-FA9938BB7E88}" destId="{29721B37-D4A3-42B8-93E6-6AB9F641FD24}" srcOrd="9" destOrd="0" presId="urn:microsoft.com/office/officeart/2018/2/layout/IconVerticalSolidList"/>
+    <dgm:cxn modelId="{66F75E50-68EC-485B-A40D-85533456C95B}" type="presParOf" srcId="{DE30EEF5-C64E-453B-B4AE-FA9938BB7E88}" destId="{58DD5BC4-B268-4126-A417-62507590AD94}" srcOrd="10" destOrd="0" presId="urn:microsoft.com/office/officeart/2018/2/layout/IconVerticalSolidList"/>
+    <dgm:cxn modelId="{5E1C73BE-FE8D-4E41-9225-77D77E8734C7}" type="presParOf" srcId="{58DD5BC4-B268-4126-A417-62507590AD94}" destId="{2EE0B528-8897-428A-A225-F06EF38DE0E2}" srcOrd="0" destOrd="0" presId="urn:microsoft.com/office/officeart/2018/2/layout/IconVerticalSolidList"/>
+    <dgm:cxn modelId="{824655FD-F696-4D7B-AAEA-772B47B8C7DD}" type="presParOf" srcId="{58DD5BC4-B268-4126-A417-62507590AD94}" destId="{C84E31AD-48DF-4B0A-A83B-9C7E8D894BF3}" srcOrd="1" destOrd="0" presId="urn:microsoft.com/office/officeart/2018/2/layout/IconVerticalSolidList"/>
+    <dgm:cxn modelId="{C1ED4A87-8EE7-4644-8210-471B56E0B3F4}" type="presParOf" srcId="{58DD5BC4-B268-4126-A417-62507590AD94}" destId="{96EDFDC4-FD31-4FD5-896D-8B8538F3C090}" srcOrd="2" destOrd="0" presId="urn:microsoft.com/office/officeart/2018/2/layout/IconVerticalSolidList"/>
+    <dgm:cxn modelId="{5714651C-DF2D-4A39-B34E-FC2E059E2319}" type="presParOf" srcId="{58DD5BC4-B268-4126-A417-62507590AD94}" destId="{25983D35-24F0-45B3-9D64-562541C2A760}" srcOrd="3" destOrd="0" presId="urn:microsoft.com/office/officeart/2018/2/layout/IconVerticalSolidList"/>
+  </dgm:cxnLst>
+  <dgm:bg/>
+  <dgm:whole/>
+  <dgm:extLst>
+    <a:ext uri="http://schemas.microsoft.com/office/drawing/2008/diagram">
+      <dsp:dataModelExt xmlns:dsp="http://schemas.microsoft.com/office/drawing/2008/diagram" relId="rId7" minVer="http://schemas.openxmlformats.org/drawingml/2006/diagram"/>
+    </a:ext>
+  </dgm:extLst>
+</dgm:dataModel>
+</file>
+
+<file path=ppt/diagrams/data6.xml><?xml version="1.0" encoding="utf-8"?>
+<dgm:dataModel xmlns:dgm="http://schemas.openxmlformats.org/drawingml/2006/diagram" xmlns:a="http://schemas.openxmlformats.org/drawingml/2006/main">
+  <dgm:ptLst>
+    <dgm:pt modelId="{1B353BF7-81BA-4817-874C-70D15936C317}" type="doc">
+      <dgm:prSet loTypeId="urn:microsoft.com/office/officeart/2005/8/layout/hierarchy1" loCatId="hierarchy" qsTypeId="urn:microsoft.com/office/officeart/2005/8/quickstyle/simple1" qsCatId="simple" csTypeId="urn:microsoft.com/office/officeart/2005/8/colors/accent1_2" csCatId="accent1"/>
+      <dgm:spPr/>
+      <dgm:t>
+        <a:bodyPr/>
+        <a:lstStyle/>
+        <a:p>
+          <a:endParaRPr lang="en-US"/>
+        </a:p>
+      </dgm:t>
+    </dgm:pt>
+    <dgm:pt modelId="{9A7E605C-BC0D-4771-9364-6CDDC4D48AD3}">
+      <dgm:prSet/>
+      <dgm:spPr/>
+      <dgm:t>
+        <a:bodyPr/>
+        <a:lstStyle/>
+        <a:p>
+          <a:r>
+            <a:rPr lang="en-GB"/>
+            <a:t>Minimum Viable Prototype</a:t>
+          </a:r>
+          <a:endParaRPr lang="en-US"/>
+        </a:p>
+      </dgm:t>
+    </dgm:pt>
+    <dgm:pt modelId="{463B2F2C-1D97-4393-8FE3-A12BE42DE397}" type="parTrans" cxnId="{6495BDF7-DF4C-4D72-8063-2F0083AB7E6D}">
+      <dgm:prSet/>
+      <dgm:spPr/>
+      <dgm:t>
+        <a:bodyPr/>
+        <a:lstStyle/>
+        <a:p>
+          <a:endParaRPr lang="en-US"/>
+        </a:p>
+      </dgm:t>
+    </dgm:pt>
+    <dgm:pt modelId="{A75E2F7E-9FB7-49A0-9405-F65956228494}" type="sibTrans" cxnId="{6495BDF7-DF4C-4D72-8063-2F0083AB7E6D}">
+      <dgm:prSet/>
+      <dgm:spPr/>
+      <dgm:t>
+        <a:bodyPr/>
+        <a:lstStyle/>
+        <a:p>
+          <a:endParaRPr lang="en-US"/>
+        </a:p>
+      </dgm:t>
+    </dgm:pt>
+    <dgm:pt modelId="{ABE648E6-17AF-4C70-A8B8-AF1BB3314486}">
+      <dgm:prSet/>
+      <dgm:spPr/>
+      <dgm:t>
+        <a:bodyPr/>
+        <a:lstStyle/>
+        <a:p>
+          <a:r>
+            <a:rPr lang="en-GB"/>
+            <a:t>Implemented the Lag-Llama, autoregressor and autoARIMA models in abstracted way</a:t>
+          </a:r>
+          <a:endParaRPr lang="en-US"/>
+        </a:p>
+      </dgm:t>
+    </dgm:pt>
+    <dgm:pt modelId="{61264265-0648-4397-9661-122CFFD89FAB}" type="parTrans" cxnId="{14E090BF-A159-41BD-8360-710B6939B36A}">
+      <dgm:prSet/>
+      <dgm:spPr/>
+      <dgm:t>
+        <a:bodyPr/>
+        <a:lstStyle/>
+        <a:p>
+          <a:endParaRPr lang="en-US"/>
+        </a:p>
+      </dgm:t>
+    </dgm:pt>
+    <dgm:pt modelId="{15AFE2F4-9277-4B6A-8E91-71C25CBBE79F}" type="sibTrans" cxnId="{14E090BF-A159-41BD-8360-710B6939B36A}">
+      <dgm:prSet/>
+      <dgm:spPr/>
+      <dgm:t>
+        <a:bodyPr/>
+        <a:lstStyle/>
+        <a:p>
+          <a:endParaRPr lang="en-US"/>
+        </a:p>
+      </dgm:t>
+    </dgm:pt>
+    <dgm:pt modelId="{F421D35D-4B1B-4DCE-B355-3CA825336D6C}">
+      <dgm:prSet/>
+      <dgm:spPr/>
+      <dgm:t>
+        <a:bodyPr/>
+        <a:lstStyle/>
+        <a:p>
+          <a:r>
+            <a:rPr lang="en-GB"/>
+            <a:t>Ability to get model predictions with a single line of code</a:t>
+          </a:r>
+          <a:endParaRPr lang="en-US"/>
+        </a:p>
+      </dgm:t>
+    </dgm:pt>
+    <dgm:pt modelId="{23E9655F-B5B0-4DCE-A788-3790A6DF1272}" type="parTrans" cxnId="{92742EC5-A22B-40F1-9DD6-1F1257BB7E6A}">
+      <dgm:prSet/>
+      <dgm:spPr/>
+      <dgm:t>
+        <a:bodyPr/>
+        <a:lstStyle/>
+        <a:p>
+          <a:endParaRPr lang="en-US"/>
+        </a:p>
+      </dgm:t>
+    </dgm:pt>
+    <dgm:pt modelId="{217B0063-D99C-4733-8CB1-3CF04B4CF06D}" type="sibTrans" cxnId="{92742EC5-A22B-40F1-9DD6-1F1257BB7E6A}">
+      <dgm:prSet/>
+      <dgm:spPr/>
+      <dgm:t>
+        <a:bodyPr/>
+        <a:lstStyle/>
+        <a:p>
+          <a:endParaRPr lang="en-US"/>
+        </a:p>
+      </dgm:t>
+    </dgm:pt>
+    <dgm:pt modelId="{92E11C3E-B913-4800-827E-E34BE7764A75}">
+      <dgm:prSet/>
+      <dgm:spPr/>
+      <dgm:t>
+        <a:bodyPr/>
+        <a:lstStyle/>
+        <a:p>
+          <a:r>
+            <a:rPr lang="en-GB"/>
+            <a:t>Rudimentary data capabilities</a:t>
+          </a:r>
+          <a:endParaRPr lang="en-US"/>
+        </a:p>
+      </dgm:t>
+    </dgm:pt>
+    <dgm:pt modelId="{46CCF94F-B850-4637-A060-AA24F3CADE57}" type="parTrans" cxnId="{34B99106-2293-4DD4-8F10-AE988E6BB610}">
+      <dgm:prSet/>
+      <dgm:spPr/>
+      <dgm:t>
+        <a:bodyPr/>
+        <a:lstStyle/>
+        <a:p>
+          <a:endParaRPr lang="en-US"/>
+        </a:p>
+      </dgm:t>
+    </dgm:pt>
+    <dgm:pt modelId="{46A5B842-C407-4E9D-A153-285D2DDB5C70}" type="sibTrans" cxnId="{34B99106-2293-4DD4-8F10-AE988E6BB610}">
+      <dgm:prSet/>
+      <dgm:spPr/>
+      <dgm:t>
+        <a:bodyPr/>
+        <a:lstStyle/>
+        <a:p>
+          <a:endParaRPr lang="en-US"/>
+        </a:p>
+      </dgm:t>
+    </dgm:pt>
+    <dgm:pt modelId="{AD05647C-31A0-4E25-AEAB-4D80AA5D18D1}">
+      <dgm:prSet/>
+      <dgm:spPr/>
+      <dgm:t>
+        <a:bodyPr/>
+        <a:lstStyle/>
+        <a:p>
+          <a:r>
+            <a:rPr lang="en-GB"/>
+            <a:t>Ability to get desired stock price and stock return data of desired frequency with a single line of code</a:t>
+          </a:r>
+          <a:endParaRPr lang="en-US"/>
+        </a:p>
+      </dgm:t>
+    </dgm:pt>
+    <dgm:pt modelId="{DFCF2DC8-FAB8-436A-843B-32CCE90A2CA9}" type="parTrans" cxnId="{5AE9980C-2A43-495B-B66B-033D3E100051}">
+      <dgm:prSet/>
+      <dgm:spPr/>
+      <dgm:t>
+        <a:bodyPr/>
+        <a:lstStyle/>
+        <a:p>
+          <a:endParaRPr lang="en-US"/>
+        </a:p>
+      </dgm:t>
+    </dgm:pt>
+    <dgm:pt modelId="{7F58562D-D123-4FC8-BC4C-389897F078BD}" type="sibTrans" cxnId="{5AE9980C-2A43-495B-B66B-033D3E100051}">
+      <dgm:prSet/>
+      <dgm:spPr/>
+      <dgm:t>
+        <a:bodyPr/>
+        <a:lstStyle/>
+        <a:p>
+          <a:endParaRPr lang="en-US"/>
+        </a:p>
+      </dgm:t>
+    </dgm:pt>
+    <dgm:pt modelId="{930DB155-DF1C-49FC-AC25-B225B6908F72}">
+      <dgm:prSet/>
+      <dgm:spPr/>
+      <dgm:t>
+        <a:bodyPr/>
+        <a:lstStyle/>
+        <a:p>
+          <a:r>
+            <a:rPr lang="en-GB"/>
+            <a:t>TSCV functionality</a:t>
+          </a:r>
+          <a:endParaRPr lang="en-US"/>
+        </a:p>
+      </dgm:t>
+    </dgm:pt>
+    <dgm:pt modelId="{B8646234-12F3-4E01-969D-F34A81CFF8AC}" type="parTrans" cxnId="{3B259805-C289-4981-8111-39380368B4DB}">
+      <dgm:prSet/>
+      <dgm:spPr/>
+      <dgm:t>
+        <a:bodyPr/>
+        <a:lstStyle/>
+        <a:p>
+          <a:endParaRPr lang="en-US"/>
+        </a:p>
+      </dgm:t>
+    </dgm:pt>
+    <dgm:pt modelId="{A69EC73C-BFD4-4FCC-9E4A-46410CA3D4A4}" type="sibTrans" cxnId="{3B259805-C289-4981-8111-39380368B4DB}">
+      <dgm:prSet/>
+      <dgm:spPr/>
+      <dgm:t>
+        <a:bodyPr/>
+        <a:lstStyle/>
+        <a:p>
+          <a:endParaRPr lang="en-US"/>
+        </a:p>
+      </dgm:t>
+    </dgm:pt>
+    <dgm:pt modelId="{88290313-C8EE-41A4-B400-03DE976B078F}">
+      <dgm:prSet/>
+      <dgm:spPr/>
+      <dgm:t>
+        <a:bodyPr/>
+        <a:lstStyle/>
+        <a:p>
+          <a:r>
+            <a:rPr lang="en-GB"/>
+            <a:t>Ability to run TSCV and get results on a desired time-series with custom n_folds and prediction_horizon</a:t>
+          </a:r>
+          <a:endParaRPr lang="en-US"/>
+        </a:p>
+      </dgm:t>
+    </dgm:pt>
+    <dgm:pt modelId="{18EA464D-0F3E-417C-A384-4D4F81C3AB5B}" type="parTrans" cxnId="{A8A868C6-46CF-496C-A2FE-AC99B21D35B0}">
+      <dgm:prSet/>
+      <dgm:spPr/>
+      <dgm:t>
+        <a:bodyPr/>
+        <a:lstStyle/>
+        <a:p>
+          <a:endParaRPr lang="en-US"/>
+        </a:p>
+      </dgm:t>
+    </dgm:pt>
+    <dgm:pt modelId="{BC935B97-8752-497B-838E-98E09B332739}" type="sibTrans" cxnId="{A8A868C6-46CF-496C-A2FE-AC99B21D35B0}">
+      <dgm:prSet/>
+      <dgm:spPr/>
+      <dgm:t>
+        <a:bodyPr/>
+        <a:lstStyle/>
+        <a:p>
+          <a:endParaRPr lang="en-US"/>
+        </a:p>
+      </dgm:t>
+    </dgm:pt>
+    <dgm:pt modelId="{8DC9027B-3F95-4785-9A92-3FC6407279E6}">
+      <dgm:prSet/>
+      <dgm:spPr/>
+      <dgm:t>
+        <a:bodyPr/>
+        <a:lstStyle/>
+        <a:p>
+          <a:r>
+            <a:rPr lang="en-GB"/>
+            <a:t>Results visualization</a:t>
+          </a:r>
+          <a:endParaRPr lang="en-US"/>
+        </a:p>
+      </dgm:t>
+    </dgm:pt>
+    <dgm:pt modelId="{50313C3B-28E6-4D6B-86FB-BF5BEEB52111}" type="parTrans" cxnId="{49EE314A-3361-4750-8AFF-098DA66FDC00}">
+      <dgm:prSet/>
+      <dgm:spPr/>
+      <dgm:t>
+        <a:bodyPr/>
+        <a:lstStyle/>
+        <a:p>
+          <a:endParaRPr lang="en-US"/>
+        </a:p>
+      </dgm:t>
+    </dgm:pt>
+    <dgm:pt modelId="{BAB8DAE7-0888-49D4-98B3-7EBD4066F354}" type="sibTrans" cxnId="{49EE314A-3361-4750-8AFF-098DA66FDC00}">
+      <dgm:prSet/>
+      <dgm:spPr/>
+      <dgm:t>
+        <a:bodyPr/>
+        <a:lstStyle/>
+        <a:p>
+          <a:endParaRPr lang="en-US"/>
+        </a:p>
+      </dgm:t>
+    </dgm:pt>
+    <dgm:pt modelId="{227AA57D-3EE0-422F-88CD-682350043E84}">
+      <dgm:prSet/>
+      <dgm:spPr/>
+      <dgm:t>
+        <a:bodyPr/>
+        <a:lstStyle/>
+        <a:p>
+          <a:r>
+            <a:rPr lang="en-GB"/>
+            <a:t>Results of the TSCV visualized in an interactive manner</a:t>
+          </a:r>
+          <a:endParaRPr lang="en-US"/>
+        </a:p>
+      </dgm:t>
+    </dgm:pt>
+    <dgm:pt modelId="{50844AB7-B895-4A72-A5EC-8AEF9989ACB3}" type="parTrans" cxnId="{A2388808-B07F-4D0C-AE19-333B3832AD2E}">
+      <dgm:prSet/>
+      <dgm:spPr/>
+      <dgm:t>
+        <a:bodyPr/>
+        <a:lstStyle/>
+        <a:p>
+          <a:endParaRPr lang="en-US"/>
+        </a:p>
+      </dgm:t>
+    </dgm:pt>
+    <dgm:pt modelId="{FC4303D2-23C6-438E-BD93-B36A80A4D53D}" type="sibTrans" cxnId="{A2388808-B07F-4D0C-AE19-333B3832AD2E}">
+      <dgm:prSet/>
+      <dgm:spPr/>
+      <dgm:t>
+        <a:bodyPr/>
+        <a:lstStyle/>
+        <a:p>
+          <a:endParaRPr lang="en-US"/>
+        </a:p>
+      </dgm:t>
+    </dgm:pt>
+    <dgm:pt modelId="{87BD5F8D-3B19-4C02-B253-4D0197E36556}" type="pres">
+      <dgm:prSet presAssocID="{1B353BF7-81BA-4817-874C-70D15936C317}" presName="hierChild1" presStyleCnt="0">
+        <dgm:presLayoutVars>
+          <dgm:chPref val="1"/>
+          <dgm:dir/>
+          <dgm:animOne val="branch"/>
+          <dgm:animLvl val="lvl"/>
+          <dgm:resizeHandles/>
+        </dgm:presLayoutVars>
+      </dgm:prSet>
+      <dgm:spPr/>
+    </dgm:pt>
+    <dgm:pt modelId="{D428C8E4-22E1-4CE9-8922-74D17E1225D4}" type="pres">
+      <dgm:prSet presAssocID="{9A7E605C-BC0D-4771-9364-6CDDC4D48AD3}" presName="hierRoot1" presStyleCnt="0"/>
+      <dgm:spPr/>
+    </dgm:pt>
+    <dgm:pt modelId="{B49BBE65-C231-4D31-9B8B-AA5302FBC193}" type="pres">
+      <dgm:prSet presAssocID="{9A7E605C-BC0D-4771-9364-6CDDC4D48AD3}" presName="composite" presStyleCnt="0"/>
+      <dgm:spPr/>
+    </dgm:pt>
+    <dgm:pt modelId="{62663C99-FFE4-406B-B222-9031F4F8551C}" type="pres">
+      <dgm:prSet presAssocID="{9A7E605C-BC0D-4771-9364-6CDDC4D48AD3}" presName="background" presStyleLbl="node0" presStyleIdx="0" presStyleCnt="1"/>
+      <dgm:spPr/>
+    </dgm:pt>
+    <dgm:pt modelId="{24ED95BD-5A81-4DFA-ADA5-E599053A5C39}" type="pres">
+      <dgm:prSet presAssocID="{9A7E605C-BC0D-4771-9364-6CDDC4D48AD3}" presName="text" presStyleLbl="fgAcc0" presStyleIdx="0" presStyleCnt="1">
+        <dgm:presLayoutVars>
+          <dgm:chPref val="3"/>
+        </dgm:presLayoutVars>
+      </dgm:prSet>
+      <dgm:spPr/>
+    </dgm:pt>
+    <dgm:pt modelId="{C6DB2B8B-A708-4E59-BF1E-1F5FF1CB1B7F}" type="pres">
+      <dgm:prSet presAssocID="{9A7E605C-BC0D-4771-9364-6CDDC4D48AD3}" presName="hierChild2" presStyleCnt="0"/>
+      <dgm:spPr/>
+    </dgm:pt>
+    <dgm:pt modelId="{CE41A50B-2977-4976-852C-CB84464B84AE}" type="pres">
+      <dgm:prSet presAssocID="{61264265-0648-4397-9661-122CFFD89FAB}" presName="Name10" presStyleLbl="parChTrans1D2" presStyleIdx="0" presStyleCnt="4"/>
+      <dgm:spPr/>
+    </dgm:pt>
+    <dgm:pt modelId="{871AB375-4069-4A2F-9431-FB565F94ED2B}" type="pres">
+      <dgm:prSet presAssocID="{ABE648E6-17AF-4C70-A8B8-AF1BB3314486}" presName="hierRoot2" presStyleCnt="0"/>
+      <dgm:spPr/>
+    </dgm:pt>
+    <dgm:pt modelId="{82F791DA-0481-401F-AF4B-CE3D07F4037D}" type="pres">
+      <dgm:prSet presAssocID="{ABE648E6-17AF-4C70-A8B8-AF1BB3314486}" presName="composite2" presStyleCnt="0"/>
+      <dgm:spPr/>
+    </dgm:pt>
+    <dgm:pt modelId="{A50A9B94-F602-434F-841A-3FF930D87AF3}" type="pres">
+      <dgm:prSet presAssocID="{ABE648E6-17AF-4C70-A8B8-AF1BB3314486}" presName="background2" presStyleLbl="node2" presStyleIdx="0" presStyleCnt="4"/>
+      <dgm:spPr/>
+    </dgm:pt>
+    <dgm:pt modelId="{C196EA4D-F6CF-4BB1-AB04-9ED239A79DD4}" type="pres">
+      <dgm:prSet presAssocID="{ABE648E6-17AF-4C70-A8B8-AF1BB3314486}" presName="text2" presStyleLbl="fgAcc2" presStyleIdx="0" presStyleCnt="4">
+        <dgm:presLayoutVars>
+          <dgm:chPref val="3"/>
+        </dgm:presLayoutVars>
+      </dgm:prSet>
+      <dgm:spPr/>
+    </dgm:pt>
+    <dgm:pt modelId="{7841FF6E-4CE7-4404-B50F-70267D133328}" type="pres">
+      <dgm:prSet presAssocID="{ABE648E6-17AF-4C70-A8B8-AF1BB3314486}" presName="hierChild3" presStyleCnt="0"/>
+      <dgm:spPr/>
+    </dgm:pt>
+    <dgm:pt modelId="{68532898-A7FB-4D7E-957F-567D4E5CDA90}" type="pres">
+      <dgm:prSet presAssocID="{23E9655F-B5B0-4DCE-A788-3790A6DF1272}" presName="Name17" presStyleLbl="parChTrans1D3" presStyleIdx="0" presStyleCnt="4"/>
+      <dgm:spPr/>
+    </dgm:pt>
+    <dgm:pt modelId="{420752EB-56CE-4149-9437-334787BF45A3}" type="pres">
+      <dgm:prSet presAssocID="{F421D35D-4B1B-4DCE-B355-3CA825336D6C}" presName="hierRoot3" presStyleCnt="0"/>
+      <dgm:spPr/>
+    </dgm:pt>
+    <dgm:pt modelId="{6480A5D6-26E9-4F34-B04E-79E88CFF378E}" type="pres">
+      <dgm:prSet presAssocID="{F421D35D-4B1B-4DCE-B355-3CA825336D6C}" presName="composite3" presStyleCnt="0"/>
+      <dgm:spPr/>
+    </dgm:pt>
+    <dgm:pt modelId="{2E46B80E-A116-434B-B8AB-474AB1A62480}" type="pres">
+      <dgm:prSet presAssocID="{F421D35D-4B1B-4DCE-B355-3CA825336D6C}" presName="background3" presStyleLbl="node3" presStyleIdx="0" presStyleCnt="4"/>
+      <dgm:spPr/>
+    </dgm:pt>
+    <dgm:pt modelId="{5083C1FE-8844-4821-8817-404C16CCDB49}" type="pres">
+      <dgm:prSet presAssocID="{F421D35D-4B1B-4DCE-B355-3CA825336D6C}" presName="text3" presStyleLbl="fgAcc3" presStyleIdx="0" presStyleCnt="4">
+        <dgm:presLayoutVars>
+          <dgm:chPref val="3"/>
+        </dgm:presLayoutVars>
+      </dgm:prSet>
+      <dgm:spPr/>
+    </dgm:pt>
+    <dgm:pt modelId="{337A7A8D-2939-4BC9-8C43-401CA4CADE22}" type="pres">
+      <dgm:prSet presAssocID="{F421D35D-4B1B-4DCE-B355-3CA825336D6C}" presName="hierChild4" presStyleCnt="0"/>
+      <dgm:spPr/>
+    </dgm:pt>
+    <dgm:pt modelId="{D93CA638-81E4-46A9-9950-37670888C984}" type="pres">
+      <dgm:prSet presAssocID="{46CCF94F-B850-4637-A060-AA24F3CADE57}" presName="Name10" presStyleLbl="parChTrans1D2" presStyleIdx="1" presStyleCnt="4"/>
+      <dgm:spPr/>
+    </dgm:pt>
+    <dgm:pt modelId="{638599C7-F56E-4229-B382-4C197474A86C}" type="pres">
+      <dgm:prSet presAssocID="{92E11C3E-B913-4800-827E-E34BE7764A75}" presName="hierRoot2" presStyleCnt="0"/>
+      <dgm:spPr/>
+    </dgm:pt>
+    <dgm:pt modelId="{B5E26D6B-692C-42C4-A8A1-FBA4ED801664}" type="pres">
+      <dgm:prSet presAssocID="{92E11C3E-B913-4800-827E-E34BE7764A75}" presName="composite2" presStyleCnt="0"/>
+      <dgm:spPr/>
+    </dgm:pt>
+    <dgm:pt modelId="{8E42CF63-A1CA-4B97-BAA3-C2475A72AD0A}" type="pres">
+      <dgm:prSet presAssocID="{92E11C3E-B913-4800-827E-E34BE7764A75}" presName="background2" presStyleLbl="node2" presStyleIdx="1" presStyleCnt="4"/>
+      <dgm:spPr/>
+    </dgm:pt>
+    <dgm:pt modelId="{723589A1-9664-4F75-B2D2-5E21296B09DE}" type="pres">
+      <dgm:prSet presAssocID="{92E11C3E-B913-4800-827E-E34BE7764A75}" presName="text2" presStyleLbl="fgAcc2" presStyleIdx="1" presStyleCnt="4">
+        <dgm:presLayoutVars>
+          <dgm:chPref val="3"/>
+        </dgm:presLayoutVars>
+      </dgm:prSet>
+      <dgm:spPr/>
+    </dgm:pt>
+    <dgm:pt modelId="{9CD7B607-B5FA-44FC-A03E-9B232F323F48}" type="pres">
+      <dgm:prSet presAssocID="{92E11C3E-B913-4800-827E-E34BE7764A75}" presName="hierChild3" presStyleCnt="0"/>
+      <dgm:spPr/>
+    </dgm:pt>
+    <dgm:pt modelId="{D2A4D0BF-DD1A-4FCB-B0BE-B2E3D04700D3}" type="pres">
+      <dgm:prSet presAssocID="{DFCF2DC8-FAB8-436A-843B-32CCE90A2CA9}" presName="Name17" presStyleLbl="parChTrans1D3" presStyleIdx="1" presStyleCnt="4"/>
+      <dgm:spPr/>
+    </dgm:pt>
+    <dgm:pt modelId="{9B6E0F87-13AD-4E3B-884C-1890431675EF}" type="pres">
+      <dgm:prSet presAssocID="{AD05647C-31A0-4E25-AEAB-4D80AA5D18D1}" presName="hierRoot3" presStyleCnt="0"/>
+      <dgm:spPr/>
+    </dgm:pt>
+    <dgm:pt modelId="{22B453F6-F4C1-414F-A0DB-35EDE75FB56D}" type="pres">
+      <dgm:prSet presAssocID="{AD05647C-31A0-4E25-AEAB-4D80AA5D18D1}" presName="composite3" presStyleCnt="0"/>
+      <dgm:spPr/>
+    </dgm:pt>
+    <dgm:pt modelId="{A50A79EF-2F23-4F1F-8535-1DE574373636}" type="pres">
+      <dgm:prSet presAssocID="{AD05647C-31A0-4E25-AEAB-4D80AA5D18D1}" presName="background3" presStyleLbl="node3" presStyleIdx="1" presStyleCnt="4"/>
+      <dgm:spPr/>
+    </dgm:pt>
+    <dgm:pt modelId="{0B2AB48D-3455-42B6-BD70-C0A5C1F11792}" type="pres">
+      <dgm:prSet presAssocID="{AD05647C-31A0-4E25-AEAB-4D80AA5D18D1}" presName="text3" presStyleLbl="fgAcc3" presStyleIdx="1" presStyleCnt="4">
+        <dgm:presLayoutVars>
+          <dgm:chPref val="3"/>
+        </dgm:presLayoutVars>
+      </dgm:prSet>
+      <dgm:spPr/>
+    </dgm:pt>
+    <dgm:pt modelId="{464327C5-B138-4AB5-B733-1318DBB9DB79}" type="pres">
+      <dgm:prSet presAssocID="{AD05647C-31A0-4E25-AEAB-4D80AA5D18D1}" presName="hierChild4" presStyleCnt="0"/>
+      <dgm:spPr/>
+    </dgm:pt>
+    <dgm:pt modelId="{8A5D685E-5F35-450B-80DA-D2069DA9F405}" type="pres">
+      <dgm:prSet presAssocID="{B8646234-12F3-4E01-969D-F34A81CFF8AC}" presName="Name10" presStyleLbl="parChTrans1D2" presStyleIdx="2" presStyleCnt="4"/>
+      <dgm:spPr/>
+    </dgm:pt>
+    <dgm:pt modelId="{499BB9DA-75E0-4D0B-BA25-8135C265B8DE}" type="pres">
+      <dgm:prSet presAssocID="{930DB155-DF1C-49FC-AC25-B225B6908F72}" presName="hierRoot2" presStyleCnt="0"/>
+      <dgm:spPr/>
+    </dgm:pt>
+    <dgm:pt modelId="{423C551E-3BAC-4BC6-B946-C27F1E626B94}" type="pres">
+      <dgm:prSet presAssocID="{930DB155-DF1C-49FC-AC25-B225B6908F72}" presName="composite2" presStyleCnt="0"/>
+      <dgm:spPr/>
+    </dgm:pt>
+    <dgm:pt modelId="{0C9358D7-294B-4481-9C4B-149183BE5B0B}" type="pres">
+      <dgm:prSet presAssocID="{930DB155-DF1C-49FC-AC25-B225B6908F72}" presName="background2" presStyleLbl="node2" presStyleIdx="2" presStyleCnt="4"/>
+      <dgm:spPr/>
+    </dgm:pt>
+    <dgm:pt modelId="{A0ECCAE2-111C-4A8E-BA36-56F309E94929}" type="pres">
+      <dgm:prSet presAssocID="{930DB155-DF1C-49FC-AC25-B225B6908F72}" presName="text2" presStyleLbl="fgAcc2" presStyleIdx="2" presStyleCnt="4">
+        <dgm:presLayoutVars>
+          <dgm:chPref val="3"/>
+        </dgm:presLayoutVars>
+      </dgm:prSet>
+      <dgm:spPr/>
+    </dgm:pt>
+    <dgm:pt modelId="{4D6B1F8A-5A2A-4944-9618-1015B88E8C53}" type="pres">
+      <dgm:prSet presAssocID="{930DB155-DF1C-49FC-AC25-B225B6908F72}" presName="hierChild3" presStyleCnt="0"/>
+      <dgm:spPr/>
+    </dgm:pt>
+    <dgm:pt modelId="{E713F459-A009-4422-A338-89997BF4A463}" type="pres">
+      <dgm:prSet presAssocID="{18EA464D-0F3E-417C-A384-4D4F81C3AB5B}" presName="Name17" presStyleLbl="parChTrans1D3" presStyleIdx="2" presStyleCnt="4"/>
+      <dgm:spPr/>
+    </dgm:pt>
+    <dgm:pt modelId="{3837498A-CDDD-4A03-B13A-54A23DD5EECD}" type="pres">
+      <dgm:prSet presAssocID="{88290313-C8EE-41A4-B400-03DE976B078F}" presName="hierRoot3" presStyleCnt="0"/>
+      <dgm:spPr/>
+    </dgm:pt>
+    <dgm:pt modelId="{A2CE1A26-B6FA-4712-AC34-8981A4E66F3E}" type="pres">
+      <dgm:prSet presAssocID="{88290313-C8EE-41A4-B400-03DE976B078F}" presName="composite3" presStyleCnt="0"/>
+      <dgm:spPr/>
+    </dgm:pt>
+    <dgm:pt modelId="{E56BF9A7-2FF7-4FC7-8377-2F3395C8C2E1}" type="pres">
+      <dgm:prSet presAssocID="{88290313-C8EE-41A4-B400-03DE976B078F}" presName="background3" presStyleLbl="node3" presStyleIdx="2" presStyleCnt="4"/>
+      <dgm:spPr/>
+    </dgm:pt>
+    <dgm:pt modelId="{E8919919-88FC-4871-ACA9-C46E412FE2DB}" type="pres">
+      <dgm:prSet presAssocID="{88290313-C8EE-41A4-B400-03DE976B078F}" presName="text3" presStyleLbl="fgAcc3" presStyleIdx="2" presStyleCnt="4">
+        <dgm:presLayoutVars>
+          <dgm:chPref val="3"/>
+        </dgm:presLayoutVars>
+      </dgm:prSet>
+      <dgm:spPr/>
+    </dgm:pt>
+    <dgm:pt modelId="{B8C7FC86-D47E-4456-931D-BE84C55F294E}" type="pres">
+      <dgm:prSet presAssocID="{88290313-C8EE-41A4-B400-03DE976B078F}" presName="hierChild4" presStyleCnt="0"/>
+      <dgm:spPr/>
+    </dgm:pt>
+    <dgm:pt modelId="{B5421611-F8AA-4165-A108-22628AD7A805}" type="pres">
+      <dgm:prSet presAssocID="{50313C3B-28E6-4D6B-86FB-BF5BEEB52111}" presName="Name10" presStyleLbl="parChTrans1D2" presStyleIdx="3" presStyleCnt="4"/>
+      <dgm:spPr/>
+    </dgm:pt>
+    <dgm:pt modelId="{3FC51AB0-8FF5-4EB1-89A4-61092ECBA985}" type="pres">
+      <dgm:prSet presAssocID="{8DC9027B-3F95-4785-9A92-3FC6407279E6}" presName="hierRoot2" presStyleCnt="0"/>
+      <dgm:spPr/>
+    </dgm:pt>
+    <dgm:pt modelId="{77D55CC5-9AEA-4941-878B-37AF31651686}" type="pres">
+      <dgm:prSet presAssocID="{8DC9027B-3F95-4785-9A92-3FC6407279E6}" presName="composite2" presStyleCnt="0"/>
+      <dgm:spPr/>
+    </dgm:pt>
+    <dgm:pt modelId="{0764E300-DF7C-4E79-A056-00792BCAC4BC}" type="pres">
+      <dgm:prSet presAssocID="{8DC9027B-3F95-4785-9A92-3FC6407279E6}" presName="background2" presStyleLbl="node2" presStyleIdx="3" presStyleCnt="4"/>
+      <dgm:spPr/>
+    </dgm:pt>
+    <dgm:pt modelId="{FE922328-F30F-4701-9834-2311E6031A91}" type="pres">
+      <dgm:prSet presAssocID="{8DC9027B-3F95-4785-9A92-3FC6407279E6}" presName="text2" presStyleLbl="fgAcc2" presStyleIdx="3" presStyleCnt="4">
+        <dgm:presLayoutVars>
+          <dgm:chPref val="3"/>
+        </dgm:presLayoutVars>
+      </dgm:prSet>
+      <dgm:spPr/>
+    </dgm:pt>
+    <dgm:pt modelId="{0642B88B-8120-4D62-9AEE-78AAA8A74448}" type="pres">
+      <dgm:prSet presAssocID="{8DC9027B-3F95-4785-9A92-3FC6407279E6}" presName="hierChild3" presStyleCnt="0"/>
+      <dgm:spPr/>
+    </dgm:pt>
+    <dgm:pt modelId="{11911983-799C-4814-A376-45BE7DB4A321}" type="pres">
+      <dgm:prSet presAssocID="{50844AB7-B895-4A72-A5EC-8AEF9989ACB3}" presName="Name17" presStyleLbl="parChTrans1D3" presStyleIdx="3" presStyleCnt="4"/>
+      <dgm:spPr/>
+    </dgm:pt>
+    <dgm:pt modelId="{2AA3E54E-382E-467A-8D6F-D7E0109798CB}" type="pres">
+      <dgm:prSet presAssocID="{227AA57D-3EE0-422F-88CD-682350043E84}" presName="hierRoot3" presStyleCnt="0"/>
+      <dgm:spPr/>
+    </dgm:pt>
+    <dgm:pt modelId="{1B654E16-6FFE-45B3-9F75-67EDE55B89C6}" type="pres">
+      <dgm:prSet presAssocID="{227AA57D-3EE0-422F-88CD-682350043E84}" presName="composite3" presStyleCnt="0"/>
+      <dgm:spPr/>
+    </dgm:pt>
+    <dgm:pt modelId="{1E3E74DC-9E67-4EE6-AA8A-B5E223E68284}" type="pres">
+      <dgm:prSet presAssocID="{227AA57D-3EE0-422F-88CD-682350043E84}" presName="background3" presStyleLbl="node3" presStyleIdx="3" presStyleCnt="4"/>
+      <dgm:spPr/>
+    </dgm:pt>
+    <dgm:pt modelId="{28979DD1-78FD-4577-A98B-632106F90AE7}" type="pres">
+      <dgm:prSet presAssocID="{227AA57D-3EE0-422F-88CD-682350043E84}" presName="text3" presStyleLbl="fgAcc3" presStyleIdx="3" presStyleCnt="4">
+        <dgm:presLayoutVars>
+          <dgm:chPref val="3"/>
+        </dgm:presLayoutVars>
+      </dgm:prSet>
+      <dgm:spPr/>
+    </dgm:pt>
+    <dgm:pt modelId="{93213FF1-DE34-4988-AAA2-0DB156CF1510}" type="pres">
+      <dgm:prSet presAssocID="{227AA57D-3EE0-422F-88CD-682350043E84}" presName="hierChild4" presStyleCnt="0"/>
+      <dgm:spPr/>
+    </dgm:pt>
+  </dgm:ptLst>
+  <dgm:cxnLst>
+    <dgm:cxn modelId="{3B259805-C289-4981-8111-39380368B4DB}" srcId="{9A7E605C-BC0D-4771-9364-6CDDC4D48AD3}" destId="{930DB155-DF1C-49FC-AC25-B225B6908F72}" srcOrd="2" destOrd="0" parTransId="{B8646234-12F3-4E01-969D-F34A81CFF8AC}" sibTransId="{A69EC73C-BFD4-4FCC-9E4A-46410CA3D4A4}"/>
+    <dgm:cxn modelId="{69EF5806-8FA8-4AF8-B4CE-966EA370373E}" type="presOf" srcId="{1B353BF7-81BA-4817-874C-70D15936C317}" destId="{87BD5F8D-3B19-4C02-B253-4D0197E36556}" srcOrd="0" destOrd="0" presId="urn:microsoft.com/office/officeart/2005/8/layout/hierarchy1"/>
+    <dgm:cxn modelId="{34B99106-2293-4DD4-8F10-AE988E6BB610}" srcId="{9A7E605C-BC0D-4771-9364-6CDDC4D48AD3}" destId="{92E11C3E-B913-4800-827E-E34BE7764A75}" srcOrd="1" destOrd="0" parTransId="{46CCF94F-B850-4637-A060-AA24F3CADE57}" sibTransId="{46A5B842-C407-4E9D-A153-285D2DDB5C70}"/>
+    <dgm:cxn modelId="{A2388808-B07F-4D0C-AE19-333B3832AD2E}" srcId="{8DC9027B-3F95-4785-9A92-3FC6407279E6}" destId="{227AA57D-3EE0-422F-88CD-682350043E84}" srcOrd="0" destOrd="0" parTransId="{50844AB7-B895-4A72-A5EC-8AEF9989ACB3}" sibTransId="{FC4303D2-23C6-438E-BD93-B36A80A4D53D}"/>
+    <dgm:cxn modelId="{5AE9980C-2A43-495B-B66B-033D3E100051}" srcId="{92E11C3E-B913-4800-827E-E34BE7764A75}" destId="{AD05647C-31A0-4E25-AEAB-4D80AA5D18D1}" srcOrd="0" destOrd="0" parTransId="{DFCF2DC8-FAB8-436A-843B-32CCE90A2CA9}" sibTransId="{7F58562D-D123-4FC8-BC4C-389897F078BD}"/>
+    <dgm:cxn modelId="{65776233-E0D9-4782-A62D-B481BEBBD735}" type="presOf" srcId="{AD05647C-31A0-4E25-AEAB-4D80AA5D18D1}" destId="{0B2AB48D-3455-42B6-BD70-C0A5C1F11792}" srcOrd="0" destOrd="0" presId="urn:microsoft.com/office/officeart/2005/8/layout/hierarchy1"/>
+    <dgm:cxn modelId="{CCFE333B-0831-485D-8BD9-11631B20683A}" type="presOf" srcId="{50844AB7-B895-4A72-A5EC-8AEF9989ACB3}" destId="{11911983-799C-4814-A376-45BE7DB4A321}" srcOrd="0" destOrd="0" presId="urn:microsoft.com/office/officeart/2005/8/layout/hierarchy1"/>
+    <dgm:cxn modelId="{E43B0967-FB4B-4B13-8CD2-60EDDF23F64F}" type="presOf" srcId="{61264265-0648-4397-9661-122CFFD89FAB}" destId="{CE41A50B-2977-4976-852C-CB84464B84AE}" srcOrd="0" destOrd="0" presId="urn:microsoft.com/office/officeart/2005/8/layout/hierarchy1"/>
+    <dgm:cxn modelId="{49EE314A-3361-4750-8AFF-098DA66FDC00}" srcId="{9A7E605C-BC0D-4771-9364-6CDDC4D48AD3}" destId="{8DC9027B-3F95-4785-9A92-3FC6407279E6}" srcOrd="3" destOrd="0" parTransId="{50313C3B-28E6-4D6B-86FB-BF5BEEB52111}" sibTransId="{BAB8DAE7-0888-49D4-98B3-7EBD4066F354}"/>
+    <dgm:cxn modelId="{777ED76A-DC04-4BE3-A9F2-9F7DF0DE7266}" type="presOf" srcId="{8DC9027B-3F95-4785-9A92-3FC6407279E6}" destId="{FE922328-F30F-4701-9834-2311E6031A91}" srcOrd="0" destOrd="0" presId="urn:microsoft.com/office/officeart/2005/8/layout/hierarchy1"/>
+    <dgm:cxn modelId="{0FACB157-F20F-4928-9FFE-A9278B1BFF68}" type="presOf" srcId="{9A7E605C-BC0D-4771-9364-6CDDC4D48AD3}" destId="{24ED95BD-5A81-4DFA-ADA5-E599053A5C39}" srcOrd="0" destOrd="0" presId="urn:microsoft.com/office/officeart/2005/8/layout/hierarchy1"/>
+    <dgm:cxn modelId="{1D0D8F7C-D9A6-455E-81A5-BF0DA9711195}" type="presOf" srcId="{92E11C3E-B913-4800-827E-E34BE7764A75}" destId="{723589A1-9664-4F75-B2D2-5E21296B09DE}" srcOrd="0" destOrd="0" presId="urn:microsoft.com/office/officeart/2005/8/layout/hierarchy1"/>
+    <dgm:cxn modelId="{BC0CE57F-9653-413F-A1AF-A871EC1A9303}" type="presOf" srcId="{46CCF94F-B850-4637-A060-AA24F3CADE57}" destId="{D93CA638-81E4-46A9-9950-37670888C984}" srcOrd="0" destOrd="0" presId="urn:microsoft.com/office/officeart/2005/8/layout/hierarchy1"/>
+    <dgm:cxn modelId="{C9027582-EDA9-4165-BDC3-038166EE74CB}" type="presOf" srcId="{ABE648E6-17AF-4C70-A8B8-AF1BB3314486}" destId="{C196EA4D-F6CF-4BB1-AB04-9ED239A79DD4}" srcOrd="0" destOrd="0" presId="urn:microsoft.com/office/officeart/2005/8/layout/hierarchy1"/>
+    <dgm:cxn modelId="{4B9E3F99-19F8-49AF-A77A-99CDDE42E99E}" type="presOf" srcId="{B8646234-12F3-4E01-969D-F34A81CFF8AC}" destId="{8A5D685E-5F35-450B-80DA-D2069DA9F405}" srcOrd="0" destOrd="0" presId="urn:microsoft.com/office/officeart/2005/8/layout/hierarchy1"/>
+    <dgm:cxn modelId="{93B7839E-FA4F-4E75-8373-D820F8B1BF9E}" type="presOf" srcId="{23E9655F-B5B0-4DCE-A788-3790A6DF1272}" destId="{68532898-A7FB-4D7E-957F-567D4E5CDA90}" srcOrd="0" destOrd="0" presId="urn:microsoft.com/office/officeart/2005/8/layout/hierarchy1"/>
+    <dgm:cxn modelId="{69B0A0A1-1270-44A9-8C9B-0628A6665718}" type="presOf" srcId="{50313C3B-28E6-4D6B-86FB-BF5BEEB52111}" destId="{B5421611-F8AA-4165-A108-22628AD7A805}" srcOrd="0" destOrd="0" presId="urn:microsoft.com/office/officeart/2005/8/layout/hierarchy1"/>
+    <dgm:cxn modelId="{B5CEC7A6-D444-43BF-9EEB-D7A7BCB30DA7}" type="presOf" srcId="{88290313-C8EE-41A4-B400-03DE976B078F}" destId="{E8919919-88FC-4871-ACA9-C46E412FE2DB}" srcOrd="0" destOrd="0" presId="urn:microsoft.com/office/officeart/2005/8/layout/hierarchy1"/>
+    <dgm:cxn modelId="{14E090BF-A159-41BD-8360-710B6939B36A}" srcId="{9A7E605C-BC0D-4771-9364-6CDDC4D48AD3}" destId="{ABE648E6-17AF-4C70-A8B8-AF1BB3314486}" srcOrd="0" destOrd="0" parTransId="{61264265-0648-4397-9661-122CFFD89FAB}" sibTransId="{15AFE2F4-9277-4B6A-8E91-71C25CBBE79F}"/>
+    <dgm:cxn modelId="{E0B3BBC2-1439-402F-B742-333E2567ADA5}" type="presOf" srcId="{227AA57D-3EE0-422F-88CD-682350043E84}" destId="{28979DD1-78FD-4577-A98B-632106F90AE7}" srcOrd="0" destOrd="0" presId="urn:microsoft.com/office/officeart/2005/8/layout/hierarchy1"/>
+    <dgm:cxn modelId="{92742EC5-A22B-40F1-9DD6-1F1257BB7E6A}" srcId="{ABE648E6-17AF-4C70-A8B8-AF1BB3314486}" destId="{F421D35D-4B1B-4DCE-B355-3CA825336D6C}" srcOrd="0" destOrd="0" parTransId="{23E9655F-B5B0-4DCE-A788-3790A6DF1272}" sibTransId="{217B0063-D99C-4733-8CB1-3CF04B4CF06D}"/>
+    <dgm:cxn modelId="{A8A868C6-46CF-496C-A2FE-AC99B21D35B0}" srcId="{930DB155-DF1C-49FC-AC25-B225B6908F72}" destId="{88290313-C8EE-41A4-B400-03DE976B078F}" srcOrd="0" destOrd="0" parTransId="{18EA464D-0F3E-417C-A384-4D4F81C3AB5B}" sibTransId="{BC935B97-8752-497B-838E-98E09B332739}"/>
+    <dgm:cxn modelId="{62BB28C7-8EBD-40DF-AD7B-040566AAFC91}" type="presOf" srcId="{18EA464D-0F3E-417C-A384-4D4F81C3AB5B}" destId="{E713F459-A009-4422-A338-89997BF4A463}" srcOrd="0" destOrd="0" presId="urn:microsoft.com/office/officeart/2005/8/layout/hierarchy1"/>
+    <dgm:cxn modelId="{483ED6EE-F614-4020-AD81-E91D38A9B179}" type="presOf" srcId="{F421D35D-4B1B-4DCE-B355-3CA825336D6C}" destId="{5083C1FE-8844-4821-8817-404C16CCDB49}" srcOrd="0" destOrd="0" presId="urn:microsoft.com/office/officeart/2005/8/layout/hierarchy1"/>
+    <dgm:cxn modelId="{A56D54F0-9472-417C-9C0C-45B06765CC30}" type="presOf" srcId="{DFCF2DC8-FAB8-436A-843B-32CCE90A2CA9}" destId="{D2A4D0BF-DD1A-4FCB-B0BE-B2E3D04700D3}" srcOrd="0" destOrd="0" presId="urn:microsoft.com/office/officeart/2005/8/layout/hierarchy1"/>
+    <dgm:cxn modelId="{6335D0F1-E958-47F2-96D7-AFADE9687944}" type="presOf" srcId="{930DB155-DF1C-49FC-AC25-B225B6908F72}" destId="{A0ECCAE2-111C-4A8E-BA36-56F309E94929}" srcOrd="0" destOrd="0" presId="urn:microsoft.com/office/officeart/2005/8/layout/hierarchy1"/>
+    <dgm:cxn modelId="{6495BDF7-DF4C-4D72-8063-2F0083AB7E6D}" srcId="{1B353BF7-81BA-4817-874C-70D15936C317}" destId="{9A7E605C-BC0D-4771-9364-6CDDC4D48AD3}" srcOrd="0" destOrd="0" parTransId="{463B2F2C-1D97-4393-8FE3-A12BE42DE397}" sibTransId="{A75E2F7E-9FB7-49A0-9405-F65956228494}"/>
+    <dgm:cxn modelId="{C63C260B-7181-41B2-B5D5-A88992C7FD3D}" type="presParOf" srcId="{87BD5F8D-3B19-4C02-B253-4D0197E36556}" destId="{D428C8E4-22E1-4CE9-8922-74D17E1225D4}" srcOrd="0" destOrd="0" presId="urn:microsoft.com/office/officeart/2005/8/layout/hierarchy1"/>
+    <dgm:cxn modelId="{9B97E0F0-63CD-4688-8079-C994D12CAB61}" type="presParOf" srcId="{D428C8E4-22E1-4CE9-8922-74D17E1225D4}" destId="{B49BBE65-C231-4D31-9B8B-AA5302FBC193}" srcOrd="0" destOrd="0" presId="urn:microsoft.com/office/officeart/2005/8/layout/hierarchy1"/>
+    <dgm:cxn modelId="{E8C793FF-9BC8-4738-8481-9B12FDDB5036}" type="presParOf" srcId="{B49BBE65-C231-4D31-9B8B-AA5302FBC193}" destId="{62663C99-FFE4-406B-B222-9031F4F8551C}" srcOrd="0" destOrd="0" presId="urn:microsoft.com/office/officeart/2005/8/layout/hierarchy1"/>
+    <dgm:cxn modelId="{749A403C-1648-4EFB-8CBC-3F3947B728FC}" type="presParOf" srcId="{B49BBE65-C231-4D31-9B8B-AA5302FBC193}" destId="{24ED95BD-5A81-4DFA-ADA5-E599053A5C39}" srcOrd="1" destOrd="0" presId="urn:microsoft.com/office/officeart/2005/8/layout/hierarchy1"/>
+    <dgm:cxn modelId="{5998DF05-70BE-473C-9DAA-7C1C04071534}" type="presParOf" srcId="{D428C8E4-22E1-4CE9-8922-74D17E1225D4}" destId="{C6DB2B8B-A708-4E59-BF1E-1F5FF1CB1B7F}" srcOrd="1" destOrd="0" presId="urn:microsoft.com/office/officeart/2005/8/layout/hierarchy1"/>
+    <dgm:cxn modelId="{D3CA9C9C-53C8-41AC-8E9B-A3580F89F2BB}" type="presParOf" srcId="{C6DB2B8B-A708-4E59-BF1E-1F5FF1CB1B7F}" destId="{CE41A50B-2977-4976-852C-CB84464B84AE}" srcOrd="0" destOrd="0" presId="urn:microsoft.com/office/officeart/2005/8/layout/hierarchy1"/>
+    <dgm:cxn modelId="{5E1A06D1-E818-4039-94EA-494F0DD72A14}" type="presParOf" srcId="{C6DB2B8B-A708-4E59-BF1E-1F5FF1CB1B7F}" destId="{871AB375-4069-4A2F-9431-FB565F94ED2B}" srcOrd="1" destOrd="0" presId="urn:microsoft.com/office/officeart/2005/8/layout/hierarchy1"/>
+    <dgm:cxn modelId="{B6350F11-7496-4ED9-B590-09F9509A61F6}" type="presParOf" srcId="{871AB375-4069-4A2F-9431-FB565F94ED2B}" destId="{82F791DA-0481-401F-AF4B-CE3D07F4037D}" srcOrd="0" destOrd="0" presId="urn:microsoft.com/office/officeart/2005/8/layout/hierarchy1"/>
+    <dgm:cxn modelId="{AB86EA05-1D92-423B-89A8-D56BDCFB1DDC}" type="presParOf" srcId="{82F791DA-0481-401F-AF4B-CE3D07F4037D}" destId="{A50A9B94-F602-434F-841A-3FF930D87AF3}" srcOrd="0" destOrd="0" presId="urn:microsoft.com/office/officeart/2005/8/layout/hierarchy1"/>
+    <dgm:cxn modelId="{EE2DA802-AD8C-4808-A2E3-C211CB6291C6}" type="presParOf" srcId="{82F791DA-0481-401F-AF4B-CE3D07F4037D}" destId="{C196EA4D-F6CF-4BB1-AB04-9ED239A79DD4}" srcOrd="1" destOrd="0" presId="urn:microsoft.com/office/officeart/2005/8/layout/hierarchy1"/>
+    <dgm:cxn modelId="{44369E9C-EB79-4397-82E9-C7E5F05B1B59}" type="presParOf" srcId="{871AB375-4069-4A2F-9431-FB565F94ED2B}" destId="{7841FF6E-4CE7-4404-B50F-70267D133328}" srcOrd="1" destOrd="0" presId="urn:microsoft.com/office/officeart/2005/8/layout/hierarchy1"/>
+    <dgm:cxn modelId="{4380531F-9391-4D2C-BD9F-E11E95ECF997}" type="presParOf" srcId="{7841FF6E-4CE7-4404-B50F-70267D133328}" destId="{68532898-A7FB-4D7E-957F-567D4E5CDA90}" srcOrd="0" destOrd="0" presId="urn:microsoft.com/office/officeart/2005/8/layout/hierarchy1"/>
+    <dgm:cxn modelId="{A262D816-6546-48E3-A8FD-7F88B8E010A4}" type="presParOf" srcId="{7841FF6E-4CE7-4404-B50F-70267D133328}" destId="{420752EB-56CE-4149-9437-334787BF45A3}" srcOrd="1" destOrd="0" presId="urn:microsoft.com/office/officeart/2005/8/layout/hierarchy1"/>
+    <dgm:cxn modelId="{BE7B1D8C-AC36-4CBE-B032-C346B8AD8506}" type="presParOf" srcId="{420752EB-56CE-4149-9437-334787BF45A3}" destId="{6480A5D6-26E9-4F34-B04E-79E88CFF378E}" srcOrd="0" destOrd="0" presId="urn:microsoft.com/office/officeart/2005/8/layout/hierarchy1"/>
+    <dgm:cxn modelId="{4A208BDF-B356-4EE5-9BBC-23887E64DF4D}" type="presParOf" srcId="{6480A5D6-26E9-4F34-B04E-79E88CFF378E}" destId="{2E46B80E-A116-434B-B8AB-474AB1A62480}" srcOrd="0" destOrd="0" presId="urn:microsoft.com/office/officeart/2005/8/layout/hierarchy1"/>
+    <dgm:cxn modelId="{2E2DA095-C5FB-4E0D-8144-9CC90DC60B24}" type="presParOf" srcId="{6480A5D6-26E9-4F34-B04E-79E88CFF378E}" destId="{5083C1FE-8844-4821-8817-404C16CCDB49}" srcOrd="1" destOrd="0" presId="urn:microsoft.com/office/officeart/2005/8/layout/hierarchy1"/>
+    <dgm:cxn modelId="{73339228-7185-4083-ACE9-27F3EB4104F6}" type="presParOf" srcId="{420752EB-56CE-4149-9437-334787BF45A3}" destId="{337A7A8D-2939-4BC9-8C43-401CA4CADE22}" srcOrd="1" destOrd="0" presId="urn:microsoft.com/office/officeart/2005/8/layout/hierarchy1"/>
+    <dgm:cxn modelId="{ADAF9858-B418-4026-8255-31F6F386F1ED}" type="presParOf" srcId="{C6DB2B8B-A708-4E59-BF1E-1F5FF1CB1B7F}" destId="{D93CA638-81E4-46A9-9950-37670888C984}" srcOrd="2" destOrd="0" presId="urn:microsoft.com/office/officeart/2005/8/layout/hierarchy1"/>
+    <dgm:cxn modelId="{DE85AB2C-BD47-43E7-A0D3-FE8F20FBDD0C}" type="presParOf" srcId="{C6DB2B8B-A708-4E59-BF1E-1F5FF1CB1B7F}" destId="{638599C7-F56E-4229-B382-4C197474A86C}" srcOrd="3" destOrd="0" presId="urn:microsoft.com/office/officeart/2005/8/layout/hierarchy1"/>
+    <dgm:cxn modelId="{3C8ED84B-0D2E-42AE-B936-959F1666D14D}" type="presParOf" srcId="{638599C7-F56E-4229-B382-4C197474A86C}" destId="{B5E26D6B-692C-42C4-A8A1-FBA4ED801664}" srcOrd="0" destOrd="0" presId="urn:microsoft.com/office/officeart/2005/8/layout/hierarchy1"/>
+    <dgm:cxn modelId="{438D1917-84AA-46EC-B5EA-28849CAEE908}" type="presParOf" srcId="{B5E26D6B-692C-42C4-A8A1-FBA4ED801664}" destId="{8E42CF63-A1CA-4B97-BAA3-C2475A72AD0A}" srcOrd="0" destOrd="0" presId="urn:microsoft.com/office/officeart/2005/8/layout/hierarchy1"/>
+    <dgm:cxn modelId="{783E8643-4537-4A4A-91B3-7910DF246B3D}" type="presParOf" srcId="{B5E26D6B-692C-42C4-A8A1-FBA4ED801664}" destId="{723589A1-9664-4F75-B2D2-5E21296B09DE}" srcOrd="1" destOrd="0" presId="urn:microsoft.com/office/officeart/2005/8/layout/hierarchy1"/>
+    <dgm:cxn modelId="{5D65B222-4F25-4B85-89CD-AF31FFB373C8}" type="presParOf" srcId="{638599C7-F56E-4229-B382-4C197474A86C}" destId="{9CD7B607-B5FA-44FC-A03E-9B232F323F48}" srcOrd="1" destOrd="0" presId="urn:microsoft.com/office/officeart/2005/8/layout/hierarchy1"/>
+    <dgm:cxn modelId="{C88F02F2-42DA-4CA5-B0A7-6386B1F59796}" type="presParOf" srcId="{9CD7B607-B5FA-44FC-A03E-9B232F323F48}" destId="{D2A4D0BF-DD1A-4FCB-B0BE-B2E3D04700D3}" srcOrd="0" destOrd="0" presId="urn:microsoft.com/office/officeart/2005/8/layout/hierarchy1"/>
+    <dgm:cxn modelId="{91C97BFE-B7FF-4A08-B580-8FFFB7E999A7}" type="presParOf" srcId="{9CD7B607-B5FA-44FC-A03E-9B232F323F48}" destId="{9B6E0F87-13AD-4E3B-884C-1890431675EF}" srcOrd="1" destOrd="0" presId="urn:microsoft.com/office/officeart/2005/8/layout/hierarchy1"/>
+    <dgm:cxn modelId="{56F8738A-019E-4AD9-9099-E1A6F2F08E37}" type="presParOf" srcId="{9B6E0F87-13AD-4E3B-884C-1890431675EF}" destId="{22B453F6-F4C1-414F-A0DB-35EDE75FB56D}" srcOrd="0" destOrd="0" presId="urn:microsoft.com/office/officeart/2005/8/layout/hierarchy1"/>
+    <dgm:cxn modelId="{E99079FA-6E1F-4386-B86F-C1E8478EBD03}" type="presParOf" srcId="{22B453F6-F4C1-414F-A0DB-35EDE75FB56D}" destId="{A50A79EF-2F23-4F1F-8535-1DE574373636}" srcOrd="0" destOrd="0" presId="urn:microsoft.com/office/officeart/2005/8/layout/hierarchy1"/>
+    <dgm:cxn modelId="{5B5D4DDB-213D-4505-B06E-8CC849124273}" type="presParOf" srcId="{22B453F6-F4C1-414F-A0DB-35EDE75FB56D}" destId="{0B2AB48D-3455-42B6-BD70-C0A5C1F11792}" srcOrd="1" destOrd="0" presId="urn:microsoft.com/office/officeart/2005/8/layout/hierarchy1"/>
+    <dgm:cxn modelId="{F4FDE61D-80D5-42C5-B44E-178E5CE2DCFA}" type="presParOf" srcId="{9B6E0F87-13AD-4E3B-884C-1890431675EF}" destId="{464327C5-B138-4AB5-B733-1318DBB9DB79}" srcOrd="1" destOrd="0" presId="urn:microsoft.com/office/officeart/2005/8/layout/hierarchy1"/>
+    <dgm:cxn modelId="{18A4AB07-ACB2-41D1-AC86-8D92BC761E8C}" type="presParOf" srcId="{C6DB2B8B-A708-4E59-BF1E-1F5FF1CB1B7F}" destId="{8A5D685E-5F35-450B-80DA-D2069DA9F405}" srcOrd="4" destOrd="0" presId="urn:microsoft.com/office/officeart/2005/8/layout/hierarchy1"/>
+    <dgm:cxn modelId="{D725583A-6A7E-4758-B7B0-A7FD9D409A53}" type="presParOf" srcId="{C6DB2B8B-A708-4E59-BF1E-1F5FF1CB1B7F}" destId="{499BB9DA-75E0-4D0B-BA25-8135C265B8DE}" srcOrd="5" destOrd="0" presId="urn:microsoft.com/office/officeart/2005/8/layout/hierarchy1"/>
+    <dgm:cxn modelId="{0AB4DDFA-3EF5-4178-8014-250D1CFFAB5F}" type="presParOf" srcId="{499BB9DA-75E0-4D0B-BA25-8135C265B8DE}" destId="{423C551E-3BAC-4BC6-B946-C27F1E626B94}" srcOrd="0" destOrd="0" presId="urn:microsoft.com/office/officeart/2005/8/layout/hierarchy1"/>
+    <dgm:cxn modelId="{8412FD0B-5263-48E8-BBF8-49F8D62C7B22}" type="presParOf" srcId="{423C551E-3BAC-4BC6-B946-C27F1E626B94}" destId="{0C9358D7-294B-4481-9C4B-149183BE5B0B}" srcOrd="0" destOrd="0" presId="urn:microsoft.com/office/officeart/2005/8/layout/hierarchy1"/>
+    <dgm:cxn modelId="{8C66AED6-EB21-404B-9D3D-E9FBAA195C56}" type="presParOf" srcId="{423C551E-3BAC-4BC6-B946-C27F1E626B94}" destId="{A0ECCAE2-111C-4A8E-BA36-56F309E94929}" srcOrd="1" destOrd="0" presId="urn:microsoft.com/office/officeart/2005/8/layout/hierarchy1"/>
+    <dgm:cxn modelId="{E970745B-0546-4405-A6C9-E1427B749352}" type="presParOf" srcId="{499BB9DA-75E0-4D0B-BA25-8135C265B8DE}" destId="{4D6B1F8A-5A2A-4944-9618-1015B88E8C53}" srcOrd="1" destOrd="0" presId="urn:microsoft.com/office/officeart/2005/8/layout/hierarchy1"/>
+    <dgm:cxn modelId="{CD211E89-AD62-494B-8B98-7E5B1D67CCD3}" type="presParOf" srcId="{4D6B1F8A-5A2A-4944-9618-1015B88E8C53}" destId="{E713F459-A009-4422-A338-89997BF4A463}" srcOrd="0" destOrd="0" presId="urn:microsoft.com/office/officeart/2005/8/layout/hierarchy1"/>
+    <dgm:cxn modelId="{48B403BA-FD6C-4B22-953F-93B1EFA90507}" type="presParOf" srcId="{4D6B1F8A-5A2A-4944-9618-1015B88E8C53}" destId="{3837498A-CDDD-4A03-B13A-54A23DD5EECD}" srcOrd="1" destOrd="0" presId="urn:microsoft.com/office/officeart/2005/8/layout/hierarchy1"/>
+    <dgm:cxn modelId="{F32DA654-444D-45B1-B294-555CCA59F0B4}" type="presParOf" srcId="{3837498A-CDDD-4A03-B13A-54A23DD5EECD}" destId="{A2CE1A26-B6FA-4712-AC34-8981A4E66F3E}" srcOrd="0" destOrd="0" presId="urn:microsoft.com/office/officeart/2005/8/layout/hierarchy1"/>
+    <dgm:cxn modelId="{4C28BCC7-8969-42F9-A2C2-3BA771C34302}" type="presParOf" srcId="{A2CE1A26-B6FA-4712-AC34-8981A4E66F3E}" destId="{E56BF9A7-2FF7-4FC7-8377-2F3395C8C2E1}" srcOrd="0" destOrd="0" presId="urn:microsoft.com/office/officeart/2005/8/layout/hierarchy1"/>
+    <dgm:cxn modelId="{28203651-0CB4-4DBA-AC05-DBF4484C34E6}" type="presParOf" srcId="{A2CE1A26-B6FA-4712-AC34-8981A4E66F3E}" destId="{E8919919-88FC-4871-ACA9-C46E412FE2DB}" srcOrd="1" destOrd="0" presId="urn:microsoft.com/office/officeart/2005/8/layout/hierarchy1"/>
+    <dgm:cxn modelId="{A4BDC5F7-CDC1-47FB-8DCA-B26FEDC80A9E}" type="presParOf" srcId="{3837498A-CDDD-4A03-B13A-54A23DD5EECD}" destId="{B8C7FC86-D47E-4456-931D-BE84C55F294E}" srcOrd="1" destOrd="0" presId="urn:microsoft.com/office/officeart/2005/8/layout/hierarchy1"/>
+    <dgm:cxn modelId="{7A6CAC59-CE0F-4154-A107-3FE4C3E5BD20}" type="presParOf" srcId="{C6DB2B8B-A708-4E59-BF1E-1F5FF1CB1B7F}" destId="{B5421611-F8AA-4165-A108-22628AD7A805}" srcOrd="6" destOrd="0" presId="urn:microsoft.com/office/officeart/2005/8/layout/hierarchy1"/>
+    <dgm:cxn modelId="{328455C6-60EE-4A29-B954-17CC7086E81C}" type="presParOf" srcId="{C6DB2B8B-A708-4E59-BF1E-1F5FF1CB1B7F}" destId="{3FC51AB0-8FF5-4EB1-89A4-61092ECBA985}" srcOrd="7" destOrd="0" presId="urn:microsoft.com/office/officeart/2005/8/layout/hierarchy1"/>
+    <dgm:cxn modelId="{27C68E02-8215-41C8-979E-0BE3D3D4CC06}" type="presParOf" srcId="{3FC51AB0-8FF5-4EB1-89A4-61092ECBA985}" destId="{77D55CC5-9AEA-4941-878B-37AF31651686}" srcOrd="0" destOrd="0" presId="urn:microsoft.com/office/officeart/2005/8/layout/hierarchy1"/>
+    <dgm:cxn modelId="{71CFDC29-64A6-43DD-B9F4-2000695A1A44}" type="presParOf" srcId="{77D55CC5-9AEA-4941-878B-37AF31651686}" destId="{0764E300-DF7C-4E79-A056-00792BCAC4BC}" srcOrd="0" destOrd="0" presId="urn:microsoft.com/office/officeart/2005/8/layout/hierarchy1"/>
+    <dgm:cxn modelId="{EB287876-D8F9-483A-BEBD-1B7959123927}" type="presParOf" srcId="{77D55CC5-9AEA-4941-878B-37AF31651686}" destId="{FE922328-F30F-4701-9834-2311E6031A91}" srcOrd="1" destOrd="0" presId="urn:microsoft.com/office/officeart/2005/8/layout/hierarchy1"/>
+    <dgm:cxn modelId="{33D15690-639A-4289-8721-F8FE6C70A6D1}" type="presParOf" srcId="{3FC51AB0-8FF5-4EB1-89A4-61092ECBA985}" destId="{0642B88B-8120-4D62-9AEE-78AAA8A74448}" srcOrd="1" destOrd="0" presId="urn:microsoft.com/office/officeart/2005/8/layout/hierarchy1"/>
+    <dgm:cxn modelId="{07BCFEBD-26BC-4740-82F5-F9C9CC6260BF}" type="presParOf" srcId="{0642B88B-8120-4D62-9AEE-78AAA8A74448}" destId="{11911983-799C-4814-A376-45BE7DB4A321}" srcOrd="0" destOrd="0" presId="urn:microsoft.com/office/officeart/2005/8/layout/hierarchy1"/>
+    <dgm:cxn modelId="{BF063AD7-0B82-41E5-AEEC-D3E9C4666CEE}" type="presParOf" srcId="{0642B88B-8120-4D62-9AEE-78AAA8A74448}" destId="{2AA3E54E-382E-467A-8D6F-D7E0109798CB}" srcOrd="1" destOrd="0" presId="urn:microsoft.com/office/officeart/2005/8/layout/hierarchy1"/>
+    <dgm:cxn modelId="{D93A13C5-E622-4098-ACA1-6C1311BA17F6}" type="presParOf" srcId="{2AA3E54E-382E-467A-8D6F-D7E0109798CB}" destId="{1B654E16-6FFE-45B3-9F75-67EDE55B89C6}" srcOrd="0" destOrd="0" presId="urn:microsoft.com/office/officeart/2005/8/layout/hierarchy1"/>
+    <dgm:cxn modelId="{38CF6960-6DA3-4A3A-AD6C-A29CDC73EAB9}" type="presParOf" srcId="{1B654E16-6FFE-45B3-9F75-67EDE55B89C6}" destId="{1E3E74DC-9E67-4EE6-AA8A-B5E223E68284}" srcOrd="0" destOrd="0" presId="urn:microsoft.com/office/officeart/2005/8/layout/hierarchy1"/>
+    <dgm:cxn modelId="{CB8CA39D-3E1F-413E-BA16-385F8F7D1894}" type="presParOf" srcId="{1B654E16-6FFE-45B3-9F75-67EDE55B89C6}" destId="{28979DD1-78FD-4577-A98B-632106F90AE7}" srcOrd="1" destOrd="0" presId="urn:microsoft.com/office/officeart/2005/8/layout/hierarchy1"/>
+    <dgm:cxn modelId="{995D361B-DF07-4637-831A-CFBA0D00EA53}" type="presParOf" srcId="{2AA3E54E-382E-467A-8D6F-D7E0109798CB}" destId="{93213FF1-DE34-4988-AAA2-0DB156CF1510}" srcOrd="1" destOrd="0" presId="urn:microsoft.com/office/officeart/2005/8/layout/hierarchy1"/>
   </dgm:cxnLst>
   <dgm:bg/>
   <dgm:whole/>
@@ -6873,7 +8323,7 @@
 </dgm:dataModel>
 </file>
 
-<file path=ppt/diagrams/data6.xml><?xml version="1.0" encoding="utf-8"?>
+<file path=ppt/diagrams/data7.xml><?xml version="1.0" encoding="utf-8"?>
 <dgm:dataModel xmlns:dgm="http://schemas.openxmlformats.org/drawingml/2006/diagram" xmlns:a="http://schemas.openxmlformats.org/drawingml/2006/main">
   <dgm:ptLst>
     <dgm:pt modelId="{43BD19D8-841B-4BC8-8F86-ACF71B52AA4B}" type="doc">
@@ -6900,10 +8350,10 @@
             </a:lnSpc>
           </a:pPr>
           <a:r>
-            <a:rPr lang="en-GB"/>
-            <a:t>Implement mode models</a:t>
+            <a:rPr lang="en-GB" dirty="0"/>
+            <a:t>Implement more models</a:t>
           </a:r>
-          <a:endParaRPr lang="en-US"/>
+          <a:endParaRPr lang="en-US" dirty="0"/>
         </a:p>
       </dgm:t>
     </dgm:pt>
@@ -6942,10 +8392,9 @@
             </a:lnSpc>
           </a:pPr>
           <a:r>
-            <a:rPr lang="en-GB"/>
-            <a:t>Gather more data</a:t>
+            <a:rPr lang="en-US" dirty="0"/>
+            <a:t>Fine-tune TSFMs</a:t>
           </a:r>
-          <a:endParaRPr lang="en-US"/>
         </a:p>
       </dgm:t>
     </dgm:pt>
@@ -6984,10 +8433,9 @@
             </a:lnSpc>
           </a:pPr>
           <a:r>
-            <a:rPr lang="en-GB" dirty="0"/>
-            <a:t>Fine tune TSFMs</a:t>
+            <a:rPr lang="en-US" dirty="0"/>
+            <a:t>Gather more types of data</a:t>
           </a:r>
-          <a:endParaRPr lang="en-US" dirty="0"/>
         </a:p>
       </dgm:t>
     </dgm:pt>
@@ -7068,7 +8516,7 @@
             </a:lnSpc>
           </a:pPr>
           <a:r>
-            <a:rPr lang="en-GB"/>
+            <a:rPr lang="en-GB" dirty="0"/>
             <a:t>Record and summarize results</a:t>
           </a:r>
         </a:p>
@@ -7180,7 +8628,7 @@
       </dgm:spPr>
       <dgm:extLst>
         <a:ext uri="{E40237B7-FDA0-4F09-8148-C483321AD2D9}">
-          <dgm14:cNvPr xmlns:dgm14="http://schemas.microsoft.com/office/drawing/2010/diagram" id="0" name="" descr="Folder Search with solid fill"/>
+          <dgm14:cNvPr xmlns:dgm14="http://schemas.microsoft.com/office/drawing/2010/diagram" id="0" name="" descr="Wrench with solid fill"/>
         </a:ext>
       </dgm:extLst>
     </dgm:pt>
@@ -7228,7 +8676,7 @@
       </dgm:spPr>
       <dgm:extLst>
         <a:ext uri="{E40237B7-FDA0-4F09-8148-C483321AD2D9}">
-          <dgm14:cNvPr xmlns:dgm14="http://schemas.microsoft.com/office/drawing/2010/diagram" id="0" name="" descr="Wrench with solid fill"/>
+          <dgm14:cNvPr xmlns:dgm14="http://schemas.microsoft.com/office/drawing/2010/diagram" id="0" name="" descr="Folder Search with solid fill"/>
         </a:ext>
       </dgm:extLst>
     </dgm:pt>
@@ -7388,7 +8836,7 @@
   <dgm:whole/>
   <dgm:extLst>
     <a:ext uri="http://schemas.microsoft.com/office/drawing/2008/diagram">
-      <dsp:dataModelExt xmlns:dsp="http://schemas.microsoft.com/office/drawing/2008/diagram" relId="rId6" minVer="http://schemas.openxmlformats.org/drawingml/2006/diagram"/>
+      <dsp:dataModelExt xmlns:dsp="http://schemas.microsoft.com/office/drawing/2008/diagram" relId="rId7" minVer="http://schemas.openxmlformats.org/drawingml/2006/diagram"/>
     </a:ext>
   </dgm:extLst>
 </dgm:dataModel>
@@ -9870,8 +11318,8 @@
       </dsp:nvSpPr>
       <dsp:spPr>
         <a:xfrm>
-          <a:off x="0" y="1506"/>
-          <a:ext cx="6650991" cy="642096"/>
+          <a:off x="0" y="1875"/>
+          <a:ext cx="7391400" cy="799144"/>
         </a:xfrm>
         <a:prstGeom prst="roundRect">
           <a:avLst>
@@ -9912,8 +11360,8 @@
       </dsp:nvSpPr>
       <dsp:spPr>
         <a:xfrm>
-          <a:off x="194234" y="145978"/>
-          <a:ext cx="353153" cy="353153"/>
+          <a:off x="241741" y="181682"/>
+          <a:ext cx="439529" cy="439529"/>
         </a:xfrm>
         <a:prstGeom prst="rect">
           <a:avLst/>
@@ -9968,8 +11416,8 @@
       </dsp:nvSpPr>
       <dsp:spPr>
         <a:xfrm>
-          <a:off x="741621" y="1506"/>
-          <a:ext cx="5909369" cy="642096"/>
+          <a:off x="923011" y="1875"/>
+          <a:ext cx="6468388" cy="799144"/>
         </a:xfrm>
         <a:prstGeom prst="rect">
           <a:avLst/>
@@ -9993,7 +11441,7 @@
         <a:fontRef idx="minor"/>
       </dsp:style>
       <dsp:txBody>
-        <a:bodyPr spcFirstLastPara="0" vert="horz" wrap="square" lIns="67955" tIns="67955" rIns="67955" bIns="67955" numCol="1" spcCol="1270" anchor="ctr" anchorCtr="0">
+        <a:bodyPr spcFirstLastPara="0" vert="horz" wrap="square" lIns="84576" tIns="84576" rIns="84576" bIns="84576" numCol="1" spcCol="1270" anchor="ctr" anchorCtr="0">
           <a:noAutofit/>
         </a:bodyPr>
         <a:lstStyle/>
@@ -10018,8 +11466,8 @@
         </a:p>
       </dsp:txBody>
       <dsp:txXfrm>
-        <a:off x="741621" y="1506"/>
-        <a:ext cx="5909369" cy="642096"/>
+        <a:off x="923011" y="1875"/>
+        <a:ext cx="6468388" cy="799144"/>
       </dsp:txXfrm>
     </dsp:sp>
     <dsp:sp modelId="{F24C99CC-FC41-43FE-A8FC-18D6756C46E7}">
@@ -10029,8 +11477,8 @@
       </dsp:nvSpPr>
       <dsp:spPr>
         <a:xfrm>
-          <a:off x="0" y="804127"/>
-          <a:ext cx="6650991" cy="642096"/>
+          <a:off x="0" y="1000806"/>
+          <a:ext cx="7391400" cy="799144"/>
         </a:xfrm>
         <a:prstGeom prst="roundRect">
           <a:avLst>
@@ -10071,8 +11519,8 @@
       </dsp:nvSpPr>
       <dsp:spPr>
         <a:xfrm>
-          <a:off x="194234" y="948599"/>
-          <a:ext cx="353153" cy="353153"/>
+          <a:off x="241741" y="1180613"/>
+          <a:ext cx="439529" cy="439529"/>
         </a:xfrm>
         <a:prstGeom prst="rect">
           <a:avLst/>
@@ -10127,8 +11575,8 @@
       </dsp:nvSpPr>
       <dsp:spPr>
         <a:xfrm>
-          <a:off x="741621" y="804127"/>
-          <a:ext cx="5909369" cy="642096"/>
+          <a:off x="923011" y="1000806"/>
+          <a:ext cx="6468388" cy="799144"/>
         </a:xfrm>
         <a:prstGeom prst="rect">
           <a:avLst/>
@@ -10152,7 +11600,7 @@
         <a:fontRef idx="minor"/>
       </dsp:style>
       <dsp:txBody>
-        <a:bodyPr spcFirstLastPara="0" vert="horz" wrap="square" lIns="67955" tIns="67955" rIns="67955" bIns="67955" numCol="1" spcCol="1270" anchor="ctr" anchorCtr="0">
+        <a:bodyPr spcFirstLastPara="0" vert="horz" wrap="square" lIns="84576" tIns="84576" rIns="84576" bIns="84576" numCol="1" spcCol="1270" anchor="ctr" anchorCtr="0">
           <a:noAutofit/>
         </a:bodyPr>
         <a:lstStyle/>
@@ -10177,8 +11625,8 @@
         </a:p>
       </dsp:txBody>
       <dsp:txXfrm>
-        <a:off x="741621" y="804127"/>
-        <a:ext cx="5909369" cy="642096"/>
+        <a:off x="923011" y="1000806"/>
+        <a:ext cx="6468388" cy="799144"/>
       </dsp:txXfrm>
     </dsp:sp>
     <dsp:sp modelId="{1F504EB9-DF8B-4CC4-9068-B1CE285079CD}">
@@ -10188,8 +11636,8 @@
       </dsp:nvSpPr>
       <dsp:spPr>
         <a:xfrm>
-          <a:off x="0" y="1606749"/>
-          <a:ext cx="6650991" cy="642096"/>
+          <a:off x="0" y="1999736"/>
+          <a:ext cx="7391400" cy="799144"/>
         </a:xfrm>
         <a:prstGeom prst="roundRect">
           <a:avLst>
@@ -10230,8 +11678,8 @@
       </dsp:nvSpPr>
       <dsp:spPr>
         <a:xfrm>
-          <a:off x="194234" y="1751220"/>
-          <a:ext cx="353153" cy="353153"/>
+          <a:off x="241741" y="2179544"/>
+          <a:ext cx="439529" cy="439529"/>
         </a:xfrm>
         <a:prstGeom prst="rect">
           <a:avLst/>
@@ -10286,8 +11734,8 @@
       </dsp:nvSpPr>
       <dsp:spPr>
         <a:xfrm>
-          <a:off x="741621" y="1606749"/>
-          <a:ext cx="5909369" cy="642096"/>
+          <a:off x="923011" y="1999736"/>
+          <a:ext cx="6468388" cy="799144"/>
         </a:xfrm>
         <a:prstGeom prst="rect">
           <a:avLst/>
@@ -10311,7 +11759,7 @@
         <a:fontRef idx="minor"/>
       </dsp:style>
       <dsp:txBody>
-        <a:bodyPr spcFirstLastPara="0" vert="horz" wrap="square" lIns="67955" tIns="67955" rIns="67955" bIns="67955" numCol="1" spcCol="1270" anchor="ctr" anchorCtr="0">
+        <a:bodyPr spcFirstLastPara="0" vert="horz" wrap="square" lIns="84576" tIns="84576" rIns="84576" bIns="84576" numCol="1" spcCol="1270" anchor="ctr" anchorCtr="0">
           <a:noAutofit/>
         </a:bodyPr>
         <a:lstStyle/>
@@ -10336,8 +11784,8 @@
         </a:p>
       </dsp:txBody>
       <dsp:txXfrm>
-        <a:off x="741621" y="1606749"/>
-        <a:ext cx="5909369" cy="642096"/>
+        <a:off x="923011" y="1999736"/>
+        <a:ext cx="6468388" cy="799144"/>
       </dsp:txXfrm>
     </dsp:sp>
     <dsp:sp modelId="{5D79D0B3-9B60-45A5-A988-672CB92B72DB}">
@@ -10347,8 +11795,8 @@
       </dsp:nvSpPr>
       <dsp:spPr>
         <a:xfrm>
-          <a:off x="0" y="2390242"/>
-          <a:ext cx="6650991" cy="642096"/>
+          <a:off x="0" y="2974861"/>
+          <a:ext cx="7391400" cy="799144"/>
         </a:xfrm>
         <a:prstGeom prst="roundRect">
           <a:avLst>
@@ -10389,8 +11837,8 @@
       </dsp:nvSpPr>
       <dsp:spPr>
         <a:xfrm>
-          <a:off x="194234" y="2553841"/>
-          <a:ext cx="353153" cy="353153"/>
+          <a:off x="241741" y="3178475"/>
+          <a:ext cx="439529" cy="439529"/>
         </a:xfrm>
         <a:prstGeom prst="rect">
           <a:avLst/>
@@ -10445,8 +11893,8 @@
       </dsp:nvSpPr>
       <dsp:spPr>
         <a:xfrm>
-          <a:off x="741621" y="2409370"/>
-          <a:ext cx="5909369" cy="642096"/>
+          <a:off x="923011" y="2998667"/>
+          <a:ext cx="6468388" cy="799144"/>
         </a:xfrm>
         <a:prstGeom prst="rect">
           <a:avLst/>
@@ -10470,7 +11918,7 @@
         <a:fontRef idx="minor"/>
       </dsp:style>
       <dsp:txBody>
-        <a:bodyPr spcFirstLastPara="0" vert="horz" wrap="square" lIns="67955" tIns="67955" rIns="67955" bIns="67955" numCol="1" spcCol="1270" anchor="ctr" anchorCtr="0">
+        <a:bodyPr spcFirstLastPara="0" vert="horz" wrap="square" lIns="84576" tIns="84576" rIns="84576" bIns="84576" numCol="1" spcCol="1270" anchor="ctr" anchorCtr="0">
           <a:noAutofit/>
         </a:bodyPr>
         <a:lstStyle/>
@@ -10495,8 +11943,8 @@
         </a:p>
       </dsp:txBody>
       <dsp:txXfrm>
-        <a:off x="741621" y="2409370"/>
-        <a:ext cx="5909369" cy="642096"/>
+        <a:off x="923011" y="2998667"/>
+        <a:ext cx="6468388" cy="799144"/>
       </dsp:txXfrm>
     </dsp:sp>
     <dsp:sp modelId="{DDC869DA-A471-4EEC-B739-DB81ADA50B76}">
@@ -10506,8 +11954,8 @@
       </dsp:nvSpPr>
       <dsp:spPr>
         <a:xfrm>
-          <a:off x="0" y="3211991"/>
-          <a:ext cx="6650991" cy="642096"/>
+          <a:off x="0" y="3997598"/>
+          <a:ext cx="7391400" cy="799144"/>
         </a:xfrm>
         <a:prstGeom prst="roundRect">
           <a:avLst>
@@ -10548,8 +11996,8 @@
       </dsp:nvSpPr>
       <dsp:spPr>
         <a:xfrm>
-          <a:off x="194234" y="3356462"/>
-          <a:ext cx="353153" cy="353153"/>
+          <a:off x="241741" y="4177405"/>
+          <a:ext cx="439529" cy="439529"/>
         </a:xfrm>
         <a:prstGeom prst="rect">
           <a:avLst/>
@@ -10604,8 +12052,8 @@
       </dsp:nvSpPr>
       <dsp:spPr>
         <a:xfrm>
-          <a:off x="741621" y="3211991"/>
-          <a:ext cx="5909369" cy="642096"/>
+          <a:off x="923011" y="3997598"/>
+          <a:ext cx="6468388" cy="799144"/>
         </a:xfrm>
         <a:prstGeom prst="rect">
           <a:avLst/>
@@ -10629,7 +12077,7 @@
         <a:fontRef idx="minor"/>
       </dsp:style>
       <dsp:txBody>
-        <a:bodyPr spcFirstLastPara="0" vert="horz" wrap="square" lIns="67955" tIns="67955" rIns="67955" bIns="67955" numCol="1" spcCol="1270" anchor="ctr" anchorCtr="0">
+        <a:bodyPr spcFirstLastPara="0" vert="horz" wrap="square" lIns="84576" tIns="84576" rIns="84576" bIns="84576" numCol="1" spcCol="1270" anchor="ctr" anchorCtr="0">
           <a:noAutofit/>
         </a:bodyPr>
         <a:lstStyle/>
@@ -10653,8 +12101,8 @@
         </a:p>
       </dsp:txBody>
       <dsp:txXfrm>
-        <a:off x="741621" y="3211991"/>
-        <a:ext cx="5909369" cy="642096"/>
+        <a:off x="923011" y="3997598"/>
+        <a:ext cx="6468388" cy="799144"/>
       </dsp:txXfrm>
     </dsp:sp>
     <dsp:sp modelId="{2EE0B528-8897-428A-A225-F06EF38DE0E2}">
@@ -10664,8 +12112,8 @@
       </dsp:nvSpPr>
       <dsp:spPr>
         <a:xfrm>
-          <a:off x="0" y="4016119"/>
-          <a:ext cx="6650991" cy="642096"/>
+          <a:off x="0" y="4998404"/>
+          <a:ext cx="7391400" cy="799144"/>
         </a:xfrm>
         <a:prstGeom prst="roundRect">
           <a:avLst>
@@ -10706,8 +12154,8 @@
       </dsp:nvSpPr>
       <dsp:spPr>
         <a:xfrm>
-          <a:off x="194234" y="4159084"/>
-          <a:ext cx="353153" cy="353153"/>
+          <a:off x="241741" y="5176336"/>
+          <a:ext cx="439529" cy="439529"/>
         </a:xfrm>
         <a:prstGeom prst="rect">
           <a:avLst/>
@@ -10760,8 +12208,8 @@
       </dsp:nvSpPr>
       <dsp:spPr>
         <a:xfrm>
-          <a:off x="741621" y="4014612"/>
-          <a:ext cx="5909369" cy="642096"/>
+          <a:off x="923011" y="4996529"/>
+          <a:ext cx="6468388" cy="799144"/>
         </a:xfrm>
         <a:prstGeom prst="rect">
           <a:avLst/>
@@ -10785,7 +12233,7 @@
         <a:fontRef idx="minor"/>
       </dsp:style>
       <dsp:txBody>
-        <a:bodyPr spcFirstLastPara="0" vert="horz" wrap="square" lIns="67955" tIns="67955" rIns="67955" bIns="67955" numCol="1" spcCol="1270" anchor="ctr" anchorCtr="0">
+        <a:bodyPr spcFirstLastPara="0" vert="horz" wrap="square" lIns="84576" tIns="84576" rIns="84576" bIns="84576" numCol="1" spcCol="1270" anchor="ctr" anchorCtr="0">
           <a:noAutofit/>
         </a:bodyPr>
         <a:lstStyle/>
@@ -10809,8 +12257,8 @@
         </a:p>
       </dsp:txBody>
       <dsp:txXfrm>
-        <a:off x="741621" y="4014612"/>
-        <a:ext cx="5909369" cy="642096"/>
+        <a:off x="923011" y="4996529"/>
+        <a:ext cx="6468388" cy="799144"/>
       </dsp:txXfrm>
     </dsp:sp>
   </dsp:spTree>
@@ -10818,6 +12266,1652 @@
 </file>
 
 <file path=ppt/diagrams/drawing6.xml><?xml version="1.0" encoding="utf-8"?>
+<dsp:drawing xmlns:dgm="http://schemas.openxmlformats.org/drawingml/2006/diagram" xmlns:dsp="http://schemas.microsoft.com/office/drawing/2008/diagram" xmlns:a="http://schemas.openxmlformats.org/drawingml/2006/main">
+  <dsp:spTree>
+    <dsp:nvGrpSpPr>
+      <dsp:cNvPr id="0" name=""/>
+      <dsp:cNvGrpSpPr/>
+    </dsp:nvGrpSpPr>
+    <dsp:grpSpPr/>
+    <dsp:sp modelId="{11911983-799C-4814-A376-45BE7DB4A321}">
+      <dsp:nvSpPr>
+        <dsp:cNvPr id="0" name=""/>
+        <dsp:cNvSpPr/>
+      </dsp:nvSpPr>
+      <dsp:spPr>
+        <a:xfrm>
+          <a:off x="8900450" y="3074027"/>
+          <a:ext cx="91440" cy="572749"/>
+        </a:xfrm>
+        <a:custGeom>
+          <a:avLst/>
+          <a:gdLst/>
+          <a:ahLst/>
+          <a:cxnLst/>
+          <a:rect l="0" t="0" r="0" b="0"/>
+          <a:pathLst>
+            <a:path>
+              <a:moveTo>
+                <a:pt x="45720" y="0"/>
+              </a:moveTo>
+              <a:lnTo>
+                <a:pt x="45720" y="572749"/>
+              </a:lnTo>
+            </a:path>
+          </a:pathLst>
+        </a:custGeom>
+        <a:noFill/>
+        <a:ln w="22225" cap="rnd" cmpd="sng" algn="ctr">
+          <a:solidFill>
+            <a:schemeClr val="accent1">
+              <a:shade val="80000"/>
+              <a:hueOff val="0"/>
+              <a:satOff val="0"/>
+              <a:lumOff val="0"/>
+              <a:alphaOff val="0"/>
+            </a:schemeClr>
+          </a:solidFill>
+          <a:prstDash val="solid"/>
+        </a:ln>
+        <a:effectLst/>
+      </dsp:spPr>
+      <dsp:style>
+        <a:lnRef idx="2">
+          <a:scrgbClr r="0" g="0" b="0"/>
+        </a:lnRef>
+        <a:fillRef idx="0">
+          <a:scrgbClr r="0" g="0" b="0"/>
+        </a:fillRef>
+        <a:effectRef idx="0">
+          <a:scrgbClr r="0" g="0" b="0"/>
+        </a:effectRef>
+        <a:fontRef idx="minor"/>
+      </dsp:style>
+    </dsp:sp>
+    <dsp:sp modelId="{B5421611-F8AA-4165-A108-22628AD7A805}">
+      <dsp:nvSpPr>
+        <dsp:cNvPr id="0" name=""/>
+        <dsp:cNvSpPr/>
+      </dsp:nvSpPr>
+      <dsp:spPr>
+        <a:xfrm>
+          <a:off x="5335717" y="1250748"/>
+          <a:ext cx="3610452" cy="572749"/>
+        </a:xfrm>
+        <a:custGeom>
+          <a:avLst/>
+          <a:gdLst/>
+          <a:ahLst/>
+          <a:cxnLst/>
+          <a:rect l="0" t="0" r="0" b="0"/>
+          <a:pathLst>
+            <a:path>
+              <a:moveTo>
+                <a:pt x="0" y="0"/>
+              </a:moveTo>
+              <a:lnTo>
+                <a:pt x="0" y="390311"/>
+              </a:lnTo>
+              <a:lnTo>
+                <a:pt x="3610452" y="390311"/>
+              </a:lnTo>
+              <a:lnTo>
+                <a:pt x="3610452" y="572749"/>
+              </a:lnTo>
+            </a:path>
+          </a:pathLst>
+        </a:custGeom>
+        <a:noFill/>
+        <a:ln w="22225" cap="rnd" cmpd="sng" algn="ctr">
+          <a:solidFill>
+            <a:schemeClr val="accent1">
+              <a:shade val="60000"/>
+              <a:hueOff val="0"/>
+              <a:satOff val="0"/>
+              <a:lumOff val="0"/>
+              <a:alphaOff val="0"/>
+            </a:schemeClr>
+          </a:solidFill>
+          <a:prstDash val="solid"/>
+        </a:ln>
+        <a:effectLst/>
+      </dsp:spPr>
+      <dsp:style>
+        <a:lnRef idx="2">
+          <a:scrgbClr r="0" g="0" b="0"/>
+        </a:lnRef>
+        <a:fillRef idx="0">
+          <a:scrgbClr r="0" g="0" b="0"/>
+        </a:fillRef>
+        <a:effectRef idx="0">
+          <a:scrgbClr r="0" g="0" b="0"/>
+        </a:effectRef>
+        <a:fontRef idx="minor"/>
+      </dsp:style>
+    </dsp:sp>
+    <dsp:sp modelId="{E713F459-A009-4422-A338-89997BF4A463}">
+      <dsp:nvSpPr>
+        <dsp:cNvPr id="0" name=""/>
+        <dsp:cNvSpPr/>
+      </dsp:nvSpPr>
+      <dsp:spPr>
+        <a:xfrm>
+          <a:off x="6493481" y="3074027"/>
+          <a:ext cx="91440" cy="572749"/>
+        </a:xfrm>
+        <a:custGeom>
+          <a:avLst/>
+          <a:gdLst/>
+          <a:ahLst/>
+          <a:cxnLst/>
+          <a:rect l="0" t="0" r="0" b="0"/>
+          <a:pathLst>
+            <a:path>
+              <a:moveTo>
+                <a:pt x="45720" y="0"/>
+              </a:moveTo>
+              <a:lnTo>
+                <a:pt x="45720" y="572749"/>
+              </a:lnTo>
+            </a:path>
+          </a:pathLst>
+        </a:custGeom>
+        <a:noFill/>
+        <a:ln w="22225" cap="rnd" cmpd="sng" algn="ctr">
+          <a:solidFill>
+            <a:schemeClr val="accent1">
+              <a:shade val="80000"/>
+              <a:hueOff val="0"/>
+              <a:satOff val="0"/>
+              <a:lumOff val="0"/>
+              <a:alphaOff val="0"/>
+            </a:schemeClr>
+          </a:solidFill>
+          <a:prstDash val="solid"/>
+        </a:ln>
+        <a:effectLst/>
+      </dsp:spPr>
+      <dsp:style>
+        <a:lnRef idx="2">
+          <a:scrgbClr r="0" g="0" b="0"/>
+        </a:lnRef>
+        <a:fillRef idx="0">
+          <a:scrgbClr r="0" g="0" b="0"/>
+        </a:fillRef>
+        <a:effectRef idx="0">
+          <a:scrgbClr r="0" g="0" b="0"/>
+        </a:effectRef>
+        <a:fontRef idx="minor"/>
+      </dsp:style>
+    </dsp:sp>
+    <dsp:sp modelId="{8A5D685E-5F35-450B-80DA-D2069DA9F405}">
+      <dsp:nvSpPr>
+        <dsp:cNvPr id="0" name=""/>
+        <dsp:cNvSpPr/>
+      </dsp:nvSpPr>
+      <dsp:spPr>
+        <a:xfrm>
+          <a:off x="5335717" y="1250748"/>
+          <a:ext cx="1203484" cy="572749"/>
+        </a:xfrm>
+        <a:custGeom>
+          <a:avLst/>
+          <a:gdLst/>
+          <a:ahLst/>
+          <a:cxnLst/>
+          <a:rect l="0" t="0" r="0" b="0"/>
+          <a:pathLst>
+            <a:path>
+              <a:moveTo>
+                <a:pt x="0" y="0"/>
+              </a:moveTo>
+              <a:lnTo>
+                <a:pt x="0" y="390311"/>
+              </a:lnTo>
+              <a:lnTo>
+                <a:pt x="1203484" y="390311"/>
+              </a:lnTo>
+              <a:lnTo>
+                <a:pt x="1203484" y="572749"/>
+              </a:lnTo>
+            </a:path>
+          </a:pathLst>
+        </a:custGeom>
+        <a:noFill/>
+        <a:ln w="22225" cap="rnd" cmpd="sng" algn="ctr">
+          <a:solidFill>
+            <a:schemeClr val="accent1">
+              <a:shade val="60000"/>
+              <a:hueOff val="0"/>
+              <a:satOff val="0"/>
+              <a:lumOff val="0"/>
+              <a:alphaOff val="0"/>
+            </a:schemeClr>
+          </a:solidFill>
+          <a:prstDash val="solid"/>
+        </a:ln>
+        <a:effectLst/>
+      </dsp:spPr>
+      <dsp:style>
+        <a:lnRef idx="2">
+          <a:scrgbClr r="0" g="0" b="0"/>
+        </a:lnRef>
+        <a:fillRef idx="0">
+          <a:scrgbClr r="0" g="0" b="0"/>
+        </a:fillRef>
+        <a:effectRef idx="0">
+          <a:scrgbClr r="0" g="0" b="0"/>
+        </a:effectRef>
+        <a:fontRef idx="minor"/>
+      </dsp:style>
+    </dsp:sp>
+    <dsp:sp modelId="{D2A4D0BF-DD1A-4FCB-B0BE-B2E3D04700D3}">
+      <dsp:nvSpPr>
+        <dsp:cNvPr id="0" name=""/>
+        <dsp:cNvSpPr/>
+      </dsp:nvSpPr>
+      <dsp:spPr>
+        <a:xfrm>
+          <a:off x="4086513" y="3074027"/>
+          <a:ext cx="91440" cy="572749"/>
+        </a:xfrm>
+        <a:custGeom>
+          <a:avLst/>
+          <a:gdLst/>
+          <a:ahLst/>
+          <a:cxnLst/>
+          <a:rect l="0" t="0" r="0" b="0"/>
+          <a:pathLst>
+            <a:path>
+              <a:moveTo>
+                <a:pt x="45720" y="0"/>
+              </a:moveTo>
+              <a:lnTo>
+                <a:pt x="45720" y="572749"/>
+              </a:lnTo>
+            </a:path>
+          </a:pathLst>
+        </a:custGeom>
+        <a:noFill/>
+        <a:ln w="22225" cap="rnd" cmpd="sng" algn="ctr">
+          <a:solidFill>
+            <a:schemeClr val="accent1">
+              <a:shade val="80000"/>
+              <a:hueOff val="0"/>
+              <a:satOff val="0"/>
+              <a:lumOff val="0"/>
+              <a:alphaOff val="0"/>
+            </a:schemeClr>
+          </a:solidFill>
+          <a:prstDash val="solid"/>
+        </a:ln>
+        <a:effectLst/>
+      </dsp:spPr>
+      <dsp:style>
+        <a:lnRef idx="2">
+          <a:scrgbClr r="0" g="0" b="0"/>
+        </a:lnRef>
+        <a:fillRef idx="0">
+          <a:scrgbClr r="0" g="0" b="0"/>
+        </a:fillRef>
+        <a:effectRef idx="0">
+          <a:scrgbClr r="0" g="0" b="0"/>
+        </a:effectRef>
+        <a:fontRef idx="minor"/>
+      </dsp:style>
+    </dsp:sp>
+    <dsp:sp modelId="{D93CA638-81E4-46A9-9950-37670888C984}">
+      <dsp:nvSpPr>
+        <dsp:cNvPr id="0" name=""/>
+        <dsp:cNvSpPr/>
+      </dsp:nvSpPr>
+      <dsp:spPr>
+        <a:xfrm>
+          <a:off x="4132233" y="1250748"/>
+          <a:ext cx="1203484" cy="572749"/>
+        </a:xfrm>
+        <a:custGeom>
+          <a:avLst/>
+          <a:gdLst/>
+          <a:ahLst/>
+          <a:cxnLst/>
+          <a:rect l="0" t="0" r="0" b="0"/>
+          <a:pathLst>
+            <a:path>
+              <a:moveTo>
+                <a:pt x="1203484" y="0"/>
+              </a:moveTo>
+              <a:lnTo>
+                <a:pt x="1203484" y="390311"/>
+              </a:lnTo>
+              <a:lnTo>
+                <a:pt x="0" y="390311"/>
+              </a:lnTo>
+              <a:lnTo>
+                <a:pt x="0" y="572749"/>
+              </a:lnTo>
+            </a:path>
+          </a:pathLst>
+        </a:custGeom>
+        <a:noFill/>
+        <a:ln w="22225" cap="rnd" cmpd="sng" algn="ctr">
+          <a:solidFill>
+            <a:schemeClr val="accent1">
+              <a:shade val="60000"/>
+              <a:hueOff val="0"/>
+              <a:satOff val="0"/>
+              <a:lumOff val="0"/>
+              <a:alphaOff val="0"/>
+            </a:schemeClr>
+          </a:solidFill>
+          <a:prstDash val="solid"/>
+        </a:ln>
+        <a:effectLst/>
+      </dsp:spPr>
+      <dsp:style>
+        <a:lnRef idx="2">
+          <a:scrgbClr r="0" g="0" b="0"/>
+        </a:lnRef>
+        <a:fillRef idx="0">
+          <a:scrgbClr r="0" g="0" b="0"/>
+        </a:fillRef>
+        <a:effectRef idx="0">
+          <a:scrgbClr r="0" g="0" b="0"/>
+        </a:effectRef>
+        <a:fontRef idx="minor"/>
+      </dsp:style>
+    </dsp:sp>
+    <dsp:sp modelId="{68532898-A7FB-4D7E-957F-567D4E5CDA90}">
+      <dsp:nvSpPr>
+        <dsp:cNvPr id="0" name=""/>
+        <dsp:cNvSpPr/>
+      </dsp:nvSpPr>
+      <dsp:spPr>
+        <a:xfrm>
+          <a:off x="1679544" y="3074027"/>
+          <a:ext cx="91440" cy="572749"/>
+        </a:xfrm>
+        <a:custGeom>
+          <a:avLst/>
+          <a:gdLst/>
+          <a:ahLst/>
+          <a:cxnLst/>
+          <a:rect l="0" t="0" r="0" b="0"/>
+          <a:pathLst>
+            <a:path>
+              <a:moveTo>
+                <a:pt x="45720" y="0"/>
+              </a:moveTo>
+              <a:lnTo>
+                <a:pt x="45720" y="572749"/>
+              </a:lnTo>
+            </a:path>
+          </a:pathLst>
+        </a:custGeom>
+        <a:noFill/>
+        <a:ln w="22225" cap="rnd" cmpd="sng" algn="ctr">
+          <a:solidFill>
+            <a:schemeClr val="accent1">
+              <a:shade val="80000"/>
+              <a:hueOff val="0"/>
+              <a:satOff val="0"/>
+              <a:lumOff val="0"/>
+              <a:alphaOff val="0"/>
+            </a:schemeClr>
+          </a:solidFill>
+          <a:prstDash val="solid"/>
+        </a:ln>
+        <a:effectLst/>
+      </dsp:spPr>
+      <dsp:style>
+        <a:lnRef idx="2">
+          <a:scrgbClr r="0" g="0" b="0"/>
+        </a:lnRef>
+        <a:fillRef idx="0">
+          <a:scrgbClr r="0" g="0" b="0"/>
+        </a:fillRef>
+        <a:effectRef idx="0">
+          <a:scrgbClr r="0" g="0" b="0"/>
+        </a:effectRef>
+        <a:fontRef idx="minor"/>
+      </dsp:style>
+    </dsp:sp>
+    <dsp:sp modelId="{CE41A50B-2977-4976-852C-CB84464B84AE}">
+      <dsp:nvSpPr>
+        <dsp:cNvPr id="0" name=""/>
+        <dsp:cNvSpPr/>
+      </dsp:nvSpPr>
+      <dsp:spPr>
+        <a:xfrm>
+          <a:off x="1725264" y="1250748"/>
+          <a:ext cx="3610452" cy="572749"/>
+        </a:xfrm>
+        <a:custGeom>
+          <a:avLst/>
+          <a:gdLst/>
+          <a:ahLst/>
+          <a:cxnLst/>
+          <a:rect l="0" t="0" r="0" b="0"/>
+          <a:pathLst>
+            <a:path>
+              <a:moveTo>
+                <a:pt x="3610452" y="0"/>
+              </a:moveTo>
+              <a:lnTo>
+                <a:pt x="3610452" y="390311"/>
+              </a:lnTo>
+              <a:lnTo>
+                <a:pt x="0" y="390311"/>
+              </a:lnTo>
+              <a:lnTo>
+                <a:pt x="0" y="572749"/>
+              </a:lnTo>
+            </a:path>
+          </a:pathLst>
+        </a:custGeom>
+        <a:noFill/>
+        <a:ln w="22225" cap="rnd" cmpd="sng" algn="ctr">
+          <a:solidFill>
+            <a:schemeClr val="accent1">
+              <a:shade val="60000"/>
+              <a:hueOff val="0"/>
+              <a:satOff val="0"/>
+              <a:lumOff val="0"/>
+              <a:alphaOff val="0"/>
+            </a:schemeClr>
+          </a:solidFill>
+          <a:prstDash val="solid"/>
+        </a:ln>
+        <a:effectLst/>
+      </dsp:spPr>
+      <dsp:style>
+        <a:lnRef idx="2">
+          <a:scrgbClr r="0" g="0" b="0"/>
+        </a:lnRef>
+        <a:fillRef idx="0">
+          <a:scrgbClr r="0" g="0" b="0"/>
+        </a:fillRef>
+        <a:effectRef idx="0">
+          <a:scrgbClr r="0" g="0" b="0"/>
+        </a:effectRef>
+        <a:fontRef idx="minor"/>
+      </dsp:style>
+    </dsp:sp>
+    <dsp:sp modelId="{62663C99-FFE4-406B-B222-9031F4F8551C}">
+      <dsp:nvSpPr>
+        <dsp:cNvPr id="0" name=""/>
+        <dsp:cNvSpPr/>
+      </dsp:nvSpPr>
+      <dsp:spPr>
+        <a:xfrm>
+          <a:off x="4351048" y="219"/>
+          <a:ext cx="1969337" cy="1250529"/>
+        </a:xfrm>
+        <a:prstGeom prst="roundRect">
+          <a:avLst>
+            <a:gd name="adj" fmla="val 10000"/>
+          </a:avLst>
+        </a:prstGeom>
+        <a:solidFill>
+          <a:schemeClr val="accent1">
+            <a:hueOff val="0"/>
+            <a:satOff val="0"/>
+            <a:lumOff val="0"/>
+            <a:alphaOff val="0"/>
+          </a:schemeClr>
+        </a:solidFill>
+        <a:ln w="22225" cap="rnd" cmpd="sng" algn="ctr">
+          <a:solidFill>
+            <a:schemeClr val="lt1">
+              <a:hueOff val="0"/>
+              <a:satOff val="0"/>
+              <a:lumOff val="0"/>
+              <a:alphaOff val="0"/>
+            </a:schemeClr>
+          </a:solidFill>
+          <a:prstDash val="solid"/>
+        </a:ln>
+        <a:effectLst/>
+      </dsp:spPr>
+      <dsp:style>
+        <a:lnRef idx="2">
+          <a:scrgbClr r="0" g="0" b="0"/>
+        </a:lnRef>
+        <a:fillRef idx="1">
+          <a:scrgbClr r="0" g="0" b="0"/>
+        </a:fillRef>
+        <a:effectRef idx="0">
+          <a:scrgbClr r="0" g="0" b="0"/>
+        </a:effectRef>
+        <a:fontRef idx="minor">
+          <a:schemeClr val="lt1"/>
+        </a:fontRef>
+      </dsp:style>
+    </dsp:sp>
+    <dsp:sp modelId="{24ED95BD-5A81-4DFA-ADA5-E599053A5C39}">
+      <dsp:nvSpPr>
+        <dsp:cNvPr id="0" name=""/>
+        <dsp:cNvSpPr/>
+      </dsp:nvSpPr>
+      <dsp:spPr>
+        <a:xfrm>
+          <a:off x="4569863" y="208093"/>
+          <a:ext cx="1969337" cy="1250529"/>
+        </a:xfrm>
+        <a:prstGeom prst="roundRect">
+          <a:avLst>
+            <a:gd name="adj" fmla="val 10000"/>
+          </a:avLst>
+        </a:prstGeom>
+        <a:solidFill>
+          <a:schemeClr val="lt1">
+            <a:alpha val="90000"/>
+            <a:hueOff val="0"/>
+            <a:satOff val="0"/>
+            <a:lumOff val="0"/>
+            <a:alphaOff val="0"/>
+          </a:schemeClr>
+        </a:solidFill>
+        <a:ln w="22225" cap="rnd" cmpd="sng" algn="ctr">
+          <a:solidFill>
+            <a:schemeClr val="accent1">
+              <a:hueOff val="0"/>
+              <a:satOff val="0"/>
+              <a:lumOff val="0"/>
+              <a:alphaOff val="0"/>
+            </a:schemeClr>
+          </a:solidFill>
+          <a:prstDash val="solid"/>
+        </a:ln>
+        <a:effectLst/>
+      </dsp:spPr>
+      <dsp:style>
+        <a:lnRef idx="2">
+          <a:scrgbClr r="0" g="0" b="0"/>
+        </a:lnRef>
+        <a:fillRef idx="1">
+          <a:scrgbClr r="0" g="0" b="0"/>
+        </a:fillRef>
+        <a:effectRef idx="0">
+          <a:scrgbClr r="0" g="0" b="0"/>
+        </a:effectRef>
+        <a:fontRef idx="minor"/>
+      </dsp:style>
+      <dsp:txBody>
+        <a:bodyPr spcFirstLastPara="0" vert="horz" wrap="square" lIns="53340" tIns="53340" rIns="53340" bIns="53340" numCol="1" spcCol="1270" anchor="ctr" anchorCtr="0">
+          <a:noAutofit/>
+        </a:bodyPr>
+        <a:lstStyle/>
+        <a:p>
+          <a:pPr marL="0" lvl="0" indent="0" algn="ctr" defTabSz="622300">
+            <a:lnSpc>
+              <a:spcPct val="90000"/>
+            </a:lnSpc>
+            <a:spcBef>
+              <a:spcPct val="0"/>
+            </a:spcBef>
+            <a:spcAft>
+              <a:spcPct val="35000"/>
+            </a:spcAft>
+            <a:buNone/>
+          </a:pPr>
+          <a:r>
+            <a:rPr lang="en-GB" sz="1400" kern="1200"/>
+            <a:t>Minimum Viable Prototype</a:t>
+          </a:r>
+          <a:endParaRPr lang="en-US" sz="1400" kern="1200"/>
+        </a:p>
+      </dsp:txBody>
+      <dsp:txXfrm>
+        <a:off x="4606490" y="244720"/>
+        <a:ext cx="1896083" cy="1177275"/>
+      </dsp:txXfrm>
+    </dsp:sp>
+    <dsp:sp modelId="{A50A9B94-F602-434F-841A-3FF930D87AF3}">
+      <dsp:nvSpPr>
+        <dsp:cNvPr id="0" name=""/>
+        <dsp:cNvSpPr/>
+      </dsp:nvSpPr>
+      <dsp:spPr>
+        <a:xfrm>
+          <a:off x="740595" y="1823497"/>
+          <a:ext cx="1969337" cy="1250529"/>
+        </a:xfrm>
+        <a:prstGeom prst="roundRect">
+          <a:avLst>
+            <a:gd name="adj" fmla="val 10000"/>
+          </a:avLst>
+        </a:prstGeom>
+        <a:solidFill>
+          <a:schemeClr val="accent1">
+            <a:hueOff val="0"/>
+            <a:satOff val="0"/>
+            <a:lumOff val="0"/>
+            <a:alphaOff val="0"/>
+          </a:schemeClr>
+        </a:solidFill>
+        <a:ln w="22225" cap="rnd" cmpd="sng" algn="ctr">
+          <a:solidFill>
+            <a:schemeClr val="lt1">
+              <a:hueOff val="0"/>
+              <a:satOff val="0"/>
+              <a:lumOff val="0"/>
+              <a:alphaOff val="0"/>
+            </a:schemeClr>
+          </a:solidFill>
+          <a:prstDash val="solid"/>
+        </a:ln>
+        <a:effectLst/>
+      </dsp:spPr>
+      <dsp:style>
+        <a:lnRef idx="2">
+          <a:scrgbClr r="0" g="0" b="0"/>
+        </a:lnRef>
+        <a:fillRef idx="1">
+          <a:scrgbClr r="0" g="0" b="0"/>
+        </a:fillRef>
+        <a:effectRef idx="0">
+          <a:scrgbClr r="0" g="0" b="0"/>
+        </a:effectRef>
+        <a:fontRef idx="minor">
+          <a:schemeClr val="lt1"/>
+        </a:fontRef>
+      </dsp:style>
+    </dsp:sp>
+    <dsp:sp modelId="{C196EA4D-F6CF-4BB1-AB04-9ED239A79DD4}">
+      <dsp:nvSpPr>
+        <dsp:cNvPr id="0" name=""/>
+        <dsp:cNvSpPr/>
+      </dsp:nvSpPr>
+      <dsp:spPr>
+        <a:xfrm>
+          <a:off x="959410" y="2031372"/>
+          <a:ext cx="1969337" cy="1250529"/>
+        </a:xfrm>
+        <a:prstGeom prst="roundRect">
+          <a:avLst>
+            <a:gd name="adj" fmla="val 10000"/>
+          </a:avLst>
+        </a:prstGeom>
+        <a:solidFill>
+          <a:schemeClr val="lt1">
+            <a:alpha val="90000"/>
+            <a:hueOff val="0"/>
+            <a:satOff val="0"/>
+            <a:lumOff val="0"/>
+            <a:alphaOff val="0"/>
+          </a:schemeClr>
+        </a:solidFill>
+        <a:ln w="22225" cap="rnd" cmpd="sng" algn="ctr">
+          <a:solidFill>
+            <a:schemeClr val="accent1">
+              <a:hueOff val="0"/>
+              <a:satOff val="0"/>
+              <a:lumOff val="0"/>
+              <a:alphaOff val="0"/>
+            </a:schemeClr>
+          </a:solidFill>
+          <a:prstDash val="solid"/>
+        </a:ln>
+        <a:effectLst/>
+      </dsp:spPr>
+      <dsp:style>
+        <a:lnRef idx="2">
+          <a:scrgbClr r="0" g="0" b="0"/>
+        </a:lnRef>
+        <a:fillRef idx="1">
+          <a:scrgbClr r="0" g="0" b="0"/>
+        </a:fillRef>
+        <a:effectRef idx="0">
+          <a:scrgbClr r="0" g="0" b="0"/>
+        </a:effectRef>
+        <a:fontRef idx="minor"/>
+      </dsp:style>
+      <dsp:txBody>
+        <a:bodyPr spcFirstLastPara="0" vert="horz" wrap="square" lIns="53340" tIns="53340" rIns="53340" bIns="53340" numCol="1" spcCol="1270" anchor="ctr" anchorCtr="0">
+          <a:noAutofit/>
+        </a:bodyPr>
+        <a:lstStyle/>
+        <a:p>
+          <a:pPr marL="0" lvl="0" indent="0" algn="ctr" defTabSz="622300">
+            <a:lnSpc>
+              <a:spcPct val="90000"/>
+            </a:lnSpc>
+            <a:spcBef>
+              <a:spcPct val="0"/>
+            </a:spcBef>
+            <a:spcAft>
+              <a:spcPct val="35000"/>
+            </a:spcAft>
+            <a:buNone/>
+          </a:pPr>
+          <a:r>
+            <a:rPr lang="en-GB" sz="1400" kern="1200"/>
+            <a:t>Implemented the Lag-Llama, autoregressor and autoARIMA models in abstracted way</a:t>
+          </a:r>
+          <a:endParaRPr lang="en-US" sz="1400" kern="1200"/>
+        </a:p>
+      </dsp:txBody>
+      <dsp:txXfrm>
+        <a:off x="996037" y="2067999"/>
+        <a:ext cx="1896083" cy="1177275"/>
+      </dsp:txXfrm>
+    </dsp:sp>
+    <dsp:sp modelId="{2E46B80E-A116-434B-B8AB-474AB1A62480}">
+      <dsp:nvSpPr>
+        <dsp:cNvPr id="0" name=""/>
+        <dsp:cNvSpPr/>
+      </dsp:nvSpPr>
+      <dsp:spPr>
+        <a:xfrm>
+          <a:off x="740595" y="3646776"/>
+          <a:ext cx="1969337" cy="1250529"/>
+        </a:xfrm>
+        <a:prstGeom prst="roundRect">
+          <a:avLst>
+            <a:gd name="adj" fmla="val 10000"/>
+          </a:avLst>
+        </a:prstGeom>
+        <a:solidFill>
+          <a:schemeClr val="accent1">
+            <a:hueOff val="0"/>
+            <a:satOff val="0"/>
+            <a:lumOff val="0"/>
+            <a:alphaOff val="0"/>
+          </a:schemeClr>
+        </a:solidFill>
+        <a:ln w="22225" cap="rnd" cmpd="sng" algn="ctr">
+          <a:solidFill>
+            <a:schemeClr val="lt1">
+              <a:hueOff val="0"/>
+              <a:satOff val="0"/>
+              <a:lumOff val="0"/>
+              <a:alphaOff val="0"/>
+            </a:schemeClr>
+          </a:solidFill>
+          <a:prstDash val="solid"/>
+        </a:ln>
+        <a:effectLst/>
+      </dsp:spPr>
+      <dsp:style>
+        <a:lnRef idx="2">
+          <a:scrgbClr r="0" g="0" b="0"/>
+        </a:lnRef>
+        <a:fillRef idx="1">
+          <a:scrgbClr r="0" g="0" b="0"/>
+        </a:fillRef>
+        <a:effectRef idx="0">
+          <a:scrgbClr r="0" g="0" b="0"/>
+        </a:effectRef>
+        <a:fontRef idx="minor">
+          <a:schemeClr val="lt1"/>
+        </a:fontRef>
+      </dsp:style>
+    </dsp:sp>
+    <dsp:sp modelId="{5083C1FE-8844-4821-8817-404C16CCDB49}">
+      <dsp:nvSpPr>
+        <dsp:cNvPr id="0" name=""/>
+        <dsp:cNvSpPr/>
+      </dsp:nvSpPr>
+      <dsp:spPr>
+        <a:xfrm>
+          <a:off x="959410" y="3854651"/>
+          <a:ext cx="1969337" cy="1250529"/>
+        </a:xfrm>
+        <a:prstGeom prst="roundRect">
+          <a:avLst>
+            <a:gd name="adj" fmla="val 10000"/>
+          </a:avLst>
+        </a:prstGeom>
+        <a:solidFill>
+          <a:schemeClr val="lt1">
+            <a:alpha val="90000"/>
+            <a:hueOff val="0"/>
+            <a:satOff val="0"/>
+            <a:lumOff val="0"/>
+            <a:alphaOff val="0"/>
+          </a:schemeClr>
+        </a:solidFill>
+        <a:ln w="22225" cap="rnd" cmpd="sng" algn="ctr">
+          <a:solidFill>
+            <a:schemeClr val="accent1">
+              <a:hueOff val="0"/>
+              <a:satOff val="0"/>
+              <a:lumOff val="0"/>
+              <a:alphaOff val="0"/>
+            </a:schemeClr>
+          </a:solidFill>
+          <a:prstDash val="solid"/>
+        </a:ln>
+        <a:effectLst/>
+      </dsp:spPr>
+      <dsp:style>
+        <a:lnRef idx="2">
+          <a:scrgbClr r="0" g="0" b="0"/>
+        </a:lnRef>
+        <a:fillRef idx="1">
+          <a:scrgbClr r="0" g="0" b="0"/>
+        </a:fillRef>
+        <a:effectRef idx="0">
+          <a:scrgbClr r="0" g="0" b="0"/>
+        </a:effectRef>
+        <a:fontRef idx="minor"/>
+      </dsp:style>
+      <dsp:txBody>
+        <a:bodyPr spcFirstLastPara="0" vert="horz" wrap="square" lIns="53340" tIns="53340" rIns="53340" bIns="53340" numCol="1" spcCol="1270" anchor="ctr" anchorCtr="0">
+          <a:noAutofit/>
+        </a:bodyPr>
+        <a:lstStyle/>
+        <a:p>
+          <a:pPr marL="0" lvl="0" indent="0" algn="ctr" defTabSz="622300">
+            <a:lnSpc>
+              <a:spcPct val="90000"/>
+            </a:lnSpc>
+            <a:spcBef>
+              <a:spcPct val="0"/>
+            </a:spcBef>
+            <a:spcAft>
+              <a:spcPct val="35000"/>
+            </a:spcAft>
+            <a:buNone/>
+          </a:pPr>
+          <a:r>
+            <a:rPr lang="en-GB" sz="1400" kern="1200"/>
+            <a:t>Ability to get model predictions with a single line of code</a:t>
+          </a:r>
+          <a:endParaRPr lang="en-US" sz="1400" kern="1200"/>
+        </a:p>
+      </dsp:txBody>
+      <dsp:txXfrm>
+        <a:off x="996037" y="3891278"/>
+        <a:ext cx="1896083" cy="1177275"/>
+      </dsp:txXfrm>
+    </dsp:sp>
+    <dsp:sp modelId="{8E42CF63-A1CA-4B97-BAA3-C2475A72AD0A}">
+      <dsp:nvSpPr>
+        <dsp:cNvPr id="0" name=""/>
+        <dsp:cNvSpPr/>
+      </dsp:nvSpPr>
+      <dsp:spPr>
+        <a:xfrm>
+          <a:off x="3147564" y="1823497"/>
+          <a:ext cx="1969337" cy="1250529"/>
+        </a:xfrm>
+        <a:prstGeom prst="roundRect">
+          <a:avLst>
+            <a:gd name="adj" fmla="val 10000"/>
+          </a:avLst>
+        </a:prstGeom>
+        <a:solidFill>
+          <a:schemeClr val="accent1">
+            <a:hueOff val="0"/>
+            <a:satOff val="0"/>
+            <a:lumOff val="0"/>
+            <a:alphaOff val="0"/>
+          </a:schemeClr>
+        </a:solidFill>
+        <a:ln w="22225" cap="rnd" cmpd="sng" algn="ctr">
+          <a:solidFill>
+            <a:schemeClr val="lt1">
+              <a:hueOff val="0"/>
+              <a:satOff val="0"/>
+              <a:lumOff val="0"/>
+              <a:alphaOff val="0"/>
+            </a:schemeClr>
+          </a:solidFill>
+          <a:prstDash val="solid"/>
+        </a:ln>
+        <a:effectLst/>
+      </dsp:spPr>
+      <dsp:style>
+        <a:lnRef idx="2">
+          <a:scrgbClr r="0" g="0" b="0"/>
+        </a:lnRef>
+        <a:fillRef idx="1">
+          <a:scrgbClr r="0" g="0" b="0"/>
+        </a:fillRef>
+        <a:effectRef idx="0">
+          <a:scrgbClr r="0" g="0" b="0"/>
+        </a:effectRef>
+        <a:fontRef idx="minor">
+          <a:schemeClr val="lt1"/>
+        </a:fontRef>
+      </dsp:style>
+    </dsp:sp>
+    <dsp:sp modelId="{723589A1-9664-4F75-B2D2-5E21296B09DE}">
+      <dsp:nvSpPr>
+        <dsp:cNvPr id="0" name=""/>
+        <dsp:cNvSpPr/>
+      </dsp:nvSpPr>
+      <dsp:spPr>
+        <a:xfrm>
+          <a:off x="3366379" y="2031372"/>
+          <a:ext cx="1969337" cy="1250529"/>
+        </a:xfrm>
+        <a:prstGeom prst="roundRect">
+          <a:avLst>
+            <a:gd name="adj" fmla="val 10000"/>
+          </a:avLst>
+        </a:prstGeom>
+        <a:solidFill>
+          <a:schemeClr val="lt1">
+            <a:alpha val="90000"/>
+            <a:hueOff val="0"/>
+            <a:satOff val="0"/>
+            <a:lumOff val="0"/>
+            <a:alphaOff val="0"/>
+          </a:schemeClr>
+        </a:solidFill>
+        <a:ln w="22225" cap="rnd" cmpd="sng" algn="ctr">
+          <a:solidFill>
+            <a:schemeClr val="accent1">
+              <a:hueOff val="0"/>
+              <a:satOff val="0"/>
+              <a:lumOff val="0"/>
+              <a:alphaOff val="0"/>
+            </a:schemeClr>
+          </a:solidFill>
+          <a:prstDash val="solid"/>
+        </a:ln>
+        <a:effectLst/>
+      </dsp:spPr>
+      <dsp:style>
+        <a:lnRef idx="2">
+          <a:scrgbClr r="0" g="0" b="0"/>
+        </a:lnRef>
+        <a:fillRef idx="1">
+          <a:scrgbClr r="0" g="0" b="0"/>
+        </a:fillRef>
+        <a:effectRef idx="0">
+          <a:scrgbClr r="0" g="0" b="0"/>
+        </a:effectRef>
+        <a:fontRef idx="minor"/>
+      </dsp:style>
+      <dsp:txBody>
+        <a:bodyPr spcFirstLastPara="0" vert="horz" wrap="square" lIns="53340" tIns="53340" rIns="53340" bIns="53340" numCol="1" spcCol="1270" anchor="ctr" anchorCtr="0">
+          <a:noAutofit/>
+        </a:bodyPr>
+        <a:lstStyle/>
+        <a:p>
+          <a:pPr marL="0" lvl="0" indent="0" algn="ctr" defTabSz="622300">
+            <a:lnSpc>
+              <a:spcPct val="90000"/>
+            </a:lnSpc>
+            <a:spcBef>
+              <a:spcPct val="0"/>
+            </a:spcBef>
+            <a:spcAft>
+              <a:spcPct val="35000"/>
+            </a:spcAft>
+            <a:buNone/>
+          </a:pPr>
+          <a:r>
+            <a:rPr lang="en-GB" sz="1400" kern="1200"/>
+            <a:t>Rudimentary data capabilities</a:t>
+          </a:r>
+          <a:endParaRPr lang="en-US" sz="1400" kern="1200"/>
+        </a:p>
+      </dsp:txBody>
+      <dsp:txXfrm>
+        <a:off x="3403006" y="2067999"/>
+        <a:ext cx="1896083" cy="1177275"/>
+      </dsp:txXfrm>
+    </dsp:sp>
+    <dsp:sp modelId="{A50A79EF-2F23-4F1F-8535-1DE574373636}">
+      <dsp:nvSpPr>
+        <dsp:cNvPr id="0" name=""/>
+        <dsp:cNvSpPr/>
+      </dsp:nvSpPr>
+      <dsp:spPr>
+        <a:xfrm>
+          <a:off x="3147564" y="3646776"/>
+          <a:ext cx="1969337" cy="1250529"/>
+        </a:xfrm>
+        <a:prstGeom prst="roundRect">
+          <a:avLst>
+            <a:gd name="adj" fmla="val 10000"/>
+          </a:avLst>
+        </a:prstGeom>
+        <a:solidFill>
+          <a:schemeClr val="accent1">
+            <a:hueOff val="0"/>
+            <a:satOff val="0"/>
+            <a:lumOff val="0"/>
+            <a:alphaOff val="0"/>
+          </a:schemeClr>
+        </a:solidFill>
+        <a:ln w="22225" cap="rnd" cmpd="sng" algn="ctr">
+          <a:solidFill>
+            <a:schemeClr val="lt1">
+              <a:hueOff val="0"/>
+              <a:satOff val="0"/>
+              <a:lumOff val="0"/>
+              <a:alphaOff val="0"/>
+            </a:schemeClr>
+          </a:solidFill>
+          <a:prstDash val="solid"/>
+        </a:ln>
+        <a:effectLst/>
+      </dsp:spPr>
+      <dsp:style>
+        <a:lnRef idx="2">
+          <a:scrgbClr r="0" g="0" b="0"/>
+        </a:lnRef>
+        <a:fillRef idx="1">
+          <a:scrgbClr r="0" g="0" b="0"/>
+        </a:fillRef>
+        <a:effectRef idx="0">
+          <a:scrgbClr r="0" g="0" b="0"/>
+        </a:effectRef>
+        <a:fontRef idx="minor">
+          <a:schemeClr val="lt1"/>
+        </a:fontRef>
+      </dsp:style>
+    </dsp:sp>
+    <dsp:sp modelId="{0B2AB48D-3455-42B6-BD70-C0A5C1F11792}">
+      <dsp:nvSpPr>
+        <dsp:cNvPr id="0" name=""/>
+        <dsp:cNvSpPr/>
+      </dsp:nvSpPr>
+      <dsp:spPr>
+        <a:xfrm>
+          <a:off x="3366379" y="3854651"/>
+          <a:ext cx="1969337" cy="1250529"/>
+        </a:xfrm>
+        <a:prstGeom prst="roundRect">
+          <a:avLst>
+            <a:gd name="adj" fmla="val 10000"/>
+          </a:avLst>
+        </a:prstGeom>
+        <a:solidFill>
+          <a:schemeClr val="lt1">
+            <a:alpha val="90000"/>
+            <a:hueOff val="0"/>
+            <a:satOff val="0"/>
+            <a:lumOff val="0"/>
+            <a:alphaOff val="0"/>
+          </a:schemeClr>
+        </a:solidFill>
+        <a:ln w="22225" cap="rnd" cmpd="sng" algn="ctr">
+          <a:solidFill>
+            <a:schemeClr val="accent1">
+              <a:hueOff val="0"/>
+              <a:satOff val="0"/>
+              <a:lumOff val="0"/>
+              <a:alphaOff val="0"/>
+            </a:schemeClr>
+          </a:solidFill>
+          <a:prstDash val="solid"/>
+        </a:ln>
+        <a:effectLst/>
+      </dsp:spPr>
+      <dsp:style>
+        <a:lnRef idx="2">
+          <a:scrgbClr r="0" g="0" b="0"/>
+        </a:lnRef>
+        <a:fillRef idx="1">
+          <a:scrgbClr r="0" g="0" b="0"/>
+        </a:fillRef>
+        <a:effectRef idx="0">
+          <a:scrgbClr r="0" g="0" b="0"/>
+        </a:effectRef>
+        <a:fontRef idx="minor"/>
+      </dsp:style>
+      <dsp:txBody>
+        <a:bodyPr spcFirstLastPara="0" vert="horz" wrap="square" lIns="53340" tIns="53340" rIns="53340" bIns="53340" numCol="1" spcCol="1270" anchor="ctr" anchorCtr="0">
+          <a:noAutofit/>
+        </a:bodyPr>
+        <a:lstStyle/>
+        <a:p>
+          <a:pPr marL="0" lvl="0" indent="0" algn="ctr" defTabSz="622300">
+            <a:lnSpc>
+              <a:spcPct val="90000"/>
+            </a:lnSpc>
+            <a:spcBef>
+              <a:spcPct val="0"/>
+            </a:spcBef>
+            <a:spcAft>
+              <a:spcPct val="35000"/>
+            </a:spcAft>
+            <a:buNone/>
+          </a:pPr>
+          <a:r>
+            <a:rPr lang="en-GB" sz="1400" kern="1200"/>
+            <a:t>Ability to get desired stock price and stock return data of desired frequency with a single line of code</a:t>
+          </a:r>
+          <a:endParaRPr lang="en-US" sz="1400" kern="1200"/>
+        </a:p>
+      </dsp:txBody>
+      <dsp:txXfrm>
+        <a:off x="3403006" y="3891278"/>
+        <a:ext cx="1896083" cy="1177275"/>
+      </dsp:txXfrm>
+    </dsp:sp>
+    <dsp:sp modelId="{0C9358D7-294B-4481-9C4B-149183BE5B0B}">
+      <dsp:nvSpPr>
+        <dsp:cNvPr id="0" name=""/>
+        <dsp:cNvSpPr/>
+      </dsp:nvSpPr>
+      <dsp:spPr>
+        <a:xfrm>
+          <a:off x="5554532" y="1823497"/>
+          <a:ext cx="1969337" cy="1250529"/>
+        </a:xfrm>
+        <a:prstGeom prst="roundRect">
+          <a:avLst>
+            <a:gd name="adj" fmla="val 10000"/>
+          </a:avLst>
+        </a:prstGeom>
+        <a:solidFill>
+          <a:schemeClr val="accent1">
+            <a:hueOff val="0"/>
+            <a:satOff val="0"/>
+            <a:lumOff val="0"/>
+            <a:alphaOff val="0"/>
+          </a:schemeClr>
+        </a:solidFill>
+        <a:ln w="22225" cap="rnd" cmpd="sng" algn="ctr">
+          <a:solidFill>
+            <a:schemeClr val="lt1">
+              <a:hueOff val="0"/>
+              <a:satOff val="0"/>
+              <a:lumOff val="0"/>
+              <a:alphaOff val="0"/>
+            </a:schemeClr>
+          </a:solidFill>
+          <a:prstDash val="solid"/>
+        </a:ln>
+        <a:effectLst/>
+      </dsp:spPr>
+      <dsp:style>
+        <a:lnRef idx="2">
+          <a:scrgbClr r="0" g="0" b="0"/>
+        </a:lnRef>
+        <a:fillRef idx="1">
+          <a:scrgbClr r="0" g="0" b="0"/>
+        </a:fillRef>
+        <a:effectRef idx="0">
+          <a:scrgbClr r="0" g="0" b="0"/>
+        </a:effectRef>
+        <a:fontRef idx="minor">
+          <a:schemeClr val="lt1"/>
+        </a:fontRef>
+      </dsp:style>
+    </dsp:sp>
+    <dsp:sp modelId="{A0ECCAE2-111C-4A8E-BA36-56F309E94929}">
+      <dsp:nvSpPr>
+        <dsp:cNvPr id="0" name=""/>
+        <dsp:cNvSpPr/>
+      </dsp:nvSpPr>
+      <dsp:spPr>
+        <a:xfrm>
+          <a:off x="5773347" y="2031372"/>
+          <a:ext cx="1969337" cy="1250529"/>
+        </a:xfrm>
+        <a:prstGeom prst="roundRect">
+          <a:avLst>
+            <a:gd name="adj" fmla="val 10000"/>
+          </a:avLst>
+        </a:prstGeom>
+        <a:solidFill>
+          <a:schemeClr val="lt1">
+            <a:alpha val="90000"/>
+            <a:hueOff val="0"/>
+            <a:satOff val="0"/>
+            <a:lumOff val="0"/>
+            <a:alphaOff val="0"/>
+          </a:schemeClr>
+        </a:solidFill>
+        <a:ln w="22225" cap="rnd" cmpd="sng" algn="ctr">
+          <a:solidFill>
+            <a:schemeClr val="accent1">
+              <a:hueOff val="0"/>
+              <a:satOff val="0"/>
+              <a:lumOff val="0"/>
+              <a:alphaOff val="0"/>
+            </a:schemeClr>
+          </a:solidFill>
+          <a:prstDash val="solid"/>
+        </a:ln>
+        <a:effectLst/>
+      </dsp:spPr>
+      <dsp:style>
+        <a:lnRef idx="2">
+          <a:scrgbClr r="0" g="0" b="0"/>
+        </a:lnRef>
+        <a:fillRef idx="1">
+          <a:scrgbClr r="0" g="0" b="0"/>
+        </a:fillRef>
+        <a:effectRef idx="0">
+          <a:scrgbClr r="0" g="0" b="0"/>
+        </a:effectRef>
+        <a:fontRef idx="minor"/>
+      </dsp:style>
+      <dsp:txBody>
+        <a:bodyPr spcFirstLastPara="0" vert="horz" wrap="square" lIns="53340" tIns="53340" rIns="53340" bIns="53340" numCol="1" spcCol="1270" anchor="ctr" anchorCtr="0">
+          <a:noAutofit/>
+        </a:bodyPr>
+        <a:lstStyle/>
+        <a:p>
+          <a:pPr marL="0" lvl="0" indent="0" algn="ctr" defTabSz="622300">
+            <a:lnSpc>
+              <a:spcPct val="90000"/>
+            </a:lnSpc>
+            <a:spcBef>
+              <a:spcPct val="0"/>
+            </a:spcBef>
+            <a:spcAft>
+              <a:spcPct val="35000"/>
+            </a:spcAft>
+            <a:buNone/>
+          </a:pPr>
+          <a:r>
+            <a:rPr lang="en-GB" sz="1400" kern="1200"/>
+            <a:t>TSCV functionality</a:t>
+          </a:r>
+          <a:endParaRPr lang="en-US" sz="1400" kern="1200"/>
+        </a:p>
+      </dsp:txBody>
+      <dsp:txXfrm>
+        <a:off x="5809974" y="2067999"/>
+        <a:ext cx="1896083" cy="1177275"/>
+      </dsp:txXfrm>
+    </dsp:sp>
+    <dsp:sp modelId="{E56BF9A7-2FF7-4FC7-8377-2F3395C8C2E1}">
+      <dsp:nvSpPr>
+        <dsp:cNvPr id="0" name=""/>
+        <dsp:cNvSpPr/>
+      </dsp:nvSpPr>
+      <dsp:spPr>
+        <a:xfrm>
+          <a:off x="5554532" y="3646776"/>
+          <a:ext cx="1969337" cy="1250529"/>
+        </a:xfrm>
+        <a:prstGeom prst="roundRect">
+          <a:avLst>
+            <a:gd name="adj" fmla="val 10000"/>
+          </a:avLst>
+        </a:prstGeom>
+        <a:solidFill>
+          <a:schemeClr val="accent1">
+            <a:hueOff val="0"/>
+            <a:satOff val="0"/>
+            <a:lumOff val="0"/>
+            <a:alphaOff val="0"/>
+          </a:schemeClr>
+        </a:solidFill>
+        <a:ln w="22225" cap="rnd" cmpd="sng" algn="ctr">
+          <a:solidFill>
+            <a:schemeClr val="lt1">
+              <a:hueOff val="0"/>
+              <a:satOff val="0"/>
+              <a:lumOff val="0"/>
+              <a:alphaOff val="0"/>
+            </a:schemeClr>
+          </a:solidFill>
+          <a:prstDash val="solid"/>
+        </a:ln>
+        <a:effectLst/>
+      </dsp:spPr>
+      <dsp:style>
+        <a:lnRef idx="2">
+          <a:scrgbClr r="0" g="0" b="0"/>
+        </a:lnRef>
+        <a:fillRef idx="1">
+          <a:scrgbClr r="0" g="0" b="0"/>
+        </a:fillRef>
+        <a:effectRef idx="0">
+          <a:scrgbClr r="0" g="0" b="0"/>
+        </a:effectRef>
+        <a:fontRef idx="minor">
+          <a:schemeClr val="lt1"/>
+        </a:fontRef>
+      </dsp:style>
+    </dsp:sp>
+    <dsp:sp modelId="{E8919919-88FC-4871-ACA9-C46E412FE2DB}">
+      <dsp:nvSpPr>
+        <dsp:cNvPr id="0" name=""/>
+        <dsp:cNvSpPr/>
+      </dsp:nvSpPr>
+      <dsp:spPr>
+        <a:xfrm>
+          <a:off x="5773347" y="3854651"/>
+          <a:ext cx="1969337" cy="1250529"/>
+        </a:xfrm>
+        <a:prstGeom prst="roundRect">
+          <a:avLst>
+            <a:gd name="adj" fmla="val 10000"/>
+          </a:avLst>
+        </a:prstGeom>
+        <a:solidFill>
+          <a:schemeClr val="lt1">
+            <a:alpha val="90000"/>
+            <a:hueOff val="0"/>
+            <a:satOff val="0"/>
+            <a:lumOff val="0"/>
+            <a:alphaOff val="0"/>
+          </a:schemeClr>
+        </a:solidFill>
+        <a:ln w="22225" cap="rnd" cmpd="sng" algn="ctr">
+          <a:solidFill>
+            <a:schemeClr val="accent1">
+              <a:hueOff val="0"/>
+              <a:satOff val="0"/>
+              <a:lumOff val="0"/>
+              <a:alphaOff val="0"/>
+            </a:schemeClr>
+          </a:solidFill>
+          <a:prstDash val="solid"/>
+        </a:ln>
+        <a:effectLst/>
+      </dsp:spPr>
+      <dsp:style>
+        <a:lnRef idx="2">
+          <a:scrgbClr r="0" g="0" b="0"/>
+        </a:lnRef>
+        <a:fillRef idx="1">
+          <a:scrgbClr r="0" g="0" b="0"/>
+        </a:fillRef>
+        <a:effectRef idx="0">
+          <a:scrgbClr r="0" g="0" b="0"/>
+        </a:effectRef>
+        <a:fontRef idx="minor"/>
+      </dsp:style>
+      <dsp:txBody>
+        <a:bodyPr spcFirstLastPara="0" vert="horz" wrap="square" lIns="53340" tIns="53340" rIns="53340" bIns="53340" numCol="1" spcCol="1270" anchor="ctr" anchorCtr="0">
+          <a:noAutofit/>
+        </a:bodyPr>
+        <a:lstStyle/>
+        <a:p>
+          <a:pPr marL="0" lvl="0" indent="0" algn="ctr" defTabSz="622300">
+            <a:lnSpc>
+              <a:spcPct val="90000"/>
+            </a:lnSpc>
+            <a:spcBef>
+              <a:spcPct val="0"/>
+            </a:spcBef>
+            <a:spcAft>
+              <a:spcPct val="35000"/>
+            </a:spcAft>
+            <a:buNone/>
+          </a:pPr>
+          <a:r>
+            <a:rPr lang="en-GB" sz="1400" kern="1200"/>
+            <a:t>Ability to run TSCV and get results on a desired time-series with custom n_folds and prediction_horizon</a:t>
+          </a:r>
+          <a:endParaRPr lang="en-US" sz="1400" kern="1200"/>
+        </a:p>
+      </dsp:txBody>
+      <dsp:txXfrm>
+        <a:off x="5809974" y="3891278"/>
+        <a:ext cx="1896083" cy="1177275"/>
+      </dsp:txXfrm>
+    </dsp:sp>
+    <dsp:sp modelId="{0764E300-DF7C-4E79-A056-00792BCAC4BC}">
+      <dsp:nvSpPr>
+        <dsp:cNvPr id="0" name=""/>
+        <dsp:cNvSpPr/>
+      </dsp:nvSpPr>
+      <dsp:spPr>
+        <a:xfrm>
+          <a:off x="7961501" y="1823497"/>
+          <a:ext cx="1969337" cy="1250529"/>
+        </a:xfrm>
+        <a:prstGeom prst="roundRect">
+          <a:avLst>
+            <a:gd name="adj" fmla="val 10000"/>
+          </a:avLst>
+        </a:prstGeom>
+        <a:solidFill>
+          <a:schemeClr val="accent1">
+            <a:hueOff val="0"/>
+            <a:satOff val="0"/>
+            <a:lumOff val="0"/>
+            <a:alphaOff val="0"/>
+          </a:schemeClr>
+        </a:solidFill>
+        <a:ln w="22225" cap="rnd" cmpd="sng" algn="ctr">
+          <a:solidFill>
+            <a:schemeClr val="lt1">
+              <a:hueOff val="0"/>
+              <a:satOff val="0"/>
+              <a:lumOff val="0"/>
+              <a:alphaOff val="0"/>
+            </a:schemeClr>
+          </a:solidFill>
+          <a:prstDash val="solid"/>
+        </a:ln>
+        <a:effectLst/>
+      </dsp:spPr>
+      <dsp:style>
+        <a:lnRef idx="2">
+          <a:scrgbClr r="0" g="0" b="0"/>
+        </a:lnRef>
+        <a:fillRef idx="1">
+          <a:scrgbClr r="0" g="0" b="0"/>
+        </a:fillRef>
+        <a:effectRef idx="0">
+          <a:scrgbClr r="0" g="0" b="0"/>
+        </a:effectRef>
+        <a:fontRef idx="minor">
+          <a:schemeClr val="lt1"/>
+        </a:fontRef>
+      </dsp:style>
+    </dsp:sp>
+    <dsp:sp modelId="{FE922328-F30F-4701-9834-2311E6031A91}">
+      <dsp:nvSpPr>
+        <dsp:cNvPr id="0" name=""/>
+        <dsp:cNvSpPr/>
+      </dsp:nvSpPr>
+      <dsp:spPr>
+        <a:xfrm>
+          <a:off x="8180316" y="2031372"/>
+          <a:ext cx="1969337" cy="1250529"/>
+        </a:xfrm>
+        <a:prstGeom prst="roundRect">
+          <a:avLst>
+            <a:gd name="adj" fmla="val 10000"/>
+          </a:avLst>
+        </a:prstGeom>
+        <a:solidFill>
+          <a:schemeClr val="lt1">
+            <a:alpha val="90000"/>
+            <a:hueOff val="0"/>
+            <a:satOff val="0"/>
+            <a:lumOff val="0"/>
+            <a:alphaOff val="0"/>
+          </a:schemeClr>
+        </a:solidFill>
+        <a:ln w="22225" cap="rnd" cmpd="sng" algn="ctr">
+          <a:solidFill>
+            <a:schemeClr val="accent1">
+              <a:hueOff val="0"/>
+              <a:satOff val="0"/>
+              <a:lumOff val="0"/>
+              <a:alphaOff val="0"/>
+            </a:schemeClr>
+          </a:solidFill>
+          <a:prstDash val="solid"/>
+        </a:ln>
+        <a:effectLst/>
+      </dsp:spPr>
+      <dsp:style>
+        <a:lnRef idx="2">
+          <a:scrgbClr r="0" g="0" b="0"/>
+        </a:lnRef>
+        <a:fillRef idx="1">
+          <a:scrgbClr r="0" g="0" b="0"/>
+        </a:fillRef>
+        <a:effectRef idx="0">
+          <a:scrgbClr r="0" g="0" b="0"/>
+        </a:effectRef>
+        <a:fontRef idx="minor"/>
+      </dsp:style>
+      <dsp:txBody>
+        <a:bodyPr spcFirstLastPara="0" vert="horz" wrap="square" lIns="53340" tIns="53340" rIns="53340" bIns="53340" numCol="1" spcCol="1270" anchor="ctr" anchorCtr="0">
+          <a:noAutofit/>
+        </a:bodyPr>
+        <a:lstStyle/>
+        <a:p>
+          <a:pPr marL="0" lvl="0" indent="0" algn="ctr" defTabSz="622300">
+            <a:lnSpc>
+              <a:spcPct val="90000"/>
+            </a:lnSpc>
+            <a:spcBef>
+              <a:spcPct val="0"/>
+            </a:spcBef>
+            <a:spcAft>
+              <a:spcPct val="35000"/>
+            </a:spcAft>
+            <a:buNone/>
+          </a:pPr>
+          <a:r>
+            <a:rPr lang="en-GB" sz="1400" kern="1200"/>
+            <a:t>Results visualization</a:t>
+          </a:r>
+          <a:endParaRPr lang="en-US" sz="1400" kern="1200"/>
+        </a:p>
+      </dsp:txBody>
+      <dsp:txXfrm>
+        <a:off x="8216943" y="2067999"/>
+        <a:ext cx="1896083" cy="1177275"/>
+      </dsp:txXfrm>
+    </dsp:sp>
+    <dsp:sp modelId="{1E3E74DC-9E67-4EE6-AA8A-B5E223E68284}">
+      <dsp:nvSpPr>
+        <dsp:cNvPr id="0" name=""/>
+        <dsp:cNvSpPr/>
+      </dsp:nvSpPr>
+      <dsp:spPr>
+        <a:xfrm>
+          <a:off x="7961501" y="3646776"/>
+          <a:ext cx="1969337" cy="1250529"/>
+        </a:xfrm>
+        <a:prstGeom prst="roundRect">
+          <a:avLst>
+            <a:gd name="adj" fmla="val 10000"/>
+          </a:avLst>
+        </a:prstGeom>
+        <a:solidFill>
+          <a:schemeClr val="accent1">
+            <a:hueOff val="0"/>
+            <a:satOff val="0"/>
+            <a:lumOff val="0"/>
+            <a:alphaOff val="0"/>
+          </a:schemeClr>
+        </a:solidFill>
+        <a:ln w="22225" cap="rnd" cmpd="sng" algn="ctr">
+          <a:solidFill>
+            <a:schemeClr val="lt1">
+              <a:hueOff val="0"/>
+              <a:satOff val="0"/>
+              <a:lumOff val="0"/>
+              <a:alphaOff val="0"/>
+            </a:schemeClr>
+          </a:solidFill>
+          <a:prstDash val="solid"/>
+        </a:ln>
+        <a:effectLst/>
+      </dsp:spPr>
+      <dsp:style>
+        <a:lnRef idx="2">
+          <a:scrgbClr r="0" g="0" b="0"/>
+        </a:lnRef>
+        <a:fillRef idx="1">
+          <a:scrgbClr r="0" g="0" b="0"/>
+        </a:fillRef>
+        <a:effectRef idx="0">
+          <a:scrgbClr r="0" g="0" b="0"/>
+        </a:effectRef>
+        <a:fontRef idx="minor">
+          <a:schemeClr val="lt1"/>
+        </a:fontRef>
+      </dsp:style>
+    </dsp:sp>
+    <dsp:sp modelId="{28979DD1-78FD-4577-A98B-632106F90AE7}">
+      <dsp:nvSpPr>
+        <dsp:cNvPr id="0" name=""/>
+        <dsp:cNvSpPr/>
+      </dsp:nvSpPr>
+      <dsp:spPr>
+        <a:xfrm>
+          <a:off x="8180316" y="3854651"/>
+          <a:ext cx="1969337" cy="1250529"/>
+        </a:xfrm>
+        <a:prstGeom prst="roundRect">
+          <a:avLst>
+            <a:gd name="adj" fmla="val 10000"/>
+          </a:avLst>
+        </a:prstGeom>
+        <a:solidFill>
+          <a:schemeClr val="lt1">
+            <a:alpha val="90000"/>
+            <a:hueOff val="0"/>
+            <a:satOff val="0"/>
+            <a:lumOff val="0"/>
+            <a:alphaOff val="0"/>
+          </a:schemeClr>
+        </a:solidFill>
+        <a:ln w="22225" cap="rnd" cmpd="sng" algn="ctr">
+          <a:solidFill>
+            <a:schemeClr val="accent1">
+              <a:hueOff val="0"/>
+              <a:satOff val="0"/>
+              <a:lumOff val="0"/>
+              <a:alphaOff val="0"/>
+            </a:schemeClr>
+          </a:solidFill>
+          <a:prstDash val="solid"/>
+        </a:ln>
+        <a:effectLst/>
+      </dsp:spPr>
+      <dsp:style>
+        <a:lnRef idx="2">
+          <a:scrgbClr r="0" g="0" b="0"/>
+        </a:lnRef>
+        <a:fillRef idx="1">
+          <a:scrgbClr r="0" g="0" b="0"/>
+        </a:fillRef>
+        <a:effectRef idx="0">
+          <a:scrgbClr r="0" g="0" b="0"/>
+        </a:effectRef>
+        <a:fontRef idx="minor"/>
+      </dsp:style>
+      <dsp:txBody>
+        <a:bodyPr spcFirstLastPara="0" vert="horz" wrap="square" lIns="53340" tIns="53340" rIns="53340" bIns="53340" numCol="1" spcCol="1270" anchor="ctr" anchorCtr="0">
+          <a:noAutofit/>
+        </a:bodyPr>
+        <a:lstStyle/>
+        <a:p>
+          <a:pPr marL="0" lvl="0" indent="0" algn="ctr" defTabSz="622300">
+            <a:lnSpc>
+              <a:spcPct val="90000"/>
+            </a:lnSpc>
+            <a:spcBef>
+              <a:spcPct val="0"/>
+            </a:spcBef>
+            <a:spcAft>
+              <a:spcPct val="35000"/>
+            </a:spcAft>
+            <a:buNone/>
+          </a:pPr>
+          <a:r>
+            <a:rPr lang="en-GB" sz="1400" kern="1200"/>
+            <a:t>Results of the TSCV visualized in an interactive manner</a:t>
+          </a:r>
+          <a:endParaRPr lang="en-US" sz="1400" kern="1200"/>
+        </a:p>
+      </dsp:txBody>
+      <dsp:txXfrm>
+        <a:off x="8216943" y="3891278"/>
+        <a:ext cx="1896083" cy="1177275"/>
+      </dsp:txXfrm>
+    </dsp:sp>
+  </dsp:spTree>
+</dsp:drawing>
+</file>
+
+<file path=ppt/diagrams/drawing7.xml><?xml version="1.0" encoding="utf-8"?>
 <dsp:drawing xmlns:dgm="http://schemas.openxmlformats.org/drawingml/2006/diagram" xmlns:dsp="http://schemas.microsoft.com/office/drawing/2008/diagram" xmlns:a="http://schemas.openxmlformats.org/drawingml/2006/main">
   <dsp:spTree>
     <dsp:nvGrpSpPr>
@@ -10971,10 +14065,10 @@
             <a:buNone/>
           </a:pPr>
           <a:r>
-            <a:rPr lang="en-GB" sz="1900" kern="1200"/>
-            <a:t>Implement mode models</a:t>
+            <a:rPr lang="en-GB" sz="1900" kern="1200" dirty="0"/>
+            <a:t>Implement more models</a:t>
           </a:r>
-          <a:endParaRPr lang="en-US" sz="1900" kern="1200"/>
+          <a:endParaRPr lang="en-US" sz="1900" kern="1200" dirty="0"/>
         </a:p>
       </dsp:txBody>
       <dsp:txXfrm>
@@ -11128,10 +14222,9 @@
             <a:buNone/>
           </a:pPr>
           <a:r>
-            <a:rPr lang="en-GB" sz="1900" kern="1200"/>
-            <a:t>Gather more data</a:t>
+            <a:rPr lang="en-US" sz="1900" kern="1200" dirty="0"/>
+            <a:t>Fine-tune TSFMs</a:t>
           </a:r>
-          <a:endParaRPr lang="en-US" sz="1900" kern="1200"/>
         </a:p>
       </dsp:txBody>
       <dsp:txXfrm>
@@ -11285,10 +14378,9 @@
             <a:buNone/>
           </a:pPr>
           <a:r>
-            <a:rPr lang="en-GB" sz="1900" kern="1200" dirty="0"/>
-            <a:t>Fine tune TSFMs</a:t>
+            <a:rPr lang="en-US" sz="1900" kern="1200" dirty="0"/>
+            <a:t>Gather more types of data</a:t>
           </a:r>
-          <a:endParaRPr lang="en-US" sz="1900" kern="1200" dirty="0"/>
         </a:p>
       </dsp:txBody>
       <dsp:txXfrm>
@@ -11599,7 +14691,7 @@
             <a:buNone/>
           </a:pPr>
           <a:r>
-            <a:rPr lang="en-GB" sz="1900" kern="1200"/>
+            <a:rPr lang="en-GB" sz="1900" kern="1200" dirty="0"/>
             <a:t>Record and summarize results</a:t>
           </a:r>
         </a:p>
@@ -13353,6 +16445,569 @@
 </file>
 
 <file path=ppt/diagrams/layout6.xml><?xml version="1.0" encoding="utf-8"?>
+<dgm:layoutDef xmlns:dgm="http://schemas.openxmlformats.org/drawingml/2006/diagram" xmlns:a="http://schemas.openxmlformats.org/drawingml/2006/main" uniqueId="urn:microsoft.com/office/officeart/2005/8/layout/hierarchy1">
+  <dgm:title val=""/>
+  <dgm:desc val=""/>
+  <dgm:catLst>
+    <dgm:cat type="hierarchy" pri="2000"/>
+  </dgm:catLst>
+  <dgm:sampData>
+    <dgm:dataModel>
+      <dgm:ptLst>
+        <dgm:pt modelId="0" type="doc"/>
+        <dgm:pt modelId="1">
+          <dgm:prSet phldr="1"/>
+        </dgm:pt>
+        <dgm:pt modelId="2">
+          <dgm:prSet phldr="1"/>
+        </dgm:pt>
+        <dgm:pt modelId="21">
+          <dgm:prSet phldr="1"/>
+        </dgm:pt>
+        <dgm:pt modelId="22">
+          <dgm:prSet phldr="1"/>
+        </dgm:pt>
+        <dgm:pt modelId="3">
+          <dgm:prSet phldr="1"/>
+        </dgm:pt>
+        <dgm:pt modelId="31">
+          <dgm:prSet phldr="1"/>
+        </dgm:pt>
+      </dgm:ptLst>
+      <dgm:cxnLst>
+        <dgm:cxn modelId="4" srcId="0" destId="1" srcOrd="0" destOrd="0"/>
+        <dgm:cxn modelId="5" srcId="1" destId="2" srcOrd="0" destOrd="0"/>
+        <dgm:cxn modelId="6" srcId="1" destId="3" srcOrd="1" destOrd="0"/>
+        <dgm:cxn modelId="23" srcId="2" destId="21" srcOrd="0" destOrd="0"/>
+        <dgm:cxn modelId="24" srcId="2" destId="22" srcOrd="1" destOrd="0"/>
+        <dgm:cxn modelId="33" srcId="3" destId="31" srcOrd="0" destOrd="0"/>
+      </dgm:cxnLst>
+      <dgm:bg/>
+      <dgm:whole/>
+    </dgm:dataModel>
+  </dgm:sampData>
+  <dgm:styleData>
+    <dgm:dataModel>
+      <dgm:ptLst>
+        <dgm:pt modelId="0" type="doc"/>
+        <dgm:pt modelId="1"/>
+        <dgm:pt modelId="11"/>
+        <dgm:pt modelId="12"/>
+      </dgm:ptLst>
+      <dgm:cxnLst>
+        <dgm:cxn modelId="2" srcId="0" destId="1" srcOrd="0" destOrd="0"/>
+        <dgm:cxn modelId="13" srcId="1" destId="11" srcOrd="0" destOrd="0"/>
+        <dgm:cxn modelId="14" srcId="1" destId="12" srcOrd="1" destOrd="0"/>
+      </dgm:cxnLst>
+      <dgm:bg/>
+      <dgm:whole/>
+    </dgm:dataModel>
+  </dgm:styleData>
+  <dgm:clrData>
+    <dgm:dataModel>
+      <dgm:ptLst>
+        <dgm:pt modelId="0" type="doc"/>
+        <dgm:pt modelId="1"/>
+        <dgm:pt modelId="2"/>
+        <dgm:pt modelId="21"/>
+        <dgm:pt modelId="211"/>
+        <dgm:pt modelId="3"/>
+        <dgm:pt modelId="31"/>
+        <dgm:pt modelId="311"/>
+      </dgm:ptLst>
+      <dgm:cxnLst>
+        <dgm:cxn modelId="4" srcId="0" destId="1" srcOrd="0" destOrd="0"/>
+        <dgm:cxn modelId="5" srcId="1" destId="2" srcOrd="0" destOrd="0"/>
+        <dgm:cxn modelId="6" srcId="1" destId="3" srcOrd="1" destOrd="0"/>
+        <dgm:cxn modelId="23" srcId="2" destId="21" srcOrd="0" destOrd="0"/>
+        <dgm:cxn modelId="24" srcId="21" destId="211" srcOrd="0" destOrd="0"/>
+        <dgm:cxn modelId="33" srcId="3" destId="31" srcOrd="0" destOrd="0"/>
+        <dgm:cxn modelId="34" srcId="31" destId="311" srcOrd="0" destOrd="0"/>
+      </dgm:cxnLst>
+      <dgm:bg/>
+      <dgm:whole/>
+    </dgm:dataModel>
+  </dgm:clrData>
+  <dgm:layoutNode name="hierChild1">
+    <dgm:varLst>
+      <dgm:chPref val="1"/>
+      <dgm:dir/>
+      <dgm:animOne val="branch"/>
+      <dgm:animLvl val="lvl"/>
+      <dgm:resizeHandles/>
+    </dgm:varLst>
+    <dgm:choose name="Name0">
+      <dgm:if name="Name1" func="var" arg="dir" op="equ" val="norm">
+        <dgm:alg type="hierChild">
+          <dgm:param type="linDir" val="fromL"/>
+        </dgm:alg>
+      </dgm:if>
+      <dgm:else name="Name2">
+        <dgm:alg type="hierChild">
+          <dgm:param type="linDir" val="fromR"/>
+        </dgm:alg>
+      </dgm:else>
+    </dgm:choose>
+    <dgm:shape xmlns:r="http://schemas.openxmlformats.org/officeDocument/2006/relationships" r:blip="">
+      <dgm:adjLst/>
+    </dgm:shape>
+    <dgm:presOf/>
+    <dgm:constrLst>
+      <dgm:constr type="primFontSz" for="des" ptType="node" op="equ" val="65"/>
+      <dgm:constr type="w" for="des" forName="composite" refType="w"/>
+      <dgm:constr type="h" for="des" forName="composite" refType="w" refFor="des" refForName="composite" fact="0.667"/>
+      <dgm:constr type="w" for="des" forName="composite2" refType="w" refFor="des" refForName="composite"/>
+      <dgm:constr type="h" for="des" forName="composite2" refType="h" refFor="des" refForName="composite"/>
+      <dgm:constr type="w" for="des" forName="composite3" refType="w" refFor="des" refForName="composite"/>
+      <dgm:constr type="h" for="des" forName="composite3" refType="h" refFor="des" refForName="composite"/>
+      <dgm:constr type="w" for="des" forName="composite4" refType="w" refFor="des" refForName="composite"/>
+      <dgm:constr type="h" for="des" forName="composite4" refType="h" refFor="des" refForName="composite"/>
+      <dgm:constr type="w" for="des" forName="composite5" refType="w" refFor="des" refForName="composite"/>
+      <dgm:constr type="h" for="des" forName="composite5" refType="h" refFor="des" refForName="composite"/>
+      <dgm:constr type="sibSp" refType="w" refFor="des" refForName="composite" fact="0.1"/>
+      <dgm:constr type="sibSp" for="des" forName="hierChild2" refType="sibSp"/>
+      <dgm:constr type="sibSp" for="des" forName="hierChild3" refType="sibSp"/>
+      <dgm:constr type="sibSp" for="des" forName="hierChild4" refType="sibSp"/>
+      <dgm:constr type="sibSp" for="des" forName="hierChild5" refType="sibSp"/>
+      <dgm:constr type="sibSp" for="des" forName="hierChild6" refType="sibSp"/>
+      <dgm:constr type="sp" for="des" forName="hierRoot1" refType="h" refFor="des" refForName="composite" fact="0.25"/>
+      <dgm:constr type="sp" for="des" forName="hierRoot2" refType="sp" refFor="des" refForName="hierRoot1"/>
+      <dgm:constr type="sp" for="des" forName="hierRoot3" refType="sp" refFor="des" refForName="hierRoot1"/>
+      <dgm:constr type="sp" for="des" forName="hierRoot4" refType="sp" refFor="des" refForName="hierRoot1"/>
+      <dgm:constr type="sp" for="des" forName="hierRoot5" refType="sp" refFor="des" refForName="hierRoot1"/>
+    </dgm:constrLst>
+    <dgm:ruleLst/>
+    <dgm:forEach name="Name3" axis="ch">
+      <dgm:forEach name="Name4" axis="self" ptType="node">
+        <dgm:layoutNode name="hierRoot1">
+          <dgm:alg type="hierRoot"/>
+          <dgm:shape xmlns:r="http://schemas.openxmlformats.org/officeDocument/2006/relationships" r:blip="">
+            <dgm:adjLst/>
+          </dgm:shape>
+          <dgm:presOf/>
+          <dgm:constrLst>
+            <dgm:constr type="bendDist" for="des" ptType="parTrans" refType="sp" fact="0.5"/>
+          </dgm:constrLst>
+          <dgm:ruleLst/>
+          <dgm:layoutNode name="composite">
+            <dgm:alg type="composite"/>
+            <dgm:shape xmlns:r="http://schemas.openxmlformats.org/officeDocument/2006/relationships" r:blip="">
+              <dgm:adjLst/>
+            </dgm:shape>
+            <dgm:presOf/>
+            <dgm:constrLst>
+              <dgm:constr type="w" for="ch" forName="background" refType="w" fact="0.9"/>
+              <dgm:constr type="h" for="ch" forName="background" refType="w" refFor="ch" refForName="background" fact="0.635"/>
+              <dgm:constr type="t" for="ch" forName="background"/>
+              <dgm:constr type="l" for="ch" forName="background"/>
+              <dgm:constr type="w" for="ch" forName="text" refType="w" fact="0.9"/>
+              <dgm:constr type="h" for="ch" forName="text" refType="w" refFor="ch" refForName="text" fact="0.635"/>
+              <dgm:constr type="t" for="ch" forName="text" refType="w" fact="0.095"/>
+              <dgm:constr type="l" for="ch" forName="text" refType="w" fact="0.1"/>
+            </dgm:constrLst>
+            <dgm:ruleLst/>
+            <dgm:layoutNode name="background" styleLbl="node0" moveWith="text">
+              <dgm:alg type="sp"/>
+              <dgm:shape xmlns:r="http://schemas.openxmlformats.org/officeDocument/2006/relationships" type="roundRect" r:blip="">
+                <dgm:adjLst>
+                  <dgm:adj idx="1" val="0.1"/>
+                </dgm:adjLst>
+              </dgm:shape>
+              <dgm:presOf/>
+              <dgm:constrLst/>
+              <dgm:ruleLst/>
+            </dgm:layoutNode>
+            <dgm:layoutNode name="text" styleLbl="fgAcc0">
+              <dgm:varLst>
+                <dgm:chPref val="3"/>
+              </dgm:varLst>
+              <dgm:alg type="tx"/>
+              <dgm:shape xmlns:r="http://schemas.openxmlformats.org/officeDocument/2006/relationships" type="roundRect" r:blip="">
+                <dgm:adjLst>
+                  <dgm:adj idx="1" val="0.1"/>
+                </dgm:adjLst>
+              </dgm:shape>
+              <dgm:presOf axis="self"/>
+              <dgm:constrLst>
+                <dgm:constr type="tMarg" refType="primFontSz" fact="0.3"/>
+                <dgm:constr type="bMarg" refType="primFontSz" fact="0.3"/>
+                <dgm:constr type="lMarg" refType="primFontSz" fact="0.3"/>
+                <dgm:constr type="rMarg" refType="primFontSz" fact="0.3"/>
+              </dgm:constrLst>
+              <dgm:ruleLst>
+                <dgm:rule type="primFontSz" val="5" fact="NaN" max="NaN"/>
+              </dgm:ruleLst>
+            </dgm:layoutNode>
+          </dgm:layoutNode>
+          <dgm:layoutNode name="hierChild2">
+            <dgm:choose name="Name5">
+              <dgm:if name="Name6" func="var" arg="dir" op="equ" val="norm">
+                <dgm:alg type="hierChild">
+                  <dgm:param type="linDir" val="fromL"/>
+                </dgm:alg>
+              </dgm:if>
+              <dgm:else name="Name7">
+                <dgm:alg type="hierChild">
+                  <dgm:param type="linDir" val="fromR"/>
+                </dgm:alg>
+              </dgm:else>
+            </dgm:choose>
+            <dgm:shape xmlns:r="http://schemas.openxmlformats.org/officeDocument/2006/relationships" r:blip="">
+              <dgm:adjLst/>
+            </dgm:shape>
+            <dgm:presOf/>
+            <dgm:constrLst/>
+            <dgm:ruleLst/>
+            <dgm:forEach name="Name8" axis="ch">
+              <dgm:forEach name="Name9" axis="self" ptType="parTrans" cnt="1">
+                <dgm:layoutNode name="Name10">
+                  <dgm:alg type="conn">
+                    <dgm:param type="dim" val="1D"/>
+                    <dgm:param type="endSty" val="noArr"/>
+                    <dgm:param type="connRout" val="bend"/>
+                    <dgm:param type="bendPt" val="end"/>
+                    <dgm:param type="begPts" val="bCtr"/>
+                    <dgm:param type="endPts" val="tCtr"/>
+                    <dgm:param type="srcNode" val="background"/>
+                    <dgm:param type="dstNode" val="background2"/>
+                  </dgm:alg>
+                  <dgm:shape xmlns:r="http://schemas.openxmlformats.org/officeDocument/2006/relationships" type="conn" r:blip="" zOrderOff="-999">
+                    <dgm:adjLst/>
+                  </dgm:shape>
+                  <dgm:presOf axis="self"/>
+                  <dgm:constrLst>
+                    <dgm:constr type="begPad"/>
+                    <dgm:constr type="endPad"/>
+                  </dgm:constrLst>
+                  <dgm:ruleLst/>
+                </dgm:layoutNode>
+              </dgm:forEach>
+              <dgm:forEach name="Name11" axis="self" ptType="node">
+                <dgm:layoutNode name="hierRoot2">
+                  <dgm:alg type="hierRoot"/>
+                  <dgm:shape xmlns:r="http://schemas.openxmlformats.org/officeDocument/2006/relationships" r:blip="">
+                    <dgm:adjLst/>
+                  </dgm:shape>
+                  <dgm:presOf/>
+                  <dgm:constrLst>
+                    <dgm:constr type="bendDist" for="des" ptType="parTrans" refType="sp" fact="0.5"/>
+                  </dgm:constrLst>
+                  <dgm:ruleLst/>
+                  <dgm:layoutNode name="composite2">
+                    <dgm:alg type="composite"/>
+                    <dgm:shape xmlns:r="http://schemas.openxmlformats.org/officeDocument/2006/relationships" r:blip="">
+                      <dgm:adjLst/>
+                    </dgm:shape>
+                    <dgm:presOf/>
+                    <dgm:constrLst>
+                      <dgm:constr type="w" for="ch" forName="background2" refType="w" fact="0.9"/>
+                      <dgm:constr type="h" for="ch" forName="background2" refType="w" refFor="ch" refForName="background2" fact="0.635"/>
+                      <dgm:constr type="t" for="ch" forName="background2"/>
+                      <dgm:constr type="l" for="ch" forName="background2"/>
+                      <dgm:constr type="w" for="ch" forName="text2" refType="w" fact="0.9"/>
+                      <dgm:constr type="h" for="ch" forName="text2" refType="w" refFor="ch" refForName="text2" fact="0.635"/>
+                      <dgm:constr type="t" for="ch" forName="text2" refType="w" fact="0.095"/>
+                      <dgm:constr type="l" for="ch" forName="text2" refType="w" fact="0.1"/>
+                    </dgm:constrLst>
+                    <dgm:ruleLst/>
+                    <dgm:layoutNode name="background2" moveWith="text2">
+                      <dgm:alg type="sp"/>
+                      <dgm:shape xmlns:r="http://schemas.openxmlformats.org/officeDocument/2006/relationships" type="roundRect" r:blip="">
+                        <dgm:adjLst>
+                          <dgm:adj idx="1" val="0.1"/>
+                        </dgm:adjLst>
+                      </dgm:shape>
+                      <dgm:presOf/>
+                      <dgm:constrLst/>
+                      <dgm:ruleLst/>
+                    </dgm:layoutNode>
+                    <dgm:layoutNode name="text2" styleLbl="fgAcc2">
+                      <dgm:varLst>
+                        <dgm:chPref val="3"/>
+                      </dgm:varLst>
+                      <dgm:alg type="tx"/>
+                      <dgm:shape xmlns:r="http://schemas.openxmlformats.org/officeDocument/2006/relationships" type="roundRect" r:blip="">
+                        <dgm:adjLst>
+                          <dgm:adj idx="1" val="0.1"/>
+                        </dgm:adjLst>
+                      </dgm:shape>
+                      <dgm:presOf axis="self"/>
+                      <dgm:constrLst>
+                        <dgm:constr type="tMarg" refType="primFontSz" fact="0.3"/>
+                        <dgm:constr type="bMarg" refType="primFontSz" fact="0.3"/>
+                        <dgm:constr type="lMarg" refType="primFontSz" fact="0.3"/>
+                        <dgm:constr type="rMarg" refType="primFontSz" fact="0.3"/>
+                      </dgm:constrLst>
+                      <dgm:ruleLst>
+                        <dgm:rule type="primFontSz" val="5" fact="NaN" max="NaN"/>
+                      </dgm:ruleLst>
+                    </dgm:layoutNode>
+                  </dgm:layoutNode>
+                  <dgm:layoutNode name="hierChild3">
+                    <dgm:choose name="Name12">
+                      <dgm:if name="Name13" func="var" arg="dir" op="equ" val="norm">
+                        <dgm:alg type="hierChild">
+                          <dgm:param type="linDir" val="fromL"/>
+                        </dgm:alg>
+                      </dgm:if>
+                      <dgm:else name="Name14">
+                        <dgm:alg type="hierChild">
+                          <dgm:param type="linDir" val="fromR"/>
+                        </dgm:alg>
+                      </dgm:else>
+                    </dgm:choose>
+                    <dgm:shape xmlns:r="http://schemas.openxmlformats.org/officeDocument/2006/relationships" r:blip="">
+                      <dgm:adjLst/>
+                    </dgm:shape>
+                    <dgm:presOf/>
+                    <dgm:constrLst/>
+                    <dgm:ruleLst/>
+                    <dgm:forEach name="Name15" axis="ch">
+                      <dgm:forEach name="Name16" axis="self" ptType="parTrans" cnt="1">
+                        <dgm:layoutNode name="Name17">
+                          <dgm:alg type="conn">
+                            <dgm:param type="dim" val="1D"/>
+                            <dgm:param type="endSty" val="noArr"/>
+                            <dgm:param type="connRout" val="bend"/>
+                            <dgm:param type="bendPt" val="end"/>
+                            <dgm:param type="begPts" val="bCtr"/>
+                            <dgm:param type="endPts" val="tCtr"/>
+                            <dgm:param type="srcNode" val="background2"/>
+                            <dgm:param type="dstNode" val="background3"/>
+                          </dgm:alg>
+                          <dgm:shape xmlns:r="http://schemas.openxmlformats.org/officeDocument/2006/relationships" type="conn" r:blip="" zOrderOff="-999">
+                            <dgm:adjLst/>
+                          </dgm:shape>
+                          <dgm:presOf axis="self"/>
+                          <dgm:constrLst>
+                            <dgm:constr type="begPad"/>
+                            <dgm:constr type="endPad"/>
+                          </dgm:constrLst>
+                          <dgm:ruleLst/>
+                        </dgm:layoutNode>
+                      </dgm:forEach>
+                      <dgm:forEach name="Name18" axis="self" ptType="node">
+                        <dgm:layoutNode name="hierRoot3">
+                          <dgm:alg type="hierRoot"/>
+                          <dgm:shape xmlns:r="http://schemas.openxmlformats.org/officeDocument/2006/relationships" r:blip="">
+                            <dgm:adjLst/>
+                          </dgm:shape>
+                          <dgm:presOf/>
+                          <dgm:constrLst>
+                            <dgm:constr type="bendDist" for="des" ptType="parTrans" refType="sp" fact="0.5"/>
+                          </dgm:constrLst>
+                          <dgm:ruleLst/>
+                          <dgm:layoutNode name="composite3">
+                            <dgm:alg type="composite"/>
+                            <dgm:shape xmlns:r="http://schemas.openxmlformats.org/officeDocument/2006/relationships" r:blip="">
+                              <dgm:adjLst/>
+                            </dgm:shape>
+                            <dgm:presOf/>
+                            <dgm:constrLst>
+                              <dgm:constr type="w" for="ch" forName="background3" refType="w" fact="0.9"/>
+                              <dgm:constr type="h" for="ch" forName="background3" refType="w" refFor="ch" refForName="background3" fact="0.635"/>
+                              <dgm:constr type="t" for="ch" forName="background3"/>
+                              <dgm:constr type="l" for="ch" forName="background3"/>
+                              <dgm:constr type="w" for="ch" forName="text3" refType="w" fact="0.9"/>
+                              <dgm:constr type="h" for="ch" forName="text3" refType="w" refFor="ch" refForName="text3" fact="0.635"/>
+                              <dgm:constr type="t" for="ch" forName="text3" refType="w" fact="0.095"/>
+                              <dgm:constr type="l" for="ch" forName="text3" refType="w" fact="0.1"/>
+                            </dgm:constrLst>
+                            <dgm:ruleLst/>
+                            <dgm:layoutNode name="background3" moveWith="text3">
+                              <dgm:alg type="sp"/>
+                              <dgm:shape xmlns:r="http://schemas.openxmlformats.org/officeDocument/2006/relationships" type="roundRect" r:blip="">
+                                <dgm:adjLst>
+                                  <dgm:adj idx="1" val="0.1"/>
+                                </dgm:adjLst>
+                              </dgm:shape>
+                              <dgm:presOf/>
+                              <dgm:constrLst/>
+                              <dgm:ruleLst/>
+                            </dgm:layoutNode>
+                            <dgm:layoutNode name="text3" styleLbl="fgAcc3">
+                              <dgm:varLst>
+                                <dgm:chPref val="3"/>
+                              </dgm:varLst>
+                              <dgm:alg type="tx"/>
+                              <dgm:shape xmlns:r="http://schemas.openxmlformats.org/officeDocument/2006/relationships" type="roundRect" r:blip="">
+                                <dgm:adjLst>
+                                  <dgm:adj idx="1" val="0.1"/>
+                                </dgm:adjLst>
+                              </dgm:shape>
+                              <dgm:presOf axis="self"/>
+                              <dgm:constrLst>
+                                <dgm:constr type="tMarg" refType="primFontSz" fact="0.3"/>
+                                <dgm:constr type="bMarg" refType="primFontSz" fact="0.3"/>
+                                <dgm:constr type="lMarg" refType="primFontSz" fact="0.3"/>
+                                <dgm:constr type="rMarg" refType="primFontSz" fact="0.3"/>
+                              </dgm:constrLst>
+                              <dgm:ruleLst>
+                                <dgm:rule type="primFontSz" val="5" fact="NaN" max="NaN"/>
+                              </dgm:ruleLst>
+                            </dgm:layoutNode>
+                          </dgm:layoutNode>
+                          <dgm:layoutNode name="hierChild4">
+                            <dgm:choose name="Name19">
+                              <dgm:if name="Name20" func="var" arg="dir" op="equ" val="norm">
+                                <dgm:alg type="hierChild">
+                                  <dgm:param type="linDir" val="fromL"/>
+                                </dgm:alg>
+                              </dgm:if>
+                              <dgm:else name="Name21">
+                                <dgm:alg type="hierChild">
+                                  <dgm:param type="linDir" val="fromR"/>
+                                </dgm:alg>
+                              </dgm:else>
+                            </dgm:choose>
+                            <dgm:shape xmlns:r="http://schemas.openxmlformats.org/officeDocument/2006/relationships" r:blip="">
+                              <dgm:adjLst/>
+                            </dgm:shape>
+                            <dgm:presOf/>
+                            <dgm:constrLst/>
+                            <dgm:ruleLst/>
+                            <dgm:forEach name="repeat" axis="ch">
+                              <dgm:forEach name="Name22" axis="self" ptType="parTrans" cnt="1">
+                                <dgm:layoutNode name="Name23">
+                                  <dgm:choose name="Name24">
+                                    <dgm:if name="Name25" axis="self" func="depth" op="lte" val="4">
+                                      <dgm:alg type="conn">
+                                        <dgm:param type="dim" val="1D"/>
+                                        <dgm:param type="endSty" val="noArr"/>
+                                        <dgm:param type="connRout" val="bend"/>
+                                        <dgm:param type="bendPt" val="end"/>
+                                        <dgm:param type="begPts" val="bCtr"/>
+                                        <dgm:param type="endPts" val="tCtr"/>
+                                        <dgm:param type="srcNode" val="background3"/>
+                                        <dgm:param type="dstNode" val="background4"/>
+                                      </dgm:alg>
+                                    </dgm:if>
+                                    <dgm:else name="Name26">
+                                      <dgm:alg type="conn">
+                                        <dgm:param type="dim" val="1D"/>
+                                        <dgm:param type="endSty" val="noArr"/>
+                                        <dgm:param type="connRout" val="bend"/>
+                                        <dgm:param type="bendPt" val="end"/>
+                                        <dgm:param type="begPts" val="bCtr"/>
+                                        <dgm:param type="endPts" val="tCtr"/>
+                                        <dgm:param type="srcNode" val="background4"/>
+                                        <dgm:param type="dstNode" val="background4"/>
+                                      </dgm:alg>
+                                    </dgm:else>
+                                  </dgm:choose>
+                                  <dgm:shape xmlns:r="http://schemas.openxmlformats.org/officeDocument/2006/relationships" type="conn" r:blip="" zOrderOff="-999">
+                                    <dgm:adjLst/>
+                                  </dgm:shape>
+                                  <dgm:presOf axis="self"/>
+                                  <dgm:constrLst>
+                                    <dgm:constr type="begPad"/>
+                                    <dgm:constr type="endPad"/>
+                                  </dgm:constrLst>
+                                  <dgm:ruleLst/>
+                                </dgm:layoutNode>
+                              </dgm:forEach>
+                              <dgm:forEach name="Name27" axis="self" ptType="node">
+                                <dgm:layoutNode name="hierRoot4">
+                                  <dgm:alg type="hierRoot"/>
+                                  <dgm:shape xmlns:r="http://schemas.openxmlformats.org/officeDocument/2006/relationships" r:blip="">
+                                    <dgm:adjLst/>
+                                  </dgm:shape>
+                                  <dgm:presOf/>
+                                  <dgm:constrLst>
+                                    <dgm:constr type="bendDist" for="des" ptType="parTrans" refType="sp" fact="0.5"/>
+                                  </dgm:constrLst>
+                                  <dgm:ruleLst/>
+                                  <dgm:layoutNode name="composite4">
+                                    <dgm:alg type="composite"/>
+                                    <dgm:shape xmlns:r="http://schemas.openxmlformats.org/officeDocument/2006/relationships" r:blip="">
+                                      <dgm:adjLst/>
+                                    </dgm:shape>
+                                    <dgm:presOf/>
+                                    <dgm:constrLst>
+                                      <dgm:constr type="w" for="ch" forName="background4" refType="w" fact="0.9"/>
+                                      <dgm:constr type="h" for="ch" forName="background4" refType="w" refFor="ch" refForName="background4" fact="0.635"/>
+                                      <dgm:constr type="t" for="ch" forName="background4"/>
+                                      <dgm:constr type="l" for="ch" forName="background4"/>
+                                      <dgm:constr type="w" for="ch" forName="text4" refType="w" fact="0.9"/>
+                                      <dgm:constr type="h" for="ch" forName="text4" refType="w" refFor="ch" refForName="text4" fact="0.635"/>
+                                      <dgm:constr type="t" for="ch" forName="text4" refType="w" fact="0.095"/>
+                                      <dgm:constr type="l" for="ch" forName="text4" refType="w" fact="0.1"/>
+                                    </dgm:constrLst>
+                                    <dgm:ruleLst/>
+                                    <dgm:layoutNode name="background4" moveWith="text4">
+                                      <dgm:alg type="sp"/>
+                                      <dgm:shape xmlns:r="http://schemas.openxmlformats.org/officeDocument/2006/relationships" type="roundRect" r:blip="">
+                                        <dgm:adjLst>
+                                          <dgm:adj idx="1" val="0.1"/>
+                                        </dgm:adjLst>
+                                      </dgm:shape>
+                                      <dgm:presOf/>
+                                      <dgm:constrLst/>
+                                      <dgm:ruleLst/>
+                                    </dgm:layoutNode>
+                                    <dgm:layoutNode name="text4" styleLbl="fgAcc4">
+                                      <dgm:varLst>
+                                        <dgm:chPref val="3"/>
+                                      </dgm:varLst>
+                                      <dgm:alg type="tx"/>
+                                      <dgm:shape xmlns:r="http://schemas.openxmlformats.org/officeDocument/2006/relationships" type="roundRect" r:blip="">
+                                        <dgm:adjLst>
+                                          <dgm:adj idx="1" val="0.1"/>
+                                        </dgm:adjLst>
+                                      </dgm:shape>
+                                      <dgm:presOf axis="self"/>
+                                      <dgm:constrLst>
+                                        <dgm:constr type="tMarg" refType="primFontSz" fact="0.3"/>
+                                        <dgm:constr type="bMarg" refType="primFontSz" fact="0.3"/>
+                                        <dgm:constr type="lMarg" refType="primFontSz" fact="0.3"/>
+                                        <dgm:constr type="rMarg" refType="primFontSz" fact="0.3"/>
+                                      </dgm:constrLst>
+                                      <dgm:ruleLst>
+                                        <dgm:rule type="primFontSz" val="5" fact="NaN" max="NaN"/>
+                                      </dgm:ruleLst>
+                                    </dgm:layoutNode>
+                                  </dgm:layoutNode>
+                                  <dgm:layoutNode name="hierChild5">
+                                    <dgm:choose name="Name28">
+                                      <dgm:if name="Name29" func="var" arg="dir" op="equ" val="norm">
+                                        <dgm:alg type="hierChild">
+                                          <dgm:param type="linDir" val="fromL"/>
+                                        </dgm:alg>
+                                      </dgm:if>
+                                      <dgm:else name="Name30">
+                                        <dgm:alg type="hierChild">
+                                          <dgm:param type="linDir" val="fromR"/>
+                                        </dgm:alg>
+                                      </dgm:else>
+                                    </dgm:choose>
+                                    <dgm:shape xmlns:r="http://schemas.openxmlformats.org/officeDocument/2006/relationships" r:blip="">
+                                      <dgm:adjLst/>
+                                    </dgm:shape>
+                                    <dgm:presOf/>
+                                    <dgm:constrLst/>
+                                    <dgm:ruleLst/>
+                                    <dgm:forEach name="Name31" ref="repeat"/>
+                                  </dgm:layoutNode>
+                                </dgm:layoutNode>
+                              </dgm:forEach>
+                            </dgm:forEach>
+                          </dgm:layoutNode>
+                        </dgm:layoutNode>
+                      </dgm:forEach>
+                    </dgm:forEach>
+                  </dgm:layoutNode>
+                </dgm:layoutNode>
+              </dgm:forEach>
+            </dgm:forEach>
+          </dgm:layoutNode>
+        </dgm:layoutNode>
+      </dgm:forEach>
+    </dgm:forEach>
+  </dgm:layoutNode>
+</dgm:layoutDef>
+</file>
+
+<file path=ppt/diagrams/layout7.xml><?xml version="1.0" encoding="utf-8"?>
 <dgm:layoutDef xmlns:dgm="http://schemas.openxmlformats.org/drawingml/2006/diagram" xmlns:a="http://schemas.openxmlformats.org/drawingml/2006/main" uniqueId="urn:microsoft.com/office/officeart/2018/2/layout/IconVerticalSolidList">
   <dgm:title val="Icon Vertical Solid List"/>
   <dgm:desc val="Use to show a series of visuals from top to bottom with Level 1 or Level 1 and Level 2 text grouped in a shape. Works best with icons or small pictures with lengthier descriptions."/>
@@ -19850,7 +23505,1099 @@
 </dgm:styleDef>
 </file>
 
+<file path=ppt/diagrams/quickStyle7.xml><?xml version="1.0" encoding="utf-8"?>
+<dgm:styleDef xmlns:dgm="http://schemas.openxmlformats.org/drawingml/2006/diagram" xmlns:a="http://schemas.openxmlformats.org/drawingml/2006/main" uniqueId="urn:microsoft.com/office/officeart/2005/8/quickstyle/simple1">
+  <dgm:title val=""/>
+  <dgm:desc val=""/>
+  <dgm:catLst>
+    <dgm:cat type="simple" pri="10100"/>
+  </dgm:catLst>
+  <dgm:scene3d>
+    <a:camera prst="orthographicFront"/>
+    <a:lightRig rig="threePt" dir="t"/>
+  </dgm:scene3d>
+  <dgm:styleLbl name="node0">
+    <dgm:scene3d>
+      <a:camera prst="orthographicFront"/>
+      <a:lightRig rig="threePt" dir="t"/>
+    </dgm:scene3d>
+    <dgm:sp3d/>
+    <dgm:txPr/>
+    <dgm:style>
+      <a:lnRef idx="2">
+        <a:scrgbClr r="0" g="0" b="0"/>
+      </a:lnRef>
+      <a:fillRef idx="1">
+        <a:scrgbClr r="0" g="0" b="0"/>
+      </a:fillRef>
+      <a:effectRef idx="0">
+        <a:scrgbClr r="0" g="0" b="0"/>
+      </a:effectRef>
+      <a:fontRef idx="minor">
+        <a:schemeClr val="lt1"/>
+      </a:fontRef>
+    </dgm:style>
+  </dgm:styleLbl>
+  <dgm:styleLbl name="lnNode1">
+    <dgm:scene3d>
+      <a:camera prst="orthographicFront"/>
+      <a:lightRig rig="threePt" dir="t"/>
+    </dgm:scene3d>
+    <dgm:sp3d/>
+    <dgm:txPr/>
+    <dgm:style>
+      <a:lnRef idx="2">
+        <a:scrgbClr r="0" g="0" b="0"/>
+      </a:lnRef>
+      <a:fillRef idx="1">
+        <a:scrgbClr r="0" g="0" b="0"/>
+      </a:fillRef>
+      <a:effectRef idx="0">
+        <a:scrgbClr r="0" g="0" b="0"/>
+      </a:effectRef>
+      <a:fontRef idx="minor">
+        <a:schemeClr val="lt1"/>
+      </a:fontRef>
+    </dgm:style>
+  </dgm:styleLbl>
+  <dgm:styleLbl name="vennNode1">
+    <dgm:scene3d>
+      <a:camera prst="orthographicFront"/>
+      <a:lightRig rig="threePt" dir="t"/>
+    </dgm:scene3d>
+    <dgm:sp3d/>
+    <dgm:txPr/>
+    <dgm:style>
+      <a:lnRef idx="2">
+        <a:scrgbClr r="0" g="0" b="0"/>
+      </a:lnRef>
+      <a:fillRef idx="1">
+        <a:scrgbClr r="0" g="0" b="0"/>
+      </a:fillRef>
+      <a:effectRef idx="0">
+        <a:scrgbClr r="0" g="0" b="0"/>
+      </a:effectRef>
+      <a:fontRef idx="minor">
+        <a:schemeClr val="tx1"/>
+      </a:fontRef>
+    </dgm:style>
+  </dgm:styleLbl>
+  <dgm:styleLbl name="alignNode1">
+    <dgm:scene3d>
+      <a:camera prst="orthographicFront"/>
+      <a:lightRig rig="threePt" dir="t"/>
+    </dgm:scene3d>
+    <dgm:sp3d/>
+    <dgm:txPr/>
+    <dgm:style>
+      <a:lnRef idx="2">
+        <a:scrgbClr r="0" g="0" b="0"/>
+      </a:lnRef>
+      <a:fillRef idx="1">
+        <a:scrgbClr r="0" g="0" b="0"/>
+      </a:fillRef>
+      <a:effectRef idx="0">
+        <a:scrgbClr r="0" g="0" b="0"/>
+      </a:effectRef>
+      <a:fontRef idx="minor">
+        <a:schemeClr val="lt1"/>
+      </a:fontRef>
+    </dgm:style>
+  </dgm:styleLbl>
+  <dgm:styleLbl name="node1">
+    <dgm:scene3d>
+      <a:camera prst="orthographicFront"/>
+      <a:lightRig rig="threePt" dir="t"/>
+    </dgm:scene3d>
+    <dgm:sp3d/>
+    <dgm:txPr/>
+    <dgm:style>
+      <a:lnRef idx="2">
+        <a:scrgbClr r="0" g="0" b="0"/>
+      </a:lnRef>
+      <a:fillRef idx="1">
+        <a:scrgbClr r="0" g="0" b="0"/>
+      </a:fillRef>
+      <a:effectRef idx="0">
+        <a:scrgbClr r="0" g="0" b="0"/>
+      </a:effectRef>
+      <a:fontRef idx="minor">
+        <a:schemeClr val="lt1"/>
+      </a:fontRef>
+    </dgm:style>
+  </dgm:styleLbl>
+  <dgm:styleLbl name="node2">
+    <dgm:scene3d>
+      <a:camera prst="orthographicFront"/>
+      <a:lightRig rig="threePt" dir="t"/>
+    </dgm:scene3d>
+    <dgm:sp3d/>
+    <dgm:txPr/>
+    <dgm:style>
+      <a:lnRef idx="2">
+        <a:scrgbClr r="0" g="0" b="0"/>
+      </a:lnRef>
+      <a:fillRef idx="1">
+        <a:scrgbClr r="0" g="0" b="0"/>
+      </a:fillRef>
+      <a:effectRef idx="0">
+        <a:scrgbClr r="0" g="0" b="0"/>
+      </a:effectRef>
+      <a:fontRef idx="minor">
+        <a:schemeClr val="lt1"/>
+      </a:fontRef>
+    </dgm:style>
+  </dgm:styleLbl>
+  <dgm:styleLbl name="node3">
+    <dgm:scene3d>
+      <a:camera prst="orthographicFront"/>
+      <a:lightRig rig="threePt" dir="t"/>
+    </dgm:scene3d>
+    <dgm:sp3d/>
+    <dgm:txPr/>
+    <dgm:style>
+      <a:lnRef idx="2">
+        <a:scrgbClr r="0" g="0" b="0"/>
+      </a:lnRef>
+      <a:fillRef idx="1">
+        <a:scrgbClr r="0" g="0" b="0"/>
+      </a:fillRef>
+      <a:effectRef idx="0">
+        <a:scrgbClr r="0" g="0" b="0"/>
+      </a:effectRef>
+      <a:fontRef idx="minor">
+        <a:schemeClr val="lt1"/>
+      </a:fontRef>
+    </dgm:style>
+  </dgm:styleLbl>
+  <dgm:styleLbl name="node4">
+    <dgm:scene3d>
+      <a:camera prst="orthographicFront"/>
+      <a:lightRig rig="threePt" dir="t"/>
+    </dgm:scene3d>
+    <dgm:sp3d/>
+    <dgm:txPr/>
+    <dgm:style>
+      <a:lnRef idx="2">
+        <a:scrgbClr r="0" g="0" b="0"/>
+      </a:lnRef>
+      <a:fillRef idx="1">
+        <a:scrgbClr r="0" g="0" b="0"/>
+      </a:fillRef>
+      <a:effectRef idx="0">
+        <a:scrgbClr r="0" g="0" b="0"/>
+      </a:effectRef>
+      <a:fontRef idx="minor">
+        <a:schemeClr val="lt1"/>
+      </a:fontRef>
+    </dgm:style>
+  </dgm:styleLbl>
+  <dgm:styleLbl name="fgImgPlace1">
+    <dgm:scene3d>
+      <a:camera prst="orthographicFront"/>
+      <a:lightRig rig="threePt" dir="t"/>
+    </dgm:scene3d>
+    <dgm:sp3d/>
+    <dgm:txPr/>
+    <dgm:style>
+      <a:lnRef idx="2">
+        <a:scrgbClr r="0" g="0" b="0"/>
+      </a:lnRef>
+      <a:fillRef idx="1">
+        <a:scrgbClr r="0" g="0" b="0"/>
+      </a:fillRef>
+      <a:effectRef idx="0">
+        <a:scrgbClr r="0" g="0" b="0"/>
+      </a:effectRef>
+      <a:fontRef idx="minor"/>
+    </dgm:style>
+  </dgm:styleLbl>
+  <dgm:styleLbl name="alignImgPlace1">
+    <dgm:scene3d>
+      <a:camera prst="orthographicFront"/>
+      <a:lightRig rig="threePt" dir="t"/>
+    </dgm:scene3d>
+    <dgm:sp3d/>
+    <dgm:txPr/>
+    <dgm:style>
+      <a:lnRef idx="2">
+        <a:scrgbClr r="0" g="0" b="0"/>
+      </a:lnRef>
+      <a:fillRef idx="1">
+        <a:scrgbClr r="0" g="0" b="0"/>
+      </a:fillRef>
+      <a:effectRef idx="0">
+        <a:scrgbClr r="0" g="0" b="0"/>
+      </a:effectRef>
+      <a:fontRef idx="minor"/>
+    </dgm:style>
+  </dgm:styleLbl>
+  <dgm:styleLbl name="bgImgPlace1">
+    <dgm:scene3d>
+      <a:camera prst="orthographicFront"/>
+      <a:lightRig rig="threePt" dir="t"/>
+    </dgm:scene3d>
+    <dgm:sp3d/>
+    <dgm:txPr/>
+    <dgm:style>
+      <a:lnRef idx="2">
+        <a:scrgbClr r="0" g="0" b="0"/>
+      </a:lnRef>
+      <a:fillRef idx="1">
+        <a:scrgbClr r="0" g="0" b="0"/>
+      </a:fillRef>
+      <a:effectRef idx="0">
+        <a:scrgbClr r="0" g="0" b="0"/>
+      </a:effectRef>
+      <a:fontRef idx="minor"/>
+    </dgm:style>
+  </dgm:styleLbl>
+  <dgm:styleLbl name="sibTrans2D1">
+    <dgm:scene3d>
+      <a:camera prst="orthographicFront"/>
+      <a:lightRig rig="threePt" dir="t"/>
+    </dgm:scene3d>
+    <dgm:sp3d/>
+    <dgm:txPr/>
+    <dgm:style>
+      <a:lnRef idx="0">
+        <a:scrgbClr r="0" g="0" b="0"/>
+      </a:lnRef>
+      <a:fillRef idx="1">
+        <a:scrgbClr r="0" g="0" b="0"/>
+      </a:fillRef>
+      <a:effectRef idx="0">
+        <a:scrgbClr r="0" g="0" b="0"/>
+      </a:effectRef>
+      <a:fontRef idx="minor">
+        <a:schemeClr val="lt1"/>
+      </a:fontRef>
+    </dgm:style>
+  </dgm:styleLbl>
+  <dgm:styleLbl name="fgSibTrans2D1">
+    <dgm:scene3d>
+      <a:camera prst="orthographicFront"/>
+      <a:lightRig rig="threePt" dir="t"/>
+    </dgm:scene3d>
+    <dgm:sp3d/>
+    <dgm:txPr/>
+    <dgm:style>
+      <a:lnRef idx="0">
+        <a:scrgbClr r="0" g="0" b="0"/>
+      </a:lnRef>
+      <a:fillRef idx="1">
+        <a:scrgbClr r="0" g="0" b="0"/>
+      </a:fillRef>
+      <a:effectRef idx="0">
+        <a:scrgbClr r="0" g="0" b="0"/>
+      </a:effectRef>
+      <a:fontRef idx="minor">
+        <a:schemeClr val="lt1"/>
+      </a:fontRef>
+    </dgm:style>
+  </dgm:styleLbl>
+  <dgm:styleLbl name="bgSibTrans2D1">
+    <dgm:scene3d>
+      <a:camera prst="orthographicFront"/>
+      <a:lightRig rig="threePt" dir="t"/>
+    </dgm:scene3d>
+    <dgm:sp3d/>
+    <dgm:txPr/>
+    <dgm:style>
+      <a:lnRef idx="0">
+        <a:scrgbClr r="0" g="0" b="0"/>
+      </a:lnRef>
+      <a:fillRef idx="1">
+        <a:scrgbClr r="0" g="0" b="0"/>
+      </a:fillRef>
+      <a:effectRef idx="0">
+        <a:scrgbClr r="0" g="0" b="0"/>
+      </a:effectRef>
+      <a:fontRef idx="minor">
+        <a:schemeClr val="lt1"/>
+      </a:fontRef>
+    </dgm:style>
+  </dgm:styleLbl>
+  <dgm:styleLbl name="sibTrans1D1">
+    <dgm:scene3d>
+      <a:camera prst="orthographicFront"/>
+      <a:lightRig rig="threePt" dir="t"/>
+    </dgm:scene3d>
+    <dgm:sp3d/>
+    <dgm:txPr/>
+    <dgm:style>
+      <a:lnRef idx="1">
+        <a:scrgbClr r="0" g="0" b="0"/>
+      </a:lnRef>
+      <a:fillRef idx="0">
+        <a:scrgbClr r="0" g="0" b="0"/>
+      </a:fillRef>
+      <a:effectRef idx="0">
+        <a:scrgbClr r="0" g="0" b="0"/>
+      </a:effectRef>
+      <a:fontRef idx="minor"/>
+    </dgm:style>
+  </dgm:styleLbl>
+  <dgm:styleLbl name="callout">
+    <dgm:scene3d>
+      <a:camera prst="orthographicFront"/>
+      <a:lightRig rig="threePt" dir="t"/>
+    </dgm:scene3d>
+    <dgm:sp3d/>
+    <dgm:txPr/>
+    <dgm:style>
+      <a:lnRef idx="2">
+        <a:scrgbClr r="0" g="0" b="0"/>
+      </a:lnRef>
+      <a:fillRef idx="1">
+        <a:scrgbClr r="0" g="0" b="0"/>
+      </a:fillRef>
+      <a:effectRef idx="0">
+        <a:scrgbClr r="0" g="0" b="0"/>
+      </a:effectRef>
+      <a:fontRef idx="minor"/>
+    </dgm:style>
+  </dgm:styleLbl>
+  <dgm:styleLbl name="asst0">
+    <dgm:scene3d>
+      <a:camera prst="orthographicFront"/>
+      <a:lightRig rig="threePt" dir="t"/>
+    </dgm:scene3d>
+    <dgm:sp3d/>
+    <dgm:txPr/>
+    <dgm:style>
+      <a:lnRef idx="2">
+        <a:scrgbClr r="0" g="0" b="0"/>
+      </a:lnRef>
+      <a:fillRef idx="1">
+        <a:scrgbClr r="0" g="0" b="0"/>
+      </a:fillRef>
+      <a:effectRef idx="0">
+        <a:scrgbClr r="0" g="0" b="0"/>
+      </a:effectRef>
+      <a:fontRef idx="minor">
+        <a:schemeClr val="lt1"/>
+      </a:fontRef>
+    </dgm:style>
+  </dgm:styleLbl>
+  <dgm:styleLbl name="asst1">
+    <dgm:scene3d>
+      <a:camera prst="orthographicFront"/>
+      <a:lightRig rig="threePt" dir="t"/>
+    </dgm:scene3d>
+    <dgm:sp3d/>
+    <dgm:txPr/>
+    <dgm:style>
+      <a:lnRef idx="2">
+        <a:scrgbClr r="0" g="0" b="0"/>
+      </a:lnRef>
+      <a:fillRef idx="1">
+        <a:scrgbClr r="0" g="0" b="0"/>
+      </a:fillRef>
+      <a:effectRef idx="0">
+        <a:scrgbClr r="0" g="0" b="0"/>
+      </a:effectRef>
+      <a:fontRef idx="minor">
+        <a:schemeClr val="lt1"/>
+      </a:fontRef>
+    </dgm:style>
+  </dgm:styleLbl>
+  <dgm:styleLbl name="asst2">
+    <dgm:scene3d>
+      <a:camera prst="orthographicFront"/>
+      <a:lightRig rig="threePt" dir="t"/>
+    </dgm:scene3d>
+    <dgm:sp3d/>
+    <dgm:txPr/>
+    <dgm:style>
+      <a:lnRef idx="2">
+        <a:scrgbClr r="0" g="0" b="0"/>
+      </a:lnRef>
+      <a:fillRef idx="1">
+        <a:scrgbClr r="0" g="0" b="0"/>
+      </a:fillRef>
+      <a:effectRef idx="0">
+        <a:scrgbClr r="0" g="0" b="0"/>
+      </a:effectRef>
+      <a:fontRef idx="minor">
+        <a:schemeClr val="lt1"/>
+      </a:fontRef>
+    </dgm:style>
+  </dgm:styleLbl>
+  <dgm:styleLbl name="asst3">
+    <dgm:scene3d>
+      <a:camera prst="orthographicFront"/>
+      <a:lightRig rig="threePt" dir="t"/>
+    </dgm:scene3d>
+    <dgm:sp3d/>
+    <dgm:txPr/>
+    <dgm:style>
+      <a:lnRef idx="2">
+        <a:scrgbClr r="0" g="0" b="0"/>
+      </a:lnRef>
+      <a:fillRef idx="1">
+        <a:scrgbClr r="0" g="0" b="0"/>
+      </a:fillRef>
+      <a:effectRef idx="0">
+        <a:scrgbClr r="0" g="0" b="0"/>
+      </a:effectRef>
+      <a:fontRef idx="minor">
+        <a:schemeClr val="lt1"/>
+      </a:fontRef>
+    </dgm:style>
+  </dgm:styleLbl>
+  <dgm:styleLbl name="asst4">
+    <dgm:scene3d>
+      <a:camera prst="orthographicFront"/>
+      <a:lightRig rig="threePt" dir="t"/>
+    </dgm:scene3d>
+    <dgm:sp3d/>
+    <dgm:txPr/>
+    <dgm:style>
+      <a:lnRef idx="2">
+        <a:scrgbClr r="0" g="0" b="0"/>
+      </a:lnRef>
+      <a:fillRef idx="1">
+        <a:scrgbClr r="0" g="0" b="0"/>
+      </a:fillRef>
+      <a:effectRef idx="0">
+        <a:scrgbClr r="0" g="0" b="0"/>
+      </a:effectRef>
+      <a:fontRef idx="minor">
+        <a:schemeClr val="lt1"/>
+      </a:fontRef>
+    </dgm:style>
+  </dgm:styleLbl>
+  <dgm:styleLbl name="parChTrans2D1">
+    <dgm:scene3d>
+      <a:camera prst="orthographicFront"/>
+      <a:lightRig rig="threePt" dir="t"/>
+    </dgm:scene3d>
+    <dgm:sp3d/>
+    <dgm:txPr/>
+    <dgm:style>
+      <a:lnRef idx="2">
+        <a:scrgbClr r="0" g="0" b="0"/>
+      </a:lnRef>
+      <a:fillRef idx="1">
+        <a:scrgbClr r="0" g="0" b="0"/>
+      </a:fillRef>
+      <a:effectRef idx="0">
+        <a:scrgbClr r="0" g="0" b="0"/>
+      </a:effectRef>
+      <a:fontRef idx="minor">
+        <a:schemeClr val="lt1"/>
+      </a:fontRef>
+    </dgm:style>
+  </dgm:styleLbl>
+  <dgm:styleLbl name="parChTrans2D2">
+    <dgm:scene3d>
+      <a:camera prst="orthographicFront"/>
+      <a:lightRig rig="threePt" dir="t"/>
+    </dgm:scene3d>
+    <dgm:sp3d/>
+    <dgm:txPr/>
+    <dgm:style>
+      <a:lnRef idx="2">
+        <a:scrgbClr r="0" g="0" b="0"/>
+      </a:lnRef>
+      <a:fillRef idx="1">
+        <a:scrgbClr r="0" g="0" b="0"/>
+      </a:fillRef>
+      <a:effectRef idx="0">
+        <a:scrgbClr r="0" g="0" b="0"/>
+      </a:effectRef>
+      <a:fontRef idx="minor">
+        <a:schemeClr val="lt1"/>
+      </a:fontRef>
+    </dgm:style>
+  </dgm:styleLbl>
+  <dgm:styleLbl name="parChTrans2D3">
+    <dgm:scene3d>
+      <a:camera prst="orthographicFront"/>
+      <a:lightRig rig="threePt" dir="t"/>
+    </dgm:scene3d>
+    <dgm:sp3d/>
+    <dgm:txPr/>
+    <dgm:style>
+      <a:lnRef idx="2">
+        <a:scrgbClr r="0" g="0" b="0"/>
+      </a:lnRef>
+      <a:fillRef idx="1">
+        <a:scrgbClr r="0" g="0" b="0"/>
+      </a:fillRef>
+      <a:effectRef idx="0">
+        <a:scrgbClr r="0" g="0" b="0"/>
+      </a:effectRef>
+      <a:fontRef idx="minor">
+        <a:schemeClr val="lt1"/>
+      </a:fontRef>
+    </dgm:style>
+  </dgm:styleLbl>
+  <dgm:styleLbl name="parChTrans2D4">
+    <dgm:scene3d>
+      <a:camera prst="orthographicFront"/>
+      <a:lightRig rig="threePt" dir="t"/>
+    </dgm:scene3d>
+    <dgm:sp3d/>
+    <dgm:txPr/>
+    <dgm:style>
+      <a:lnRef idx="2">
+        <a:scrgbClr r="0" g="0" b="0"/>
+      </a:lnRef>
+      <a:fillRef idx="1">
+        <a:scrgbClr r="0" g="0" b="0"/>
+      </a:fillRef>
+      <a:effectRef idx="0">
+        <a:scrgbClr r="0" g="0" b="0"/>
+      </a:effectRef>
+      <a:fontRef idx="minor">
+        <a:schemeClr val="lt1"/>
+      </a:fontRef>
+    </dgm:style>
+  </dgm:styleLbl>
+  <dgm:styleLbl name="parChTrans1D1">
+    <dgm:scene3d>
+      <a:camera prst="orthographicFront"/>
+      <a:lightRig rig="threePt" dir="t"/>
+    </dgm:scene3d>
+    <dgm:sp3d/>
+    <dgm:txPr/>
+    <dgm:style>
+      <a:lnRef idx="2">
+        <a:scrgbClr r="0" g="0" b="0"/>
+      </a:lnRef>
+      <a:fillRef idx="0">
+        <a:scrgbClr r="0" g="0" b="0"/>
+      </a:fillRef>
+      <a:effectRef idx="0">
+        <a:scrgbClr r="0" g="0" b="0"/>
+      </a:effectRef>
+      <a:fontRef idx="minor"/>
+    </dgm:style>
+  </dgm:styleLbl>
+  <dgm:styleLbl name="parChTrans1D2">
+    <dgm:scene3d>
+      <a:camera prst="orthographicFront"/>
+      <a:lightRig rig="threePt" dir="t"/>
+    </dgm:scene3d>
+    <dgm:sp3d/>
+    <dgm:txPr/>
+    <dgm:style>
+      <a:lnRef idx="2">
+        <a:scrgbClr r="0" g="0" b="0"/>
+      </a:lnRef>
+      <a:fillRef idx="0">
+        <a:scrgbClr r="0" g="0" b="0"/>
+      </a:fillRef>
+      <a:effectRef idx="0">
+        <a:scrgbClr r="0" g="0" b="0"/>
+      </a:effectRef>
+      <a:fontRef idx="minor"/>
+    </dgm:style>
+  </dgm:styleLbl>
+  <dgm:styleLbl name="parChTrans1D3">
+    <dgm:scene3d>
+      <a:camera prst="orthographicFront"/>
+      <a:lightRig rig="threePt" dir="t"/>
+    </dgm:scene3d>
+    <dgm:sp3d/>
+    <dgm:txPr/>
+    <dgm:style>
+      <a:lnRef idx="2">
+        <a:scrgbClr r="0" g="0" b="0"/>
+      </a:lnRef>
+      <a:fillRef idx="0">
+        <a:scrgbClr r="0" g="0" b="0"/>
+      </a:fillRef>
+      <a:effectRef idx="0">
+        <a:scrgbClr r="0" g="0" b="0"/>
+      </a:effectRef>
+      <a:fontRef idx="minor"/>
+    </dgm:style>
+  </dgm:styleLbl>
+  <dgm:styleLbl name="parChTrans1D4">
+    <dgm:scene3d>
+      <a:camera prst="orthographicFront"/>
+      <a:lightRig rig="threePt" dir="t"/>
+    </dgm:scene3d>
+    <dgm:sp3d/>
+    <dgm:txPr/>
+    <dgm:style>
+      <a:lnRef idx="2">
+        <a:scrgbClr r="0" g="0" b="0"/>
+      </a:lnRef>
+      <a:fillRef idx="0">
+        <a:scrgbClr r="0" g="0" b="0"/>
+      </a:fillRef>
+      <a:effectRef idx="0">
+        <a:scrgbClr r="0" g="0" b="0"/>
+      </a:effectRef>
+      <a:fontRef idx="minor"/>
+    </dgm:style>
+  </dgm:styleLbl>
+  <dgm:styleLbl name="fgAcc1">
+    <dgm:scene3d>
+      <a:camera prst="orthographicFront"/>
+      <a:lightRig rig="threePt" dir="t"/>
+    </dgm:scene3d>
+    <dgm:sp3d/>
+    <dgm:txPr/>
+    <dgm:style>
+      <a:lnRef idx="2">
+        <a:scrgbClr r="0" g="0" b="0"/>
+      </a:lnRef>
+      <a:fillRef idx="1">
+        <a:scrgbClr r="0" g="0" b="0"/>
+      </a:fillRef>
+      <a:effectRef idx="0">
+        <a:scrgbClr r="0" g="0" b="0"/>
+      </a:effectRef>
+      <a:fontRef idx="minor"/>
+    </dgm:style>
+  </dgm:styleLbl>
+  <dgm:styleLbl name="conFgAcc1">
+    <dgm:scene3d>
+      <a:camera prst="orthographicFront"/>
+      <a:lightRig rig="threePt" dir="t"/>
+    </dgm:scene3d>
+    <dgm:sp3d/>
+    <dgm:txPr/>
+    <dgm:style>
+      <a:lnRef idx="2">
+        <a:scrgbClr r="0" g="0" b="0"/>
+      </a:lnRef>
+      <a:fillRef idx="1">
+        <a:scrgbClr r="0" g="0" b="0"/>
+      </a:fillRef>
+      <a:effectRef idx="0">
+        <a:scrgbClr r="0" g="0" b="0"/>
+      </a:effectRef>
+      <a:fontRef idx="minor"/>
+    </dgm:style>
+  </dgm:styleLbl>
+  <dgm:styleLbl name="alignAcc1">
+    <dgm:scene3d>
+      <a:camera prst="orthographicFront"/>
+      <a:lightRig rig="threePt" dir="t"/>
+    </dgm:scene3d>
+    <dgm:sp3d/>
+    <dgm:txPr/>
+    <dgm:style>
+      <a:lnRef idx="2">
+        <a:scrgbClr r="0" g="0" b="0"/>
+      </a:lnRef>
+      <a:fillRef idx="1">
+        <a:scrgbClr r="0" g="0" b="0"/>
+      </a:fillRef>
+      <a:effectRef idx="0">
+        <a:scrgbClr r="0" g="0" b="0"/>
+      </a:effectRef>
+      <a:fontRef idx="minor"/>
+    </dgm:style>
+  </dgm:styleLbl>
+  <dgm:styleLbl name="trAlignAcc1">
+    <dgm:scene3d>
+      <a:camera prst="orthographicFront"/>
+      <a:lightRig rig="threePt" dir="t"/>
+    </dgm:scene3d>
+    <dgm:sp3d/>
+    <dgm:txPr/>
+    <dgm:style>
+      <a:lnRef idx="1">
+        <a:scrgbClr r="0" g="0" b="0"/>
+      </a:lnRef>
+      <a:fillRef idx="1">
+        <a:scrgbClr r="0" g="0" b="0"/>
+      </a:fillRef>
+      <a:effectRef idx="0">
+        <a:scrgbClr r="0" g="0" b="0"/>
+      </a:effectRef>
+      <a:fontRef idx="minor"/>
+    </dgm:style>
+  </dgm:styleLbl>
+  <dgm:styleLbl name="bgAcc1">
+    <dgm:scene3d>
+      <a:camera prst="orthographicFront"/>
+      <a:lightRig rig="threePt" dir="t"/>
+    </dgm:scene3d>
+    <dgm:sp3d/>
+    <dgm:txPr/>
+    <dgm:style>
+      <a:lnRef idx="2">
+        <a:scrgbClr r="0" g="0" b="0"/>
+      </a:lnRef>
+      <a:fillRef idx="1">
+        <a:scrgbClr r="0" g="0" b="0"/>
+      </a:fillRef>
+      <a:effectRef idx="0">
+        <a:scrgbClr r="0" g="0" b="0"/>
+      </a:effectRef>
+      <a:fontRef idx="minor"/>
+    </dgm:style>
+  </dgm:styleLbl>
+  <dgm:styleLbl name="solidFgAcc1">
+    <dgm:scene3d>
+      <a:camera prst="orthographicFront"/>
+      <a:lightRig rig="threePt" dir="t"/>
+    </dgm:scene3d>
+    <dgm:sp3d/>
+    <dgm:txPr/>
+    <dgm:style>
+      <a:lnRef idx="2">
+        <a:scrgbClr r="0" g="0" b="0"/>
+      </a:lnRef>
+      <a:fillRef idx="1">
+        <a:scrgbClr r="0" g="0" b="0"/>
+      </a:fillRef>
+      <a:effectRef idx="0">
+        <a:scrgbClr r="0" g="0" b="0"/>
+      </a:effectRef>
+      <a:fontRef idx="minor"/>
+    </dgm:style>
+  </dgm:styleLbl>
+  <dgm:styleLbl name="solidAlignAcc1">
+    <dgm:scene3d>
+      <a:camera prst="orthographicFront"/>
+      <a:lightRig rig="threePt" dir="t"/>
+    </dgm:scene3d>
+    <dgm:sp3d/>
+    <dgm:txPr/>
+    <dgm:style>
+      <a:lnRef idx="2">
+        <a:scrgbClr r="0" g="0" b="0"/>
+      </a:lnRef>
+      <a:fillRef idx="1">
+        <a:scrgbClr r="0" g="0" b="0"/>
+      </a:fillRef>
+      <a:effectRef idx="0">
+        <a:scrgbClr r="0" g="0" b="0"/>
+      </a:effectRef>
+      <a:fontRef idx="minor"/>
+    </dgm:style>
+  </dgm:styleLbl>
+  <dgm:styleLbl name="solidBgAcc1">
+    <dgm:scene3d>
+      <a:camera prst="orthographicFront"/>
+      <a:lightRig rig="threePt" dir="t"/>
+    </dgm:scene3d>
+    <dgm:sp3d/>
+    <dgm:txPr/>
+    <dgm:style>
+      <a:lnRef idx="2">
+        <a:scrgbClr r="0" g="0" b="0"/>
+      </a:lnRef>
+      <a:fillRef idx="1">
+        <a:scrgbClr r="0" g="0" b="0"/>
+      </a:fillRef>
+      <a:effectRef idx="0">
+        <a:scrgbClr r="0" g="0" b="0"/>
+      </a:effectRef>
+      <a:fontRef idx="minor"/>
+    </dgm:style>
+  </dgm:styleLbl>
+  <dgm:styleLbl name="fgAccFollowNode1">
+    <dgm:scene3d>
+      <a:camera prst="orthographicFront"/>
+      <a:lightRig rig="threePt" dir="t"/>
+    </dgm:scene3d>
+    <dgm:sp3d/>
+    <dgm:txPr/>
+    <dgm:style>
+      <a:lnRef idx="2">
+        <a:scrgbClr r="0" g="0" b="0"/>
+      </a:lnRef>
+      <a:fillRef idx="1">
+        <a:scrgbClr r="0" g="0" b="0"/>
+      </a:fillRef>
+      <a:effectRef idx="0">
+        <a:scrgbClr r="0" g="0" b="0"/>
+      </a:effectRef>
+      <a:fontRef idx="minor"/>
+    </dgm:style>
+  </dgm:styleLbl>
+  <dgm:styleLbl name="alignAccFollowNode1">
+    <dgm:scene3d>
+      <a:camera prst="orthographicFront"/>
+      <a:lightRig rig="threePt" dir="t"/>
+    </dgm:scene3d>
+    <dgm:sp3d/>
+    <dgm:txPr/>
+    <dgm:style>
+      <a:lnRef idx="2">
+        <a:scrgbClr r="0" g="0" b="0"/>
+      </a:lnRef>
+      <a:fillRef idx="1">
+        <a:scrgbClr r="0" g="0" b="0"/>
+      </a:fillRef>
+      <a:effectRef idx="0">
+        <a:scrgbClr r="0" g="0" b="0"/>
+      </a:effectRef>
+      <a:fontRef idx="minor"/>
+    </dgm:style>
+  </dgm:styleLbl>
+  <dgm:styleLbl name="bgAccFollowNode1">
+    <dgm:scene3d>
+      <a:camera prst="orthographicFront"/>
+      <a:lightRig rig="threePt" dir="t"/>
+    </dgm:scene3d>
+    <dgm:sp3d/>
+    <dgm:txPr/>
+    <dgm:style>
+      <a:lnRef idx="2">
+        <a:scrgbClr r="0" g="0" b="0"/>
+      </a:lnRef>
+      <a:fillRef idx="1">
+        <a:scrgbClr r="0" g="0" b="0"/>
+      </a:fillRef>
+      <a:effectRef idx="0">
+        <a:scrgbClr r="0" g="0" b="0"/>
+      </a:effectRef>
+      <a:fontRef idx="minor"/>
+    </dgm:style>
+  </dgm:styleLbl>
+  <dgm:styleLbl name="fgAcc0">
+    <dgm:scene3d>
+      <a:camera prst="orthographicFront"/>
+      <a:lightRig rig="threePt" dir="t"/>
+    </dgm:scene3d>
+    <dgm:sp3d/>
+    <dgm:txPr/>
+    <dgm:style>
+      <a:lnRef idx="2">
+        <a:scrgbClr r="0" g="0" b="0"/>
+      </a:lnRef>
+      <a:fillRef idx="1">
+        <a:scrgbClr r="0" g="0" b="0"/>
+      </a:fillRef>
+      <a:effectRef idx="0">
+        <a:scrgbClr r="0" g="0" b="0"/>
+      </a:effectRef>
+      <a:fontRef idx="minor"/>
+    </dgm:style>
+  </dgm:styleLbl>
+  <dgm:styleLbl name="fgAcc2">
+    <dgm:scene3d>
+      <a:camera prst="orthographicFront"/>
+      <a:lightRig rig="threePt" dir="t"/>
+    </dgm:scene3d>
+    <dgm:sp3d/>
+    <dgm:txPr/>
+    <dgm:style>
+      <a:lnRef idx="2">
+        <a:scrgbClr r="0" g="0" b="0"/>
+      </a:lnRef>
+      <a:fillRef idx="1">
+        <a:scrgbClr r="0" g="0" b="0"/>
+      </a:fillRef>
+      <a:effectRef idx="0">
+        <a:scrgbClr r="0" g="0" b="0"/>
+      </a:effectRef>
+      <a:fontRef idx="minor"/>
+    </dgm:style>
+  </dgm:styleLbl>
+  <dgm:styleLbl name="fgAcc3">
+    <dgm:scene3d>
+      <a:camera prst="orthographicFront"/>
+      <a:lightRig rig="threePt" dir="t"/>
+    </dgm:scene3d>
+    <dgm:sp3d/>
+    <dgm:txPr/>
+    <dgm:style>
+      <a:lnRef idx="2">
+        <a:scrgbClr r="0" g="0" b="0"/>
+      </a:lnRef>
+      <a:fillRef idx="1">
+        <a:scrgbClr r="0" g="0" b="0"/>
+      </a:fillRef>
+      <a:effectRef idx="0">
+        <a:scrgbClr r="0" g="0" b="0"/>
+      </a:effectRef>
+      <a:fontRef idx="minor"/>
+    </dgm:style>
+  </dgm:styleLbl>
+  <dgm:styleLbl name="fgAcc4">
+    <dgm:scene3d>
+      <a:camera prst="orthographicFront"/>
+      <a:lightRig rig="threePt" dir="t"/>
+    </dgm:scene3d>
+    <dgm:sp3d/>
+    <dgm:txPr/>
+    <dgm:style>
+      <a:lnRef idx="2">
+        <a:scrgbClr r="0" g="0" b="0"/>
+      </a:lnRef>
+      <a:fillRef idx="1">
+        <a:scrgbClr r="0" g="0" b="0"/>
+      </a:fillRef>
+      <a:effectRef idx="0">
+        <a:scrgbClr r="0" g="0" b="0"/>
+      </a:effectRef>
+      <a:fontRef idx="minor"/>
+    </dgm:style>
+  </dgm:styleLbl>
+  <dgm:styleLbl name="bgShp">
+    <dgm:scene3d>
+      <a:camera prst="orthographicFront"/>
+      <a:lightRig rig="threePt" dir="t"/>
+    </dgm:scene3d>
+    <dgm:sp3d/>
+    <dgm:txPr/>
+    <dgm:style>
+      <a:lnRef idx="0">
+        <a:scrgbClr r="0" g="0" b="0"/>
+      </a:lnRef>
+      <a:fillRef idx="1">
+        <a:scrgbClr r="0" g="0" b="0"/>
+      </a:fillRef>
+      <a:effectRef idx="0">
+        <a:scrgbClr r="0" g="0" b="0"/>
+      </a:effectRef>
+      <a:fontRef idx="minor"/>
+    </dgm:style>
+  </dgm:styleLbl>
+  <dgm:styleLbl name="dkBgShp">
+    <dgm:scene3d>
+      <a:camera prst="orthographicFront"/>
+      <a:lightRig rig="threePt" dir="t"/>
+    </dgm:scene3d>
+    <dgm:sp3d/>
+    <dgm:txPr/>
+    <dgm:style>
+      <a:lnRef idx="0">
+        <a:scrgbClr r="0" g="0" b="0"/>
+      </a:lnRef>
+      <a:fillRef idx="1">
+        <a:scrgbClr r="0" g="0" b="0"/>
+      </a:fillRef>
+      <a:effectRef idx="0">
+        <a:scrgbClr r="0" g="0" b="0"/>
+      </a:effectRef>
+      <a:fontRef idx="minor"/>
+    </dgm:style>
+  </dgm:styleLbl>
+  <dgm:styleLbl name="trBgShp">
+    <dgm:scene3d>
+      <a:camera prst="orthographicFront"/>
+      <a:lightRig rig="threePt" dir="t"/>
+    </dgm:scene3d>
+    <dgm:sp3d/>
+    <dgm:txPr/>
+    <dgm:style>
+      <a:lnRef idx="0">
+        <a:scrgbClr r="0" g="0" b="0"/>
+      </a:lnRef>
+      <a:fillRef idx="1">
+        <a:scrgbClr r="0" g="0" b="0"/>
+      </a:fillRef>
+      <a:effectRef idx="0">
+        <a:scrgbClr r="0" g="0" b="0"/>
+      </a:effectRef>
+      <a:fontRef idx="minor"/>
+    </dgm:style>
+  </dgm:styleLbl>
+  <dgm:styleLbl name="fgShp">
+    <dgm:scene3d>
+      <a:camera prst="orthographicFront"/>
+      <a:lightRig rig="threePt" dir="t"/>
+    </dgm:scene3d>
+    <dgm:sp3d/>
+    <dgm:txPr/>
+    <dgm:style>
+      <a:lnRef idx="2">
+        <a:scrgbClr r="0" g="0" b="0"/>
+      </a:lnRef>
+      <a:fillRef idx="1">
+        <a:scrgbClr r="0" g="0" b="0"/>
+      </a:fillRef>
+      <a:effectRef idx="0">
+        <a:scrgbClr r="0" g="0" b="0"/>
+      </a:effectRef>
+      <a:fontRef idx="minor"/>
+    </dgm:style>
+  </dgm:styleLbl>
+  <dgm:styleLbl name="revTx">
+    <dgm:scene3d>
+      <a:camera prst="orthographicFront"/>
+      <a:lightRig rig="threePt" dir="t"/>
+    </dgm:scene3d>
+    <dgm:sp3d/>
+    <dgm:txPr/>
+    <dgm:style>
+      <a:lnRef idx="0">
+        <a:scrgbClr r="0" g="0" b="0"/>
+      </a:lnRef>
+      <a:fillRef idx="0">
+        <a:scrgbClr r="0" g="0" b="0"/>
+      </a:fillRef>
+      <a:effectRef idx="0">
+        <a:scrgbClr r="0" g="0" b="0"/>
+      </a:effectRef>
+      <a:fontRef idx="minor"/>
+    </dgm:style>
+  </dgm:styleLbl>
+</dgm:styleDef>
+</file>
+
 <file path=ppt/ink/ink1.xml><?xml version="1.0" encoding="utf-8"?>
+<inkml:ink xmlns:inkml="http://www.w3.org/2003/InkML">
+  <inkml:definitions>
+    <inkml:context xml:id="ctx0">
+      <inkml:inkSource xml:id="inkSrc0">
+        <inkml:traceFormat>
+          <inkml:channel name="X" type="integer" min="-2.14748E9" max="2.14748E9" units="cm"/>
+          <inkml:channel name="Y" type="integer" min="-2.14748E9" max="2.14748E9" units="cm"/>
+        </inkml:traceFormat>
+        <inkml:channelProperties>
+          <inkml:channelProperty channel="X" name="resolution" value="1000" units="1/cm"/>
+          <inkml:channelProperty channel="Y" name="resolution" value="1000" units="1/cm"/>
+        </inkml:channelProperties>
+      </inkml:inkSource>
+      <inkml:timestamp xml:id="ts0" timeString="2024-07-15T12:56:53.073"/>
+    </inkml:context>
+    <inkml:brush xml:id="br0">
+      <inkml:brushProperty name="width" value="0.3" units="cm"/>
+      <inkml:brushProperty name="height" value="0.6" units="cm"/>
+      <inkml:brushProperty name="color" value="#FFFEFF"/>
+      <inkml:brushProperty name="tip" value="rectangle"/>
+      <inkml:brushProperty name="rasterOp" value="maskPen"/>
+      <inkml:brushProperty name="ignorePressure" value="1"/>
+    </inkml:brush>
+  </inkml:definitions>
+  <inkml:trace contextRef="#ctx0" brushRef="#br0">71 1,'-6'113,"2"-71,2-1,1 1,6 42,-4-72,1-1,0 0,1-1,0 1,1 0,0-1,1 0,0 0,0 0,1-1,1 1,-1-1,1-1,1 1,-1-1,10 7,-13-12,0 0,0-1,0 1,0-1,0 0,1 1,-1-2,1 1,-1-1,1 1,-1-1,1-1,0 1,0-1,0 1,-1-1,1-1,0 1,0-1,-1 0,1 0,0 0,-1 0,1-1,-1 0,1 0,-1 0,0-1,0 1,0-1,0 0,-1 0,1 0,-1-1,1 1,-1-1,0 0,-1 0,1 0,-1 0,0 0,0-1,0 1,0-1,-1 1,0-1,2-8,-3 5,0 0,0 0,0-1,-1 1,-1 0,1 0,-1 1,0-1,-1 0,0 1,0-1,-1 1,0 0,0 0,0 0,-1 1,0 0,-1-1,1 2,-1-1,0 1,-1 0,1 0,-1 0,-12-5,3 2,-2 0,1 1,-1 1,0 0,0 2,-1 0,0 1,1 1,-38 0,42 2</inkml:trace>
+</inkml:ink>
+</file>
+
+<file path=ppt/ink/ink2.xml><?xml version="1.0" encoding="utf-8"?>
+<inkml:ink xmlns:inkml="http://www.w3.org/2003/InkML">
+  <inkml:definitions>
+    <inkml:context xml:id="ctx0">
+      <inkml:inkSource xml:id="inkSrc0">
+        <inkml:traceFormat>
+          <inkml:channel name="X" type="integer" min="-2.14748E9" max="2.14748E9" units="cm"/>
+          <inkml:channel name="Y" type="integer" min="-2.14748E9" max="2.14748E9" units="cm"/>
+        </inkml:traceFormat>
+        <inkml:channelProperties>
+          <inkml:channelProperty channel="X" name="resolution" value="1000" units="1/cm"/>
+          <inkml:channelProperty channel="Y" name="resolution" value="1000" units="1/cm"/>
+        </inkml:channelProperties>
+      </inkml:inkSource>
+      <inkml:timestamp xml:id="ts0" timeString="2024-07-15T12:56:53.646"/>
+    </inkml:context>
+    <inkml:brush xml:id="br0">
+      <inkml:brushProperty name="width" value="0.3" units="cm"/>
+      <inkml:brushProperty name="height" value="0.6" units="cm"/>
+      <inkml:brushProperty name="color" value="#FFFEFF"/>
+      <inkml:brushProperty name="tip" value="rectangle"/>
+      <inkml:brushProperty name="rasterOp" value="maskPen"/>
+      <inkml:brushProperty name="ignorePressure" value="1"/>
+    </inkml:brush>
+  </inkml:definitions>
+  <inkml:trace contextRef="#ctx0" brushRef="#br0">1 1,'-1'40,"3"0,1 0,2-1,1 1,3-1,1 0,16 41,-20-69,0 0,0 0,1 0,1 0,0-1,18 18,-23-25,0-1,0 1,0 0,0-1,0 1,1-1,-1 0,1 0,-1 0,1-1,0 1,0-1,0 0,0 0,0-1,0 1,0-1,0 1,0-1,0 0,0-1,0 1,0-1,0 0,7-2,-8 1,1-1,-1 1,0-1,0 1,0-1,0 0,-1 0,1 0,-1-1,0 1,0-1,0 1,0-1,-1 1,1-1,0-5,14-70,-13 62,6-72,-8 69</inkml:trace>
+</inkml:ink>
+</file>
+
+<file path=ppt/ink/ink3.xml><?xml version="1.0" encoding="utf-8"?>
 <inkml:ink xmlns:inkml="http://www.w3.org/2003/InkML">
   <inkml:definitions>
     <inkml:context xml:id="ctx0">
@@ -19866,7 +24613,7 @@
           <inkml:channelProperty channel="F" name="resolution" value="0" units="1/dev"/>
         </inkml:channelProperties>
       </inkml:inkSource>
-      <inkml:timestamp xml:id="ts0" timeString="2024-07-12T14:02:29.498"/>
+      <inkml:timestamp xml:id="ts0" timeString="2024-07-15T12:56:57.660"/>
     </inkml:context>
     <inkml:brush xml:id="br0">
       <inkml:brushProperty name="width" value="0.35" units="cm"/>
@@ -19874,11 +24621,11 @@
       <inkml:brushProperty name="color" value="#FFFFFF"/>
     </inkml:brush>
   </inkml:definitions>
-  <inkml:trace contextRef="#ctx0" brushRef="#br0">147 221 24575,'-4'-1'0,"1"1"0,-1 0 0,1 1 0,-1-1 0,1 1 0,-1-1 0,1 1 0,-1 0 0,1 0 0,0 1 0,-1-1 0,1 1 0,0-1 0,0 1 0,0 0 0,0 0 0,1 1 0,-1-1 0,0 0 0,-2 4 0,2 0 0,-1 0 0,1 0 0,0 1 0,0-1 0,1 1 0,0 0 0,0-1 0,1 1 0,-2 10 0,-2 39 0,2 0 0,7 76 0,-1-15 0,-1-41 0,2 1 0,30 143 0,-23-174 0,-3-1 0,-1 2 0,-2-1 0,-2 1 0,-4 56 0,1-102 0,0-1 0,1 0 0,-1 1 0,0-1 0,0 0 0,0 1 0,0-1 0,0 0 0,0 1 0,0-1 0,0 0 0,0 1 0,0-1 0,0 0 0,0 1 0,0-1 0,0 0 0,0 1 0,-1-1 0,1 0 0,0 1 0,0-1 0,0 0 0,0 1 0,-1-1 0,1 0 0,0 0 0,0 1 0,0-1 0,-1 0 0,1 0 0,0 0 0,-1 1 0,1-1 0,0 0 0,0 0 0,-1 0 0,1 0 0,-1 1 0,-6-16 0,-4-30 0,-1-26 0,-2-130 0,12 132 0,-4-1 0,-15-75 0,10 69 0,2 1 0,4-1 0,7-124 0,1 56 0,-5 112 65,-8-51 0,-2-20-1560</inkml:trace>
+  <inkml:trace contextRef="#ctx0" brushRef="#br0">39 262 24575,'-16'158'0,"15"13"0,3-146 0,1 0 0,1 0 0,2-1 0,14 44 0,59 131 0,-79-199 0,0 0 0,0 0 0,0 0 0,0 0 0,0 0 0,0 0 0,0-1 0,0 1 0,0 0 0,0 0 0,0 0 0,0 0 0,0 0 0,0 0 0,0 0 0,1 0 0,-1 0 0,0 0 0,0 0 0,0 0 0,0-1 0,0 1 0,0 0 0,0 0 0,0 0 0,0 0 0,0 0 0,0 0 0,1 0 0,-1 0 0,0 0 0,0 0 0,0 0 0,0 0 0,0 0 0,0 0 0,0 0 0,0 0 0,0 0 0,0 0 0,1 0 0,-1 0 0,0 0 0,0 0 0,0 0 0,0 0 0,0 0 0,0 0 0,0 0 0,0 0 0,0 1 0,0-1 0,0 0 0,1 0 0,-1 0 0,0 0 0,0 0 0,0 0 0,0 0 0,0 0 0,0 0 0,0 0 0,3-15 0,0-22 0,-3-560 0,-2 291 0,0 356 0,-10 55 0,-1 8 0,-13 698 0,25-794 0,-1 1 0,0-1 0,-2-1 0,-5 19 0,-7 39 0,10-23 0,2-12 0,-12 57 0,16-96 0,0 1 0,0-1 0,0 1 0,0-1 0,0 1 0,0-1 0,0 1 0,0-1 0,0 1 0,0-1 0,0 1 0,-1-1 0,1 1 0,0-1 0,0 1 0,0-1 0,-1 0 0,1 1 0,0-1 0,-1 1 0,1-1 0,0 0 0,-1 1 0,1-1 0,-1 0 0,1 1 0,0-1 0,-1 0 0,1 1 0,-1-1 0,1 0 0,-1 0 0,0 0 0,-6-16 0,-1-30 0,2-176 120,7 189-417,3 2 0,0-1 0,2 0 0,19-59 0</inkml:trace>
 </inkml:ink>
 </file>
 
-<file path=ppt/ink/ink2.xml><?xml version="1.0" encoding="utf-8"?>
+<file path=ppt/ink/ink4.xml><?xml version="1.0" encoding="utf-8"?>
 <inkml:ink xmlns:inkml="http://www.w3.org/2003/InkML">
   <inkml:definitions>
     <inkml:context xml:id="ctx0">
@@ -19894,7 +24641,7 @@
           <inkml:channelProperty channel="F" name="resolution" value="0" units="1/dev"/>
         </inkml:channelProperties>
       </inkml:inkSource>
-      <inkml:timestamp xml:id="ts0" timeString="2024-07-12T14:02:33.656"/>
+      <inkml:timestamp xml:id="ts0" timeString="2024-07-15T12:56:59.365"/>
     </inkml:context>
     <inkml:brush xml:id="br0">
       <inkml:brushProperty name="width" value="0.35" units="cm"/>
@@ -19902,7 +24649,7 @@
       <inkml:brushProperty name="color" value="#FFFFFF"/>
     </inkml:brush>
   </inkml:definitions>
-  <inkml:trace contextRef="#ctx0" brushRef="#br0">4 17 24575,'-1'54'0,"-1"-31"0,1 0 0,2 0 0,0 0 0,1-1 0,1 1 0,2 0 0,10 36 0,-15-59 0,0 1 0,1 0 0,-1-1 0,0 1 0,0 0 0,0-1 0,0 1 0,1 0 0,-1-1 0,0 1 0,0 0 0,1-1 0,-1 1 0,0-1 0,1 1 0,-1-1 0,1 1 0,-1-1 0,1 1 0,-1-1 0,1 1 0,-1-1 0,1 0 0,0 1 0,-1-1 0,1 0 0,-1 1 0,1-1 0,0 0 0,-1 0 0,1 0 0,1 1 0,6-22 0,-4-38 0,-4 59 0,-2-67-42,0 47-147,1 0 0,1 1 0,1-1 0,1 0 0,0 1 0,6-21 0</inkml:trace>
+  <inkml:trace contextRef="#ctx0" brushRef="#br0">17 0 24575,'0'463'0,"2"-530"-98,0 32-114,-2 0 1,-1 0 0,-1 0 0,-3 0 0,-8-35 0</inkml:trace>
 </inkml:ink>
 </file>
 
@@ -20300,7 +25047,752 @@
           <a:bodyPr/>
           <a:lstStyle/>
           <a:p>
+            <a:r>
+              <a:rPr lang="en-GB" dirty="0"/>
+              <a:t>AGENDA – TABLE OF CONTENTS: summarizes what is on which slide</a:t>
+            </a:r>
+          </a:p>
+        </p:txBody>
+      </p:sp>
+      <p:sp>
+        <p:nvSpPr>
+          <p:cNvPr id="4" name="Slide Number Placeholder 3"/>
+          <p:cNvSpPr>
+            <a:spLocks noGrp="1"/>
+          </p:cNvSpPr>
+          <p:nvPr>
+            <p:ph type="sldNum" sz="quarter" idx="5"/>
+          </p:nvPr>
+        </p:nvSpPr>
+        <p:spPr/>
+        <p:txBody>
+          <a:bodyPr/>
+          <a:lstStyle/>
+          <a:p>
+            <a:fld id="{F4C8C5E5-D80A-4B7B-B646-4C231830A9D5}" type="slidenum">
+              <a:rPr lang="en-GB" smtClean="0"/>
+              <a:t>2</a:t>
+            </a:fld>
+            <a:endParaRPr lang="en-GB"/>
+          </a:p>
+        </p:txBody>
+      </p:sp>
+    </p:spTree>
+    <p:extLst>
+      <p:ext uri="{BB962C8B-B14F-4D97-AF65-F5344CB8AC3E}">
+        <p14:creationId xmlns:p14="http://schemas.microsoft.com/office/powerpoint/2010/main" val="4164000944"/>
+      </p:ext>
+    </p:extLst>
+  </p:cSld>
+  <p:clrMapOvr>
+    <a:masterClrMapping/>
+  </p:clrMapOvr>
+</p:notes>
+</file>
+
+<file path=ppt/notesSlides/notesSlide10.xml><?xml version="1.0" encoding="utf-8"?>
+<p:notes xmlns:a="http://schemas.openxmlformats.org/drawingml/2006/main" xmlns:r="http://schemas.openxmlformats.org/officeDocument/2006/relationships" xmlns:p="http://schemas.openxmlformats.org/presentationml/2006/main">
+  <p:cSld>
+    <p:spTree>
+      <p:nvGrpSpPr>
+        <p:cNvPr id="1" name=""/>
+        <p:cNvGrpSpPr/>
+        <p:nvPr/>
+      </p:nvGrpSpPr>
+      <p:grpSpPr>
+        <a:xfrm>
+          <a:off x="0" y="0"/>
+          <a:ext cx="0" cy="0"/>
+          <a:chOff x="0" y="0"/>
+          <a:chExt cx="0" cy="0"/>
+        </a:xfrm>
+      </p:grpSpPr>
+      <p:sp>
+        <p:nvSpPr>
+          <p:cNvPr id="2" name="Slide Image Placeholder 1"/>
+          <p:cNvSpPr>
+            <a:spLocks noGrp="1" noRot="1" noChangeAspect="1"/>
+          </p:cNvSpPr>
+          <p:nvPr>
+            <p:ph type="sldImg"/>
+          </p:nvPr>
+        </p:nvSpPr>
+        <p:spPr/>
+      </p:sp>
+      <p:sp>
+        <p:nvSpPr>
+          <p:cNvPr id="3" name="Notes Placeholder 2"/>
+          <p:cNvSpPr>
+            <a:spLocks noGrp="1"/>
+          </p:cNvSpPr>
+          <p:nvPr>
+            <p:ph type="body" idx="1"/>
+          </p:nvPr>
+        </p:nvSpPr>
+        <p:spPr/>
+        <p:txBody>
+          <a:bodyPr/>
+          <a:lstStyle/>
+          <a:p>
+            <a:r>
+              <a:rPr lang="en-GB" dirty="0"/>
+              <a:t>What are we going to experiment with? </a:t>
+            </a:r>
+            <a:r>
+              <a:rPr lang="de-AT" dirty="0"/>
+              <a:t>– </a:t>
+            </a:r>
+            <a:r>
+              <a:rPr lang="de-AT" dirty="0" err="1"/>
+              <a:t>resize</a:t>
+            </a:r>
+            <a:r>
+              <a:rPr lang="de-AT" dirty="0"/>
+              <a:t> </a:t>
+            </a:r>
+            <a:r>
+              <a:rPr lang="de-AT" dirty="0" err="1"/>
+              <a:t>the</a:t>
+            </a:r>
+            <a:r>
+              <a:rPr lang="de-AT" dirty="0"/>
+              <a:t> </a:t>
+            </a:r>
+            <a:r>
+              <a:rPr lang="de-AT" dirty="0" err="1"/>
+              <a:t>boxes</a:t>
+            </a:r>
             <a:endParaRPr lang="en-GB" dirty="0"/>
+          </a:p>
+        </p:txBody>
+      </p:sp>
+      <p:sp>
+        <p:nvSpPr>
+          <p:cNvPr id="4" name="Slide Number Placeholder 3"/>
+          <p:cNvSpPr>
+            <a:spLocks noGrp="1"/>
+          </p:cNvSpPr>
+          <p:nvPr>
+            <p:ph type="sldNum" sz="quarter" idx="5"/>
+          </p:nvPr>
+        </p:nvSpPr>
+        <p:spPr/>
+        <p:txBody>
+          <a:bodyPr/>
+          <a:lstStyle/>
+          <a:p>
+            <a:fld id="{F4C8C5E5-D80A-4B7B-B646-4C231830A9D5}" type="slidenum">
+              <a:rPr lang="en-GB" smtClean="0"/>
+              <a:t>12</a:t>
+            </a:fld>
+            <a:endParaRPr lang="en-GB"/>
+          </a:p>
+        </p:txBody>
+      </p:sp>
+    </p:spTree>
+    <p:extLst>
+      <p:ext uri="{BB962C8B-B14F-4D97-AF65-F5344CB8AC3E}">
+        <p14:creationId xmlns:p14="http://schemas.microsoft.com/office/powerpoint/2010/main" val="2929370554"/>
+      </p:ext>
+    </p:extLst>
+  </p:cSld>
+  <p:clrMapOvr>
+    <a:masterClrMapping/>
+  </p:clrMapOvr>
+</p:notes>
+</file>
+
+<file path=ppt/notesSlides/notesSlide11.xml><?xml version="1.0" encoding="utf-8"?>
+<p:notes xmlns:a="http://schemas.openxmlformats.org/drawingml/2006/main" xmlns:r="http://schemas.openxmlformats.org/officeDocument/2006/relationships" xmlns:p="http://schemas.openxmlformats.org/presentationml/2006/main">
+  <p:cSld>
+    <p:spTree>
+      <p:nvGrpSpPr>
+        <p:cNvPr id="1" name=""/>
+        <p:cNvGrpSpPr/>
+        <p:nvPr/>
+      </p:nvGrpSpPr>
+      <p:grpSpPr>
+        <a:xfrm>
+          <a:off x="0" y="0"/>
+          <a:ext cx="0" cy="0"/>
+          <a:chOff x="0" y="0"/>
+          <a:chExt cx="0" cy="0"/>
+        </a:xfrm>
+      </p:grpSpPr>
+      <p:sp>
+        <p:nvSpPr>
+          <p:cNvPr id="2" name="Slide Image Placeholder 1"/>
+          <p:cNvSpPr>
+            <a:spLocks noGrp="1" noRot="1" noChangeAspect="1"/>
+          </p:cNvSpPr>
+          <p:nvPr>
+            <p:ph type="sldImg"/>
+          </p:nvPr>
+        </p:nvSpPr>
+        <p:spPr/>
+      </p:sp>
+      <p:sp>
+        <p:nvSpPr>
+          <p:cNvPr id="3" name="Notes Placeholder 2"/>
+          <p:cNvSpPr>
+            <a:spLocks noGrp="1"/>
+          </p:cNvSpPr>
+          <p:nvPr>
+            <p:ph type="body" idx="1"/>
+          </p:nvPr>
+        </p:nvSpPr>
+        <p:spPr/>
+        <p:txBody>
+          <a:bodyPr/>
+          <a:lstStyle/>
+          <a:p>
+            <a:r>
+              <a:rPr lang="en-GB" dirty="0"/>
+              <a:t>Transition slide</a:t>
+            </a:r>
+          </a:p>
+        </p:txBody>
+      </p:sp>
+      <p:sp>
+        <p:nvSpPr>
+          <p:cNvPr id="4" name="Slide Number Placeholder 3"/>
+          <p:cNvSpPr>
+            <a:spLocks noGrp="1"/>
+          </p:cNvSpPr>
+          <p:nvPr>
+            <p:ph type="sldNum" sz="quarter" idx="5"/>
+          </p:nvPr>
+        </p:nvSpPr>
+        <p:spPr/>
+        <p:txBody>
+          <a:bodyPr/>
+          <a:lstStyle/>
+          <a:p>
+            <a:fld id="{F4C8C5E5-D80A-4B7B-B646-4C231830A9D5}" type="slidenum">
+              <a:rPr lang="en-GB" smtClean="0"/>
+              <a:t>13</a:t>
+            </a:fld>
+            <a:endParaRPr lang="en-GB"/>
+          </a:p>
+        </p:txBody>
+      </p:sp>
+    </p:spTree>
+    <p:extLst>
+      <p:ext uri="{BB962C8B-B14F-4D97-AF65-F5344CB8AC3E}">
+        <p14:creationId xmlns:p14="http://schemas.microsoft.com/office/powerpoint/2010/main" val="3612344901"/>
+      </p:ext>
+    </p:extLst>
+  </p:cSld>
+  <p:clrMapOvr>
+    <a:masterClrMapping/>
+  </p:clrMapOvr>
+</p:notes>
+</file>
+
+<file path=ppt/notesSlides/notesSlide12.xml><?xml version="1.0" encoding="utf-8"?>
+<p:notes xmlns:a="http://schemas.openxmlformats.org/drawingml/2006/main" xmlns:r="http://schemas.openxmlformats.org/officeDocument/2006/relationships" xmlns:p="http://schemas.openxmlformats.org/presentationml/2006/main">
+  <p:cSld>
+    <p:spTree>
+      <p:nvGrpSpPr>
+        <p:cNvPr id="1" name=""/>
+        <p:cNvGrpSpPr/>
+        <p:nvPr/>
+      </p:nvGrpSpPr>
+      <p:grpSpPr>
+        <a:xfrm>
+          <a:off x="0" y="0"/>
+          <a:ext cx="0" cy="0"/>
+          <a:chOff x="0" y="0"/>
+          <a:chExt cx="0" cy="0"/>
+        </a:xfrm>
+      </p:grpSpPr>
+      <p:sp>
+        <p:nvSpPr>
+          <p:cNvPr id="2" name="Slide Image Placeholder 1"/>
+          <p:cNvSpPr>
+            <a:spLocks noGrp="1" noRot="1" noChangeAspect="1"/>
+          </p:cNvSpPr>
+          <p:nvPr>
+            <p:ph type="sldImg"/>
+          </p:nvPr>
+        </p:nvSpPr>
+        <p:spPr/>
+      </p:sp>
+      <p:sp>
+        <p:nvSpPr>
+          <p:cNvPr id="3" name="Notes Placeholder 2"/>
+          <p:cNvSpPr>
+            <a:spLocks noGrp="1"/>
+          </p:cNvSpPr>
+          <p:nvPr>
+            <p:ph type="body" idx="1"/>
+          </p:nvPr>
+        </p:nvSpPr>
+        <p:spPr/>
+        <p:txBody>
+          <a:bodyPr/>
+          <a:lstStyle/>
+          <a:p>
+            <a:r>
+              <a:rPr lang="de-AT" dirty="0"/>
+              <a:t>„</a:t>
+            </a:r>
+            <a:r>
+              <a:rPr lang="de-AT" dirty="0" err="1"/>
+              <a:t>minimum</a:t>
+            </a:r>
+            <a:r>
+              <a:rPr lang="de-AT" dirty="0"/>
+              <a:t> viable prototype“ – fit </a:t>
+            </a:r>
+            <a:r>
+              <a:rPr lang="de-AT" dirty="0" err="1"/>
+              <a:t>into</a:t>
+            </a:r>
+            <a:r>
+              <a:rPr lang="de-AT" dirty="0"/>
+              <a:t> 1 </a:t>
+            </a:r>
+            <a:r>
+              <a:rPr lang="de-AT" dirty="0" err="1"/>
+              <a:t>slide</a:t>
+            </a:r>
+            <a:endParaRPr lang="en-GB" dirty="0"/>
+          </a:p>
+        </p:txBody>
+      </p:sp>
+      <p:sp>
+        <p:nvSpPr>
+          <p:cNvPr id="4" name="Slide Number Placeholder 3"/>
+          <p:cNvSpPr>
+            <a:spLocks noGrp="1"/>
+          </p:cNvSpPr>
+          <p:nvPr>
+            <p:ph type="sldNum" sz="quarter" idx="5"/>
+          </p:nvPr>
+        </p:nvSpPr>
+        <p:spPr/>
+        <p:txBody>
+          <a:bodyPr/>
+          <a:lstStyle/>
+          <a:p>
+            <a:fld id="{F4C8C5E5-D80A-4B7B-B646-4C231830A9D5}" type="slidenum">
+              <a:rPr lang="en-GB" smtClean="0"/>
+              <a:t>15</a:t>
+            </a:fld>
+            <a:endParaRPr lang="en-GB"/>
+          </a:p>
+        </p:txBody>
+      </p:sp>
+    </p:spTree>
+    <p:extLst>
+      <p:ext uri="{BB962C8B-B14F-4D97-AF65-F5344CB8AC3E}">
+        <p14:creationId xmlns:p14="http://schemas.microsoft.com/office/powerpoint/2010/main" val="4215219546"/>
+      </p:ext>
+    </p:extLst>
+  </p:cSld>
+  <p:clrMapOvr>
+    <a:masterClrMapping/>
+  </p:clrMapOvr>
+</p:notes>
+</file>
+
+<file path=ppt/notesSlides/notesSlide13.xml><?xml version="1.0" encoding="utf-8"?>
+<p:notes xmlns:a="http://schemas.openxmlformats.org/drawingml/2006/main" xmlns:r="http://schemas.openxmlformats.org/officeDocument/2006/relationships" xmlns:p="http://schemas.openxmlformats.org/presentationml/2006/main">
+  <p:cSld>
+    <p:spTree>
+      <p:nvGrpSpPr>
+        <p:cNvPr id="1" name=""/>
+        <p:cNvGrpSpPr/>
+        <p:nvPr/>
+      </p:nvGrpSpPr>
+      <p:grpSpPr>
+        <a:xfrm>
+          <a:off x="0" y="0"/>
+          <a:ext cx="0" cy="0"/>
+          <a:chOff x="0" y="0"/>
+          <a:chExt cx="0" cy="0"/>
+        </a:xfrm>
+      </p:grpSpPr>
+      <p:sp>
+        <p:nvSpPr>
+          <p:cNvPr id="2" name="Slide Image Placeholder 1"/>
+          <p:cNvSpPr>
+            <a:spLocks noGrp="1" noRot="1" noChangeAspect="1"/>
+          </p:cNvSpPr>
+          <p:nvPr>
+            <p:ph type="sldImg"/>
+          </p:nvPr>
+        </p:nvSpPr>
+        <p:spPr/>
+      </p:sp>
+      <p:sp>
+        <p:nvSpPr>
+          <p:cNvPr id="3" name="Notes Placeholder 2"/>
+          <p:cNvSpPr>
+            <a:spLocks noGrp="1"/>
+          </p:cNvSpPr>
+          <p:nvPr>
+            <p:ph type="body" idx="1"/>
+          </p:nvPr>
+        </p:nvSpPr>
+        <p:spPr/>
+        <p:txBody>
+          <a:bodyPr/>
+          <a:lstStyle/>
+          <a:p>
+            <a:r>
+              <a:rPr lang="en-GB" dirty="0"/>
+              <a:t>Transition slide</a:t>
+            </a:r>
+          </a:p>
+        </p:txBody>
+      </p:sp>
+      <p:sp>
+        <p:nvSpPr>
+          <p:cNvPr id="4" name="Slide Number Placeholder 3"/>
+          <p:cNvSpPr>
+            <a:spLocks noGrp="1"/>
+          </p:cNvSpPr>
+          <p:nvPr>
+            <p:ph type="sldNum" sz="quarter" idx="5"/>
+          </p:nvPr>
+        </p:nvSpPr>
+        <p:spPr/>
+        <p:txBody>
+          <a:bodyPr/>
+          <a:lstStyle/>
+          <a:p>
+            <a:fld id="{F4C8C5E5-D80A-4B7B-B646-4C231830A9D5}" type="slidenum">
+              <a:rPr lang="en-GB" smtClean="0"/>
+              <a:t>19</a:t>
+            </a:fld>
+            <a:endParaRPr lang="en-GB"/>
+          </a:p>
+        </p:txBody>
+      </p:sp>
+    </p:spTree>
+    <p:extLst>
+      <p:ext uri="{BB962C8B-B14F-4D97-AF65-F5344CB8AC3E}">
+        <p14:creationId xmlns:p14="http://schemas.microsoft.com/office/powerpoint/2010/main" val="2532405137"/>
+      </p:ext>
+    </p:extLst>
+  </p:cSld>
+  <p:clrMapOvr>
+    <a:masterClrMapping/>
+  </p:clrMapOvr>
+</p:notes>
+</file>
+
+<file path=ppt/notesSlides/notesSlide14.xml><?xml version="1.0" encoding="utf-8"?>
+<p:notes xmlns:a="http://schemas.openxmlformats.org/drawingml/2006/main" xmlns:r="http://schemas.openxmlformats.org/officeDocument/2006/relationships" xmlns:p="http://schemas.openxmlformats.org/presentationml/2006/main">
+  <p:cSld>
+    <p:spTree>
+      <p:nvGrpSpPr>
+        <p:cNvPr id="1" name=""/>
+        <p:cNvGrpSpPr/>
+        <p:nvPr/>
+      </p:nvGrpSpPr>
+      <p:grpSpPr>
+        <a:xfrm>
+          <a:off x="0" y="0"/>
+          <a:ext cx="0" cy="0"/>
+          <a:chOff x="0" y="0"/>
+          <a:chExt cx="0" cy="0"/>
+        </a:xfrm>
+      </p:grpSpPr>
+      <p:sp>
+        <p:nvSpPr>
+          <p:cNvPr id="2" name="Slide Image Placeholder 1"/>
+          <p:cNvSpPr>
+            <a:spLocks noGrp="1" noRot="1" noChangeAspect="1"/>
+          </p:cNvSpPr>
+          <p:nvPr>
+            <p:ph type="sldImg"/>
+          </p:nvPr>
+        </p:nvSpPr>
+        <p:spPr/>
+      </p:sp>
+      <p:sp>
+        <p:nvSpPr>
+          <p:cNvPr id="3" name="Notes Placeholder 2"/>
+          <p:cNvSpPr>
+            <a:spLocks noGrp="1"/>
+          </p:cNvSpPr>
+          <p:nvPr>
+            <p:ph type="body" idx="1"/>
+          </p:nvPr>
+        </p:nvSpPr>
+        <p:spPr/>
+        <p:txBody>
+          <a:bodyPr/>
+          <a:lstStyle/>
+          <a:p>
+            <a:r>
+              <a:rPr lang="en-GB" dirty="0"/>
+              <a:t>Transition slide</a:t>
+            </a:r>
+          </a:p>
+        </p:txBody>
+      </p:sp>
+      <p:sp>
+        <p:nvSpPr>
+          <p:cNvPr id="4" name="Slide Number Placeholder 3"/>
+          <p:cNvSpPr>
+            <a:spLocks noGrp="1"/>
+          </p:cNvSpPr>
+          <p:nvPr>
+            <p:ph type="sldNum" sz="quarter" idx="5"/>
+          </p:nvPr>
+        </p:nvSpPr>
+        <p:spPr/>
+        <p:txBody>
+          <a:bodyPr/>
+          <a:lstStyle/>
+          <a:p>
+            <a:fld id="{F4C8C5E5-D80A-4B7B-B646-4C231830A9D5}" type="slidenum">
+              <a:rPr lang="en-GB" smtClean="0"/>
+              <a:t>22</a:t>
+            </a:fld>
+            <a:endParaRPr lang="en-GB"/>
+          </a:p>
+        </p:txBody>
+      </p:sp>
+    </p:spTree>
+    <p:extLst>
+      <p:ext uri="{BB962C8B-B14F-4D97-AF65-F5344CB8AC3E}">
+        <p14:creationId xmlns:p14="http://schemas.microsoft.com/office/powerpoint/2010/main" val="1050396188"/>
+      </p:ext>
+    </p:extLst>
+  </p:cSld>
+  <p:clrMapOvr>
+    <a:masterClrMapping/>
+  </p:clrMapOvr>
+</p:notes>
+</file>
+
+<file path=ppt/notesSlides/notesSlide15.xml><?xml version="1.0" encoding="utf-8"?>
+<p:notes xmlns:a="http://schemas.openxmlformats.org/drawingml/2006/main" xmlns:r="http://schemas.openxmlformats.org/officeDocument/2006/relationships" xmlns:p="http://schemas.openxmlformats.org/presentationml/2006/main">
+  <p:cSld>
+    <p:spTree>
+      <p:nvGrpSpPr>
+        <p:cNvPr id="1" name=""/>
+        <p:cNvGrpSpPr/>
+        <p:nvPr/>
+      </p:nvGrpSpPr>
+      <p:grpSpPr>
+        <a:xfrm>
+          <a:off x="0" y="0"/>
+          <a:ext cx="0" cy="0"/>
+          <a:chOff x="0" y="0"/>
+          <a:chExt cx="0" cy="0"/>
+        </a:xfrm>
+      </p:grpSpPr>
+      <p:sp>
+        <p:nvSpPr>
+          <p:cNvPr id="2" name="Slide Image Placeholder 1"/>
+          <p:cNvSpPr>
+            <a:spLocks noGrp="1" noRot="1" noChangeAspect="1"/>
+          </p:cNvSpPr>
+          <p:nvPr>
+            <p:ph type="sldImg"/>
+          </p:nvPr>
+        </p:nvSpPr>
+        <p:spPr/>
+      </p:sp>
+      <p:sp>
+        <p:nvSpPr>
+          <p:cNvPr id="3" name="Notes Placeholder 2"/>
+          <p:cNvSpPr>
+            <a:spLocks noGrp="1"/>
+          </p:cNvSpPr>
+          <p:nvPr>
+            <p:ph type="body" idx="1"/>
+          </p:nvPr>
+        </p:nvSpPr>
+        <p:spPr/>
+        <p:txBody>
+          <a:bodyPr/>
+          <a:lstStyle/>
+          <a:p>
+            <a:r>
+              <a:rPr lang="en-GB" dirty="0"/>
+              <a:t>What are the next steps? - </a:t>
+            </a:r>
+          </a:p>
+        </p:txBody>
+      </p:sp>
+      <p:sp>
+        <p:nvSpPr>
+          <p:cNvPr id="4" name="Slide Number Placeholder 3"/>
+          <p:cNvSpPr>
+            <a:spLocks noGrp="1"/>
+          </p:cNvSpPr>
+          <p:nvPr>
+            <p:ph type="sldNum" sz="quarter" idx="5"/>
+          </p:nvPr>
+        </p:nvSpPr>
+        <p:spPr/>
+        <p:txBody>
+          <a:bodyPr/>
+          <a:lstStyle/>
+          <a:p>
+            <a:fld id="{F4C8C5E5-D80A-4B7B-B646-4C231830A9D5}" type="slidenum">
+              <a:rPr lang="en-GB" smtClean="0"/>
+              <a:t>23</a:t>
+            </a:fld>
+            <a:endParaRPr lang="en-GB"/>
+          </a:p>
+        </p:txBody>
+      </p:sp>
+    </p:spTree>
+    <p:extLst>
+      <p:ext uri="{BB962C8B-B14F-4D97-AF65-F5344CB8AC3E}">
+        <p14:creationId xmlns:p14="http://schemas.microsoft.com/office/powerpoint/2010/main" val="3659625871"/>
+      </p:ext>
+    </p:extLst>
+  </p:cSld>
+  <p:clrMapOvr>
+    <a:masterClrMapping/>
+  </p:clrMapOvr>
+</p:notes>
+</file>
+
+<file path=ppt/notesSlides/notesSlide2.xml><?xml version="1.0" encoding="utf-8"?>
+<p:notes xmlns:a="http://schemas.openxmlformats.org/drawingml/2006/main" xmlns:r="http://schemas.openxmlformats.org/officeDocument/2006/relationships" xmlns:p="http://schemas.openxmlformats.org/presentationml/2006/main">
+  <p:cSld>
+    <p:spTree>
+      <p:nvGrpSpPr>
+        <p:cNvPr id="1" name=""/>
+        <p:cNvGrpSpPr/>
+        <p:nvPr/>
+      </p:nvGrpSpPr>
+      <p:grpSpPr>
+        <a:xfrm>
+          <a:off x="0" y="0"/>
+          <a:ext cx="0" cy="0"/>
+          <a:chOff x="0" y="0"/>
+          <a:chExt cx="0" cy="0"/>
+        </a:xfrm>
+      </p:grpSpPr>
+      <p:sp>
+        <p:nvSpPr>
+          <p:cNvPr id="2" name="Slide Image Placeholder 1"/>
+          <p:cNvSpPr>
+            <a:spLocks noGrp="1" noRot="1" noChangeAspect="1"/>
+          </p:cNvSpPr>
+          <p:nvPr>
+            <p:ph type="sldImg"/>
+          </p:nvPr>
+        </p:nvSpPr>
+        <p:spPr/>
+      </p:sp>
+      <p:sp>
+        <p:nvSpPr>
+          <p:cNvPr id="3" name="Notes Placeholder 2"/>
+          <p:cNvSpPr>
+            <a:spLocks noGrp="1"/>
+          </p:cNvSpPr>
+          <p:nvPr>
+            <p:ph type="body" idx="1"/>
+          </p:nvPr>
+        </p:nvSpPr>
+        <p:spPr/>
+        <p:txBody>
+          <a:bodyPr/>
+          <a:lstStyle/>
+          <a:p>
+            <a:r>
+              <a:rPr lang="en-GB" dirty="0"/>
+              <a:t>The topic of my dissertation</a:t>
+            </a:r>
+          </a:p>
+        </p:txBody>
+      </p:sp>
+      <p:sp>
+        <p:nvSpPr>
+          <p:cNvPr id="4" name="Slide Number Placeholder 3"/>
+          <p:cNvSpPr>
+            <a:spLocks noGrp="1"/>
+          </p:cNvSpPr>
+          <p:nvPr>
+            <p:ph type="sldNum" sz="quarter" idx="5"/>
+          </p:nvPr>
+        </p:nvSpPr>
+        <p:spPr/>
+        <p:txBody>
+          <a:bodyPr/>
+          <a:lstStyle/>
+          <a:p>
+            <a:fld id="{F4C8C5E5-D80A-4B7B-B646-4C231830A9D5}" type="slidenum">
+              <a:rPr lang="en-GB" smtClean="0"/>
+              <a:t>3</a:t>
+            </a:fld>
+            <a:endParaRPr lang="en-GB"/>
+          </a:p>
+        </p:txBody>
+      </p:sp>
+    </p:spTree>
+    <p:extLst>
+      <p:ext uri="{BB962C8B-B14F-4D97-AF65-F5344CB8AC3E}">
+        <p14:creationId xmlns:p14="http://schemas.microsoft.com/office/powerpoint/2010/main" val="1948876546"/>
+      </p:ext>
+    </p:extLst>
+  </p:cSld>
+  <p:clrMapOvr>
+    <a:masterClrMapping/>
+  </p:clrMapOvr>
+</p:notes>
+</file>
+
+<file path=ppt/notesSlides/notesSlide3.xml><?xml version="1.0" encoding="utf-8"?>
+<p:notes xmlns:a="http://schemas.openxmlformats.org/drawingml/2006/main" xmlns:r="http://schemas.openxmlformats.org/officeDocument/2006/relationships" xmlns:p="http://schemas.openxmlformats.org/presentationml/2006/main">
+  <p:cSld>
+    <p:spTree>
+      <p:nvGrpSpPr>
+        <p:cNvPr id="1" name=""/>
+        <p:cNvGrpSpPr/>
+        <p:nvPr/>
+      </p:nvGrpSpPr>
+      <p:grpSpPr>
+        <a:xfrm>
+          <a:off x="0" y="0"/>
+          <a:ext cx="0" cy="0"/>
+          <a:chOff x="0" y="0"/>
+          <a:chExt cx="0" cy="0"/>
+        </a:xfrm>
+      </p:grpSpPr>
+      <p:sp>
+        <p:nvSpPr>
+          <p:cNvPr id="2" name="Slide Image Placeholder 1"/>
+          <p:cNvSpPr>
+            <a:spLocks noGrp="1" noRot="1" noChangeAspect="1"/>
+          </p:cNvSpPr>
+          <p:nvPr>
+            <p:ph type="sldImg"/>
+          </p:nvPr>
+        </p:nvSpPr>
+        <p:spPr/>
+      </p:sp>
+      <p:sp>
+        <p:nvSpPr>
+          <p:cNvPr id="3" name="Notes Placeholder 2"/>
+          <p:cNvSpPr>
+            <a:spLocks noGrp="1"/>
+          </p:cNvSpPr>
+          <p:nvPr>
+            <p:ph type="body" idx="1"/>
+          </p:nvPr>
+        </p:nvSpPr>
+        <p:spPr/>
+        <p:txBody>
+          <a:bodyPr/>
+          <a:lstStyle/>
+          <a:p>
+            <a:r>
+              <a:rPr lang="en-GB" dirty="0"/>
+              <a:t>Summary of the context of my dissertation</a:t>
+            </a:r>
           </a:p>
         </p:txBody>
       </p:sp>
@@ -20331,6 +25823,544 @@
     <p:extLst>
       <p:ext uri="{BB962C8B-B14F-4D97-AF65-F5344CB8AC3E}">
         <p14:creationId xmlns:p14="http://schemas.microsoft.com/office/powerpoint/2010/main" val="1107488771"/>
+      </p:ext>
+    </p:extLst>
+  </p:cSld>
+  <p:clrMapOvr>
+    <a:masterClrMapping/>
+  </p:clrMapOvr>
+</p:notes>
+</file>
+
+<file path=ppt/notesSlides/notesSlide4.xml><?xml version="1.0" encoding="utf-8"?>
+<p:notes xmlns:a="http://schemas.openxmlformats.org/drawingml/2006/main" xmlns:r="http://schemas.openxmlformats.org/officeDocument/2006/relationships" xmlns:p="http://schemas.openxmlformats.org/presentationml/2006/main">
+  <p:cSld>
+    <p:spTree>
+      <p:nvGrpSpPr>
+        <p:cNvPr id="1" name=""/>
+        <p:cNvGrpSpPr/>
+        <p:nvPr/>
+      </p:nvGrpSpPr>
+      <p:grpSpPr>
+        <a:xfrm>
+          <a:off x="0" y="0"/>
+          <a:ext cx="0" cy="0"/>
+          <a:chOff x="0" y="0"/>
+          <a:chExt cx="0" cy="0"/>
+        </a:xfrm>
+      </p:grpSpPr>
+      <p:sp>
+        <p:nvSpPr>
+          <p:cNvPr id="2" name="Slide Image Placeholder 1"/>
+          <p:cNvSpPr>
+            <a:spLocks noGrp="1" noRot="1" noChangeAspect="1"/>
+          </p:cNvSpPr>
+          <p:nvPr>
+            <p:ph type="sldImg"/>
+          </p:nvPr>
+        </p:nvSpPr>
+        <p:spPr/>
+      </p:sp>
+      <p:sp>
+        <p:nvSpPr>
+          <p:cNvPr id="3" name="Notes Placeholder 2"/>
+          <p:cNvSpPr>
+            <a:spLocks noGrp="1"/>
+          </p:cNvSpPr>
+          <p:nvPr>
+            <p:ph type="body" idx="1"/>
+          </p:nvPr>
+        </p:nvSpPr>
+        <p:spPr/>
+        <p:txBody>
+          <a:bodyPr/>
+          <a:lstStyle/>
+          <a:p>
+            <a:r>
+              <a:rPr lang="en-GB" dirty="0"/>
+              <a:t>Transition slide</a:t>
+            </a:r>
+          </a:p>
+        </p:txBody>
+      </p:sp>
+      <p:sp>
+        <p:nvSpPr>
+          <p:cNvPr id="4" name="Slide Number Placeholder 3"/>
+          <p:cNvSpPr>
+            <a:spLocks noGrp="1"/>
+          </p:cNvSpPr>
+          <p:nvPr>
+            <p:ph type="sldNum" sz="quarter" idx="5"/>
+          </p:nvPr>
+        </p:nvSpPr>
+        <p:spPr/>
+        <p:txBody>
+          <a:bodyPr/>
+          <a:lstStyle/>
+          <a:p>
+            <a:fld id="{F4C8C5E5-D80A-4B7B-B646-4C231830A9D5}" type="slidenum">
+              <a:rPr lang="en-GB" smtClean="0"/>
+              <a:t>6</a:t>
+            </a:fld>
+            <a:endParaRPr lang="en-GB"/>
+          </a:p>
+        </p:txBody>
+      </p:sp>
+    </p:spTree>
+    <p:extLst>
+      <p:ext uri="{BB962C8B-B14F-4D97-AF65-F5344CB8AC3E}">
+        <p14:creationId xmlns:p14="http://schemas.microsoft.com/office/powerpoint/2010/main" val="1549295940"/>
+      </p:ext>
+    </p:extLst>
+  </p:cSld>
+  <p:clrMapOvr>
+    <a:masterClrMapping/>
+  </p:clrMapOvr>
+</p:notes>
+</file>
+
+<file path=ppt/notesSlides/notesSlide5.xml><?xml version="1.0" encoding="utf-8"?>
+<p:notes xmlns:a="http://schemas.openxmlformats.org/drawingml/2006/main" xmlns:r="http://schemas.openxmlformats.org/officeDocument/2006/relationships" xmlns:p="http://schemas.openxmlformats.org/presentationml/2006/main">
+  <p:cSld>
+    <p:spTree>
+      <p:nvGrpSpPr>
+        <p:cNvPr id="1" name=""/>
+        <p:cNvGrpSpPr/>
+        <p:nvPr/>
+      </p:nvGrpSpPr>
+      <p:grpSpPr>
+        <a:xfrm>
+          <a:off x="0" y="0"/>
+          <a:ext cx="0" cy="0"/>
+          <a:chOff x="0" y="0"/>
+          <a:chExt cx="0" cy="0"/>
+        </a:xfrm>
+      </p:grpSpPr>
+      <p:sp>
+        <p:nvSpPr>
+          <p:cNvPr id="2" name="Slide Image Placeholder 1"/>
+          <p:cNvSpPr>
+            <a:spLocks noGrp="1" noRot="1" noChangeAspect="1"/>
+          </p:cNvSpPr>
+          <p:nvPr>
+            <p:ph type="sldImg"/>
+          </p:nvPr>
+        </p:nvSpPr>
+        <p:spPr/>
+      </p:sp>
+      <p:sp>
+        <p:nvSpPr>
+          <p:cNvPr id="3" name="Notes Placeholder 2"/>
+          <p:cNvSpPr>
+            <a:spLocks noGrp="1"/>
+          </p:cNvSpPr>
+          <p:nvPr>
+            <p:ph type="body" idx="1"/>
+          </p:nvPr>
+        </p:nvSpPr>
+        <p:spPr/>
+        <p:txBody>
+          <a:bodyPr/>
+          <a:lstStyle/>
+          <a:p>
+            <a:r>
+              <a:rPr lang="en-GB" dirty="0"/>
+              <a:t>What is Lag llama?</a:t>
+            </a:r>
+          </a:p>
+        </p:txBody>
+      </p:sp>
+      <p:sp>
+        <p:nvSpPr>
+          <p:cNvPr id="4" name="Slide Number Placeholder 3"/>
+          <p:cNvSpPr>
+            <a:spLocks noGrp="1"/>
+          </p:cNvSpPr>
+          <p:nvPr>
+            <p:ph type="sldNum" sz="quarter" idx="5"/>
+          </p:nvPr>
+        </p:nvSpPr>
+        <p:spPr/>
+        <p:txBody>
+          <a:bodyPr/>
+          <a:lstStyle/>
+          <a:p>
+            <a:fld id="{F4C8C5E5-D80A-4B7B-B646-4C231830A9D5}" type="slidenum">
+              <a:rPr lang="en-GB" smtClean="0"/>
+              <a:t>7</a:t>
+            </a:fld>
+            <a:endParaRPr lang="en-GB"/>
+          </a:p>
+        </p:txBody>
+      </p:sp>
+    </p:spTree>
+    <p:extLst>
+      <p:ext uri="{BB962C8B-B14F-4D97-AF65-F5344CB8AC3E}">
+        <p14:creationId xmlns:p14="http://schemas.microsoft.com/office/powerpoint/2010/main" val="1204176960"/>
+      </p:ext>
+    </p:extLst>
+  </p:cSld>
+  <p:clrMapOvr>
+    <a:masterClrMapping/>
+  </p:clrMapOvr>
+</p:notes>
+</file>
+
+<file path=ppt/notesSlides/notesSlide6.xml><?xml version="1.0" encoding="utf-8"?>
+<p:notes xmlns:a="http://schemas.openxmlformats.org/drawingml/2006/main" xmlns:r="http://schemas.openxmlformats.org/officeDocument/2006/relationships" xmlns:p="http://schemas.openxmlformats.org/presentationml/2006/main">
+  <p:cSld>
+    <p:spTree>
+      <p:nvGrpSpPr>
+        <p:cNvPr id="1" name=""/>
+        <p:cNvGrpSpPr/>
+        <p:nvPr/>
+      </p:nvGrpSpPr>
+      <p:grpSpPr>
+        <a:xfrm>
+          <a:off x="0" y="0"/>
+          <a:ext cx="0" cy="0"/>
+          <a:chOff x="0" y="0"/>
+          <a:chExt cx="0" cy="0"/>
+        </a:xfrm>
+      </p:grpSpPr>
+      <p:sp>
+        <p:nvSpPr>
+          <p:cNvPr id="2" name="Slide Image Placeholder 1"/>
+          <p:cNvSpPr>
+            <a:spLocks noGrp="1" noRot="1" noChangeAspect="1"/>
+          </p:cNvSpPr>
+          <p:nvPr>
+            <p:ph type="sldImg"/>
+          </p:nvPr>
+        </p:nvSpPr>
+        <p:spPr/>
+      </p:sp>
+      <p:sp>
+        <p:nvSpPr>
+          <p:cNvPr id="3" name="Notes Placeholder 2"/>
+          <p:cNvSpPr>
+            <a:spLocks noGrp="1"/>
+          </p:cNvSpPr>
+          <p:nvPr>
+            <p:ph type="body" idx="1"/>
+          </p:nvPr>
+        </p:nvSpPr>
+        <p:spPr/>
+        <p:txBody>
+          <a:bodyPr/>
+          <a:lstStyle/>
+          <a:p>
+            <a:r>
+              <a:rPr lang="en-GB" dirty="0"/>
+              <a:t>What is </a:t>
+            </a:r>
+            <a:r>
+              <a:rPr lang="en-GB" dirty="0" err="1"/>
+              <a:t>TimeGPT</a:t>
+            </a:r>
+            <a:r>
+              <a:rPr lang="en-GB" dirty="0"/>
+              <a:t>?</a:t>
+            </a:r>
+          </a:p>
+        </p:txBody>
+      </p:sp>
+      <p:sp>
+        <p:nvSpPr>
+          <p:cNvPr id="4" name="Slide Number Placeholder 3"/>
+          <p:cNvSpPr>
+            <a:spLocks noGrp="1"/>
+          </p:cNvSpPr>
+          <p:nvPr>
+            <p:ph type="sldNum" sz="quarter" idx="5"/>
+          </p:nvPr>
+        </p:nvSpPr>
+        <p:spPr/>
+        <p:txBody>
+          <a:bodyPr/>
+          <a:lstStyle/>
+          <a:p>
+            <a:fld id="{F4C8C5E5-D80A-4B7B-B646-4C231830A9D5}" type="slidenum">
+              <a:rPr lang="en-GB" smtClean="0"/>
+              <a:t>8</a:t>
+            </a:fld>
+            <a:endParaRPr lang="en-GB"/>
+          </a:p>
+        </p:txBody>
+      </p:sp>
+    </p:spTree>
+    <p:extLst>
+      <p:ext uri="{BB962C8B-B14F-4D97-AF65-F5344CB8AC3E}">
+        <p14:creationId xmlns:p14="http://schemas.microsoft.com/office/powerpoint/2010/main" val="3956337147"/>
+      </p:ext>
+    </p:extLst>
+  </p:cSld>
+  <p:clrMapOvr>
+    <a:masterClrMapping/>
+  </p:clrMapOvr>
+</p:notes>
+</file>
+
+<file path=ppt/notesSlides/notesSlide7.xml><?xml version="1.0" encoding="utf-8"?>
+<p:notes xmlns:a="http://schemas.openxmlformats.org/drawingml/2006/main" xmlns:r="http://schemas.openxmlformats.org/officeDocument/2006/relationships" xmlns:p="http://schemas.openxmlformats.org/presentationml/2006/main">
+  <p:cSld>
+    <p:spTree>
+      <p:nvGrpSpPr>
+        <p:cNvPr id="1" name=""/>
+        <p:cNvGrpSpPr/>
+        <p:nvPr/>
+      </p:nvGrpSpPr>
+      <p:grpSpPr>
+        <a:xfrm>
+          <a:off x="0" y="0"/>
+          <a:ext cx="0" cy="0"/>
+          <a:chOff x="0" y="0"/>
+          <a:chExt cx="0" cy="0"/>
+        </a:xfrm>
+      </p:grpSpPr>
+      <p:sp>
+        <p:nvSpPr>
+          <p:cNvPr id="2" name="Slide Image Placeholder 1"/>
+          <p:cNvSpPr>
+            <a:spLocks noGrp="1" noRot="1" noChangeAspect="1"/>
+          </p:cNvSpPr>
+          <p:nvPr>
+            <p:ph type="sldImg"/>
+          </p:nvPr>
+        </p:nvSpPr>
+        <p:spPr/>
+      </p:sp>
+      <p:sp>
+        <p:nvSpPr>
+          <p:cNvPr id="3" name="Notes Placeholder 2"/>
+          <p:cNvSpPr>
+            <a:spLocks noGrp="1"/>
+          </p:cNvSpPr>
+          <p:nvPr>
+            <p:ph type="body" idx="1"/>
+          </p:nvPr>
+        </p:nvSpPr>
+        <p:spPr/>
+        <p:txBody>
+          <a:bodyPr/>
+          <a:lstStyle/>
+          <a:p>
+            <a:r>
+              <a:rPr lang="en-GB" dirty="0"/>
+              <a:t>Transition slide</a:t>
+            </a:r>
+          </a:p>
+        </p:txBody>
+      </p:sp>
+      <p:sp>
+        <p:nvSpPr>
+          <p:cNvPr id="4" name="Slide Number Placeholder 3"/>
+          <p:cNvSpPr>
+            <a:spLocks noGrp="1"/>
+          </p:cNvSpPr>
+          <p:nvPr>
+            <p:ph type="sldNum" sz="quarter" idx="5"/>
+          </p:nvPr>
+        </p:nvSpPr>
+        <p:spPr/>
+        <p:txBody>
+          <a:bodyPr/>
+          <a:lstStyle/>
+          <a:p>
+            <a:fld id="{F4C8C5E5-D80A-4B7B-B646-4C231830A9D5}" type="slidenum">
+              <a:rPr lang="en-GB" smtClean="0"/>
+              <a:t>9</a:t>
+            </a:fld>
+            <a:endParaRPr lang="en-GB"/>
+          </a:p>
+        </p:txBody>
+      </p:sp>
+    </p:spTree>
+    <p:extLst>
+      <p:ext uri="{BB962C8B-B14F-4D97-AF65-F5344CB8AC3E}">
+        <p14:creationId xmlns:p14="http://schemas.microsoft.com/office/powerpoint/2010/main" val="1064719822"/>
+      </p:ext>
+    </p:extLst>
+  </p:cSld>
+  <p:clrMapOvr>
+    <a:masterClrMapping/>
+  </p:clrMapOvr>
+</p:notes>
+</file>
+
+<file path=ppt/notesSlides/notesSlide8.xml><?xml version="1.0" encoding="utf-8"?>
+<p:notes xmlns:a="http://schemas.openxmlformats.org/drawingml/2006/main" xmlns:r="http://schemas.openxmlformats.org/officeDocument/2006/relationships" xmlns:p="http://schemas.openxmlformats.org/presentationml/2006/main">
+  <p:cSld>
+    <p:spTree>
+      <p:nvGrpSpPr>
+        <p:cNvPr id="1" name=""/>
+        <p:cNvGrpSpPr/>
+        <p:nvPr/>
+      </p:nvGrpSpPr>
+      <p:grpSpPr>
+        <a:xfrm>
+          <a:off x="0" y="0"/>
+          <a:ext cx="0" cy="0"/>
+          <a:chOff x="0" y="0"/>
+          <a:chExt cx="0" cy="0"/>
+        </a:xfrm>
+      </p:grpSpPr>
+      <p:sp>
+        <p:nvSpPr>
+          <p:cNvPr id="2" name="Slide Image Placeholder 1"/>
+          <p:cNvSpPr>
+            <a:spLocks noGrp="1" noRot="1" noChangeAspect="1"/>
+          </p:cNvSpPr>
+          <p:nvPr>
+            <p:ph type="sldImg"/>
+          </p:nvPr>
+        </p:nvSpPr>
+        <p:spPr/>
+      </p:sp>
+      <p:sp>
+        <p:nvSpPr>
+          <p:cNvPr id="3" name="Notes Placeholder 2"/>
+          <p:cNvSpPr>
+            <a:spLocks noGrp="1"/>
+          </p:cNvSpPr>
+          <p:nvPr>
+            <p:ph type="body" idx="1"/>
+          </p:nvPr>
+        </p:nvSpPr>
+        <p:spPr/>
+        <p:txBody>
+          <a:bodyPr/>
+          <a:lstStyle/>
+          <a:p>
+            <a:r>
+              <a:rPr lang="en-GB" dirty="0"/>
+              <a:t>How will we evaluate the models?</a:t>
+            </a:r>
+          </a:p>
+        </p:txBody>
+      </p:sp>
+      <p:sp>
+        <p:nvSpPr>
+          <p:cNvPr id="4" name="Slide Number Placeholder 3"/>
+          <p:cNvSpPr>
+            <a:spLocks noGrp="1"/>
+          </p:cNvSpPr>
+          <p:nvPr>
+            <p:ph type="sldNum" sz="quarter" idx="5"/>
+          </p:nvPr>
+        </p:nvSpPr>
+        <p:spPr/>
+        <p:txBody>
+          <a:bodyPr/>
+          <a:lstStyle/>
+          <a:p>
+            <a:fld id="{F4C8C5E5-D80A-4B7B-B646-4C231830A9D5}" type="slidenum">
+              <a:rPr lang="en-GB" smtClean="0"/>
+              <a:t>10</a:t>
+            </a:fld>
+            <a:endParaRPr lang="en-GB"/>
+          </a:p>
+        </p:txBody>
+      </p:sp>
+    </p:spTree>
+    <p:extLst>
+      <p:ext uri="{BB962C8B-B14F-4D97-AF65-F5344CB8AC3E}">
+        <p14:creationId xmlns:p14="http://schemas.microsoft.com/office/powerpoint/2010/main" val="2251543003"/>
+      </p:ext>
+    </p:extLst>
+  </p:cSld>
+  <p:clrMapOvr>
+    <a:masterClrMapping/>
+  </p:clrMapOvr>
+</p:notes>
+</file>
+
+<file path=ppt/notesSlides/notesSlide9.xml><?xml version="1.0" encoding="utf-8"?>
+<p:notes xmlns:a="http://schemas.openxmlformats.org/drawingml/2006/main" xmlns:r="http://schemas.openxmlformats.org/officeDocument/2006/relationships" xmlns:p="http://schemas.openxmlformats.org/presentationml/2006/main">
+  <p:cSld>
+    <p:spTree>
+      <p:nvGrpSpPr>
+        <p:cNvPr id="1" name=""/>
+        <p:cNvGrpSpPr/>
+        <p:nvPr/>
+      </p:nvGrpSpPr>
+      <p:grpSpPr>
+        <a:xfrm>
+          <a:off x="0" y="0"/>
+          <a:ext cx="0" cy="0"/>
+          <a:chOff x="0" y="0"/>
+          <a:chExt cx="0" cy="0"/>
+        </a:xfrm>
+      </p:grpSpPr>
+      <p:sp>
+        <p:nvSpPr>
+          <p:cNvPr id="2" name="Slide Image Placeholder 1"/>
+          <p:cNvSpPr>
+            <a:spLocks noGrp="1" noRot="1" noChangeAspect="1"/>
+          </p:cNvSpPr>
+          <p:nvPr>
+            <p:ph type="sldImg"/>
+          </p:nvPr>
+        </p:nvSpPr>
+        <p:spPr/>
+      </p:sp>
+      <p:sp>
+        <p:nvSpPr>
+          <p:cNvPr id="3" name="Notes Placeholder 2"/>
+          <p:cNvSpPr>
+            <a:spLocks noGrp="1"/>
+          </p:cNvSpPr>
+          <p:nvPr>
+            <p:ph type="body" idx="1"/>
+          </p:nvPr>
+        </p:nvSpPr>
+        <p:spPr/>
+        <p:txBody>
+          <a:bodyPr/>
+          <a:lstStyle/>
+          <a:p>
+            <a:r>
+              <a:rPr lang="en-GB" dirty="0"/>
+              <a:t>What are we going to compare the models with? Change the order of models / put </a:t>
+            </a:r>
+            <a:r>
+              <a:rPr lang="en-GB" dirty="0" err="1"/>
+              <a:t>autoregressor</a:t>
+            </a:r>
+            <a:r>
+              <a:rPr lang="en-GB" dirty="0"/>
+              <a:t> first.</a:t>
+            </a:r>
+          </a:p>
+        </p:txBody>
+      </p:sp>
+      <p:sp>
+        <p:nvSpPr>
+          <p:cNvPr id="4" name="Slide Number Placeholder 3"/>
+          <p:cNvSpPr>
+            <a:spLocks noGrp="1"/>
+          </p:cNvSpPr>
+          <p:nvPr>
+            <p:ph type="sldNum" sz="quarter" idx="5"/>
+          </p:nvPr>
+        </p:nvSpPr>
+        <p:spPr/>
+        <p:txBody>
+          <a:bodyPr/>
+          <a:lstStyle/>
+          <a:p>
+            <a:fld id="{F4C8C5E5-D80A-4B7B-B646-4C231830A9D5}" type="slidenum">
+              <a:rPr lang="en-GB" smtClean="0"/>
+              <a:t>11</a:t>
+            </a:fld>
+            <a:endParaRPr lang="en-GB"/>
+          </a:p>
+        </p:txBody>
+      </p:sp>
+    </p:spTree>
+    <p:extLst>
+      <p:ext uri="{BB962C8B-B14F-4D97-AF65-F5344CB8AC3E}">
+        <p14:creationId xmlns:p14="http://schemas.microsoft.com/office/powerpoint/2010/main" val="1990205681"/>
       </p:ext>
     </p:extLst>
   </p:cSld>
@@ -24548,7 +30578,7 @@
           <a:p>
             <a:r>
               <a:rPr lang="en-GB" sz="1300" dirty="0"/>
-              <a:t>To ensure statistical significance, we will run the K-fold Time series Cross Validation on every time-series. </a:t>
+              <a:t>To ensure statistical significance, we will run the K-fold Time series Cross Validation on every time-series. This ensures that that the result we get is not a product of coincidence, rather it shows performance of the models across different time periods.</a:t>
             </a:r>
           </a:p>
           <a:p>
@@ -24586,7 +30616,7 @@
         </p:xfrm>
         <a:graphic>
           <a:graphicData uri="http://schemas.openxmlformats.org/drawingml/2006/diagram">
-            <dgm:relIds xmlns:dgm="http://schemas.openxmlformats.org/drawingml/2006/diagram" xmlns:r="http://schemas.openxmlformats.org/officeDocument/2006/relationships" r:dm="rId2" r:lo="rId3" r:qs="rId4" r:cs="rId5"/>
+            <dgm:relIds xmlns:dgm="http://schemas.openxmlformats.org/drawingml/2006/diagram" xmlns:r="http://schemas.openxmlformats.org/officeDocument/2006/relationships" r:dm="rId3" r:lo="rId4" r:qs="rId5" r:cs="rId6"/>
           </a:graphicData>
         </a:graphic>
       </p:graphicFrame>
@@ -24605,7 +30635,7 @@
           <p:nvPr/>
         </p:nvPicPr>
         <p:blipFill>
-          <a:blip r:embed="rId7">
+          <a:blip r:embed="rId8">
             <a:extLst>
               <a:ext uri="{28A0092B-C50C-407E-A947-70E740481C1C}">
                 <a14:useLocalDpi xmlns:a14="http://schemas.microsoft.com/office/drawing/2010/main" val="0"/>
@@ -24669,6 +30699,218 @@
       </p:grpSpPr>
       <p:sp>
         <p:nvSpPr>
+          <p:cNvPr id="11" name="Rectangle: Rounded Corners 10">
+            <a:extLst>
+              <a:ext uri="{FF2B5EF4-FFF2-40B4-BE49-F238E27FC236}">
+                <a16:creationId xmlns:a16="http://schemas.microsoft.com/office/drawing/2014/main" id="{AE46FB9A-746D-F044-F64B-034C7B3B74E7}"/>
+              </a:ext>
+            </a:extLst>
+          </p:cNvPr>
+          <p:cNvSpPr/>
+          <p:nvPr/>
+        </p:nvSpPr>
+        <p:spPr>
+          <a:xfrm>
+            <a:off x="366867" y="2301727"/>
+            <a:ext cx="3778742" cy="3739098"/>
+          </a:xfrm>
+          <a:prstGeom prst="roundRect">
+            <a:avLst/>
+          </a:prstGeom>
+          <a:gradFill flip="none" rotWithShape="1">
+            <a:gsLst>
+              <a:gs pos="0">
+                <a:schemeClr val="accent1">
+                  <a:tint val="66000"/>
+                  <a:satMod val="160000"/>
+                </a:schemeClr>
+              </a:gs>
+              <a:gs pos="50000">
+                <a:schemeClr val="accent1">
+                  <a:tint val="44500"/>
+                  <a:satMod val="160000"/>
+                </a:schemeClr>
+              </a:gs>
+              <a:gs pos="100000">
+                <a:schemeClr val="accent1">
+                  <a:tint val="23500"/>
+                  <a:satMod val="160000"/>
+                </a:schemeClr>
+              </a:gs>
+            </a:gsLst>
+            <a:lin ang="10800000" scaled="1"/>
+            <a:tileRect/>
+          </a:gradFill>
+        </p:spPr>
+        <p:style>
+          <a:lnRef idx="2">
+            <a:schemeClr val="accent1">
+              <a:shade val="15000"/>
+            </a:schemeClr>
+          </a:lnRef>
+          <a:fillRef idx="1">
+            <a:schemeClr val="accent1"/>
+          </a:fillRef>
+          <a:effectRef idx="0">
+            <a:schemeClr val="accent1"/>
+          </a:effectRef>
+          <a:fontRef idx="minor">
+            <a:schemeClr val="lt1"/>
+          </a:fontRef>
+        </p:style>
+        <p:txBody>
+          <a:bodyPr rtlCol="0" anchor="ctr"/>
+          <a:lstStyle/>
+          <a:p>
+            <a:pPr algn="ctr"/>
+            <a:endParaRPr lang="en-GB"/>
+          </a:p>
+        </p:txBody>
+      </p:sp>
+      <p:sp>
+        <p:nvSpPr>
+          <p:cNvPr id="10" name="Rectangle: Rounded Corners 9">
+            <a:extLst>
+              <a:ext uri="{FF2B5EF4-FFF2-40B4-BE49-F238E27FC236}">
+                <a16:creationId xmlns:a16="http://schemas.microsoft.com/office/drawing/2014/main" id="{49119BDE-A537-CFA7-BFA9-4C87C64E344E}"/>
+              </a:ext>
+            </a:extLst>
+          </p:cNvPr>
+          <p:cNvSpPr/>
+          <p:nvPr/>
+        </p:nvSpPr>
+        <p:spPr>
+          <a:xfrm>
+            <a:off x="8146563" y="2295341"/>
+            <a:ext cx="3688860" cy="3743509"/>
+          </a:xfrm>
+          <a:prstGeom prst="roundRect">
+            <a:avLst/>
+          </a:prstGeom>
+          <a:gradFill flip="none" rotWithShape="1">
+            <a:gsLst>
+              <a:gs pos="0">
+                <a:schemeClr val="accent1">
+                  <a:tint val="66000"/>
+                  <a:satMod val="160000"/>
+                </a:schemeClr>
+              </a:gs>
+              <a:gs pos="50000">
+                <a:schemeClr val="accent1">
+                  <a:tint val="44500"/>
+                  <a:satMod val="160000"/>
+                </a:schemeClr>
+              </a:gs>
+              <a:gs pos="100000">
+                <a:schemeClr val="accent1">
+                  <a:tint val="23500"/>
+                  <a:satMod val="160000"/>
+                </a:schemeClr>
+              </a:gs>
+            </a:gsLst>
+            <a:path path="circle">
+              <a:fillToRect l="50000" t="50000" r="50000" b="50000"/>
+            </a:path>
+            <a:tileRect/>
+          </a:gradFill>
+        </p:spPr>
+        <p:style>
+          <a:lnRef idx="2">
+            <a:schemeClr val="accent1">
+              <a:shade val="15000"/>
+            </a:schemeClr>
+          </a:lnRef>
+          <a:fillRef idx="1">
+            <a:schemeClr val="accent1"/>
+          </a:fillRef>
+          <a:effectRef idx="0">
+            <a:schemeClr val="accent1"/>
+          </a:effectRef>
+          <a:fontRef idx="minor">
+            <a:schemeClr val="lt1"/>
+          </a:fontRef>
+        </p:style>
+        <p:txBody>
+          <a:bodyPr rtlCol="0" anchor="ctr"/>
+          <a:lstStyle/>
+          <a:p>
+            <a:pPr algn="ctr"/>
+            <a:endParaRPr lang="en-GB"/>
+          </a:p>
+        </p:txBody>
+      </p:sp>
+      <p:sp>
+        <p:nvSpPr>
+          <p:cNvPr id="9" name="Rectangle: Rounded Corners 8">
+            <a:extLst>
+              <a:ext uri="{FF2B5EF4-FFF2-40B4-BE49-F238E27FC236}">
+                <a16:creationId xmlns:a16="http://schemas.microsoft.com/office/drawing/2014/main" id="{2D247620-FF83-F7B5-7A25-0698B30BDE17}"/>
+              </a:ext>
+            </a:extLst>
+          </p:cNvPr>
+          <p:cNvSpPr/>
+          <p:nvPr/>
+        </p:nvSpPr>
+        <p:spPr>
+          <a:xfrm>
+            <a:off x="4254500" y="2295341"/>
+            <a:ext cx="3786556" cy="3743509"/>
+          </a:xfrm>
+          <a:prstGeom prst="roundRect">
+            <a:avLst/>
+          </a:prstGeom>
+          <a:gradFill flip="none" rotWithShape="1">
+            <a:gsLst>
+              <a:gs pos="0">
+                <a:schemeClr val="accent1">
+                  <a:tint val="66000"/>
+                  <a:satMod val="160000"/>
+                </a:schemeClr>
+              </a:gs>
+              <a:gs pos="50000">
+                <a:schemeClr val="accent1">
+                  <a:tint val="44500"/>
+                  <a:satMod val="160000"/>
+                </a:schemeClr>
+              </a:gs>
+              <a:gs pos="100000">
+                <a:schemeClr val="accent1">
+                  <a:tint val="23500"/>
+                  <a:satMod val="160000"/>
+                </a:schemeClr>
+              </a:gs>
+            </a:gsLst>
+            <a:lin ang="0" scaled="1"/>
+            <a:tileRect/>
+          </a:gradFill>
+        </p:spPr>
+        <p:style>
+          <a:lnRef idx="2">
+            <a:schemeClr val="accent1">
+              <a:shade val="15000"/>
+            </a:schemeClr>
+          </a:lnRef>
+          <a:fillRef idx="1">
+            <a:schemeClr val="accent1"/>
+          </a:fillRef>
+          <a:effectRef idx="0">
+            <a:schemeClr val="accent1"/>
+          </a:effectRef>
+          <a:fontRef idx="minor">
+            <a:schemeClr val="lt1"/>
+          </a:fontRef>
+        </p:style>
+        <p:txBody>
+          <a:bodyPr rtlCol="0" anchor="ctr"/>
+          <a:lstStyle/>
+          <a:p>
+            <a:pPr algn="ctr"/>
+            <a:endParaRPr lang="en-GB"/>
+          </a:p>
+        </p:txBody>
+      </p:sp>
+      <p:sp>
+        <p:nvSpPr>
           <p:cNvPr id="2" name="Title 1">
             <a:extLst>
               <a:ext uri="{FF2B5EF4-FFF2-40B4-BE49-F238E27FC236}">
@@ -24683,9 +30925,16 @@
             <p:ph type="title"/>
           </p:nvPr>
         </p:nvSpPr>
-        <p:spPr/>
+        <p:spPr>
+          <a:xfrm>
+            <a:off x="581193" y="1225550"/>
+            <a:ext cx="2320757" cy="492440"/>
+          </a:xfrm>
+        </p:spPr>
         <p:txBody>
-          <a:bodyPr/>
+          <a:bodyPr>
+            <a:normAutofit fontScale="90000"/>
+          </a:bodyPr>
           <a:lstStyle/>
           <a:p>
             <a:r>
@@ -24713,8 +30962,8 @@
         </p:nvSpPr>
         <p:spPr>
           <a:xfrm>
-            <a:off x="581192" y="2250891"/>
-            <a:ext cx="3568776" cy="557784"/>
+            <a:off x="5558127" y="2301727"/>
+            <a:ext cx="1412708" cy="557784"/>
           </a:xfrm>
         </p:spPr>
         <p:txBody>
@@ -24747,7 +30996,7 @@
         </p:nvSpPr>
         <p:spPr>
           <a:xfrm>
-            <a:off x="581194" y="2926052"/>
+            <a:off x="4480094" y="2970502"/>
             <a:ext cx="3568775" cy="2934999"/>
           </a:xfrm>
         </p:spPr>
@@ -24800,8 +31049,8 @@
         </p:nvSpPr>
         <p:spPr>
           <a:xfrm>
-            <a:off x="4255478" y="2255302"/>
-            <a:ext cx="3786556" cy="553373"/>
+            <a:off x="9483482" y="2301727"/>
+            <a:ext cx="1015022" cy="553373"/>
           </a:xfrm>
         </p:spPr>
         <p:txBody>
@@ -24833,7 +31082,7 @@
         </p:nvSpPr>
         <p:spPr>
           <a:xfrm>
-            <a:off x="4255476" y="2930462"/>
+            <a:off x="8154376" y="2974912"/>
             <a:ext cx="3786557" cy="2934999"/>
           </a:xfrm>
         </p:spPr>
@@ -24896,8 +31145,8 @@
         </p:nvSpPr>
         <p:spPr>
           <a:xfrm>
-            <a:off x="8042033" y="2250891"/>
-            <a:ext cx="3786556" cy="553373"/>
+            <a:off x="1403629" y="2301727"/>
+            <a:ext cx="1705217" cy="553373"/>
           </a:xfrm>
           <a:prstGeom prst="rect">
             <a:avLst/>
@@ -25163,7 +31412,7 @@
         </p:nvSpPr>
         <p:spPr>
           <a:xfrm>
-            <a:off x="8042031" y="2926051"/>
+            <a:off x="351240" y="2972476"/>
             <a:ext cx="3786557" cy="2934999"/>
           </a:xfrm>
           <a:prstGeom prst="rect">
@@ -25493,18 +31742,18 @@
             <p:ph idx="1"/>
             <p:extLst>
               <p:ext uri="{D42A27DB-BD31-4B8C-83A1-F6EECF244321}">
-                <p14:modId xmlns:p14="http://schemas.microsoft.com/office/powerpoint/2010/main" val="2260283651"/>
+                <p14:modId xmlns:p14="http://schemas.microsoft.com/office/powerpoint/2010/main" val="3654745142"/>
               </p:ext>
             </p:extLst>
           </p:nvPr>
         </p:nvGraphicFramePr>
         <p:xfrm>
-          <a:off x="4900928" y="1179829"/>
-          <a:ext cx="6650991" cy="4658216"/>
+          <a:off x="4343400" y="615950"/>
+          <a:ext cx="7391400" cy="5797549"/>
         </p:xfrm>
         <a:graphic>
           <a:graphicData uri="http://schemas.openxmlformats.org/drawingml/2006/diagram">
-            <dgm:relIds xmlns:dgm="http://schemas.openxmlformats.org/drawingml/2006/diagram" xmlns:r="http://schemas.openxmlformats.org/officeDocument/2006/relationships" r:dm="rId2" r:lo="rId3" r:qs="rId4" r:cs="rId5"/>
+            <dgm:relIds xmlns:dgm="http://schemas.openxmlformats.org/drawingml/2006/diagram" xmlns:r="http://schemas.openxmlformats.org/officeDocument/2006/relationships" r:dm="rId3" r:lo="rId4" r:qs="rId5" r:cs="rId6"/>
           </a:graphicData>
         </a:graphic>
       </p:graphicFrame>
@@ -25550,8 +31799,8 @@
         </p:nvSpPr>
         <p:spPr>
           <a:xfrm>
-            <a:off x="8908365" y="1176492"/>
-            <a:ext cx="1321777" cy="923330"/>
+            <a:off x="8797565" y="614184"/>
+            <a:ext cx="1468922" cy="938719"/>
           </a:xfrm>
           <a:prstGeom prst="rect">
             <a:avLst/>
@@ -25572,7 +31821,7 @@
               <a:buChar char="•"/>
             </a:pPr>
             <a:r>
-              <a:rPr lang="en-US" sz="900"/>
+              <a:rPr lang="en-US" sz="1100" dirty="0"/>
               <a:t>Stock prices</a:t>
             </a:r>
           </a:p>
@@ -25585,7 +31834,7 @@
               <a:buChar char="•"/>
             </a:pPr>
             <a:r>
-              <a:rPr lang="en-US" sz="900"/>
+              <a:rPr lang="en-US" sz="1100" dirty="0"/>
               <a:t>Stock returns</a:t>
             </a:r>
           </a:p>
@@ -25598,7 +31847,7 @@
               <a:buChar char="•"/>
             </a:pPr>
             <a:r>
-              <a:rPr lang="en-US" sz="900"/>
+              <a:rPr lang="en-US" sz="1100" dirty="0"/>
               <a:t>Volatility</a:t>
             </a:r>
           </a:p>
@@ -25611,12 +31860,12 @@
               <a:buChar char="•"/>
             </a:pPr>
             <a:r>
-              <a:rPr lang="en-US" sz="900"/>
+              <a:rPr lang="en-US" sz="1100" dirty="0"/>
               <a:t>Trading volumes</a:t>
             </a:r>
           </a:p>
           <a:p>
-            <a:endParaRPr lang="en-GB" dirty="0"/>
+            <a:endParaRPr lang="en-GB" sz="1100" dirty="0"/>
           </a:p>
         </p:txBody>
       </p:sp>
@@ -25634,8 +31883,8 @@
         </p:nvSpPr>
         <p:spPr>
           <a:xfrm>
-            <a:off x="10230142" y="1176492"/>
-            <a:ext cx="1321777" cy="507831"/>
+            <a:off x="10126935" y="614184"/>
+            <a:ext cx="1468922" cy="600164"/>
           </a:xfrm>
           <a:prstGeom prst="rect">
             <a:avLst/>
@@ -25653,7 +31902,7 @@
               <a:buChar char="•"/>
             </a:pPr>
             <a:r>
-              <a:rPr lang="en-GB" sz="900"/>
+              <a:rPr lang="en-GB" sz="1100" dirty="0"/>
               <a:t>Interest rates</a:t>
             </a:r>
           </a:p>
@@ -25663,7 +31912,7 @@
               <a:buChar char="•"/>
             </a:pPr>
             <a:r>
-              <a:rPr lang="en-GB" sz="900"/>
+              <a:rPr lang="en-GB" sz="1100" dirty="0"/>
               <a:t>Exchange rates</a:t>
             </a:r>
           </a:p>
@@ -25673,10 +31922,9 @@
               <a:buChar char="•"/>
             </a:pPr>
             <a:r>
-              <a:rPr lang="en-GB" sz="900"/>
+              <a:rPr lang="en-GB" sz="1100" dirty="0"/>
               <a:t>Commodity prices</a:t>
             </a:r>
-            <a:endParaRPr lang="en-GB" sz="900" dirty="0"/>
           </a:p>
         </p:txBody>
       </p:sp>
@@ -25694,8 +31942,8 @@
         </p:nvSpPr>
         <p:spPr>
           <a:xfrm>
-            <a:off x="8908365" y="1979760"/>
-            <a:ext cx="1321777" cy="507831"/>
+            <a:off x="8812688" y="1626866"/>
+            <a:ext cx="1468922" cy="600164"/>
           </a:xfrm>
           <a:prstGeom prst="rect">
             <a:avLst/>
@@ -25716,7 +31964,7 @@
               <a:buChar char="•"/>
             </a:pPr>
             <a:r>
-              <a:rPr lang="en-US" sz="900"/>
+              <a:rPr lang="en-US" sz="1100" dirty="0"/>
               <a:t>Minutely</a:t>
             </a:r>
           </a:p>
@@ -25729,7 +31977,7 @@
               <a:buChar char="•"/>
             </a:pPr>
             <a:r>
-              <a:rPr lang="en-US" sz="900"/>
+              <a:rPr lang="en-US" sz="1100" dirty="0"/>
               <a:t>Hourly</a:t>
             </a:r>
           </a:p>
@@ -25742,10 +31990,9 @@
               <a:buChar char="•"/>
             </a:pPr>
             <a:r>
-              <a:rPr lang="en-US" sz="900"/>
+              <a:rPr lang="en-US" sz="1100" dirty="0"/>
               <a:t>Daily</a:t>
             </a:r>
-            <a:endParaRPr lang="en-US" sz="900" dirty="0"/>
           </a:p>
         </p:txBody>
       </p:sp>
@@ -25763,8 +32010,8 @@
         </p:nvSpPr>
         <p:spPr>
           <a:xfrm>
-            <a:off x="10230142" y="1955677"/>
-            <a:ext cx="870712" cy="369332"/>
+            <a:off x="10138491" y="1628132"/>
+            <a:ext cx="967643" cy="430887"/>
           </a:xfrm>
           <a:prstGeom prst="rect">
             <a:avLst/>
@@ -25782,7 +32029,7 @@
               <a:buChar char="•"/>
             </a:pPr>
             <a:r>
-              <a:rPr lang="en-GB" sz="900"/>
+              <a:rPr lang="en-GB" sz="1100" dirty="0"/>
               <a:t>Monthly</a:t>
             </a:r>
           </a:p>
@@ -25792,10 +32039,9 @@
               <a:buChar char="•"/>
             </a:pPr>
             <a:r>
-              <a:rPr lang="en-GB" sz="900"/>
+              <a:rPr lang="en-GB" sz="1100" dirty="0"/>
               <a:t>Quarterly</a:t>
             </a:r>
-            <a:endParaRPr lang="en-GB" sz="900" dirty="0"/>
           </a:p>
         </p:txBody>
       </p:sp>
@@ -25813,8 +32059,8 @@
         </p:nvSpPr>
         <p:spPr>
           <a:xfrm>
-            <a:off x="10230142" y="3590383"/>
-            <a:ext cx="1093332" cy="369332"/>
+            <a:off x="10138491" y="3629424"/>
+            <a:ext cx="1215045" cy="430887"/>
           </a:xfrm>
           <a:prstGeom prst="rect">
             <a:avLst/>
@@ -25832,7 +32078,7 @@
               <a:buChar char="•"/>
             </a:pPr>
             <a:r>
-              <a:rPr lang="en-GB" sz="900"/>
+              <a:rPr lang="en-GB" sz="1100" dirty="0"/>
               <a:t>No</a:t>
             </a:r>
           </a:p>
@@ -25842,10 +32088,9 @@
               <a:buChar char="•"/>
             </a:pPr>
             <a:r>
-              <a:rPr lang="en-GB" sz="900"/>
+              <a:rPr lang="en-GB" sz="1100" dirty="0"/>
               <a:t>Yes (Which?)</a:t>
             </a:r>
-            <a:endParaRPr lang="en-GB" sz="900" dirty="0"/>
           </a:p>
         </p:txBody>
       </p:sp>
@@ -25863,8 +32108,8 @@
         </p:nvSpPr>
         <p:spPr>
           <a:xfrm>
-            <a:off x="10230142" y="4413694"/>
-            <a:ext cx="1181986" cy="369332"/>
+            <a:off x="10126935" y="4631560"/>
+            <a:ext cx="1313569" cy="430887"/>
           </a:xfrm>
           <a:prstGeom prst="rect">
             <a:avLst/>
@@ -25882,7 +32127,7 @@
               <a:buChar char="•"/>
             </a:pPr>
             <a:r>
-              <a:rPr lang="en-GB" sz="900"/>
+              <a:rPr lang="en-GB" sz="1100" dirty="0"/>
               <a:t>Stable</a:t>
             </a:r>
           </a:p>
@@ -25892,10 +32137,9 @@
               <a:buChar char="•"/>
             </a:pPr>
             <a:r>
-              <a:rPr lang="en-GB" sz="900"/>
+              <a:rPr lang="en-GB" sz="1100" dirty="0"/>
               <a:t>Inflation</a:t>
             </a:r>
-            <a:endParaRPr lang="en-GB" sz="900" dirty="0"/>
           </a:p>
         </p:txBody>
       </p:sp>
@@ -25913,8 +32157,8 @@
         </p:nvSpPr>
         <p:spPr>
           <a:xfrm>
-            <a:off x="10242157" y="2832603"/>
-            <a:ext cx="1181986" cy="369332"/>
+            <a:off x="10138491" y="2630242"/>
+            <a:ext cx="1527552" cy="430887"/>
           </a:xfrm>
           <a:prstGeom prst="rect">
             <a:avLst/>
@@ -25932,10 +32176,9 @@
               <a:buChar char="•"/>
             </a:pPr>
             <a:r>
-              <a:rPr lang="en-GB" sz="900"/>
+              <a:rPr lang="en-GB" sz="1100" dirty="0"/>
               <a:t>L = 32, 64, 128, …, 1024</a:t>
             </a:r>
-            <a:endParaRPr lang="en-GB" sz="900" dirty="0"/>
           </a:p>
         </p:txBody>
       </p:sp>
@@ -25953,8 +32196,8 @@
         </p:nvSpPr>
         <p:spPr>
           <a:xfrm>
-            <a:off x="10242157" y="5177917"/>
-            <a:ext cx="1374535" cy="369332"/>
+            <a:off x="10126935" y="5630742"/>
+            <a:ext cx="1527552" cy="430887"/>
           </a:xfrm>
           <a:prstGeom prst="rect">
             <a:avLst/>
@@ -25972,7 +32215,7 @@
               <a:buChar char="•"/>
             </a:pPr>
             <a:r>
-              <a:rPr lang="en-GB" sz="900"/>
+              <a:rPr lang="en-GB" sz="1100" dirty="0"/>
               <a:t>One</a:t>
             </a:r>
           </a:p>
@@ -25982,10 +32225,9 @@
               <a:buChar char="•"/>
             </a:pPr>
             <a:r>
-              <a:rPr lang="en-GB" sz="900"/>
+              <a:rPr lang="en-GB" sz="1100" dirty="0"/>
               <a:t>More than one</a:t>
             </a:r>
-            <a:endParaRPr lang="en-GB" sz="900" dirty="0"/>
           </a:p>
         </p:txBody>
       </p:sp>
@@ -26224,38 +32466,6 @@
       </p:sp>
       <p:sp>
         <p:nvSpPr>
-          <p:cNvPr id="3" name="Subtitle 2">
-            <a:extLst>
-              <a:ext uri="{FF2B5EF4-FFF2-40B4-BE49-F238E27FC236}">
-                <a16:creationId xmlns:a16="http://schemas.microsoft.com/office/drawing/2014/main" id="{9B83EFDE-B646-4587-5761-88BC629AF760}"/>
-              </a:ext>
-            </a:extLst>
-          </p:cNvPr>
-          <p:cNvSpPr>
-            <a:spLocks noGrp="1"/>
-          </p:cNvSpPr>
-          <p:nvPr>
-            <p:ph type="subTitle" idx="1"/>
-          </p:nvPr>
-        </p:nvSpPr>
-        <p:spPr>
-          <a:xfrm>
-            <a:off x="638621" y="4739780"/>
-            <a:ext cx="3511233" cy="1147054"/>
-          </a:xfrm>
-        </p:spPr>
-        <p:txBody>
-          <a:bodyPr anchor="t">
-            <a:normAutofit/>
-          </a:bodyPr>
-          <a:lstStyle/>
-          <a:p>
-            <a:endParaRPr lang="en-GB" sz="2200"/>
-          </a:p>
-        </p:txBody>
-      </p:sp>
-      <p:sp>
-        <p:nvSpPr>
           <p:cNvPr id="13" name="Rectangle 12">
             <a:extLst>
               <a:ext uri="{FF2B5EF4-FFF2-40B4-BE49-F238E27FC236}">
@@ -26330,7 +32540,7 @@
           <p:nvPr/>
         </p:nvPicPr>
         <p:blipFill rotWithShape="1">
-          <a:blip r:embed="rId2"/>
+          <a:blip r:embed="rId3"/>
           <a:srcRect l="20178" r="6455" b="-1"/>
           <a:stretch/>
         </p:blipFill>
@@ -26451,6 +32661,64 @@
 
 <file path=ppt/slides/slide14.xml><?xml version="1.0" encoding="utf-8"?>
 <p:sld xmlns:a="http://schemas.openxmlformats.org/drawingml/2006/main" xmlns:r="http://schemas.openxmlformats.org/officeDocument/2006/relationships" xmlns:p="http://schemas.openxmlformats.org/presentationml/2006/main">
+  <p:cSld>
+    <p:spTree>
+      <p:nvGrpSpPr>
+        <p:cNvPr id="1" name=""/>
+        <p:cNvGrpSpPr/>
+        <p:nvPr/>
+      </p:nvGrpSpPr>
+      <p:grpSpPr>
+        <a:xfrm>
+          <a:off x="0" y="0"/>
+          <a:ext cx="0" cy="0"/>
+          <a:chOff x="0" y="0"/>
+          <a:chExt cx="0" cy="0"/>
+        </a:xfrm>
+      </p:grpSpPr>
+      <p:graphicFrame>
+        <p:nvGraphicFramePr>
+          <p:cNvPr id="5" name="TextBox 2">
+            <a:extLst>
+              <a:ext uri="{FF2B5EF4-FFF2-40B4-BE49-F238E27FC236}">
+                <a16:creationId xmlns:a16="http://schemas.microsoft.com/office/drawing/2014/main" id="{19F31ACD-A79D-B50C-AC88-F2029A55D3B4}"/>
+              </a:ext>
+            </a:extLst>
+          </p:cNvPr>
+          <p:cNvGraphicFramePr/>
+          <p:nvPr>
+            <p:extLst>
+              <p:ext uri="{D42A27DB-BD31-4B8C-83A1-F6EECF244321}">
+                <p14:modId xmlns:p14="http://schemas.microsoft.com/office/powerpoint/2010/main" val="4171593992"/>
+              </p:ext>
+            </p:extLst>
+          </p:nvPr>
+        </p:nvGraphicFramePr>
+        <p:xfrm>
+          <a:off x="650875" y="1016000"/>
+          <a:ext cx="10890250" cy="5105400"/>
+        </p:xfrm>
+        <a:graphic>
+          <a:graphicData uri="http://schemas.openxmlformats.org/drawingml/2006/diagram">
+            <dgm:relIds xmlns:dgm="http://schemas.openxmlformats.org/drawingml/2006/diagram" xmlns:r="http://schemas.openxmlformats.org/officeDocument/2006/relationships" r:dm="rId2" r:lo="rId3" r:qs="rId4" r:cs="rId5"/>
+          </a:graphicData>
+        </a:graphic>
+      </p:graphicFrame>
+    </p:spTree>
+    <p:extLst>
+      <p:ext uri="{BB962C8B-B14F-4D97-AF65-F5344CB8AC3E}">
+        <p14:creationId xmlns:p14="http://schemas.microsoft.com/office/powerpoint/2010/main" val="4132005993"/>
+      </p:ext>
+    </p:extLst>
+  </p:cSld>
+  <p:clrMapOvr>
+    <a:masterClrMapping/>
+  </p:clrMapOvr>
+</p:sld>
+</file>
+
+<file path=ppt/slides/slide15.xml><?xml version="1.0" encoding="utf-8"?>
+<p:sld xmlns:a="http://schemas.openxmlformats.org/drawingml/2006/main" xmlns:r="http://schemas.openxmlformats.org/officeDocument/2006/relationships" xmlns:p="http://schemas.openxmlformats.org/presentationml/2006/main" show="0">
   <p:cSld>
     <p:bg>
       <p:bgPr>
@@ -26960,7 +33228,7 @@
           <p:nvPr/>
         </p:nvPicPr>
         <p:blipFill rotWithShape="1">
-          <a:blip r:embed="rId2"/>
+          <a:blip r:embed="rId3"/>
           <a:srcRect l="23170" r="21665" b="2"/>
           <a:stretch/>
         </p:blipFill>
@@ -26987,8 +33255,8 @@
 </p:sld>
 </file>
 
-<file path=ppt/slides/slide15.xml><?xml version="1.0" encoding="utf-8"?>
-<p:sld xmlns:a="http://schemas.openxmlformats.org/drawingml/2006/main" xmlns:r="http://schemas.openxmlformats.org/officeDocument/2006/relationships" xmlns:p="http://schemas.openxmlformats.org/presentationml/2006/main">
+<file path=ppt/slides/slide16.xml><?xml version="1.0" encoding="utf-8"?>
+<p:sld xmlns:a="http://schemas.openxmlformats.org/drawingml/2006/main" xmlns:r="http://schemas.openxmlformats.org/officeDocument/2006/relationships" xmlns:p="http://schemas.openxmlformats.org/presentationml/2006/main" show="0">
   <p:cSld>
     <p:bg>
       <p:bgPr>
@@ -27495,8 +33763,8 @@
 </p:sld>
 </file>
 
-<file path=ppt/slides/slide16.xml><?xml version="1.0" encoding="utf-8"?>
-<p:sld xmlns:a="http://schemas.openxmlformats.org/drawingml/2006/main" xmlns:r="http://schemas.openxmlformats.org/officeDocument/2006/relationships" xmlns:p="http://schemas.openxmlformats.org/presentationml/2006/main">
+<file path=ppt/slides/slide17.xml><?xml version="1.0" encoding="utf-8"?>
+<p:sld xmlns:a="http://schemas.openxmlformats.org/drawingml/2006/main" xmlns:r="http://schemas.openxmlformats.org/officeDocument/2006/relationships" xmlns:p="http://schemas.openxmlformats.org/presentationml/2006/main" show="0">
   <p:cSld>
     <p:bg>
       <p:bgPr>
@@ -28012,8 +34280,8 @@
 </p:sld>
 </file>
 
-<file path=ppt/slides/slide17.xml><?xml version="1.0" encoding="utf-8"?>
-<p:sld xmlns:a="http://schemas.openxmlformats.org/drawingml/2006/main" xmlns:r="http://schemas.openxmlformats.org/officeDocument/2006/relationships" xmlns:p="http://schemas.openxmlformats.org/presentationml/2006/main">
+<file path=ppt/slides/slide18.xml><?xml version="1.0" encoding="utf-8"?>
+<p:sld xmlns:a="http://schemas.openxmlformats.org/drawingml/2006/main" xmlns:r="http://schemas.openxmlformats.org/officeDocument/2006/relationships" xmlns:p="http://schemas.openxmlformats.org/presentationml/2006/main" show="0">
   <p:cSld>
     <p:bg>
       <p:bgPr>
@@ -28386,8 +34654,6 @@
                 <a:schemeClr val="accent1"/>
               </a:buClr>
               <a:buSzPct val="92000"/>
-              <a:buFont typeface="Wingdings 2" panose="05020102010507070707" pitchFamily="18" charset="2"/>
-              <a:buChar char=""/>
             </a:pPr>
             <a:r>
               <a:rPr lang="en-US" sz="1500" dirty="0">
@@ -28562,7 +34828,7 @@
 </p:sld>
 </file>
 
-<file path=ppt/slides/slide18.xml><?xml version="1.0" encoding="utf-8"?>
+<file path=ppt/slides/slide19.xml><?xml version="1.0" encoding="utf-8"?>
 <p:sld xmlns:a="http://schemas.openxmlformats.org/drawingml/2006/main" xmlns:r="http://schemas.openxmlformats.org/officeDocument/2006/relationships" xmlns:p="http://schemas.openxmlformats.org/presentationml/2006/main">
   <p:cSld>
     <p:bg>
@@ -28602,7 +34868,7 @@
           <p:nvPr/>
         </p:nvPicPr>
         <p:blipFill rotWithShape="1">
-          <a:blip r:embed="rId2"/>
+          <a:blip r:embed="rId3"/>
           <a:srcRect t="3608" b="12122"/>
           <a:stretch/>
         </p:blipFill>
@@ -28952,257 +35218,6 @@
 </p:sld>
 </file>
 
-<file path=ppt/slides/slide19.xml><?xml version="1.0" encoding="utf-8"?>
-<p:sld xmlns:a="http://schemas.openxmlformats.org/drawingml/2006/main" xmlns:r="http://schemas.openxmlformats.org/officeDocument/2006/relationships" xmlns:p="http://schemas.openxmlformats.org/presentationml/2006/main">
-  <p:cSld>
-    <p:bg>
-      <p:bgPr>
-        <a:solidFill>
-          <a:schemeClr val="bg1">
-            <a:tint val="95000"/>
-            <a:satMod val="170000"/>
-          </a:schemeClr>
-        </a:solidFill>
-        <a:effectLst/>
-      </p:bgPr>
-    </p:bg>
-    <p:spTree>
-      <p:nvGrpSpPr>
-        <p:cNvPr id="1" name=""/>
-        <p:cNvGrpSpPr/>
-        <p:nvPr/>
-      </p:nvGrpSpPr>
-      <p:grpSpPr>
-        <a:xfrm>
-          <a:off x="0" y="0"/>
-          <a:ext cx="0" cy="0"/>
-          <a:chOff x="0" y="0"/>
-          <a:chExt cx="0" cy="0"/>
-        </a:xfrm>
-      </p:grpSpPr>
-      <p:sp useBgFill="1">
-        <p:nvSpPr>
-          <p:cNvPr id="17" name="Rectangle 16">
-            <a:extLst>
-              <a:ext uri="{FF2B5EF4-FFF2-40B4-BE49-F238E27FC236}">
-                <a16:creationId xmlns:a16="http://schemas.microsoft.com/office/drawing/2014/main" id="{19E301E5-1206-47D0-9CDF-72583D739089}"/>
-              </a:ext>
-              <a:ext uri="{C183D7F6-B498-43B3-948B-1728B52AA6E4}">
-                <adec:decorative xmlns:adec="http://schemas.microsoft.com/office/drawing/2017/decorative" val="1"/>
-              </a:ext>
-            </a:extLst>
-          </p:cNvPr>
-          <p:cNvSpPr>
-            <a:spLocks noGrp="1" noRot="1" noChangeAspect="1" noMove="1" noResize="1" noEditPoints="1" noAdjustHandles="1" noChangeArrowheads="1" noChangeShapeType="1" noTextEdit="1"/>
-          </p:cNvSpPr>
-          <p:nvPr>
-            <p:extLst>
-              <p:ext uri="{386F3935-93C4-4BCD-93E2-E3B085C9AB24}">
-                <p16:designElem xmlns:p16="http://schemas.microsoft.com/office/powerpoint/2015/main" val="1"/>
-              </p:ext>
-            </p:extLst>
-          </p:nvPr>
-        </p:nvSpPr>
-        <p:spPr>
-          <a:xfrm>
-            <a:off x="0" y="0"/>
-            <a:ext cx="12192000" cy="6858000"/>
-          </a:xfrm>
-          <a:prstGeom prst="rect">
-            <a:avLst/>
-          </a:prstGeom>
-          <a:ln>
-            <a:noFill/>
-          </a:ln>
-        </p:spPr>
-        <p:style>
-          <a:lnRef idx="2">
-            <a:schemeClr val="accent1">
-              <a:shade val="50000"/>
-            </a:schemeClr>
-          </a:lnRef>
-          <a:fillRef idx="1">
-            <a:schemeClr val="accent1"/>
-          </a:fillRef>
-          <a:effectRef idx="0">
-            <a:schemeClr val="accent1"/>
-          </a:effectRef>
-          <a:fontRef idx="minor">
-            <a:schemeClr val="lt1"/>
-          </a:fontRef>
-        </p:style>
-        <p:txBody>
-          <a:bodyPr rtlCol="0" anchor="ctr"/>
-          <a:lstStyle/>
-          <a:p>
-            <a:pPr algn="ctr"/>
-            <a:endParaRPr lang="en-US"/>
-          </a:p>
-        </p:txBody>
-      </p:sp>
-      <p:sp>
-        <p:nvSpPr>
-          <p:cNvPr id="19" name="Rectangle 18">
-            <a:extLst>
-              <a:ext uri="{FF2B5EF4-FFF2-40B4-BE49-F238E27FC236}">
-                <a16:creationId xmlns:a16="http://schemas.microsoft.com/office/drawing/2014/main" id="{AFA31FBE-7948-4384-B68A-75DEFDC4955A}"/>
-              </a:ext>
-              <a:ext uri="{C183D7F6-B498-43B3-948B-1728B52AA6E4}">
-                <adec:decorative xmlns:adec="http://schemas.microsoft.com/office/drawing/2017/decorative" val="1"/>
-              </a:ext>
-            </a:extLst>
-          </p:cNvPr>
-          <p:cNvSpPr>
-            <a:spLocks noGrp="1" noRot="1" noChangeAspect="1" noMove="1" noResize="1" noEditPoints="1" noAdjustHandles="1" noChangeArrowheads="1" noChangeShapeType="1" noTextEdit="1"/>
-          </p:cNvSpPr>
-          <p:nvPr>
-            <p:extLst>
-              <p:ext uri="{386F3935-93C4-4BCD-93E2-E3B085C9AB24}">
-                <p16:designElem xmlns:p16="http://schemas.microsoft.com/office/powerpoint/2015/main" val="1"/>
-              </p:ext>
-            </p:extLst>
-          </p:nvPr>
-        </p:nvSpPr>
-        <p:spPr>
-          <a:xfrm>
-            <a:off x="477012" y="480060"/>
-            <a:ext cx="11237976" cy="5897880"/>
-          </a:xfrm>
-          <a:prstGeom prst="rect">
-            <a:avLst/>
-          </a:prstGeom>
-          <a:noFill/>
-          <a:ln>
-            <a:solidFill>
-              <a:schemeClr val="tx1"/>
-            </a:solidFill>
-          </a:ln>
-        </p:spPr>
-        <p:style>
-          <a:lnRef idx="2">
-            <a:schemeClr val="accent1">
-              <a:shade val="50000"/>
-            </a:schemeClr>
-          </a:lnRef>
-          <a:fillRef idx="1">
-            <a:schemeClr val="accent1"/>
-          </a:fillRef>
-          <a:effectRef idx="0">
-            <a:schemeClr val="accent1"/>
-          </a:effectRef>
-          <a:fontRef idx="minor">
-            <a:schemeClr val="lt1"/>
-          </a:fontRef>
-        </p:style>
-        <p:txBody>
-          <a:bodyPr rtlCol="0" anchor="ctr"/>
-          <a:lstStyle/>
-          <a:p>
-            <a:pPr algn="ctr"/>
-            <a:endParaRPr lang="en-US"/>
-          </a:p>
-        </p:txBody>
-      </p:sp>
-      <p:pic>
-        <p:nvPicPr>
-          <p:cNvPr id="5" name="Picture 4">
-            <a:extLst>
-              <a:ext uri="{FF2B5EF4-FFF2-40B4-BE49-F238E27FC236}">
-                <a16:creationId xmlns:a16="http://schemas.microsoft.com/office/drawing/2014/main" id="{3A153F54-41C4-46E0-7FB2-B4A9873311B2}"/>
-              </a:ext>
-            </a:extLst>
-          </p:cNvPr>
-          <p:cNvPicPr>
-            <a:picLocks noChangeAspect="1"/>
-          </p:cNvPicPr>
-          <p:nvPr/>
-        </p:nvPicPr>
-        <p:blipFill rotWithShape="1">
-          <a:blip r:embed="rId2"/>
-          <a:srcRect r="4" b="6144"/>
-          <a:stretch/>
-        </p:blipFill>
-        <p:spPr>
-          <a:xfrm>
-            <a:off x="641276" y="643467"/>
-            <a:ext cx="4013020" cy="2702558"/>
-          </a:xfrm>
-          <a:prstGeom prst="rect">
-            <a:avLst/>
-          </a:prstGeom>
-        </p:spPr>
-      </p:pic>
-      <p:pic>
-        <p:nvPicPr>
-          <p:cNvPr id="3" name="Picture 2">
-            <a:extLst>
-              <a:ext uri="{FF2B5EF4-FFF2-40B4-BE49-F238E27FC236}">
-                <a16:creationId xmlns:a16="http://schemas.microsoft.com/office/drawing/2014/main" id="{78B3A1E8-D07E-23A2-5BC2-36FD90A4AF9B}"/>
-              </a:ext>
-            </a:extLst>
-          </p:cNvPr>
-          <p:cNvPicPr>
-            <a:picLocks noChangeAspect="1"/>
-          </p:cNvPicPr>
-          <p:nvPr/>
-        </p:nvPicPr>
-        <p:blipFill rotWithShape="1">
-          <a:blip r:embed="rId3"/>
-          <a:srcRect t="2254" r="-1" b="-1"/>
-          <a:stretch/>
-        </p:blipFill>
-        <p:spPr>
-          <a:xfrm>
-            <a:off x="643467" y="3509433"/>
-            <a:ext cx="4010830" cy="2705099"/>
-          </a:xfrm>
-          <a:prstGeom prst="rect">
-            <a:avLst/>
-          </a:prstGeom>
-        </p:spPr>
-      </p:pic>
-      <p:pic>
-        <p:nvPicPr>
-          <p:cNvPr id="7" name="Picture 6">
-            <a:extLst>
-              <a:ext uri="{FF2B5EF4-FFF2-40B4-BE49-F238E27FC236}">
-                <a16:creationId xmlns:a16="http://schemas.microsoft.com/office/drawing/2014/main" id="{CCD5007E-8008-DB8C-9B0C-088ED69CD8CB}"/>
-              </a:ext>
-            </a:extLst>
-          </p:cNvPr>
-          <p:cNvPicPr>
-            <a:picLocks noChangeAspect="1"/>
-          </p:cNvPicPr>
-          <p:nvPr/>
-        </p:nvPicPr>
-        <p:blipFill rotWithShape="1">
-          <a:blip r:embed="rId4"/>
-          <a:srcRect r="15062" b="1"/>
-          <a:stretch/>
-        </p:blipFill>
-        <p:spPr>
-          <a:xfrm>
-            <a:off x="4812633" y="643467"/>
-            <a:ext cx="6735900" cy="5571066"/>
-          </a:xfrm>
-          <a:prstGeom prst="rect">
-            <a:avLst/>
-          </a:prstGeom>
-        </p:spPr>
-      </p:pic>
-    </p:spTree>
-    <p:extLst>
-      <p:ext uri="{BB962C8B-B14F-4D97-AF65-F5344CB8AC3E}">
-        <p14:creationId xmlns:p14="http://schemas.microsoft.com/office/powerpoint/2010/main" val="1528911241"/>
-      </p:ext>
-    </p:extLst>
-  </p:cSld>
-  <p:clrMapOvr>
-    <a:overrideClrMapping bg1="dk1" tx1="lt1" bg2="dk2" tx2="lt2" accent1="accent1" accent2="accent2" accent3="accent3" accent4="accent4" accent5="accent5" accent6="accent6" hlink="hlink" folHlink="folHlink"/>
-  </p:clrMapOvr>
-</p:sld>
-</file>
-
 <file path=ppt/slides/slide2.xml><?xml version="1.0" encoding="utf-8"?>
 <p:sld xmlns:a="http://schemas.openxmlformats.org/drawingml/2006/main" xmlns:r="http://schemas.openxmlformats.org/officeDocument/2006/relationships" xmlns:p="http://schemas.openxmlformats.org/presentationml/2006/main">
   <p:cSld>
@@ -29374,6 +35389,431 @@
 </file>
 
 <file path=ppt/slides/slide20.xml><?xml version="1.0" encoding="utf-8"?>
+<p:sld xmlns:a="http://schemas.openxmlformats.org/drawingml/2006/main" xmlns:r="http://schemas.openxmlformats.org/officeDocument/2006/relationships" xmlns:p="http://schemas.openxmlformats.org/presentationml/2006/main">
+  <p:cSld>
+    <p:bg>
+      <p:bgPr>
+        <a:solidFill>
+          <a:schemeClr val="bg1"/>
+        </a:solidFill>
+        <a:effectLst/>
+      </p:bgPr>
+    </p:bg>
+    <p:spTree>
+      <p:nvGrpSpPr>
+        <p:cNvPr id="1" name=""/>
+        <p:cNvGrpSpPr/>
+        <p:nvPr/>
+      </p:nvGrpSpPr>
+      <p:grpSpPr>
+        <a:xfrm>
+          <a:off x="0" y="0"/>
+          <a:ext cx="0" cy="0"/>
+          <a:chOff x="0" y="0"/>
+          <a:chExt cx="0" cy="0"/>
+        </a:xfrm>
+      </p:grpSpPr>
+      <p:sp useBgFill="1">
+        <p:nvSpPr>
+          <p:cNvPr id="39" name="Rectangle 38">
+            <a:extLst>
+              <a:ext uri="{FF2B5EF4-FFF2-40B4-BE49-F238E27FC236}">
+                <a16:creationId xmlns:a16="http://schemas.microsoft.com/office/drawing/2014/main" id="{B8A8737F-8ADA-46A0-949E-74C59E8E2CF9}"/>
+              </a:ext>
+              <a:ext uri="{C183D7F6-B498-43B3-948B-1728B52AA6E4}">
+                <adec:decorative xmlns:adec="http://schemas.microsoft.com/office/drawing/2017/decorative" val="1"/>
+              </a:ext>
+            </a:extLst>
+          </p:cNvPr>
+          <p:cNvSpPr>
+            <a:spLocks noGrp="1" noRot="1" noChangeAspect="1" noMove="1" noResize="1" noEditPoints="1" noAdjustHandles="1" noChangeArrowheads="1" noChangeShapeType="1" noTextEdit="1"/>
+          </p:cNvSpPr>
+          <p:nvPr>
+            <p:extLst>
+              <p:ext uri="{386F3935-93C4-4BCD-93E2-E3B085C9AB24}">
+                <p16:designElem xmlns:p16="http://schemas.microsoft.com/office/powerpoint/2015/main" val="1"/>
+              </p:ext>
+            </p:extLst>
+          </p:nvPr>
+        </p:nvSpPr>
+        <p:spPr>
+          <a:xfrm>
+            <a:off x="0" y="0"/>
+            <a:ext cx="12192000" cy="6858000"/>
+          </a:xfrm>
+          <a:prstGeom prst="rect">
+            <a:avLst/>
+          </a:prstGeom>
+          <a:ln>
+            <a:noFill/>
+          </a:ln>
+        </p:spPr>
+        <p:style>
+          <a:lnRef idx="2">
+            <a:schemeClr val="accent1">
+              <a:shade val="50000"/>
+            </a:schemeClr>
+          </a:lnRef>
+          <a:fillRef idx="1">
+            <a:schemeClr val="accent1"/>
+          </a:fillRef>
+          <a:effectRef idx="0">
+            <a:schemeClr val="accent1"/>
+          </a:effectRef>
+          <a:fontRef idx="minor">
+            <a:schemeClr val="lt1"/>
+          </a:fontRef>
+        </p:style>
+        <p:txBody>
+          <a:bodyPr rtlCol="0" anchor="ctr"/>
+          <a:lstStyle/>
+          <a:p>
+            <a:pPr algn="ctr"/>
+            <a:endParaRPr lang="en-US"/>
+          </a:p>
+        </p:txBody>
+      </p:sp>
+      <p:sp>
+        <p:nvSpPr>
+          <p:cNvPr id="41" name="Rectangle 40">
+            <a:extLst>
+              <a:ext uri="{FF2B5EF4-FFF2-40B4-BE49-F238E27FC236}">
+                <a16:creationId xmlns:a16="http://schemas.microsoft.com/office/drawing/2014/main" id="{02149568-AD40-4185-9583-472DC9B5DA4E}"/>
+              </a:ext>
+              <a:ext uri="{C183D7F6-B498-43B3-948B-1728B52AA6E4}">
+                <adec:decorative xmlns:adec="http://schemas.microsoft.com/office/drawing/2017/decorative" val="1"/>
+              </a:ext>
+            </a:extLst>
+          </p:cNvPr>
+          <p:cNvSpPr>
+            <a:spLocks noGrp="1" noRot="1" noChangeAspect="1" noMove="1" noResize="1" noEditPoints="1" noAdjustHandles="1" noChangeArrowheads="1" noChangeShapeType="1" noTextEdit="1"/>
+          </p:cNvSpPr>
+          <p:nvPr>
+            <p:extLst>
+              <p:ext uri="{386F3935-93C4-4BCD-93E2-E3B085C9AB24}">
+                <p16:designElem xmlns:p16="http://schemas.microsoft.com/office/powerpoint/2015/main" val="1"/>
+              </p:ext>
+            </p:extLst>
+          </p:nvPr>
+        </p:nvSpPr>
+        <p:spPr>
+          <a:xfrm>
+            <a:off x="477012" y="480060"/>
+            <a:ext cx="5538554" cy="5897880"/>
+          </a:xfrm>
+          <a:prstGeom prst="rect">
+            <a:avLst/>
+          </a:prstGeom>
+          <a:solidFill>
+            <a:srgbClr val="FFFFFF"/>
+          </a:solidFill>
+          <a:ln w="22225">
+            <a:solidFill>
+              <a:schemeClr val="tx1">
+                <a:lumMod val="50000"/>
+                <a:lumOff val="50000"/>
+              </a:schemeClr>
+            </a:solidFill>
+          </a:ln>
+        </p:spPr>
+        <p:style>
+          <a:lnRef idx="2">
+            <a:schemeClr val="accent1">
+              <a:shade val="50000"/>
+            </a:schemeClr>
+          </a:lnRef>
+          <a:fillRef idx="1">
+            <a:schemeClr val="accent1"/>
+          </a:fillRef>
+          <a:effectRef idx="0">
+            <a:schemeClr val="accent1"/>
+          </a:effectRef>
+          <a:fontRef idx="minor">
+            <a:schemeClr val="lt1"/>
+          </a:fontRef>
+        </p:style>
+        <p:txBody>
+          <a:bodyPr rtlCol="0" anchor="ctr"/>
+          <a:lstStyle/>
+          <a:p>
+            <a:pPr algn="ctr"/>
+            <a:endParaRPr lang="en-US"/>
+          </a:p>
+        </p:txBody>
+      </p:sp>
+      <p:pic>
+        <p:nvPicPr>
+          <p:cNvPr id="5" name="Picture 4" descr="A graph with colored lines and red dots&#10;&#10;Description automatically generated">
+            <a:extLst>
+              <a:ext uri="{FF2B5EF4-FFF2-40B4-BE49-F238E27FC236}">
+                <a16:creationId xmlns:a16="http://schemas.microsoft.com/office/drawing/2014/main" id="{4903386E-D69D-51A7-87A5-225F6BB0087A}"/>
+              </a:ext>
+            </a:extLst>
+          </p:cNvPr>
+          <p:cNvPicPr>
+            <a:picLocks noChangeAspect="1"/>
+          </p:cNvPicPr>
+          <p:nvPr/>
+        </p:nvPicPr>
+        <p:blipFill>
+          <a:blip r:embed="rId2"/>
+          <a:stretch>
+            <a:fillRect/>
+          </a:stretch>
+        </p:blipFill>
+        <p:spPr>
+          <a:xfrm>
+            <a:off x="645435" y="1536879"/>
+            <a:ext cx="5201707" cy="3784241"/>
+          </a:xfrm>
+          <a:prstGeom prst="rect">
+            <a:avLst/>
+          </a:prstGeom>
+        </p:spPr>
+      </p:pic>
+      <p:sp>
+        <p:nvSpPr>
+          <p:cNvPr id="43" name="Rectangle 42">
+            <a:extLst>
+              <a:ext uri="{FF2B5EF4-FFF2-40B4-BE49-F238E27FC236}">
+                <a16:creationId xmlns:a16="http://schemas.microsoft.com/office/drawing/2014/main" id="{840B283A-0C00-4360-AFE9-36C74D1C6924}"/>
+              </a:ext>
+              <a:ext uri="{C183D7F6-B498-43B3-948B-1728B52AA6E4}">
+                <adec:decorative xmlns:adec="http://schemas.microsoft.com/office/drawing/2017/decorative" val="1"/>
+              </a:ext>
+            </a:extLst>
+          </p:cNvPr>
+          <p:cNvSpPr>
+            <a:spLocks noGrp="1" noRot="1" noChangeAspect="1" noMove="1" noResize="1" noEditPoints="1" noAdjustHandles="1" noChangeArrowheads="1" noChangeShapeType="1" noTextEdit="1"/>
+          </p:cNvSpPr>
+          <p:nvPr>
+            <p:extLst>
+              <p:ext uri="{386F3935-93C4-4BCD-93E2-E3B085C9AB24}">
+                <p16:designElem xmlns:p16="http://schemas.microsoft.com/office/powerpoint/2015/main" val="1"/>
+              </p:ext>
+            </p:extLst>
+          </p:nvPr>
+        </p:nvSpPr>
+        <p:spPr>
+          <a:xfrm>
+            <a:off x="6176433" y="480060"/>
+            <a:ext cx="5538554" cy="5897880"/>
+          </a:xfrm>
+          <a:prstGeom prst="rect">
+            <a:avLst/>
+          </a:prstGeom>
+          <a:solidFill>
+            <a:srgbClr val="FFFFFF"/>
+          </a:solidFill>
+          <a:ln w="22225">
+            <a:solidFill>
+              <a:schemeClr val="tx1">
+                <a:lumMod val="50000"/>
+                <a:lumOff val="50000"/>
+              </a:schemeClr>
+            </a:solidFill>
+          </a:ln>
+        </p:spPr>
+        <p:style>
+          <a:lnRef idx="2">
+            <a:schemeClr val="accent1">
+              <a:shade val="50000"/>
+            </a:schemeClr>
+          </a:lnRef>
+          <a:fillRef idx="1">
+            <a:schemeClr val="accent1"/>
+          </a:fillRef>
+          <a:effectRef idx="0">
+            <a:schemeClr val="accent1"/>
+          </a:effectRef>
+          <a:fontRef idx="minor">
+            <a:schemeClr val="lt1"/>
+          </a:fontRef>
+        </p:style>
+        <p:txBody>
+          <a:bodyPr rtlCol="0" anchor="ctr"/>
+          <a:lstStyle/>
+          <a:p>
+            <a:pPr algn="ctr"/>
+            <a:endParaRPr lang="en-US"/>
+          </a:p>
+        </p:txBody>
+      </p:sp>
+      <p:pic>
+        <p:nvPicPr>
+          <p:cNvPr id="3" name="Picture 2" descr="A diagram of a graph&#10;&#10;Description automatically generated with medium confidence">
+            <a:extLst>
+              <a:ext uri="{FF2B5EF4-FFF2-40B4-BE49-F238E27FC236}">
+                <a16:creationId xmlns:a16="http://schemas.microsoft.com/office/drawing/2014/main" id="{3DF52B78-670C-F1EE-2887-D6C53990A317}"/>
+              </a:ext>
+            </a:extLst>
+          </p:cNvPr>
+          <p:cNvPicPr>
+            <a:picLocks noChangeAspect="1"/>
+          </p:cNvPicPr>
+          <p:nvPr/>
+        </p:nvPicPr>
+        <p:blipFill>
+          <a:blip r:embed="rId3"/>
+          <a:stretch>
+            <a:fillRect/>
+          </a:stretch>
+        </p:blipFill>
+        <p:spPr>
+          <a:xfrm>
+            <a:off x="6337300" y="1608185"/>
+            <a:ext cx="5201707" cy="3628190"/>
+          </a:xfrm>
+          <a:prstGeom prst="rect">
+            <a:avLst/>
+          </a:prstGeom>
+        </p:spPr>
+      </p:pic>
+    </p:spTree>
+    <p:extLst>
+      <p:ext uri="{BB962C8B-B14F-4D97-AF65-F5344CB8AC3E}">
+        <p14:creationId xmlns:p14="http://schemas.microsoft.com/office/powerpoint/2010/main" val="4003120195"/>
+      </p:ext>
+    </p:extLst>
+  </p:cSld>
+  <p:clrMapOvr>
+    <a:masterClrMapping/>
+  </p:clrMapOvr>
+</p:sld>
+</file>
+
+<file path=ppt/slides/slide21.xml><?xml version="1.0" encoding="utf-8"?>
+<p:sld xmlns:a="http://schemas.openxmlformats.org/drawingml/2006/main" xmlns:r="http://schemas.openxmlformats.org/officeDocument/2006/relationships" xmlns:p="http://schemas.openxmlformats.org/presentationml/2006/main">
+  <p:cSld>
+    <p:bg>
+      <p:bgPr>
+        <a:solidFill>
+          <a:schemeClr val="bg1"/>
+        </a:solidFill>
+        <a:effectLst/>
+      </p:bgPr>
+    </p:bg>
+    <p:spTree>
+      <p:nvGrpSpPr>
+        <p:cNvPr id="1" name=""/>
+        <p:cNvGrpSpPr/>
+        <p:nvPr/>
+      </p:nvGrpSpPr>
+      <p:grpSpPr>
+        <a:xfrm>
+          <a:off x="0" y="0"/>
+          <a:ext cx="0" cy="0"/>
+          <a:chOff x="0" y="0"/>
+          <a:chExt cx="0" cy="0"/>
+        </a:xfrm>
+      </p:grpSpPr>
+      <p:sp>
+        <p:nvSpPr>
+          <p:cNvPr id="8" name="Rectangle 7">
+            <a:extLst>
+              <a:ext uri="{FF2B5EF4-FFF2-40B4-BE49-F238E27FC236}">
+                <a16:creationId xmlns:a16="http://schemas.microsoft.com/office/drawing/2014/main" id="{587D26DA-9773-4A0E-B213-DDF20A1F1F27}"/>
+              </a:ext>
+              <a:ext uri="{C183D7F6-B498-43B3-948B-1728B52AA6E4}">
+                <adec:decorative xmlns:adec="http://schemas.microsoft.com/office/drawing/2017/decorative" val="1"/>
+              </a:ext>
+            </a:extLst>
+          </p:cNvPr>
+          <p:cNvSpPr>
+            <a:spLocks noGrp="1" noRot="1" noChangeAspect="1" noMove="1" noResize="1" noEditPoints="1" noAdjustHandles="1" noChangeArrowheads="1" noChangeShapeType="1" noTextEdit="1"/>
+          </p:cNvSpPr>
+          <p:nvPr>
+            <p:extLst>
+              <p:ext uri="{386F3935-93C4-4BCD-93E2-E3B085C9AB24}">
+                <p16:designElem xmlns:p16="http://schemas.microsoft.com/office/powerpoint/2015/main" val="1"/>
+              </p:ext>
+            </p:extLst>
+          </p:nvPr>
+        </p:nvSpPr>
+        <p:spPr>
+          <a:xfrm>
+            <a:off x="0" y="0"/>
+            <a:ext cx="12192000" cy="6858000"/>
+          </a:xfrm>
+          <a:prstGeom prst="rect">
+            <a:avLst/>
+          </a:prstGeom>
+          <a:solidFill>
+            <a:srgbClr val="FFFFFF"/>
+          </a:solidFill>
+          <a:ln>
+            <a:noFill/>
+          </a:ln>
+        </p:spPr>
+        <p:style>
+          <a:lnRef idx="2">
+            <a:schemeClr val="accent1">
+              <a:shade val="50000"/>
+            </a:schemeClr>
+          </a:lnRef>
+          <a:fillRef idx="1">
+            <a:schemeClr val="accent1"/>
+          </a:fillRef>
+          <a:effectRef idx="0">
+            <a:schemeClr val="accent1"/>
+          </a:effectRef>
+          <a:fontRef idx="minor">
+            <a:schemeClr val="lt1"/>
+          </a:fontRef>
+        </p:style>
+        <p:txBody>
+          <a:bodyPr rtlCol="0" anchor="ctr"/>
+          <a:lstStyle/>
+          <a:p>
+            <a:pPr algn="ctr"/>
+            <a:endParaRPr lang="en-US"/>
+          </a:p>
+        </p:txBody>
+      </p:sp>
+      <p:pic>
+        <p:nvPicPr>
+          <p:cNvPr id="3" name="Picture 2" descr="A screenshot of a computer&#10;&#10;Description automatically generated">
+            <a:extLst>
+              <a:ext uri="{FF2B5EF4-FFF2-40B4-BE49-F238E27FC236}">
+                <a16:creationId xmlns:a16="http://schemas.microsoft.com/office/drawing/2014/main" id="{571EAE76-7FCB-77F8-7C8B-393A5BEEEBE4}"/>
+              </a:ext>
+            </a:extLst>
+          </p:cNvPr>
+          <p:cNvPicPr>
+            <a:picLocks noChangeAspect="1"/>
+          </p:cNvPicPr>
+          <p:nvPr/>
+        </p:nvPicPr>
+        <p:blipFill>
+          <a:blip r:embed="rId2"/>
+          <a:stretch>
+            <a:fillRect/>
+          </a:stretch>
+        </p:blipFill>
+        <p:spPr>
+          <a:xfrm>
+            <a:off x="2172714" y="643466"/>
+            <a:ext cx="7846572" cy="5571067"/>
+          </a:xfrm>
+          <a:prstGeom prst="rect">
+            <a:avLst/>
+          </a:prstGeom>
+        </p:spPr>
+      </p:pic>
+    </p:spTree>
+    <p:extLst>
+      <p:ext uri="{BB962C8B-B14F-4D97-AF65-F5344CB8AC3E}">
+        <p14:creationId xmlns:p14="http://schemas.microsoft.com/office/powerpoint/2010/main" val="1592504031"/>
+      </p:ext>
+    </p:extLst>
+  </p:cSld>
+  <p:clrMapOvr>
+    <a:masterClrMapping/>
+  </p:clrMapOvr>
+</p:sld>
+</file>
+
+<file path=ppt/slides/slide22.xml><?xml version="1.0" encoding="utf-8"?>
 <p:sld xmlns:a="http://schemas.openxmlformats.org/drawingml/2006/main" xmlns:r="http://schemas.openxmlformats.org/officeDocument/2006/relationships" xmlns:p="http://schemas.openxmlformats.org/presentationml/2006/main">
   <p:cSld>
     <p:bg>
@@ -29701,7 +36141,7 @@
           <p:nvPr/>
         </p:nvPicPr>
         <p:blipFill rotWithShape="1">
-          <a:blip r:embed="rId2"/>
+          <a:blip r:embed="rId3"/>
           <a:srcRect t="7886" r="-1" b="1130"/>
           <a:stretch/>
         </p:blipFill>
@@ -29820,7 +36260,7 @@
 </p:sld>
 </file>
 
-<file path=ppt/slides/slide21.xml><?xml version="1.0" encoding="utf-8"?>
+<file path=ppt/slides/slide23.xml><?xml version="1.0" encoding="utf-8"?>
 <p:sld xmlns:a="http://schemas.openxmlformats.org/drawingml/2006/main" xmlns:r="http://schemas.openxmlformats.org/officeDocument/2006/relationships" xmlns:p="http://schemas.openxmlformats.org/presentationml/2006/main">
   <p:cSld>
     <p:bg>
@@ -29986,7 +36426,7 @@
           <p:nvPr>
             <p:extLst>
               <p:ext uri="{D42A27DB-BD31-4B8C-83A1-F6EECF244321}">
-                <p14:modId xmlns:p14="http://schemas.microsoft.com/office/powerpoint/2010/main" val="2976895272"/>
+                <p14:modId xmlns:p14="http://schemas.microsoft.com/office/powerpoint/2010/main" val="1160698162"/>
               </p:ext>
             </p:extLst>
           </p:nvPr>
@@ -29997,7 +36437,7 @@
         </p:xfrm>
         <a:graphic>
           <a:graphicData uri="http://schemas.openxmlformats.org/drawingml/2006/diagram">
-            <dgm:relIds xmlns:dgm="http://schemas.openxmlformats.org/drawingml/2006/diagram" xmlns:r="http://schemas.openxmlformats.org/officeDocument/2006/relationships" r:dm="rId2" r:lo="rId3" r:qs="rId4" r:cs="rId5"/>
+            <dgm:relIds xmlns:dgm="http://schemas.openxmlformats.org/drawingml/2006/diagram" xmlns:r="http://schemas.openxmlformats.org/officeDocument/2006/relationships" r:dm="rId3" r:lo="rId4" r:qs="rId5" r:cs="rId6"/>
           </a:graphicData>
         </a:graphic>
       </p:graphicFrame>
@@ -30149,7 +36589,7 @@
         </p:nvSpPr>
         <p:spPr>
           <a:xfrm>
-            <a:off x="8490663" y="1789194"/>
+            <a:off x="8490663" y="2916428"/>
             <a:ext cx="1502262" cy="1439497"/>
           </a:xfrm>
           <a:prstGeom prst="rect">
@@ -30275,6 +36715,254 @@
     <p:extLst>
       <p:ext uri="{BB962C8B-B14F-4D97-AF65-F5344CB8AC3E}">
         <p14:creationId xmlns:p14="http://schemas.microsoft.com/office/powerpoint/2010/main" val="326027777"/>
+      </p:ext>
+    </p:extLst>
+  </p:cSld>
+  <p:clrMapOvr>
+    <a:masterClrMapping/>
+  </p:clrMapOvr>
+</p:sld>
+</file>
+
+<file path=ppt/slides/slide24.xml><?xml version="1.0" encoding="utf-8"?>
+<p:sld xmlns:a="http://schemas.openxmlformats.org/drawingml/2006/main" xmlns:r="http://schemas.openxmlformats.org/officeDocument/2006/relationships" xmlns:p="http://schemas.openxmlformats.org/presentationml/2006/main">
+  <p:cSld>
+    <p:bg>
+      <p:bgPr>
+        <a:solidFill>
+          <a:schemeClr val="bg1"/>
+        </a:solidFill>
+        <a:effectLst/>
+      </p:bgPr>
+    </p:bg>
+    <p:spTree>
+      <p:nvGrpSpPr>
+        <p:cNvPr id="1" name=""/>
+        <p:cNvGrpSpPr/>
+        <p:nvPr/>
+      </p:nvGrpSpPr>
+      <p:grpSpPr>
+        <a:xfrm>
+          <a:off x="0" y="0"/>
+          <a:ext cx="0" cy="0"/>
+          <a:chOff x="0" y="0"/>
+          <a:chExt cx="0" cy="0"/>
+        </a:xfrm>
+      </p:grpSpPr>
+      <p:sp useBgFill="1">
+        <p:nvSpPr>
+          <p:cNvPr id="16" name="Rectangle 15">
+            <a:extLst>
+              <a:ext uri="{FF2B5EF4-FFF2-40B4-BE49-F238E27FC236}">
+                <a16:creationId xmlns:a16="http://schemas.microsoft.com/office/drawing/2014/main" id="{2FB82883-1DC0-4BE1-A607-009095F3355A}"/>
+              </a:ext>
+              <a:ext uri="{C183D7F6-B498-43B3-948B-1728B52AA6E4}">
+                <adec:decorative xmlns:adec="http://schemas.microsoft.com/office/drawing/2017/decorative" val="1"/>
+              </a:ext>
+            </a:extLst>
+          </p:cNvPr>
+          <p:cNvSpPr>
+            <a:spLocks noGrp="1" noRot="1" noChangeAspect="1" noMove="1" noResize="1" noEditPoints="1" noAdjustHandles="1" noChangeArrowheads="1" noChangeShapeType="1" noTextEdit="1"/>
+          </p:cNvSpPr>
+          <p:nvPr>
+            <p:extLst>
+              <p:ext uri="{386F3935-93C4-4BCD-93E2-E3B085C9AB24}">
+                <p16:designElem xmlns:p16="http://schemas.microsoft.com/office/powerpoint/2015/main" val="1"/>
+              </p:ext>
+            </p:extLst>
+          </p:nvPr>
+        </p:nvSpPr>
+        <p:spPr>
+          <a:xfrm>
+            <a:off x="0" y="0"/>
+            <a:ext cx="12192000" cy="6858000"/>
+          </a:xfrm>
+          <a:prstGeom prst="rect">
+            <a:avLst/>
+          </a:prstGeom>
+          <a:ln>
+            <a:noFill/>
+          </a:ln>
+        </p:spPr>
+        <p:style>
+          <a:lnRef idx="2">
+            <a:schemeClr val="accent1">
+              <a:shade val="50000"/>
+            </a:schemeClr>
+          </a:lnRef>
+          <a:fillRef idx="1">
+            <a:schemeClr val="accent1"/>
+          </a:fillRef>
+          <a:effectRef idx="0">
+            <a:schemeClr val="accent1"/>
+          </a:effectRef>
+          <a:fontRef idx="minor">
+            <a:schemeClr val="lt1"/>
+          </a:fontRef>
+        </p:style>
+        <p:txBody>
+          <a:bodyPr rtlCol="0" anchor="ctr"/>
+          <a:lstStyle/>
+          <a:p>
+            <a:pPr algn="ctr"/>
+            <a:endParaRPr lang="en-US"/>
+          </a:p>
+        </p:txBody>
+      </p:sp>
+      <p:pic>
+        <p:nvPicPr>
+          <p:cNvPr id="5" name="Picture 4" descr="Aerial view of a highway near the ocean">
+            <a:extLst>
+              <a:ext uri="{FF2B5EF4-FFF2-40B4-BE49-F238E27FC236}">
+                <a16:creationId xmlns:a16="http://schemas.microsoft.com/office/drawing/2014/main" id="{285074F5-791D-C624-DD83-92D74D753777}"/>
+              </a:ext>
+            </a:extLst>
+          </p:cNvPr>
+          <p:cNvPicPr>
+            <a:picLocks noChangeAspect="1"/>
+          </p:cNvPicPr>
+          <p:nvPr/>
+        </p:nvPicPr>
+        <p:blipFill rotWithShape="1">
+          <a:blip r:embed="rId2"/>
+          <a:srcRect t="5858" b="19142"/>
+          <a:stretch/>
+        </p:blipFill>
+        <p:spPr>
+          <a:xfrm>
+            <a:off x="-2" y="10"/>
+            <a:ext cx="12192002" cy="6857990"/>
+          </a:xfrm>
+          <a:prstGeom prst="rect">
+            <a:avLst/>
+          </a:prstGeom>
+        </p:spPr>
+      </p:pic>
+      <p:sp>
+        <p:nvSpPr>
+          <p:cNvPr id="18" name="Rectangle 17">
+            <a:extLst>
+              <a:ext uri="{FF2B5EF4-FFF2-40B4-BE49-F238E27FC236}">
+                <a16:creationId xmlns:a16="http://schemas.microsoft.com/office/drawing/2014/main" id="{9FA98EAA-A866-4C95-A2A8-44E46FBAD5A0}"/>
+              </a:ext>
+              <a:ext uri="{C183D7F6-B498-43B3-948B-1728B52AA6E4}">
+                <adec:decorative xmlns:adec="http://schemas.microsoft.com/office/drawing/2017/decorative" val="1"/>
+              </a:ext>
+            </a:extLst>
+          </p:cNvPr>
+          <p:cNvSpPr>
+            <a:spLocks noGrp="1" noRot="1" noChangeAspect="1" noMove="1" noResize="1" noEditPoints="1" noAdjustHandles="1" noChangeArrowheads="1" noChangeShapeType="1" noTextEdit="1"/>
+          </p:cNvSpPr>
+          <p:nvPr>
+            <p:extLst>
+              <p:ext uri="{386F3935-93C4-4BCD-93E2-E3B085C9AB24}">
+                <p16:designElem xmlns:p16="http://schemas.microsoft.com/office/powerpoint/2015/main" val="1"/>
+              </p:ext>
+            </p:extLst>
+          </p:nvPr>
+        </p:nvSpPr>
+        <p:spPr>
+          <a:xfrm rot="10800000">
+            <a:off x="-3" y="4530071"/>
+            <a:ext cx="12191999" cy="2327926"/>
+          </a:xfrm>
+          <a:prstGeom prst="rect">
+            <a:avLst/>
+          </a:prstGeom>
+          <a:gradFill flip="none" rotWithShape="1">
+            <a:gsLst>
+              <a:gs pos="56000">
+                <a:schemeClr val="tx1">
+                  <a:alpha val="39000"/>
+                </a:schemeClr>
+              </a:gs>
+              <a:gs pos="100000">
+                <a:schemeClr val="tx1">
+                  <a:alpha val="80000"/>
+                </a:schemeClr>
+              </a:gs>
+              <a:gs pos="0">
+                <a:schemeClr val="tx1">
+                  <a:alpha val="0"/>
+                </a:schemeClr>
+              </a:gs>
+            </a:gsLst>
+            <a:lin ang="16200000" scaled="1"/>
+            <a:tileRect/>
+          </a:gradFill>
+          <a:ln>
+            <a:noFill/>
+          </a:ln>
+        </p:spPr>
+        <p:style>
+          <a:lnRef idx="2">
+            <a:schemeClr val="accent1">
+              <a:shade val="50000"/>
+            </a:schemeClr>
+          </a:lnRef>
+          <a:fillRef idx="1">
+            <a:schemeClr val="accent1"/>
+          </a:fillRef>
+          <a:effectRef idx="0">
+            <a:schemeClr val="accent1"/>
+          </a:effectRef>
+          <a:fontRef idx="minor">
+            <a:schemeClr val="lt1"/>
+          </a:fontRef>
+        </p:style>
+        <p:txBody>
+          <a:bodyPr rtlCol="0" anchor="ctr"/>
+          <a:lstStyle/>
+          <a:p>
+            <a:pPr algn="ctr"/>
+            <a:endParaRPr lang="en-US"/>
+          </a:p>
+        </p:txBody>
+      </p:sp>
+      <p:sp>
+        <p:nvSpPr>
+          <p:cNvPr id="2" name="Title 1">
+            <a:extLst>
+              <a:ext uri="{FF2B5EF4-FFF2-40B4-BE49-F238E27FC236}">
+                <a16:creationId xmlns:a16="http://schemas.microsoft.com/office/drawing/2014/main" id="{F345DAF8-79A9-0BAD-6BC8-282B5B9573D1}"/>
+              </a:ext>
+            </a:extLst>
+          </p:cNvPr>
+          <p:cNvSpPr>
+            <a:spLocks noGrp="1"/>
+          </p:cNvSpPr>
+          <p:nvPr>
+            <p:ph type="ctrTitle"/>
+          </p:nvPr>
+        </p:nvSpPr>
+        <p:spPr>
+          <a:xfrm>
+            <a:off x="2103121" y="4727173"/>
+            <a:ext cx="7985759" cy="868823"/>
+          </a:xfrm>
+        </p:spPr>
+        <p:txBody>
+          <a:bodyPr anchor="b">
+            <a:normAutofit/>
+          </a:bodyPr>
+          <a:lstStyle/>
+          <a:p>
+            <a:pPr algn="ctr"/>
+            <a:r>
+              <a:rPr lang="en-GB" sz="4000">
+                <a:solidFill>
+                  <a:schemeClr val="bg1"/>
+                </a:solidFill>
+              </a:rPr>
+              <a:t>Thank you</a:t>
+            </a:r>
+          </a:p>
+        </p:txBody>
+      </p:sp>
+    </p:spTree>
+    <p:extLst>
+      <p:ext uri="{BB962C8B-B14F-4D97-AF65-F5344CB8AC3E}">
+        <p14:creationId xmlns:p14="http://schemas.microsoft.com/office/powerpoint/2010/main" val="2885251774"/>
       </p:ext>
     </p:extLst>
   </p:cSld>
@@ -30625,7 +37313,7 @@
           <p:nvPr/>
         </p:nvPicPr>
         <p:blipFill rotWithShape="1">
-          <a:blip r:embed="rId2"/>
+          <a:blip r:embed="rId3"/>
           <a:srcRect r="17567"/>
           <a:stretch/>
         </p:blipFill>
@@ -30826,7 +37514,9 @@
             <a:ext cx="5495677" cy="3048941"/>
           </a:xfrm>
           <a:prstGeom prst="roundRect">
-            <a:avLst/>
+            <a:avLst>
+              <a:gd name="adj" fmla="val 5629"/>
+            </a:avLst>
           </a:prstGeom>
           <a:gradFill flip="none" rotWithShape="1">
             <a:gsLst>
@@ -30898,7 +37588,9 @@
             <a:ext cx="5495677" cy="2802269"/>
           </a:xfrm>
           <a:prstGeom prst="roundRect">
-            <a:avLst/>
+            <a:avLst>
+              <a:gd name="adj" fmla="val 6697"/>
+            </a:avLst>
           </a:prstGeom>
           <a:gradFill flip="none" rotWithShape="1">
             <a:gsLst>
@@ -31380,7 +38072,9 @@
             <a:ext cx="5539014" cy="3079401"/>
           </a:xfrm>
           <a:prstGeom prst="roundRect">
-            <a:avLst/>
+            <a:avLst>
+              <a:gd name="adj" fmla="val 5944"/>
+            </a:avLst>
           </a:prstGeom>
           <a:gradFill flip="none" rotWithShape="1">
             <a:gsLst>
@@ -32575,7 +39269,7 @@
           <p:nvPr/>
         </p:nvPicPr>
         <p:blipFill rotWithShape="1">
-          <a:blip r:embed="rId2"/>
+          <a:blip r:embed="rId3"/>
           <a:srcRect l="12993" r="25182"/>
           <a:stretch/>
         </p:blipFill>
@@ -32727,7 +39421,12 @@
             <p:ph type="title"/>
           </p:nvPr>
         </p:nvSpPr>
-        <p:spPr/>
+        <p:spPr>
+          <a:xfrm>
+            <a:off x="7734300" y="1332526"/>
+            <a:ext cx="2244558" cy="582776"/>
+          </a:xfrm>
+        </p:spPr>
         <p:txBody>
           <a:bodyPr/>
           <a:lstStyle/>
@@ -32755,18 +39454,18 @@
             <p:ph idx="1"/>
             <p:extLst>
               <p:ext uri="{D42A27DB-BD31-4B8C-83A1-F6EECF244321}">
-                <p14:modId xmlns:p14="http://schemas.microsoft.com/office/powerpoint/2010/main" val="2090664145"/>
+                <p14:modId xmlns:p14="http://schemas.microsoft.com/office/powerpoint/2010/main" val="1015355010"/>
               </p:ext>
             </p:extLst>
           </p:nvPr>
         </p:nvGraphicFramePr>
         <p:xfrm>
-          <a:off x="581193" y="2340864"/>
+          <a:off x="6096001" y="2357395"/>
           <a:ext cx="5514807" cy="3634486"/>
         </p:xfrm>
         <a:graphic>
           <a:graphicData uri="http://schemas.openxmlformats.org/drawingml/2006/diagram">
-            <dgm:relIds xmlns:dgm="http://schemas.openxmlformats.org/drawingml/2006/diagram" xmlns:r="http://schemas.openxmlformats.org/officeDocument/2006/relationships" r:dm="rId2" r:lo="rId3" r:qs="rId4" r:cs="rId5"/>
+            <dgm:relIds xmlns:dgm="http://schemas.openxmlformats.org/drawingml/2006/diagram" xmlns:r="http://schemas.openxmlformats.org/officeDocument/2006/relationships" r:dm="rId3" r:lo="rId4" r:qs="rId5" r:cs="rId6"/>
           </a:graphicData>
         </a:graphic>
       </p:graphicFrame>
@@ -32785,14 +39484,14 @@
           <p:nvPr/>
         </p:nvPicPr>
         <p:blipFill>
-          <a:blip r:embed="rId7"/>
+          <a:blip r:embed="rId8"/>
           <a:stretch>
             <a:fillRect/>
           </a:stretch>
         </p:blipFill>
         <p:spPr>
           <a:xfrm>
-            <a:off x="7586955" y="2348758"/>
+            <a:off x="581192" y="2373184"/>
             <a:ext cx="3302883" cy="3618697"/>
           </a:xfrm>
           <a:prstGeom prst="rect">
@@ -32814,7 +39513,7 @@
         </p:nvSpPr>
         <p:spPr>
           <a:xfrm>
-            <a:off x="7910148" y="1367656"/>
+            <a:off x="904385" y="1392082"/>
             <a:ext cx="3421117" cy="523220"/>
           </a:xfrm>
           <a:prstGeom prst="rect">
@@ -32889,7 +39588,12 @@
             <p:ph type="title"/>
           </p:nvPr>
         </p:nvSpPr>
-        <p:spPr/>
+        <p:spPr>
+          <a:xfrm>
+            <a:off x="7816449" y="1716906"/>
+            <a:ext cx="1723858" cy="523220"/>
+          </a:xfrm>
+        </p:spPr>
         <p:txBody>
           <a:bodyPr/>
           <a:lstStyle/>
@@ -32922,18 +39626,18 @@
             <p:ph idx="1"/>
             <p:extLst>
               <p:ext uri="{D42A27DB-BD31-4B8C-83A1-F6EECF244321}">
-                <p14:modId xmlns:p14="http://schemas.microsoft.com/office/powerpoint/2010/main" val="135598630"/>
+                <p14:modId xmlns:p14="http://schemas.microsoft.com/office/powerpoint/2010/main" val="2517277631"/>
               </p:ext>
             </p:extLst>
           </p:nvPr>
         </p:nvGraphicFramePr>
         <p:xfrm>
-          <a:off x="581193" y="2340864"/>
+          <a:off x="5953293" y="2690114"/>
           <a:ext cx="5514808" cy="3634486"/>
         </p:xfrm>
         <a:graphic>
           <a:graphicData uri="http://schemas.openxmlformats.org/drawingml/2006/diagram">
-            <dgm:relIds xmlns:dgm="http://schemas.openxmlformats.org/drawingml/2006/diagram" xmlns:r="http://schemas.openxmlformats.org/officeDocument/2006/relationships" r:dm="rId2" r:lo="rId3" r:qs="rId4" r:cs="rId5"/>
+            <dgm:relIds xmlns:dgm="http://schemas.openxmlformats.org/drawingml/2006/diagram" xmlns:r="http://schemas.openxmlformats.org/officeDocument/2006/relationships" r:dm="rId3" r:lo="rId4" r:qs="rId5" r:cs="rId6"/>
           </a:graphicData>
         </a:graphic>
       </p:graphicFrame>
@@ -32952,14 +39656,14 @@
           <p:nvPr/>
         </p:nvPicPr>
         <p:blipFill>
-          <a:blip r:embed="rId7"/>
+          <a:blip r:embed="rId8"/>
           <a:stretch>
             <a:fillRect/>
           </a:stretch>
         </p:blipFill>
         <p:spPr>
           <a:xfrm>
-            <a:off x="7679611" y="2340864"/>
+            <a:off x="723899" y="2690114"/>
             <a:ext cx="3030177" cy="3634486"/>
           </a:xfrm>
           <a:prstGeom prst="rect">
@@ -32967,108 +39671,6 @@
           </a:prstGeom>
         </p:spPr>
       </p:pic>
-      <mc:AlternateContent xmlns:mc="http://schemas.openxmlformats.org/markup-compatibility/2006" xmlns:p14="http://schemas.microsoft.com/office/powerpoint/2010/main">
-        <mc:Choice Requires="p14">
-          <p:contentPart p14:bwMode="auto" r:id="rId8">
-            <p14:nvContentPartPr>
-              <p14:cNvPr id="42" name="Ink 41">
-                <a:extLst>
-                  <a:ext uri="{FF2B5EF4-FFF2-40B4-BE49-F238E27FC236}">
-                    <a16:creationId xmlns:a16="http://schemas.microsoft.com/office/drawing/2014/main" id="{A13F52C5-726F-EF2B-3AB8-B631FC986EDF}"/>
-                  </a:ext>
-                </a:extLst>
-              </p14:cNvPr>
-              <p14:cNvContentPartPr/>
-              <p14:nvPr/>
-            </p14:nvContentPartPr>
-            <p14:xfrm>
-              <a:off x="7675242" y="4105578"/>
-              <a:ext cx="52920" cy="506160"/>
-            </p14:xfrm>
-          </p:contentPart>
-        </mc:Choice>
-        <mc:Fallback xmlns="">
-          <p:pic>
-            <p:nvPicPr>
-              <p:cNvPr id="42" name="Ink 41">
-                <a:extLst>
-                  <a:ext uri="{FF2B5EF4-FFF2-40B4-BE49-F238E27FC236}">
-                    <a16:creationId xmlns:a16="http://schemas.microsoft.com/office/drawing/2014/main" id="{A13F52C5-726F-EF2B-3AB8-B631FC986EDF}"/>
-                  </a:ext>
-                </a:extLst>
-              </p:cNvPr>
-              <p:cNvPicPr/>
-              <p:nvPr/>
-            </p:nvPicPr>
-            <p:blipFill>
-              <a:blip r:embed="rId9"/>
-              <a:stretch>
-                <a:fillRect/>
-              </a:stretch>
-            </p:blipFill>
-            <p:spPr>
-              <a:xfrm>
-                <a:off x="7612602" y="4042578"/>
-                <a:ext cx="178560" cy="631800"/>
-              </a:xfrm>
-              <a:prstGeom prst="rect">
-                <a:avLst/>
-              </a:prstGeom>
-            </p:spPr>
-          </p:pic>
-        </mc:Fallback>
-      </mc:AlternateContent>
-      <mc:AlternateContent xmlns:mc="http://schemas.openxmlformats.org/markup-compatibility/2006" xmlns:p14="http://schemas.microsoft.com/office/powerpoint/2010/main">
-        <mc:Choice Requires="p14">
-          <p:contentPart p14:bwMode="auto" r:id="rId10">
-            <p14:nvContentPartPr>
-              <p14:cNvPr id="43" name="Ink 42">
-                <a:extLst>
-                  <a:ext uri="{FF2B5EF4-FFF2-40B4-BE49-F238E27FC236}">
-                    <a16:creationId xmlns:a16="http://schemas.microsoft.com/office/drawing/2014/main" id="{CEB8164E-BDAB-9E92-10F2-20AD66FC5B87}"/>
-                  </a:ext>
-                </a:extLst>
-              </p14:cNvPr>
-              <p14:cNvContentPartPr/>
-              <p14:nvPr/>
-            </p14:nvContentPartPr>
-            <p14:xfrm>
-              <a:off x="10707522" y="4205298"/>
-              <a:ext cx="22680" cy="110160"/>
-            </p14:xfrm>
-          </p:contentPart>
-        </mc:Choice>
-        <mc:Fallback xmlns="">
-          <p:pic>
-            <p:nvPicPr>
-              <p:cNvPr id="43" name="Ink 42">
-                <a:extLst>
-                  <a:ext uri="{FF2B5EF4-FFF2-40B4-BE49-F238E27FC236}">
-                    <a16:creationId xmlns:a16="http://schemas.microsoft.com/office/drawing/2014/main" id="{CEB8164E-BDAB-9E92-10F2-20AD66FC5B87}"/>
-                  </a:ext>
-                </a:extLst>
-              </p:cNvPr>
-              <p:cNvPicPr/>
-              <p:nvPr/>
-            </p:nvPicPr>
-            <p:blipFill>
-              <a:blip r:embed="rId11"/>
-              <a:stretch>
-                <a:fillRect/>
-              </a:stretch>
-            </p:blipFill>
-            <p:spPr>
-              <a:xfrm>
-                <a:off x="10644522" y="4142658"/>
-                <a:ext cx="148320" cy="235800"/>
-              </a:xfrm>
-              <a:prstGeom prst="rect">
-                <a:avLst/>
-              </a:prstGeom>
-            </p:spPr>
-          </p:pic>
-        </mc:Fallback>
-      </mc:AlternateContent>
       <p:sp>
         <p:nvSpPr>
           <p:cNvPr id="3" name="TextBox 2">
@@ -33083,7 +39685,7 @@
         </p:nvSpPr>
         <p:spPr>
           <a:xfrm>
-            <a:off x="7910148" y="1367656"/>
+            <a:off x="954436" y="1716906"/>
             <a:ext cx="3421117" cy="523220"/>
           </a:xfrm>
           <a:prstGeom prst="rect">
@@ -33112,6 +39714,210 @@
           </a:p>
         </p:txBody>
       </p:sp>
+      <mc:AlternateContent xmlns:mc="http://schemas.openxmlformats.org/markup-compatibility/2006">
+        <mc:Choice xmlns:p14="http://schemas.microsoft.com/office/powerpoint/2010/main" Requires="p14">
+          <p:contentPart p14:bwMode="auto" r:id="rId9">
+            <p14:nvContentPartPr>
+              <p14:cNvPr id="6" name="Ink 5">
+                <a:extLst>
+                  <a:ext uri="{FF2B5EF4-FFF2-40B4-BE49-F238E27FC236}">
+                    <a16:creationId xmlns:a16="http://schemas.microsoft.com/office/drawing/2014/main" id="{2E2C8BF8-92E8-106C-9784-B03FA2DEF3EF}"/>
+                  </a:ext>
+                </a:extLst>
+              </p14:cNvPr>
+              <p14:cNvContentPartPr/>
+              <p14:nvPr/>
+            </p14:nvContentPartPr>
+            <p14:xfrm>
+              <a:off x="742630" y="4514410"/>
+              <a:ext cx="121680" cy="188640"/>
+            </p14:xfrm>
+          </p:contentPart>
+        </mc:Choice>
+        <mc:Fallback>
+          <p:pic>
+            <p:nvPicPr>
+              <p:cNvPr id="6" name="Ink 5">
+                <a:extLst>
+                  <a:ext uri="{FF2B5EF4-FFF2-40B4-BE49-F238E27FC236}">
+                    <a16:creationId xmlns:a16="http://schemas.microsoft.com/office/drawing/2014/main" id="{2E2C8BF8-92E8-106C-9784-B03FA2DEF3EF}"/>
+                  </a:ext>
+                </a:extLst>
+              </p:cNvPr>
+              <p:cNvPicPr/>
+              <p:nvPr/>
+            </p:nvPicPr>
+            <p:blipFill>
+              <a:blip r:embed="rId10"/>
+              <a:stretch>
+                <a:fillRect/>
+              </a:stretch>
+            </p:blipFill>
+            <p:spPr>
+              <a:xfrm>
+                <a:off x="688990" y="4406770"/>
+                <a:ext cx="229320" cy="404280"/>
+              </a:xfrm>
+              <a:prstGeom prst="rect">
+                <a:avLst/>
+              </a:prstGeom>
+            </p:spPr>
+          </p:pic>
+        </mc:Fallback>
+      </mc:AlternateContent>
+      <mc:AlternateContent xmlns:mc="http://schemas.openxmlformats.org/markup-compatibility/2006">
+        <mc:Choice xmlns:p14="http://schemas.microsoft.com/office/powerpoint/2010/main" Requires="p14">
+          <p:contentPart p14:bwMode="auto" r:id="rId11">
+            <p14:nvContentPartPr>
+              <p14:cNvPr id="7" name="Ink 6">
+                <a:extLst>
+                  <a:ext uri="{FF2B5EF4-FFF2-40B4-BE49-F238E27FC236}">
+                    <a16:creationId xmlns:a16="http://schemas.microsoft.com/office/drawing/2014/main" id="{C17C9BFB-90A8-4E95-9598-03D0ED6180EC}"/>
+                  </a:ext>
+                </a:extLst>
+              </p14:cNvPr>
+              <p14:cNvContentPartPr/>
+              <p14:nvPr/>
+            </p14:nvContentPartPr>
+            <p14:xfrm>
+              <a:off x="717070" y="4584250"/>
+              <a:ext cx="109080" cy="173880"/>
+            </p14:xfrm>
+          </p:contentPart>
+        </mc:Choice>
+        <mc:Fallback>
+          <p:pic>
+            <p:nvPicPr>
+              <p:cNvPr id="7" name="Ink 6">
+                <a:extLst>
+                  <a:ext uri="{FF2B5EF4-FFF2-40B4-BE49-F238E27FC236}">
+                    <a16:creationId xmlns:a16="http://schemas.microsoft.com/office/drawing/2014/main" id="{C17C9BFB-90A8-4E95-9598-03D0ED6180EC}"/>
+                  </a:ext>
+                </a:extLst>
+              </p:cNvPr>
+              <p:cNvPicPr/>
+              <p:nvPr/>
+            </p:nvPicPr>
+            <p:blipFill>
+              <a:blip r:embed="rId12"/>
+              <a:stretch>
+                <a:fillRect/>
+              </a:stretch>
+            </p:blipFill>
+            <p:spPr>
+              <a:xfrm>
+                <a:off x="663070" y="4476610"/>
+                <a:ext cx="216720" cy="389520"/>
+              </a:xfrm>
+              <a:prstGeom prst="rect">
+                <a:avLst/>
+              </a:prstGeom>
+            </p:spPr>
+          </p:pic>
+        </mc:Fallback>
+      </mc:AlternateContent>
+      <mc:AlternateContent xmlns:mc="http://schemas.openxmlformats.org/markup-compatibility/2006">
+        <mc:Choice xmlns:p14="http://schemas.microsoft.com/office/powerpoint/2010/main" Requires="p14">
+          <p:contentPart p14:bwMode="auto" r:id="rId13">
+            <p14:nvContentPartPr>
+              <p14:cNvPr id="8" name="Ink 7">
+                <a:extLst>
+                  <a:ext uri="{FF2B5EF4-FFF2-40B4-BE49-F238E27FC236}">
+                    <a16:creationId xmlns:a16="http://schemas.microsoft.com/office/drawing/2014/main" id="{F2C09CAA-195E-E473-604C-C62B1E45240D}"/>
+                  </a:ext>
+                </a:extLst>
+              </p14:cNvPr>
+              <p14:cNvContentPartPr/>
+              <p14:nvPr/>
+            </p14:nvContentPartPr>
+            <p14:xfrm>
+              <a:off x="748030" y="4458610"/>
+              <a:ext cx="52560" cy="524160"/>
+            </p14:xfrm>
+          </p:contentPart>
+        </mc:Choice>
+        <mc:Fallback>
+          <p:pic>
+            <p:nvPicPr>
+              <p:cNvPr id="8" name="Ink 7">
+                <a:extLst>
+                  <a:ext uri="{FF2B5EF4-FFF2-40B4-BE49-F238E27FC236}">
+                    <a16:creationId xmlns:a16="http://schemas.microsoft.com/office/drawing/2014/main" id="{F2C09CAA-195E-E473-604C-C62B1E45240D}"/>
+                  </a:ext>
+                </a:extLst>
+              </p:cNvPr>
+              <p:cNvPicPr/>
+              <p:nvPr/>
+            </p:nvPicPr>
+            <p:blipFill>
+              <a:blip r:embed="rId14"/>
+              <a:stretch>
+                <a:fillRect/>
+              </a:stretch>
+            </p:blipFill>
+            <p:spPr>
+              <a:xfrm>
+                <a:off x="685390" y="4395970"/>
+                <a:ext cx="178200" cy="649800"/>
+              </a:xfrm>
+              <a:prstGeom prst="rect">
+                <a:avLst/>
+              </a:prstGeom>
+            </p:spPr>
+          </p:pic>
+        </mc:Fallback>
+      </mc:AlternateContent>
+      <mc:AlternateContent xmlns:mc="http://schemas.openxmlformats.org/markup-compatibility/2006">
+        <mc:Choice xmlns:p14="http://schemas.microsoft.com/office/powerpoint/2010/main" Requires="p14">
+          <p:contentPart p14:bwMode="auto" r:id="rId15">
+            <p14:nvContentPartPr>
+              <p14:cNvPr id="9" name="Ink 8">
+                <a:extLst>
+                  <a:ext uri="{FF2B5EF4-FFF2-40B4-BE49-F238E27FC236}">
+                    <a16:creationId xmlns:a16="http://schemas.microsoft.com/office/drawing/2014/main" id="{CEB7DF9B-2693-138F-8E76-00EDBCFE364B}"/>
+                  </a:ext>
+                </a:extLst>
+              </p14:cNvPr>
+              <p14:cNvContentPartPr/>
+              <p14:nvPr/>
+            </p14:nvContentPartPr>
+            <p14:xfrm>
+              <a:off x="3733870" y="4527370"/>
+              <a:ext cx="7920" cy="167040"/>
+            </p14:xfrm>
+          </p:contentPart>
+        </mc:Choice>
+        <mc:Fallback>
+          <p:pic>
+            <p:nvPicPr>
+              <p:cNvPr id="9" name="Ink 8">
+                <a:extLst>
+                  <a:ext uri="{FF2B5EF4-FFF2-40B4-BE49-F238E27FC236}">
+                    <a16:creationId xmlns:a16="http://schemas.microsoft.com/office/drawing/2014/main" id="{CEB7DF9B-2693-138F-8E76-00EDBCFE364B}"/>
+                  </a:ext>
+                </a:extLst>
+              </p:cNvPr>
+              <p:cNvPicPr/>
+              <p:nvPr/>
+            </p:nvPicPr>
+            <p:blipFill>
+              <a:blip r:embed="rId16"/>
+              <a:stretch>
+                <a:fillRect/>
+              </a:stretch>
+            </p:blipFill>
+            <p:spPr>
+              <a:xfrm>
+                <a:off x="3670870" y="4464370"/>
+                <a:ext cx="133560" cy="292680"/>
+              </a:xfrm>
+              <a:prstGeom prst="rect">
+                <a:avLst/>
+              </a:prstGeom>
+            </p:spPr>
+          </p:pic>
+        </mc:Fallback>
+      </mc:AlternateContent>
     </p:spTree>
     <p:extLst>
       <p:ext uri="{BB962C8B-B14F-4D97-AF65-F5344CB8AC3E}">
@@ -33456,7 +40262,7 @@
           <p:nvPr/>
         </p:nvPicPr>
         <p:blipFill rotWithShape="1">
-          <a:blip r:embed="rId2"/>
+          <a:blip r:embed="rId3"/>
           <a:srcRect t="6685" r="-1" b="-1"/>
           <a:stretch/>
         </p:blipFill>

--- a/17th of July Presentation.pptx
+++ b/17th of July Presentation.pptx
@@ -5,33 +5,28 @@
     <p:sldMasterId id="2147483692" r:id="rId1"/>
   </p:sldMasterIdLst>
   <p:notesMasterIdLst>
-    <p:notesMasterId r:id="rId26"/>
+    <p:notesMasterId r:id="rId21"/>
   </p:notesMasterIdLst>
   <p:sldIdLst>
     <p:sldId id="256" r:id="rId2"/>
     <p:sldId id="272" r:id="rId3"/>
     <p:sldId id="273" r:id="rId4"/>
     <p:sldId id="274" r:id="rId5"/>
-    <p:sldId id="261" r:id="rId6"/>
-    <p:sldId id="258" r:id="rId7"/>
-    <p:sldId id="259" r:id="rId8"/>
-    <p:sldId id="260" r:id="rId9"/>
-    <p:sldId id="262" r:id="rId10"/>
-    <p:sldId id="275" r:id="rId11"/>
-    <p:sldId id="264" r:id="rId12"/>
-    <p:sldId id="263" r:id="rId13"/>
-    <p:sldId id="266" r:id="rId14"/>
-    <p:sldId id="282" r:id="rId15"/>
-    <p:sldId id="269" r:id="rId16"/>
-    <p:sldId id="278" r:id="rId17"/>
-    <p:sldId id="279" r:id="rId18"/>
-    <p:sldId id="280" r:id="rId19"/>
-    <p:sldId id="276" r:id="rId20"/>
-    <p:sldId id="284" r:id="rId21"/>
-    <p:sldId id="283" r:id="rId22"/>
-    <p:sldId id="270" r:id="rId23"/>
-    <p:sldId id="271" r:id="rId24"/>
-    <p:sldId id="281" r:id="rId25"/>
+    <p:sldId id="258" r:id="rId6"/>
+    <p:sldId id="259" r:id="rId7"/>
+    <p:sldId id="260" r:id="rId8"/>
+    <p:sldId id="262" r:id="rId9"/>
+    <p:sldId id="275" r:id="rId10"/>
+    <p:sldId id="264" r:id="rId11"/>
+    <p:sldId id="263" r:id="rId12"/>
+    <p:sldId id="266" r:id="rId13"/>
+    <p:sldId id="285" r:id="rId14"/>
+    <p:sldId id="276" r:id="rId15"/>
+    <p:sldId id="284" r:id="rId16"/>
+    <p:sldId id="283" r:id="rId17"/>
+    <p:sldId id="270" r:id="rId18"/>
+    <p:sldId id="271" r:id="rId19"/>
+    <p:sldId id="281" r:id="rId20"/>
   </p:sldIdLst>
   <p:sldSz cx="12192000" cy="6858000"/>
   <p:notesSz cx="6858000" cy="9144000"/>
@@ -1633,753 +1628,6 @@
 </file>
 
 <file path=ppt/diagrams/colors3.xml><?xml version="1.0" encoding="utf-8"?>
-<dgm:colorsDef xmlns:dgm="http://schemas.openxmlformats.org/drawingml/2006/diagram" xmlns:a="http://schemas.openxmlformats.org/drawingml/2006/main" uniqueId="urn:microsoft.com/office/officeart/2005/8/colors/accent1_2">
-  <dgm:title val=""/>
-  <dgm:desc val=""/>
-  <dgm:catLst>
-    <dgm:cat type="accent1" pri="11200"/>
-  </dgm:catLst>
-  <dgm:styleLbl name="node0">
-    <dgm:fillClrLst meth="repeat">
-      <a:schemeClr val="accent1"/>
-    </dgm:fillClrLst>
-    <dgm:linClrLst meth="repeat">
-      <a:schemeClr val="lt1"/>
-    </dgm:linClrLst>
-    <dgm:effectClrLst/>
-    <dgm:txLinClrLst/>
-    <dgm:txFillClrLst/>
-    <dgm:txEffectClrLst/>
-  </dgm:styleLbl>
-  <dgm:styleLbl name="alignNode1">
-    <dgm:fillClrLst meth="repeat">
-      <a:schemeClr val="accent1"/>
-    </dgm:fillClrLst>
-    <dgm:linClrLst meth="repeat">
-      <a:schemeClr val="accent1"/>
-    </dgm:linClrLst>
-    <dgm:effectClrLst/>
-    <dgm:txLinClrLst/>
-    <dgm:txFillClrLst/>
-    <dgm:txEffectClrLst/>
-  </dgm:styleLbl>
-  <dgm:styleLbl name="node1">
-    <dgm:fillClrLst meth="repeat">
-      <a:schemeClr val="accent1"/>
-    </dgm:fillClrLst>
-    <dgm:linClrLst meth="repeat">
-      <a:schemeClr val="lt1"/>
-    </dgm:linClrLst>
-    <dgm:effectClrLst/>
-    <dgm:txLinClrLst/>
-    <dgm:txFillClrLst/>
-    <dgm:txEffectClrLst/>
-  </dgm:styleLbl>
-  <dgm:styleLbl name="lnNode1">
-    <dgm:fillClrLst meth="repeat">
-      <a:schemeClr val="accent1"/>
-    </dgm:fillClrLst>
-    <dgm:linClrLst meth="repeat">
-      <a:schemeClr val="lt1"/>
-    </dgm:linClrLst>
-    <dgm:effectClrLst/>
-    <dgm:txLinClrLst/>
-    <dgm:txFillClrLst/>
-    <dgm:txEffectClrLst/>
-  </dgm:styleLbl>
-  <dgm:styleLbl name="vennNode1">
-    <dgm:fillClrLst meth="repeat">
-      <a:schemeClr val="accent1">
-        <a:alpha val="50000"/>
-      </a:schemeClr>
-    </dgm:fillClrLst>
-    <dgm:linClrLst meth="repeat">
-      <a:schemeClr val="lt1"/>
-    </dgm:linClrLst>
-    <dgm:effectClrLst/>
-    <dgm:txLinClrLst/>
-    <dgm:txFillClrLst/>
-    <dgm:txEffectClrLst/>
-  </dgm:styleLbl>
-  <dgm:styleLbl name="node2">
-    <dgm:fillClrLst meth="repeat">
-      <a:schemeClr val="accent1"/>
-    </dgm:fillClrLst>
-    <dgm:linClrLst meth="repeat">
-      <a:schemeClr val="lt1"/>
-    </dgm:linClrLst>
-    <dgm:effectClrLst/>
-    <dgm:txLinClrLst/>
-    <dgm:txFillClrLst/>
-    <dgm:txEffectClrLst/>
-  </dgm:styleLbl>
-  <dgm:styleLbl name="node3">
-    <dgm:fillClrLst meth="repeat">
-      <a:schemeClr val="accent1"/>
-    </dgm:fillClrLst>
-    <dgm:linClrLst meth="repeat">
-      <a:schemeClr val="lt1"/>
-    </dgm:linClrLst>
-    <dgm:effectClrLst/>
-    <dgm:txLinClrLst/>
-    <dgm:txFillClrLst/>
-    <dgm:txEffectClrLst/>
-  </dgm:styleLbl>
-  <dgm:styleLbl name="node4">
-    <dgm:fillClrLst meth="repeat">
-      <a:schemeClr val="accent1"/>
-    </dgm:fillClrLst>
-    <dgm:linClrLst meth="repeat">
-      <a:schemeClr val="lt1"/>
-    </dgm:linClrLst>
-    <dgm:effectClrLst/>
-    <dgm:txLinClrLst/>
-    <dgm:txFillClrLst/>
-    <dgm:txEffectClrLst/>
-  </dgm:styleLbl>
-  <dgm:styleLbl name="fgImgPlace1">
-    <dgm:fillClrLst meth="repeat">
-      <a:schemeClr val="accent1">
-        <a:tint val="50000"/>
-      </a:schemeClr>
-    </dgm:fillClrLst>
-    <dgm:linClrLst meth="repeat">
-      <a:schemeClr val="lt1"/>
-    </dgm:linClrLst>
-    <dgm:effectClrLst/>
-    <dgm:txLinClrLst/>
-    <dgm:txFillClrLst meth="repeat">
-      <a:schemeClr val="lt1"/>
-    </dgm:txFillClrLst>
-    <dgm:txEffectClrLst/>
-  </dgm:styleLbl>
-  <dgm:styleLbl name="alignImgPlace1">
-    <dgm:fillClrLst meth="repeat">
-      <a:schemeClr val="accent1">
-        <a:tint val="50000"/>
-      </a:schemeClr>
-    </dgm:fillClrLst>
-    <dgm:linClrLst meth="repeat">
-      <a:schemeClr val="lt1"/>
-    </dgm:linClrLst>
-    <dgm:effectClrLst/>
-    <dgm:txLinClrLst/>
-    <dgm:txFillClrLst meth="repeat">
-      <a:schemeClr val="lt1"/>
-    </dgm:txFillClrLst>
-    <dgm:txEffectClrLst/>
-  </dgm:styleLbl>
-  <dgm:styleLbl name="bgImgPlace1">
-    <dgm:fillClrLst meth="repeat">
-      <a:schemeClr val="accent1">
-        <a:tint val="50000"/>
-      </a:schemeClr>
-    </dgm:fillClrLst>
-    <dgm:linClrLst meth="repeat">
-      <a:schemeClr val="lt1"/>
-    </dgm:linClrLst>
-    <dgm:effectClrLst/>
-    <dgm:txLinClrLst/>
-    <dgm:txFillClrLst meth="repeat">
-      <a:schemeClr val="lt1"/>
-    </dgm:txFillClrLst>
-    <dgm:txEffectClrLst/>
-  </dgm:styleLbl>
-  <dgm:styleLbl name="sibTrans2D1">
-    <dgm:fillClrLst meth="repeat">
-      <a:schemeClr val="accent1">
-        <a:tint val="60000"/>
-      </a:schemeClr>
-    </dgm:fillClrLst>
-    <dgm:linClrLst meth="repeat">
-      <a:schemeClr val="accent1">
-        <a:tint val="60000"/>
-      </a:schemeClr>
-    </dgm:linClrLst>
-    <dgm:effectClrLst/>
-    <dgm:txLinClrLst/>
-    <dgm:txFillClrLst/>
-    <dgm:txEffectClrLst/>
-  </dgm:styleLbl>
-  <dgm:styleLbl name="fgSibTrans2D1">
-    <dgm:fillClrLst meth="repeat">
-      <a:schemeClr val="accent1">
-        <a:tint val="60000"/>
-      </a:schemeClr>
-    </dgm:fillClrLst>
-    <dgm:linClrLst meth="repeat">
-      <a:schemeClr val="accent1">
-        <a:tint val="60000"/>
-      </a:schemeClr>
-    </dgm:linClrLst>
-    <dgm:effectClrLst/>
-    <dgm:txLinClrLst/>
-    <dgm:txFillClrLst/>
-    <dgm:txEffectClrLst/>
-  </dgm:styleLbl>
-  <dgm:styleLbl name="bgSibTrans2D1">
-    <dgm:fillClrLst meth="repeat">
-      <a:schemeClr val="accent1">
-        <a:tint val="60000"/>
-      </a:schemeClr>
-    </dgm:fillClrLst>
-    <dgm:linClrLst meth="repeat">
-      <a:schemeClr val="accent1">
-        <a:tint val="60000"/>
-      </a:schemeClr>
-    </dgm:linClrLst>
-    <dgm:effectClrLst/>
-    <dgm:txLinClrLst/>
-    <dgm:txFillClrLst/>
-    <dgm:txEffectClrLst/>
-  </dgm:styleLbl>
-  <dgm:styleLbl name="sibTrans1D1">
-    <dgm:fillClrLst meth="repeat">
-      <a:schemeClr val="accent1"/>
-    </dgm:fillClrLst>
-    <dgm:linClrLst meth="repeat">
-      <a:schemeClr val="accent1"/>
-    </dgm:linClrLst>
-    <dgm:effectClrLst/>
-    <dgm:txLinClrLst/>
-    <dgm:txFillClrLst meth="repeat">
-      <a:schemeClr val="tx1"/>
-    </dgm:txFillClrLst>
-    <dgm:txEffectClrLst/>
-  </dgm:styleLbl>
-  <dgm:styleLbl name="callout">
-    <dgm:fillClrLst meth="repeat">
-      <a:schemeClr val="accent1"/>
-    </dgm:fillClrLst>
-    <dgm:linClrLst meth="repeat">
-      <a:schemeClr val="accent1">
-        <a:tint val="50000"/>
-      </a:schemeClr>
-    </dgm:linClrLst>
-    <dgm:effectClrLst/>
-    <dgm:txLinClrLst/>
-    <dgm:txFillClrLst meth="repeat">
-      <a:schemeClr val="tx1"/>
-    </dgm:txFillClrLst>
-    <dgm:txEffectClrLst/>
-  </dgm:styleLbl>
-  <dgm:styleLbl name="asst0">
-    <dgm:fillClrLst meth="repeat">
-      <a:schemeClr val="accent1"/>
-    </dgm:fillClrLst>
-    <dgm:linClrLst meth="repeat">
-      <a:schemeClr val="lt1"/>
-    </dgm:linClrLst>
-    <dgm:effectClrLst/>
-    <dgm:txLinClrLst/>
-    <dgm:txFillClrLst/>
-    <dgm:txEffectClrLst/>
-  </dgm:styleLbl>
-  <dgm:styleLbl name="asst1">
-    <dgm:fillClrLst meth="repeat">
-      <a:schemeClr val="accent1"/>
-    </dgm:fillClrLst>
-    <dgm:linClrLst meth="repeat">
-      <a:schemeClr val="lt1"/>
-    </dgm:linClrLst>
-    <dgm:effectClrLst/>
-    <dgm:txLinClrLst/>
-    <dgm:txFillClrLst/>
-    <dgm:txEffectClrLst/>
-  </dgm:styleLbl>
-  <dgm:styleLbl name="asst2">
-    <dgm:fillClrLst meth="repeat">
-      <a:schemeClr val="accent1"/>
-    </dgm:fillClrLst>
-    <dgm:linClrLst meth="repeat">
-      <a:schemeClr val="lt1"/>
-    </dgm:linClrLst>
-    <dgm:effectClrLst/>
-    <dgm:txLinClrLst/>
-    <dgm:txFillClrLst/>
-    <dgm:txEffectClrLst/>
-  </dgm:styleLbl>
-  <dgm:styleLbl name="asst3">
-    <dgm:fillClrLst meth="repeat">
-      <a:schemeClr val="accent1"/>
-    </dgm:fillClrLst>
-    <dgm:linClrLst meth="repeat">
-      <a:schemeClr val="lt1"/>
-    </dgm:linClrLst>
-    <dgm:effectClrLst/>
-    <dgm:txLinClrLst/>
-    <dgm:txFillClrLst/>
-    <dgm:txEffectClrLst/>
-  </dgm:styleLbl>
-  <dgm:styleLbl name="asst4">
-    <dgm:fillClrLst meth="repeat">
-      <a:schemeClr val="accent1"/>
-    </dgm:fillClrLst>
-    <dgm:linClrLst meth="repeat">
-      <a:schemeClr val="lt1"/>
-    </dgm:linClrLst>
-    <dgm:effectClrLst/>
-    <dgm:txLinClrLst/>
-    <dgm:txFillClrLst/>
-    <dgm:txEffectClrLst/>
-  </dgm:styleLbl>
-  <dgm:styleLbl name="parChTrans2D1">
-    <dgm:fillClrLst meth="repeat">
-      <a:schemeClr val="accent1">
-        <a:tint val="60000"/>
-      </a:schemeClr>
-    </dgm:fillClrLst>
-    <dgm:linClrLst meth="repeat">
-      <a:schemeClr val="accent1">
-        <a:tint val="60000"/>
-      </a:schemeClr>
-    </dgm:linClrLst>
-    <dgm:effectClrLst/>
-    <dgm:txLinClrLst/>
-    <dgm:txFillClrLst meth="repeat">
-      <a:schemeClr val="lt1"/>
-    </dgm:txFillClrLst>
-    <dgm:txEffectClrLst/>
-  </dgm:styleLbl>
-  <dgm:styleLbl name="parChTrans2D2">
-    <dgm:fillClrLst meth="repeat">
-      <a:schemeClr val="accent1"/>
-    </dgm:fillClrLst>
-    <dgm:linClrLst meth="repeat">
-      <a:schemeClr val="accent1"/>
-    </dgm:linClrLst>
-    <dgm:effectClrLst/>
-    <dgm:txLinClrLst/>
-    <dgm:txFillClrLst meth="repeat">
-      <a:schemeClr val="lt1"/>
-    </dgm:txFillClrLst>
-    <dgm:txEffectClrLst/>
-  </dgm:styleLbl>
-  <dgm:styleLbl name="parChTrans2D3">
-    <dgm:fillClrLst meth="repeat">
-      <a:schemeClr val="accent1"/>
-    </dgm:fillClrLst>
-    <dgm:linClrLst meth="repeat">
-      <a:schemeClr val="accent1"/>
-    </dgm:linClrLst>
-    <dgm:effectClrLst/>
-    <dgm:txLinClrLst/>
-    <dgm:txFillClrLst meth="repeat">
-      <a:schemeClr val="lt1"/>
-    </dgm:txFillClrLst>
-    <dgm:txEffectClrLst/>
-  </dgm:styleLbl>
-  <dgm:styleLbl name="parChTrans2D4">
-    <dgm:fillClrLst meth="repeat">
-      <a:schemeClr val="accent1"/>
-    </dgm:fillClrLst>
-    <dgm:linClrLst meth="repeat">
-      <a:schemeClr val="accent1"/>
-    </dgm:linClrLst>
-    <dgm:effectClrLst/>
-    <dgm:txLinClrLst/>
-    <dgm:txFillClrLst meth="repeat">
-      <a:schemeClr val="lt1"/>
-    </dgm:txFillClrLst>
-    <dgm:txEffectClrLst/>
-  </dgm:styleLbl>
-  <dgm:styleLbl name="parChTrans1D1">
-    <dgm:fillClrLst meth="repeat">
-      <a:schemeClr val="accent1"/>
-    </dgm:fillClrLst>
-    <dgm:linClrLst meth="repeat">
-      <a:schemeClr val="accent1">
-        <a:shade val="60000"/>
-      </a:schemeClr>
-    </dgm:linClrLst>
-    <dgm:effectClrLst/>
-    <dgm:txLinClrLst/>
-    <dgm:txFillClrLst meth="repeat">
-      <a:schemeClr val="tx1"/>
-    </dgm:txFillClrLst>
-    <dgm:txEffectClrLst/>
-  </dgm:styleLbl>
-  <dgm:styleLbl name="parChTrans1D2">
-    <dgm:fillClrLst meth="repeat">
-      <a:schemeClr val="accent1"/>
-    </dgm:fillClrLst>
-    <dgm:linClrLst meth="repeat">
-      <a:schemeClr val="accent1">
-        <a:shade val="60000"/>
-      </a:schemeClr>
-    </dgm:linClrLst>
-    <dgm:effectClrLst/>
-    <dgm:txLinClrLst/>
-    <dgm:txFillClrLst meth="repeat">
-      <a:schemeClr val="tx1"/>
-    </dgm:txFillClrLst>
-    <dgm:txEffectClrLst/>
-  </dgm:styleLbl>
-  <dgm:styleLbl name="parChTrans1D3">
-    <dgm:fillClrLst meth="repeat">
-      <a:schemeClr val="accent1"/>
-    </dgm:fillClrLst>
-    <dgm:linClrLst meth="repeat">
-      <a:schemeClr val="accent1">
-        <a:shade val="80000"/>
-      </a:schemeClr>
-    </dgm:linClrLst>
-    <dgm:effectClrLst/>
-    <dgm:txLinClrLst/>
-    <dgm:txFillClrLst meth="repeat">
-      <a:schemeClr val="tx1"/>
-    </dgm:txFillClrLst>
-    <dgm:txEffectClrLst/>
-  </dgm:styleLbl>
-  <dgm:styleLbl name="parChTrans1D4">
-    <dgm:fillClrLst meth="repeat">
-      <a:schemeClr val="accent1"/>
-    </dgm:fillClrLst>
-    <dgm:linClrLst meth="repeat">
-      <a:schemeClr val="accent1">
-        <a:shade val="80000"/>
-      </a:schemeClr>
-    </dgm:linClrLst>
-    <dgm:effectClrLst/>
-    <dgm:txLinClrLst/>
-    <dgm:txFillClrLst meth="repeat">
-      <a:schemeClr val="tx1"/>
-    </dgm:txFillClrLst>
-    <dgm:txEffectClrLst/>
-  </dgm:styleLbl>
-  <dgm:styleLbl name="fgAcc1">
-    <dgm:fillClrLst meth="repeat">
-      <a:schemeClr val="lt1">
-        <a:alpha val="90000"/>
-      </a:schemeClr>
-    </dgm:fillClrLst>
-    <dgm:linClrLst meth="repeat">
-      <a:schemeClr val="accent1"/>
-    </dgm:linClrLst>
-    <dgm:effectClrLst/>
-    <dgm:txLinClrLst/>
-    <dgm:txFillClrLst meth="repeat">
-      <a:schemeClr val="dk1"/>
-    </dgm:txFillClrLst>
-    <dgm:txEffectClrLst/>
-  </dgm:styleLbl>
-  <dgm:styleLbl name="conFgAcc1">
-    <dgm:fillClrLst meth="repeat">
-      <a:schemeClr val="lt1">
-        <a:alpha val="90000"/>
-      </a:schemeClr>
-    </dgm:fillClrLst>
-    <dgm:linClrLst meth="repeat">
-      <a:schemeClr val="accent1"/>
-    </dgm:linClrLst>
-    <dgm:effectClrLst/>
-    <dgm:txLinClrLst/>
-    <dgm:txFillClrLst meth="repeat">
-      <a:schemeClr val="dk1"/>
-    </dgm:txFillClrLst>
-    <dgm:txEffectClrLst/>
-  </dgm:styleLbl>
-  <dgm:styleLbl name="alignAcc1">
-    <dgm:fillClrLst meth="repeat">
-      <a:schemeClr val="lt1">
-        <a:alpha val="90000"/>
-      </a:schemeClr>
-    </dgm:fillClrLst>
-    <dgm:linClrLst meth="repeat">
-      <a:schemeClr val="accent1"/>
-    </dgm:linClrLst>
-    <dgm:effectClrLst/>
-    <dgm:txLinClrLst/>
-    <dgm:txFillClrLst meth="repeat">
-      <a:schemeClr val="dk1"/>
-    </dgm:txFillClrLst>
-    <dgm:txEffectClrLst/>
-  </dgm:styleLbl>
-  <dgm:styleLbl name="trAlignAcc1">
-    <dgm:fillClrLst meth="repeat">
-      <a:schemeClr val="lt1">
-        <a:alpha val="40000"/>
-      </a:schemeClr>
-    </dgm:fillClrLst>
-    <dgm:linClrLst meth="repeat">
-      <a:schemeClr val="accent1"/>
-    </dgm:linClrLst>
-    <dgm:effectClrLst/>
-    <dgm:txLinClrLst/>
-    <dgm:txFillClrLst meth="repeat">
-      <a:schemeClr val="dk1"/>
-    </dgm:txFillClrLst>
-    <dgm:txEffectClrLst/>
-  </dgm:styleLbl>
-  <dgm:styleLbl name="bgAcc1">
-    <dgm:fillClrLst meth="repeat">
-      <a:schemeClr val="lt1">
-        <a:alpha val="90000"/>
-      </a:schemeClr>
-    </dgm:fillClrLst>
-    <dgm:linClrLst meth="repeat">
-      <a:schemeClr val="accent1"/>
-    </dgm:linClrLst>
-    <dgm:effectClrLst/>
-    <dgm:txLinClrLst/>
-    <dgm:txFillClrLst meth="repeat">
-      <a:schemeClr val="dk1"/>
-    </dgm:txFillClrLst>
-    <dgm:txEffectClrLst/>
-  </dgm:styleLbl>
-  <dgm:styleLbl name="solidFgAcc1">
-    <dgm:fillClrLst meth="repeat">
-      <a:schemeClr val="lt1"/>
-    </dgm:fillClrLst>
-    <dgm:linClrLst meth="repeat">
-      <a:schemeClr val="accent1"/>
-    </dgm:linClrLst>
-    <dgm:effectClrLst/>
-    <dgm:txLinClrLst/>
-    <dgm:txFillClrLst meth="repeat">
-      <a:schemeClr val="dk1"/>
-    </dgm:txFillClrLst>
-    <dgm:txEffectClrLst/>
-  </dgm:styleLbl>
-  <dgm:styleLbl name="solidAlignAcc1">
-    <dgm:fillClrLst meth="repeat">
-      <a:schemeClr val="lt1"/>
-    </dgm:fillClrLst>
-    <dgm:linClrLst meth="repeat">
-      <a:schemeClr val="accent1"/>
-    </dgm:linClrLst>
-    <dgm:effectClrLst/>
-    <dgm:txLinClrLst/>
-    <dgm:txFillClrLst meth="repeat">
-      <a:schemeClr val="dk1"/>
-    </dgm:txFillClrLst>
-    <dgm:txEffectClrLst/>
-  </dgm:styleLbl>
-  <dgm:styleLbl name="solidBgAcc1">
-    <dgm:fillClrLst meth="repeat">
-      <a:schemeClr val="lt1"/>
-    </dgm:fillClrLst>
-    <dgm:linClrLst meth="repeat">
-      <a:schemeClr val="accent1"/>
-    </dgm:linClrLst>
-    <dgm:effectClrLst/>
-    <dgm:txLinClrLst/>
-    <dgm:txFillClrLst meth="repeat">
-      <a:schemeClr val="dk1"/>
-    </dgm:txFillClrLst>
-    <dgm:txEffectClrLst/>
-  </dgm:styleLbl>
-  <dgm:styleLbl name="fgAccFollowNode1">
-    <dgm:fillClrLst meth="repeat">
-      <a:schemeClr val="accent1">
-        <a:alpha val="90000"/>
-        <a:tint val="40000"/>
-      </a:schemeClr>
-    </dgm:fillClrLst>
-    <dgm:linClrLst meth="repeat">
-      <a:schemeClr val="accent1">
-        <a:alpha val="90000"/>
-        <a:tint val="40000"/>
-      </a:schemeClr>
-    </dgm:linClrLst>
-    <dgm:effectClrLst/>
-    <dgm:txLinClrLst/>
-    <dgm:txFillClrLst meth="repeat">
-      <a:schemeClr val="dk1"/>
-    </dgm:txFillClrLst>
-    <dgm:txEffectClrLst/>
-  </dgm:styleLbl>
-  <dgm:styleLbl name="alignAccFollowNode1">
-    <dgm:fillClrLst meth="repeat">
-      <a:schemeClr val="accent1">
-        <a:alpha val="90000"/>
-        <a:tint val="40000"/>
-      </a:schemeClr>
-    </dgm:fillClrLst>
-    <dgm:linClrLst meth="repeat">
-      <a:schemeClr val="accent1">
-        <a:alpha val="90000"/>
-        <a:tint val="40000"/>
-      </a:schemeClr>
-    </dgm:linClrLst>
-    <dgm:effectClrLst/>
-    <dgm:txLinClrLst/>
-    <dgm:txFillClrLst meth="repeat">
-      <a:schemeClr val="dk1"/>
-    </dgm:txFillClrLst>
-    <dgm:txEffectClrLst/>
-  </dgm:styleLbl>
-  <dgm:styleLbl name="bgAccFollowNode1">
-    <dgm:fillClrLst meth="repeat">
-      <a:schemeClr val="accent1">
-        <a:alpha val="90000"/>
-        <a:tint val="40000"/>
-      </a:schemeClr>
-    </dgm:fillClrLst>
-    <dgm:linClrLst meth="repeat">
-      <a:schemeClr val="accent1">
-        <a:alpha val="90000"/>
-        <a:tint val="40000"/>
-      </a:schemeClr>
-    </dgm:linClrLst>
-    <dgm:effectClrLst/>
-    <dgm:txLinClrLst/>
-    <dgm:txFillClrLst meth="repeat">
-      <a:schemeClr val="dk1"/>
-    </dgm:txFillClrLst>
-    <dgm:txEffectClrLst/>
-  </dgm:styleLbl>
-  <dgm:styleLbl name="fgAcc0">
-    <dgm:fillClrLst meth="repeat">
-      <a:schemeClr val="lt1">
-        <a:alpha val="90000"/>
-      </a:schemeClr>
-    </dgm:fillClrLst>
-    <dgm:linClrLst meth="repeat">
-      <a:schemeClr val="accent1"/>
-    </dgm:linClrLst>
-    <dgm:effectClrLst/>
-    <dgm:txLinClrLst/>
-    <dgm:txFillClrLst meth="repeat">
-      <a:schemeClr val="dk1"/>
-    </dgm:txFillClrLst>
-    <dgm:txEffectClrLst/>
-  </dgm:styleLbl>
-  <dgm:styleLbl name="fgAcc2">
-    <dgm:fillClrLst meth="repeat">
-      <a:schemeClr val="lt1">
-        <a:alpha val="90000"/>
-      </a:schemeClr>
-    </dgm:fillClrLst>
-    <dgm:linClrLst meth="repeat">
-      <a:schemeClr val="accent1"/>
-    </dgm:linClrLst>
-    <dgm:effectClrLst/>
-    <dgm:txLinClrLst/>
-    <dgm:txFillClrLst meth="repeat">
-      <a:schemeClr val="dk1"/>
-    </dgm:txFillClrLst>
-    <dgm:txEffectClrLst/>
-  </dgm:styleLbl>
-  <dgm:styleLbl name="fgAcc3">
-    <dgm:fillClrLst meth="repeat">
-      <a:schemeClr val="lt1">
-        <a:alpha val="90000"/>
-      </a:schemeClr>
-    </dgm:fillClrLst>
-    <dgm:linClrLst meth="repeat">
-      <a:schemeClr val="accent1"/>
-    </dgm:linClrLst>
-    <dgm:effectClrLst/>
-    <dgm:txLinClrLst/>
-    <dgm:txFillClrLst meth="repeat">
-      <a:schemeClr val="dk1"/>
-    </dgm:txFillClrLst>
-    <dgm:txEffectClrLst/>
-  </dgm:styleLbl>
-  <dgm:styleLbl name="fgAcc4">
-    <dgm:fillClrLst meth="repeat">
-      <a:schemeClr val="lt1">
-        <a:alpha val="90000"/>
-      </a:schemeClr>
-    </dgm:fillClrLst>
-    <dgm:linClrLst meth="repeat">
-      <a:schemeClr val="accent1"/>
-    </dgm:linClrLst>
-    <dgm:effectClrLst/>
-    <dgm:txLinClrLst/>
-    <dgm:txFillClrLst meth="repeat">
-      <a:schemeClr val="dk1"/>
-    </dgm:txFillClrLst>
-    <dgm:txEffectClrLst/>
-  </dgm:styleLbl>
-  <dgm:styleLbl name="bgShp">
-    <dgm:fillClrLst meth="repeat">
-      <a:schemeClr val="accent1">
-        <a:tint val="40000"/>
-      </a:schemeClr>
-    </dgm:fillClrLst>
-    <dgm:linClrLst meth="repeat">
-      <a:schemeClr val="accent1"/>
-    </dgm:linClrLst>
-    <dgm:effectClrLst/>
-    <dgm:txLinClrLst/>
-    <dgm:txFillClrLst meth="repeat">
-      <a:schemeClr val="dk1"/>
-    </dgm:txFillClrLst>
-    <dgm:txEffectClrLst/>
-  </dgm:styleLbl>
-  <dgm:styleLbl name="dkBgShp">
-    <dgm:fillClrLst meth="repeat">
-      <a:schemeClr val="accent1">
-        <a:shade val="80000"/>
-      </a:schemeClr>
-    </dgm:fillClrLst>
-    <dgm:linClrLst meth="repeat">
-      <a:schemeClr val="accent1"/>
-    </dgm:linClrLst>
-    <dgm:effectClrLst/>
-    <dgm:txLinClrLst/>
-    <dgm:txFillClrLst meth="repeat">
-      <a:schemeClr val="lt1"/>
-    </dgm:txFillClrLst>
-    <dgm:txEffectClrLst/>
-  </dgm:styleLbl>
-  <dgm:styleLbl name="trBgShp">
-    <dgm:fillClrLst meth="repeat">
-      <a:schemeClr val="accent1">
-        <a:tint val="50000"/>
-        <a:alpha val="40000"/>
-      </a:schemeClr>
-    </dgm:fillClrLst>
-    <dgm:linClrLst meth="repeat">
-      <a:schemeClr val="accent1"/>
-    </dgm:linClrLst>
-    <dgm:effectClrLst/>
-    <dgm:txLinClrLst/>
-    <dgm:txFillClrLst meth="repeat">
-      <a:schemeClr val="lt1"/>
-    </dgm:txFillClrLst>
-    <dgm:txEffectClrLst/>
-  </dgm:styleLbl>
-  <dgm:styleLbl name="fgShp">
-    <dgm:fillClrLst meth="repeat">
-      <a:schemeClr val="accent1">
-        <a:tint val="60000"/>
-      </a:schemeClr>
-    </dgm:fillClrLst>
-    <dgm:linClrLst meth="repeat">
-      <a:schemeClr val="lt1"/>
-    </dgm:linClrLst>
-    <dgm:effectClrLst/>
-    <dgm:txLinClrLst/>
-    <dgm:txFillClrLst meth="repeat">
-      <a:schemeClr val="dk1"/>
-    </dgm:txFillClrLst>
-    <dgm:txEffectClrLst/>
-  </dgm:styleLbl>
-  <dgm:styleLbl name="revTx">
-    <dgm:fillClrLst meth="repeat">
-      <a:schemeClr val="lt1">
-        <a:alpha val="0"/>
-      </a:schemeClr>
-    </dgm:fillClrLst>
-    <dgm:linClrLst meth="repeat">
-      <a:schemeClr val="dk1">
-        <a:alpha val="0"/>
-      </a:schemeClr>
-    </dgm:linClrLst>
-    <dgm:effectClrLst/>
-    <dgm:txLinClrLst/>
-    <dgm:txFillClrLst meth="repeat">
-      <a:schemeClr val="tx1"/>
-    </dgm:txFillClrLst>
-    <dgm:txEffectClrLst/>
-  </dgm:styleLbl>
-</dgm:colorsDef>
-</file>
-
-<file path=ppt/diagrams/colors4.xml><?xml version="1.0" encoding="utf-8"?>
 <dgm:colorsDef xmlns:dgm="http://schemas.openxmlformats.org/drawingml/2006/diagram" xmlns:a="http://schemas.openxmlformats.org/drawingml/2006/main" uniqueId="urn:microsoft.com/office/officeart/2005/8/colors/colorful2">
   <dgm:title val=""/>
   <dgm:desc val=""/>
@@ -3161,7 +2409,7 @@
 </dgm:colorsDef>
 </file>
 
-<file path=ppt/diagrams/colors5.xml><?xml version="1.0" encoding="utf-8"?>
+<file path=ppt/diagrams/colors4.xml><?xml version="1.0" encoding="utf-8"?>
 <dgm:colorsDef xmlns:dgm="http://schemas.openxmlformats.org/drawingml/2006/diagram" xmlns:a="http://schemas.openxmlformats.org/drawingml/2006/main" uniqueId="urn:microsoft.com/office/officeart/2005/8/colors/accent1_2">
   <dgm:title val=""/>
   <dgm:desc val=""/>
@@ -3874,6 +3122,753 @@
   <dgm:styleLbl name="fgShp">
     <dgm:fillClrLst meth="repeat">
       <a:schemeClr val="accent1">
+        <a:tint val="60000"/>
+      </a:schemeClr>
+    </dgm:fillClrLst>
+    <dgm:linClrLst meth="repeat">
+      <a:schemeClr val="lt1"/>
+    </dgm:linClrLst>
+    <dgm:effectClrLst/>
+    <dgm:txLinClrLst/>
+    <dgm:txFillClrLst meth="repeat">
+      <a:schemeClr val="dk1"/>
+    </dgm:txFillClrLst>
+    <dgm:txEffectClrLst/>
+  </dgm:styleLbl>
+  <dgm:styleLbl name="revTx">
+    <dgm:fillClrLst meth="repeat">
+      <a:schemeClr val="lt1">
+        <a:alpha val="0"/>
+      </a:schemeClr>
+    </dgm:fillClrLst>
+    <dgm:linClrLst meth="repeat">
+      <a:schemeClr val="dk1">
+        <a:alpha val="0"/>
+      </a:schemeClr>
+    </dgm:linClrLst>
+    <dgm:effectClrLst/>
+    <dgm:txLinClrLst/>
+    <dgm:txFillClrLst meth="repeat">
+      <a:schemeClr val="tx1"/>
+    </dgm:txFillClrLst>
+    <dgm:txEffectClrLst/>
+  </dgm:styleLbl>
+</dgm:colorsDef>
+</file>
+
+<file path=ppt/diagrams/colors5.xml><?xml version="1.0" encoding="utf-8"?>
+<dgm:colorsDef xmlns:dgm="http://schemas.openxmlformats.org/drawingml/2006/diagram" xmlns:a="http://schemas.openxmlformats.org/drawingml/2006/main" uniqueId="urn:microsoft.com/office/officeart/2005/8/colors/accent2_2">
+  <dgm:title val=""/>
+  <dgm:desc val=""/>
+  <dgm:catLst>
+    <dgm:cat type="accent2" pri="11200"/>
+  </dgm:catLst>
+  <dgm:styleLbl name="node0">
+    <dgm:fillClrLst meth="repeat">
+      <a:schemeClr val="accent2"/>
+    </dgm:fillClrLst>
+    <dgm:linClrLst meth="repeat">
+      <a:schemeClr val="lt1"/>
+    </dgm:linClrLst>
+    <dgm:effectClrLst/>
+    <dgm:txLinClrLst/>
+    <dgm:txFillClrLst/>
+    <dgm:txEffectClrLst/>
+  </dgm:styleLbl>
+  <dgm:styleLbl name="node1">
+    <dgm:fillClrLst meth="repeat">
+      <a:schemeClr val="accent2"/>
+    </dgm:fillClrLst>
+    <dgm:linClrLst meth="repeat">
+      <a:schemeClr val="lt1"/>
+    </dgm:linClrLst>
+    <dgm:effectClrLst/>
+    <dgm:txLinClrLst/>
+    <dgm:txFillClrLst/>
+    <dgm:txEffectClrLst/>
+  </dgm:styleLbl>
+  <dgm:styleLbl name="alignNode1">
+    <dgm:fillClrLst meth="repeat">
+      <a:schemeClr val="accent2"/>
+    </dgm:fillClrLst>
+    <dgm:linClrLst meth="repeat">
+      <a:schemeClr val="accent2"/>
+    </dgm:linClrLst>
+    <dgm:effectClrLst/>
+    <dgm:txLinClrLst/>
+    <dgm:txFillClrLst/>
+    <dgm:txEffectClrLst/>
+  </dgm:styleLbl>
+  <dgm:styleLbl name="lnNode1">
+    <dgm:fillClrLst meth="repeat">
+      <a:schemeClr val="accent2"/>
+    </dgm:fillClrLst>
+    <dgm:linClrLst meth="repeat">
+      <a:schemeClr val="lt1"/>
+    </dgm:linClrLst>
+    <dgm:effectClrLst/>
+    <dgm:txLinClrLst/>
+    <dgm:txFillClrLst/>
+    <dgm:txEffectClrLst/>
+  </dgm:styleLbl>
+  <dgm:styleLbl name="vennNode1">
+    <dgm:fillClrLst meth="repeat">
+      <a:schemeClr val="accent2">
+        <a:alpha val="50000"/>
+      </a:schemeClr>
+    </dgm:fillClrLst>
+    <dgm:linClrLst meth="repeat">
+      <a:schemeClr val="lt1"/>
+    </dgm:linClrLst>
+    <dgm:effectClrLst/>
+    <dgm:txLinClrLst/>
+    <dgm:txFillClrLst/>
+    <dgm:txEffectClrLst/>
+  </dgm:styleLbl>
+  <dgm:styleLbl name="node2">
+    <dgm:fillClrLst meth="repeat">
+      <a:schemeClr val="accent2"/>
+    </dgm:fillClrLst>
+    <dgm:linClrLst meth="repeat">
+      <a:schemeClr val="lt1"/>
+    </dgm:linClrLst>
+    <dgm:effectClrLst/>
+    <dgm:txLinClrLst/>
+    <dgm:txFillClrLst/>
+    <dgm:txEffectClrLst/>
+  </dgm:styleLbl>
+  <dgm:styleLbl name="node3">
+    <dgm:fillClrLst meth="repeat">
+      <a:schemeClr val="accent2"/>
+    </dgm:fillClrLst>
+    <dgm:linClrLst meth="repeat">
+      <a:schemeClr val="lt1"/>
+    </dgm:linClrLst>
+    <dgm:effectClrLst/>
+    <dgm:txLinClrLst/>
+    <dgm:txFillClrLst/>
+    <dgm:txEffectClrLst/>
+  </dgm:styleLbl>
+  <dgm:styleLbl name="node4">
+    <dgm:fillClrLst meth="repeat">
+      <a:schemeClr val="accent2"/>
+    </dgm:fillClrLst>
+    <dgm:linClrLst meth="repeat">
+      <a:schemeClr val="lt1"/>
+    </dgm:linClrLst>
+    <dgm:effectClrLst/>
+    <dgm:txLinClrLst/>
+    <dgm:txFillClrLst/>
+    <dgm:txEffectClrLst/>
+  </dgm:styleLbl>
+  <dgm:styleLbl name="fgImgPlace1">
+    <dgm:fillClrLst meth="repeat">
+      <a:schemeClr val="accent2">
+        <a:tint val="50000"/>
+      </a:schemeClr>
+    </dgm:fillClrLst>
+    <dgm:linClrLst meth="repeat">
+      <a:schemeClr val="lt1"/>
+    </dgm:linClrLst>
+    <dgm:effectClrLst/>
+    <dgm:txLinClrLst/>
+    <dgm:txFillClrLst meth="repeat">
+      <a:schemeClr val="lt1"/>
+    </dgm:txFillClrLst>
+    <dgm:txEffectClrLst/>
+  </dgm:styleLbl>
+  <dgm:styleLbl name="alignImgPlace1">
+    <dgm:fillClrLst meth="repeat">
+      <a:schemeClr val="accent2">
+        <a:tint val="50000"/>
+      </a:schemeClr>
+    </dgm:fillClrLst>
+    <dgm:linClrLst meth="repeat">
+      <a:schemeClr val="lt1"/>
+    </dgm:linClrLst>
+    <dgm:effectClrLst/>
+    <dgm:txLinClrLst/>
+    <dgm:txFillClrLst meth="repeat">
+      <a:schemeClr val="lt1"/>
+    </dgm:txFillClrLst>
+    <dgm:txEffectClrLst/>
+  </dgm:styleLbl>
+  <dgm:styleLbl name="bgImgPlace1">
+    <dgm:fillClrLst meth="repeat">
+      <a:schemeClr val="accent2">
+        <a:tint val="50000"/>
+      </a:schemeClr>
+    </dgm:fillClrLst>
+    <dgm:linClrLst meth="repeat">
+      <a:schemeClr val="lt1"/>
+    </dgm:linClrLst>
+    <dgm:effectClrLst/>
+    <dgm:txLinClrLst/>
+    <dgm:txFillClrLst meth="repeat">
+      <a:schemeClr val="lt1"/>
+    </dgm:txFillClrLst>
+    <dgm:txEffectClrLst/>
+  </dgm:styleLbl>
+  <dgm:styleLbl name="sibTrans2D1">
+    <dgm:fillClrLst meth="repeat">
+      <a:schemeClr val="accent2">
+        <a:tint val="60000"/>
+      </a:schemeClr>
+    </dgm:fillClrLst>
+    <dgm:linClrLst meth="repeat">
+      <a:schemeClr val="accent2">
+        <a:tint val="60000"/>
+      </a:schemeClr>
+    </dgm:linClrLst>
+    <dgm:effectClrLst/>
+    <dgm:txLinClrLst/>
+    <dgm:txFillClrLst/>
+    <dgm:txEffectClrLst/>
+  </dgm:styleLbl>
+  <dgm:styleLbl name="fgSibTrans2D1">
+    <dgm:fillClrLst meth="repeat">
+      <a:schemeClr val="accent2">
+        <a:tint val="60000"/>
+      </a:schemeClr>
+    </dgm:fillClrLst>
+    <dgm:linClrLst meth="repeat">
+      <a:schemeClr val="accent2">
+        <a:tint val="60000"/>
+      </a:schemeClr>
+    </dgm:linClrLst>
+    <dgm:effectClrLst/>
+    <dgm:txLinClrLst/>
+    <dgm:txFillClrLst/>
+    <dgm:txEffectClrLst/>
+  </dgm:styleLbl>
+  <dgm:styleLbl name="bgSibTrans2D1">
+    <dgm:fillClrLst meth="repeat">
+      <a:schemeClr val="accent2">
+        <a:tint val="60000"/>
+      </a:schemeClr>
+    </dgm:fillClrLst>
+    <dgm:linClrLst meth="repeat">
+      <a:schemeClr val="accent2">
+        <a:tint val="60000"/>
+      </a:schemeClr>
+    </dgm:linClrLst>
+    <dgm:effectClrLst/>
+    <dgm:txLinClrLst/>
+    <dgm:txFillClrLst/>
+    <dgm:txEffectClrLst/>
+  </dgm:styleLbl>
+  <dgm:styleLbl name="sibTrans1D1">
+    <dgm:fillClrLst meth="repeat">
+      <a:schemeClr val="accent2"/>
+    </dgm:fillClrLst>
+    <dgm:linClrLst meth="repeat">
+      <a:schemeClr val="accent2"/>
+    </dgm:linClrLst>
+    <dgm:effectClrLst/>
+    <dgm:txLinClrLst/>
+    <dgm:txFillClrLst meth="repeat">
+      <a:schemeClr val="tx1"/>
+    </dgm:txFillClrLst>
+    <dgm:txEffectClrLst/>
+  </dgm:styleLbl>
+  <dgm:styleLbl name="callout">
+    <dgm:fillClrLst meth="repeat">
+      <a:schemeClr val="accent2"/>
+    </dgm:fillClrLst>
+    <dgm:linClrLst meth="repeat">
+      <a:schemeClr val="accent2">
+        <a:tint val="50000"/>
+      </a:schemeClr>
+    </dgm:linClrLst>
+    <dgm:effectClrLst/>
+    <dgm:txLinClrLst/>
+    <dgm:txFillClrLst meth="repeat">
+      <a:schemeClr val="tx1"/>
+    </dgm:txFillClrLst>
+    <dgm:txEffectClrLst/>
+  </dgm:styleLbl>
+  <dgm:styleLbl name="asst0">
+    <dgm:fillClrLst meth="repeat">
+      <a:schemeClr val="accent2"/>
+    </dgm:fillClrLst>
+    <dgm:linClrLst meth="repeat">
+      <a:schemeClr val="lt1"/>
+    </dgm:linClrLst>
+    <dgm:effectClrLst/>
+    <dgm:txLinClrLst/>
+    <dgm:txFillClrLst/>
+    <dgm:txEffectClrLst/>
+  </dgm:styleLbl>
+  <dgm:styleLbl name="asst1">
+    <dgm:fillClrLst meth="repeat">
+      <a:schemeClr val="accent2"/>
+    </dgm:fillClrLst>
+    <dgm:linClrLst meth="repeat">
+      <a:schemeClr val="lt1"/>
+    </dgm:linClrLst>
+    <dgm:effectClrLst/>
+    <dgm:txLinClrLst/>
+    <dgm:txFillClrLst/>
+    <dgm:txEffectClrLst/>
+  </dgm:styleLbl>
+  <dgm:styleLbl name="asst2">
+    <dgm:fillClrLst meth="repeat">
+      <a:schemeClr val="accent2"/>
+    </dgm:fillClrLst>
+    <dgm:linClrLst meth="repeat">
+      <a:schemeClr val="lt1"/>
+    </dgm:linClrLst>
+    <dgm:effectClrLst/>
+    <dgm:txLinClrLst/>
+    <dgm:txFillClrLst/>
+    <dgm:txEffectClrLst/>
+  </dgm:styleLbl>
+  <dgm:styleLbl name="asst3">
+    <dgm:fillClrLst meth="repeat">
+      <a:schemeClr val="accent2"/>
+    </dgm:fillClrLst>
+    <dgm:linClrLst meth="repeat">
+      <a:schemeClr val="lt1"/>
+    </dgm:linClrLst>
+    <dgm:effectClrLst/>
+    <dgm:txLinClrLst/>
+    <dgm:txFillClrLst/>
+    <dgm:txEffectClrLst/>
+  </dgm:styleLbl>
+  <dgm:styleLbl name="asst4">
+    <dgm:fillClrLst meth="repeat">
+      <a:schemeClr val="accent2"/>
+    </dgm:fillClrLst>
+    <dgm:linClrLst meth="repeat">
+      <a:schemeClr val="lt1"/>
+    </dgm:linClrLst>
+    <dgm:effectClrLst/>
+    <dgm:txLinClrLst/>
+    <dgm:txFillClrLst/>
+    <dgm:txEffectClrLst/>
+  </dgm:styleLbl>
+  <dgm:styleLbl name="parChTrans2D1">
+    <dgm:fillClrLst meth="repeat">
+      <a:schemeClr val="accent2">
+        <a:tint val="60000"/>
+      </a:schemeClr>
+    </dgm:fillClrLst>
+    <dgm:linClrLst meth="repeat">
+      <a:schemeClr val="accent2">
+        <a:tint val="60000"/>
+      </a:schemeClr>
+    </dgm:linClrLst>
+    <dgm:effectClrLst/>
+    <dgm:txLinClrLst/>
+    <dgm:txFillClrLst meth="repeat">
+      <a:schemeClr val="lt1"/>
+    </dgm:txFillClrLst>
+    <dgm:txEffectClrLst/>
+  </dgm:styleLbl>
+  <dgm:styleLbl name="parChTrans2D2">
+    <dgm:fillClrLst meth="repeat">
+      <a:schemeClr val="accent2"/>
+    </dgm:fillClrLst>
+    <dgm:linClrLst meth="repeat">
+      <a:schemeClr val="accent2"/>
+    </dgm:linClrLst>
+    <dgm:effectClrLst/>
+    <dgm:txLinClrLst/>
+    <dgm:txFillClrLst meth="repeat">
+      <a:schemeClr val="lt1"/>
+    </dgm:txFillClrLst>
+    <dgm:txEffectClrLst/>
+  </dgm:styleLbl>
+  <dgm:styleLbl name="parChTrans2D3">
+    <dgm:fillClrLst meth="repeat">
+      <a:schemeClr val="accent2"/>
+    </dgm:fillClrLst>
+    <dgm:linClrLst meth="repeat">
+      <a:schemeClr val="accent2"/>
+    </dgm:linClrLst>
+    <dgm:effectClrLst/>
+    <dgm:txLinClrLst/>
+    <dgm:txFillClrLst meth="repeat">
+      <a:schemeClr val="lt1"/>
+    </dgm:txFillClrLst>
+    <dgm:txEffectClrLst/>
+  </dgm:styleLbl>
+  <dgm:styleLbl name="parChTrans2D4">
+    <dgm:fillClrLst meth="repeat">
+      <a:schemeClr val="accent2"/>
+    </dgm:fillClrLst>
+    <dgm:linClrLst meth="repeat">
+      <a:schemeClr val="accent2"/>
+    </dgm:linClrLst>
+    <dgm:effectClrLst/>
+    <dgm:txLinClrLst/>
+    <dgm:txFillClrLst meth="repeat">
+      <a:schemeClr val="lt1"/>
+    </dgm:txFillClrLst>
+    <dgm:txEffectClrLst/>
+  </dgm:styleLbl>
+  <dgm:styleLbl name="parChTrans1D1">
+    <dgm:fillClrLst meth="repeat">
+      <a:schemeClr val="accent2"/>
+    </dgm:fillClrLst>
+    <dgm:linClrLst meth="repeat">
+      <a:schemeClr val="accent2">
+        <a:shade val="60000"/>
+      </a:schemeClr>
+    </dgm:linClrLst>
+    <dgm:effectClrLst/>
+    <dgm:txLinClrLst/>
+    <dgm:txFillClrLst meth="repeat">
+      <a:schemeClr val="tx1"/>
+    </dgm:txFillClrLst>
+    <dgm:txEffectClrLst/>
+  </dgm:styleLbl>
+  <dgm:styleLbl name="parChTrans1D2">
+    <dgm:fillClrLst meth="repeat">
+      <a:schemeClr val="accent2"/>
+    </dgm:fillClrLst>
+    <dgm:linClrLst meth="repeat">
+      <a:schemeClr val="accent2">
+        <a:shade val="60000"/>
+      </a:schemeClr>
+    </dgm:linClrLst>
+    <dgm:effectClrLst/>
+    <dgm:txLinClrLst/>
+    <dgm:txFillClrLst meth="repeat">
+      <a:schemeClr val="tx1"/>
+    </dgm:txFillClrLst>
+    <dgm:txEffectClrLst/>
+  </dgm:styleLbl>
+  <dgm:styleLbl name="parChTrans1D3">
+    <dgm:fillClrLst meth="repeat">
+      <a:schemeClr val="accent2"/>
+    </dgm:fillClrLst>
+    <dgm:linClrLst meth="repeat">
+      <a:schemeClr val="accent2">
+        <a:shade val="80000"/>
+      </a:schemeClr>
+    </dgm:linClrLst>
+    <dgm:effectClrLst/>
+    <dgm:txLinClrLst/>
+    <dgm:txFillClrLst meth="repeat">
+      <a:schemeClr val="tx1"/>
+    </dgm:txFillClrLst>
+    <dgm:txEffectClrLst/>
+  </dgm:styleLbl>
+  <dgm:styleLbl name="parChTrans1D4">
+    <dgm:fillClrLst meth="repeat">
+      <a:schemeClr val="accent2"/>
+    </dgm:fillClrLst>
+    <dgm:linClrLst meth="repeat">
+      <a:schemeClr val="accent2">
+        <a:shade val="80000"/>
+      </a:schemeClr>
+    </dgm:linClrLst>
+    <dgm:effectClrLst/>
+    <dgm:txLinClrLst/>
+    <dgm:txFillClrLst meth="repeat">
+      <a:schemeClr val="tx1"/>
+    </dgm:txFillClrLst>
+    <dgm:txEffectClrLst/>
+  </dgm:styleLbl>
+  <dgm:styleLbl name="fgAcc1">
+    <dgm:fillClrLst meth="repeat">
+      <a:schemeClr val="lt1">
+        <a:alpha val="90000"/>
+      </a:schemeClr>
+    </dgm:fillClrLst>
+    <dgm:linClrLst meth="repeat">
+      <a:schemeClr val="accent2"/>
+    </dgm:linClrLst>
+    <dgm:effectClrLst/>
+    <dgm:txLinClrLst/>
+    <dgm:txFillClrLst meth="repeat">
+      <a:schemeClr val="dk1"/>
+    </dgm:txFillClrLst>
+    <dgm:txEffectClrLst/>
+  </dgm:styleLbl>
+  <dgm:styleLbl name="conFgAcc1">
+    <dgm:fillClrLst meth="repeat">
+      <a:schemeClr val="lt1">
+        <a:alpha val="90000"/>
+      </a:schemeClr>
+    </dgm:fillClrLst>
+    <dgm:linClrLst meth="repeat">
+      <a:schemeClr val="accent2"/>
+    </dgm:linClrLst>
+    <dgm:effectClrLst/>
+    <dgm:txLinClrLst/>
+    <dgm:txFillClrLst meth="repeat">
+      <a:schemeClr val="dk1"/>
+    </dgm:txFillClrLst>
+    <dgm:txEffectClrLst/>
+  </dgm:styleLbl>
+  <dgm:styleLbl name="alignAcc1">
+    <dgm:fillClrLst meth="repeat">
+      <a:schemeClr val="lt1">
+        <a:alpha val="90000"/>
+      </a:schemeClr>
+    </dgm:fillClrLst>
+    <dgm:linClrLst meth="repeat">
+      <a:schemeClr val="accent2"/>
+    </dgm:linClrLst>
+    <dgm:effectClrLst/>
+    <dgm:txLinClrLst/>
+    <dgm:txFillClrLst meth="repeat">
+      <a:schemeClr val="dk1"/>
+    </dgm:txFillClrLst>
+    <dgm:txEffectClrLst/>
+  </dgm:styleLbl>
+  <dgm:styleLbl name="trAlignAcc1">
+    <dgm:fillClrLst meth="repeat">
+      <a:schemeClr val="lt1">
+        <a:alpha val="40000"/>
+      </a:schemeClr>
+    </dgm:fillClrLst>
+    <dgm:linClrLst meth="repeat">
+      <a:schemeClr val="accent2"/>
+    </dgm:linClrLst>
+    <dgm:effectClrLst/>
+    <dgm:txLinClrLst/>
+    <dgm:txFillClrLst meth="repeat">
+      <a:schemeClr val="dk1"/>
+    </dgm:txFillClrLst>
+    <dgm:txEffectClrLst/>
+  </dgm:styleLbl>
+  <dgm:styleLbl name="bgAcc1">
+    <dgm:fillClrLst meth="repeat">
+      <a:schemeClr val="lt1">
+        <a:alpha val="90000"/>
+      </a:schemeClr>
+    </dgm:fillClrLst>
+    <dgm:linClrLst meth="repeat">
+      <a:schemeClr val="accent2"/>
+    </dgm:linClrLst>
+    <dgm:effectClrLst/>
+    <dgm:txLinClrLst/>
+    <dgm:txFillClrLst meth="repeat">
+      <a:schemeClr val="dk1"/>
+    </dgm:txFillClrLst>
+    <dgm:txEffectClrLst/>
+  </dgm:styleLbl>
+  <dgm:styleLbl name="solidFgAcc1">
+    <dgm:fillClrLst meth="repeat">
+      <a:schemeClr val="lt1"/>
+    </dgm:fillClrLst>
+    <dgm:linClrLst meth="repeat">
+      <a:schemeClr val="accent2"/>
+    </dgm:linClrLst>
+    <dgm:effectClrLst/>
+    <dgm:txLinClrLst/>
+    <dgm:txFillClrLst meth="repeat">
+      <a:schemeClr val="dk1"/>
+    </dgm:txFillClrLst>
+    <dgm:txEffectClrLst/>
+  </dgm:styleLbl>
+  <dgm:styleLbl name="solidAlignAcc1">
+    <dgm:fillClrLst meth="repeat">
+      <a:schemeClr val="lt1"/>
+    </dgm:fillClrLst>
+    <dgm:linClrLst meth="repeat">
+      <a:schemeClr val="accent2"/>
+    </dgm:linClrLst>
+    <dgm:effectClrLst/>
+    <dgm:txLinClrLst/>
+    <dgm:txFillClrLst meth="repeat">
+      <a:schemeClr val="dk1"/>
+    </dgm:txFillClrLst>
+    <dgm:txEffectClrLst/>
+  </dgm:styleLbl>
+  <dgm:styleLbl name="solidBgAcc1">
+    <dgm:fillClrLst meth="repeat">
+      <a:schemeClr val="lt1"/>
+    </dgm:fillClrLst>
+    <dgm:linClrLst meth="repeat">
+      <a:schemeClr val="accent2"/>
+    </dgm:linClrLst>
+    <dgm:effectClrLst/>
+    <dgm:txLinClrLst/>
+    <dgm:txFillClrLst meth="repeat">
+      <a:schemeClr val="dk1"/>
+    </dgm:txFillClrLst>
+    <dgm:txEffectClrLst/>
+  </dgm:styleLbl>
+  <dgm:styleLbl name="fgAccFollowNode1">
+    <dgm:fillClrLst meth="repeat">
+      <a:schemeClr val="accent2">
+        <a:alpha val="90000"/>
+        <a:tint val="40000"/>
+      </a:schemeClr>
+    </dgm:fillClrLst>
+    <dgm:linClrLst meth="repeat">
+      <a:schemeClr val="accent2">
+        <a:alpha val="90000"/>
+        <a:tint val="40000"/>
+      </a:schemeClr>
+    </dgm:linClrLst>
+    <dgm:effectClrLst/>
+    <dgm:txLinClrLst/>
+    <dgm:txFillClrLst meth="repeat">
+      <a:schemeClr val="dk1"/>
+    </dgm:txFillClrLst>
+    <dgm:txEffectClrLst/>
+  </dgm:styleLbl>
+  <dgm:styleLbl name="alignAccFollowNode1">
+    <dgm:fillClrLst meth="repeat">
+      <a:schemeClr val="accent2">
+        <a:alpha val="90000"/>
+        <a:tint val="40000"/>
+      </a:schemeClr>
+    </dgm:fillClrLst>
+    <dgm:linClrLst meth="repeat">
+      <a:schemeClr val="accent2">
+        <a:alpha val="90000"/>
+        <a:tint val="40000"/>
+      </a:schemeClr>
+    </dgm:linClrLst>
+    <dgm:effectClrLst/>
+    <dgm:txLinClrLst/>
+    <dgm:txFillClrLst meth="repeat">
+      <a:schemeClr val="dk1"/>
+    </dgm:txFillClrLst>
+    <dgm:txEffectClrLst/>
+  </dgm:styleLbl>
+  <dgm:styleLbl name="bgAccFollowNode1">
+    <dgm:fillClrLst meth="repeat">
+      <a:schemeClr val="accent2">
+        <a:alpha val="90000"/>
+        <a:tint val="40000"/>
+      </a:schemeClr>
+    </dgm:fillClrLst>
+    <dgm:linClrLst meth="repeat">
+      <a:schemeClr val="accent2">
+        <a:alpha val="90000"/>
+        <a:tint val="40000"/>
+      </a:schemeClr>
+    </dgm:linClrLst>
+    <dgm:effectClrLst/>
+    <dgm:txLinClrLst/>
+    <dgm:txFillClrLst meth="repeat">
+      <a:schemeClr val="dk1"/>
+    </dgm:txFillClrLst>
+    <dgm:txEffectClrLst/>
+  </dgm:styleLbl>
+  <dgm:styleLbl name="fgAcc0">
+    <dgm:fillClrLst meth="repeat">
+      <a:schemeClr val="lt1">
+        <a:alpha val="90000"/>
+      </a:schemeClr>
+    </dgm:fillClrLst>
+    <dgm:linClrLst meth="repeat">
+      <a:schemeClr val="accent2"/>
+    </dgm:linClrLst>
+    <dgm:effectClrLst/>
+    <dgm:txLinClrLst/>
+    <dgm:txFillClrLst meth="repeat">
+      <a:schemeClr val="dk1"/>
+    </dgm:txFillClrLst>
+    <dgm:txEffectClrLst/>
+  </dgm:styleLbl>
+  <dgm:styleLbl name="fgAcc2">
+    <dgm:fillClrLst meth="repeat">
+      <a:schemeClr val="lt1">
+        <a:alpha val="90000"/>
+      </a:schemeClr>
+    </dgm:fillClrLst>
+    <dgm:linClrLst meth="repeat">
+      <a:schemeClr val="accent2"/>
+    </dgm:linClrLst>
+    <dgm:effectClrLst/>
+    <dgm:txLinClrLst/>
+    <dgm:txFillClrLst meth="repeat">
+      <a:schemeClr val="dk1"/>
+    </dgm:txFillClrLst>
+    <dgm:txEffectClrLst/>
+  </dgm:styleLbl>
+  <dgm:styleLbl name="fgAcc3">
+    <dgm:fillClrLst meth="repeat">
+      <a:schemeClr val="lt1">
+        <a:alpha val="90000"/>
+      </a:schemeClr>
+    </dgm:fillClrLst>
+    <dgm:linClrLst meth="repeat">
+      <a:schemeClr val="accent2"/>
+    </dgm:linClrLst>
+    <dgm:effectClrLst/>
+    <dgm:txLinClrLst/>
+    <dgm:txFillClrLst meth="repeat">
+      <a:schemeClr val="dk1"/>
+    </dgm:txFillClrLst>
+    <dgm:txEffectClrLst/>
+  </dgm:styleLbl>
+  <dgm:styleLbl name="fgAcc4">
+    <dgm:fillClrLst meth="repeat">
+      <a:schemeClr val="lt1">
+        <a:alpha val="90000"/>
+      </a:schemeClr>
+    </dgm:fillClrLst>
+    <dgm:linClrLst meth="repeat">
+      <a:schemeClr val="accent2"/>
+    </dgm:linClrLst>
+    <dgm:effectClrLst/>
+    <dgm:txLinClrLst/>
+    <dgm:txFillClrLst meth="repeat">
+      <a:schemeClr val="dk1"/>
+    </dgm:txFillClrLst>
+    <dgm:txEffectClrLst/>
+  </dgm:styleLbl>
+  <dgm:styleLbl name="bgShp">
+    <dgm:fillClrLst meth="repeat">
+      <a:schemeClr val="accent2">
+        <a:tint val="40000"/>
+      </a:schemeClr>
+    </dgm:fillClrLst>
+    <dgm:linClrLst meth="repeat">
+      <a:schemeClr val="accent2"/>
+    </dgm:linClrLst>
+    <dgm:effectClrLst/>
+    <dgm:txLinClrLst/>
+    <dgm:txFillClrLst meth="repeat">
+      <a:schemeClr val="dk1"/>
+    </dgm:txFillClrLst>
+    <dgm:txEffectClrLst/>
+  </dgm:styleLbl>
+  <dgm:styleLbl name="dkBgShp">
+    <dgm:fillClrLst meth="repeat">
+      <a:schemeClr val="accent2">
+        <a:shade val="80000"/>
+      </a:schemeClr>
+    </dgm:fillClrLst>
+    <dgm:linClrLst meth="repeat">
+      <a:schemeClr val="accent2"/>
+    </dgm:linClrLst>
+    <dgm:effectClrLst/>
+    <dgm:txLinClrLst/>
+    <dgm:txFillClrLst meth="repeat">
+      <a:schemeClr val="lt1"/>
+    </dgm:txFillClrLst>
+    <dgm:txEffectClrLst/>
+  </dgm:styleLbl>
+  <dgm:styleLbl name="trBgShp">
+    <dgm:fillClrLst meth="repeat">
+      <a:schemeClr val="accent2">
+        <a:tint val="50000"/>
+        <a:alpha val="40000"/>
+      </a:schemeClr>
+    </dgm:fillClrLst>
+    <dgm:linClrLst meth="repeat">
+      <a:schemeClr val="accent2"/>
+    </dgm:linClrLst>
+    <dgm:effectClrLst/>
+    <dgm:txLinClrLst/>
+    <dgm:txFillClrLst meth="repeat">
+      <a:schemeClr val="lt1"/>
+    </dgm:txFillClrLst>
+    <dgm:txEffectClrLst/>
+  </dgm:styleLbl>
+  <dgm:styleLbl name="fgShp">
+    <dgm:fillClrLst meth="repeat">
+      <a:schemeClr val="accent2">
         <a:tint val="60000"/>
       </a:schemeClr>
     </dgm:fillClrLst>
@@ -5403,338 +5398,6 @@
 </file>
 
 <file path=ppt/diagrams/data1.xml><?xml version="1.0" encoding="utf-8"?>
-<dgm:dataModel xmlns:dgm="http://schemas.openxmlformats.org/drawingml/2006/diagram" xmlns:a="http://schemas.openxmlformats.org/drawingml/2006/main">
-  <dgm:ptLst>
-    <dgm:pt modelId="{567F08CD-1F0E-4CB0-B223-A087F37FF381}" type="doc">
-      <dgm:prSet loTypeId="urn:microsoft.com/office/officeart/2018/2/layout/IconVerticalSolidList" loCatId="icon" qsTypeId="urn:microsoft.com/office/officeart/2005/8/quickstyle/simple1" qsCatId="simple" csTypeId="urn:microsoft.com/office/officeart/2005/8/colors/accent1_2" csCatId="accent1" phldr="1"/>
-      <dgm:spPr/>
-      <dgm:t>
-        <a:bodyPr/>
-        <a:lstStyle/>
-        <a:p>
-          <a:endParaRPr lang="en-US"/>
-        </a:p>
-      </dgm:t>
-    </dgm:pt>
-    <dgm:pt modelId="{576D4200-E736-4766-86E9-99A01539DAA1}">
-      <dgm:prSet/>
-      <dgm:spPr/>
-      <dgm:t>
-        <a:bodyPr/>
-        <a:lstStyle/>
-        <a:p>
-          <a:pPr>
-            <a:lnSpc>
-              <a:spcPct val="100000"/>
-            </a:lnSpc>
-          </a:pPr>
-          <a:r>
-            <a:rPr lang="en-GB"/>
-            <a:t>Financial planning and budgeting</a:t>
-          </a:r>
-          <a:endParaRPr lang="en-US"/>
-        </a:p>
-      </dgm:t>
-    </dgm:pt>
-    <dgm:pt modelId="{1F634742-1948-451D-851F-8744295CEE8F}" type="parTrans" cxnId="{CFEBAC46-BF88-4714-8625-57F158BE965A}">
-      <dgm:prSet/>
-      <dgm:spPr/>
-      <dgm:t>
-        <a:bodyPr/>
-        <a:lstStyle/>
-        <a:p>
-          <a:endParaRPr lang="en-US"/>
-        </a:p>
-      </dgm:t>
-    </dgm:pt>
-    <dgm:pt modelId="{AC3BE8E9-3FD0-4B56-8C1E-972D83F21246}" type="sibTrans" cxnId="{CFEBAC46-BF88-4714-8625-57F158BE965A}">
-      <dgm:prSet/>
-      <dgm:spPr/>
-      <dgm:t>
-        <a:bodyPr/>
-        <a:lstStyle/>
-        <a:p>
-          <a:endParaRPr lang="en-US"/>
-        </a:p>
-      </dgm:t>
-    </dgm:pt>
-    <dgm:pt modelId="{DA580FA1-7220-48A2-B6B3-F1DCFF042631}">
-      <dgm:prSet/>
-      <dgm:spPr/>
-      <dgm:t>
-        <a:bodyPr/>
-        <a:lstStyle/>
-        <a:p>
-          <a:pPr>
-            <a:lnSpc>
-              <a:spcPct val="100000"/>
-            </a:lnSpc>
-          </a:pPr>
-          <a:r>
-            <a:rPr lang="en-GB"/>
-            <a:t>Risk management</a:t>
-          </a:r>
-          <a:endParaRPr lang="en-US"/>
-        </a:p>
-      </dgm:t>
-    </dgm:pt>
-    <dgm:pt modelId="{B9914223-E2D0-4B29-9240-53A7CB801FED}" type="parTrans" cxnId="{A40FC180-1A74-4973-BC5F-6D2401FBB9CA}">
-      <dgm:prSet/>
-      <dgm:spPr/>
-      <dgm:t>
-        <a:bodyPr/>
-        <a:lstStyle/>
-        <a:p>
-          <a:endParaRPr lang="en-US"/>
-        </a:p>
-      </dgm:t>
-    </dgm:pt>
-    <dgm:pt modelId="{2F4E41AE-B0AF-43B8-B46C-F76BBB6E743B}" type="sibTrans" cxnId="{A40FC180-1A74-4973-BC5F-6D2401FBB9CA}">
-      <dgm:prSet/>
-      <dgm:spPr/>
-      <dgm:t>
-        <a:bodyPr/>
-        <a:lstStyle/>
-        <a:p>
-          <a:endParaRPr lang="en-US"/>
-        </a:p>
-      </dgm:t>
-    </dgm:pt>
-    <dgm:pt modelId="{C0DBE039-39B1-4EE8-B918-4B1B9F83DF8D}">
-      <dgm:prSet/>
-      <dgm:spPr/>
-      <dgm:t>
-        <a:bodyPr/>
-        <a:lstStyle/>
-        <a:p>
-          <a:pPr>
-            <a:lnSpc>
-              <a:spcPct val="100000"/>
-            </a:lnSpc>
-          </a:pPr>
-          <a:r>
-            <a:rPr lang="en-GB"/>
-            <a:t>Strategic decision-making</a:t>
-          </a:r>
-          <a:endParaRPr lang="en-US"/>
-        </a:p>
-      </dgm:t>
-    </dgm:pt>
-    <dgm:pt modelId="{86360A41-F844-4662-88E7-4BF5CC6834C2}" type="parTrans" cxnId="{A201EDAA-F03E-4D51-B0AA-64462546CC78}">
-      <dgm:prSet/>
-      <dgm:spPr/>
-      <dgm:t>
-        <a:bodyPr/>
-        <a:lstStyle/>
-        <a:p>
-          <a:endParaRPr lang="en-US"/>
-        </a:p>
-      </dgm:t>
-    </dgm:pt>
-    <dgm:pt modelId="{14498731-B0CB-4BB4-AE17-B35E8DA6639C}" type="sibTrans" cxnId="{A201EDAA-F03E-4D51-B0AA-64462546CC78}">
-      <dgm:prSet/>
-      <dgm:spPr/>
-      <dgm:t>
-        <a:bodyPr/>
-        <a:lstStyle/>
-        <a:p>
-          <a:endParaRPr lang="en-US"/>
-        </a:p>
-      </dgm:t>
-    </dgm:pt>
-    <dgm:pt modelId="{4C038A25-931B-4713-B832-B036346DD676}" type="pres">
-      <dgm:prSet presAssocID="{567F08CD-1F0E-4CB0-B223-A087F37FF381}" presName="root" presStyleCnt="0">
-        <dgm:presLayoutVars>
-          <dgm:dir/>
-          <dgm:resizeHandles val="exact"/>
-        </dgm:presLayoutVars>
-      </dgm:prSet>
-      <dgm:spPr/>
-    </dgm:pt>
-    <dgm:pt modelId="{A41D3D39-C597-4317-B43E-FCAB618EC261}" type="pres">
-      <dgm:prSet presAssocID="{576D4200-E736-4766-86E9-99A01539DAA1}" presName="compNode" presStyleCnt="0"/>
-      <dgm:spPr/>
-    </dgm:pt>
-    <dgm:pt modelId="{8D098FC9-4E78-4F7A-9907-4B00C24BF22D}" type="pres">
-      <dgm:prSet presAssocID="{576D4200-E736-4766-86E9-99A01539DAA1}" presName="bgRect" presStyleLbl="bgShp" presStyleIdx="0" presStyleCnt="3"/>
-      <dgm:spPr/>
-    </dgm:pt>
-    <dgm:pt modelId="{723A3F0C-C660-41B5-B84B-5DDB4890F91B}" type="pres">
-      <dgm:prSet presAssocID="{576D4200-E736-4766-86E9-99A01539DAA1}" presName="iconRect" presStyleLbl="node1" presStyleIdx="0" presStyleCnt="3"/>
-      <dgm:spPr>
-        <a:blipFill>
-          <a:blip xmlns:r="http://schemas.openxmlformats.org/officeDocument/2006/relationships" r:embed="rId1">
-            <a:extLst>
-              <a:ext uri="{28A0092B-C50C-407E-A947-70E740481C1C}">
-                <a14:useLocalDpi xmlns:a14="http://schemas.microsoft.com/office/drawing/2010/main" val="0"/>
-              </a:ext>
-              <a:ext uri="{96DAC541-7B7A-43D3-8B79-37D633B846F1}">
-                <asvg:svgBlip xmlns:asvg="http://schemas.microsoft.com/office/drawing/2016/SVG/main" r:embed="rId2"/>
-              </a:ext>
-            </a:extLst>
-          </a:blip>
-          <a:stretch>
-            <a:fillRect/>
-          </a:stretch>
-        </a:blipFill>
-      </dgm:spPr>
-      <dgm:extLst>
-        <a:ext uri="{E40237B7-FDA0-4F09-8148-C483321AD2D9}">
-          <dgm14:cNvPr xmlns:dgm14="http://schemas.microsoft.com/office/drawing/2010/diagram" id="0" name="" descr="Money"/>
-        </a:ext>
-      </dgm:extLst>
-    </dgm:pt>
-    <dgm:pt modelId="{33D79620-E261-41AD-B77D-CD6BD3569D08}" type="pres">
-      <dgm:prSet presAssocID="{576D4200-E736-4766-86E9-99A01539DAA1}" presName="spaceRect" presStyleCnt="0"/>
-      <dgm:spPr/>
-    </dgm:pt>
-    <dgm:pt modelId="{085726A9-E5D0-4777-9389-93551B8C14D4}" type="pres">
-      <dgm:prSet presAssocID="{576D4200-E736-4766-86E9-99A01539DAA1}" presName="parTx" presStyleLbl="revTx" presStyleIdx="0" presStyleCnt="3">
-        <dgm:presLayoutVars>
-          <dgm:chMax val="0"/>
-          <dgm:chPref val="0"/>
-        </dgm:presLayoutVars>
-      </dgm:prSet>
-      <dgm:spPr/>
-    </dgm:pt>
-    <dgm:pt modelId="{E63F8CD1-5F12-4F9D-8646-7A84EB1E9A22}" type="pres">
-      <dgm:prSet presAssocID="{AC3BE8E9-3FD0-4B56-8C1E-972D83F21246}" presName="sibTrans" presStyleCnt="0"/>
-      <dgm:spPr/>
-    </dgm:pt>
-    <dgm:pt modelId="{3AD19E75-75AA-4EA9-B45D-CCD79DD863C5}" type="pres">
-      <dgm:prSet presAssocID="{DA580FA1-7220-48A2-B6B3-F1DCFF042631}" presName="compNode" presStyleCnt="0"/>
-      <dgm:spPr/>
-    </dgm:pt>
-    <dgm:pt modelId="{C3780993-995F-44FD-A657-1BC3B2E2A5CF}" type="pres">
-      <dgm:prSet presAssocID="{DA580FA1-7220-48A2-B6B3-F1DCFF042631}" presName="bgRect" presStyleLbl="bgShp" presStyleIdx="1" presStyleCnt="3"/>
-      <dgm:spPr/>
-    </dgm:pt>
-    <dgm:pt modelId="{1D988A3E-FDB1-40F8-BAED-0B24064E1EDA}" type="pres">
-      <dgm:prSet presAssocID="{DA580FA1-7220-48A2-B6B3-F1DCFF042631}" presName="iconRect" presStyleLbl="node1" presStyleIdx="1" presStyleCnt="3"/>
-      <dgm:spPr>
-        <a:blipFill>
-          <a:blip xmlns:r="http://schemas.openxmlformats.org/officeDocument/2006/relationships" r:embed="rId3">
-            <a:extLst>
-              <a:ext uri="{28A0092B-C50C-407E-A947-70E740481C1C}">
-                <a14:useLocalDpi xmlns:a14="http://schemas.microsoft.com/office/drawing/2010/main" val="0"/>
-              </a:ext>
-              <a:ext uri="{96DAC541-7B7A-43D3-8B79-37D633B846F1}">
-                <asvg:svgBlip xmlns:asvg="http://schemas.microsoft.com/office/drawing/2016/SVG/main" r:embed="rId4"/>
-              </a:ext>
-            </a:extLst>
-          </a:blip>
-          <a:stretch>
-            <a:fillRect/>
-          </a:stretch>
-        </a:blipFill>
-      </dgm:spPr>
-      <dgm:extLst>
-        <a:ext uri="{E40237B7-FDA0-4F09-8148-C483321AD2D9}">
-          <dgm14:cNvPr xmlns:dgm14="http://schemas.microsoft.com/office/drawing/2010/diagram" id="0" name="" descr="Warning"/>
-        </a:ext>
-      </dgm:extLst>
-    </dgm:pt>
-    <dgm:pt modelId="{B348F4BD-1873-44AB-BE5F-610B7F16CBF7}" type="pres">
-      <dgm:prSet presAssocID="{DA580FA1-7220-48A2-B6B3-F1DCFF042631}" presName="spaceRect" presStyleCnt="0"/>
-      <dgm:spPr/>
-    </dgm:pt>
-    <dgm:pt modelId="{479442CB-E95C-4932-8256-77706305B9E8}" type="pres">
-      <dgm:prSet presAssocID="{DA580FA1-7220-48A2-B6B3-F1DCFF042631}" presName="parTx" presStyleLbl="revTx" presStyleIdx="1" presStyleCnt="3">
-        <dgm:presLayoutVars>
-          <dgm:chMax val="0"/>
-          <dgm:chPref val="0"/>
-        </dgm:presLayoutVars>
-      </dgm:prSet>
-      <dgm:spPr/>
-    </dgm:pt>
-    <dgm:pt modelId="{5AAF9CBA-B8B1-4A31-9F57-E072521E0749}" type="pres">
-      <dgm:prSet presAssocID="{2F4E41AE-B0AF-43B8-B46C-F76BBB6E743B}" presName="sibTrans" presStyleCnt="0"/>
-      <dgm:spPr/>
-    </dgm:pt>
-    <dgm:pt modelId="{9865C878-F52F-4439-B71F-4593F1763657}" type="pres">
-      <dgm:prSet presAssocID="{C0DBE039-39B1-4EE8-B918-4B1B9F83DF8D}" presName="compNode" presStyleCnt="0"/>
-      <dgm:spPr/>
-    </dgm:pt>
-    <dgm:pt modelId="{C896C27C-3B1F-4F9D-91D9-1BB9522B2219}" type="pres">
-      <dgm:prSet presAssocID="{C0DBE039-39B1-4EE8-B918-4B1B9F83DF8D}" presName="bgRect" presStyleLbl="bgShp" presStyleIdx="2" presStyleCnt="3"/>
-      <dgm:spPr/>
-    </dgm:pt>
-    <dgm:pt modelId="{3D4A8B92-7FD0-42FD-9660-A4D8A4B0E2E2}" type="pres">
-      <dgm:prSet presAssocID="{C0DBE039-39B1-4EE8-B918-4B1B9F83DF8D}" presName="iconRect" presStyleLbl="node1" presStyleIdx="2" presStyleCnt="3"/>
-      <dgm:spPr>
-        <a:blipFill>
-          <a:blip xmlns:r="http://schemas.openxmlformats.org/officeDocument/2006/relationships" r:embed="rId5">
-            <a:extLst>
-              <a:ext uri="{28A0092B-C50C-407E-A947-70E740481C1C}">
-                <a14:useLocalDpi xmlns:a14="http://schemas.microsoft.com/office/drawing/2010/main" val="0"/>
-              </a:ext>
-              <a:ext uri="{96DAC541-7B7A-43D3-8B79-37D633B846F1}">
-                <asvg:svgBlip xmlns:asvg="http://schemas.microsoft.com/office/drawing/2016/SVG/main" r:embed="rId6"/>
-              </a:ext>
-            </a:extLst>
-          </a:blip>
-          <a:stretch>
-            <a:fillRect/>
-          </a:stretch>
-        </a:blipFill>
-      </dgm:spPr>
-      <dgm:extLst>
-        <a:ext uri="{E40237B7-FDA0-4F09-8148-C483321AD2D9}">
-          <dgm14:cNvPr xmlns:dgm14="http://schemas.microsoft.com/office/drawing/2010/diagram" id="0" name="" descr="Decision chart"/>
-        </a:ext>
-      </dgm:extLst>
-    </dgm:pt>
-    <dgm:pt modelId="{95519E3D-307D-475F-ABDB-3567307C44D8}" type="pres">
-      <dgm:prSet presAssocID="{C0DBE039-39B1-4EE8-B918-4B1B9F83DF8D}" presName="spaceRect" presStyleCnt="0"/>
-      <dgm:spPr/>
-    </dgm:pt>
-    <dgm:pt modelId="{B431883B-2E58-4C6E-B2E0-D447FA082DA2}" type="pres">
-      <dgm:prSet presAssocID="{C0DBE039-39B1-4EE8-B918-4B1B9F83DF8D}" presName="parTx" presStyleLbl="revTx" presStyleIdx="2" presStyleCnt="3">
-        <dgm:presLayoutVars>
-          <dgm:chMax val="0"/>
-          <dgm:chPref val="0"/>
-        </dgm:presLayoutVars>
-      </dgm:prSet>
-      <dgm:spPr/>
-    </dgm:pt>
-  </dgm:ptLst>
-  <dgm:cxnLst>
-    <dgm:cxn modelId="{BB040633-0E24-48B4-AEE8-11B52A95DEB2}" type="presOf" srcId="{567F08CD-1F0E-4CB0-B223-A087F37FF381}" destId="{4C038A25-931B-4713-B832-B036346DD676}" srcOrd="0" destOrd="0" presId="urn:microsoft.com/office/officeart/2018/2/layout/IconVerticalSolidList"/>
-    <dgm:cxn modelId="{CFEBAC46-BF88-4714-8625-57F158BE965A}" srcId="{567F08CD-1F0E-4CB0-B223-A087F37FF381}" destId="{576D4200-E736-4766-86E9-99A01539DAA1}" srcOrd="0" destOrd="0" parTransId="{1F634742-1948-451D-851F-8744295CEE8F}" sibTransId="{AC3BE8E9-3FD0-4B56-8C1E-972D83F21246}"/>
-    <dgm:cxn modelId="{A40FC180-1A74-4973-BC5F-6D2401FBB9CA}" srcId="{567F08CD-1F0E-4CB0-B223-A087F37FF381}" destId="{DA580FA1-7220-48A2-B6B3-F1DCFF042631}" srcOrd="1" destOrd="0" parTransId="{B9914223-E2D0-4B29-9240-53A7CB801FED}" sibTransId="{2F4E41AE-B0AF-43B8-B46C-F76BBB6E743B}"/>
-    <dgm:cxn modelId="{A201EDAA-F03E-4D51-B0AA-64462546CC78}" srcId="{567F08CD-1F0E-4CB0-B223-A087F37FF381}" destId="{C0DBE039-39B1-4EE8-B918-4B1B9F83DF8D}" srcOrd="2" destOrd="0" parTransId="{86360A41-F844-4662-88E7-4BF5CC6834C2}" sibTransId="{14498731-B0CB-4BB4-AE17-B35E8DA6639C}"/>
-    <dgm:cxn modelId="{E32421C4-015C-4672-A33D-804936567BF0}" type="presOf" srcId="{576D4200-E736-4766-86E9-99A01539DAA1}" destId="{085726A9-E5D0-4777-9389-93551B8C14D4}" srcOrd="0" destOrd="0" presId="urn:microsoft.com/office/officeart/2018/2/layout/IconVerticalSolidList"/>
-    <dgm:cxn modelId="{06CF0DE9-F39D-4165-807D-D71D195DDF37}" type="presOf" srcId="{C0DBE039-39B1-4EE8-B918-4B1B9F83DF8D}" destId="{B431883B-2E58-4C6E-B2E0-D447FA082DA2}" srcOrd="0" destOrd="0" presId="urn:microsoft.com/office/officeart/2018/2/layout/IconVerticalSolidList"/>
-    <dgm:cxn modelId="{ED0DADEB-BAE1-412E-8334-6DEE56EDCD0D}" type="presOf" srcId="{DA580FA1-7220-48A2-B6B3-F1DCFF042631}" destId="{479442CB-E95C-4932-8256-77706305B9E8}" srcOrd="0" destOrd="0" presId="urn:microsoft.com/office/officeart/2018/2/layout/IconVerticalSolidList"/>
-    <dgm:cxn modelId="{C115B501-83E7-472F-B219-62E25D8C45D7}" type="presParOf" srcId="{4C038A25-931B-4713-B832-B036346DD676}" destId="{A41D3D39-C597-4317-B43E-FCAB618EC261}" srcOrd="0" destOrd="0" presId="urn:microsoft.com/office/officeart/2018/2/layout/IconVerticalSolidList"/>
-    <dgm:cxn modelId="{8274473D-5B6F-4643-A894-B7D551EDC63A}" type="presParOf" srcId="{A41D3D39-C597-4317-B43E-FCAB618EC261}" destId="{8D098FC9-4E78-4F7A-9907-4B00C24BF22D}" srcOrd="0" destOrd="0" presId="urn:microsoft.com/office/officeart/2018/2/layout/IconVerticalSolidList"/>
-    <dgm:cxn modelId="{757D3A26-C9A2-4752-B2D1-7EB0E42627CE}" type="presParOf" srcId="{A41D3D39-C597-4317-B43E-FCAB618EC261}" destId="{723A3F0C-C660-41B5-B84B-5DDB4890F91B}" srcOrd="1" destOrd="0" presId="urn:microsoft.com/office/officeart/2018/2/layout/IconVerticalSolidList"/>
-    <dgm:cxn modelId="{4750D3B1-DDE5-4F83-BBDF-285DDDE64B45}" type="presParOf" srcId="{A41D3D39-C597-4317-B43E-FCAB618EC261}" destId="{33D79620-E261-41AD-B77D-CD6BD3569D08}" srcOrd="2" destOrd="0" presId="urn:microsoft.com/office/officeart/2018/2/layout/IconVerticalSolidList"/>
-    <dgm:cxn modelId="{261863A7-C464-47A5-95DC-3D20BB3E36BF}" type="presParOf" srcId="{A41D3D39-C597-4317-B43E-FCAB618EC261}" destId="{085726A9-E5D0-4777-9389-93551B8C14D4}" srcOrd="3" destOrd="0" presId="urn:microsoft.com/office/officeart/2018/2/layout/IconVerticalSolidList"/>
-    <dgm:cxn modelId="{7D39DE99-A1A4-432C-97A5-0C02ADFFAAD9}" type="presParOf" srcId="{4C038A25-931B-4713-B832-B036346DD676}" destId="{E63F8CD1-5F12-4F9D-8646-7A84EB1E9A22}" srcOrd="1" destOrd="0" presId="urn:microsoft.com/office/officeart/2018/2/layout/IconVerticalSolidList"/>
-    <dgm:cxn modelId="{358F8580-3C03-47CA-B695-3216BC4952FB}" type="presParOf" srcId="{4C038A25-931B-4713-B832-B036346DD676}" destId="{3AD19E75-75AA-4EA9-B45D-CCD79DD863C5}" srcOrd="2" destOrd="0" presId="urn:microsoft.com/office/officeart/2018/2/layout/IconVerticalSolidList"/>
-    <dgm:cxn modelId="{EAB7449E-4C2A-45E9-97AA-CDA8802E4978}" type="presParOf" srcId="{3AD19E75-75AA-4EA9-B45D-CCD79DD863C5}" destId="{C3780993-995F-44FD-A657-1BC3B2E2A5CF}" srcOrd="0" destOrd="0" presId="urn:microsoft.com/office/officeart/2018/2/layout/IconVerticalSolidList"/>
-    <dgm:cxn modelId="{FAE9760B-4D8F-4E4B-940C-5E63A96B7D8C}" type="presParOf" srcId="{3AD19E75-75AA-4EA9-B45D-CCD79DD863C5}" destId="{1D988A3E-FDB1-40F8-BAED-0B24064E1EDA}" srcOrd="1" destOrd="0" presId="urn:microsoft.com/office/officeart/2018/2/layout/IconVerticalSolidList"/>
-    <dgm:cxn modelId="{1587BBDA-337A-4932-85C4-BF7F87471D4E}" type="presParOf" srcId="{3AD19E75-75AA-4EA9-B45D-CCD79DD863C5}" destId="{B348F4BD-1873-44AB-BE5F-610B7F16CBF7}" srcOrd="2" destOrd="0" presId="urn:microsoft.com/office/officeart/2018/2/layout/IconVerticalSolidList"/>
-    <dgm:cxn modelId="{9040619E-18F8-4C8B-BAEF-43430F42FBDB}" type="presParOf" srcId="{3AD19E75-75AA-4EA9-B45D-CCD79DD863C5}" destId="{479442CB-E95C-4932-8256-77706305B9E8}" srcOrd="3" destOrd="0" presId="urn:microsoft.com/office/officeart/2018/2/layout/IconVerticalSolidList"/>
-    <dgm:cxn modelId="{3895F200-CF34-4795-A7D2-10BF51270B08}" type="presParOf" srcId="{4C038A25-931B-4713-B832-B036346DD676}" destId="{5AAF9CBA-B8B1-4A31-9F57-E072521E0749}" srcOrd="3" destOrd="0" presId="urn:microsoft.com/office/officeart/2018/2/layout/IconVerticalSolidList"/>
-    <dgm:cxn modelId="{87B3F770-CB93-4B35-8AEC-79115F939C97}" type="presParOf" srcId="{4C038A25-931B-4713-B832-B036346DD676}" destId="{9865C878-F52F-4439-B71F-4593F1763657}" srcOrd="4" destOrd="0" presId="urn:microsoft.com/office/officeart/2018/2/layout/IconVerticalSolidList"/>
-    <dgm:cxn modelId="{62EE869A-E55D-49A0-971C-1D03310ECFEF}" type="presParOf" srcId="{9865C878-F52F-4439-B71F-4593F1763657}" destId="{C896C27C-3B1F-4F9D-91D9-1BB9522B2219}" srcOrd="0" destOrd="0" presId="urn:microsoft.com/office/officeart/2018/2/layout/IconVerticalSolidList"/>
-    <dgm:cxn modelId="{0FC5BEB0-AE4C-4933-8423-8F98C93D0B27}" type="presParOf" srcId="{9865C878-F52F-4439-B71F-4593F1763657}" destId="{3D4A8B92-7FD0-42FD-9660-A4D8A4B0E2E2}" srcOrd="1" destOrd="0" presId="urn:microsoft.com/office/officeart/2018/2/layout/IconVerticalSolidList"/>
-    <dgm:cxn modelId="{3A41E2F8-1315-4F50-A6D8-54E1F1C27256}" type="presParOf" srcId="{9865C878-F52F-4439-B71F-4593F1763657}" destId="{95519E3D-307D-475F-ABDB-3567307C44D8}" srcOrd="2" destOrd="0" presId="urn:microsoft.com/office/officeart/2018/2/layout/IconVerticalSolidList"/>
-    <dgm:cxn modelId="{A18C1C4B-A7F9-407D-A42C-4F8BAD9E1EF8}" type="presParOf" srcId="{9865C878-F52F-4439-B71F-4593F1763657}" destId="{B431883B-2E58-4C6E-B2E0-D447FA082DA2}" srcOrd="3" destOrd="0" presId="urn:microsoft.com/office/officeart/2018/2/layout/IconVerticalSolidList"/>
-  </dgm:cxnLst>
-  <dgm:bg/>
-  <dgm:whole/>
-  <dgm:extLst>
-    <a:ext uri="http://schemas.microsoft.com/office/drawing/2008/diagram">
-      <dsp:dataModelExt xmlns:dsp="http://schemas.microsoft.com/office/drawing/2008/diagram" relId="rId6" minVer="http://schemas.openxmlformats.org/drawingml/2006/diagram"/>
-    </a:ext>
-  </dgm:extLst>
-</dgm:dataModel>
-</file>
-
-<file path=ppt/diagrams/data2.xml><?xml version="1.0" encoding="utf-8"?>
 <dgm:dataModel xmlns:dgm="http://schemas.openxmlformats.org/drawingml/2006/diagram" xmlns:a="http://schemas.openxmlformats.org/drawingml/2006/main">
   <dgm:ptLst>
     <dgm:pt modelId="{7F17CC44-292E-4C92-8C14-445B840FC4B6}" type="doc">
@@ -6160,7 +5823,7 @@
 </dgm:dataModel>
 </file>
 
-<file path=ppt/diagrams/data3.xml><?xml version="1.0" encoding="utf-8"?>
+<file path=ppt/diagrams/data2.xml><?xml version="1.0" encoding="utf-8"?>
 <dgm:dataModel xmlns:dgm="http://schemas.openxmlformats.org/drawingml/2006/diagram" xmlns:a="http://schemas.openxmlformats.org/drawingml/2006/main">
   <dgm:ptLst>
     <dgm:pt modelId="{7F17CC44-292E-4C92-8C14-445B840FC4B6}" type="doc">
@@ -6683,7 +6346,7 @@
 </dgm:dataModel>
 </file>
 
-<file path=ppt/diagrams/data4.xml><?xml version="1.0" encoding="utf-8"?>
+<file path=ppt/diagrams/data3.xml><?xml version="1.0" encoding="utf-8"?>
 <dgm:dataModel xmlns:dgm="http://schemas.openxmlformats.org/drawingml/2006/diagram" xmlns:a="http://schemas.openxmlformats.org/drawingml/2006/main">
   <dgm:ptLst>
     <dgm:pt modelId="{71BBB943-3D53-4B61-96C5-4CEB2AB5C7CE}" type="doc">
@@ -6995,7 +6658,7 @@
 </dgm:dataModel>
 </file>
 
-<file path=ppt/diagrams/data5.xml><?xml version="1.0" encoding="utf-8"?>
+<file path=ppt/diagrams/data4.xml><?xml version="1.0" encoding="utf-8"?>
 <dgm:dataModel xmlns:dgm="http://schemas.openxmlformats.org/drawingml/2006/diagram" xmlns:a="http://schemas.openxmlformats.org/drawingml/2006/main">
   <dgm:ptLst>
     <dgm:pt modelId="{43BD19D8-841B-4BC8-8F86-ACF71B52AA4B}" type="doc">
@@ -7623,11 +7286,11 @@
 </dgm:dataModel>
 </file>
 
-<file path=ppt/diagrams/data6.xml><?xml version="1.0" encoding="utf-8"?>
+<file path=ppt/diagrams/data5.xml><?xml version="1.0" encoding="utf-8"?>
 <dgm:dataModel xmlns:dgm="http://schemas.openxmlformats.org/drawingml/2006/diagram" xmlns:a="http://schemas.openxmlformats.org/drawingml/2006/main">
   <dgm:ptLst>
-    <dgm:pt modelId="{1B353BF7-81BA-4817-874C-70D15936C317}" type="doc">
-      <dgm:prSet loTypeId="urn:microsoft.com/office/officeart/2005/8/layout/hierarchy1" loCatId="hierarchy" qsTypeId="urn:microsoft.com/office/officeart/2005/8/quickstyle/simple1" qsCatId="simple" csTypeId="urn:microsoft.com/office/officeart/2005/8/colors/accent1_2" csCatId="accent1"/>
+    <dgm:pt modelId="{78DBC1E6-5E88-4CBC-A4CB-59B612E01D61}" type="doc">
+      <dgm:prSet loTypeId="urn:microsoft.com/office/officeart/2016/7/layout/LinearBlockProcessNumbered" loCatId="process" qsTypeId="urn:microsoft.com/office/officeart/2005/8/quickstyle/simple1" qsCatId="simple" csTypeId="urn:microsoft.com/office/officeart/2005/8/colors/accent2_2" csCatId="accent2" phldr="1"/>
       <dgm:spPr/>
       <dgm:t>
         <a:bodyPr/>
@@ -7637,7 +7300,7 @@
         </a:p>
       </dgm:t>
     </dgm:pt>
-    <dgm:pt modelId="{9A7E605C-BC0D-4771-9364-6CDDC4D48AD3}">
+    <dgm:pt modelId="{FA1C10C0-C4CA-4FCB-89A6-C262CB62AD65}">
       <dgm:prSet/>
       <dgm:spPr/>
       <dgm:t>
@@ -7645,14 +7308,34 @@
         <a:lstStyle/>
         <a:p>
           <a:r>
-            <a:rPr lang="en-GB"/>
-            <a:t>Minimum Viable Prototype</a:t>
+            <a:rPr lang="de-AT" dirty="0"/>
+            <a:t>Data </a:t>
           </a:r>
-          <a:endParaRPr lang="en-US"/>
+          <a:r>
+            <a:rPr lang="de-AT" dirty="0" err="1"/>
+            <a:t>gathering</a:t>
+          </a:r>
+          <a:r>
+            <a:rPr lang="de-AT" dirty="0"/>
+            <a:t> and </a:t>
+          </a:r>
+          <a:r>
+            <a:rPr lang="de-AT" dirty="0" err="1"/>
+            <a:t>processing</a:t>
+          </a:r>
+          <a:r>
+            <a:rPr lang="de-AT" dirty="0"/>
+            <a:t> </a:t>
+          </a:r>
+          <a:r>
+            <a:rPr lang="de-AT" dirty="0" err="1"/>
+            <a:t>capabilities</a:t>
+          </a:r>
+          <a:endParaRPr lang="en-US" dirty="0"/>
         </a:p>
       </dgm:t>
     </dgm:pt>
-    <dgm:pt modelId="{463B2F2C-1D97-4393-8FE3-A12BE42DE397}" type="parTrans" cxnId="{6495BDF7-DF4C-4D72-8063-2F0083AB7E6D}">
+    <dgm:pt modelId="{B74FABD0-239D-431B-A1FF-9AE291323DE0}" type="parTrans" cxnId="{83EBDA96-DACB-4F6A-B08A-37DC585A7DF1}">
       <dgm:prSet/>
       <dgm:spPr/>
       <dgm:t>
@@ -7663,7 +7346,60 @@
         </a:p>
       </dgm:t>
     </dgm:pt>
-    <dgm:pt modelId="{A75E2F7E-9FB7-49A0-9405-F65956228494}" type="sibTrans" cxnId="{6495BDF7-DF4C-4D72-8063-2F0083AB7E6D}">
+    <dgm:pt modelId="{909D53C7-68D1-4B09-BC29-FD67B0D1C9AA}" type="sibTrans" cxnId="{83EBDA96-DACB-4F6A-B08A-37DC585A7DF1}">
+      <dgm:prSet phldrT="01"/>
+      <dgm:spPr/>
+      <dgm:t>
+        <a:bodyPr/>
+        <a:lstStyle/>
+        <a:p>
+          <a:r>
+            <a:rPr lang="en-US"/>
+            <a:t>01</a:t>
+          </a:r>
+        </a:p>
+      </dgm:t>
+    </dgm:pt>
+    <dgm:pt modelId="{F4E22E08-16E4-41C4-8B20-945EE8CE2367}">
+      <dgm:prSet/>
+      <dgm:spPr/>
+      <dgm:t>
+        <a:bodyPr/>
+        <a:lstStyle/>
+        <a:p>
+          <a:r>
+            <a:rPr lang="de-AT" dirty="0" err="1"/>
+            <a:t>Implemented</a:t>
+          </a:r>
+          <a:r>
+            <a:rPr lang="de-AT" dirty="0"/>
+            <a:t> </a:t>
+          </a:r>
+          <a:r>
+            <a:rPr lang="en-GB" dirty="0"/>
+            <a:t>the Lag-Llama, </a:t>
+          </a:r>
+          <a:r>
+            <a:rPr lang="en-GB" dirty="0" err="1"/>
+            <a:t>autoregressor</a:t>
+          </a:r>
+          <a:r>
+            <a:rPr lang="en-GB" dirty="0"/>
+            <a:t> and </a:t>
+          </a:r>
+          <a:r>
+            <a:rPr lang="en-GB" dirty="0" err="1"/>
+            <a:t>autoARIMA</a:t>
+          </a:r>
+          <a:r>
+            <a:rPr lang="en-GB" dirty="0"/>
+            <a:t> models in abstracted way</a:t>
+          </a:r>
+          <a:endParaRPr lang="en-US" dirty="0"/>
+        </a:p>
+      </dgm:t>
+    </dgm:pt>
+    <dgm:pt modelId="{5C28E1EC-A415-4B8A-A27F-458FEAD0BCB0}" type="parTrans" cxnId="{C2258653-B84E-49A7-9DD3-371DA522D6D3}">
       <dgm:prSet/>
       <dgm:spPr/>
       <dgm:t>
@@ -7674,7 +7410,21 @@
         </a:p>
       </dgm:t>
     </dgm:pt>
-    <dgm:pt modelId="{ABE648E6-17AF-4C70-A8B8-AF1BB3314486}">
+    <dgm:pt modelId="{D1C79F0C-4FFE-4C01-91B6-CDA5A0D74804}" type="sibTrans" cxnId="{C2258653-B84E-49A7-9DD3-371DA522D6D3}">
+      <dgm:prSet phldrT="02"/>
+      <dgm:spPr/>
+      <dgm:t>
+        <a:bodyPr/>
+        <a:lstStyle/>
+        <a:p>
+          <a:r>
+            <a:rPr lang="en-US"/>
+            <a:t>02</a:t>
+          </a:r>
+        </a:p>
+      </dgm:t>
+    </dgm:pt>
+    <dgm:pt modelId="{D79E346E-04A3-4B61-917E-82A1E659C028}">
       <dgm:prSet/>
       <dgm:spPr/>
       <dgm:t>
@@ -7682,14 +7432,14 @@
         <a:lstStyle/>
         <a:p>
           <a:r>
-            <a:rPr lang="en-GB"/>
-            <a:t>Implemented the Lag-Llama, autoregressor and autoARIMA models in abstracted way</a:t>
+            <a:rPr lang="en-GB" dirty="0"/>
+            <a:t>TSCV functionality</a:t>
           </a:r>
-          <a:endParaRPr lang="en-US"/>
+          <a:endParaRPr lang="en-US" dirty="0"/>
         </a:p>
       </dgm:t>
     </dgm:pt>
-    <dgm:pt modelId="{61264265-0648-4397-9661-122CFFD89FAB}" type="parTrans" cxnId="{14E090BF-A159-41BD-8360-710B6939B36A}">
+    <dgm:pt modelId="{D1E732E1-46C4-40D6-8584-3977EC9AE8DE}" type="parTrans" cxnId="{F6B23558-CEA9-489A-BAE7-16A54B4857AE}">
       <dgm:prSet/>
       <dgm:spPr/>
       <dgm:t>
@@ -7700,7 +7450,36 @@
         </a:p>
       </dgm:t>
     </dgm:pt>
-    <dgm:pt modelId="{15AFE2F4-9277-4B6A-8E91-71C25CBBE79F}" type="sibTrans" cxnId="{14E090BF-A159-41BD-8360-710B6939B36A}">
+    <dgm:pt modelId="{EB61CA3F-4568-4893-A829-60D729F5388F}" type="sibTrans" cxnId="{F6B23558-CEA9-489A-BAE7-16A54B4857AE}">
+      <dgm:prSet phldrT="03"/>
+      <dgm:spPr/>
+      <dgm:t>
+        <a:bodyPr/>
+        <a:lstStyle/>
+        <a:p>
+          <a:r>
+            <a:rPr lang="en-US"/>
+            <a:t>03</a:t>
+          </a:r>
+        </a:p>
+      </dgm:t>
+    </dgm:pt>
+    <dgm:pt modelId="{C4894F46-CAA0-4878-9B00-2071F31BFE7D}">
+      <dgm:prSet/>
+      <dgm:spPr/>
+      <dgm:t>
+        <a:bodyPr/>
+        <a:lstStyle/>
+        <a:p>
+          <a:r>
+            <a:rPr lang="en-GB"/>
+            <a:t>Results visualization</a:t>
+          </a:r>
+          <a:endParaRPr lang="en-US"/>
+        </a:p>
+      </dgm:t>
+    </dgm:pt>
+    <dgm:pt modelId="{D4B99D3D-9685-4761-9920-AA272E1102FC}" type="parTrans" cxnId="{09DA3932-8117-4426-8A52-FECA0FFE9568}">
       <dgm:prSet/>
       <dgm:spPr/>
       <dgm:t>
@@ -7711,7 +7490,221 @@
         </a:p>
       </dgm:t>
     </dgm:pt>
-    <dgm:pt modelId="{F421D35D-4B1B-4DCE-B355-3CA825336D6C}">
+    <dgm:pt modelId="{C2BEA6D1-8DCB-4D1C-8256-76C2319F1111}" type="sibTrans" cxnId="{09DA3932-8117-4426-8A52-FECA0FFE9568}">
+      <dgm:prSet phldrT="04"/>
+      <dgm:spPr/>
+      <dgm:t>
+        <a:bodyPr/>
+        <a:lstStyle/>
+        <a:p>
+          <a:r>
+            <a:rPr lang="en-US"/>
+            <a:t>04</a:t>
+          </a:r>
+        </a:p>
+      </dgm:t>
+    </dgm:pt>
+    <dgm:pt modelId="{FA7958D2-52B8-43CC-A71F-14491A56E1CB}" type="pres">
+      <dgm:prSet presAssocID="{78DBC1E6-5E88-4CBC-A4CB-59B612E01D61}" presName="Name0" presStyleCnt="0">
+        <dgm:presLayoutVars>
+          <dgm:animLvl val="lvl"/>
+          <dgm:resizeHandles val="exact"/>
+        </dgm:presLayoutVars>
+      </dgm:prSet>
+      <dgm:spPr/>
+    </dgm:pt>
+    <dgm:pt modelId="{74D938F9-E287-4CD1-B9A6-86CAE3D1452C}" type="pres">
+      <dgm:prSet presAssocID="{FA1C10C0-C4CA-4FCB-89A6-C262CB62AD65}" presName="compositeNode" presStyleCnt="0">
+        <dgm:presLayoutVars>
+          <dgm:bulletEnabled val="1"/>
+        </dgm:presLayoutVars>
+      </dgm:prSet>
+      <dgm:spPr/>
+    </dgm:pt>
+    <dgm:pt modelId="{514FACB9-CD15-41DD-BADB-D1748C303B2F}" type="pres">
+      <dgm:prSet presAssocID="{FA1C10C0-C4CA-4FCB-89A6-C262CB62AD65}" presName="bgRect" presStyleLbl="alignNode1" presStyleIdx="0" presStyleCnt="4"/>
+      <dgm:spPr/>
+    </dgm:pt>
+    <dgm:pt modelId="{EA08D9AF-E176-450A-8D03-C795A655FEAD}" type="pres">
+      <dgm:prSet presAssocID="{909D53C7-68D1-4B09-BC29-FD67B0D1C9AA}" presName="sibTransNodeRect" presStyleLbl="alignNode1" presStyleIdx="0" presStyleCnt="4">
+        <dgm:presLayoutVars>
+          <dgm:chMax val="0"/>
+          <dgm:bulletEnabled val="1"/>
+        </dgm:presLayoutVars>
+      </dgm:prSet>
+      <dgm:spPr/>
+    </dgm:pt>
+    <dgm:pt modelId="{E6D734D0-B83C-4094-BF5F-1C0602C67D15}" type="pres">
+      <dgm:prSet presAssocID="{FA1C10C0-C4CA-4FCB-89A6-C262CB62AD65}" presName="nodeRect" presStyleLbl="alignNode1" presStyleIdx="0" presStyleCnt="4">
+        <dgm:presLayoutVars>
+          <dgm:bulletEnabled val="1"/>
+        </dgm:presLayoutVars>
+      </dgm:prSet>
+      <dgm:spPr/>
+    </dgm:pt>
+    <dgm:pt modelId="{0AEF522A-6909-4902-B5AA-32F7158DCDAD}" type="pres">
+      <dgm:prSet presAssocID="{909D53C7-68D1-4B09-BC29-FD67B0D1C9AA}" presName="sibTrans" presStyleCnt="0"/>
+      <dgm:spPr/>
+    </dgm:pt>
+    <dgm:pt modelId="{4D0D74B1-9C1D-4768-862F-EC4FE6C4D711}" type="pres">
+      <dgm:prSet presAssocID="{F4E22E08-16E4-41C4-8B20-945EE8CE2367}" presName="compositeNode" presStyleCnt="0">
+        <dgm:presLayoutVars>
+          <dgm:bulletEnabled val="1"/>
+        </dgm:presLayoutVars>
+      </dgm:prSet>
+      <dgm:spPr/>
+    </dgm:pt>
+    <dgm:pt modelId="{ABB3F0D0-D572-4810-ACFC-301E812C3315}" type="pres">
+      <dgm:prSet presAssocID="{F4E22E08-16E4-41C4-8B20-945EE8CE2367}" presName="bgRect" presStyleLbl="alignNode1" presStyleIdx="1" presStyleCnt="4"/>
+      <dgm:spPr/>
+    </dgm:pt>
+    <dgm:pt modelId="{3BA2886D-B359-431E-90B9-7A6236A168E4}" type="pres">
+      <dgm:prSet presAssocID="{D1C79F0C-4FFE-4C01-91B6-CDA5A0D74804}" presName="sibTransNodeRect" presStyleLbl="alignNode1" presStyleIdx="1" presStyleCnt="4">
+        <dgm:presLayoutVars>
+          <dgm:chMax val="0"/>
+          <dgm:bulletEnabled val="1"/>
+        </dgm:presLayoutVars>
+      </dgm:prSet>
+      <dgm:spPr/>
+    </dgm:pt>
+    <dgm:pt modelId="{72F4D547-4686-45C2-ACCD-256653675035}" type="pres">
+      <dgm:prSet presAssocID="{F4E22E08-16E4-41C4-8B20-945EE8CE2367}" presName="nodeRect" presStyleLbl="alignNode1" presStyleIdx="1" presStyleCnt="4">
+        <dgm:presLayoutVars>
+          <dgm:bulletEnabled val="1"/>
+        </dgm:presLayoutVars>
+      </dgm:prSet>
+      <dgm:spPr/>
+    </dgm:pt>
+    <dgm:pt modelId="{F06FA406-C36D-401C-ADC1-0E6DE6A55E56}" type="pres">
+      <dgm:prSet presAssocID="{D1C79F0C-4FFE-4C01-91B6-CDA5A0D74804}" presName="sibTrans" presStyleCnt="0"/>
+      <dgm:spPr/>
+    </dgm:pt>
+    <dgm:pt modelId="{70B3F5DC-4707-4FA5-8169-69FF25F9A254}" type="pres">
+      <dgm:prSet presAssocID="{D79E346E-04A3-4B61-917E-82A1E659C028}" presName="compositeNode" presStyleCnt="0">
+        <dgm:presLayoutVars>
+          <dgm:bulletEnabled val="1"/>
+        </dgm:presLayoutVars>
+      </dgm:prSet>
+      <dgm:spPr/>
+    </dgm:pt>
+    <dgm:pt modelId="{3A19139B-52BA-4358-8ED1-D4F36C0544D2}" type="pres">
+      <dgm:prSet presAssocID="{D79E346E-04A3-4B61-917E-82A1E659C028}" presName="bgRect" presStyleLbl="alignNode1" presStyleIdx="2" presStyleCnt="4"/>
+      <dgm:spPr/>
+    </dgm:pt>
+    <dgm:pt modelId="{A3B4A0CF-6222-4233-8123-CA5F60DD424C}" type="pres">
+      <dgm:prSet presAssocID="{EB61CA3F-4568-4893-A829-60D729F5388F}" presName="sibTransNodeRect" presStyleLbl="alignNode1" presStyleIdx="2" presStyleCnt="4">
+        <dgm:presLayoutVars>
+          <dgm:chMax val="0"/>
+          <dgm:bulletEnabled val="1"/>
+        </dgm:presLayoutVars>
+      </dgm:prSet>
+      <dgm:spPr/>
+    </dgm:pt>
+    <dgm:pt modelId="{116D2A10-4D11-492F-B821-D581D8BBF7EE}" type="pres">
+      <dgm:prSet presAssocID="{D79E346E-04A3-4B61-917E-82A1E659C028}" presName="nodeRect" presStyleLbl="alignNode1" presStyleIdx="2" presStyleCnt="4">
+        <dgm:presLayoutVars>
+          <dgm:bulletEnabled val="1"/>
+        </dgm:presLayoutVars>
+      </dgm:prSet>
+      <dgm:spPr/>
+    </dgm:pt>
+    <dgm:pt modelId="{3895534A-899C-4C0C-8A4D-FCE453BA7ECA}" type="pres">
+      <dgm:prSet presAssocID="{EB61CA3F-4568-4893-A829-60D729F5388F}" presName="sibTrans" presStyleCnt="0"/>
+      <dgm:spPr/>
+    </dgm:pt>
+    <dgm:pt modelId="{BC031D84-27A5-472C-A2FE-FFC7C2CD1D53}" type="pres">
+      <dgm:prSet presAssocID="{C4894F46-CAA0-4878-9B00-2071F31BFE7D}" presName="compositeNode" presStyleCnt="0">
+        <dgm:presLayoutVars>
+          <dgm:bulletEnabled val="1"/>
+        </dgm:presLayoutVars>
+      </dgm:prSet>
+      <dgm:spPr/>
+    </dgm:pt>
+    <dgm:pt modelId="{894FCD65-614B-4216-A4BB-4F73E5875CC6}" type="pres">
+      <dgm:prSet presAssocID="{C4894F46-CAA0-4878-9B00-2071F31BFE7D}" presName="bgRect" presStyleLbl="alignNode1" presStyleIdx="3" presStyleCnt="4"/>
+      <dgm:spPr/>
+    </dgm:pt>
+    <dgm:pt modelId="{0D40FCDF-A549-4DFB-B130-545BFFC951A2}" type="pres">
+      <dgm:prSet presAssocID="{C2BEA6D1-8DCB-4D1C-8256-76C2319F1111}" presName="sibTransNodeRect" presStyleLbl="alignNode1" presStyleIdx="3" presStyleCnt="4">
+        <dgm:presLayoutVars>
+          <dgm:chMax val="0"/>
+          <dgm:bulletEnabled val="1"/>
+        </dgm:presLayoutVars>
+      </dgm:prSet>
+      <dgm:spPr/>
+    </dgm:pt>
+    <dgm:pt modelId="{516AFBCA-6657-4AB1-B9C3-5F71943EAC71}" type="pres">
+      <dgm:prSet presAssocID="{C4894F46-CAA0-4878-9B00-2071F31BFE7D}" presName="nodeRect" presStyleLbl="alignNode1" presStyleIdx="3" presStyleCnt="4">
+        <dgm:presLayoutVars>
+          <dgm:bulletEnabled val="1"/>
+        </dgm:presLayoutVars>
+      </dgm:prSet>
+      <dgm:spPr/>
+    </dgm:pt>
+  </dgm:ptLst>
+  <dgm:cxnLst>
+    <dgm:cxn modelId="{B7EFEC22-2518-4DE3-8910-32E8CDCBE85C}" type="presOf" srcId="{D1C79F0C-4FFE-4C01-91B6-CDA5A0D74804}" destId="{3BA2886D-B359-431E-90B9-7A6236A168E4}" srcOrd="0" destOrd="0" presId="urn:microsoft.com/office/officeart/2016/7/layout/LinearBlockProcessNumbered"/>
+    <dgm:cxn modelId="{09DA3932-8117-4426-8A52-FECA0FFE9568}" srcId="{78DBC1E6-5E88-4CBC-A4CB-59B612E01D61}" destId="{C4894F46-CAA0-4878-9B00-2071F31BFE7D}" srcOrd="3" destOrd="0" parTransId="{D4B99D3D-9685-4761-9920-AA272E1102FC}" sibTransId="{C2BEA6D1-8DCB-4D1C-8256-76C2319F1111}"/>
+    <dgm:cxn modelId="{2A57E542-F6ED-400A-AE5A-6DA499D60A05}" type="presOf" srcId="{FA1C10C0-C4CA-4FCB-89A6-C262CB62AD65}" destId="{514FACB9-CD15-41DD-BADB-D1748C303B2F}" srcOrd="0" destOrd="0" presId="urn:microsoft.com/office/officeart/2016/7/layout/LinearBlockProcessNumbered"/>
+    <dgm:cxn modelId="{C2258653-B84E-49A7-9DD3-371DA522D6D3}" srcId="{78DBC1E6-5E88-4CBC-A4CB-59B612E01D61}" destId="{F4E22E08-16E4-41C4-8B20-945EE8CE2367}" srcOrd="1" destOrd="0" parTransId="{5C28E1EC-A415-4B8A-A27F-458FEAD0BCB0}" sibTransId="{D1C79F0C-4FFE-4C01-91B6-CDA5A0D74804}"/>
+    <dgm:cxn modelId="{F6B23558-CEA9-489A-BAE7-16A54B4857AE}" srcId="{78DBC1E6-5E88-4CBC-A4CB-59B612E01D61}" destId="{D79E346E-04A3-4B61-917E-82A1E659C028}" srcOrd="2" destOrd="0" parTransId="{D1E732E1-46C4-40D6-8584-3977EC9AE8DE}" sibTransId="{EB61CA3F-4568-4893-A829-60D729F5388F}"/>
+    <dgm:cxn modelId="{9603E484-981E-4DD7-8F42-18FCD9F1CBE2}" type="presOf" srcId="{F4E22E08-16E4-41C4-8B20-945EE8CE2367}" destId="{72F4D547-4686-45C2-ACCD-256653675035}" srcOrd="1" destOrd="0" presId="urn:microsoft.com/office/officeart/2016/7/layout/LinearBlockProcessNumbered"/>
+    <dgm:cxn modelId="{97ECE684-279D-42F7-9A7F-0C4EBBE7067C}" type="presOf" srcId="{D79E346E-04A3-4B61-917E-82A1E659C028}" destId="{3A19139B-52BA-4358-8ED1-D4F36C0544D2}" srcOrd="0" destOrd="0" presId="urn:microsoft.com/office/officeart/2016/7/layout/LinearBlockProcessNumbered"/>
+    <dgm:cxn modelId="{59FFC396-410C-4746-9916-1410A836D651}" type="presOf" srcId="{FA1C10C0-C4CA-4FCB-89A6-C262CB62AD65}" destId="{E6D734D0-B83C-4094-BF5F-1C0602C67D15}" srcOrd="1" destOrd="0" presId="urn:microsoft.com/office/officeart/2016/7/layout/LinearBlockProcessNumbered"/>
+    <dgm:cxn modelId="{83EBDA96-DACB-4F6A-B08A-37DC585A7DF1}" srcId="{78DBC1E6-5E88-4CBC-A4CB-59B612E01D61}" destId="{FA1C10C0-C4CA-4FCB-89A6-C262CB62AD65}" srcOrd="0" destOrd="0" parTransId="{B74FABD0-239D-431B-A1FF-9AE291323DE0}" sibTransId="{909D53C7-68D1-4B09-BC29-FD67B0D1C9AA}"/>
+    <dgm:cxn modelId="{6FC8399E-B0C7-44E4-B86B-4B7312CC3D30}" type="presOf" srcId="{909D53C7-68D1-4B09-BC29-FD67B0D1C9AA}" destId="{EA08D9AF-E176-450A-8D03-C795A655FEAD}" srcOrd="0" destOrd="0" presId="urn:microsoft.com/office/officeart/2016/7/layout/LinearBlockProcessNumbered"/>
+    <dgm:cxn modelId="{12D325AE-F117-4089-8331-808BAAA7352B}" type="presOf" srcId="{F4E22E08-16E4-41C4-8B20-945EE8CE2367}" destId="{ABB3F0D0-D572-4810-ACFC-301E812C3315}" srcOrd="0" destOrd="0" presId="urn:microsoft.com/office/officeart/2016/7/layout/LinearBlockProcessNumbered"/>
+    <dgm:cxn modelId="{2B3A89B4-AC6C-4BD6-8C33-615F2E0E9DD2}" type="presOf" srcId="{D79E346E-04A3-4B61-917E-82A1E659C028}" destId="{116D2A10-4D11-492F-B821-D581D8BBF7EE}" srcOrd="1" destOrd="0" presId="urn:microsoft.com/office/officeart/2016/7/layout/LinearBlockProcessNumbered"/>
+    <dgm:cxn modelId="{442B4AB9-2B15-4F1C-A8B8-F9B8A664F54E}" type="presOf" srcId="{C4894F46-CAA0-4878-9B00-2071F31BFE7D}" destId="{516AFBCA-6657-4AB1-B9C3-5F71943EAC71}" srcOrd="1" destOrd="0" presId="urn:microsoft.com/office/officeart/2016/7/layout/LinearBlockProcessNumbered"/>
+    <dgm:cxn modelId="{75CCEFC2-C1AB-4AE0-95B9-D4EDDB61E5E1}" type="presOf" srcId="{EB61CA3F-4568-4893-A829-60D729F5388F}" destId="{A3B4A0CF-6222-4233-8123-CA5F60DD424C}" srcOrd="0" destOrd="0" presId="urn:microsoft.com/office/officeart/2016/7/layout/LinearBlockProcessNumbered"/>
+    <dgm:cxn modelId="{615D16C5-1917-4945-A215-E70DD75732E4}" type="presOf" srcId="{78DBC1E6-5E88-4CBC-A4CB-59B612E01D61}" destId="{FA7958D2-52B8-43CC-A71F-14491A56E1CB}" srcOrd="0" destOrd="0" presId="urn:microsoft.com/office/officeart/2016/7/layout/LinearBlockProcessNumbered"/>
+    <dgm:cxn modelId="{32B2BEDF-50DC-4F4E-91DA-D11FC4C59D63}" type="presOf" srcId="{C4894F46-CAA0-4878-9B00-2071F31BFE7D}" destId="{894FCD65-614B-4216-A4BB-4F73E5875CC6}" srcOrd="0" destOrd="0" presId="urn:microsoft.com/office/officeart/2016/7/layout/LinearBlockProcessNumbered"/>
+    <dgm:cxn modelId="{FABCC0FE-7B1F-4AE8-917D-9791834A4E16}" type="presOf" srcId="{C2BEA6D1-8DCB-4D1C-8256-76C2319F1111}" destId="{0D40FCDF-A549-4DFB-B130-545BFFC951A2}" srcOrd="0" destOrd="0" presId="urn:microsoft.com/office/officeart/2016/7/layout/LinearBlockProcessNumbered"/>
+    <dgm:cxn modelId="{FB830742-03DE-4DD2-A030-918013890DBE}" type="presParOf" srcId="{FA7958D2-52B8-43CC-A71F-14491A56E1CB}" destId="{74D938F9-E287-4CD1-B9A6-86CAE3D1452C}" srcOrd="0" destOrd="0" presId="urn:microsoft.com/office/officeart/2016/7/layout/LinearBlockProcessNumbered"/>
+    <dgm:cxn modelId="{A94145B2-F18D-49D9-9886-476D3A8C8311}" type="presParOf" srcId="{74D938F9-E287-4CD1-B9A6-86CAE3D1452C}" destId="{514FACB9-CD15-41DD-BADB-D1748C303B2F}" srcOrd="0" destOrd="0" presId="urn:microsoft.com/office/officeart/2016/7/layout/LinearBlockProcessNumbered"/>
+    <dgm:cxn modelId="{6622270D-296E-42A9-9256-2D367C39B336}" type="presParOf" srcId="{74D938F9-E287-4CD1-B9A6-86CAE3D1452C}" destId="{EA08D9AF-E176-450A-8D03-C795A655FEAD}" srcOrd="1" destOrd="0" presId="urn:microsoft.com/office/officeart/2016/7/layout/LinearBlockProcessNumbered"/>
+    <dgm:cxn modelId="{AFA28C3B-F985-49DF-9047-F98993D40F76}" type="presParOf" srcId="{74D938F9-E287-4CD1-B9A6-86CAE3D1452C}" destId="{E6D734D0-B83C-4094-BF5F-1C0602C67D15}" srcOrd="2" destOrd="0" presId="urn:microsoft.com/office/officeart/2016/7/layout/LinearBlockProcessNumbered"/>
+    <dgm:cxn modelId="{4D80BF94-B311-4F03-92BF-2B3966540DDC}" type="presParOf" srcId="{FA7958D2-52B8-43CC-A71F-14491A56E1CB}" destId="{0AEF522A-6909-4902-B5AA-32F7158DCDAD}" srcOrd="1" destOrd="0" presId="urn:microsoft.com/office/officeart/2016/7/layout/LinearBlockProcessNumbered"/>
+    <dgm:cxn modelId="{9E0B3412-101D-4B82-9F78-C142E10874EF}" type="presParOf" srcId="{FA7958D2-52B8-43CC-A71F-14491A56E1CB}" destId="{4D0D74B1-9C1D-4768-862F-EC4FE6C4D711}" srcOrd="2" destOrd="0" presId="urn:microsoft.com/office/officeart/2016/7/layout/LinearBlockProcessNumbered"/>
+    <dgm:cxn modelId="{1A3AAB4D-FB31-4C6E-8F9D-83E051B7FAF8}" type="presParOf" srcId="{4D0D74B1-9C1D-4768-862F-EC4FE6C4D711}" destId="{ABB3F0D0-D572-4810-ACFC-301E812C3315}" srcOrd="0" destOrd="0" presId="urn:microsoft.com/office/officeart/2016/7/layout/LinearBlockProcessNumbered"/>
+    <dgm:cxn modelId="{7C797765-5C01-4BFF-87A6-DC5FE63318C6}" type="presParOf" srcId="{4D0D74B1-9C1D-4768-862F-EC4FE6C4D711}" destId="{3BA2886D-B359-431E-90B9-7A6236A168E4}" srcOrd="1" destOrd="0" presId="urn:microsoft.com/office/officeart/2016/7/layout/LinearBlockProcessNumbered"/>
+    <dgm:cxn modelId="{1068AA63-A5BD-4BB7-A2D0-FC06105FBC36}" type="presParOf" srcId="{4D0D74B1-9C1D-4768-862F-EC4FE6C4D711}" destId="{72F4D547-4686-45C2-ACCD-256653675035}" srcOrd="2" destOrd="0" presId="urn:microsoft.com/office/officeart/2016/7/layout/LinearBlockProcessNumbered"/>
+    <dgm:cxn modelId="{D3D9310A-D00F-4C9C-9B34-13BE49E6580C}" type="presParOf" srcId="{FA7958D2-52B8-43CC-A71F-14491A56E1CB}" destId="{F06FA406-C36D-401C-ADC1-0E6DE6A55E56}" srcOrd="3" destOrd="0" presId="urn:microsoft.com/office/officeart/2016/7/layout/LinearBlockProcessNumbered"/>
+    <dgm:cxn modelId="{C96FC902-DFE7-4A0C-8B02-05667F99F7A7}" type="presParOf" srcId="{FA7958D2-52B8-43CC-A71F-14491A56E1CB}" destId="{70B3F5DC-4707-4FA5-8169-69FF25F9A254}" srcOrd="4" destOrd="0" presId="urn:microsoft.com/office/officeart/2016/7/layout/LinearBlockProcessNumbered"/>
+    <dgm:cxn modelId="{A15ADA78-1410-40A6-B597-DFBEEF502F8F}" type="presParOf" srcId="{70B3F5DC-4707-4FA5-8169-69FF25F9A254}" destId="{3A19139B-52BA-4358-8ED1-D4F36C0544D2}" srcOrd="0" destOrd="0" presId="urn:microsoft.com/office/officeart/2016/7/layout/LinearBlockProcessNumbered"/>
+    <dgm:cxn modelId="{FEF2C6D3-9B9E-46B1-BE8A-8AA022255D1B}" type="presParOf" srcId="{70B3F5DC-4707-4FA5-8169-69FF25F9A254}" destId="{A3B4A0CF-6222-4233-8123-CA5F60DD424C}" srcOrd="1" destOrd="0" presId="urn:microsoft.com/office/officeart/2016/7/layout/LinearBlockProcessNumbered"/>
+    <dgm:cxn modelId="{1CDD949C-5473-4F0D-9116-6E7D871A1842}" type="presParOf" srcId="{70B3F5DC-4707-4FA5-8169-69FF25F9A254}" destId="{116D2A10-4D11-492F-B821-D581D8BBF7EE}" srcOrd="2" destOrd="0" presId="urn:microsoft.com/office/officeart/2016/7/layout/LinearBlockProcessNumbered"/>
+    <dgm:cxn modelId="{0237720C-37E9-4F9A-A455-DC016C727F64}" type="presParOf" srcId="{FA7958D2-52B8-43CC-A71F-14491A56E1CB}" destId="{3895534A-899C-4C0C-8A4D-FCE453BA7ECA}" srcOrd="5" destOrd="0" presId="urn:microsoft.com/office/officeart/2016/7/layout/LinearBlockProcessNumbered"/>
+    <dgm:cxn modelId="{E40F5ED7-63C0-4E58-9713-7E9B33769F3D}" type="presParOf" srcId="{FA7958D2-52B8-43CC-A71F-14491A56E1CB}" destId="{BC031D84-27A5-472C-A2FE-FFC7C2CD1D53}" srcOrd="6" destOrd="0" presId="urn:microsoft.com/office/officeart/2016/7/layout/LinearBlockProcessNumbered"/>
+    <dgm:cxn modelId="{657B10BA-3B8E-4882-979F-0D9F388EA1DE}" type="presParOf" srcId="{BC031D84-27A5-472C-A2FE-FFC7C2CD1D53}" destId="{894FCD65-614B-4216-A4BB-4F73E5875CC6}" srcOrd="0" destOrd="0" presId="urn:microsoft.com/office/officeart/2016/7/layout/LinearBlockProcessNumbered"/>
+    <dgm:cxn modelId="{35A4DC13-62F4-4BDE-8569-E766653AA066}" type="presParOf" srcId="{BC031D84-27A5-472C-A2FE-FFC7C2CD1D53}" destId="{0D40FCDF-A549-4DFB-B130-545BFFC951A2}" srcOrd="1" destOrd="0" presId="urn:microsoft.com/office/officeart/2016/7/layout/LinearBlockProcessNumbered"/>
+    <dgm:cxn modelId="{030EBA91-A2D5-4FF6-AFCC-7FBA69D40714}" type="presParOf" srcId="{BC031D84-27A5-472C-A2FE-FFC7C2CD1D53}" destId="{516AFBCA-6657-4AB1-B9C3-5F71943EAC71}" srcOrd="2" destOrd="0" presId="urn:microsoft.com/office/officeart/2016/7/layout/LinearBlockProcessNumbered"/>
+  </dgm:cxnLst>
+  <dgm:bg/>
+  <dgm:whole/>
+  <dgm:extLst>
+    <a:ext uri="http://schemas.microsoft.com/office/drawing/2008/diagram">
+      <dsp:dataModelExt xmlns:dsp="http://schemas.microsoft.com/office/drawing/2008/diagram" relId="rId6" minVer="http://schemas.openxmlformats.org/drawingml/2006/diagram"/>
+    </a:ext>
+  </dgm:extLst>
+</dgm:dataModel>
+</file>
+
+<file path=ppt/diagrams/data6.xml><?xml version="1.0" encoding="utf-8"?>
+<dgm:dataModel xmlns:dgm="http://schemas.openxmlformats.org/drawingml/2006/diagram" xmlns:a="http://schemas.openxmlformats.org/drawingml/2006/main">
+  <dgm:ptLst>
+    <dgm:pt modelId="{3497A47C-D434-4DC1-83FB-7C746ADB99A3}" type="doc">
+      <dgm:prSet loTypeId="urn:microsoft.com/office/officeart/2005/8/layout/hierarchy1" loCatId="hierarchy" qsTypeId="urn:microsoft.com/office/officeart/2005/8/quickstyle/simple1" qsCatId="simple" csTypeId="urn:microsoft.com/office/officeart/2005/8/colors/accent1_2" csCatId="accent1" phldr="1"/>
+      <dgm:spPr/>
+      <dgm:t>
+        <a:bodyPr/>
+        <a:lstStyle/>
+        <a:p>
+          <a:endParaRPr lang="en-US"/>
+        </a:p>
+      </dgm:t>
+    </dgm:pt>
+    <dgm:pt modelId="{2765A864-98F0-4F91-B29A-305AE7A678F9}">
       <dgm:prSet/>
       <dgm:spPr/>
       <dgm:t>
@@ -7719,14 +7712,14 @@
         <a:lstStyle/>
         <a:p>
           <a:r>
-            <a:rPr lang="en-GB"/>
-            <a:t>Ability to get model predictions with a single line of code</a:t>
+            <a:rPr lang="en-GB" dirty="0"/>
+            <a:t>Ability to get desired stock price and stock return data of desired frequency with a single line of code</a:t>
           </a:r>
-          <a:endParaRPr lang="en-US"/>
+          <a:endParaRPr lang="en-US" dirty="0"/>
         </a:p>
       </dgm:t>
     </dgm:pt>
-    <dgm:pt modelId="{23E9655F-B5B0-4DCE-A788-3790A6DF1272}" type="parTrans" cxnId="{92742EC5-A22B-40F1-9DD6-1F1257BB7E6A}">
+    <dgm:pt modelId="{E00C7C37-19C2-477E-82A6-C471CD9343BF}" type="parTrans" cxnId="{151EFF8B-D7A7-4456-A402-C5DF435F1CBF}">
       <dgm:prSet/>
       <dgm:spPr/>
       <dgm:t>
@@ -7737,7 +7730,7 @@
         </a:p>
       </dgm:t>
     </dgm:pt>
-    <dgm:pt modelId="{217B0063-D99C-4733-8CB1-3CF04B4CF06D}" type="sibTrans" cxnId="{92742EC5-A22B-40F1-9DD6-1F1257BB7E6A}">
+    <dgm:pt modelId="{FDB74ADC-5E25-47E7-BB86-48F2A4CC1FE9}" type="sibTrans" cxnId="{151EFF8B-D7A7-4456-A402-C5DF435F1CBF}">
       <dgm:prSet/>
       <dgm:spPr/>
       <dgm:t>
@@ -7748,7 +7741,7 @@
         </a:p>
       </dgm:t>
     </dgm:pt>
-    <dgm:pt modelId="{92E11C3E-B913-4800-827E-E34BE7764A75}">
+    <dgm:pt modelId="{C6DCDE1F-5231-40FD-8088-E391CD1D810A}">
       <dgm:prSet/>
       <dgm:spPr/>
       <dgm:t>
@@ -7756,14 +7749,14 @@
         <a:lstStyle/>
         <a:p>
           <a:r>
-            <a:rPr lang="en-GB"/>
-            <a:t>Rudimentary data capabilities</a:t>
+            <a:rPr lang="en-GB" dirty="0"/>
+            <a:t>Ability to get model predictions with a single line of code</a:t>
           </a:r>
-          <a:endParaRPr lang="en-US"/>
+          <a:endParaRPr lang="en-US" dirty="0"/>
         </a:p>
       </dgm:t>
     </dgm:pt>
-    <dgm:pt modelId="{46CCF94F-B850-4637-A060-AA24F3CADE57}" type="parTrans" cxnId="{34B99106-2293-4DD4-8F10-AE988E6BB610}">
+    <dgm:pt modelId="{BF03E8E8-0B52-4B29-9169-0D549D4ECAFD}" type="parTrans" cxnId="{9BED9921-B9A9-4BE5-90E2-3B8B91BE904C}">
       <dgm:prSet/>
       <dgm:spPr/>
       <dgm:t>
@@ -7774,7 +7767,7 @@
         </a:p>
       </dgm:t>
     </dgm:pt>
-    <dgm:pt modelId="{46A5B842-C407-4E9D-A153-285D2DDB5C70}" type="sibTrans" cxnId="{34B99106-2293-4DD4-8F10-AE988E6BB610}">
+    <dgm:pt modelId="{4B87C3FC-99E6-46EB-9A5A-D1F8BC01B826}" type="sibTrans" cxnId="{9BED9921-B9A9-4BE5-90E2-3B8B91BE904C}">
       <dgm:prSet/>
       <dgm:spPr/>
       <dgm:t>
@@ -7785,81 +7778,7 @@
         </a:p>
       </dgm:t>
     </dgm:pt>
-    <dgm:pt modelId="{AD05647C-31A0-4E25-AEAB-4D80AA5D18D1}">
-      <dgm:prSet/>
-      <dgm:spPr/>
-      <dgm:t>
-        <a:bodyPr/>
-        <a:lstStyle/>
-        <a:p>
-          <a:r>
-            <a:rPr lang="en-GB"/>
-            <a:t>Ability to get desired stock price and stock return data of desired frequency with a single line of code</a:t>
-          </a:r>
-          <a:endParaRPr lang="en-US"/>
-        </a:p>
-      </dgm:t>
-    </dgm:pt>
-    <dgm:pt modelId="{DFCF2DC8-FAB8-436A-843B-32CCE90A2CA9}" type="parTrans" cxnId="{5AE9980C-2A43-495B-B66B-033D3E100051}">
-      <dgm:prSet/>
-      <dgm:spPr/>
-      <dgm:t>
-        <a:bodyPr/>
-        <a:lstStyle/>
-        <a:p>
-          <a:endParaRPr lang="en-US"/>
-        </a:p>
-      </dgm:t>
-    </dgm:pt>
-    <dgm:pt modelId="{7F58562D-D123-4FC8-BC4C-389897F078BD}" type="sibTrans" cxnId="{5AE9980C-2A43-495B-B66B-033D3E100051}">
-      <dgm:prSet/>
-      <dgm:spPr/>
-      <dgm:t>
-        <a:bodyPr/>
-        <a:lstStyle/>
-        <a:p>
-          <a:endParaRPr lang="en-US"/>
-        </a:p>
-      </dgm:t>
-    </dgm:pt>
-    <dgm:pt modelId="{930DB155-DF1C-49FC-AC25-B225B6908F72}">
-      <dgm:prSet/>
-      <dgm:spPr/>
-      <dgm:t>
-        <a:bodyPr/>
-        <a:lstStyle/>
-        <a:p>
-          <a:r>
-            <a:rPr lang="en-GB"/>
-            <a:t>TSCV functionality</a:t>
-          </a:r>
-          <a:endParaRPr lang="en-US"/>
-        </a:p>
-      </dgm:t>
-    </dgm:pt>
-    <dgm:pt modelId="{B8646234-12F3-4E01-969D-F34A81CFF8AC}" type="parTrans" cxnId="{3B259805-C289-4981-8111-39380368B4DB}">
-      <dgm:prSet/>
-      <dgm:spPr/>
-      <dgm:t>
-        <a:bodyPr/>
-        <a:lstStyle/>
-        <a:p>
-          <a:endParaRPr lang="en-US"/>
-        </a:p>
-      </dgm:t>
-    </dgm:pt>
-    <dgm:pt modelId="{A69EC73C-BFD4-4FCC-9E4A-46410CA3D4A4}" type="sibTrans" cxnId="{3B259805-C289-4981-8111-39380368B4DB}">
-      <dgm:prSet/>
-      <dgm:spPr/>
-      <dgm:t>
-        <a:bodyPr/>
-        <a:lstStyle/>
-        <a:p>
-          <a:endParaRPr lang="en-US"/>
-        </a:p>
-      </dgm:t>
-    </dgm:pt>
-    <dgm:pt modelId="{88290313-C8EE-41A4-B400-03DE976B078F}">
+    <dgm:pt modelId="{8CBC28CC-446B-4D09-AAB2-BA743CAA0055}">
       <dgm:prSet/>
       <dgm:spPr/>
       <dgm:t>
@@ -7874,7 +7793,7 @@
         </a:p>
       </dgm:t>
     </dgm:pt>
-    <dgm:pt modelId="{18EA464D-0F3E-417C-A384-4D4F81C3AB5B}" type="parTrans" cxnId="{A8A868C6-46CF-496C-A2FE-AC99B21D35B0}">
+    <dgm:pt modelId="{46170710-1906-445B-913A-8FF4D7F0D83D}" type="parTrans" cxnId="{A40A0BD3-493D-4185-BDE6-690D570ADF4D}">
       <dgm:prSet/>
       <dgm:spPr/>
       <dgm:t>
@@ -7885,7 +7804,7 @@
         </a:p>
       </dgm:t>
     </dgm:pt>
-    <dgm:pt modelId="{BC935B97-8752-497B-838E-98E09B332739}" type="sibTrans" cxnId="{A8A868C6-46CF-496C-A2FE-AC99B21D35B0}">
+    <dgm:pt modelId="{6A287F44-D413-4C5C-8E9C-DD42F59D7B43}" type="sibTrans" cxnId="{A40A0BD3-493D-4185-BDE6-690D570ADF4D}">
       <dgm:prSet/>
       <dgm:spPr/>
       <dgm:t>
@@ -7896,7 +7815,7 @@
         </a:p>
       </dgm:t>
     </dgm:pt>
-    <dgm:pt modelId="{8DC9027B-3F95-4785-9A92-3FC6407279E6}">
+    <dgm:pt modelId="{FD10DF6D-10A9-48F5-A782-FEABC7ADD58C}">
       <dgm:prSet/>
       <dgm:spPr/>
       <dgm:t>
@@ -7904,14 +7823,14 @@
         <a:lstStyle/>
         <a:p>
           <a:r>
-            <a:rPr lang="en-GB"/>
-            <a:t>Results visualization</a:t>
+            <a:rPr lang="en-GB" dirty="0"/>
+            <a:t>Interactive bar plots of all forecast metrics, interactive line plots of all models’ predictions</a:t>
           </a:r>
-          <a:endParaRPr lang="en-US"/>
+          <a:endParaRPr lang="en-US" dirty="0"/>
         </a:p>
       </dgm:t>
     </dgm:pt>
-    <dgm:pt modelId="{50313C3B-28E6-4D6B-86FB-BF5BEEB52111}" type="parTrans" cxnId="{49EE314A-3361-4750-8AFF-098DA66FDC00}">
+    <dgm:pt modelId="{A179C3F6-65E9-4EBA-B040-451D660AD017}" type="parTrans" cxnId="{34062775-1097-4A2D-A116-8A1B747CA762}">
       <dgm:prSet/>
       <dgm:spPr/>
       <dgm:t>
@@ -7922,7 +7841,7 @@
         </a:p>
       </dgm:t>
     </dgm:pt>
-    <dgm:pt modelId="{BAB8DAE7-0888-49D4-98B3-7EBD4066F354}" type="sibTrans" cxnId="{49EE314A-3361-4750-8AFF-098DA66FDC00}">
+    <dgm:pt modelId="{6B3125C4-0B7B-47FD-A933-311E1817AFAE}" type="sibTrans" cxnId="{34062775-1097-4A2D-A116-8A1B747CA762}">
       <dgm:prSet/>
       <dgm:spPr/>
       <dgm:t>
@@ -7933,45 +7852,8 @@
         </a:p>
       </dgm:t>
     </dgm:pt>
-    <dgm:pt modelId="{227AA57D-3EE0-422F-88CD-682350043E84}">
-      <dgm:prSet/>
-      <dgm:spPr/>
-      <dgm:t>
-        <a:bodyPr/>
-        <a:lstStyle/>
-        <a:p>
-          <a:r>
-            <a:rPr lang="en-GB"/>
-            <a:t>Results of the TSCV visualized in an interactive manner</a:t>
-          </a:r>
-          <a:endParaRPr lang="en-US"/>
-        </a:p>
-      </dgm:t>
-    </dgm:pt>
-    <dgm:pt modelId="{50844AB7-B895-4A72-A5EC-8AEF9989ACB3}" type="parTrans" cxnId="{A2388808-B07F-4D0C-AE19-333B3832AD2E}">
-      <dgm:prSet/>
-      <dgm:spPr/>
-      <dgm:t>
-        <a:bodyPr/>
-        <a:lstStyle/>
-        <a:p>
-          <a:endParaRPr lang="en-US"/>
-        </a:p>
-      </dgm:t>
-    </dgm:pt>
-    <dgm:pt modelId="{FC4303D2-23C6-438E-BD93-B36A80A4D53D}" type="sibTrans" cxnId="{A2388808-B07F-4D0C-AE19-333B3832AD2E}">
-      <dgm:prSet/>
-      <dgm:spPr/>
-      <dgm:t>
-        <a:bodyPr/>
-        <a:lstStyle/>
-        <a:p>
-          <a:endParaRPr lang="en-US"/>
-        </a:p>
-      </dgm:t>
-    </dgm:pt>
-    <dgm:pt modelId="{87BD5F8D-3B19-4C02-B253-4D0197E36556}" type="pres">
-      <dgm:prSet presAssocID="{1B353BF7-81BA-4817-874C-70D15936C317}" presName="hierChild1" presStyleCnt="0">
+    <dgm:pt modelId="{BAFAA97A-A79F-4718-94F6-1C92E7862086}" type="pres">
+      <dgm:prSet presAssocID="{3497A47C-D434-4DC1-83FB-7C746ADB99A3}" presName="hierChild1" presStyleCnt="0">
         <dgm:presLayoutVars>
           <dgm:chPref val="1"/>
           <dgm:dir/>
@@ -7982,342 +7864,139 @@
       </dgm:prSet>
       <dgm:spPr/>
     </dgm:pt>
-    <dgm:pt modelId="{D428C8E4-22E1-4CE9-8922-74D17E1225D4}" type="pres">
-      <dgm:prSet presAssocID="{9A7E605C-BC0D-4771-9364-6CDDC4D48AD3}" presName="hierRoot1" presStyleCnt="0"/>
+    <dgm:pt modelId="{387EAE1D-9736-4D67-8373-93279DCA7541}" type="pres">
+      <dgm:prSet presAssocID="{2765A864-98F0-4F91-B29A-305AE7A678F9}" presName="hierRoot1" presStyleCnt="0"/>
       <dgm:spPr/>
     </dgm:pt>
-    <dgm:pt modelId="{B49BBE65-C231-4D31-9B8B-AA5302FBC193}" type="pres">
-      <dgm:prSet presAssocID="{9A7E605C-BC0D-4771-9364-6CDDC4D48AD3}" presName="composite" presStyleCnt="0"/>
+    <dgm:pt modelId="{E8E42501-E430-4E0E-9D48-3A11CA16F722}" type="pres">
+      <dgm:prSet presAssocID="{2765A864-98F0-4F91-B29A-305AE7A678F9}" presName="composite" presStyleCnt="0"/>
       <dgm:spPr/>
     </dgm:pt>
-    <dgm:pt modelId="{62663C99-FFE4-406B-B222-9031F4F8551C}" type="pres">
-      <dgm:prSet presAssocID="{9A7E605C-BC0D-4771-9364-6CDDC4D48AD3}" presName="background" presStyleLbl="node0" presStyleIdx="0" presStyleCnt="1"/>
+    <dgm:pt modelId="{A3FCE0DD-8BA1-47E0-BB2C-A5B68A6CF6DF}" type="pres">
+      <dgm:prSet presAssocID="{2765A864-98F0-4F91-B29A-305AE7A678F9}" presName="background" presStyleLbl="node0" presStyleIdx="0" presStyleCnt="4"/>
       <dgm:spPr/>
     </dgm:pt>
-    <dgm:pt modelId="{24ED95BD-5A81-4DFA-ADA5-E599053A5C39}" type="pres">
-      <dgm:prSet presAssocID="{9A7E605C-BC0D-4771-9364-6CDDC4D48AD3}" presName="text" presStyleLbl="fgAcc0" presStyleIdx="0" presStyleCnt="1">
+    <dgm:pt modelId="{E8BA9E59-5220-4061-AF8D-8E92EDA5F01D}" type="pres">
+      <dgm:prSet presAssocID="{2765A864-98F0-4F91-B29A-305AE7A678F9}" presName="text" presStyleLbl="fgAcc0" presStyleIdx="0" presStyleCnt="4" custLinFactNeighborX="-140" custLinFactNeighborY="1316">
         <dgm:presLayoutVars>
           <dgm:chPref val="3"/>
         </dgm:presLayoutVars>
       </dgm:prSet>
       <dgm:spPr/>
     </dgm:pt>
-    <dgm:pt modelId="{C6DB2B8B-A708-4E59-BF1E-1F5FF1CB1B7F}" type="pres">
-      <dgm:prSet presAssocID="{9A7E605C-BC0D-4771-9364-6CDDC4D48AD3}" presName="hierChild2" presStyleCnt="0"/>
+    <dgm:pt modelId="{F0D37112-2859-4E6B-8E00-ABE8A955BA8D}" type="pres">
+      <dgm:prSet presAssocID="{2765A864-98F0-4F91-B29A-305AE7A678F9}" presName="hierChild2" presStyleCnt="0"/>
       <dgm:spPr/>
     </dgm:pt>
-    <dgm:pt modelId="{CE41A50B-2977-4976-852C-CB84464B84AE}" type="pres">
-      <dgm:prSet presAssocID="{61264265-0648-4397-9661-122CFFD89FAB}" presName="Name10" presStyleLbl="parChTrans1D2" presStyleIdx="0" presStyleCnt="4"/>
+    <dgm:pt modelId="{223A095A-E29D-4DA6-B0C9-DDD058C30900}" type="pres">
+      <dgm:prSet presAssocID="{C6DCDE1F-5231-40FD-8088-E391CD1D810A}" presName="hierRoot1" presStyleCnt="0"/>
       <dgm:spPr/>
     </dgm:pt>
-    <dgm:pt modelId="{871AB375-4069-4A2F-9431-FB565F94ED2B}" type="pres">
-      <dgm:prSet presAssocID="{ABE648E6-17AF-4C70-A8B8-AF1BB3314486}" presName="hierRoot2" presStyleCnt="0"/>
+    <dgm:pt modelId="{AD82236A-973D-4EB2-AA78-4534F54827FE}" type="pres">
+      <dgm:prSet presAssocID="{C6DCDE1F-5231-40FD-8088-E391CD1D810A}" presName="composite" presStyleCnt="0"/>
       <dgm:spPr/>
     </dgm:pt>
-    <dgm:pt modelId="{82F791DA-0481-401F-AF4B-CE3D07F4037D}" type="pres">
-      <dgm:prSet presAssocID="{ABE648E6-17AF-4C70-A8B8-AF1BB3314486}" presName="composite2" presStyleCnt="0"/>
+    <dgm:pt modelId="{FC6A150B-13FD-4021-A544-F592768967F2}" type="pres">
+      <dgm:prSet presAssocID="{C6DCDE1F-5231-40FD-8088-E391CD1D810A}" presName="background" presStyleLbl="node0" presStyleIdx="1" presStyleCnt="4"/>
       <dgm:spPr/>
     </dgm:pt>
-    <dgm:pt modelId="{A50A9B94-F602-434F-841A-3FF930D87AF3}" type="pres">
-      <dgm:prSet presAssocID="{ABE648E6-17AF-4C70-A8B8-AF1BB3314486}" presName="background2" presStyleLbl="node2" presStyleIdx="0" presStyleCnt="4"/>
-      <dgm:spPr/>
-    </dgm:pt>
-    <dgm:pt modelId="{C196EA4D-F6CF-4BB1-AB04-9ED239A79DD4}" type="pres">
-      <dgm:prSet presAssocID="{ABE648E6-17AF-4C70-A8B8-AF1BB3314486}" presName="text2" presStyleLbl="fgAcc2" presStyleIdx="0" presStyleCnt="4">
+    <dgm:pt modelId="{75B9C0A9-0886-433A-A880-7FBBE33FD42F}" type="pres">
+      <dgm:prSet presAssocID="{C6DCDE1F-5231-40FD-8088-E391CD1D810A}" presName="text" presStyleLbl="fgAcc0" presStyleIdx="1" presStyleCnt="4" custLinFactNeighborX="-1570" custLinFactNeighborY="-1248">
         <dgm:presLayoutVars>
           <dgm:chPref val="3"/>
         </dgm:presLayoutVars>
       </dgm:prSet>
       <dgm:spPr/>
     </dgm:pt>
-    <dgm:pt modelId="{7841FF6E-4CE7-4404-B50F-70267D133328}" type="pres">
-      <dgm:prSet presAssocID="{ABE648E6-17AF-4C70-A8B8-AF1BB3314486}" presName="hierChild3" presStyleCnt="0"/>
+    <dgm:pt modelId="{A0E0D389-2247-446D-9144-C8995BE0267E}" type="pres">
+      <dgm:prSet presAssocID="{C6DCDE1F-5231-40FD-8088-E391CD1D810A}" presName="hierChild2" presStyleCnt="0"/>
       <dgm:spPr/>
     </dgm:pt>
-    <dgm:pt modelId="{68532898-A7FB-4D7E-957F-567D4E5CDA90}" type="pres">
-      <dgm:prSet presAssocID="{23E9655F-B5B0-4DCE-A788-3790A6DF1272}" presName="Name17" presStyleLbl="parChTrans1D3" presStyleIdx="0" presStyleCnt="4"/>
+    <dgm:pt modelId="{38E82EAB-FC75-4048-BC2D-B75F2F03412C}" type="pres">
+      <dgm:prSet presAssocID="{8CBC28CC-446B-4D09-AAB2-BA743CAA0055}" presName="hierRoot1" presStyleCnt="0"/>
       <dgm:spPr/>
     </dgm:pt>
-    <dgm:pt modelId="{420752EB-56CE-4149-9437-334787BF45A3}" type="pres">
-      <dgm:prSet presAssocID="{F421D35D-4B1B-4DCE-B355-3CA825336D6C}" presName="hierRoot3" presStyleCnt="0"/>
+    <dgm:pt modelId="{CECB4C2D-44B1-4950-A063-71A4726FFD5E}" type="pres">
+      <dgm:prSet presAssocID="{8CBC28CC-446B-4D09-AAB2-BA743CAA0055}" presName="composite" presStyleCnt="0"/>
       <dgm:spPr/>
     </dgm:pt>
-    <dgm:pt modelId="{6480A5D6-26E9-4F34-B04E-79E88CFF378E}" type="pres">
-      <dgm:prSet presAssocID="{F421D35D-4B1B-4DCE-B355-3CA825336D6C}" presName="composite3" presStyleCnt="0"/>
+    <dgm:pt modelId="{281AE72A-42DE-4E4E-BC93-68EB84A9A63F}" type="pres">
+      <dgm:prSet presAssocID="{8CBC28CC-446B-4D09-AAB2-BA743CAA0055}" presName="background" presStyleLbl="node0" presStyleIdx="2" presStyleCnt="4"/>
       <dgm:spPr/>
     </dgm:pt>
-    <dgm:pt modelId="{2E46B80E-A116-434B-B8AB-474AB1A62480}" type="pres">
-      <dgm:prSet presAssocID="{F421D35D-4B1B-4DCE-B355-3CA825336D6C}" presName="background3" presStyleLbl="node3" presStyleIdx="0" presStyleCnt="4"/>
-      <dgm:spPr/>
-    </dgm:pt>
-    <dgm:pt modelId="{5083C1FE-8844-4821-8817-404C16CCDB49}" type="pres">
-      <dgm:prSet presAssocID="{F421D35D-4B1B-4DCE-B355-3CA825336D6C}" presName="text3" presStyleLbl="fgAcc3" presStyleIdx="0" presStyleCnt="4">
+    <dgm:pt modelId="{847013CA-4950-4658-8C43-8298AF16A46E}" type="pres">
+      <dgm:prSet presAssocID="{8CBC28CC-446B-4D09-AAB2-BA743CAA0055}" presName="text" presStyleLbl="fgAcc0" presStyleIdx="2" presStyleCnt="4" custLinFactNeighborX="-2050" custLinFactNeighborY="-1248">
         <dgm:presLayoutVars>
           <dgm:chPref val="3"/>
         </dgm:presLayoutVars>
       </dgm:prSet>
       <dgm:spPr/>
     </dgm:pt>
-    <dgm:pt modelId="{337A7A8D-2939-4BC9-8C43-401CA4CADE22}" type="pres">
-      <dgm:prSet presAssocID="{F421D35D-4B1B-4DCE-B355-3CA825336D6C}" presName="hierChild4" presStyleCnt="0"/>
+    <dgm:pt modelId="{D09FF53E-C880-4692-8C82-91D2AC416A7C}" type="pres">
+      <dgm:prSet presAssocID="{8CBC28CC-446B-4D09-AAB2-BA743CAA0055}" presName="hierChild2" presStyleCnt="0"/>
       <dgm:spPr/>
     </dgm:pt>
-    <dgm:pt modelId="{D93CA638-81E4-46A9-9950-37670888C984}" type="pres">
-      <dgm:prSet presAssocID="{46CCF94F-B850-4637-A060-AA24F3CADE57}" presName="Name10" presStyleLbl="parChTrans1D2" presStyleIdx="1" presStyleCnt="4"/>
+    <dgm:pt modelId="{6C1EE173-B4F0-4C53-9F29-29E8CBF144BF}" type="pres">
+      <dgm:prSet presAssocID="{FD10DF6D-10A9-48F5-A782-FEABC7ADD58C}" presName="hierRoot1" presStyleCnt="0"/>
       <dgm:spPr/>
     </dgm:pt>
-    <dgm:pt modelId="{638599C7-F56E-4229-B382-4C197474A86C}" type="pres">
-      <dgm:prSet presAssocID="{92E11C3E-B913-4800-827E-E34BE7764A75}" presName="hierRoot2" presStyleCnt="0"/>
+    <dgm:pt modelId="{6308CEAB-30B5-458B-A5D4-E894A2BF7D6D}" type="pres">
+      <dgm:prSet presAssocID="{FD10DF6D-10A9-48F5-A782-FEABC7ADD58C}" presName="composite" presStyleCnt="0"/>
       <dgm:spPr/>
     </dgm:pt>
-    <dgm:pt modelId="{B5E26D6B-692C-42C4-A8A1-FBA4ED801664}" type="pres">
-      <dgm:prSet presAssocID="{92E11C3E-B913-4800-827E-E34BE7764A75}" presName="composite2" presStyleCnt="0"/>
+    <dgm:pt modelId="{B74A7EDF-DF52-44B5-9333-CCB1D24497FE}" type="pres">
+      <dgm:prSet presAssocID="{FD10DF6D-10A9-48F5-A782-FEABC7ADD58C}" presName="background" presStyleLbl="node0" presStyleIdx="3" presStyleCnt="4"/>
       <dgm:spPr/>
     </dgm:pt>
-    <dgm:pt modelId="{8E42CF63-A1CA-4B97-BAA3-C2475A72AD0A}" type="pres">
-      <dgm:prSet presAssocID="{92E11C3E-B913-4800-827E-E34BE7764A75}" presName="background2" presStyleLbl="node2" presStyleIdx="1" presStyleCnt="4"/>
-      <dgm:spPr/>
-    </dgm:pt>
-    <dgm:pt modelId="{723589A1-9664-4F75-B2D2-5E21296B09DE}" type="pres">
-      <dgm:prSet presAssocID="{92E11C3E-B913-4800-827E-E34BE7764A75}" presName="text2" presStyleLbl="fgAcc2" presStyleIdx="1" presStyleCnt="4">
+    <dgm:pt modelId="{254ABBF3-264F-4908-8140-C34D579F1A54}" type="pres">
+      <dgm:prSet presAssocID="{FD10DF6D-10A9-48F5-A782-FEABC7ADD58C}" presName="text" presStyleLbl="fgAcc0" presStyleIdx="3" presStyleCnt="4" custLinFactNeighborX="-2447" custLinFactNeighborY="-1248">
         <dgm:presLayoutVars>
           <dgm:chPref val="3"/>
         </dgm:presLayoutVars>
       </dgm:prSet>
       <dgm:spPr/>
     </dgm:pt>
-    <dgm:pt modelId="{9CD7B607-B5FA-44FC-A03E-9B232F323F48}" type="pres">
-      <dgm:prSet presAssocID="{92E11C3E-B913-4800-827E-E34BE7764A75}" presName="hierChild3" presStyleCnt="0"/>
-      <dgm:spPr/>
-    </dgm:pt>
-    <dgm:pt modelId="{D2A4D0BF-DD1A-4FCB-B0BE-B2E3D04700D3}" type="pres">
-      <dgm:prSet presAssocID="{DFCF2DC8-FAB8-436A-843B-32CCE90A2CA9}" presName="Name17" presStyleLbl="parChTrans1D3" presStyleIdx="1" presStyleCnt="4"/>
-      <dgm:spPr/>
-    </dgm:pt>
-    <dgm:pt modelId="{9B6E0F87-13AD-4E3B-884C-1890431675EF}" type="pres">
-      <dgm:prSet presAssocID="{AD05647C-31A0-4E25-AEAB-4D80AA5D18D1}" presName="hierRoot3" presStyleCnt="0"/>
-      <dgm:spPr/>
-    </dgm:pt>
-    <dgm:pt modelId="{22B453F6-F4C1-414F-A0DB-35EDE75FB56D}" type="pres">
-      <dgm:prSet presAssocID="{AD05647C-31A0-4E25-AEAB-4D80AA5D18D1}" presName="composite3" presStyleCnt="0"/>
-      <dgm:spPr/>
-    </dgm:pt>
-    <dgm:pt modelId="{A50A79EF-2F23-4F1F-8535-1DE574373636}" type="pres">
-      <dgm:prSet presAssocID="{AD05647C-31A0-4E25-AEAB-4D80AA5D18D1}" presName="background3" presStyleLbl="node3" presStyleIdx="1" presStyleCnt="4"/>
-      <dgm:spPr/>
-    </dgm:pt>
-    <dgm:pt modelId="{0B2AB48D-3455-42B6-BD70-C0A5C1F11792}" type="pres">
-      <dgm:prSet presAssocID="{AD05647C-31A0-4E25-AEAB-4D80AA5D18D1}" presName="text3" presStyleLbl="fgAcc3" presStyleIdx="1" presStyleCnt="4">
-        <dgm:presLayoutVars>
-          <dgm:chPref val="3"/>
-        </dgm:presLayoutVars>
-      </dgm:prSet>
-      <dgm:spPr/>
-    </dgm:pt>
-    <dgm:pt modelId="{464327C5-B138-4AB5-B733-1318DBB9DB79}" type="pres">
-      <dgm:prSet presAssocID="{AD05647C-31A0-4E25-AEAB-4D80AA5D18D1}" presName="hierChild4" presStyleCnt="0"/>
-      <dgm:spPr/>
-    </dgm:pt>
-    <dgm:pt modelId="{8A5D685E-5F35-450B-80DA-D2069DA9F405}" type="pres">
-      <dgm:prSet presAssocID="{B8646234-12F3-4E01-969D-F34A81CFF8AC}" presName="Name10" presStyleLbl="parChTrans1D2" presStyleIdx="2" presStyleCnt="4"/>
-      <dgm:spPr/>
-    </dgm:pt>
-    <dgm:pt modelId="{499BB9DA-75E0-4D0B-BA25-8135C265B8DE}" type="pres">
-      <dgm:prSet presAssocID="{930DB155-DF1C-49FC-AC25-B225B6908F72}" presName="hierRoot2" presStyleCnt="0"/>
-      <dgm:spPr/>
-    </dgm:pt>
-    <dgm:pt modelId="{423C551E-3BAC-4BC6-B946-C27F1E626B94}" type="pres">
-      <dgm:prSet presAssocID="{930DB155-DF1C-49FC-AC25-B225B6908F72}" presName="composite2" presStyleCnt="0"/>
-      <dgm:spPr/>
-    </dgm:pt>
-    <dgm:pt modelId="{0C9358D7-294B-4481-9C4B-149183BE5B0B}" type="pres">
-      <dgm:prSet presAssocID="{930DB155-DF1C-49FC-AC25-B225B6908F72}" presName="background2" presStyleLbl="node2" presStyleIdx="2" presStyleCnt="4"/>
-      <dgm:spPr/>
-    </dgm:pt>
-    <dgm:pt modelId="{A0ECCAE2-111C-4A8E-BA36-56F309E94929}" type="pres">
-      <dgm:prSet presAssocID="{930DB155-DF1C-49FC-AC25-B225B6908F72}" presName="text2" presStyleLbl="fgAcc2" presStyleIdx="2" presStyleCnt="4">
-        <dgm:presLayoutVars>
-          <dgm:chPref val="3"/>
-        </dgm:presLayoutVars>
-      </dgm:prSet>
-      <dgm:spPr/>
-    </dgm:pt>
-    <dgm:pt modelId="{4D6B1F8A-5A2A-4944-9618-1015B88E8C53}" type="pres">
-      <dgm:prSet presAssocID="{930DB155-DF1C-49FC-AC25-B225B6908F72}" presName="hierChild3" presStyleCnt="0"/>
-      <dgm:spPr/>
-    </dgm:pt>
-    <dgm:pt modelId="{E713F459-A009-4422-A338-89997BF4A463}" type="pres">
-      <dgm:prSet presAssocID="{18EA464D-0F3E-417C-A384-4D4F81C3AB5B}" presName="Name17" presStyleLbl="parChTrans1D3" presStyleIdx="2" presStyleCnt="4"/>
-      <dgm:spPr/>
-    </dgm:pt>
-    <dgm:pt modelId="{3837498A-CDDD-4A03-B13A-54A23DD5EECD}" type="pres">
-      <dgm:prSet presAssocID="{88290313-C8EE-41A4-B400-03DE976B078F}" presName="hierRoot3" presStyleCnt="0"/>
-      <dgm:spPr/>
-    </dgm:pt>
-    <dgm:pt modelId="{A2CE1A26-B6FA-4712-AC34-8981A4E66F3E}" type="pres">
-      <dgm:prSet presAssocID="{88290313-C8EE-41A4-B400-03DE976B078F}" presName="composite3" presStyleCnt="0"/>
-      <dgm:spPr/>
-    </dgm:pt>
-    <dgm:pt modelId="{E56BF9A7-2FF7-4FC7-8377-2F3395C8C2E1}" type="pres">
-      <dgm:prSet presAssocID="{88290313-C8EE-41A4-B400-03DE976B078F}" presName="background3" presStyleLbl="node3" presStyleIdx="2" presStyleCnt="4"/>
-      <dgm:spPr/>
-    </dgm:pt>
-    <dgm:pt modelId="{E8919919-88FC-4871-ACA9-C46E412FE2DB}" type="pres">
-      <dgm:prSet presAssocID="{88290313-C8EE-41A4-B400-03DE976B078F}" presName="text3" presStyleLbl="fgAcc3" presStyleIdx="2" presStyleCnt="4">
-        <dgm:presLayoutVars>
-          <dgm:chPref val="3"/>
-        </dgm:presLayoutVars>
-      </dgm:prSet>
-      <dgm:spPr/>
-    </dgm:pt>
-    <dgm:pt modelId="{B8C7FC86-D47E-4456-931D-BE84C55F294E}" type="pres">
-      <dgm:prSet presAssocID="{88290313-C8EE-41A4-B400-03DE976B078F}" presName="hierChild4" presStyleCnt="0"/>
-      <dgm:spPr/>
-    </dgm:pt>
-    <dgm:pt modelId="{B5421611-F8AA-4165-A108-22628AD7A805}" type="pres">
-      <dgm:prSet presAssocID="{50313C3B-28E6-4D6B-86FB-BF5BEEB52111}" presName="Name10" presStyleLbl="parChTrans1D2" presStyleIdx="3" presStyleCnt="4"/>
-      <dgm:spPr/>
-    </dgm:pt>
-    <dgm:pt modelId="{3FC51AB0-8FF5-4EB1-89A4-61092ECBA985}" type="pres">
-      <dgm:prSet presAssocID="{8DC9027B-3F95-4785-9A92-3FC6407279E6}" presName="hierRoot2" presStyleCnt="0"/>
-      <dgm:spPr/>
-    </dgm:pt>
-    <dgm:pt modelId="{77D55CC5-9AEA-4941-878B-37AF31651686}" type="pres">
-      <dgm:prSet presAssocID="{8DC9027B-3F95-4785-9A92-3FC6407279E6}" presName="composite2" presStyleCnt="0"/>
-      <dgm:spPr/>
-    </dgm:pt>
-    <dgm:pt modelId="{0764E300-DF7C-4E79-A056-00792BCAC4BC}" type="pres">
-      <dgm:prSet presAssocID="{8DC9027B-3F95-4785-9A92-3FC6407279E6}" presName="background2" presStyleLbl="node2" presStyleIdx="3" presStyleCnt="4"/>
-      <dgm:spPr/>
-    </dgm:pt>
-    <dgm:pt modelId="{FE922328-F30F-4701-9834-2311E6031A91}" type="pres">
-      <dgm:prSet presAssocID="{8DC9027B-3F95-4785-9A92-3FC6407279E6}" presName="text2" presStyleLbl="fgAcc2" presStyleIdx="3" presStyleCnt="4">
-        <dgm:presLayoutVars>
-          <dgm:chPref val="3"/>
-        </dgm:presLayoutVars>
-      </dgm:prSet>
-      <dgm:spPr/>
-    </dgm:pt>
-    <dgm:pt modelId="{0642B88B-8120-4D62-9AEE-78AAA8A74448}" type="pres">
-      <dgm:prSet presAssocID="{8DC9027B-3F95-4785-9A92-3FC6407279E6}" presName="hierChild3" presStyleCnt="0"/>
-      <dgm:spPr/>
-    </dgm:pt>
-    <dgm:pt modelId="{11911983-799C-4814-A376-45BE7DB4A321}" type="pres">
-      <dgm:prSet presAssocID="{50844AB7-B895-4A72-A5EC-8AEF9989ACB3}" presName="Name17" presStyleLbl="parChTrans1D3" presStyleIdx="3" presStyleCnt="4"/>
-      <dgm:spPr/>
-    </dgm:pt>
-    <dgm:pt modelId="{2AA3E54E-382E-467A-8D6F-D7E0109798CB}" type="pres">
-      <dgm:prSet presAssocID="{227AA57D-3EE0-422F-88CD-682350043E84}" presName="hierRoot3" presStyleCnt="0"/>
-      <dgm:spPr/>
-    </dgm:pt>
-    <dgm:pt modelId="{1B654E16-6FFE-45B3-9F75-67EDE55B89C6}" type="pres">
-      <dgm:prSet presAssocID="{227AA57D-3EE0-422F-88CD-682350043E84}" presName="composite3" presStyleCnt="0"/>
-      <dgm:spPr/>
-    </dgm:pt>
-    <dgm:pt modelId="{1E3E74DC-9E67-4EE6-AA8A-B5E223E68284}" type="pres">
-      <dgm:prSet presAssocID="{227AA57D-3EE0-422F-88CD-682350043E84}" presName="background3" presStyleLbl="node3" presStyleIdx="3" presStyleCnt="4"/>
-      <dgm:spPr/>
-    </dgm:pt>
-    <dgm:pt modelId="{28979DD1-78FD-4577-A98B-632106F90AE7}" type="pres">
-      <dgm:prSet presAssocID="{227AA57D-3EE0-422F-88CD-682350043E84}" presName="text3" presStyleLbl="fgAcc3" presStyleIdx="3" presStyleCnt="4">
-        <dgm:presLayoutVars>
-          <dgm:chPref val="3"/>
-        </dgm:presLayoutVars>
-      </dgm:prSet>
-      <dgm:spPr/>
-    </dgm:pt>
-    <dgm:pt modelId="{93213FF1-DE34-4988-AAA2-0DB156CF1510}" type="pres">
-      <dgm:prSet presAssocID="{227AA57D-3EE0-422F-88CD-682350043E84}" presName="hierChild4" presStyleCnt="0"/>
+    <dgm:pt modelId="{192AC04A-EC76-4D9C-B4F2-DDAB68C97F7D}" type="pres">
+      <dgm:prSet presAssocID="{FD10DF6D-10A9-48F5-A782-FEABC7ADD58C}" presName="hierChild2" presStyleCnt="0"/>
       <dgm:spPr/>
     </dgm:pt>
   </dgm:ptLst>
   <dgm:cxnLst>
-    <dgm:cxn modelId="{3B259805-C289-4981-8111-39380368B4DB}" srcId="{9A7E605C-BC0D-4771-9364-6CDDC4D48AD3}" destId="{930DB155-DF1C-49FC-AC25-B225B6908F72}" srcOrd="2" destOrd="0" parTransId="{B8646234-12F3-4E01-969D-F34A81CFF8AC}" sibTransId="{A69EC73C-BFD4-4FCC-9E4A-46410CA3D4A4}"/>
-    <dgm:cxn modelId="{69EF5806-8FA8-4AF8-B4CE-966EA370373E}" type="presOf" srcId="{1B353BF7-81BA-4817-874C-70D15936C317}" destId="{87BD5F8D-3B19-4C02-B253-4D0197E36556}" srcOrd="0" destOrd="0" presId="urn:microsoft.com/office/officeart/2005/8/layout/hierarchy1"/>
-    <dgm:cxn modelId="{34B99106-2293-4DD4-8F10-AE988E6BB610}" srcId="{9A7E605C-BC0D-4771-9364-6CDDC4D48AD3}" destId="{92E11C3E-B913-4800-827E-E34BE7764A75}" srcOrd="1" destOrd="0" parTransId="{46CCF94F-B850-4637-A060-AA24F3CADE57}" sibTransId="{46A5B842-C407-4E9D-A153-285D2DDB5C70}"/>
-    <dgm:cxn modelId="{A2388808-B07F-4D0C-AE19-333B3832AD2E}" srcId="{8DC9027B-3F95-4785-9A92-3FC6407279E6}" destId="{227AA57D-3EE0-422F-88CD-682350043E84}" srcOrd="0" destOrd="0" parTransId="{50844AB7-B895-4A72-A5EC-8AEF9989ACB3}" sibTransId="{FC4303D2-23C6-438E-BD93-B36A80A4D53D}"/>
-    <dgm:cxn modelId="{5AE9980C-2A43-495B-B66B-033D3E100051}" srcId="{92E11C3E-B913-4800-827E-E34BE7764A75}" destId="{AD05647C-31A0-4E25-AEAB-4D80AA5D18D1}" srcOrd="0" destOrd="0" parTransId="{DFCF2DC8-FAB8-436A-843B-32CCE90A2CA9}" sibTransId="{7F58562D-D123-4FC8-BC4C-389897F078BD}"/>
-    <dgm:cxn modelId="{65776233-E0D9-4782-A62D-B481BEBBD735}" type="presOf" srcId="{AD05647C-31A0-4E25-AEAB-4D80AA5D18D1}" destId="{0B2AB48D-3455-42B6-BD70-C0A5C1F11792}" srcOrd="0" destOrd="0" presId="urn:microsoft.com/office/officeart/2005/8/layout/hierarchy1"/>
-    <dgm:cxn modelId="{CCFE333B-0831-485D-8BD9-11631B20683A}" type="presOf" srcId="{50844AB7-B895-4A72-A5EC-8AEF9989ACB3}" destId="{11911983-799C-4814-A376-45BE7DB4A321}" srcOrd="0" destOrd="0" presId="urn:microsoft.com/office/officeart/2005/8/layout/hierarchy1"/>
-    <dgm:cxn modelId="{E43B0967-FB4B-4B13-8CD2-60EDDF23F64F}" type="presOf" srcId="{61264265-0648-4397-9661-122CFFD89FAB}" destId="{CE41A50B-2977-4976-852C-CB84464B84AE}" srcOrd="0" destOrd="0" presId="urn:microsoft.com/office/officeart/2005/8/layout/hierarchy1"/>
-    <dgm:cxn modelId="{49EE314A-3361-4750-8AFF-098DA66FDC00}" srcId="{9A7E605C-BC0D-4771-9364-6CDDC4D48AD3}" destId="{8DC9027B-3F95-4785-9A92-3FC6407279E6}" srcOrd="3" destOrd="0" parTransId="{50313C3B-28E6-4D6B-86FB-BF5BEEB52111}" sibTransId="{BAB8DAE7-0888-49D4-98B3-7EBD4066F354}"/>
-    <dgm:cxn modelId="{777ED76A-DC04-4BE3-A9F2-9F7DF0DE7266}" type="presOf" srcId="{8DC9027B-3F95-4785-9A92-3FC6407279E6}" destId="{FE922328-F30F-4701-9834-2311E6031A91}" srcOrd="0" destOrd="0" presId="urn:microsoft.com/office/officeart/2005/8/layout/hierarchy1"/>
-    <dgm:cxn modelId="{0FACB157-F20F-4928-9FFE-A9278B1BFF68}" type="presOf" srcId="{9A7E605C-BC0D-4771-9364-6CDDC4D48AD3}" destId="{24ED95BD-5A81-4DFA-ADA5-E599053A5C39}" srcOrd="0" destOrd="0" presId="urn:microsoft.com/office/officeart/2005/8/layout/hierarchy1"/>
-    <dgm:cxn modelId="{1D0D8F7C-D9A6-455E-81A5-BF0DA9711195}" type="presOf" srcId="{92E11C3E-B913-4800-827E-E34BE7764A75}" destId="{723589A1-9664-4F75-B2D2-5E21296B09DE}" srcOrd="0" destOrd="0" presId="urn:microsoft.com/office/officeart/2005/8/layout/hierarchy1"/>
-    <dgm:cxn modelId="{BC0CE57F-9653-413F-A1AF-A871EC1A9303}" type="presOf" srcId="{46CCF94F-B850-4637-A060-AA24F3CADE57}" destId="{D93CA638-81E4-46A9-9950-37670888C984}" srcOrd="0" destOrd="0" presId="urn:microsoft.com/office/officeart/2005/8/layout/hierarchy1"/>
-    <dgm:cxn modelId="{C9027582-EDA9-4165-BDC3-038166EE74CB}" type="presOf" srcId="{ABE648E6-17AF-4C70-A8B8-AF1BB3314486}" destId="{C196EA4D-F6CF-4BB1-AB04-9ED239A79DD4}" srcOrd="0" destOrd="0" presId="urn:microsoft.com/office/officeart/2005/8/layout/hierarchy1"/>
-    <dgm:cxn modelId="{4B9E3F99-19F8-49AF-A77A-99CDDE42E99E}" type="presOf" srcId="{B8646234-12F3-4E01-969D-F34A81CFF8AC}" destId="{8A5D685E-5F35-450B-80DA-D2069DA9F405}" srcOrd="0" destOrd="0" presId="urn:microsoft.com/office/officeart/2005/8/layout/hierarchy1"/>
-    <dgm:cxn modelId="{93B7839E-FA4F-4E75-8373-D820F8B1BF9E}" type="presOf" srcId="{23E9655F-B5B0-4DCE-A788-3790A6DF1272}" destId="{68532898-A7FB-4D7E-957F-567D4E5CDA90}" srcOrd="0" destOrd="0" presId="urn:microsoft.com/office/officeart/2005/8/layout/hierarchy1"/>
-    <dgm:cxn modelId="{69B0A0A1-1270-44A9-8C9B-0628A6665718}" type="presOf" srcId="{50313C3B-28E6-4D6B-86FB-BF5BEEB52111}" destId="{B5421611-F8AA-4165-A108-22628AD7A805}" srcOrd="0" destOrd="0" presId="urn:microsoft.com/office/officeart/2005/8/layout/hierarchy1"/>
-    <dgm:cxn modelId="{B5CEC7A6-D444-43BF-9EEB-D7A7BCB30DA7}" type="presOf" srcId="{88290313-C8EE-41A4-B400-03DE976B078F}" destId="{E8919919-88FC-4871-ACA9-C46E412FE2DB}" srcOrd="0" destOrd="0" presId="urn:microsoft.com/office/officeart/2005/8/layout/hierarchy1"/>
-    <dgm:cxn modelId="{14E090BF-A159-41BD-8360-710B6939B36A}" srcId="{9A7E605C-BC0D-4771-9364-6CDDC4D48AD3}" destId="{ABE648E6-17AF-4C70-A8B8-AF1BB3314486}" srcOrd="0" destOrd="0" parTransId="{61264265-0648-4397-9661-122CFFD89FAB}" sibTransId="{15AFE2F4-9277-4B6A-8E91-71C25CBBE79F}"/>
-    <dgm:cxn modelId="{E0B3BBC2-1439-402F-B742-333E2567ADA5}" type="presOf" srcId="{227AA57D-3EE0-422F-88CD-682350043E84}" destId="{28979DD1-78FD-4577-A98B-632106F90AE7}" srcOrd="0" destOrd="0" presId="urn:microsoft.com/office/officeart/2005/8/layout/hierarchy1"/>
-    <dgm:cxn modelId="{92742EC5-A22B-40F1-9DD6-1F1257BB7E6A}" srcId="{ABE648E6-17AF-4C70-A8B8-AF1BB3314486}" destId="{F421D35D-4B1B-4DCE-B355-3CA825336D6C}" srcOrd="0" destOrd="0" parTransId="{23E9655F-B5B0-4DCE-A788-3790A6DF1272}" sibTransId="{217B0063-D99C-4733-8CB1-3CF04B4CF06D}"/>
-    <dgm:cxn modelId="{A8A868C6-46CF-496C-A2FE-AC99B21D35B0}" srcId="{930DB155-DF1C-49FC-AC25-B225B6908F72}" destId="{88290313-C8EE-41A4-B400-03DE976B078F}" srcOrd="0" destOrd="0" parTransId="{18EA464D-0F3E-417C-A384-4D4F81C3AB5B}" sibTransId="{BC935B97-8752-497B-838E-98E09B332739}"/>
-    <dgm:cxn modelId="{62BB28C7-8EBD-40DF-AD7B-040566AAFC91}" type="presOf" srcId="{18EA464D-0F3E-417C-A384-4D4F81C3AB5B}" destId="{E713F459-A009-4422-A338-89997BF4A463}" srcOrd="0" destOrd="0" presId="urn:microsoft.com/office/officeart/2005/8/layout/hierarchy1"/>
-    <dgm:cxn modelId="{483ED6EE-F614-4020-AD81-E91D38A9B179}" type="presOf" srcId="{F421D35D-4B1B-4DCE-B355-3CA825336D6C}" destId="{5083C1FE-8844-4821-8817-404C16CCDB49}" srcOrd="0" destOrd="0" presId="urn:microsoft.com/office/officeart/2005/8/layout/hierarchy1"/>
-    <dgm:cxn modelId="{A56D54F0-9472-417C-9C0C-45B06765CC30}" type="presOf" srcId="{DFCF2DC8-FAB8-436A-843B-32CCE90A2CA9}" destId="{D2A4D0BF-DD1A-4FCB-B0BE-B2E3D04700D3}" srcOrd="0" destOrd="0" presId="urn:microsoft.com/office/officeart/2005/8/layout/hierarchy1"/>
-    <dgm:cxn modelId="{6335D0F1-E958-47F2-96D7-AFADE9687944}" type="presOf" srcId="{930DB155-DF1C-49FC-AC25-B225B6908F72}" destId="{A0ECCAE2-111C-4A8E-BA36-56F309E94929}" srcOrd="0" destOrd="0" presId="urn:microsoft.com/office/officeart/2005/8/layout/hierarchy1"/>
-    <dgm:cxn modelId="{6495BDF7-DF4C-4D72-8063-2F0083AB7E6D}" srcId="{1B353BF7-81BA-4817-874C-70D15936C317}" destId="{9A7E605C-BC0D-4771-9364-6CDDC4D48AD3}" srcOrd="0" destOrd="0" parTransId="{463B2F2C-1D97-4393-8FE3-A12BE42DE397}" sibTransId="{A75E2F7E-9FB7-49A0-9405-F65956228494}"/>
-    <dgm:cxn modelId="{C63C260B-7181-41B2-B5D5-A88992C7FD3D}" type="presParOf" srcId="{87BD5F8D-3B19-4C02-B253-4D0197E36556}" destId="{D428C8E4-22E1-4CE9-8922-74D17E1225D4}" srcOrd="0" destOrd="0" presId="urn:microsoft.com/office/officeart/2005/8/layout/hierarchy1"/>
-    <dgm:cxn modelId="{9B97E0F0-63CD-4688-8079-C994D12CAB61}" type="presParOf" srcId="{D428C8E4-22E1-4CE9-8922-74D17E1225D4}" destId="{B49BBE65-C231-4D31-9B8B-AA5302FBC193}" srcOrd="0" destOrd="0" presId="urn:microsoft.com/office/officeart/2005/8/layout/hierarchy1"/>
-    <dgm:cxn modelId="{E8C793FF-9BC8-4738-8481-9B12FDDB5036}" type="presParOf" srcId="{B49BBE65-C231-4D31-9B8B-AA5302FBC193}" destId="{62663C99-FFE4-406B-B222-9031F4F8551C}" srcOrd="0" destOrd="0" presId="urn:microsoft.com/office/officeart/2005/8/layout/hierarchy1"/>
-    <dgm:cxn modelId="{749A403C-1648-4EFB-8CBC-3F3947B728FC}" type="presParOf" srcId="{B49BBE65-C231-4D31-9B8B-AA5302FBC193}" destId="{24ED95BD-5A81-4DFA-ADA5-E599053A5C39}" srcOrd="1" destOrd="0" presId="urn:microsoft.com/office/officeart/2005/8/layout/hierarchy1"/>
-    <dgm:cxn modelId="{5998DF05-70BE-473C-9DAA-7C1C04071534}" type="presParOf" srcId="{D428C8E4-22E1-4CE9-8922-74D17E1225D4}" destId="{C6DB2B8B-A708-4E59-BF1E-1F5FF1CB1B7F}" srcOrd="1" destOrd="0" presId="urn:microsoft.com/office/officeart/2005/8/layout/hierarchy1"/>
-    <dgm:cxn modelId="{D3CA9C9C-53C8-41AC-8E9B-A3580F89F2BB}" type="presParOf" srcId="{C6DB2B8B-A708-4E59-BF1E-1F5FF1CB1B7F}" destId="{CE41A50B-2977-4976-852C-CB84464B84AE}" srcOrd="0" destOrd="0" presId="urn:microsoft.com/office/officeart/2005/8/layout/hierarchy1"/>
-    <dgm:cxn modelId="{5E1A06D1-E818-4039-94EA-494F0DD72A14}" type="presParOf" srcId="{C6DB2B8B-A708-4E59-BF1E-1F5FF1CB1B7F}" destId="{871AB375-4069-4A2F-9431-FB565F94ED2B}" srcOrd="1" destOrd="0" presId="urn:microsoft.com/office/officeart/2005/8/layout/hierarchy1"/>
-    <dgm:cxn modelId="{B6350F11-7496-4ED9-B590-09F9509A61F6}" type="presParOf" srcId="{871AB375-4069-4A2F-9431-FB565F94ED2B}" destId="{82F791DA-0481-401F-AF4B-CE3D07F4037D}" srcOrd="0" destOrd="0" presId="urn:microsoft.com/office/officeart/2005/8/layout/hierarchy1"/>
-    <dgm:cxn modelId="{AB86EA05-1D92-423B-89A8-D56BDCFB1DDC}" type="presParOf" srcId="{82F791DA-0481-401F-AF4B-CE3D07F4037D}" destId="{A50A9B94-F602-434F-841A-3FF930D87AF3}" srcOrd="0" destOrd="0" presId="urn:microsoft.com/office/officeart/2005/8/layout/hierarchy1"/>
-    <dgm:cxn modelId="{EE2DA802-AD8C-4808-A2E3-C211CB6291C6}" type="presParOf" srcId="{82F791DA-0481-401F-AF4B-CE3D07F4037D}" destId="{C196EA4D-F6CF-4BB1-AB04-9ED239A79DD4}" srcOrd="1" destOrd="0" presId="urn:microsoft.com/office/officeart/2005/8/layout/hierarchy1"/>
-    <dgm:cxn modelId="{44369E9C-EB79-4397-82E9-C7E5F05B1B59}" type="presParOf" srcId="{871AB375-4069-4A2F-9431-FB565F94ED2B}" destId="{7841FF6E-4CE7-4404-B50F-70267D133328}" srcOrd="1" destOrd="0" presId="urn:microsoft.com/office/officeart/2005/8/layout/hierarchy1"/>
-    <dgm:cxn modelId="{4380531F-9391-4D2C-BD9F-E11E95ECF997}" type="presParOf" srcId="{7841FF6E-4CE7-4404-B50F-70267D133328}" destId="{68532898-A7FB-4D7E-957F-567D4E5CDA90}" srcOrd="0" destOrd="0" presId="urn:microsoft.com/office/officeart/2005/8/layout/hierarchy1"/>
-    <dgm:cxn modelId="{A262D816-6546-48E3-A8FD-7F88B8E010A4}" type="presParOf" srcId="{7841FF6E-4CE7-4404-B50F-70267D133328}" destId="{420752EB-56CE-4149-9437-334787BF45A3}" srcOrd="1" destOrd="0" presId="urn:microsoft.com/office/officeart/2005/8/layout/hierarchy1"/>
-    <dgm:cxn modelId="{BE7B1D8C-AC36-4CBE-B032-C346B8AD8506}" type="presParOf" srcId="{420752EB-56CE-4149-9437-334787BF45A3}" destId="{6480A5D6-26E9-4F34-B04E-79E88CFF378E}" srcOrd="0" destOrd="0" presId="urn:microsoft.com/office/officeart/2005/8/layout/hierarchy1"/>
-    <dgm:cxn modelId="{4A208BDF-B356-4EE5-9BBC-23887E64DF4D}" type="presParOf" srcId="{6480A5D6-26E9-4F34-B04E-79E88CFF378E}" destId="{2E46B80E-A116-434B-B8AB-474AB1A62480}" srcOrd="0" destOrd="0" presId="urn:microsoft.com/office/officeart/2005/8/layout/hierarchy1"/>
-    <dgm:cxn modelId="{2E2DA095-C5FB-4E0D-8144-9CC90DC60B24}" type="presParOf" srcId="{6480A5D6-26E9-4F34-B04E-79E88CFF378E}" destId="{5083C1FE-8844-4821-8817-404C16CCDB49}" srcOrd="1" destOrd="0" presId="urn:microsoft.com/office/officeart/2005/8/layout/hierarchy1"/>
-    <dgm:cxn modelId="{73339228-7185-4083-ACE9-27F3EB4104F6}" type="presParOf" srcId="{420752EB-56CE-4149-9437-334787BF45A3}" destId="{337A7A8D-2939-4BC9-8C43-401CA4CADE22}" srcOrd="1" destOrd="0" presId="urn:microsoft.com/office/officeart/2005/8/layout/hierarchy1"/>
-    <dgm:cxn modelId="{ADAF9858-B418-4026-8255-31F6F386F1ED}" type="presParOf" srcId="{C6DB2B8B-A708-4E59-BF1E-1F5FF1CB1B7F}" destId="{D93CA638-81E4-46A9-9950-37670888C984}" srcOrd="2" destOrd="0" presId="urn:microsoft.com/office/officeart/2005/8/layout/hierarchy1"/>
-    <dgm:cxn modelId="{DE85AB2C-BD47-43E7-A0D3-FE8F20FBDD0C}" type="presParOf" srcId="{C6DB2B8B-A708-4E59-BF1E-1F5FF1CB1B7F}" destId="{638599C7-F56E-4229-B382-4C197474A86C}" srcOrd="3" destOrd="0" presId="urn:microsoft.com/office/officeart/2005/8/layout/hierarchy1"/>
-    <dgm:cxn modelId="{3C8ED84B-0D2E-42AE-B936-959F1666D14D}" type="presParOf" srcId="{638599C7-F56E-4229-B382-4C197474A86C}" destId="{B5E26D6B-692C-42C4-A8A1-FBA4ED801664}" srcOrd="0" destOrd="0" presId="urn:microsoft.com/office/officeart/2005/8/layout/hierarchy1"/>
-    <dgm:cxn modelId="{438D1917-84AA-46EC-B5EA-28849CAEE908}" type="presParOf" srcId="{B5E26D6B-692C-42C4-A8A1-FBA4ED801664}" destId="{8E42CF63-A1CA-4B97-BAA3-C2475A72AD0A}" srcOrd="0" destOrd="0" presId="urn:microsoft.com/office/officeart/2005/8/layout/hierarchy1"/>
-    <dgm:cxn modelId="{783E8643-4537-4A4A-91B3-7910DF246B3D}" type="presParOf" srcId="{B5E26D6B-692C-42C4-A8A1-FBA4ED801664}" destId="{723589A1-9664-4F75-B2D2-5E21296B09DE}" srcOrd="1" destOrd="0" presId="urn:microsoft.com/office/officeart/2005/8/layout/hierarchy1"/>
-    <dgm:cxn modelId="{5D65B222-4F25-4B85-89CD-AF31FFB373C8}" type="presParOf" srcId="{638599C7-F56E-4229-B382-4C197474A86C}" destId="{9CD7B607-B5FA-44FC-A03E-9B232F323F48}" srcOrd="1" destOrd="0" presId="urn:microsoft.com/office/officeart/2005/8/layout/hierarchy1"/>
-    <dgm:cxn modelId="{C88F02F2-42DA-4CA5-B0A7-6386B1F59796}" type="presParOf" srcId="{9CD7B607-B5FA-44FC-A03E-9B232F323F48}" destId="{D2A4D0BF-DD1A-4FCB-B0BE-B2E3D04700D3}" srcOrd="0" destOrd="0" presId="urn:microsoft.com/office/officeart/2005/8/layout/hierarchy1"/>
-    <dgm:cxn modelId="{91C97BFE-B7FF-4A08-B580-8FFFB7E999A7}" type="presParOf" srcId="{9CD7B607-B5FA-44FC-A03E-9B232F323F48}" destId="{9B6E0F87-13AD-4E3B-884C-1890431675EF}" srcOrd="1" destOrd="0" presId="urn:microsoft.com/office/officeart/2005/8/layout/hierarchy1"/>
-    <dgm:cxn modelId="{56F8738A-019E-4AD9-9099-E1A6F2F08E37}" type="presParOf" srcId="{9B6E0F87-13AD-4E3B-884C-1890431675EF}" destId="{22B453F6-F4C1-414F-A0DB-35EDE75FB56D}" srcOrd="0" destOrd="0" presId="urn:microsoft.com/office/officeart/2005/8/layout/hierarchy1"/>
-    <dgm:cxn modelId="{E99079FA-6E1F-4386-B86F-C1E8478EBD03}" type="presParOf" srcId="{22B453F6-F4C1-414F-A0DB-35EDE75FB56D}" destId="{A50A79EF-2F23-4F1F-8535-1DE574373636}" srcOrd="0" destOrd="0" presId="urn:microsoft.com/office/officeart/2005/8/layout/hierarchy1"/>
-    <dgm:cxn modelId="{5B5D4DDB-213D-4505-B06E-8CC849124273}" type="presParOf" srcId="{22B453F6-F4C1-414F-A0DB-35EDE75FB56D}" destId="{0B2AB48D-3455-42B6-BD70-C0A5C1F11792}" srcOrd="1" destOrd="0" presId="urn:microsoft.com/office/officeart/2005/8/layout/hierarchy1"/>
-    <dgm:cxn modelId="{F4FDE61D-80D5-42C5-B44E-178E5CE2DCFA}" type="presParOf" srcId="{9B6E0F87-13AD-4E3B-884C-1890431675EF}" destId="{464327C5-B138-4AB5-B733-1318DBB9DB79}" srcOrd="1" destOrd="0" presId="urn:microsoft.com/office/officeart/2005/8/layout/hierarchy1"/>
-    <dgm:cxn modelId="{18A4AB07-ACB2-41D1-AC86-8D92BC761E8C}" type="presParOf" srcId="{C6DB2B8B-A708-4E59-BF1E-1F5FF1CB1B7F}" destId="{8A5D685E-5F35-450B-80DA-D2069DA9F405}" srcOrd="4" destOrd="0" presId="urn:microsoft.com/office/officeart/2005/8/layout/hierarchy1"/>
-    <dgm:cxn modelId="{D725583A-6A7E-4758-B7B0-A7FD9D409A53}" type="presParOf" srcId="{C6DB2B8B-A708-4E59-BF1E-1F5FF1CB1B7F}" destId="{499BB9DA-75E0-4D0B-BA25-8135C265B8DE}" srcOrd="5" destOrd="0" presId="urn:microsoft.com/office/officeart/2005/8/layout/hierarchy1"/>
-    <dgm:cxn modelId="{0AB4DDFA-3EF5-4178-8014-250D1CFFAB5F}" type="presParOf" srcId="{499BB9DA-75E0-4D0B-BA25-8135C265B8DE}" destId="{423C551E-3BAC-4BC6-B946-C27F1E626B94}" srcOrd="0" destOrd="0" presId="urn:microsoft.com/office/officeart/2005/8/layout/hierarchy1"/>
-    <dgm:cxn modelId="{8412FD0B-5263-48E8-BBF8-49F8D62C7B22}" type="presParOf" srcId="{423C551E-3BAC-4BC6-B946-C27F1E626B94}" destId="{0C9358D7-294B-4481-9C4B-149183BE5B0B}" srcOrd="0" destOrd="0" presId="urn:microsoft.com/office/officeart/2005/8/layout/hierarchy1"/>
-    <dgm:cxn modelId="{8C66AED6-EB21-404B-9D3D-E9FBAA195C56}" type="presParOf" srcId="{423C551E-3BAC-4BC6-B946-C27F1E626B94}" destId="{A0ECCAE2-111C-4A8E-BA36-56F309E94929}" srcOrd="1" destOrd="0" presId="urn:microsoft.com/office/officeart/2005/8/layout/hierarchy1"/>
-    <dgm:cxn modelId="{E970745B-0546-4405-A6C9-E1427B749352}" type="presParOf" srcId="{499BB9DA-75E0-4D0B-BA25-8135C265B8DE}" destId="{4D6B1F8A-5A2A-4944-9618-1015B88E8C53}" srcOrd="1" destOrd="0" presId="urn:microsoft.com/office/officeart/2005/8/layout/hierarchy1"/>
-    <dgm:cxn modelId="{CD211E89-AD62-494B-8B98-7E5B1D67CCD3}" type="presParOf" srcId="{4D6B1F8A-5A2A-4944-9618-1015B88E8C53}" destId="{E713F459-A009-4422-A338-89997BF4A463}" srcOrd="0" destOrd="0" presId="urn:microsoft.com/office/officeart/2005/8/layout/hierarchy1"/>
-    <dgm:cxn modelId="{48B403BA-FD6C-4B22-953F-93B1EFA90507}" type="presParOf" srcId="{4D6B1F8A-5A2A-4944-9618-1015B88E8C53}" destId="{3837498A-CDDD-4A03-B13A-54A23DD5EECD}" srcOrd="1" destOrd="0" presId="urn:microsoft.com/office/officeart/2005/8/layout/hierarchy1"/>
-    <dgm:cxn modelId="{F32DA654-444D-45B1-B294-555CCA59F0B4}" type="presParOf" srcId="{3837498A-CDDD-4A03-B13A-54A23DD5EECD}" destId="{A2CE1A26-B6FA-4712-AC34-8981A4E66F3E}" srcOrd="0" destOrd="0" presId="urn:microsoft.com/office/officeart/2005/8/layout/hierarchy1"/>
-    <dgm:cxn modelId="{4C28BCC7-8969-42F9-A2C2-3BA771C34302}" type="presParOf" srcId="{A2CE1A26-B6FA-4712-AC34-8981A4E66F3E}" destId="{E56BF9A7-2FF7-4FC7-8377-2F3395C8C2E1}" srcOrd="0" destOrd="0" presId="urn:microsoft.com/office/officeart/2005/8/layout/hierarchy1"/>
-    <dgm:cxn modelId="{28203651-0CB4-4DBA-AC05-DBF4484C34E6}" type="presParOf" srcId="{A2CE1A26-B6FA-4712-AC34-8981A4E66F3E}" destId="{E8919919-88FC-4871-ACA9-C46E412FE2DB}" srcOrd="1" destOrd="0" presId="urn:microsoft.com/office/officeart/2005/8/layout/hierarchy1"/>
-    <dgm:cxn modelId="{A4BDC5F7-CDC1-47FB-8DCA-B26FEDC80A9E}" type="presParOf" srcId="{3837498A-CDDD-4A03-B13A-54A23DD5EECD}" destId="{B8C7FC86-D47E-4456-931D-BE84C55F294E}" srcOrd="1" destOrd="0" presId="urn:microsoft.com/office/officeart/2005/8/layout/hierarchy1"/>
-    <dgm:cxn modelId="{7A6CAC59-CE0F-4154-A107-3FE4C3E5BD20}" type="presParOf" srcId="{C6DB2B8B-A708-4E59-BF1E-1F5FF1CB1B7F}" destId="{B5421611-F8AA-4165-A108-22628AD7A805}" srcOrd="6" destOrd="0" presId="urn:microsoft.com/office/officeart/2005/8/layout/hierarchy1"/>
-    <dgm:cxn modelId="{328455C6-60EE-4A29-B954-17CC7086E81C}" type="presParOf" srcId="{C6DB2B8B-A708-4E59-BF1E-1F5FF1CB1B7F}" destId="{3FC51AB0-8FF5-4EB1-89A4-61092ECBA985}" srcOrd="7" destOrd="0" presId="urn:microsoft.com/office/officeart/2005/8/layout/hierarchy1"/>
-    <dgm:cxn modelId="{27C68E02-8215-41C8-979E-0BE3D3D4CC06}" type="presParOf" srcId="{3FC51AB0-8FF5-4EB1-89A4-61092ECBA985}" destId="{77D55CC5-9AEA-4941-878B-37AF31651686}" srcOrd="0" destOrd="0" presId="urn:microsoft.com/office/officeart/2005/8/layout/hierarchy1"/>
-    <dgm:cxn modelId="{71CFDC29-64A6-43DD-B9F4-2000695A1A44}" type="presParOf" srcId="{77D55CC5-9AEA-4941-878B-37AF31651686}" destId="{0764E300-DF7C-4E79-A056-00792BCAC4BC}" srcOrd="0" destOrd="0" presId="urn:microsoft.com/office/officeart/2005/8/layout/hierarchy1"/>
-    <dgm:cxn modelId="{EB287876-D8F9-483A-BEBD-1B7959123927}" type="presParOf" srcId="{77D55CC5-9AEA-4941-878B-37AF31651686}" destId="{FE922328-F30F-4701-9834-2311E6031A91}" srcOrd="1" destOrd="0" presId="urn:microsoft.com/office/officeart/2005/8/layout/hierarchy1"/>
-    <dgm:cxn modelId="{33D15690-639A-4289-8721-F8FE6C70A6D1}" type="presParOf" srcId="{3FC51AB0-8FF5-4EB1-89A4-61092ECBA985}" destId="{0642B88B-8120-4D62-9AEE-78AAA8A74448}" srcOrd="1" destOrd="0" presId="urn:microsoft.com/office/officeart/2005/8/layout/hierarchy1"/>
-    <dgm:cxn modelId="{07BCFEBD-26BC-4740-82F5-F9C9CC6260BF}" type="presParOf" srcId="{0642B88B-8120-4D62-9AEE-78AAA8A74448}" destId="{11911983-799C-4814-A376-45BE7DB4A321}" srcOrd="0" destOrd="0" presId="urn:microsoft.com/office/officeart/2005/8/layout/hierarchy1"/>
-    <dgm:cxn modelId="{BF063AD7-0B82-41E5-AEEC-D3E9C4666CEE}" type="presParOf" srcId="{0642B88B-8120-4D62-9AEE-78AAA8A74448}" destId="{2AA3E54E-382E-467A-8D6F-D7E0109798CB}" srcOrd="1" destOrd="0" presId="urn:microsoft.com/office/officeart/2005/8/layout/hierarchy1"/>
-    <dgm:cxn modelId="{D93A13C5-E622-4098-ACA1-6C1311BA17F6}" type="presParOf" srcId="{2AA3E54E-382E-467A-8D6F-D7E0109798CB}" destId="{1B654E16-6FFE-45B3-9F75-67EDE55B89C6}" srcOrd="0" destOrd="0" presId="urn:microsoft.com/office/officeart/2005/8/layout/hierarchy1"/>
-    <dgm:cxn modelId="{38CF6960-6DA3-4A3A-AD6C-A29CDC73EAB9}" type="presParOf" srcId="{1B654E16-6FFE-45B3-9F75-67EDE55B89C6}" destId="{1E3E74DC-9E67-4EE6-AA8A-B5E223E68284}" srcOrd="0" destOrd="0" presId="urn:microsoft.com/office/officeart/2005/8/layout/hierarchy1"/>
-    <dgm:cxn modelId="{CB8CA39D-3E1F-413E-BA16-385F8F7D1894}" type="presParOf" srcId="{1B654E16-6FFE-45B3-9F75-67EDE55B89C6}" destId="{28979DD1-78FD-4577-A98B-632106F90AE7}" srcOrd="1" destOrd="0" presId="urn:microsoft.com/office/officeart/2005/8/layout/hierarchy1"/>
-    <dgm:cxn modelId="{995D361B-DF07-4637-831A-CFBA0D00EA53}" type="presParOf" srcId="{2AA3E54E-382E-467A-8D6F-D7E0109798CB}" destId="{93213FF1-DE34-4988-AAA2-0DB156CF1510}" srcOrd="1" destOrd="0" presId="urn:microsoft.com/office/officeart/2005/8/layout/hierarchy1"/>
+    <dgm:cxn modelId="{C086911D-F5B6-4217-B7D7-6E6E28E176BE}" type="presOf" srcId="{3497A47C-D434-4DC1-83FB-7C746ADB99A3}" destId="{BAFAA97A-A79F-4718-94F6-1C92E7862086}" srcOrd="0" destOrd="0" presId="urn:microsoft.com/office/officeart/2005/8/layout/hierarchy1"/>
+    <dgm:cxn modelId="{9BED9921-B9A9-4BE5-90E2-3B8B91BE904C}" srcId="{3497A47C-D434-4DC1-83FB-7C746ADB99A3}" destId="{C6DCDE1F-5231-40FD-8088-E391CD1D810A}" srcOrd="1" destOrd="0" parTransId="{BF03E8E8-0B52-4B29-9169-0D549D4ECAFD}" sibTransId="{4B87C3FC-99E6-46EB-9A5A-D1F8BC01B826}"/>
+    <dgm:cxn modelId="{943CB828-CE1B-4062-88B1-AE872784A0C7}" type="presOf" srcId="{8CBC28CC-446B-4D09-AAB2-BA743CAA0055}" destId="{847013CA-4950-4658-8C43-8298AF16A46E}" srcOrd="0" destOrd="0" presId="urn:microsoft.com/office/officeart/2005/8/layout/hierarchy1"/>
+    <dgm:cxn modelId="{05087437-F4A2-469A-805E-510ED56196B3}" type="presOf" srcId="{C6DCDE1F-5231-40FD-8088-E391CD1D810A}" destId="{75B9C0A9-0886-433A-A880-7FBBE33FD42F}" srcOrd="0" destOrd="0" presId="urn:microsoft.com/office/officeart/2005/8/layout/hierarchy1"/>
+    <dgm:cxn modelId="{7FAE2043-84F1-40B9-BA38-9842B46DFF50}" type="presOf" srcId="{2765A864-98F0-4F91-B29A-305AE7A678F9}" destId="{E8BA9E59-5220-4061-AF8D-8E92EDA5F01D}" srcOrd="0" destOrd="0" presId="urn:microsoft.com/office/officeart/2005/8/layout/hierarchy1"/>
+    <dgm:cxn modelId="{C21FBA64-1D6D-4499-8F95-720E1E0A2E52}" type="presOf" srcId="{FD10DF6D-10A9-48F5-A782-FEABC7ADD58C}" destId="{254ABBF3-264F-4908-8140-C34D579F1A54}" srcOrd="0" destOrd="0" presId="urn:microsoft.com/office/officeart/2005/8/layout/hierarchy1"/>
+    <dgm:cxn modelId="{34062775-1097-4A2D-A116-8A1B747CA762}" srcId="{3497A47C-D434-4DC1-83FB-7C746ADB99A3}" destId="{FD10DF6D-10A9-48F5-A782-FEABC7ADD58C}" srcOrd="3" destOrd="0" parTransId="{A179C3F6-65E9-4EBA-B040-451D660AD017}" sibTransId="{6B3125C4-0B7B-47FD-A933-311E1817AFAE}"/>
+    <dgm:cxn modelId="{151EFF8B-D7A7-4456-A402-C5DF435F1CBF}" srcId="{3497A47C-D434-4DC1-83FB-7C746ADB99A3}" destId="{2765A864-98F0-4F91-B29A-305AE7A678F9}" srcOrd="0" destOrd="0" parTransId="{E00C7C37-19C2-477E-82A6-C471CD9343BF}" sibTransId="{FDB74ADC-5E25-47E7-BB86-48F2A4CC1FE9}"/>
+    <dgm:cxn modelId="{A40A0BD3-493D-4185-BDE6-690D570ADF4D}" srcId="{3497A47C-D434-4DC1-83FB-7C746ADB99A3}" destId="{8CBC28CC-446B-4D09-AAB2-BA743CAA0055}" srcOrd="2" destOrd="0" parTransId="{46170710-1906-445B-913A-8FF4D7F0D83D}" sibTransId="{6A287F44-D413-4C5C-8E9C-DD42F59D7B43}"/>
+    <dgm:cxn modelId="{F97969BE-707C-40AC-A9F3-9029BD66BA2F}" type="presParOf" srcId="{BAFAA97A-A79F-4718-94F6-1C92E7862086}" destId="{387EAE1D-9736-4D67-8373-93279DCA7541}" srcOrd="0" destOrd="0" presId="urn:microsoft.com/office/officeart/2005/8/layout/hierarchy1"/>
+    <dgm:cxn modelId="{9163F62C-4E29-499C-87AB-4C51950608DB}" type="presParOf" srcId="{387EAE1D-9736-4D67-8373-93279DCA7541}" destId="{E8E42501-E430-4E0E-9D48-3A11CA16F722}" srcOrd="0" destOrd="0" presId="urn:microsoft.com/office/officeart/2005/8/layout/hierarchy1"/>
+    <dgm:cxn modelId="{F074A369-6779-48B7-B9FA-54D47F561601}" type="presParOf" srcId="{E8E42501-E430-4E0E-9D48-3A11CA16F722}" destId="{A3FCE0DD-8BA1-47E0-BB2C-A5B68A6CF6DF}" srcOrd="0" destOrd="0" presId="urn:microsoft.com/office/officeart/2005/8/layout/hierarchy1"/>
+    <dgm:cxn modelId="{D614D7FF-FF20-46CE-BDE9-A1ADC9849F28}" type="presParOf" srcId="{E8E42501-E430-4E0E-9D48-3A11CA16F722}" destId="{E8BA9E59-5220-4061-AF8D-8E92EDA5F01D}" srcOrd="1" destOrd="0" presId="urn:microsoft.com/office/officeart/2005/8/layout/hierarchy1"/>
+    <dgm:cxn modelId="{9E11B8BD-BB0F-4824-B56D-23FDD3EE4588}" type="presParOf" srcId="{387EAE1D-9736-4D67-8373-93279DCA7541}" destId="{F0D37112-2859-4E6B-8E00-ABE8A955BA8D}" srcOrd="1" destOrd="0" presId="urn:microsoft.com/office/officeart/2005/8/layout/hierarchy1"/>
+    <dgm:cxn modelId="{453ED4D2-3EAE-4FC2-8CF0-D4F98F49AF27}" type="presParOf" srcId="{BAFAA97A-A79F-4718-94F6-1C92E7862086}" destId="{223A095A-E29D-4DA6-B0C9-DDD058C30900}" srcOrd="1" destOrd="0" presId="urn:microsoft.com/office/officeart/2005/8/layout/hierarchy1"/>
+    <dgm:cxn modelId="{7F9AC13F-CCC2-4B21-843C-891256DC7503}" type="presParOf" srcId="{223A095A-E29D-4DA6-B0C9-DDD058C30900}" destId="{AD82236A-973D-4EB2-AA78-4534F54827FE}" srcOrd="0" destOrd="0" presId="urn:microsoft.com/office/officeart/2005/8/layout/hierarchy1"/>
+    <dgm:cxn modelId="{7DC4562F-45E6-4E71-9DE9-A3656EAAD0C9}" type="presParOf" srcId="{AD82236A-973D-4EB2-AA78-4534F54827FE}" destId="{FC6A150B-13FD-4021-A544-F592768967F2}" srcOrd="0" destOrd="0" presId="urn:microsoft.com/office/officeart/2005/8/layout/hierarchy1"/>
+    <dgm:cxn modelId="{3720D6C0-739A-4069-8FA9-1D4D8C992F80}" type="presParOf" srcId="{AD82236A-973D-4EB2-AA78-4534F54827FE}" destId="{75B9C0A9-0886-433A-A880-7FBBE33FD42F}" srcOrd="1" destOrd="0" presId="urn:microsoft.com/office/officeart/2005/8/layout/hierarchy1"/>
+    <dgm:cxn modelId="{0A9EF868-EA51-4F37-A6FB-DEA7C29A7DBC}" type="presParOf" srcId="{223A095A-E29D-4DA6-B0C9-DDD058C30900}" destId="{A0E0D389-2247-446D-9144-C8995BE0267E}" srcOrd="1" destOrd="0" presId="urn:microsoft.com/office/officeart/2005/8/layout/hierarchy1"/>
+    <dgm:cxn modelId="{F5A1118A-DCFE-418F-AECC-33EAD8395C1E}" type="presParOf" srcId="{BAFAA97A-A79F-4718-94F6-1C92E7862086}" destId="{38E82EAB-FC75-4048-BC2D-B75F2F03412C}" srcOrd="2" destOrd="0" presId="urn:microsoft.com/office/officeart/2005/8/layout/hierarchy1"/>
+    <dgm:cxn modelId="{3627958F-5998-46AE-B38F-6F3ED3A31C87}" type="presParOf" srcId="{38E82EAB-FC75-4048-BC2D-B75F2F03412C}" destId="{CECB4C2D-44B1-4950-A063-71A4726FFD5E}" srcOrd="0" destOrd="0" presId="urn:microsoft.com/office/officeart/2005/8/layout/hierarchy1"/>
+    <dgm:cxn modelId="{CEDF8F8E-1CA8-4A13-9C28-BFA116FB4B87}" type="presParOf" srcId="{CECB4C2D-44B1-4950-A063-71A4726FFD5E}" destId="{281AE72A-42DE-4E4E-BC93-68EB84A9A63F}" srcOrd="0" destOrd="0" presId="urn:microsoft.com/office/officeart/2005/8/layout/hierarchy1"/>
+    <dgm:cxn modelId="{C7728BE3-6855-4EA2-BB22-C7AF342688C1}" type="presParOf" srcId="{CECB4C2D-44B1-4950-A063-71A4726FFD5E}" destId="{847013CA-4950-4658-8C43-8298AF16A46E}" srcOrd="1" destOrd="0" presId="urn:microsoft.com/office/officeart/2005/8/layout/hierarchy1"/>
+    <dgm:cxn modelId="{9674902C-9BED-401A-BA8B-55B952307E3B}" type="presParOf" srcId="{38E82EAB-FC75-4048-BC2D-B75F2F03412C}" destId="{D09FF53E-C880-4692-8C82-91D2AC416A7C}" srcOrd="1" destOrd="0" presId="urn:microsoft.com/office/officeart/2005/8/layout/hierarchy1"/>
+    <dgm:cxn modelId="{B5D92E4E-CBD4-4DA3-B5AC-45EA14CB0E02}" type="presParOf" srcId="{BAFAA97A-A79F-4718-94F6-1C92E7862086}" destId="{6C1EE173-B4F0-4C53-9F29-29E8CBF144BF}" srcOrd="3" destOrd="0" presId="urn:microsoft.com/office/officeart/2005/8/layout/hierarchy1"/>
+    <dgm:cxn modelId="{E2503A73-E7E4-4CA5-AF94-C737ACF9573F}" type="presParOf" srcId="{6C1EE173-B4F0-4C53-9F29-29E8CBF144BF}" destId="{6308CEAB-30B5-458B-A5D4-E894A2BF7D6D}" srcOrd="0" destOrd="0" presId="urn:microsoft.com/office/officeart/2005/8/layout/hierarchy1"/>
+    <dgm:cxn modelId="{C20FD63C-DDD2-498B-9D2C-E507366CAC8E}" type="presParOf" srcId="{6308CEAB-30B5-458B-A5D4-E894A2BF7D6D}" destId="{B74A7EDF-DF52-44B5-9333-CCB1D24497FE}" srcOrd="0" destOrd="0" presId="urn:microsoft.com/office/officeart/2005/8/layout/hierarchy1"/>
+    <dgm:cxn modelId="{5AEAB497-1494-41F0-95E6-592EE03FCC3E}" type="presParOf" srcId="{6308CEAB-30B5-458B-A5D4-E894A2BF7D6D}" destId="{254ABBF3-264F-4908-8140-C34D579F1A54}" srcOrd="1" destOrd="0" presId="urn:microsoft.com/office/officeart/2005/8/layout/hierarchy1"/>
+    <dgm:cxn modelId="{D3A30DA7-9341-404B-9948-06AF451B1DAE}" type="presParOf" srcId="{6C1EE173-B4F0-4C53-9F29-29E8CBF144BF}" destId="{192AC04A-EC76-4D9C-B4F2-DDAB68C97F7D}" srcOrd="1" destOrd="0" presId="urn:microsoft.com/office/officeart/2005/8/layout/hierarchy1"/>
   </dgm:cxnLst>
   <dgm:bg/>
   <dgm:whole/>
   <dgm:extLst>
     <a:ext uri="http://schemas.microsoft.com/office/drawing/2008/diagram">
-      <dsp:dataModelExt xmlns:dsp="http://schemas.microsoft.com/office/drawing/2008/diagram" relId="rId6" minVer="http://schemas.openxmlformats.org/drawingml/2006/diagram"/>
+      <dsp:dataModelExt xmlns:dsp="http://schemas.microsoft.com/office/drawing/2008/diagram" relId="rId11" minVer="http://schemas.openxmlformats.org/drawingml/2006/diagram"/>
     </a:ext>
   </dgm:extLst>
 </dgm:dataModel>
@@ -8843,495 +8522,6 @@
 </file>
 
 <file path=ppt/diagrams/drawing1.xml><?xml version="1.0" encoding="utf-8"?>
-<dsp:drawing xmlns:dgm="http://schemas.openxmlformats.org/drawingml/2006/diagram" xmlns:dsp="http://schemas.microsoft.com/office/drawing/2008/diagram" xmlns:a="http://schemas.openxmlformats.org/drawingml/2006/main">
-  <dsp:spTree>
-    <dsp:nvGrpSpPr>
-      <dsp:cNvPr id="0" name=""/>
-      <dsp:cNvGrpSpPr/>
-    </dsp:nvGrpSpPr>
-    <dsp:grpSpPr/>
-    <dsp:sp modelId="{8D098FC9-4E78-4F7A-9907-4B00C24BF22D}">
-      <dsp:nvSpPr>
-        <dsp:cNvPr id="0" name=""/>
-        <dsp:cNvSpPr/>
-      </dsp:nvSpPr>
-      <dsp:spPr>
-        <a:xfrm>
-          <a:off x="0" y="568"/>
-          <a:ext cx="6650991" cy="1330593"/>
-        </a:xfrm>
-        <a:prstGeom prst="roundRect">
-          <a:avLst>
-            <a:gd name="adj" fmla="val 10000"/>
-          </a:avLst>
-        </a:prstGeom>
-        <a:solidFill>
-          <a:schemeClr val="accent1">
-            <a:tint val="40000"/>
-            <a:hueOff val="0"/>
-            <a:satOff val="0"/>
-            <a:lumOff val="0"/>
-            <a:alphaOff val="0"/>
-          </a:schemeClr>
-        </a:solidFill>
-        <a:ln>
-          <a:noFill/>
-        </a:ln>
-        <a:effectLst/>
-      </dsp:spPr>
-      <dsp:style>
-        <a:lnRef idx="0">
-          <a:scrgbClr r="0" g="0" b="0"/>
-        </a:lnRef>
-        <a:fillRef idx="1">
-          <a:scrgbClr r="0" g="0" b="0"/>
-        </a:fillRef>
-        <a:effectRef idx="0">
-          <a:scrgbClr r="0" g="0" b="0"/>
-        </a:effectRef>
-        <a:fontRef idx="minor"/>
-      </dsp:style>
-    </dsp:sp>
-    <dsp:sp modelId="{723A3F0C-C660-41B5-B84B-5DDB4890F91B}">
-      <dsp:nvSpPr>
-        <dsp:cNvPr id="0" name=""/>
-        <dsp:cNvSpPr/>
-      </dsp:nvSpPr>
-      <dsp:spPr>
-        <a:xfrm>
-          <a:off x="402504" y="299952"/>
-          <a:ext cx="731826" cy="731826"/>
-        </a:xfrm>
-        <a:prstGeom prst="rect">
-          <a:avLst/>
-        </a:prstGeom>
-        <a:blipFill>
-          <a:blip xmlns:r="http://schemas.openxmlformats.org/officeDocument/2006/relationships" r:embed="rId1">
-            <a:extLst>
-              <a:ext uri="{28A0092B-C50C-407E-A947-70E740481C1C}">
-                <a14:useLocalDpi xmlns:a14="http://schemas.microsoft.com/office/drawing/2010/main" val="0"/>
-              </a:ext>
-              <a:ext uri="{96DAC541-7B7A-43D3-8B79-37D633B846F1}">
-                <asvg:svgBlip xmlns:asvg="http://schemas.microsoft.com/office/drawing/2016/SVG/main" r:embed="rId2"/>
-              </a:ext>
-            </a:extLst>
-          </a:blip>
-          <a:stretch>
-            <a:fillRect/>
-          </a:stretch>
-        </a:blipFill>
-        <a:ln w="22225" cap="rnd" cmpd="sng" algn="ctr">
-          <a:solidFill>
-            <a:schemeClr val="lt1">
-              <a:hueOff val="0"/>
-              <a:satOff val="0"/>
-              <a:lumOff val="0"/>
-              <a:alphaOff val="0"/>
-            </a:schemeClr>
-          </a:solidFill>
-          <a:prstDash val="solid"/>
-        </a:ln>
-        <a:effectLst/>
-      </dsp:spPr>
-      <dsp:style>
-        <a:lnRef idx="2">
-          <a:scrgbClr r="0" g="0" b="0"/>
-        </a:lnRef>
-        <a:fillRef idx="1">
-          <a:scrgbClr r="0" g="0" b="0"/>
-        </a:fillRef>
-        <a:effectRef idx="0">
-          <a:scrgbClr r="0" g="0" b="0"/>
-        </a:effectRef>
-        <a:fontRef idx="minor">
-          <a:schemeClr val="lt1"/>
-        </a:fontRef>
-      </dsp:style>
-    </dsp:sp>
-    <dsp:sp modelId="{085726A9-E5D0-4777-9389-93551B8C14D4}">
-      <dsp:nvSpPr>
-        <dsp:cNvPr id="0" name=""/>
-        <dsp:cNvSpPr/>
-      </dsp:nvSpPr>
-      <dsp:spPr>
-        <a:xfrm>
-          <a:off x="1536835" y="568"/>
-          <a:ext cx="5114155" cy="1330593"/>
-        </a:xfrm>
-        <a:prstGeom prst="rect">
-          <a:avLst/>
-        </a:prstGeom>
-        <a:noFill/>
-        <a:ln>
-          <a:noFill/>
-        </a:ln>
-        <a:effectLst/>
-      </dsp:spPr>
-      <dsp:style>
-        <a:lnRef idx="0">
-          <a:scrgbClr r="0" g="0" b="0"/>
-        </a:lnRef>
-        <a:fillRef idx="0">
-          <a:scrgbClr r="0" g="0" b="0"/>
-        </a:fillRef>
-        <a:effectRef idx="0">
-          <a:scrgbClr r="0" g="0" b="0"/>
-        </a:effectRef>
-        <a:fontRef idx="minor"/>
-      </dsp:style>
-      <dsp:txBody>
-        <a:bodyPr spcFirstLastPara="0" vert="horz" wrap="square" lIns="140821" tIns="140821" rIns="140821" bIns="140821" numCol="1" spcCol="1270" anchor="ctr" anchorCtr="0">
-          <a:noAutofit/>
-        </a:bodyPr>
-        <a:lstStyle/>
-        <a:p>
-          <a:pPr marL="0" lvl="0" indent="0" algn="l" defTabSz="1111250">
-            <a:lnSpc>
-              <a:spcPct val="100000"/>
-            </a:lnSpc>
-            <a:spcBef>
-              <a:spcPct val="0"/>
-            </a:spcBef>
-            <a:spcAft>
-              <a:spcPct val="35000"/>
-            </a:spcAft>
-            <a:buNone/>
-          </a:pPr>
-          <a:r>
-            <a:rPr lang="en-GB" sz="2500" kern="1200"/>
-            <a:t>Financial planning and budgeting</a:t>
-          </a:r>
-          <a:endParaRPr lang="en-US" sz="2500" kern="1200"/>
-        </a:p>
-      </dsp:txBody>
-      <dsp:txXfrm>
-        <a:off x="1536835" y="568"/>
-        <a:ext cx="5114155" cy="1330593"/>
-      </dsp:txXfrm>
-    </dsp:sp>
-    <dsp:sp modelId="{C3780993-995F-44FD-A657-1BC3B2E2A5CF}">
-      <dsp:nvSpPr>
-        <dsp:cNvPr id="0" name=""/>
-        <dsp:cNvSpPr/>
-      </dsp:nvSpPr>
-      <dsp:spPr>
-        <a:xfrm>
-          <a:off x="0" y="1663811"/>
-          <a:ext cx="6650991" cy="1330593"/>
-        </a:xfrm>
-        <a:prstGeom prst="roundRect">
-          <a:avLst>
-            <a:gd name="adj" fmla="val 10000"/>
-          </a:avLst>
-        </a:prstGeom>
-        <a:solidFill>
-          <a:schemeClr val="accent1">
-            <a:tint val="40000"/>
-            <a:hueOff val="0"/>
-            <a:satOff val="0"/>
-            <a:lumOff val="0"/>
-            <a:alphaOff val="0"/>
-          </a:schemeClr>
-        </a:solidFill>
-        <a:ln>
-          <a:noFill/>
-        </a:ln>
-        <a:effectLst/>
-      </dsp:spPr>
-      <dsp:style>
-        <a:lnRef idx="0">
-          <a:scrgbClr r="0" g="0" b="0"/>
-        </a:lnRef>
-        <a:fillRef idx="1">
-          <a:scrgbClr r="0" g="0" b="0"/>
-        </a:fillRef>
-        <a:effectRef idx="0">
-          <a:scrgbClr r="0" g="0" b="0"/>
-        </a:effectRef>
-        <a:fontRef idx="minor"/>
-      </dsp:style>
-    </dsp:sp>
-    <dsp:sp modelId="{1D988A3E-FDB1-40F8-BAED-0B24064E1EDA}">
-      <dsp:nvSpPr>
-        <dsp:cNvPr id="0" name=""/>
-        <dsp:cNvSpPr/>
-      </dsp:nvSpPr>
-      <dsp:spPr>
-        <a:xfrm>
-          <a:off x="402504" y="1963194"/>
-          <a:ext cx="731826" cy="731826"/>
-        </a:xfrm>
-        <a:prstGeom prst="rect">
-          <a:avLst/>
-        </a:prstGeom>
-        <a:blipFill>
-          <a:blip xmlns:r="http://schemas.openxmlformats.org/officeDocument/2006/relationships" r:embed="rId3">
-            <a:extLst>
-              <a:ext uri="{28A0092B-C50C-407E-A947-70E740481C1C}">
-                <a14:useLocalDpi xmlns:a14="http://schemas.microsoft.com/office/drawing/2010/main" val="0"/>
-              </a:ext>
-              <a:ext uri="{96DAC541-7B7A-43D3-8B79-37D633B846F1}">
-                <asvg:svgBlip xmlns:asvg="http://schemas.microsoft.com/office/drawing/2016/SVG/main" r:embed="rId4"/>
-              </a:ext>
-            </a:extLst>
-          </a:blip>
-          <a:stretch>
-            <a:fillRect/>
-          </a:stretch>
-        </a:blipFill>
-        <a:ln w="22225" cap="rnd" cmpd="sng" algn="ctr">
-          <a:solidFill>
-            <a:schemeClr val="lt1">
-              <a:hueOff val="0"/>
-              <a:satOff val="0"/>
-              <a:lumOff val="0"/>
-              <a:alphaOff val="0"/>
-            </a:schemeClr>
-          </a:solidFill>
-          <a:prstDash val="solid"/>
-        </a:ln>
-        <a:effectLst/>
-      </dsp:spPr>
-      <dsp:style>
-        <a:lnRef idx="2">
-          <a:scrgbClr r="0" g="0" b="0"/>
-        </a:lnRef>
-        <a:fillRef idx="1">
-          <a:scrgbClr r="0" g="0" b="0"/>
-        </a:fillRef>
-        <a:effectRef idx="0">
-          <a:scrgbClr r="0" g="0" b="0"/>
-        </a:effectRef>
-        <a:fontRef idx="minor">
-          <a:schemeClr val="lt1"/>
-        </a:fontRef>
-      </dsp:style>
-    </dsp:sp>
-    <dsp:sp modelId="{479442CB-E95C-4932-8256-77706305B9E8}">
-      <dsp:nvSpPr>
-        <dsp:cNvPr id="0" name=""/>
-        <dsp:cNvSpPr/>
-      </dsp:nvSpPr>
-      <dsp:spPr>
-        <a:xfrm>
-          <a:off x="1536835" y="1663811"/>
-          <a:ext cx="5114155" cy="1330593"/>
-        </a:xfrm>
-        <a:prstGeom prst="rect">
-          <a:avLst/>
-        </a:prstGeom>
-        <a:noFill/>
-        <a:ln>
-          <a:noFill/>
-        </a:ln>
-        <a:effectLst/>
-      </dsp:spPr>
-      <dsp:style>
-        <a:lnRef idx="0">
-          <a:scrgbClr r="0" g="0" b="0"/>
-        </a:lnRef>
-        <a:fillRef idx="0">
-          <a:scrgbClr r="0" g="0" b="0"/>
-        </a:fillRef>
-        <a:effectRef idx="0">
-          <a:scrgbClr r="0" g="0" b="0"/>
-        </a:effectRef>
-        <a:fontRef idx="minor"/>
-      </dsp:style>
-      <dsp:txBody>
-        <a:bodyPr spcFirstLastPara="0" vert="horz" wrap="square" lIns="140821" tIns="140821" rIns="140821" bIns="140821" numCol="1" spcCol="1270" anchor="ctr" anchorCtr="0">
-          <a:noAutofit/>
-        </a:bodyPr>
-        <a:lstStyle/>
-        <a:p>
-          <a:pPr marL="0" lvl="0" indent="0" algn="l" defTabSz="1111250">
-            <a:lnSpc>
-              <a:spcPct val="100000"/>
-            </a:lnSpc>
-            <a:spcBef>
-              <a:spcPct val="0"/>
-            </a:spcBef>
-            <a:spcAft>
-              <a:spcPct val="35000"/>
-            </a:spcAft>
-            <a:buNone/>
-          </a:pPr>
-          <a:r>
-            <a:rPr lang="en-GB" sz="2500" kern="1200"/>
-            <a:t>Risk management</a:t>
-          </a:r>
-          <a:endParaRPr lang="en-US" sz="2500" kern="1200"/>
-        </a:p>
-      </dsp:txBody>
-      <dsp:txXfrm>
-        <a:off x="1536835" y="1663811"/>
-        <a:ext cx="5114155" cy="1330593"/>
-      </dsp:txXfrm>
-    </dsp:sp>
-    <dsp:sp modelId="{C896C27C-3B1F-4F9D-91D9-1BB9522B2219}">
-      <dsp:nvSpPr>
-        <dsp:cNvPr id="0" name=""/>
-        <dsp:cNvSpPr/>
-      </dsp:nvSpPr>
-      <dsp:spPr>
-        <a:xfrm>
-          <a:off x="0" y="3327053"/>
-          <a:ext cx="6650991" cy="1330593"/>
-        </a:xfrm>
-        <a:prstGeom prst="roundRect">
-          <a:avLst>
-            <a:gd name="adj" fmla="val 10000"/>
-          </a:avLst>
-        </a:prstGeom>
-        <a:solidFill>
-          <a:schemeClr val="accent1">
-            <a:tint val="40000"/>
-            <a:hueOff val="0"/>
-            <a:satOff val="0"/>
-            <a:lumOff val="0"/>
-            <a:alphaOff val="0"/>
-          </a:schemeClr>
-        </a:solidFill>
-        <a:ln>
-          <a:noFill/>
-        </a:ln>
-        <a:effectLst/>
-      </dsp:spPr>
-      <dsp:style>
-        <a:lnRef idx="0">
-          <a:scrgbClr r="0" g="0" b="0"/>
-        </a:lnRef>
-        <a:fillRef idx="1">
-          <a:scrgbClr r="0" g="0" b="0"/>
-        </a:fillRef>
-        <a:effectRef idx="0">
-          <a:scrgbClr r="0" g="0" b="0"/>
-        </a:effectRef>
-        <a:fontRef idx="minor"/>
-      </dsp:style>
-    </dsp:sp>
-    <dsp:sp modelId="{3D4A8B92-7FD0-42FD-9660-A4D8A4B0E2E2}">
-      <dsp:nvSpPr>
-        <dsp:cNvPr id="0" name=""/>
-        <dsp:cNvSpPr/>
-      </dsp:nvSpPr>
-      <dsp:spPr>
-        <a:xfrm>
-          <a:off x="402504" y="3626437"/>
-          <a:ext cx="731826" cy="731826"/>
-        </a:xfrm>
-        <a:prstGeom prst="rect">
-          <a:avLst/>
-        </a:prstGeom>
-        <a:blipFill>
-          <a:blip xmlns:r="http://schemas.openxmlformats.org/officeDocument/2006/relationships" r:embed="rId5">
-            <a:extLst>
-              <a:ext uri="{28A0092B-C50C-407E-A947-70E740481C1C}">
-                <a14:useLocalDpi xmlns:a14="http://schemas.microsoft.com/office/drawing/2010/main" val="0"/>
-              </a:ext>
-              <a:ext uri="{96DAC541-7B7A-43D3-8B79-37D633B846F1}">
-                <asvg:svgBlip xmlns:asvg="http://schemas.microsoft.com/office/drawing/2016/SVG/main" r:embed="rId6"/>
-              </a:ext>
-            </a:extLst>
-          </a:blip>
-          <a:stretch>
-            <a:fillRect/>
-          </a:stretch>
-        </a:blipFill>
-        <a:ln w="22225" cap="rnd" cmpd="sng" algn="ctr">
-          <a:solidFill>
-            <a:schemeClr val="lt1">
-              <a:hueOff val="0"/>
-              <a:satOff val="0"/>
-              <a:lumOff val="0"/>
-              <a:alphaOff val="0"/>
-            </a:schemeClr>
-          </a:solidFill>
-          <a:prstDash val="solid"/>
-        </a:ln>
-        <a:effectLst/>
-      </dsp:spPr>
-      <dsp:style>
-        <a:lnRef idx="2">
-          <a:scrgbClr r="0" g="0" b="0"/>
-        </a:lnRef>
-        <a:fillRef idx="1">
-          <a:scrgbClr r="0" g="0" b="0"/>
-        </a:fillRef>
-        <a:effectRef idx="0">
-          <a:scrgbClr r="0" g="0" b="0"/>
-        </a:effectRef>
-        <a:fontRef idx="minor">
-          <a:schemeClr val="lt1"/>
-        </a:fontRef>
-      </dsp:style>
-    </dsp:sp>
-    <dsp:sp modelId="{B431883B-2E58-4C6E-B2E0-D447FA082DA2}">
-      <dsp:nvSpPr>
-        <dsp:cNvPr id="0" name=""/>
-        <dsp:cNvSpPr/>
-      </dsp:nvSpPr>
-      <dsp:spPr>
-        <a:xfrm>
-          <a:off x="1536835" y="3327053"/>
-          <a:ext cx="5114155" cy="1330593"/>
-        </a:xfrm>
-        <a:prstGeom prst="rect">
-          <a:avLst/>
-        </a:prstGeom>
-        <a:noFill/>
-        <a:ln>
-          <a:noFill/>
-        </a:ln>
-        <a:effectLst/>
-      </dsp:spPr>
-      <dsp:style>
-        <a:lnRef idx="0">
-          <a:scrgbClr r="0" g="0" b="0"/>
-        </a:lnRef>
-        <a:fillRef idx="0">
-          <a:scrgbClr r="0" g="0" b="0"/>
-        </a:fillRef>
-        <a:effectRef idx="0">
-          <a:scrgbClr r="0" g="0" b="0"/>
-        </a:effectRef>
-        <a:fontRef idx="minor"/>
-      </dsp:style>
-      <dsp:txBody>
-        <a:bodyPr spcFirstLastPara="0" vert="horz" wrap="square" lIns="140821" tIns="140821" rIns="140821" bIns="140821" numCol="1" spcCol="1270" anchor="ctr" anchorCtr="0">
-          <a:noAutofit/>
-        </a:bodyPr>
-        <a:lstStyle/>
-        <a:p>
-          <a:pPr marL="0" lvl="0" indent="0" algn="l" defTabSz="1111250">
-            <a:lnSpc>
-              <a:spcPct val="100000"/>
-            </a:lnSpc>
-            <a:spcBef>
-              <a:spcPct val="0"/>
-            </a:spcBef>
-            <a:spcAft>
-              <a:spcPct val="35000"/>
-            </a:spcAft>
-            <a:buNone/>
-          </a:pPr>
-          <a:r>
-            <a:rPr lang="en-GB" sz="2500" kern="1200"/>
-            <a:t>Strategic decision-making</a:t>
-          </a:r>
-          <a:endParaRPr lang="en-US" sz="2500" kern="1200"/>
-        </a:p>
-      </dsp:txBody>
-      <dsp:txXfrm>
-        <a:off x="1536835" y="3327053"/>
-        <a:ext cx="5114155" cy="1330593"/>
-      </dsp:txXfrm>
-    </dsp:sp>
-  </dsp:spTree>
-</dsp:drawing>
-</file>
-
-<file path=ppt/diagrams/drawing2.xml><?xml version="1.0" encoding="utf-8"?>
 <dsp:drawing xmlns:dgm="http://schemas.openxmlformats.org/drawingml/2006/diagram" xmlns:dsp="http://schemas.microsoft.com/office/drawing/2008/diagram" xmlns:a="http://schemas.openxmlformats.org/drawingml/2006/main">
   <dsp:spTree>
     <dsp:nvGrpSpPr>
@@ -9973,7 +9163,7 @@
 </dsp:drawing>
 </file>
 
-<file path=ppt/diagrams/drawing3.xml><?xml version="1.0" encoding="utf-8"?>
+<file path=ppt/diagrams/drawing2.xml><?xml version="1.0" encoding="utf-8"?>
 <dsp:drawing xmlns:dgm="http://schemas.openxmlformats.org/drawingml/2006/diagram" xmlns:dsp="http://schemas.microsoft.com/office/drawing/2008/diagram" xmlns:a="http://schemas.openxmlformats.org/drawingml/2006/main">
   <dsp:spTree>
     <dsp:nvGrpSpPr>
@@ -10771,7 +9961,7 @@
 </dsp:drawing>
 </file>
 
-<file path=ppt/diagrams/drawing4.xml><?xml version="1.0" encoding="utf-8"?>
+<file path=ppt/diagrams/drawing3.xml><?xml version="1.0" encoding="utf-8"?>
 <dsp:drawing xmlns:dgm="http://schemas.openxmlformats.org/drawingml/2006/diagram" xmlns:dsp="http://schemas.microsoft.com/office/drawing/2008/diagram" xmlns:a="http://schemas.openxmlformats.org/drawingml/2006/main">
   <dsp:spTree>
     <dsp:nvGrpSpPr>
@@ -11303,7 +10493,7 @@
 </dsp:drawing>
 </file>
 
-<file path=ppt/diagrams/drawing5.xml><?xml version="1.0" encoding="utf-8"?>
+<file path=ppt/diagrams/drawing4.xml><?xml version="1.0" encoding="utf-8"?>
 <dsp:drawing xmlns:dgm="http://schemas.openxmlformats.org/drawingml/2006/diagram" xmlns:dsp="http://schemas.microsoft.com/office/drawing/2008/diagram" xmlns:a="http://schemas.openxmlformats.org/drawingml/2006/main">
   <dsp:spTree>
     <dsp:nvGrpSpPr>
@@ -12265,7 +11455,7 @@
 </dsp:drawing>
 </file>
 
-<file path=ppt/diagrams/drawing6.xml><?xml version="1.0" encoding="utf-8"?>
+<file path=ppt/diagrams/drawing5.xml><?xml version="1.0" encoding="utf-8"?>
 <dsp:drawing xmlns:dgm="http://schemas.openxmlformats.org/drawingml/2006/diagram" xmlns:dsp="http://schemas.microsoft.com/office/drawing/2008/diagram" xmlns:a="http://schemas.openxmlformats.org/drawingml/2006/main">
   <dsp:spTree>
     <dsp:nvGrpSpPr>
@@ -12273,38 +11463,30 @@
       <dsp:cNvGrpSpPr/>
     </dsp:nvGrpSpPr>
     <dsp:grpSpPr/>
-    <dsp:sp modelId="{11911983-799C-4814-A376-45BE7DB4A321}">
+    <dsp:sp modelId="{514FACB9-CD15-41DD-BADB-D1748C303B2F}">
       <dsp:nvSpPr>
         <dsp:cNvPr id="0" name=""/>
         <dsp:cNvSpPr/>
       </dsp:nvSpPr>
       <dsp:spPr>
         <a:xfrm>
-          <a:off x="8900450" y="3074027"/>
-          <a:ext cx="91440" cy="572749"/>
+          <a:off x="215" y="0"/>
+          <a:ext cx="2601301" cy="2620831"/>
         </a:xfrm>
-        <a:custGeom>
+        <a:prstGeom prst="rect">
           <a:avLst/>
-          <a:gdLst/>
-          <a:ahLst/>
-          <a:cxnLst/>
-          <a:rect l="0" t="0" r="0" b="0"/>
-          <a:pathLst>
-            <a:path>
-              <a:moveTo>
-                <a:pt x="45720" y="0"/>
-              </a:moveTo>
-              <a:lnTo>
-                <a:pt x="45720" y="572749"/>
-              </a:lnTo>
-            </a:path>
-          </a:pathLst>
-        </a:custGeom>
-        <a:noFill/>
+        </a:prstGeom>
+        <a:solidFill>
+          <a:schemeClr val="accent2">
+            <a:hueOff val="0"/>
+            <a:satOff val="0"/>
+            <a:lumOff val="0"/>
+            <a:alphaOff val="0"/>
+          </a:schemeClr>
+        </a:solidFill>
         <a:ln w="22225" cap="rnd" cmpd="sng" algn="ctr">
           <a:solidFill>
-            <a:schemeClr val="accent1">
-              <a:shade val="80000"/>
+            <a:schemeClr val="accent2">
               <a:hueOff val="0"/>
               <a:satOff val="0"/>
               <a:lumOff val="0"/>
@@ -12319,53 +11501,154 @@
         <a:lnRef idx="2">
           <a:scrgbClr r="0" g="0" b="0"/>
         </a:lnRef>
-        <a:fillRef idx="0">
+        <a:fillRef idx="1">
           <a:scrgbClr r="0" g="0" b="0"/>
         </a:fillRef>
         <a:effectRef idx="0">
           <a:scrgbClr r="0" g="0" b="0"/>
         </a:effectRef>
-        <a:fontRef idx="minor"/>
+        <a:fontRef idx="minor">
+          <a:schemeClr val="lt1"/>
+        </a:fontRef>
       </dsp:style>
+      <dsp:txBody>
+        <a:bodyPr spcFirstLastPara="0" vert="horz" wrap="square" lIns="256951" tIns="0" rIns="256951" bIns="330200" numCol="1" spcCol="1270" anchor="t" anchorCtr="0">
+          <a:noAutofit/>
+        </a:bodyPr>
+        <a:lstStyle/>
+        <a:p>
+          <a:pPr marL="0" lvl="0" indent="0" algn="l" defTabSz="800100">
+            <a:lnSpc>
+              <a:spcPct val="90000"/>
+            </a:lnSpc>
+            <a:spcBef>
+              <a:spcPct val="0"/>
+            </a:spcBef>
+            <a:spcAft>
+              <a:spcPct val="35000"/>
+            </a:spcAft>
+            <a:buNone/>
+          </a:pPr>
+          <a:r>
+            <a:rPr lang="de-AT" sz="1800" kern="1200" dirty="0"/>
+            <a:t>Data </a:t>
+          </a:r>
+          <a:r>
+            <a:rPr lang="de-AT" sz="1800" kern="1200" dirty="0" err="1"/>
+            <a:t>gathering</a:t>
+          </a:r>
+          <a:r>
+            <a:rPr lang="de-AT" sz="1800" kern="1200" dirty="0"/>
+            <a:t> and </a:t>
+          </a:r>
+          <a:r>
+            <a:rPr lang="de-AT" sz="1800" kern="1200" dirty="0" err="1"/>
+            <a:t>processing</a:t>
+          </a:r>
+          <a:r>
+            <a:rPr lang="de-AT" sz="1800" kern="1200" dirty="0"/>
+            <a:t> </a:t>
+          </a:r>
+          <a:r>
+            <a:rPr lang="de-AT" sz="1800" kern="1200" dirty="0" err="1"/>
+            <a:t>capabilities</a:t>
+          </a:r>
+          <a:endParaRPr lang="en-US" sz="1800" kern="1200" dirty="0"/>
+        </a:p>
+      </dsp:txBody>
+      <dsp:txXfrm>
+        <a:off x="215" y="1048332"/>
+        <a:ext cx="2601301" cy="1572498"/>
+      </dsp:txXfrm>
     </dsp:sp>
-    <dsp:sp modelId="{B5421611-F8AA-4165-A108-22628AD7A805}">
+    <dsp:sp modelId="{EA08D9AF-E176-450A-8D03-C795A655FEAD}">
       <dsp:nvSpPr>
         <dsp:cNvPr id="0" name=""/>
         <dsp:cNvSpPr/>
       </dsp:nvSpPr>
       <dsp:spPr>
         <a:xfrm>
-          <a:off x="5335717" y="1250748"/>
-          <a:ext cx="3610452" cy="572749"/>
+          <a:off x="215" y="0"/>
+          <a:ext cx="2601301" cy="1048332"/>
         </a:xfrm>
-        <a:custGeom>
+        <a:prstGeom prst="rect">
           <a:avLst/>
-          <a:gdLst/>
-          <a:ahLst/>
-          <a:cxnLst/>
-          <a:rect l="0" t="0" r="0" b="0"/>
-          <a:pathLst>
-            <a:path>
-              <a:moveTo>
-                <a:pt x="0" y="0"/>
-              </a:moveTo>
-              <a:lnTo>
-                <a:pt x="0" y="390311"/>
-              </a:lnTo>
-              <a:lnTo>
-                <a:pt x="3610452" y="390311"/>
-              </a:lnTo>
-              <a:lnTo>
-                <a:pt x="3610452" y="572749"/>
-              </a:lnTo>
-            </a:path>
-          </a:pathLst>
-        </a:custGeom>
+        </a:prstGeom>
         <a:noFill/>
         <a:ln w="22225" cap="rnd" cmpd="sng" algn="ctr">
+          <a:noFill/>
+          <a:prstDash val="solid"/>
+        </a:ln>
+        <a:effectLst/>
+        <a:sp3d/>
+      </dsp:spPr>
+      <dsp:style>
+        <a:lnRef idx="2">
+          <a:scrgbClr r="0" g="0" b="0"/>
+        </a:lnRef>
+        <a:fillRef idx="1">
+          <a:scrgbClr r="0" g="0" b="0"/>
+        </a:fillRef>
+        <a:effectRef idx="0">
+          <a:scrgbClr r="0" g="0" b="0"/>
+        </a:effectRef>
+        <a:fontRef idx="minor">
+          <a:schemeClr val="lt1"/>
+        </a:fontRef>
+      </dsp:style>
+      <dsp:txBody>
+        <a:bodyPr spcFirstLastPara="0" vert="horz" wrap="square" lIns="256951" tIns="165100" rIns="256951" bIns="165100" numCol="1" spcCol="1270" anchor="ctr" anchorCtr="0">
+          <a:noAutofit/>
+        </a:bodyPr>
+        <a:lstStyle/>
+        <a:p>
+          <a:pPr marL="0" lvl="0" indent="0" algn="l" defTabSz="2400300">
+            <a:lnSpc>
+              <a:spcPct val="90000"/>
+            </a:lnSpc>
+            <a:spcBef>
+              <a:spcPct val="0"/>
+            </a:spcBef>
+            <a:spcAft>
+              <a:spcPct val="35000"/>
+            </a:spcAft>
+            <a:buNone/>
+          </a:pPr>
+          <a:r>
+            <a:rPr lang="en-US" sz="5400" kern="1200"/>
+            <a:t>01</a:t>
+          </a:r>
+        </a:p>
+      </dsp:txBody>
+      <dsp:txXfrm>
+        <a:off x="215" y="0"/>
+        <a:ext cx="2601301" cy="1048332"/>
+      </dsp:txXfrm>
+    </dsp:sp>
+    <dsp:sp modelId="{ABB3F0D0-D572-4810-ACFC-301E812C3315}">
+      <dsp:nvSpPr>
+        <dsp:cNvPr id="0" name=""/>
+        <dsp:cNvSpPr/>
+      </dsp:nvSpPr>
+      <dsp:spPr>
+        <a:xfrm>
+          <a:off x="2809621" y="0"/>
+          <a:ext cx="2601301" cy="2620831"/>
+        </a:xfrm>
+        <a:prstGeom prst="rect">
+          <a:avLst/>
+        </a:prstGeom>
+        <a:solidFill>
+          <a:schemeClr val="accent2">
+            <a:hueOff val="0"/>
+            <a:satOff val="0"/>
+            <a:lumOff val="0"/>
+            <a:alphaOff val="0"/>
+          </a:schemeClr>
+        </a:solidFill>
+        <a:ln w="22225" cap="rnd" cmpd="sng" algn="ctr">
           <a:solidFill>
-            <a:schemeClr val="accent1">
-              <a:shade val="60000"/>
+            <a:schemeClr val="accent2">
               <a:hueOff val="0"/>
               <a:satOff val="0"/>
               <a:lumOff val="0"/>
@@ -12380,47 +11663,158 @@
         <a:lnRef idx="2">
           <a:scrgbClr r="0" g="0" b="0"/>
         </a:lnRef>
-        <a:fillRef idx="0">
+        <a:fillRef idx="1">
           <a:scrgbClr r="0" g="0" b="0"/>
         </a:fillRef>
         <a:effectRef idx="0">
           <a:scrgbClr r="0" g="0" b="0"/>
         </a:effectRef>
-        <a:fontRef idx="minor"/>
+        <a:fontRef idx="minor">
+          <a:schemeClr val="lt1"/>
+        </a:fontRef>
       </dsp:style>
+      <dsp:txBody>
+        <a:bodyPr spcFirstLastPara="0" vert="horz" wrap="square" lIns="256951" tIns="0" rIns="256951" bIns="330200" numCol="1" spcCol="1270" anchor="t" anchorCtr="0">
+          <a:noAutofit/>
+        </a:bodyPr>
+        <a:lstStyle/>
+        <a:p>
+          <a:pPr marL="0" lvl="0" indent="0" algn="l" defTabSz="800100">
+            <a:lnSpc>
+              <a:spcPct val="90000"/>
+            </a:lnSpc>
+            <a:spcBef>
+              <a:spcPct val="0"/>
+            </a:spcBef>
+            <a:spcAft>
+              <a:spcPct val="35000"/>
+            </a:spcAft>
+            <a:buNone/>
+          </a:pPr>
+          <a:r>
+            <a:rPr lang="de-AT" sz="1800" kern="1200" dirty="0" err="1"/>
+            <a:t>Implemented</a:t>
+          </a:r>
+          <a:r>
+            <a:rPr lang="de-AT" sz="1800" kern="1200" dirty="0"/>
+            <a:t> </a:t>
+          </a:r>
+          <a:r>
+            <a:rPr lang="en-GB" sz="1800" kern="1200" dirty="0"/>
+            <a:t>the Lag-Llama, </a:t>
+          </a:r>
+          <a:r>
+            <a:rPr lang="en-GB" sz="1800" kern="1200" dirty="0" err="1"/>
+            <a:t>autoregressor</a:t>
+          </a:r>
+          <a:r>
+            <a:rPr lang="en-GB" sz="1800" kern="1200" dirty="0"/>
+            <a:t> and </a:t>
+          </a:r>
+          <a:r>
+            <a:rPr lang="en-GB" sz="1800" kern="1200" dirty="0" err="1"/>
+            <a:t>autoARIMA</a:t>
+          </a:r>
+          <a:r>
+            <a:rPr lang="en-GB" sz="1800" kern="1200" dirty="0"/>
+            <a:t> models in abstracted way</a:t>
+          </a:r>
+          <a:endParaRPr lang="en-US" sz="1800" kern="1200" dirty="0"/>
+        </a:p>
+      </dsp:txBody>
+      <dsp:txXfrm>
+        <a:off x="2809621" y="1048332"/>
+        <a:ext cx="2601301" cy="1572498"/>
+      </dsp:txXfrm>
     </dsp:sp>
-    <dsp:sp modelId="{E713F459-A009-4422-A338-89997BF4A463}">
+    <dsp:sp modelId="{3BA2886D-B359-431E-90B9-7A6236A168E4}">
       <dsp:nvSpPr>
         <dsp:cNvPr id="0" name=""/>
         <dsp:cNvSpPr/>
       </dsp:nvSpPr>
       <dsp:spPr>
         <a:xfrm>
-          <a:off x="6493481" y="3074027"/>
-          <a:ext cx="91440" cy="572749"/>
+          <a:off x="2809621" y="0"/>
+          <a:ext cx="2601301" cy="1048332"/>
         </a:xfrm>
-        <a:custGeom>
+        <a:prstGeom prst="rect">
           <a:avLst/>
-          <a:gdLst/>
-          <a:ahLst/>
-          <a:cxnLst/>
-          <a:rect l="0" t="0" r="0" b="0"/>
-          <a:pathLst>
-            <a:path>
-              <a:moveTo>
-                <a:pt x="45720" y="0"/>
-              </a:moveTo>
-              <a:lnTo>
-                <a:pt x="45720" y="572749"/>
-              </a:lnTo>
-            </a:path>
-          </a:pathLst>
-        </a:custGeom>
+        </a:prstGeom>
         <a:noFill/>
         <a:ln w="22225" cap="rnd" cmpd="sng" algn="ctr">
+          <a:noFill/>
+          <a:prstDash val="solid"/>
+        </a:ln>
+        <a:effectLst/>
+        <a:sp3d/>
+      </dsp:spPr>
+      <dsp:style>
+        <a:lnRef idx="2">
+          <a:scrgbClr r="0" g="0" b="0"/>
+        </a:lnRef>
+        <a:fillRef idx="1">
+          <a:scrgbClr r="0" g="0" b="0"/>
+        </a:fillRef>
+        <a:effectRef idx="0">
+          <a:scrgbClr r="0" g="0" b="0"/>
+        </a:effectRef>
+        <a:fontRef idx="minor">
+          <a:schemeClr val="lt1"/>
+        </a:fontRef>
+      </dsp:style>
+      <dsp:txBody>
+        <a:bodyPr spcFirstLastPara="0" vert="horz" wrap="square" lIns="256951" tIns="165100" rIns="256951" bIns="165100" numCol="1" spcCol="1270" anchor="ctr" anchorCtr="0">
+          <a:noAutofit/>
+        </a:bodyPr>
+        <a:lstStyle/>
+        <a:p>
+          <a:pPr marL="0" lvl="0" indent="0" algn="l" defTabSz="2400300">
+            <a:lnSpc>
+              <a:spcPct val="90000"/>
+            </a:lnSpc>
+            <a:spcBef>
+              <a:spcPct val="0"/>
+            </a:spcBef>
+            <a:spcAft>
+              <a:spcPct val="35000"/>
+            </a:spcAft>
+            <a:buNone/>
+          </a:pPr>
+          <a:r>
+            <a:rPr lang="en-US" sz="5400" kern="1200"/>
+            <a:t>02</a:t>
+          </a:r>
+        </a:p>
+      </dsp:txBody>
+      <dsp:txXfrm>
+        <a:off x="2809621" y="0"/>
+        <a:ext cx="2601301" cy="1048332"/>
+      </dsp:txXfrm>
+    </dsp:sp>
+    <dsp:sp modelId="{3A19139B-52BA-4358-8ED1-D4F36C0544D2}">
+      <dsp:nvSpPr>
+        <dsp:cNvPr id="0" name=""/>
+        <dsp:cNvSpPr/>
+      </dsp:nvSpPr>
+      <dsp:spPr>
+        <a:xfrm>
+          <a:off x="5619027" y="0"/>
+          <a:ext cx="2601301" cy="2620831"/>
+        </a:xfrm>
+        <a:prstGeom prst="rect">
+          <a:avLst/>
+        </a:prstGeom>
+        <a:solidFill>
+          <a:schemeClr val="accent2">
+            <a:hueOff val="0"/>
+            <a:satOff val="0"/>
+            <a:lumOff val="0"/>
+            <a:alphaOff val="0"/>
+          </a:schemeClr>
+        </a:solidFill>
+        <a:ln w="22225" cap="rnd" cmpd="sng" algn="ctr">
           <a:solidFill>
-            <a:schemeClr val="accent1">
-              <a:shade val="80000"/>
+            <a:schemeClr val="accent2">
               <a:hueOff val="0"/>
               <a:satOff val="0"/>
               <a:lumOff val="0"/>
@@ -12435,53 +11829,134 @@
         <a:lnRef idx="2">
           <a:scrgbClr r="0" g="0" b="0"/>
         </a:lnRef>
-        <a:fillRef idx="0">
+        <a:fillRef idx="1">
           <a:scrgbClr r="0" g="0" b="0"/>
         </a:fillRef>
         <a:effectRef idx="0">
           <a:scrgbClr r="0" g="0" b="0"/>
         </a:effectRef>
-        <a:fontRef idx="minor"/>
+        <a:fontRef idx="minor">
+          <a:schemeClr val="lt1"/>
+        </a:fontRef>
       </dsp:style>
+      <dsp:txBody>
+        <a:bodyPr spcFirstLastPara="0" vert="horz" wrap="square" lIns="256951" tIns="0" rIns="256951" bIns="330200" numCol="1" spcCol="1270" anchor="t" anchorCtr="0">
+          <a:noAutofit/>
+        </a:bodyPr>
+        <a:lstStyle/>
+        <a:p>
+          <a:pPr marL="0" lvl="0" indent="0" algn="l" defTabSz="800100">
+            <a:lnSpc>
+              <a:spcPct val="90000"/>
+            </a:lnSpc>
+            <a:spcBef>
+              <a:spcPct val="0"/>
+            </a:spcBef>
+            <a:spcAft>
+              <a:spcPct val="35000"/>
+            </a:spcAft>
+            <a:buNone/>
+          </a:pPr>
+          <a:r>
+            <a:rPr lang="en-GB" sz="1800" kern="1200" dirty="0"/>
+            <a:t>TSCV functionality</a:t>
+          </a:r>
+          <a:endParaRPr lang="en-US" sz="1800" kern="1200" dirty="0"/>
+        </a:p>
+      </dsp:txBody>
+      <dsp:txXfrm>
+        <a:off x="5619027" y="1048332"/>
+        <a:ext cx="2601301" cy="1572498"/>
+      </dsp:txXfrm>
     </dsp:sp>
-    <dsp:sp modelId="{8A5D685E-5F35-450B-80DA-D2069DA9F405}">
+    <dsp:sp modelId="{A3B4A0CF-6222-4233-8123-CA5F60DD424C}">
       <dsp:nvSpPr>
         <dsp:cNvPr id="0" name=""/>
         <dsp:cNvSpPr/>
       </dsp:nvSpPr>
       <dsp:spPr>
         <a:xfrm>
-          <a:off x="5335717" y="1250748"/>
-          <a:ext cx="1203484" cy="572749"/>
+          <a:off x="5619027" y="0"/>
+          <a:ext cx="2601301" cy="1048332"/>
         </a:xfrm>
-        <a:custGeom>
+        <a:prstGeom prst="rect">
           <a:avLst/>
-          <a:gdLst/>
-          <a:ahLst/>
-          <a:cxnLst/>
-          <a:rect l="0" t="0" r="0" b="0"/>
-          <a:pathLst>
-            <a:path>
-              <a:moveTo>
-                <a:pt x="0" y="0"/>
-              </a:moveTo>
-              <a:lnTo>
-                <a:pt x="0" y="390311"/>
-              </a:lnTo>
-              <a:lnTo>
-                <a:pt x="1203484" y="390311"/>
-              </a:lnTo>
-              <a:lnTo>
-                <a:pt x="1203484" y="572749"/>
-              </a:lnTo>
-            </a:path>
-          </a:pathLst>
-        </a:custGeom>
+        </a:prstGeom>
         <a:noFill/>
         <a:ln w="22225" cap="rnd" cmpd="sng" algn="ctr">
+          <a:noFill/>
+          <a:prstDash val="solid"/>
+        </a:ln>
+        <a:effectLst/>
+        <a:sp3d/>
+      </dsp:spPr>
+      <dsp:style>
+        <a:lnRef idx="2">
+          <a:scrgbClr r="0" g="0" b="0"/>
+        </a:lnRef>
+        <a:fillRef idx="1">
+          <a:scrgbClr r="0" g="0" b="0"/>
+        </a:fillRef>
+        <a:effectRef idx="0">
+          <a:scrgbClr r="0" g="0" b="0"/>
+        </a:effectRef>
+        <a:fontRef idx="minor">
+          <a:schemeClr val="lt1"/>
+        </a:fontRef>
+      </dsp:style>
+      <dsp:txBody>
+        <a:bodyPr spcFirstLastPara="0" vert="horz" wrap="square" lIns="256951" tIns="165100" rIns="256951" bIns="165100" numCol="1" spcCol="1270" anchor="ctr" anchorCtr="0">
+          <a:noAutofit/>
+        </a:bodyPr>
+        <a:lstStyle/>
+        <a:p>
+          <a:pPr marL="0" lvl="0" indent="0" algn="l" defTabSz="2400300">
+            <a:lnSpc>
+              <a:spcPct val="90000"/>
+            </a:lnSpc>
+            <a:spcBef>
+              <a:spcPct val="0"/>
+            </a:spcBef>
+            <a:spcAft>
+              <a:spcPct val="35000"/>
+            </a:spcAft>
+            <a:buNone/>
+          </a:pPr>
+          <a:r>
+            <a:rPr lang="en-US" sz="5400" kern="1200"/>
+            <a:t>03</a:t>
+          </a:r>
+        </a:p>
+      </dsp:txBody>
+      <dsp:txXfrm>
+        <a:off x="5619027" y="0"/>
+        <a:ext cx="2601301" cy="1048332"/>
+      </dsp:txXfrm>
+    </dsp:sp>
+    <dsp:sp modelId="{894FCD65-614B-4216-A4BB-4F73E5875CC6}">
+      <dsp:nvSpPr>
+        <dsp:cNvPr id="0" name=""/>
+        <dsp:cNvSpPr/>
+      </dsp:nvSpPr>
+      <dsp:spPr>
+        <a:xfrm>
+          <a:off x="8428432" y="0"/>
+          <a:ext cx="2601301" cy="2620831"/>
+        </a:xfrm>
+        <a:prstGeom prst="rect">
+          <a:avLst/>
+        </a:prstGeom>
+        <a:solidFill>
+          <a:schemeClr val="accent2">
+            <a:hueOff val="0"/>
+            <a:satOff val="0"/>
+            <a:lumOff val="0"/>
+            <a:alphaOff val="0"/>
+          </a:schemeClr>
+        </a:solidFill>
+        <a:ln w="22225" cap="rnd" cmpd="sng" algn="ctr">
           <a:solidFill>
-            <a:schemeClr val="accent1">
-              <a:shade val="60000"/>
+            <a:schemeClr val="accent2">
               <a:hueOff val="0"/>
               <a:satOff val="0"/>
               <a:lumOff val="0"/>
@@ -12496,256 +11971,131 @@
         <a:lnRef idx="2">
           <a:scrgbClr r="0" g="0" b="0"/>
         </a:lnRef>
-        <a:fillRef idx="0">
+        <a:fillRef idx="1">
           <a:scrgbClr r="0" g="0" b="0"/>
         </a:fillRef>
         <a:effectRef idx="0">
           <a:scrgbClr r="0" g="0" b="0"/>
         </a:effectRef>
-        <a:fontRef idx="minor"/>
+        <a:fontRef idx="minor">
+          <a:schemeClr val="lt1"/>
+        </a:fontRef>
       </dsp:style>
+      <dsp:txBody>
+        <a:bodyPr spcFirstLastPara="0" vert="horz" wrap="square" lIns="256951" tIns="0" rIns="256951" bIns="330200" numCol="1" spcCol="1270" anchor="t" anchorCtr="0">
+          <a:noAutofit/>
+        </a:bodyPr>
+        <a:lstStyle/>
+        <a:p>
+          <a:pPr marL="0" lvl="0" indent="0" algn="l" defTabSz="800100">
+            <a:lnSpc>
+              <a:spcPct val="90000"/>
+            </a:lnSpc>
+            <a:spcBef>
+              <a:spcPct val="0"/>
+            </a:spcBef>
+            <a:spcAft>
+              <a:spcPct val="35000"/>
+            </a:spcAft>
+            <a:buNone/>
+          </a:pPr>
+          <a:r>
+            <a:rPr lang="en-GB" sz="1800" kern="1200"/>
+            <a:t>Results visualization</a:t>
+          </a:r>
+          <a:endParaRPr lang="en-US" sz="1800" kern="1200"/>
+        </a:p>
+      </dsp:txBody>
+      <dsp:txXfrm>
+        <a:off x="8428432" y="1048332"/>
+        <a:ext cx="2601301" cy="1572498"/>
+      </dsp:txXfrm>
     </dsp:sp>
-    <dsp:sp modelId="{D2A4D0BF-DD1A-4FCB-B0BE-B2E3D04700D3}">
+    <dsp:sp modelId="{0D40FCDF-A549-4DFB-B130-545BFFC951A2}">
       <dsp:nvSpPr>
         <dsp:cNvPr id="0" name=""/>
         <dsp:cNvSpPr/>
       </dsp:nvSpPr>
       <dsp:spPr>
         <a:xfrm>
-          <a:off x="4086513" y="3074027"/>
-          <a:ext cx="91440" cy="572749"/>
+          <a:off x="8428432" y="0"/>
+          <a:ext cx="2601301" cy="1048332"/>
         </a:xfrm>
-        <a:custGeom>
+        <a:prstGeom prst="rect">
           <a:avLst/>
-          <a:gdLst/>
-          <a:ahLst/>
-          <a:cxnLst/>
-          <a:rect l="0" t="0" r="0" b="0"/>
-          <a:pathLst>
-            <a:path>
-              <a:moveTo>
-                <a:pt x="45720" y="0"/>
-              </a:moveTo>
-              <a:lnTo>
-                <a:pt x="45720" y="572749"/>
-              </a:lnTo>
-            </a:path>
-          </a:pathLst>
-        </a:custGeom>
+        </a:prstGeom>
         <a:noFill/>
         <a:ln w="22225" cap="rnd" cmpd="sng" algn="ctr">
-          <a:solidFill>
-            <a:schemeClr val="accent1">
-              <a:shade val="80000"/>
-              <a:hueOff val="0"/>
-              <a:satOff val="0"/>
-              <a:lumOff val="0"/>
-              <a:alphaOff val="0"/>
-            </a:schemeClr>
-          </a:solidFill>
+          <a:noFill/>
           <a:prstDash val="solid"/>
         </a:ln>
         <a:effectLst/>
+        <a:sp3d/>
       </dsp:spPr>
       <dsp:style>
         <a:lnRef idx="2">
           <a:scrgbClr r="0" g="0" b="0"/>
         </a:lnRef>
-        <a:fillRef idx="0">
+        <a:fillRef idx="1">
           <a:scrgbClr r="0" g="0" b="0"/>
         </a:fillRef>
         <a:effectRef idx="0">
           <a:scrgbClr r="0" g="0" b="0"/>
         </a:effectRef>
-        <a:fontRef idx="minor"/>
+        <a:fontRef idx="minor">
+          <a:schemeClr val="lt1"/>
+        </a:fontRef>
       </dsp:style>
+      <dsp:txBody>
+        <a:bodyPr spcFirstLastPara="0" vert="horz" wrap="square" lIns="256951" tIns="165100" rIns="256951" bIns="165100" numCol="1" spcCol="1270" anchor="ctr" anchorCtr="0">
+          <a:noAutofit/>
+        </a:bodyPr>
+        <a:lstStyle/>
+        <a:p>
+          <a:pPr marL="0" lvl="0" indent="0" algn="l" defTabSz="2400300">
+            <a:lnSpc>
+              <a:spcPct val="90000"/>
+            </a:lnSpc>
+            <a:spcBef>
+              <a:spcPct val="0"/>
+            </a:spcBef>
+            <a:spcAft>
+              <a:spcPct val="35000"/>
+            </a:spcAft>
+            <a:buNone/>
+          </a:pPr>
+          <a:r>
+            <a:rPr lang="en-US" sz="5400" kern="1200"/>
+            <a:t>04</a:t>
+          </a:r>
+        </a:p>
+      </dsp:txBody>
+      <dsp:txXfrm>
+        <a:off x="8428432" y="0"/>
+        <a:ext cx="2601301" cy="1048332"/>
+      </dsp:txXfrm>
     </dsp:sp>
-    <dsp:sp modelId="{D93CA638-81E4-46A9-9950-37670888C984}">
+  </dsp:spTree>
+</dsp:drawing>
+</file>
+
+<file path=ppt/diagrams/drawing6.xml><?xml version="1.0" encoding="utf-8"?>
+<dsp:drawing xmlns:dgm="http://schemas.openxmlformats.org/drawingml/2006/diagram" xmlns:dsp="http://schemas.microsoft.com/office/drawing/2008/diagram" xmlns:a="http://schemas.openxmlformats.org/drawingml/2006/main">
+  <dsp:spTree>
+    <dsp:nvGrpSpPr>
+      <dsp:cNvPr id="0" name=""/>
+      <dsp:cNvGrpSpPr/>
+    </dsp:nvGrpSpPr>
+    <dsp:grpSpPr/>
+    <dsp:sp modelId="{A3FCE0DD-8BA1-47E0-BB2C-A5B68A6CF6DF}">
       <dsp:nvSpPr>
         <dsp:cNvPr id="0" name=""/>
         <dsp:cNvSpPr/>
       </dsp:nvSpPr>
       <dsp:spPr>
         <a:xfrm>
-          <a:off x="4132233" y="1250748"/>
-          <a:ext cx="1203484" cy="572749"/>
-        </a:xfrm>
-        <a:custGeom>
-          <a:avLst/>
-          <a:gdLst/>
-          <a:ahLst/>
-          <a:cxnLst/>
-          <a:rect l="0" t="0" r="0" b="0"/>
-          <a:pathLst>
-            <a:path>
-              <a:moveTo>
-                <a:pt x="1203484" y="0"/>
-              </a:moveTo>
-              <a:lnTo>
-                <a:pt x="1203484" y="390311"/>
-              </a:lnTo>
-              <a:lnTo>
-                <a:pt x="0" y="390311"/>
-              </a:lnTo>
-              <a:lnTo>
-                <a:pt x="0" y="572749"/>
-              </a:lnTo>
-            </a:path>
-          </a:pathLst>
-        </a:custGeom>
-        <a:noFill/>
-        <a:ln w="22225" cap="rnd" cmpd="sng" algn="ctr">
-          <a:solidFill>
-            <a:schemeClr val="accent1">
-              <a:shade val="60000"/>
-              <a:hueOff val="0"/>
-              <a:satOff val="0"/>
-              <a:lumOff val="0"/>
-              <a:alphaOff val="0"/>
-            </a:schemeClr>
-          </a:solidFill>
-          <a:prstDash val="solid"/>
-        </a:ln>
-        <a:effectLst/>
-      </dsp:spPr>
-      <dsp:style>
-        <a:lnRef idx="2">
-          <a:scrgbClr r="0" g="0" b="0"/>
-        </a:lnRef>
-        <a:fillRef idx="0">
-          <a:scrgbClr r="0" g="0" b="0"/>
-        </a:fillRef>
-        <a:effectRef idx="0">
-          <a:scrgbClr r="0" g="0" b="0"/>
-        </a:effectRef>
-        <a:fontRef idx="minor"/>
-      </dsp:style>
-    </dsp:sp>
-    <dsp:sp modelId="{68532898-A7FB-4D7E-957F-567D4E5CDA90}">
-      <dsp:nvSpPr>
-        <dsp:cNvPr id="0" name=""/>
-        <dsp:cNvSpPr/>
-      </dsp:nvSpPr>
-      <dsp:spPr>
-        <a:xfrm>
-          <a:off x="1679544" y="3074027"/>
-          <a:ext cx="91440" cy="572749"/>
-        </a:xfrm>
-        <a:custGeom>
-          <a:avLst/>
-          <a:gdLst/>
-          <a:ahLst/>
-          <a:cxnLst/>
-          <a:rect l="0" t="0" r="0" b="0"/>
-          <a:pathLst>
-            <a:path>
-              <a:moveTo>
-                <a:pt x="45720" y="0"/>
-              </a:moveTo>
-              <a:lnTo>
-                <a:pt x="45720" y="572749"/>
-              </a:lnTo>
-            </a:path>
-          </a:pathLst>
-        </a:custGeom>
-        <a:noFill/>
-        <a:ln w="22225" cap="rnd" cmpd="sng" algn="ctr">
-          <a:solidFill>
-            <a:schemeClr val="accent1">
-              <a:shade val="80000"/>
-              <a:hueOff val="0"/>
-              <a:satOff val="0"/>
-              <a:lumOff val="0"/>
-              <a:alphaOff val="0"/>
-            </a:schemeClr>
-          </a:solidFill>
-          <a:prstDash val="solid"/>
-        </a:ln>
-        <a:effectLst/>
-      </dsp:spPr>
-      <dsp:style>
-        <a:lnRef idx="2">
-          <a:scrgbClr r="0" g="0" b="0"/>
-        </a:lnRef>
-        <a:fillRef idx="0">
-          <a:scrgbClr r="0" g="0" b="0"/>
-        </a:fillRef>
-        <a:effectRef idx="0">
-          <a:scrgbClr r="0" g="0" b="0"/>
-        </a:effectRef>
-        <a:fontRef idx="minor"/>
-      </dsp:style>
-    </dsp:sp>
-    <dsp:sp modelId="{CE41A50B-2977-4976-852C-CB84464B84AE}">
-      <dsp:nvSpPr>
-        <dsp:cNvPr id="0" name=""/>
-        <dsp:cNvSpPr/>
-      </dsp:nvSpPr>
-      <dsp:spPr>
-        <a:xfrm>
-          <a:off x="1725264" y="1250748"/>
-          <a:ext cx="3610452" cy="572749"/>
-        </a:xfrm>
-        <a:custGeom>
-          <a:avLst/>
-          <a:gdLst/>
-          <a:ahLst/>
-          <a:cxnLst/>
-          <a:rect l="0" t="0" r="0" b="0"/>
-          <a:pathLst>
-            <a:path>
-              <a:moveTo>
-                <a:pt x="3610452" y="0"/>
-              </a:moveTo>
-              <a:lnTo>
-                <a:pt x="3610452" y="390311"/>
-              </a:lnTo>
-              <a:lnTo>
-                <a:pt x="0" y="390311"/>
-              </a:lnTo>
-              <a:lnTo>
-                <a:pt x="0" y="572749"/>
-              </a:lnTo>
-            </a:path>
-          </a:pathLst>
-        </a:custGeom>
-        <a:noFill/>
-        <a:ln w="22225" cap="rnd" cmpd="sng" algn="ctr">
-          <a:solidFill>
-            <a:schemeClr val="accent1">
-              <a:shade val="60000"/>
-              <a:hueOff val="0"/>
-              <a:satOff val="0"/>
-              <a:lumOff val="0"/>
-              <a:alphaOff val="0"/>
-            </a:schemeClr>
-          </a:solidFill>
-          <a:prstDash val="solid"/>
-        </a:ln>
-        <a:effectLst/>
-      </dsp:spPr>
-      <dsp:style>
-        <a:lnRef idx="2">
-          <a:scrgbClr r="0" g="0" b="0"/>
-        </a:lnRef>
-        <a:fillRef idx="0">
-          <a:scrgbClr r="0" g="0" b="0"/>
-        </a:fillRef>
-        <a:effectRef idx="0">
-          <a:scrgbClr r="0" g="0" b="0"/>
-        </a:effectRef>
-        <a:fontRef idx="minor"/>
-      </dsp:style>
-    </dsp:sp>
-    <dsp:sp modelId="{62663C99-FFE4-406B-B222-9031F4F8551C}">
-      <dsp:nvSpPr>
-        <dsp:cNvPr id="0" name=""/>
-        <dsp:cNvSpPr/>
-      </dsp:nvSpPr>
-      <dsp:spPr>
-        <a:xfrm>
-          <a:off x="4351048" y="219"/>
-          <a:ext cx="1969337" cy="1250529"/>
+          <a:off x="1" y="1072100"/>
+          <a:ext cx="2307241" cy="1465098"/>
         </a:xfrm>
         <a:prstGeom prst="roundRect">
           <a:avLst>
@@ -12788,15 +12138,15 @@
         </a:fontRef>
       </dsp:style>
     </dsp:sp>
-    <dsp:sp modelId="{24ED95BD-5A81-4DFA-ADA5-E599053A5C39}">
+    <dsp:sp modelId="{E8BA9E59-5220-4061-AF8D-8E92EDA5F01D}">
       <dsp:nvSpPr>
         <dsp:cNvPr id="0" name=""/>
         <dsp:cNvSpPr/>
       </dsp:nvSpPr>
       <dsp:spPr>
         <a:xfrm>
-          <a:off x="4569863" y="208093"/>
-          <a:ext cx="1969337" cy="1250529"/>
+          <a:off x="256361" y="1315643"/>
+          <a:ext cx="2307241" cy="1465098"/>
         </a:xfrm>
         <a:prstGeom prst="roundRect">
           <a:avLst>
@@ -12838,12 +12188,12 @@
         <a:fontRef idx="minor"/>
       </dsp:style>
       <dsp:txBody>
-        <a:bodyPr spcFirstLastPara="0" vert="horz" wrap="square" lIns="53340" tIns="53340" rIns="53340" bIns="53340" numCol="1" spcCol="1270" anchor="ctr" anchorCtr="0">
+        <a:bodyPr spcFirstLastPara="0" vert="horz" wrap="square" lIns="64770" tIns="64770" rIns="64770" bIns="64770" numCol="1" spcCol="1270" anchor="ctr" anchorCtr="0">
           <a:noAutofit/>
         </a:bodyPr>
         <a:lstStyle/>
         <a:p>
-          <a:pPr marL="0" lvl="0" indent="0" algn="ctr" defTabSz="622300">
+          <a:pPr marL="0" lvl="0" indent="0" algn="ctr" defTabSz="755650">
             <a:lnSpc>
               <a:spcPct val="90000"/>
             </a:lnSpc>
@@ -12856,26 +12206,26 @@
             <a:buNone/>
           </a:pPr>
           <a:r>
-            <a:rPr lang="en-GB" sz="1400" kern="1200"/>
-            <a:t>Minimum Viable Prototype</a:t>
+            <a:rPr lang="en-GB" sz="1700" kern="1200" dirty="0"/>
+            <a:t>Ability to get desired stock price and stock return data of desired frequency with a single line of code</a:t>
           </a:r>
-          <a:endParaRPr lang="en-US" sz="1400" kern="1200"/>
+          <a:endParaRPr lang="en-US" sz="1700" kern="1200" dirty="0"/>
         </a:p>
       </dsp:txBody>
       <dsp:txXfrm>
-        <a:off x="4606490" y="244720"/>
-        <a:ext cx="1896083" cy="1177275"/>
+        <a:off x="299272" y="1358554"/>
+        <a:ext cx="2221419" cy="1379276"/>
       </dsp:txXfrm>
     </dsp:sp>
-    <dsp:sp modelId="{A50A9B94-F602-434F-841A-3FF930D87AF3}">
+    <dsp:sp modelId="{FC6A150B-13FD-4021-A544-F592768967F2}">
       <dsp:nvSpPr>
         <dsp:cNvPr id="0" name=""/>
         <dsp:cNvSpPr/>
       </dsp:nvSpPr>
       <dsp:spPr>
         <a:xfrm>
-          <a:off x="740595" y="1823497"/>
-          <a:ext cx="1969337" cy="1250529"/>
+          <a:off x="2786969" y="1034535"/>
+          <a:ext cx="2307241" cy="1465098"/>
         </a:xfrm>
         <a:prstGeom prst="roundRect">
           <a:avLst>
@@ -12918,15 +12268,15 @@
         </a:fontRef>
       </dsp:style>
     </dsp:sp>
-    <dsp:sp modelId="{C196EA4D-F6CF-4BB1-AB04-9ED239A79DD4}">
+    <dsp:sp modelId="{75B9C0A9-0886-433A-A880-7FBBE33FD42F}">
       <dsp:nvSpPr>
         <dsp:cNvPr id="0" name=""/>
         <dsp:cNvSpPr/>
       </dsp:nvSpPr>
       <dsp:spPr>
         <a:xfrm>
-          <a:off x="959410" y="2031372"/>
-          <a:ext cx="1969337" cy="1250529"/>
+          <a:off x="3043329" y="1278077"/>
+          <a:ext cx="2307241" cy="1465098"/>
         </a:xfrm>
         <a:prstGeom prst="roundRect">
           <a:avLst>
@@ -12968,12 +12318,12 @@
         <a:fontRef idx="minor"/>
       </dsp:style>
       <dsp:txBody>
-        <a:bodyPr spcFirstLastPara="0" vert="horz" wrap="square" lIns="53340" tIns="53340" rIns="53340" bIns="53340" numCol="1" spcCol="1270" anchor="ctr" anchorCtr="0">
+        <a:bodyPr spcFirstLastPara="0" vert="horz" wrap="square" lIns="64770" tIns="64770" rIns="64770" bIns="64770" numCol="1" spcCol="1270" anchor="ctr" anchorCtr="0">
           <a:noAutofit/>
         </a:bodyPr>
         <a:lstStyle/>
         <a:p>
-          <a:pPr marL="0" lvl="0" indent="0" algn="ctr" defTabSz="622300">
+          <a:pPr marL="0" lvl="0" indent="0" algn="ctr" defTabSz="755650">
             <a:lnSpc>
               <a:spcPct val="90000"/>
             </a:lnSpc>
@@ -12986,26 +12336,26 @@
             <a:buNone/>
           </a:pPr>
           <a:r>
-            <a:rPr lang="en-GB" sz="1400" kern="1200"/>
-            <a:t>Implemented the Lag-Llama, autoregressor and autoARIMA models in abstracted way</a:t>
+            <a:rPr lang="en-GB" sz="1700" kern="1200" dirty="0"/>
+            <a:t>Ability to get model predictions with a single line of code</a:t>
           </a:r>
-          <a:endParaRPr lang="en-US" sz="1400" kern="1200"/>
+          <a:endParaRPr lang="en-US" sz="1700" kern="1200" dirty="0"/>
         </a:p>
       </dsp:txBody>
       <dsp:txXfrm>
-        <a:off x="996037" y="2067999"/>
-        <a:ext cx="1896083" cy="1177275"/>
+        <a:off x="3086240" y="1320988"/>
+        <a:ext cx="2221419" cy="1379276"/>
       </dsp:txXfrm>
     </dsp:sp>
-    <dsp:sp modelId="{2E46B80E-A116-434B-B8AB-474AB1A62480}">
+    <dsp:sp modelId="{281AE72A-42DE-4E4E-BC93-68EB84A9A63F}">
       <dsp:nvSpPr>
         <dsp:cNvPr id="0" name=""/>
         <dsp:cNvSpPr/>
       </dsp:nvSpPr>
       <dsp:spPr>
         <a:xfrm>
-          <a:off x="740595" y="3646776"/>
-          <a:ext cx="1969337" cy="1250529"/>
+          <a:off x="5595856" y="1034535"/>
+          <a:ext cx="2307241" cy="1465098"/>
         </a:xfrm>
         <a:prstGeom prst="roundRect">
           <a:avLst>
@@ -13048,15 +12398,15 @@
         </a:fontRef>
       </dsp:style>
     </dsp:sp>
-    <dsp:sp modelId="{5083C1FE-8844-4821-8817-404C16CCDB49}">
+    <dsp:sp modelId="{847013CA-4950-4658-8C43-8298AF16A46E}">
       <dsp:nvSpPr>
         <dsp:cNvPr id="0" name=""/>
         <dsp:cNvSpPr/>
       </dsp:nvSpPr>
       <dsp:spPr>
         <a:xfrm>
-          <a:off x="959410" y="3854651"/>
-          <a:ext cx="1969337" cy="1250529"/>
+          <a:off x="5852216" y="1278077"/>
+          <a:ext cx="2307241" cy="1465098"/>
         </a:xfrm>
         <a:prstGeom prst="roundRect">
           <a:avLst>
@@ -13098,12 +12448,12 @@
         <a:fontRef idx="minor"/>
       </dsp:style>
       <dsp:txBody>
-        <a:bodyPr spcFirstLastPara="0" vert="horz" wrap="square" lIns="53340" tIns="53340" rIns="53340" bIns="53340" numCol="1" spcCol="1270" anchor="ctr" anchorCtr="0">
+        <a:bodyPr spcFirstLastPara="0" vert="horz" wrap="square" lIns="64770" tIns="64770" rIns="64770" bIns="64770" numCol="1" spcCol="1270" anchor="ctr" anchorCtr="0">
           <a:noAutofit/>
         </a:bodyPr>
         <a:lstStyle/>
         <a:p>
-          <a:pPr marL="0" lvl="0" indent="0" algn="ctr" defTabSz="622300">
+          <a:pPr marL="0" lvl="0" indent="0" algn="ctr" defTabSz="755650">
             <a:lnSpc>
               <a:spcPct val="90000"/>
             </a:lnSpc>
@@ -13116,26 +12466,26 @@
             <a:buNone/>
           </a:pPr>
           <a:r>
-            <a:rPr lang="en-GB" sz="1400" kern="1200"/>
-            <a:t>Ability to get model predictions with a single line of code</a:t>
+            <a:rPr lang="en-GB" sz="1700" kern="1200"/>
+            <a:t>Ability to run TSCV and get results on a desired time-series with custom n_folds and prediction_horizon</a:t>
           </a:r>
-          <a:endParaRPr lang="en-US" sz="1400" kern="1200"/>
+          <a:endParaRPr lang="en-US" sz="1700" kern="1200"/>
         </a:p>
       </dsp:txBody>
       <dsp:txXfrm>
-        <a:off x="996037" y="3891278"/>
-        <a:ext cx="1896083" cy="1177275"/>
+        <a:off x="5895127" y="1320988"/>
+        <a:ext cx="2221419" cy="1379276"/>
       </dsp:txXfrm>
     </dsp:sp>
-    <dsp:sp modelId="{8E42CF63-A1CA-4B97-BAA3-C2475A72AD0A}">
+    <dsp:sp modelId="{B74A7EDF-DF52-44B5-9333-CCB1D24497FE}">
       <dsp:nvSpPr>
         <dsp:cNvPr id="0" name=""/>
         <dsp:cNvSpPr/>
       </dsp:nvSpPr>
       <dsp:spPr>
         <a:xfrm>
-          <a:off x="3147564" y="1823497"/>
-          <a:ext cx="1969337" cy="1250529"/>
+          <a:off x="8406658" y="1034535"/>
+          <a:ext cx="2307241" cy="1465098"/>
         </a:xfrm>
         <a:prstGeom prst="roundRect">
           <a:avLst>
@@ -13178,15 +12528,15 @@
         </a:fontRef>
       </dsp:style>
     </dsp:sp>
-    <dsp:sp modelId="{723589A1-9664-4F75-B2D2-5E21296B09DE}">
+    <dsp:sp modelId="{254ABBF3-264F-4908-8140-C34D579F1A54}">
       <dsp:nvSpPr>
         <dsp:cNvPr id="0" name=""/>
         <dsp:cNvSpPr/>
       </dsp:nvSpPr>
       <dsp:spPr>
         <a:xfrm>
-          <a:off x="3366379" y="2031372"/>
-          <a:ext cx="1969337" cy="1250529"/>
+          <a:off x="8663018" y="1278077"/>
+          <a:ext cx="2307241" cy="1465098"/>
         </a:xfrm>
         <a:prstGeom prst="roundRect">
           <a:avLst>
@@ -13228,12 +12578,12 @@
         <a:fontRef idx="minor"/>
       </dsp:style>
       <dsp:txBody>
-        <a:bodyPr spcFirstLastPara="0" vert="horz" wrap="square" lIns="53340" tIns="53340" rIns="53340" bIns="53340" numCol="1" spcCol="1270" anchor="ctr" anchorCtr="0">
+        <a:bodyPr spcFirstLastPara="0" vert="horz" wrap="square" lIns="64770" tIns="64770" rIns="64770" bIns="64770" numCol="1" spcCol="1270" anchor="ctr" anchorCtr="0">
           <a:noAutofit/>
         </a:bodyPr>
         <a:lstStyle/>
         <a:p>
-          <a:pPr marL="0" lvl="0" indent="0" algn="ctr" defTabSz="622300">
+          <a:pPr marL="0" lvl="0" indent="0" algn="ctr" defTabSz="755650">
             <a:lnSpc>
               <a:spcPct val="90000"/>
             </a:lnSpc>
@@ -13246,665 +12596,15 @@
             <a:buNone/>
           </a:pPr>
           <a:r>
-            <a:rPr lang="en-GB" sz="1400" kern="1200"/>
-            <a:t>Rudimentary data capabilities</a:t>
+            <a:rPr lang="en-GB" sz="1700" kern="1200" dirty="0"/>
+            <a:t>Interactive bar plots of all forecast metrics, interactive line plots of all models’ predictions</a:t>
           </a:r>
-          <a:endParaRPr lang="en-US" sz="1400" kern="1200"/>
+          <a:endParaRPr lang="en-US" sz="1700" kern="1200" dirty="0"/>
         </a:p>
       </dsp:txBody>
       <dsp:txXfrm>
-        <a:off x="3403006" y="2067999"/>
-        <a:ext cx="1896083" cy="1177275"/>
-      </dsp:txXfrm>
-    </dsp:sp>
-    <dsp:sp modelId="{A50A79EF-2F23-4F1F-8535-1DE574373636}">
-      <dsp:nvSpPr>
-        <dsp:cNvPr id="0" name=""/>
-        <dsp:cNvSpPr/>
-      </dsp:nvSpPr>
-      <dsp:spPr>
-        <a:xfrm>
-          <a:off x="3147564" y="3646776"/>
-          <a:ext cx="1969337" cy="1250529"/>
-        </a:xfrm>
-        <a:prstGeom prst="roundRect">
-          <a:avLst>
-            <a:gd name="adj" fmla="val 10000"/>
-          </a:avLst>
-        </a:prstGeom>
-        <a:solidFill>
-          <a:schemeClr val="accent1">
-            <a:hueOff val="0"/>
-            <a:satOff val="0"/>
-            <a:lumOff val="0"/>
-            <a:alphaOff val="0"/>
-          </a:schemeClr>
-        </a:solidFill>
-        <a:ln w="22225" cap="rnd" cmpd="sng" algn="ctr">
-          <a:solidFill>
-            <a:schemeClr val="lt1">
-              <a:hueOff val="0"/>
-              <a:satOff val="0"/>
-              <a:lumOff val="0"/>
-              <a:alphaOff val="0"/>
-            </a:schemeClr>
-          </a:solidFill>
-          <a:prstDash val="solid"/>
-        </a:ln>
-        <a:effectLst/>
-      </dsp:spPr>
-      <dsp:style>
-        <a:lnRef idx="2">
-          <a:scrgbClr r="0" g="0" b="0"/>
-        </a:lnRef>
-        <a:fillRef idx="1">
-          <a:scrgbClr r="0" g="0" b="0"/>
-        </a:fillRef>
-        <a:effectRef idx="0">
-          <a:scrgbClr r="0" g="0" b="0"/>
-        </a:effectRef>
-        <a:fontRef idx="minor">
-          <a:schemeClr val="lt1"/>
-        </a:fontRef>
-      </dsp:style>
-    </dsp:sp>
-    <dsp:sp modelId="{0B2AB48D-3455-42B6-BD70-C0A5C1F11792}">
-      <dsp:nvSpPr>
-        <dsp:cNvPr id="0" name=""/>
-        <dsp:cNvSpPr/>
-      </dsp:nvSpPr>
-      <dsp:spPr>
-        <a:xfrm>
-          <a:off x="3366379" y="3854651"/>
-          <a:ext cx="1969337" cy="1250529"/>
-        </a:xfrm>
-        <a:prstGeom prst="roundRect">
-          <a:avLst>
-            <a:gd name="adj" fmla="val 10000"/>
-          </a:avLst>
-        </a:prstGeom>
-        <a:solidFill>
-          <a:schemeClr val="lt1">
-            <a:alpha val="90000"/>
-            <a:hueOff val="0"/>
-            <a:satOff val="0"/>
-            <a:lumOff val="0"/>
-            <a:alphaOff val="0"/>
-          </a:schemeClr>
-        </a:solidFill>
-        <a:ln w="22225" cap="rnd" cmpd="sng" algn="ctr">
-          <a:solidFill>
-            <a:schemeClr val="accent1">
-              <a:hueOff val="0"/>
-              <a:satOff val="0"/>
-              <a:lumOff val="0"/>
-              <a:alphaOff val="0"/>
-            </a:schemeClr>
-          </a:solidFill>
-          <a:prstDash val="solid"/>
-        </a:ln>
-        <a:effectLst/>
-      </dsp:spPr>
-      <dsp:style>
-        <a:lnRef idx="2">
-          <a:scrgbClr r="0" g="0" b="0"/>
-        </a:lnRef>
-        <a:fillRef idx="1">
-          <a:scrgbClr r="0" g="0" b="0"/>
-        </a:fillRef>
-        <a:effectRef idx="0">
-          <a:scrgbClr r="0" g="0" b="0"/>
-        </a:effectRef>
-        <a:fontRef idx="minor"/>
-      </dsp:style>
-      <dsp:txBody>
-        <a:bodyPr spcFirstLastPara="0" vert="horz" wrap="square" lIns="53340" tIns="53340" rIns="53340" bIns="53340" numCol="1" spcCol="1270" anchor="ctr" anchorCtr="0">
-          <a:noAutofit/>
-        </a:bodyPr>
-        <a:lstStyle/>
-        <a:p>
-          <a:pPr marL="0" lvl="0" indent="0" algn="ctr" defTabSz="622300">
-            <a:lnSpc>
-              <a:spcPct val="90000"/>
-            </a:lnSpc>
-            <a:spcBef>
-              <a:spcPct val="0"/>
-            </a:spcBef>
-            <a:spcAft>
-              <a:spcPct val="35000"/>
-            </a:spcAft>
-            <a:buNone/>
-          </a:pPr>
-          <a:r>
-            <a:rPr lang="en-GB" sz="1400" kern="1200"/>
-            <a:t>Ability to get desired stock price and stock return data of desired frequency with a single line of code</a:t>
-          </a:r>
-          <a:endParaRPr lang="en-US" sz="1400" kern="1200"/>
-        </a:p>
-      </dsp:txBody>
-      <dsp:txXfrm>
-        <a:off x="3403006" y="3891278"/>
-        <a:ext cx="1896083" cy="1177275"/>
-      </dsp:txXfrm>
-    </dsp:sp>
-    <dsp:sp modelId="{0C9358D7-294B-4481-9C4B-149183BE5B0B}">
-      <dsp:nvSpPr>
-        <dsp:cNvPr id="0" name=""/>
-        <dsp:cNvSpPr/>
-      </dsp:nvSpPr>
-      <dsp:spPr>
-        <a:xfrm>
-          <a:off x="5554532" y="1823497"/>
-          <a:ext cx="1969337" cy="1250529"/>
-        </a:xfrm>
-        <a:prstGeom prst="roundRect">
-          <a:avLst>
-            <a:gd name="adj" fmla="val 10000"/>
-          </a:avLst>
-        </a:prstGeom>
-        <a:solidFill>
-          <a:schemeClr val="accent1">
-            <a:hueOff val="0"/>
-            <a:satOff val="0"/>
-            <a:lumOff val="0"/>
-            <a:alphaOff val="0"/>
-          </a:schemeClr>
-        </a:solidFill>
-        <a:ln w="22225" cap="rnd" cmpd="sng" algn="ctr">
-          <a:solidFill>
-            <a:schemeClr val="lt1">
-              <a:hueOff val="0"/>
-              <a:satOff val="0"/>
-              <a:lumOff val="0"/>
-              <a:alphaOff val="0"/>
-            </a:schemeClr>
-          </a:solidFill>
-          <a:prstDash val="solid"/>
-        </a:ln>
-        <a:effectLst/>
-      </dsp:spPr>
-      <dsp:style>
-        <a:lnRef idx="2">
-          <a:scrgbClr r="0" g="0" b="0"/>
-        </a:lnRef>
-        <a:fillRef idx="1">
-          <a:scrgbClr r="0" g="0" b="0"/>
-        </a:fillRef>
-        <a:effectRef idx="0">
-          <a:scrgbClr r="0" g="0" b="0"/>
-        </a:effectRef>
-        <a:fontRef idx="minor">
-          <a:schemeClr val="lt1"/>
-        </a:fontRef>
-      </dsp:style>
-    </dsp:sp>
-    <dsp:sp modelId="{A0ECCAE2-111C-4A8E-BA36-56F309E94929}">
-      <dsp:nvSpPr>
-        <dsp:cNvPr id="0" name=""/>
-        <dsp:cNvSpPr/>
-      </dsp:nvSpPr>
-      <dsp:spPr>
-        <a:xfrm>
-          <a:off x="5773347" y="2031372"/>
-          <a:ext cx="1969337" cy="1250529"/>
-        </a:xfrm>
-        <a:prstGeom prst="roundRect">
-          <a:avLst>
-            <a:gd name="adj" fmla="val 10000"/>
-          </a:avLst>
-        </a:prstGeom>
-        <a:solidFill>
-          <a:schemeClr val="lt1">
-            <a:alpha val="90000"/>
-            <a:hueOff val="0"/>
-            <a:satOff val="0"/>
-            <a:lumOff val="0"/>
-            <a:alphaOff val="0"/>
-          </a:schemeClr>
-        </a:solidFill>
-        <a:ln w="22225" cap="rnd" cmpd="sng" algn="ctr">
-          <a:solidFill>
-            <a:schemeClr val="accent1">
-              <a:hueOff val="0"/>
-              <a:satOff val="0"/>
-              <a:lumOff val="0"/>
-              <a:alphaOff val="0"/>
-            </a:schemeClr>
-          </a:solidFill>
-          <a:prstDash val="solid"/>
-        </a:ln>
-        <a:effectLst/>
-      </dsp:spPr>
-      <dsp:style>
-        <a:lnRef idx="2">
-          <a:scrgbClr r="0" g="0" b="0"/>
-        </a:lnRef>
-        <a:fillRef idx="1">
-          <a:scrgbClr r="0" g="0" b="0"/>
-        </a:fillRef>
-        <a:effectRef idx="0">
-          <a:scrgbClr r="0" g="0" b="0"/>
-        </a:effectRef>
-        <a:fontRef idx="minor"/>
-      </dsp:style>
-      <dsp:txBody>
-        <a:bodyPr spcFirstLastPara="0" vert="horz" wrap="square" lIns="53340" tIns="53340" rIns="53340" bIns="53340" numCol="1" spcCol="1270" anchor="ctr" anchorCtr="0">
-          <a:noAutofit/>
-        </a:bodyPr>
-        <a:lstStyle/>
-        <a:p>
-          <a:pPr marL="0" lvl="0" indent="0" algn="ctr" defTabSz="622300">
-            <a:lnSpc>
-              <a:spcPct val="90000"/>
-            </a:lnSpc>
-            <a:spcBef>
-              <a:spcPct val="0"/>
-            </a:spcBef>
-            <a:spcAft>
-              <a:spcPct val="35000"/>
-            </a:spcAft>
-            <a:buNone/>
-          </a:pPr>
-          <a:r>
-            <a:rPr lang="en-GB" sz="1400" kern="1200"/>
-            <a:t>TSCV functionality</a:t>
-          </a:r>
-          <a:endParaRPr lang="en-US" sz="1400" kern="1200"/>
-        </a:p>
-      </dsp:txBody>
-      <dsp:txXfrm>
-        <a:off x="5809974" y="2067999"/>
-        <a:ext cx="1896083" cy="1177275"/>
-      </dsp:txXfrm>
-    </dsp:sp>
-    <dsp:sp modelId="{E56BF9A7-2FF7-4FC7-8377-2F3395C8C2E1}">
-      <dsp:nvSpPr>
-        <dsp:cNvPr id="0" name=""/>
-        <dsp:cNvSpPr/>
-      </dsp:nvSpPr>
-      <dsp:spPr>
-        <a:xfrm>
-          <a:off x="5554532" y="3646776"/>
-          <a:ext cx="1969337" cy="1250529"/>
-        </a:xfrm>
-        <a:prstGeom prst="roundRect">
-          <a:avLst>
-            <a:gd name="adj" fmla="val 10000"/>
-          </a:avLst>
-        </a:prstGeom>
-        <a:solidFill>
-          <a:schemeClr val="accent1">
-            <a:hueOff val="0"/>
-            <a:satOff val="0"/>
-            <a:lumOff val="0"/>
-            <a:alphaOff val="0"/>
-          </a:schemeClr>
-        </a:solidFill>
-        <a:ln w="22225" cap="rnd" cmpd="sng" algn="ctr">
-          <a:solidFill>
-            <a:schemeClr val="lt1">
-              <a:hueOff val="0"/>
-              <a:satOff val="0"/>
-              <a:lumOff val="0"/>
-              <a:alphaOff val="0"/>
-            </a:schemeClr>
-          </a:solidFill>
-          <a:prstDash val="solid"/>
-        </a:ln>
-        <a:effectLst/>
-      </dsp:spPr>
-      <dsp:style>
-        <a:lnRef idx="2">
-          <a:scrgbClr r="0" g="0" b="0"/>
-        </a:lnRef>
-        <a:fillRef idx="1">
-          <a:scrgbClr r="0" g="0" b="0"/>
-        </a:fillRef>
-        <a:effectRef idx="0">
-          <a:scrgbClr r="0" g="0" b="0"/>
-        </a:effectRef>
-        <a:fontRef idx="minor">
-          <a:schemeClr val="lt1"/>
-        </a:fontRef>
-      </dsp:style>
-    </dsp:sp>
-    <dsp:sp modelId="{E8919919-88FC-4871-ACA9-C46E412FE2DB}">
-      <dsp:nvSpPr>
-        <dsp:cNvPr id="0" name=""/>
-        <dsp:cNvSpPr/>
-      </dsp:nvSpPr>
-      <dsp:spPr>
-        <a:xfrm>
-          <a:off x="5773347" y="3854651"/>
-          <a:ext cx="1969337" cy="1250529"/>
-        </a:xfrm>
-        <a:prstGeom prst="roundRect">
-          <a:avLst>
-            <a:gd name="adj" fmla="val 10000"/>
-          </a:avLst>
-        </a:prstGeom>
-        <a:solidFill>
-          <a:schemeClr val="lt1">
-            <a:alpha val="90000"/>
-            <a:hueOff val="0"/>
-            <a:satOff val="0"/>
-            <a:lumOff val="0"/>
-            <a:alphaOff val="0"/>
-          </a:schemeClr>
-        </a:solidFill>
-        <a:ln w="22225" cap="rnd" cmpd="sng" algn="ctr">
-          <a:solidFill>
-            <a:schemeClr val="accent1">
-              <a:hueOff val="0"/>
-              <a:satOff val="0"/>
-              <a:lumOff val="0"/>
-              <a:alphaOff val="0"/>
-            </a:schemeClr>
-          </a:solidFill>
-          <a:prstDash val="solid"/>
-        </a:ln>
-        <a:effectLst/>
-      </dsp:spPr>
-      <dsp:style>
-        <a:lnRef idx="2">
-          <a:scrgbClr r="0" g="0" b="0"/>
-        </a:lnRef>
-        <a:fillRef idx="1">
-          <a:scrgbClr r="0" g="0" b="0"/>
-        </a:fillRef>
-        <a:effectRef idx="0">
-          <a:scrgbClr r="0" g="0" b="0"/>
-        </a:effectRef>
-        <a:fontRef idx="minor"/>
-      </dsp:style>
-      <dsp:txBody>
-        <a:bodyPr spcFirstLastPara="0" vert="horz" wrap="square" lIns="53340" tIns="53340" rIns="53340" bIns="53340" numCol="1" spcCol="1270" anchor="ctr" anchorCtr="0">
-          <a:noAutofit/>
-        </a:bodyPr>
-        <a:lstStyle/>
-        <a:p>
-          <a:pPr marL="0" lvl="0" indent="0" algn="ctr" defTabSz="622300">
-            <a:lnSpc>
-              <a:spcPct val="90000"/>
-            </a:lnSpc>
-            <a:spcBef>
-              <a:spcPct val="0"/>
-            </a:spcBef>
-            <a:spcAft>
-              <a:spcPct val="35000"/>
-            </a:spcAft>
-            <a:buNone/>
-          </a:pPr>
-          <a:r>
-            <a:rPr lang="en-GB" sz="1400" kern="1200"/>
-            <a:t>Ability to run TSCV and get results on a desired time-series with custom n_folds and prediction_horizon</a:t>
-          </a:r>
-          <a:endParaRPr lang="en-US" sz="1400" kern="1200"/>
-        </a:p>
-      </dsp:txBody>
-      <dsp:txXfrm>
-        <a:off x="5809974" y="3891278"/>
-        <a:ext cx="1896083" cy="1177275"/>
-      </dsp:txXfrm>
-    </dsp:sp>
-    <dsp:sp modelId="{0764E300-DF7C-4E79-A056-00792BCAC4BC}">
-      <dsp:nvSpPr>
-        <dsp:cNvPr id="0" name=""/>
-        <dsp:cNvSpPr/>
-      </dsp:nvSpPr>
-      <dsp:spPr>
-        <a:xfrm>
-          <a:off x="7961501" y="1823497"/>
-          <a:ext cx="1969337" cy="1250529"/>
-        </a:xfrm>
-        <a:prstGeom prst="roundRect">
-          <a:avLst>
-            <a:gd name="adj" fmla="val 10000"/>
-          </a:avLst>
-        </a:prstGeom>
-        <a:solidFill>
-          <a:schemeClr val="accent1">
-            <a:hueOff val="0"/>
-            <a:satOff val="0"/>
-            <a:lumOff val="0"/>
-            <a:alphaOff val="0"/>
-          </a:schemeClr>
-        </a:solidFill>
-        <a:ln w="22225" cap="rnd" cmpd="sng" algn="ctr">
-          <a:solidFill>
-            <a:schemeClr val="lt1">
-              <a:hueOff val="0"/>
-              <a:satOff val="0"/>
-              <a:lumOff val="0"/>
-              <a:alphaOff val="0"/>
-            </a:schemeClr>
-          </a:solidFill>
-          <a:prstDash val="solid"/>
-        </a:ln>
-        <a:effectLst/>
-      </dsp:spPr>
-      <dsp:style>
-        <a:lnRef idx="2">
-          <a:scrgbClr r="0" g="0" b="0"/>
-        </a:lnRef>
-        <a:fillRef idx="1">
-          <a:scrgbClr r="0" g="0" b="0"/>
-        </a:fillRef>
-        <a:effectRef idx="0">
-          <a:scrgbClr r="0" g="0" b="0"/>
-        </a:effectRef>
-        <a:fontRef idx="minor">
-          <a:schemeClr val="lt1"/>
-        </a:fontRef>
-      </dsp:style>
-    </dsp:sp>
-    <dsp:sp modelId="{FE922328-F30F-4701-9834-2311E6031A91}">
-      <dsp:nvSpPr>
-        <dsp:cNvPr id="0" name=""/>
-        <dsp:cNvSpPr/>
-      </dsp:nvSpPr>
-      <dsp:spPr>
-        <a:xfrm>
-          <a:off x="8180316" y="2031372"/>
-          <a:ext cx="1969337" cy="1250529"/>
-        </a:xfrm>
-        <a:prstGeom prst="roundRect">
-          <a:avLst>
-            <a:gd name="adj" fmla="val 10000"/>
-          </a:avLst>
-        </a:prstGeom>
-        <a:solidFill>
-          <a:schemeClr val="lt1">
-            <a:alpha val="90000"/>
-            <a:hueOff val="0"/>
-            <a:satOff val="0"/>
-            <a:lumOff val="0"/>
-            <a:alphaOff val="0"/>
-          </a:schemeClr>
-        </a:solidFill>
-        <a:ln w="22225" cap="rnd" cmpd="sng" algn="ctr">
-          <a:solidFill>
-            <a:schemeClr val="accent1">
-              <a:hueOff val="0"/>
-              <a:satOff val="0"/>
-              <a:lumOff val="0"/>
-              <a:alphaOff val="0"/>
-            </a:schemeClr>
-          </a:solidFill>
-          <a:prstDash val="solid"/>
-        </a:ln>
-        <a:effectLst/>
-      </dsp:spPr>
-      <dsp:style>
-        <a:lnRef idx="2">
-          <a:scrgbClr r="0" g="0" b="0"/>
-        </a:lnRef>
-        <a:fillRef idx="1">
-          <a:scrgbClr r="0" g="0" b="0"/>
-        </a:fillRef>
-        <a:effectRef idx="0">
-          <a:scrgbClr r="0" g="0" b="0"/>
-        </a:effectRef>
-        <a:fontRef idx="minor"/>
-      </dsp:style>
-      <dsp:txBody>
-        <a:bodyPr spcFirstLastPara="0" vert="horz" wrap="square" lIns="53340" tIns="53340" rIns="53340" bIns="53340" numCol="1" spcCol="1270" anchor="ctr" anchorCtr="0">
-          <a:noAutofit/>
-        </a:bodyPr>
-        <a:lstStyle/>
-        <a:p>
-          <a:pPr marL="0" lvl="0" indent="0" algn="ctr" defTabSz="622300">
-            <a:lnSpc>
-              <a:spcPct val="90000"/>
-            </a:lnSpc>
-            <a:spcBef>
-              <a:spcPct val="0"/>
-            </a:spcBef>
-            <a:spcAft>
-              <a:spcPct val="35000"/>
-            </a:spcAft>
-            <a:buNone/>
-          </a:pPr>
-          <a:r>
-            <a:rPr lang="en-GB" sz="1400" kern="1200"/>
-            <a:t>Results visualization</a:t>
-          </a:r>
-          <a:endParaRPr lang="en-US" sz="1400" kern="1200"/>
-        </a:p>
-      </dsp:txBody>
-      <dsp:txXfrm>
-        <a:off x="8216943" y="2067999"/>
-        <a:ext cx="1896083" cy="1177275"/>
-      </dsp:txXfrm>
-    </dsp:sp>
-    <dsp:sp modelId="{1E3E74DC-9E67-4EE6-AA8A-B5E223E68284}">
-      <dsp:nvSpPr>
-        <dsp:cNvPr id="0" name=""/>
-        <dsp:cNvSpPr/>
-      </dsp:nvSpPr>
-      <dsp:spPr>
-        <a:xfrm>
-          <a:off x="7961501" y="3646776"/>
-          <a:ext cx="1969337" cy="1250529"/>
-        </a:xfrm>
-        <a:prstGeom prst="roundRect">
-          <a:avLst>
-            <a:gd name="adj" fmla="val 10000"/>
-          </a:avLst>
-        </a:prstGeom>
-        <a:solidFill>
-          <a:schemeClr val="accent1">
-            <a:hueOff val="0"/>
-            <a:satOff val="0"/>
-            <a:lumOff val="0"/>
-            <a:alphaOff val="0"/>
-          </a:schemeClr>
-        </a:solidFill>
-        <a:ln w="22225" cap="rnd" cmpd="sng" algn="ctr">
-          <a:solidFill>
-            <a:schemeClr val="lt1">
-              <a:hueOff val="0"/>
-              <a:satOff val="0"/>
-              <a:lumOff val="0"/>
-              <a:alphaOff val="0"/>
-            </a:schemeClr>
-          </a:solidFill>
-          <a:prstDash val="solid"/>
-        </a:ln>
-        <a:effectLst/>
-      </dsp:spPr>
-      <dsp:style>
-        <a:lnRef idx="2">
-          <a:scrgbClr r="0" g="0" b="0"/>
-        </a:lnRef>
-        <a:fillRef idx="1">
-          <a:scrgbClr r="0" g="0" b="0"/>
-        </a:fillRef>
-        <a:effectRef idx="0">
-          <a:scrgbClr r="0" g="0" b="0"/>
-        </a:effectRef>
-        <a:fontRef idx="minor">
-          <a:schemeClr val="lt1"/>
-        </a:fontRef>
-      </dsp:style>
-    </dsp:sp>
-    <dsp:sp modelId="{28979DD1-78FD-4577-A98B-632106F90AE7}">
-      <dsp:nvSpPr>
-        <dsp:cNvPr id="0" name=""/>
-        <dsp:cNvSpPr/>
-      </dsp:nvSpPr>
-      <dsp:spPr>
-        <a:xfrm>
-          <a:off x="8180316" y="3854651"/>
-          <a:ext cx="1969337" cy="1250529"/>
-        </a:xfrm>
-        <a:prstGeom prst="roundRect">
-          <a:avLst>
-            <a:gd name="adj" fmla="val 10000"/>
-          </a:avLst>
-        </a:prstGeom>
-        <a:solidFill>
-          <a:schemeClr val="lt1">
-            <a:alpha val="90000"/>
-            <a:hueOff val="0"/>
-            <a:satOff val="0"/>
-            <a:lumOff val="0"/>
-            <a:alphaOff val="0"/>
-          </a:schemeClr>
-        </a:solidFill>
-        <a:ln w="22225" cap="rnd" cmpd="sng" algn="ctr">
-          <a:solidFill>
-            <a:schemeClr val="accent1">
-              <a:hueOff val="0"/>
-              <a:satOff val="0"/>
-              <a:lumOff val="0"/>
-              <a:alphaOff val="0"/>
-            </a:schemeClr>
-          </a:solidFill>
-          <a:prstDash val="solid"/>
-        </a:ln>
-        <a:effectLst/>
-      </dsp:spPr>
-      <dsp:style>
-        <a:lnRef idx="2">
-          <a:scrgbClr r="0" g="0" b="0"/>
-        </a:lnRef>
-        <a:fillRef idx="1">
-          <a:scrgbClr r="0" g="0" b="0"/>
-        </a:fillRef>
-        <a:effectRef idx="0">
-          <a:scrgbClr r="0" g="0" b="0"/>
-        </a:effectRef>
-        <a:fontRef idx="minor"/>
-      </dsp:style>
-      <dsp:txBody>
-        <a:bodyPr spcFirstLastPara="0" vert="horz" wrap="square" lIns="53340" tIns="53340" rIns="53340" bIns="53340" numCol="1" spcCol="1270" anchor="ctr" anchorCtr="0">
-          <a:noAutofit/>
-        </a:bodyPr>
-        <a:lstStyle/>
-        <a:p>
-          <a:pPr marL="0" lvl="0" indent="0" algn="ctr" defTabSz="622300">
-            <a:lnSpc>
-              <a:spcPct val="90000"/>
-            </a:lnSpc>
-            <a:spcBef>
-              <a:spcPct val="0"/>
-            </a:spcBef>
-            <a:spcAft>
-              <a:spcPct val="35000"/>
-            </a:spcAft>
-            <a:buNone/>
-          </a:pPr>
-          <a:r>
-            <a:rPr lang="en-GB" sz="1400" kern="1200"/>
-            <a:t>Results of the TSCV visualized in an interactive manner</a:t>
-          </a:r>
-          <a:endParaRPr lang="en-US" sz="1400" kern="1200"/>
-        </a:p>
-      </dsp:txBody>
-      <dsp:txXfrm>
-        <a:off x="8216943" y="3891278"/>
-        <a:ext cx="1896083" cy="1177275"/>
+        <a:off x="8705929" y="1320988"/>
+        <a:ext cx="2221419" cy="1379276"/>
       </dsp:txXfrm>
     </dsp:sp>
   </dsp:spTree>
@@ -15294,300 +13994,6 @@
 </file>
 
 <file path=ppt/diagrams/layout3.xml><?xml version="1.0" encoding="utf-8"?>
-<dgm:layoutDef xmlns:dgm="http://schemas.openxmlformats.org/drawingml/2006/diagram" xmlns:a="http://schemas.openxmlformats.org/drawingml/2006/main" uniqueId="urn:microsoft.com/office/officeart/2018/2/layout/IconVerticalSolidList">
-  <dgm:title val="Icon Vertical Solid List"/>
-  <dgm:desc val="Use to show a series of visuals from top to bottom with Level 1 or Level 1 and Level 2 text grouped in a shape. Works best with icons or small pictures with lengthier descriptions."/>
-  <dgm:catLst>
-    <dgm:cat type="icon" pri="500"/>
-  </dgm:catLst>
-  <dgm:sampData useDef="1">
-    <dgm:dataModel>
-      <dgm:ptLst/>
-      <dgm:bg/>
-      <dgm:whole/>
-    </dgm:dataModel>
-  </dgm:sampData>
-  <dgm:styleData useDef="1">
-    <dgm:dataModel>
-      <dgm:ptLst/>
-      <dgm:bg/>
-      <dgm:whole/>
-    </dgm:dataModel>
-  </dgm:styleData>
-  <dgm:clrData useDef="1">
-    <dgm:dataModel>
-      <dgm:ptLst/>
-      <dgm:bg/>
-      <dgm:whole/>
-    </dgm:dataModel>
-  </dgm:clrData>
-  <dgm:layoutNode name="root">
-    <dgm:varLst>
-      <dgm:dir/>
-      <dgm:resizeHandles val="exact"/>
-    </dgm:varLst>
-    <dgm:choose name="Name0">
-      <dgm:if name="Name1" axis="self" func="var" arg="dir" op="equ" val="norm">
-        <dgm:alg type="lin">
-          <dgm:param type="linDir" val="fromT"/>
-          <dgm:param type="nodeHorzAlign" val="l"/>
-        </dgm:alg>
-      </dgm:if>
-      <dgm:else name="Name2">
-        <dgm:alg type="lin">
-          <dgm:param type="linDir" val="fromT"/>
-          <dgm:param type="nodeHorzAlign" val="r"/>
-        </dgm:alg>
-      </dgm:else>
-    </dgm:choose>
-    <dgm:shape xmlns:r="http://schemas.openxmlformats.org/officeDocument/2006/relationships" r:blip="">
-      <dgm:adjLst/>
-    </dgm:shape>
-    <dgm:presOf/>
-    <dgm:choose name="Name3">
-      <dgm:if name="Name4" axis="ch" ptType="node" func="cnt" op="lte" val="3">
-        <dgm:constrLst>
-          <dgm:constr type="h" for="ch" forName="compNode" refType="h" fact="0.3"/>
-          <dgm:constr type="w" for="ch" forName="compNode" refType="w"/>
-          <dgm:constr type="h" for="ch" forName="sibTrans" refType="h" refFor="ch" refForName="compNode" fact="0.25"/>
-          <dgm:constr type="primFontSz" for="des" forName="parTx" val="25"/>
-          <dgm:constr type="primFontSz" for="des" forName="desTx" refType="primFontSz" refFor="des" refForName="parTx" op="lte" fact="0.75"/>
-          <dgm:constr type="h" for="des" forName="compNode" op="equ"/>
-          <dgm:constr type="h" for="des" forName="bgRect" op="equ"/>
-          <dgm:constr type="h" for="des" forName="iconRect" op="equ"/>
-          <dgm:constr type="w" for="des" forName="iconRect" op="equ"/>
-          <dgm:constr type="h" for="des" forName="spaceRect" op="equ"/>
-          <dgm:constr type="h" for="des" forName="parTx" op="equ"/>
-          <dgm:constr type="h" for="des" forName="desTx" op="equ"/>
-        </dgm:constrLst>
-      </dgm:if>
-      <dgm:if name="Name5" axis="ch" ptType="node" func="cnt" op="lte" val="4">
-        <dgm:constrLst>
-          <dgm:constr type="h" for="ch" forName="compNode" refType="h" fact="0.3"/>
-          <dgm:constr type="w" for="ch" forName="compNode" refType="w"/>
-          <dgm:constr type="h" for="ch" forName="sibTrans" refType="h" refFor="ch" refForName="compNode" fact="0.25"/>
-          <dgm:constr type="primFontSz" for="des" forName="parTx" val="22"/>
-          <dgm:constr type="primFontSz" for="des" forName="desTx" refType="primFontSz" refFor="des" refForName="parTx" op="lte" fact="0.75"/>
-          <dgm:constr type="h" for="des" forName="compNode" op="equ"/>
-          <dgm:constr type="h" for="des" forName="bgRect" op="equ"/>
-          <dgm:constr type="h" for="des" forName="iconRect" op="equ"/>
-          <dgm:constr type="w" for="des" forName="iconRect" op="equ"/>
-          <dgm:constr type="h" for="des" forName="spaceRect" op="equ"/>
-          <dgm:constr type="h" for="des" forName="parTx" op="equ"/>
-          <dgm:constr type="h" for="des" forName="desTx" op="equ"/>
-        </dgm:constrLst>
-      </dgm:if>
-      <dgm:if name="Name6" axis="ch" ptType="node" func="cnt" op="lte" val="6">
-        <dgm:constrLst>
-          <dgm:constr type="h" for="ch" forName="compNode" refType="h" fact="0.3"/>
-          <dgm:constr type="w" for="ch" forName="compNode" refType="w"/>
-          <dgm:constr type="h" for="ch" forName="sibTrans" refType="h" refFor="ch" refForName="compNode" fact="0.25"/>
-          <dgm:constr type="primFontSz" for="des" forName="parTx" val="19"/>
-          <dgm:constr type="primFontSz" for="des" forName="desTx" refType="primFontSz" refFor="des" refForName="parTx" op="lte" fact="0.75"/>
-          <dgm:constr type="h" for="des" forName="compNode" op="equ"/>
-          <dgm:constr type="h" for="des" forName="bgRect" op="equ"/>
-          <dgm:constr type="h" for="des" forName="iconRect" op="equ"/>
-          <dgm:constr type="w" for="des" forName="iconRect" op="equ"/>
-          <dgm:constr type="h" for="des" forName="spaceRect" op="equ"/>
-          <dgm:constr type="h" for="des" forName="parTx" op="equ"/>
-          <dgm:constr type="h" for="des" forName="desTx" op="equ"/>
-        </dgm:constrLst>
-      </dgm:if>
-      <dgm:else name="Name7">
-        <dgm:constrLst>
-          <dgm:constr type="h" for="ch" forName="compNode" refType="h" fact="0.3"/>
-          <dgm:constr type="w" for="ch" forName="compNode" refType="w"/>
-          <dgm:constr type="h" for="ch" forName="sibTrans" refType="h" refFor="ch" refForName="compNode" fact="0.25"/>
-          <dgm:constr type="primFontSz" for="des" forName="parTx" val="16"/>
-          <dgm:constr type="primFontSz" for="des" forName="desTx" refType="primFontSz" refFor="des" refForName="parTx" op="lte" fact="0.75"/>
-          <dgm:constr type="h" for="des" forName="compNode" op="equ"/>
-          <dgm:constr type="h" for="des" forName="bgRect" op="equ"/>
-          <dgm:constr type="h" for="des" forName="iconRect" op="equ"/>
-          <dgm:constr type="w" for="des" forName="iconRect" op="equ"/>
-          <dgm:constr type="h" for="des" forName="spaceRect" op="equ"/>
-          <dgm:constr type="h" for="des" forName="parTx" op="equ"/>
-          <dgm:constr type="h" for="des" forName="desTx" op="equ"/>
-        </dgm:constrLst>
-      </dgm:else>
-    </dgm:choose>
-    <dgm:ruleLst>
-      <dgm:rule type="h" for="ch" forName="compNode" val="0" fact="NaN" max="NaN"/>
-    </dgm:ruleLst>
-    <dgm:forEach name="Name8" axis="ch" ptType="node">
-      <dgm:layoutNode name="compNode">
-        <dgm:alg type="composite"/>
-        <dgm:shape xmlns:r="http://schemas.openxmlformats.org/officeDocument/2006/relationships" r:blip="">
-          <dgm:adjLst/>
-        </dgm:shape>
-        <dgm:presOf axis="self"/>
-        <dgm:choose name="Name9">
-          <dgm:if name="Name10" axis="ch" ptType="node" func="cnt" op="gte" val="1">
-            <dgm:constrLst>
-              <dgm:constr type="w" for="ch" forName="bgRect" refType="w"/>
-              <dgm:constr type="h" for="ch" forName="bgRect" refType="h"/>
-              <dgm:constr type="l" for="ch" forName="bgRect"/>
-              <dgm:constr type="t" for="ch" forName="bgRect"/>
-              <dgm:constr type="h" for="ch" forName="iconRect" refType="h" fact="0.55"/>
-              <dgm:constr type="w" for="ch" forName="iconRect" refType="h" refFor="ch" refForName="iconRect"/>
-              <dgm:constr type="l" for="ch" forName="iconRect" refType="h" refFor="ch" refForName="iconRect" fact="0.55"/>
-              <dgm:constr type="ctrY" for="ch" forName="iconRect" refType="ctrY" refFor="ch" refForName="bgRect"/>
-              <dgm:constr type="w" for="ch" forName="spaceRect" refType="l" refFor="ch" refForName="iconRect"/>
-              <dgm:constr type="h" for="ch" forName="spaceRect" refType="h"/>
-              <dgm:constr type="l" for="ch" forName="spaceRect" refType="r" refFor="ch" refForName="iconRect"/>
-              <dgm:constr type="t" for="ch" forName="spaceRect"/>
-              <dgm:constr type="w" for="ch" forName="parTx" refType="w" fact="0.45"/>
-              <dgm:constr type="h" for="ch" forName="parTx" refType="h"/>
-              <dgm:constr type="l" for="ch" forName="parTx" refType="r" refFor="ch" refForName="spaceRect"/>
-              <dgm:constr type="t" for="ch" forName="parTx"/>
-              <dgm:constr type="h" for="ch" forName="desTx" refType="h"/>
-              <dgm:constr type="l" for="ch" forName="desTx" refType="r" refFor="ch" refForName="parTx"/>
-              <dgm:constr type="t" for="ch" forName="desTx"/>
-            </dgm:constrLst>
-          </dgm:if>
-          <dgm:else name="Name11">
-            <dgm:constrLst>
-              <dgm:constr type="w" for="ch" forName="bgRect" refType="w"/>
-              <dgm:constr type="h" for="ch" forName="bgRect" refType="h"/>
-              <dgm:constr type="l" for="ch" forName="bgRect"/>
-              <dgm:constr type="t" for="ch" forName="bgRect"/>
-              <dgm:constr type="h" for="ch" forName="iconRect" refType="h" fact="0.55"/>
-              <dgm:constr type="w" for="ch" forName="iconRect" refType="h" refFor="ch" refForName="iconRect"/>
-              <dgm:constr type="l" for="ch" forName="iconRect" refType="h" refFor="ch" refForName="iconRect" fact="0.55"/>
-              <dgm:constr type="ctrY" for="ch" forName="iconRect" refType="ctrY" refFor="ch" refForName="bgRect"/>
-              <dgm:constr type="w" for="ch" forName="spaceRect" refType="l" refFor="ch" refForName="iconRect"/>
-              <dgm:constr type="h" for="ch" forName="spaceRect" refType="h"/>
-              <dgm:constr type="l" for="ch" forName="spaceRect" refType="r" refFor="ch" refForName="iconRect"/>
-              <dgm:constr type="t" for="ch" forName="spaceRect"/>
-              <dgm:constr type="h" for="ch" forName="parTx" refType="h"/>
-              <dgm:constr type="l" for="ch" forName="parTx" refType="r" refFor="ch" refForName="spaceRect"/>
-              <dgm:constr type="t" for="ch" forName="parTx"/>
-            </dgm:constrLst>
-          </dgm:else>
-        </dgm:choose>
-        <dgm:ruleLst>
-          <dgm:rule type="h" val="INF" fact="NaN" max="NaN"/>
-        </dgm:ruleLst>
-        <dgm:layoutNode name="bgRect" styleLbl="bgShp">
-          <dgm:alg type="sp"/>
-          <dgm:shape xmlns:r="http://schemas.openxmlformats.org/officeDocument/2006/relationships" type="roundRect" r:blip="">
-            <dgm:adjLst>
-              <dgm:adj idx="1" val="0.1"/>
-            </dgm:adjLst>
-          </dgm:shape>
-          <dgm:presOf/>
-          <dgm:constrLst/>
-          <dgm:ruleLst/>
-        </dgm:layoutNode>
-        <dgm:layoutNode name="iconRect" styleLbl="node1">
-          <dgm:alg type="sp"/>
-          <dgm:shape xmlns:r="http://schemas.openxmlformats.org/officeDocument/2006/relationships" type="rect" r:blip="" blipPhldr="1">
-            <dgm:adjLst/>
-          </dgm:shape>
-          <dgm:presOf/>
-          <dgm:constrLst/>
-          <dgm:ruleLst/>
-        </dgm:layoutNode>
-        <dgm:layoutNode name="spaceRect">
-          <dgm:alg type="sp"/>
-          <dgm:shape xmlns:r="http://schemas.openxmlformats.org/officeDocument/2006/relationships" r:blip="">
-            <dgm:adjLst/>
-          </dgm:shape>
-          <dgm:presOf/>
-          <dgm:constrLst/>
-          <dgm:ruleLst/>
-        </dgm:layoutNode>
-        <dgm:layoutNode name="parTx" styleLbl="revTx">
-          <dgm:varLst>
-            <dgm:chMax val="0"/>
-            <dgm:chPref val="0"/>
-          </dgm:varLst>
-          <dgm:alg type="tx">
-            <dgm:param type="txAnchorVert" val="mid"/>
-            <dgm:param type="parTxLTRAlign" val="l"/>
-            <dgm:param type="shpTxLTRAlignCh" val="l"/>
-            <dgm:param type="parTxRTLAlign" val="r"/>
-            <dgm:param type="shpTxRTLAlignCh" val="r"/>
-          </dgm:alg>
-          <dgm:shape xmlns:r="http://schemas.openxmlformats.org/officeDocument/2006/relationships" type="rect" r:blip="">
-            <dgm:adjLst/>
-          </dgm:shape>
-          <dgm:presOf axis="self" ptType="node"/>
-          <dgm:constrLst>
-            <dgm:constr type="lMarg" refType="h" fact="0.3"/>
-            <dgm:constr type="rMarg" refType="h" fact="0.3"/>
-            <dgm:constr type="tMarg" refType="h" fact="0.3"/>
-            <dgm:constr type="bMarg" refType="h" fact="0.3"/>
-          </dgm:constrLst>
-          <dgm:ruleLst>
-            <dgm:rule type="primFontSz" val="14" fact="NaN" max="NaN"/>
-            <dgm:rule type="h" val="INF" fact="NaN" max="NaN"/>
-          </dgm:ruleLst>
-        </dgm:layoutNode>
-        <dgm:choose name="Name12">
-          <dgm:if name="Name13" axis="ch" ptType="node" func="cnt" op="gte" val="1">
-            <dgm:layoutNode name="desTx" styleLbl="revTx">
-              <dgm:varLst/>
-              <dgm:alg type="tx">
-                <dgm:param type="txAnchorVertCh" val="mid"/>
-                <dgm:param type="parTxLTRAlign" val="l"/>
-                <dgm:param type="shpTxLTRAlignCh" val="l"/>
-                <dgm:param type="parTxRTLAlign" val="r"/>
-                <dgm:param type="shpTxRTLAlignCh" val="r"/>
-                <dgm:param type="stBulletLvl" val="0"/>
-              </dgm:alg>
-              <dgm:shape xmlns:r="http://schemas.openxmlformats.org/officeDocument/2006/relationships" type="rect" r:blip="">
-                <dgm:adjLst/>
-              </dgm:shape>
-              <dgm:presOf axis="des" ptType="node"/>
-              <dgm:constrLst>
-                <dgm:constr type="primFontSz" val="18"/>
-                <dgm:constr type="secFontSz" refType="primFontSz"/>
-                <dgm:constr type="lMarg" refType="h" fact="0.3"/>
-                <dgm:constr type="rMarg" refType="h" fact="0.3"/>
-                <dgm:constr type="tMarg" refType="h" fact="0.3"/>
-                <dgm:constr type="bMarg" refType="h" fact="0.3"/>
-              </dgm:constrLst>
-              <dgm:ruleLst>
-                <dgm:rule type="primFontSz" val="11" fact="NaN" max="NaN"/>
-              </dgm:ruleLst>
-            </dgm:layoutNode>
-          </dgm:if>
-          <dgm:else name="Name14"/>
-        </dgm:choose>
-      </dgm:layoutNode>
-      <dgm:forEach name="Name15" axis="followSib" ptType="sibTrans" cnt="1">
-        <dgm:layoutNode name="sibTrans">
-          <dgm:alg type="sp"/>
-          <dgm:shape xmlns:r="http://schemas.openxmlformats.org/officeDocument/2006/relationships" r:blip="">
-            <dgm:adjLst/>
-          </dgm:shape>
-          <dgm:presOf axis="self"/>
-          <dgm:constrLst/>
-          <dgm:ruleLst/>
-        </dgm:layoutNode>
-      </dgm:forEach>
-    </dgm:forEach>
-  </dgm:layoutNode>
-  <dgm:extLst>
-    <a:ext uri="{68A01E43-0DF5-4B5B-8FA6-DAF915123BFB}">
-      <dgm1612:lstStyle xmlns:dgm1612="http://schemas.microsoft.com/office/drawing/2016/12/diagram">
-        <a:lvl1pPr>
-          <a:lnSpc>
-            <a:spcPct val="100000"/>
-          </a:lnSpc>
-        </a:lvl1pPr>
-        <a:lvl2pPr>
-          <a:lnSpc>
-            <a:spcPct val="100000"/>
-          </a:lnSpc>
-        </a:lvl2pPr>
-      </dgm1612:lstStyle>
-    </a:ext>
-  </dgm:extLst>
-</dgm:layoutDef>
-</file>
-
-<file path=ppt/diagrams/layout4.xml><?xml version="1.0" encoding="utf-8"?>
 <dgm:layoutDef xmlns:dgm="http://schemas.openxmlformats.org/drawingml/2006/diagram" xmlns:a="http://schemas.openxmlformats.org/drawingml/2006/main" uniqueId="urn:microsoft.com/office/officeart/2005/8/layout/hierarchy1">
   <dgm:title val=""/>
   <dgm:desc val=""/>
@@ -16150,7 +14556,7 @@
 </dgm:layoutDef>
 </file>
 
-<file path=ppt/diagrams/layout5.xml><?xml version="1.0" encoding="utf-8"?>
+<file path=ppt/diagrams/layout4.xml><?xml version="1.0" encoding="utf-8"?>
 <dgm:layoutDef xmlns:dgm="http://schemas.openxmlformats.org/drawingml/2006/diagram" xmlns:a="http://schemas.openxmlformats.org/drawingml/2006/main" uniqueId="urn:microsoft.com/office/officeart/2018/2/layout/IconVerticalSolidList">
   <dgm:title val="Icon Vertical Solid List"/>
   <dgm:desc val="Use to show a series of visuals from top to bottom with Level 1 or Level 1 and Level 2 text grouped in a shape. Works best with icons or small pictures with lengthier descriptions."/>
@@ -16439,6 +14845,272 @@
           </a:lnSpc>
         </a:lvl2pPr>
       </dgm1612:lstStyle>
+    </a:ext>
+  </dgm:extLst>
+</dgm:layoutDef>
+</file>
+
+<file path=ppt/diagrams/layout5.xml><?xml version="1.0" encoding="utf-8"?>
+<dgm:layoutDef xmlns:dgm="http://schemas.openxmlformats.org/drawingml/2006/diagram" xmlns:a="http://schemas.openxmlformats.org/drawingml/2006/main" uniqueId="urn:microsoft.com/office/officeart/2016/7/layout/LinearBlockProcessNumbered">
+  <dgm:title val="Linear Block Process Numbered"/>
+  <dgm:desc val="Used to show a progression; a timeline; sequential steps in a task, process, or workflow; or to emphasize movement or direction. Automatic numbers have been introduced to show the steps of the process. Level 1 text and Level 2 text both appears in a rectangle."/>
+  <dgm:catLst>
+    <dgm:cat type="process" pri="500"/>
+  </dgm:catLst>
+  <dgm:sampData>
+    <dgm:dataModel>
+      <dgm:ptLst>
+        <dgm:pt modelId="0" type="doc"/>
+        <dgm:pt modelId="1">
+          <dgm:prSet phldr="1"/>
+        </dgm:pt>
+        <dgm:pt modelId="11">
+          <dgm:prSet phldr="1"/>
+        </dgm:pt>
+        <dgm:pt modelId="2">
+          <dgm:prSet phldr="1"/>
+        </dgm:pt>
+        <dgm:pt modelId="21">
+          <dgm:prSet phldr="1"/>
+        </dgm:pt>
+        <dgm:pt modelId="3">
+          <dgm:prSet phldr="1"/>
+        </dgm:pt>
+        <dgm:pt modelId="31">
+          <dgm:prSet phldr="1"/>
+        </dgm:pt>
+        <dgm:pt modelId="101" type="sibTrans" cxnId="4">
+          <dgm:prSet phldrT="1"/>
+          <dgm:t>
+            <a:bodyPr/>
+            <a:lstStyle/>
+            <a:p>
+              <a:r>
+                <a:t>01</a:t>
+              </a:r>
+            </a:p>
+          </dgm:t>
+        </dgm:pt>
+        <dgm:pt modelId="201" type="sibTrans" cxnId="5">
+          <dgm:prSet phldrT="2"/>
+          <dgm:t>
+            <a:bodyPr/>
+            <a:lstStyle/>
+            <a:p>
+              <a:r>
+                <a:t>02</a:t>
+              </a:r>
+            </a:p>
+          </dgm:t>
+        </dgm:pt>
+        <dgm:pt modelId="301" type="sibTrans" cxnId="6">
+          <dgm:prSet phldrT="3"/>
+          <dgm:t>
+            <a:bodyPr/>
+            <a:lstStyle/>
+            <a:p>
+              <a:r>
+                <a:t>03</a:t>
+              </a:r>
+            </a:p>
+          </dgm:t>
+        </dgm:pt>
+      </dgm:ptLst>
+      <dgm:cxnLst>
+        <dgm:cxn modelId="4" srcId="0" destId="1" srcOrd="0" destOrd="0" sibTransId="101"/>
+        <dgm:cxn modelId="5" srcId="0" destId="2" srcOrd="1" destOrd="0" sibTransId="201"/>
+        <dgm:cxn modelId="6" srcId="0" destId="3" srcOrd="2" destOrd="0" sibTransId="301"/>
+        <dgm:cxn modelId="13" srcId="1" destId="11" srcOrd="0" destOrd="0"/>
+        <dgm:cxn modelId="23" srcId="2" destId="21" srcOrd="0" destOrd="0"/>
+        <dgm:cxn modelId="33" srcId="3" destId="31" srcOrd="0" destOrd="0"/>
+      </dgm:cxnLst>
+      <dgm:bg/>
+      <dgm:whole/>
+    </dgm:dataModel>
+  </dgm:sampData>
+  <dgm:styleData>
+    <dgm:dataModel>
+      <dgm:ptLst>
+        <dgm:pt modelId="0" type="doc"/>
+        <dgm:pt modelId="1"/>
+        <dgm:pt modelId="11"/>
+        <dgm:pt modelId="2"/>
+        <dgm:pt modelId="21"/>
+      </dgm:ptLst>
+      <dgm:cxnLst>
+        <dgm:cxn modelId="4" srcId="0" destId="1" srcOrd="0" destOrd="0"/>
+        <dgm:cxn modelId="5" srcId="0" destId="2" srcOrd="1" destOrd="0"/>
+        <dgm:cxn modelId="13" srcId="1" destId="11" srcOrd="0" destOrd="0"/>
+        <dgm:cxn modelId="23" srcId="2" destId="21" srcOrd="0" destOrd="0"/>
+      </dgm:cxnLst>
+      <dgm:bg/>
+      <dgm:whole/>
+    </dgm:dataModel>
+  </dgm:styleData>
+  <dgm:clrData>
+    <dgm:dataModel>
+      <dgm:ptLst>
+        <dgm:pt modelId="0" type="doc"/>
+        <dgm:pt modelId="1"/>
+        <dgm:pt modelId="11"/>
+        <dgm:pt modelId="2"/>
+        <dgm:pt modelId="21"/>
+        <dgm:pt modelId="3"/>
+        <dgm:pt modelId="31"/>
+        <dgm:pt modelId="4"/>
+        <dgm:pt modelId="41"/>
+      </dgm:ptLst>
+      <dgm:cxnLst>
+        <dgm:cxn modelId="5" srcId="0" destId="1" srcOrd="0" destOrd="0"/>
+        <dgm:cxn modelId="6" srcId="0" destId="2" srcOrd="1" destOrd="0"/>
+        <dgm:cxn modelId="7" srcId="0" destId="3" srcOrd="2" destOrd="0"/>
+        <dgm:cxn modelId="8" srcId="0" destId="4" srcOrd="3" destOrd="0"/>
+        <dgm:cxn modelId="13" srcId="1" destId="11" srcOrd="0" destOrd="0"/>
+        <dgm:cxn modelId="23" srcId="2" destId="21" srcOrd="0" destOrd="0"/>
+        <dgm:cxn modelId="33" srcId="3" destId="31" srcOrd="0" destOrd="0"/>
+        <dgm:cxn modelId="43" srcId="4" destId="41" srcOrd="0" destOrd="0"/>
+      </dgm:cxnLst>
+      <dgm:bg/>
+      <dgm:whole/>
+    </dgm:dataModel>
+  </dgm:clrData>
+  <dgm:layoutNode name="Name0">
+    <dgm:varLst>
+      <dgm:animLvl val="lvl"/>
+      <dgm:resizeHandles val="exact"/>
+    </dgm:varLst>
+    <dgm:alg type="lin">
+      <dgm:param type="linDir" val="fromL"/>
+      <dgm:param type="nodeVertAlign" val="t"/>
+    </dgm:alg>
+    <dgm:shape xmlns:r="http://schemas.openxmlformats.org/officeDocument/2006/relationships" r:blip="">
+      <dgm:adjLst/>
+    </dgm:shape>
+    <dgm:presOf/>
+    <dgm:constrLst>
+      <dgm:constr type="h" for="ch" forName="compositeNode" refType="h"/>
+      <dgm:constr type="w" for="ch" forName="compositeNode" refType="w"/>
+      <dgm:constr type="w" for="des" forName="simulatedConn" refType="w" refFor="ch" refForName="compositeNode" fact="0.15"/>
+      <dgm:constr type="h" for="des" forName="simulatedConn" refType="w" refFor="des" refForName="simulatedConn"/>
+      <dgm:constr type="h" for="des" forName="vSp1" refType="w" refFor="ch" refForName="compositeNode" fact="0.8"/>
+      <dgm:constr type="h" for="des" forName="vSp2" refType="w" refFor="ch" refForName="compositeNode" fact="0.07"/>
+      <dgm:constr type="w" for="ch" forName="vProcSp" refType="w" refFor="des" refForName="simulatedConn" op="equ"/>
+      <dgm:constr type="h" for="ch" forName="vProcSp" refType="h" refFor="ch" refForName="compositeNode" op="equ"/>
+      <dgm:constr type="w" for="ch" forName="sibTrans" refType="w" refFor="ch" refForName="compositeNode" fact="0.08"/>
+      <dgm:constr type="primFontSz" for="des" forName="sibTransNodeRect" op="equ"/>
+      <dgm:constr type="primFontSz" for="des" forName="nodeRect" op="equ"/>
+    </dgm:constrLst>
+    <dgm:ruleLst/>
+    <dgm:forEach name="Name4" axis="ch" ptType="node">
+      <dgm:layoutNode name="compositeNode">
+        <dgm:varLst>
+          <dgm:bulletEnabled val="1"/>
+        </dgm:varLst>
+        <dgm:alg type="composite"/>
+        <dgm:constrLst>
+          <dgm:constr type="h" refType="w" op="lte" fact="1.2"/>
+          <dgm:constr type="w" for="ch" forName="bgRect" refType="w"/>
+          <dgm:constr type="h" for="ch" forName="bgRect" refType="h"/>
+          <dgm:constr type="t" for="ch" forName="bgRect"/>
+          <dgm:constr type="l" for="ch" forName="bgRect"/>
+          <dgm:constr type="w" for="ch" forName="sibTransNodeRect" refType="w" refFor="ch" refForName="bgRect"/>
+          <dgm:constr type="h" for="ch" forName="sibTransNodeRect" refType="h" refFor="ch" refForName="bgRect" fact="0.4"/>
+          <dgm:constr type="t" for="ch" forName="sibTransNodeRect"/>
+          <dgm:constr type="l" for="ch" forName="sibTransNodeRect"/>
+          <dgm:constr type="r" for="ch" forName="nodeRect" refType="r" refFor="ch" refForName="bgRect"/>
+          <dgm:constr type="h" for="ch" forName="nodeRect" refType="h" refFor="ch" refForName="bgRect" fact="0.6"/>
+          <dgm:constr type="t" for="ch" forName="nodeRect" refType="b" refFor="ch" refForName="sibTransNodeRect"/>
+          <dgm:constr type="l" for="ch" forName="nodeRect" refType="l" refFor="ch" refForName="bgRect"/>
+        </dgm:constrLst>
+        <dgm:ruleLst>
+          <dgm:rule type="w" for="ch" forName="nodeRect" val="NaN" fact="NaN" max="30"/>
+        </dgm:ruleLst>
+        <dgm:layoutNode name="bgRect" styleLbl="alignNode1">
+          <dgm:alg type="sp"/>
+          <dgm:shape xmlns:r="http://schemas.openxmlformats.org/officeDocument/2006/relationships" type="rect" r:blip="">
+            <dgm:adjLst>
+              <dgm:adj idx="1" val="0.05"/>
+            </dgm:adjLst>
+          </dgm:shape>
+          <dgm:presOf axis="self"/>
+          <dgm:constrLst/>
+          <dgm:ruleLst/>
+        </dgm:layoutNode>
+        <dgm:forEach name="Name19" axis="followSib" ptType="sibTrans" hideLastTrans="0" cnt="1">
+          <dgm:layoutNode name="sibTransNodeRect" styleLbl="alignNode1">
+            <dgm:varLst>
+              <dgm:chMax val="0"/>
+              <dgm:bulletEnabled val="1"/>
+            </dgm:varLst>
+            <dgm:presOf axis="self"/>
+            <dgm:alg type="tx">
+              <dgm:param type="parTxLTRAlign" val="l"/>
+              <dgm:param type="parTxRTLAlign" val="l"/>
+            </dgm:alg>
+            <dgm:shape xmlns:r="http://schemas.openxmlformats.org/officeDocument/2006/relationships" type="rect" r:blip="" hideGeom="1">
+              <dgm:adjLst/>
+            </dgm:shape>
+            <dgm:constrLst>
+              <dgm:constr type="primFontSz" val="66"/>
+              <dgm:constr type="tMarg" val="13"/>
+              <dgm:constr type="lMarg" refType="w" fact="0.28"/>
+              <dgm:constr type="rMarg" refType="w" fact="0.28"/>
+              <dgm:constr type="bMarg" val="13"/>
+            </dgm:constrLst>
+            <dgm:ruleLst>
+              <dgm:rule type="primFontSz" val="14" fact="NaN" max="NaN"/>
+              <dgm:rule type="tMarg" val="13" fact="NaN" max="NaN"/>
+            </dgm:ruleLst>
+          </dgm:layoutNode>
+        </dgm:forEach>
+        <dgm:layoutNode name="nodeRect" styleLbl="alignNode1" moveWith="bgRect">
+          <dgm:varLst>
+            <dgm:bulletEnabled val="1"/>
+          </dgm:varLst>
+          <dgm:alg type="tx">
+            <dgm:param type="parTxLTRAlign" val="l"/>
+            <dgm:param type="parTxRTLAlign" val="r"/>
+            <dgm:param type="txAnchorVert" val="t"/>
+            <dgm:param type="stBulletLvl" val="2"/>
+          </dgm:alg>
+          <dgm:shape xmlns:r="http://schemas.openxmlformats.org/officeDocument/2006/relationships" type="rect" r:blip="" hideGeom="1">
+            <dgm:adjLst/>
+          </dgm:shape>
+          <dgm:presOf axis="desOrSelf" ptType="node"/>
+          <dgm:constrLst>
+            <dgm:constr type="primFontSz" val="26"/>
+            <dgm:constr type="tMarg"/>
+            <dgm:constr type="lMarg" refType="w" fact="0.28"/>
+            <dgm:constr type="rMarg" refType="w" fact="0.28"/>
+            <dgm:constr type="bMarg" val="26"/>
+          </dgm:constrLst>
+          <dgm:ruleLst>
+            <dgm:rule type="primFontSz" val="11" fact="NaN" max="NaN"/>
+          </dgm:ruleLst>
+        </dgm:layoutNode>
+      </dgm:layoutNode>
+      <dgm:forEach name="Name14" axis="followSib" ptType="sibTrans" cnt="1">
+        <dgm:layoutNode name="sibTrans">
+          <dgm:alg type="sp"/>
+          <dgm:shape xmlns:r="http://schemas.openxmlformats.org/officeDocument/2006/relationships" r:blip="">
+            <dgm:adjLst/>
+          </dgm:shape>
+          <dgm:presOf/>
+          <dgm:constrLst/>
+          <dgm:ruleLst/>
+        </dgm:layoutNode>
+      </dgm:forEach>
+    </dgm:forEach>
+  </dgm:layoutNode>
+  <dgm:extLst>
+    <a:ext uri="{4F341089-5ED1-44EC-B178-C955D00A3D55}">
+      <dgm1611:autoBuNodeInfoLst xmlns:dgm1611="http://schemas.microsoft.com/office/drawing/2016/11/diagram">
+        <dgm1611:autoBuNodeInfo lvl="1" ptType="sibTrans">
+          <dgm1611:buPr prefix="" leadZeros="1">
+            <a:buAutoNum type="arabicParenBoth"/>
+          </dgm1611:buPr>
+        </dgm1611:autoBuNodeInfo>
+      </dgm1611:autoBuNodeInfoLst>
     </a:ext>
   </dgm:extLst>
 </dgm:layoutDef>
@@ -24653,6 +23325,118 @@
 </inkml:ink>
 </file>
 
+<file path=ppt/ink/ink5.xml><?xml version="1.0" encoding="utf-8"?>
+<inkml:ink xmlns:inkml="http://www.w3.org/2003/InkML">
+  <inkml:definitions>
+    <inkml:context xml:id="ctx0">
+      <inkml:inkSource xml:id="inkSrc0">
+        <inkml:traceFormat>
+          <inkml:channel name="X" type="integer" min="-2.14748E9" max="2.14748E9" units="cm"/>
+          <inkml:channel name="Y" type="integer" min="-2.14748E9" max="2.14748E9" units="cm"/>
+          <inkml:channel name="F" type="integer" max="32767" units="dev"/>
+        </inkml:traceFormat>
+        <inkml:channelProperties>
+          <inkml:channelProperty channel="X" name="resolution" value="1000" units="1/cm"/>
+          <inkml:channelProperty channel="Y" name="resolution" value="1000" units="1/cm"/>
+          <inkml:channelProperty channel="F" name="resolution" value="0" units="1/dev"/>
+        </inkml:channelProperties>
+      </inkml:inkSource>
+      <inkml:timestamp xml:id="ts0" timeString="2024-07-17T12:41:25.240"/>
+    </inkml:context>
+    <inkml:brush xml:id="br0">
+      <inkml:brushProperty name="width" value="0.35" units="cm"/>
+      <inkml:brushProperty name="height" value="0.35" units="cm"/>
+      <inkml:brushProperty name="color" value="#FFFFFF"/>
+    </inkml:brush>
+  </inkml:definitions>
+  <inkml:trace contextRef="#ctx0" brushRef="#br0">1290 67 24575,'-28'0'0,"0"0"0,1-2 0,-1-2 0,-53-12 0,66 13 0,0 0 0,0 1 0,-19 0 0,17 1 0,1 0 0,-28-7 0,34 6 0,-8-4 0,-1 1 0,0 1 0,0 1 0,-38-1 0,56 4 0,-1 0 0,1 0 0,0 0 0,-1 1 0,1-1 0,0 1 0,0-1 0,0 1 0,-1-1 0,1 1 0,0 0 0,0 0 0,0-1 0,0 1 0,0 0 0,0 0 0,0 0 0,0 0 0,0 0 0,1 0 0,-1 0 0,0 1 0,1-1 0,-1 0 0,1 0 0,-1 0 0,1 1 0,-1 2 0,1-3 0,-1 1 0,1-1 0,0 0 0,-1 1 0,1-1 0,-1 0 0,0 1 0,0-1 0,1 0 0,-1 0 0,0 1 0,0-1 0,0 0 0,0 0 0,0 0 0,0 0 0,-1 0 0,1-1 0,0 1 0,0 0 0,-1 0 0,1-1 0,0 1 0,-1-1 0,1 1 0,0-1 0,-1 0 0,-2 1 0,-25 0 0,0-1 0,-52-8 0,-29 0 0,-381 8-1365</inkml:trace>
+</inkml:ink>
+</file>
+
+<file path=ppt/ink/ink6.xml><?xml version="1.0" encoding="utf-8"?>
+<inkml:ink xmlns:inkml="http://www.w3.org/2003/InkML">
+  <inkml:definitions>
+    <inkml:context xml:id="ctx0">
+      <inkml:inkSource xml:id="inkSrc0">
+        <inkml:traceFormat>
+          <inkml:channel name="X" type="integer" min="-2.14748E9" max="2.14748E9" units="cm"/>
+          <inkml:channel name="Y" type="integer" min="-2.14748E9" max="2.14748E9" units="cm"/>
+          <inkml:channel name="F" type="integer" max="32767" units="dev"/>
+        </inkml:traceFormat>
+        <inkml:channelProperties>
+          <inkml:channelProperty channel="X" name="resolution" value="1000" units="1/cm"/>
+          <inkml:channelProperty channel="Y" name="resolution" value="1000" units="1/cm"/>
+          <inkml:channelProperty channel="F" name="resolution" value="0" units="1/dev"/>
+        </inkml:channelProperties>
+      </inkml:inkSource>
+      <inkml:timestamp xml:id="ts0" timeString="2024-07-17T12:41:40.856"/>
+    </inkml:context>
+    <inkml:brush xml:id="br0">
+      <inkml:brushProperty name="width" value="0.1" units="cm"/>
+      <inkml:brushProperty name="height" value="0.1" units="cm"/>
+      <inkml:brushProperty name="color" value="#FFFFFF"/>
+    </inkml:brush>
+  </inkml:definitions>
+  <inkml:trace contextRef="#ctx0" brushRef="#br0">1300 267 24575,'-520'0'0,"368"-14"0,127 14 0,-23 1 0,1-2 0,-51-8 0,51 4 0,0 2 0,-79 5 0,29 1 0,89-3 0,-52 2 0,39 9 0,20-10 0,1-1 0,-1 1 0,1 0 0,0 0 0,0-1 0,-1 1 0,1 0 0,0 0 0,0-1 0,0 1 0,0 0 0,0 0 0,0-1 0,0 1 0,0 0 0,0 0 0,0 0 0,0-1 0,1 1 0,-1 0 0,0 0 0,0-1 0,1 1 0,-1 0 0,1-1 0,-1 1 0,0 0 0,2 0 0,0 1 0,0 0 0,0 0 0,0 0 0,0-1 0,0 1 0,0-1 0,1 1 0,-1-1 0,0 0 0,1 0 0,0 0 0,-1 0 0,1-1 0,-1 1 0,1-1 0,0 1 0,-1-1 0,4 0 0,58-1 0,-40-1 0,328-12 0,-326 13 0,-1-2 0,32-6 0,-31 4 0,-1 1 0,36-1 0,-28 6 0,-13 0 0,0-1 0,0 0 0,0-2 0,0 0 0,0-1 0,36-11 0,4-2 0,-51 14 0,0 1 0,0-1 0,0-1 0,-1 0 0,1 0 0,-1 0 0,0-1 0,0 0 0,0-1 0,0 0 0,-1 0 0,8-7 0,79-89 0,-89 95 0,0 0 0,0 1 0,0 0 0,0 1 0,1-1 0,0 1 0,0 0 0,0 0 0,1 1 0,-1 0 0,1 0 0,0 0 0,0 1 0,0 0 0,0 0 0,0 1 0,0 0 0,1 0 0,-1 1 0,0 0 0,9 1 0,118 11-1365</inkml:trace>
+</inkml:ink>
+</file>
+
+<file path=ppt/ink/ink7.xml><?xml version="1.0" encoding="utf-8"?>
+<inkml:ink xmlns:inkml="http://www.w3.org/2003/InkML">
+  <inkml:definitions>
+    <inkml:context xml:id="ctx0">
+      <inkml:inkSource xml:id="inkSrc0">
+        <inkml:traceFormat>
+          <inkml:channel name="X" type="integer" min="-2.14748E9" max="2.14748E9" units="cm"/>
+          <inkml:channel name="Y" type="integer" min="-2.14748E9" max="2.14748E9" units="cm"/>
+          <inkml:channel name="F" type="integer" max="32767" units="dev"/>
+        </inkml:traceFormat>
+        <inkml:channelProperties>
+          <inkml:channelProperty channel="X" name="resolution" value="1000" units="1/cm"/>
+          <inkml:channelProperty channel="Y" name="resolution" value="1000" units="1/cm"/>
+          <inkml:channelProperty channel="F" name="resolution" value="0" units="1/dev"/>
+        </inkml:channelProperties>
+      </inkml:inkSource>
+      <inkml:timestamp xml:id="ts0" timeString="2024-07-17T12:41:51.017"/>
+    </inkml:context>
+    <inkml:brush xml:id="br0">
+      <inkml:brushProperty name="width" value="0.1" units="cm"/>
+      <inkml:brushProperty name="height" value="0.1" units="cm"/>
+      <inkml:brushProperty name="color" value="#FFFFFF"/>
+    </inkml:brush>
+  </inkml:definitions>
+  <inkml:trace contextRef="#ctx0" brushRef="#br0">1243 54 24575,'0'-1'0,"-1"0"0,1 1 0,-1-1 0,1 0 0,0 1 0,-1-1 0,1 1 0,-1-1 0,1 1 0,-1-1 0,0 1 0,1-1 0,-1 1 0,0 0 0,1-1 0,-1 1 0,0 0 0,1-1 0,-1 1 0,0 0 0,1 0 0,-1 0 0,0 0 0,0-1 0,0 1 0,-29-3 0,17 1 0,-30-5 0,1 2 0,-1 2 0,0 1 0,-47 6 0,-6-2 0,-577-2 0,651-1-273,-1-1 0,1-1 0,-1 0 0,-40-14 0</inkml:trace>
+</inkml:ink>
+</file>
+
+<file path=ppt/ink/ink8.xml><?xml version="1.0" encoding="utf-8"?>
+<inkml:ink xmlns:inkml="http://www.w3.org/2003/InkML">
+  <inkml:definitions>
+    <inkml:context xml:id="ctx0">
+      <inkml:inkSource xml:id="inkSrc0">
+        <inkml:traceFormat>
+          <inkml:channel name="X" type="integer" min="-2.14748E9" max="2.14748E9" units="cm"/>
+          <inkml:channel name="Y" type="integer" min="-2.14748E9" max="2.14748E9" units="cm"/>
+          <inkml:channel name="F" type="integer" max="32767" units="dev"/>
+        </inkml:traceFormat>
+        <inkml:channelProperties>
+          <inkml:channelProperty channel="X" name="resolution" value="1000" units="1/cm"/>
+          <inkml:channelProperty channel="Y" name="resolution" value="1000" units="1/cm"/>
+          <inkml:channelProperty channel="F" name="resolution" value="0" units="1/dev"/>
+        </inkml:channelProperties>
+      </inkml:inkSource>
+      <inkml:timestamp xml:id="ts0" timeString="2024-07-17T12:41:53.003"/>
+    </inkml:context>
+    <inkml:brush xml:id="br0">
+      <inkml:brushProperty name="width" value="0.1" units="cm"/>
+      <inkml:brushProperty name="height" value="0.1" units="cm"/>
+      <inkml:brushProperty name="color" value="#FFFFFF"/>
+    </inkml:brush>
+  </inkml:definitions>
+  <inkml:trace contextRef="#ctx0" brushRef="#br0">1 1 24575</inkml:trace>
+</inkml:ink>
+</file>
+
 <file path=ppt/notesMasters/notesMaster1.xml><?xml version="1.0" encoding="utf-8"?>
 <p:notesMaster xmlns:a="http://schemas.openxmlformats.org/drawingml/2006/main" xmlns:r="http://schemas.openxmlformats.org/officeDocument/2006/relationships" xmlns:p="http://schemas.openxmlformats.org/presentationml/2006/main">
   <p:cSld>
@@ -25183,7 +23967,7 @@
           <a:p>
             <a:fld id="{F4C8C5E5-D80A-4B7B-B646-4C231830A9D5}" type="slidenum">
               <a:rPr lang="en-GB" smtClean="0"/>
-              <a:t>12</a:t>
+              <a:t>11</a:t>
             </a:fld>
             <a:endParaRPr lang="en-GB"/>
           </a:p>
@@ -25270,7 +24054,7 @@
           <a:p>
             <a:fld id="{F4C8C5E5-D80A-4B7B-B646-4C231830A9D5}" type="slidenum">
               <a:rPr lang="en-GB" smtClean="0"/>
-              <a:t>13</a:t>
+              <a:t>12</a:t>
             </a:fld>
             <a:endParaRPr lang="en-GB"/>
           </a:p>
@@ -25334,30 +24118,9 @@
           <a:lstStyle/>
           <a:p>
             <a:r>
-              <a:rPr lang="de-AT" dirty="0"/>
-              <a:t>„</a:t>
+              <a:rPr lang="en-GB" dirty="0"/>
+              <a:t>Transition slide</a:t>
             </a:r>
-            <a:r>
-              <a:rPr lang="de-AT" dirty="0" err="1"/>
-              <a:t>minimum</a:t>
-            </a:r>
-            <a:r>
-              <a:rPr lang="de-AT" dirty="0"/>
-              <a:t> viable prototype“ – fit </a:t>
-            </a:r>
-            <a:r>
-              <a:rPr lang="de-AT" dirty="0" err="1"/>
-              <a:t>into</a:t>
-            </a:r>
-            <a:r>
-              <a:rPr lang="de-AT" dirty="0"/>
-              <a:t> 1 </a:t>
-            </a:r>
-            <a:r>
-              <a:rPr lang="de-AT" dirty="0" err="1"/>
-              <a:t>slide</a:t>
-            </a:r>
-            <a:endParaRPr lang="en-GB" dirty="0"/>
           </a:p>
         </p:txBody>
       </p:sp>
@@ -25378,7 +24141,7 @@
           <a:p>
             <a:fld id="{F4C8C5E5-D80A-4B7B-B646-4C231830A9D5}" type="slidenum">
               <a:rPr lang="en-GB" smtClean="0"/>
-              <a:t>15</a:t>
+              <a:t>14</a:t>
             </a:fld>
             <a:endParaRPr lang="en-GB"/>
           </a:p>
@@ -25387,7 +24150,7 @@
     </p:spTree>
     <p:extLst>
       <p:ext uri="{BB962C8B-B14F-4D97-AF65-F5344CB8AC3E}">
-        <p14:creationId xmlns:p14="http://schemas.microsoft.com/office/powerpoint/2010/main" val="4215219546"/>
+        <p14:creationId xmlns:p14="http://schemas.microsoft.com/office/powerpoint/2010/main" val="2532405137"/>
       </p:ext>
     </p:extLst>
   </p:cSld>
@@ -25465,94 +24228,7 @@
           <a:p>
             <a:fld id="{F4C8C5E5-D80A-4B7B-B646-4C231830A9D5}" type="slidenum">
               <a:rPr lang="en-GB" smtClean="0"/>
-              <a:t>19</a:t>
-            </a:fld>
-            <a:endParaRPr lang="en-GB"/>
-          </a:p>
-        </p:txBody>
-      </p:sp>
-    </p:spTree>
-    <p:extLst>
-      <p:ext uri="{BB962C8B-B14F-4D97-AF65-F5344CB8AC3E}">
-        <p14:creationId xmlns:p14="http://schemas.microsoft.com/office/powerpoint/2010/main" val="2532405137"/>
-      </p:ext>
-    </p:extLst>
-  </p:cSld>
-  <p:clrMapOvr>
-    <a:masterClrMapping/>
-  </p:clrMapOvr>
-</p:notes>
-</file>
-
-<file path=ppt/notesSlides/notesSlide14.xml><?xml version="1.0" encoding="utf-8"?>
-<p:notes xmlns:a="http://schemas.openxmlformats.org/drawingml/2006/main" xmlns:r="http://schemas.openxmlformats.org/officeDocument/2006/relationships" xmlns:p="http://schemas.openxmlformats.org/presentationml/2006/main">
-  <p:cSld>
-    <p:spTree>
-      <p:nvGrpSpPr>
-        <p:cNvPr id="1" name=""/>
-        <p:cNvGrpSpPr/>
-        <p:nvPr/>
-      </p:nvGrpSpPr>
-      <p:grpSpPr>
-        <a:xfrm>
-          <a:off x="0" y="0"/>
-          <a:ext cx="0" cy="0"/>
-          <a:chOff x="0" y="0"/>
-          <a:chExt cx="0" cy="0"/>
-        </a:xfrm>
-      </p:grpSpPr>
-      <p:sp>
-        <p:nvSpPr>
-          <p:cNvPr id="2" name="Slide Image Placeholder 1"/>
-          <p:cNvSpPr>
-            <a:spLocks noGrp="1" noRot="1" noChangeAspect="1"/>
-          </p:cNvSpPr>
-          <p:nvPr>
-            <p:ph type="sldImg"/>
-          </p:nvPr>
-        </p:nvSpPr>
-        <p:spPr/>
-      </p:sp>
-      <p:sp>
-        <p:nvSpPr>
-          <p:cNvPr id="3" name="Notes Placeholder 2"/>
-          <p:cNvSpPr>
-            <a:spLocks noGrp="1"/>
-          </p:cNvSpPr>
-          <p:nvPr>
-            <p:ph type="body" idx="1"/>
-          </p:nvPr>
-        </p:nvSpPr>
-        <p:spPr/>
-        <p:txBody>
-          <a:bodyPr/>
-          <a:lstStyle/>
-          <a:p>
-            <a:r>
-              <a:rPr lang="en-GB" dirty="0"/>
-              <a:t>Transition slide</a:t>
-            </a:r>
-          </a:p>
-        </p:txBody>
-      </p:sp>
-      <p:sp>
-        <p:nvSpPr>
-          <p:cNvPr id="4" name="Slide Number Placeholder 3"/>
-          <p:cNvSpPr>
-            <a:spLocks noGrp="1"/>
-          </p:cNvSpPr>
-          <p:nvPr>
-            <p:ph type="sldNum" sz="quarter" idx="5"/>
-          </p:nvPr>
-        </p:nvSpPr>
-        <p:spPr/>
-        <p:txBody>
-          <a:bodyPr/>
-          <a:lstStyle/>
-          <a:p>
-            <a:fld id="{F4C8C5E5-D80A-4B7B-B646-4C231830A9D5}" type="slidenum">
-              <a:rPr lang="en-GB" smtClean="0"/>
-              <a:t>22</a:t>
+              <a:t>17</a:t>
             </a:fld>
             <a:endParaRPr lang="en-GB"/>
           </a:p>
@@ -25571,7 +24247,7 @@
 </p:notes>
 </file>
 
-<file path=ppt/notesSlides/notesSlide15.xml><?xml version="1.0" encoding="utf-8"?>
+<file path=ppt/notesSlides/notesSlide14.xml><?xml version="1.0" encoding="utf-8"?>
 <p:notes xmlns:a="http://schemas.openxmlformats.org/drawingml/2006/main" xmlns:r="http://schemas.openxmlformats.org/officeDocument/2006/relationships" xmlns:p="http://schemas.openxmlformats.org/presentationml/2006/main">
   <p:cSld>
     <p:spTree>
@@ -25639,7 +24315,7 @@
           <a:p>
             <a:fld id="{F4C8C5E5-D80A-4B7B-B646-4C231830A9D5}" type="slidenum">
               <a:rPr lang="en-GB" smtClean="0"/>
-              <a:t>23</a:t>
+              <a:t>18</a:t>
             </a:fld>
             <a:endParaRPr lang="en-GB"/>
           </a:p>
@@ -25900,7 +24576,7 @@
           <a:p>
             <a:fld id="{F4C8C5E5-D80A-4B7B-B646-4C231830A9D5}" type="slidenum">
               <a:rPr lang="en-GB" smtClean="0"/>
-              <a:t>6</a:t>
+              <a:t>5</a:t>
             </a:fld>
             <a:endParaRPr lang="en-GB"/>
           </a:p>
@@ -25987,7 +24663,7 @@
           <a:p>
             <a:fld id="{F4C8C5E5-D80A-4B7B-B646-4C231830A9D5}" type="slidenum">
               <a:rPr lang="en-GB" smtClean="0"/>
-              <a:t>7</a:t>
+              <a:t>6</a:t>
             </a:fld>
             <a:endParaRPr lang="en-GB"/>
           </a:p>
@@ -26082,7 +24758,7 @@
           <a:p>
             <a:fld id="{F4C8C5E5-D80A-4B7B-B646-4C231830A9D5}" type="slidenum">
               <a:rPr lang="en-GB" smtClean="0"/>
-              <a:t>8</a:t>
+              <a:t>7</a:t>
             </a:fld>
             <a:endParaRPr lang="en-GB"/>
           </a:p>
@@ -26169,7 +24845,7 @@
           <a:p>
             <a:fld id="{F4C8C5E5-D80A-4B7B-B646-4C231830A9D5}" type="slidenum">
               <a:rPr lang="en-GB" smtClean="0"/>
-              <a:t>9</a:t>
+              <a:t>8</a:t>
             </a:fld>
             <a:endParaRPr lang="en-GB"/>
           </a:p>
@@ -26256,7 +24932,7 @@
           <a:p>
             <a:fld id="{F4C8C5E5-D80A-4B7B-B646-4C231830A9D5}" type="slidenum">
               <a:rPr lang="en-GB" smtClean="0"/>
-              <a:t>10</a:t>
+              <a:t>9</a:t>
             </a:fld>
             <a:endParaRPr lang="en-GB"/>
           </a:p>
@@ -26351,7 +25027,7 @@
           <a:p>
             <a:fld id="{F4C8C5E5-D80A-4B7B-B646-4C231830A9D5}" type="slidenum">
               <a:rPr lang="en-GB" smtClean="0"/>
-              <a:t>11</a:t>
+              <a:t>10</a:t>
             </a:fld>
             <a:endParaRPr lang="en-GB"/>
           </a:p>
@@ -30311,7 +28987,7 @@
                   <a:schemeClr val="tx1"/>
                 </a:solidFill>
               </a:rPr>
-              <a:t>-Series Foundation Models (TSFM)</a:t>
+              <a:t>-Series Foundation Models (TSFM) in finance</a:t>
             </a:r>
           </a:p>
         </p:txBody>
@@ -30344,10 +29020,7 @@
           </a:bodyPr>
           <a:lstStyle/>
           <a:p>
-            <a:r>
-              <a:rPr lang="en-GB" sz="2200" dirty="0"/>
-              <a:t>In Finance</a:t>
-            </a:r>
+            <a:endParaRPr lang="en-GB" sz="2200" dirty="0"/>
           </a:p>
         </p:txBody>
       </p:sp>
@@ -30455,232 +29128,6 @@
 </file>
 
 <file path=ppt/slides/slide10.xml><?xml version="1.0" encoding="utf-8"?>
-<p:sld xmlns:a="http://schemas.openxmlformats.org/drawingml/2006/main" xmlns:r="http://schemas.openxmlformats.org/officeDocument/2006/relationships" xmlns:p="http://schemas.openxmlformats.org/presentationml/2006/main">
-  <p:cSld>
-    <p:spTree>
-      <p:nvGrpSpPr>
-        <p:cNvPr id="1" name=""/>
-        <p:cNvGrpSpPr/>
-        <p:nvPr/>
-      </p:nvGrpSpPr>
-      <p:grpSpPr>
-        <a:xfrm>
-          <a:off x="0" y="0"/>
-          <a:ext cx="0" cy="0"/>
-          <a:chOff x="0" y="0"/>
-          <a:chExt cx="0" cy="0"/>
-        </a:xfrm>
-      </p:grpSpPr>
-      <p:sp>
-        <p:nvSpPr>
-          <p:cNvPr id="2" name="Title 1">
-            <a:extLst>
-              <a:ext uri="{FF2B5EF4-FFF2-40B4-BE49-F238E27FC236}">
-                <a16:creationId xmlns:a16="http://schemas.microsoft.com/office/drawing/2014/main" id="{7AC84150-F546-16DE-F86A-FF5C4C01CECC}"/>
-              </a:ext>
-            </a:extLst>
-          </p:cNvPr>
-          <p:cNvSpPr>
-            <a:spLocks noGrp="1"/>
-          </p:cNvSpPr>
-          <p:nvPr>
-            <p:ph type="title"/>
-          </p:nvPr>
-        </p:nvSpPr>
-        <p:spPr/>
-        <p:txBody>
-          <a:bodyPr/>
-          <a:lstStyle/>
-          <a:p>
-            <a:r>
-              <a:rPr lang="en-GB" dirty="0"/>
-              <a:t>evaluation</a:t>
-            </a:r>
-          </a:p>
-        </p:txBody>
-      </p:sp>
-      <p:sp>
-        <p:nvSpPr>
-          <p:cNvPr id="3" name="Text Placeholder 2">
-            <a:extLst>
-              <a:ext uri="{FF2B5EF4-FFF2-40B4-BE49-F238E27FC236}">
-                <a16:creationId xmlns:a16="http://schemas.microsoft.com/office/drawing/2014/main" id="{83E109C8-A238-997C-B73A-48760D769517}"/>
-              </a:ext>
-            </a:extLst>
-          </p:cNvPr>
-          <p:cNvSpPr>
-            <a:spLocks noGrp="1"/>
-          </p:cNvSpPr>
-          <p:nvPr>
-            <p:ph type="body" idx="1"/>
-          </p:nvPr>
-        </p:nvSpPr>
-        <p:spPr>
-          <a:xfrm>
-            <a:off x="581191" y="1785257"/>
-            <a:ext cx="5194769" cy="2020389"/>
-          </a:xfrm>
-        </p:spPr>
-        <p:txBody>
-          <a:bodyPr/>
-          <a:lstStyle/>
-          <a:p>
-            <a:r>
-              <a:rPr lang="en-GB" sz="1300" dirty="0"/>
-              <a:t>RMSE is a general loss metric.  </a:t>
-            </a:r>
-          </a:p>
-          <a:p>
-            <a:r>
-              <a:rPr lang="en-GB" sz="1300" dirty="0"/>
-              <a:t>R2 is handy because (in theory) it is between 0 and 1, thus giving an intuitive interpretation of how well the predictions fit the actual data.</a:t>
-            </a:r>
-          </a:p>
-          <a:p>
-            <a:r>
-              <a:rPr lang="en-GB" sz="1300" dirty="0"/>
-              <a:t>MAPE tells us what percentage of the actual values were the predictions off.</a:t>
-            </a:r>
-          </a:p>
-          <a:p>
-            <a:r>
-              <a:rPr lang="en-GB" sz="1300" dirty="0"/>
-              <a:t>MDA doesn’t say whether the predictions were good or bad, but rather it measures how good the DIRECTION of predictions are.</a:t>
-            </a:r>
-          </a:p>
-        </p:txBody>
-      </p:sp>
-      <p:sp>
-        <p:nvSpPr>
-          <p:cNvPr id="5" name="Text Placeholder 4">
-            <a:extLst>
-              <a:ext uri="{FF2B5EF4-FFF2-40B4-BE49-F238E27FC236}">
-                <a16:creationId xmlns:a16="http://schemas.microsoft.com/office/drawing/2014/main" id="{68768218-0BA6-28A7-48F9-A16E9DD801B4}"/>
-              </a:ext>
-            </a:extLst>
-          </p:cNvPr>
-          <p:cNvSpPr>
-            <a:spLocks noGrp="1"/>
-          </p:cNvSpPr>
-          <p:nvPr>
-            <p:ph type="body" sz="quarter" idx="3"/>
-          </p:nvPr>
-        </p:nvSpPr>
-        <p:spPr>
-          <a:xfrm>
-            <a:off x="6416039" y="1785257"/>
-            <a:ext cx="5194770" cy="1086275"/>
-          </a:xfrm>
-        </p:spPr>
-        <p:txBody>
-          <a:bodyPr/>
-          <a:lstStyle/>
-          <a:p>
-            <a:r>
-              <a:rPr lang="en-GB" sz="1300" dirty="0"/>
-              <a:t>To ensure statistical significance, we will run the K-fold Time series Cross Validation on every time-series. This ensures that that the result we get is not a product of coincidence, rather it shows performance of the models across different time periods.</a:t>
-            </a:r>
-          </a:p>
-          <a:p>
-            <a:r>
-              <a:rPr lang="en-GB" sz="1300" dirty="0"/>
-              <a:t>K and the size of the training set are parameters of the experiment.</a:t>
-            </a:r>
-          </a:p>
-        </p:txBody>
-      </p:sp>
-      <p:graphicFrame>
-        <p:nvGraphicFramePr>
-          <p:cNvPr id="7" name="Content Placeholder 2">
-            <a:extLst>
-              <a:ext uri="{FF2B5EF4-FFF2-40B4-BE49-F238E27FC236}">
-                <a16:creationId xmlns:a16="http://schemas.microsoft.com/office/drawing/2014/main" id="{53C2DD54-6D26-FB1F-4F05-74EEF2C25B48}"/>
-              </a:ext>
-            </a:extLst>
-          </p:cNvPr>
-          <p:cNvGraphicFramePr>
-            <a:graphicFrameLocks noGrp="1"/>
-          </p:cNvGraphicFramePr>
-          <p:nvPr>
-            <p:ph sz="half" idx="2"/>
-            <p:extLst>
-              <p:ext uri="{D42A27DB-BD31-4B8C-83A1-F6EECF244321}">
-                <p14:modId xmlns:p14="http://schemas.microsoft.com/office/powerpoint/2010/main" val="653245219"/>
-              </p:ext>
-            </p:extLst>
-          </p:nvPr>
-        </p:nvGraphicFramePr>
-        <p:xfrm>
-          <a:off x="836117" y="3174022"/>
-          <a:ext cx="4280424" cy="2625481"/>
-        </p:xfrm>
-        <a:graphic>
-          <a:graphicData uri="http://schemas.openxmlformats.org/drawingml/2006/diagram">
-            <dgm:relIds xmlns:dgm="http://schemas.openxmlformats.org/drawingml/2006/diagram" xmlns:r="http://schemas.openxmlformats.org/officeDocument/2006/relationships" r:dm="rId3" r:lo="rId4" r:qs="rId5" r:cs="rId6"/>
-          </a:graphicData>
-        </a:graphic>
-      </p:graphicFrame>
-      <p:pic>
-        <p:nvPicPr>
-          <p:cNvPr id="1026" name="Picture 2" descr="arima - Backtesting: Which is better? Sliding Window or Expanding Window? -  Stack Overflow">
-            <a:extLst>
-              <a:ext uri="{FF2B5EF4-FFF2-40B4-BE49-F238E27FC236}">
-                <a16:creationId xmlns:a16="http://schemas.microsoft.com/office/drawing/2014/main" id="{4E077310-864E-BE12-A015-4E22C4D5392C}"/>
-              </a:ext>
-            </a:extLst>
-          </p:cNvPr>
-          <p:cNvPicPr>
-            <a:picLocks noChangeAspect="1" noChangeArrowheads="1"/>
-          </p:cNvPicPr>
-          <p:nvPr/>
-        </p:nvPicPr>
-        <p:blipFill>
-          <a:blip r:embed="rId8">
-            <a:extLst>
-              <a:ext uri="{28A0092B-C50C-407E-A947-70E740481C1C}">
-                <a14:useLocalDpi xmlns:a14="http://schemas.microsoft.com/office/drawing/2010/main" val="0"/>
-              </a:ext>
-            </a:extLst>
-          </a:blip>
-          <a:srcRect/>
-          <a:stretch>
-            <a:fillRect/>
-          </a:stretch>
-        </p:blipFill>
-        <p:spPr bwMode="auto">
-          <a:xfrm>
-            <a:off x="6873212" y="3446585"/>
-            <a:ext cx="4280424" cy="2223907"/>
-          </a:xfrm>
-          <a:prstGeom prst="rect">
-            <a:avLst/>
-          </a:prstGeom>
-          <a:noFill/>
-          <a:extLst>
-            <a:ext uri="{909E8E84-426E-40DD-AFC4-6F175D3DCCD1}">
-              <a14:hiddenFill xmlns:a14="http://schemas.microsoft.com/office/drawing/2010/main">
-                <a:solidFill>
-                  <a:srgbClr val="FFFFFF"/>
-                </a:solidFill>
-              </a14:hiddenFill>
-            </a:ext>
-          </a:extLst>
-        </p:spPr>
-      </p:pic>
-    </p:spTree>
-    <p:extLst>
-      <p:ext uri="{BB962C8B-B14F-4D97-AF65-F5344CB8AC3E}">
-        <p14:creationId xmlns:p14="http://schemas.microsoft.com/office/powerpoint/2010/main" val="1570081065"/>
-      </p:ext>
-    </p:extLst>
-  </p:cSld>
-  <p:clrMapOvr>
-    <a:masterClrMapping/>
-  </p:clrMapOvr>
-</p:sld>
-</file>
-
-<file path=ppt/slides/slide11.xml><?xml version="1.0" encoding="utf-8"?>
 <p:sld xmlns:a="http://schemas.openxmlformats.org/drawingml/2006/main" xmlns:r="http://schemas.openxmlformats.org/officeDocument/2006/relationships" xmlns:p="http://schemas.openxmlformats.org/presentationml/2006/main">
   <p:cSld>
     <p:spTree>
@@ -31680,7 +30127,7 @@
 </p:sld>
 </file>
 
-<file path=ppt/slides/slide12.xml><?xml version="1.0" encoding="utf-8"?>
+<file path=ppt/slides/slide11.xml><?xml version="1.0" encoding="utf-8"?>
 <p:sld xmlns:a="http://schemas.openxmlformats.org/drawingml/2006/main" xmlns:r="http://schemas.openxmlformats.org/officeDocument/2006/relationships" xmlns:p="http://schemas.openxmlformats.org/presentationml/2006/main">
   <p:cSld>
     <p:spTree>
@@ -32244,7 +30691,7 @@
 </p:sld>
 </file>
 
-<file path=ppt/slides/slide13.xml><?xml version="1.0" encoding="utf-8"?>
+<file path=ppt/slides/slide12.xml><?xml version="1.0" encoding="utf-8"?>
 <p:sld xmlns:a="http://schemas.openxmlformats.org/drawingml/2006/main" xmlns:r="http://schemas.openxmlformats.org/officeDocument/2006/relationships" xmlns:p="http://schemas.openxmlformats.org/presentationml/2006/main">
   <p:cSld>
     <p:bg>
@@ -32659,66 +31106,8 @@
 </p:sld>
 </file>
 
-<file path=ppt/slides/slide14.xml><?xml version="1.0" encoding="utf-8"?>
+<file path=ppt/slides/slide13.xml><?xml version="1.0" encoding="utf-8"?>
 <p:sld xmlns:a="http://schemas.openxmlformats.org/drawingml/2006/main" xmlns:r="http://schemas.openxmlformats.org/officeDocument/2006/relationships" xmlns:p="http://schemas.openxmlformats.org/presentationml/2006/main">
-  <p:cSld>
-    <p:spTree>
-      <p:nvGrpSpPr>
-        <p:cNvPr id="1" name=""/>
-        <p:cNvGrpSpPr/>
-        <p:nvPr/>
-      </p:nvGrpSpPr>
-      <p:grpSpPr>
-        <a:xfrm>
-          <a:off x="0" y="0"/>
-          <a:ext cx="0" cy="0"/>
-          <a:chOff x="0" y="0"/>
-          <a:chExt cx="0" cy="0"/>
-        </a:xfrm>
-      </p:grpSpPr>
-      <p:graphicFrame>
-        <p:nvGraphicFramePr>
-          <p:cNvPr id="5" name="TextBox 2">
-            <a:extLst>
-              <a:ext uri="{FF2B5EF4-FFF2-40B4-BE49-F238E27FC236}">
-                <a16:creationId xmlns:a16="http://schemas.microsoft.com/office/drawing/2014/main" id="{19F31ACD-A79D-B50C-AC88-F2029A55D3B4}"/>
-              </a:ext>
-            </a:extLst>
-          </p:cNvPr>
-          <p:cNvGraphicFramePr/>
-          <p:nvPr>
-            <p:extLst>
-              <p:ext uri="{D42A27DB-BD31-4B8C-83A1-F6EECF244321}">
-                <p14:modId xmlns:p14="http://schemas.microsoft.com/office/powerpoint/2010/main" val="4171593992"/>
-              </p:ext>
-            </p:extLst>
-          </p:nvPr>
-        </p:nvGraphicFramePr>
-        <p:xfrm>
-          <a:off x="650875" y="1016000"/>
-          <a:ext cx="10890250" cy="5105400"/>
-        </p:xfrm>
-        <a:graphic>
-          <a:graphicData uri="http://schemas.openxmlformats.org/drawingml/2006/diagram">
-            <dgm:relIds xmlns:dgm="http://schemas.openxmlformats.org/drawingml/2006/diagram" xmlns:r="http://schemas.openxmlformats.org/officeDocument/2006/relationships" r:dm="rId2" r:lo="rId3" r:qs="rId4" r:cs="rId5"/>
-          </a:graphicData>
-        </a:graphic>
-      </p:graphicFrame>
-    </p:spTree>
-    <p:extLst>
-      <p:ext uri="{BB962C8B-B14F-4D97-AF65-F5344CB8AC3E}">
-        <p14:creationId xmlns:p14="http://schemas.microsoft.com/office/powerpoint/2010/main" val="4132005993"/>
-      </p:ext>
-    </p:extLst>
-  </p:cSld>
-  <p:clrMapOvr>
-    <a:masterClrMapping/>
-  </p:clrMapOvr>
-</p:sld>
-</file>
-
-<file path=ppt/slides/slide15.xml><?xml version="1.0" encoding="utf-8"?>
-<p:sld xmlns:a="http://schemas.openxmlformats.org/drawingml/2006/main" xmlns:r="http://schemas.openxmlformats.org/officeDocument/2006/relationships" xmlns:p="http://schemas.openxmlformats.org/presentationml/2006/main" show="0">
   <p:cSld>
     <p:bg>
       <p:bgPr>
@@ -32744,10 +31133,10 @@
       </p:grpSpPr>
       <p:sp>
         <p:nvSpPr>
-          <p:cNvPr id="8" name="Rectangle 7">
+          <p:cNvPr id="49" name="Rectangle 48">
             <a:extLst>
               <a:ext uri="{FF2B5EF4-FFF2-40B4-BE49-F238E27FC236}">
-                <a16:creationId xmlns:a16="http://schemas.microsoft.com/office/drawing/2014/main" id="{E6C8E6EB-4C59-429B-97E4-72A058CFC4FB}"/>
+                <a16:creationId xmlns:a16="http://schemas.microsoft.com/office/drawing/2014/main" id="{B448728E-2EDF-4F60-A97C-C0F08E06DB09}"/>
               </a:ext>
               <a:ext uri="{C183D7F6-B498-43B3-948B-1728B52AA6E4}">
                 <adec:decorative xmlns:adec="http://schemas.microsoft.com/office/drawing/2017/decorative" val="1"/>
@@ -32805,10 +31194,10 @@
       </p:sp>
       <p:sp>
         <p:nvSpPr>
-          <p:cNvPr id="10" name="Rectangle 9">
+          <p:cNvPr id="51" name="Rectangle 50">
             <a:extLst>
               <a:ext uri="{FF2B5EF4-FFF2-40B4-BE49-F238E27FC236}">
-                <a16:creationId xmlns:a16="http://schemas.microsoft.com/office/drawing/2014/main" id="{B5B90362-AFCC-46A9-B41C-A257A8C5B314}"/>
+                <a16:creationId xmlns:a16="http://schemas.microsoft.com/office/drawing/2014/main" id="{78CBB40F-4E03-45AE-9020-C27B0AE7FD20}"/>
               </a:ext>
               <a:ext uri="{C183D7F6-B498-43B3-948B-1728B52AA6E4}">
                 <adec:decorative xmlns:adec="http://schemas.microsoft.com/office/drawing/2017/decorative" val="1"/>
@@ -32866,10 +31255,10 @@
       </p:sp>
       <p:sp>
         <p:nvSpPr>
-          <p:cNvPr id="12" name="Rectangle 11">
+          <p:cNvPr id="53" name="Rectangle 52">
             <a:extLst>
               <a:ext uri="{FF2B5EF4-FFF2-40B4-BE49-F238E27FC236}">
-                <a16:creationId xmlns:a16="http://schemas.microsoft.com/office/drawing/2014/main" id="{F71EF7F1-38BA-471D-8CD4-2A9AE8E35527}"/>
+                <a16:creationId xmlns:a16="http://schemas.microsoft.com/office/drawing/2014/main" id="{A9F7CCD1-513F-4B7A-9497-7AA9144DB3B6}"/>
               </a:ext>
               <a:ext uri="{C183D7F6-B498-43B3-948B-1728B52AA6E4}">
                 <adec:decorative xmlns:adec="http://schemas.microsoft.com/office/drawing/2017/decorative" val="1"/>
@@ -32925,133 +31314,68 @@
           </a:p>
         </p:txBody>
       </p:sp>
-      <p:sp useBgFill="1">
-        <p:nvSpPr>
-          <p:cNvPr id="14" name="Rectangle 13">
+      <p:graphicFrame>
+        <p:nvGraphicFramePr>
+          <p:cNvPr id="4" name="TextBox 1">
             <a:extLst>
               <a:ext uri="{FF2B5EF4-FFF2-40B4-BE49-F238E27FC236}">
-                <a16:creationId xmlns:a16="http://schemas.microsoft.com/office/drawing/2014/main" id="{504BED40-EAF7-4E55-AFF7-2CD840EBD3AA}"/>
-              </a:ext>
-              <a:ext uri="{C183D7F6-B498-43B3-948B-1728B52AA6E4}">
-                <adec:decorative xmlns:adec="http://schemas.microsoft.com/office/drawing/2017/decorative" val="1"/>
+                <a16:creationId xmlns:a16="http://schemas.microsoft.com/office/drawing/2014/main" id="{EECCB79B-0A70-876B-AB6F-FB03F10B983F}"/>
               </a:ext>
             </a:extLst>
           </p:cNvPr>
-          <p:cNvSpPr>
-            <a:spLocks noGrp="1" noRot="1" noChangeAspect="1" noMove="1" noResize="1" noEditPoints="1" noAdjustHandles="1" noChangeArrowheads="1" noChangeShapeType="1" noTextEdit="1"/>
-          </p:cNvSpPr>
+          <p:cNvGraphicFramePr/>
           <p:nvPr>
             <p:extLst>
-              <p:ext uri="{386F3935-93C4-4BCD-93E2-E3B085C9AB24}">
-                <p16:designElem xmlns:p16="http://schemas.microsoft.com/office/powerpoint/2015/main" val="1"/>
+              <p:ext uri="{D42A27DB-BD31-4B8C-83A1-F6EECF244321}">
+                <p14:modId xmlns:p14="http://schemas.microsoft.com/office/powerpoint/2010/main" val="778227040"/>
               </p:ext>
             </p:extLst>
           </p:nvPr>
-        </p:nvSpPr>
-        <p:spPr>
-          <a:xfrm>
-            <a:off x="0" y="0"/>
-            <a:ext cx="12192000" cy="6858000"/>
-          </a:xfrm>
-          <a:prstGeom prst="rect">
-            <a:avLst/>
-          </a:prstGeom>
-          <a:ln>
-            <a:noFill/>
-          </a:ln>
-        </p:spPr>
-        <p:style>
-          <a:lnRef idx="2">
-            <a:schemeClr val="accent1">
-              <a:shade val="50000"/>
-            </a:schemeClr>
-          </a:lnRef>
-          <a:fillRef idx="1">
-            <a:schemeClr val="accent1"/>
-          </a:fillRef>
-          <a:effectRef idx="0">
-            <a:schemeClr val="accent1"/>
-          </a:effectRef>
-          <a:fontRef idx="minor">
-            <a:schemeClr val="lt1"/>
-          </a:fontRef>
-        </p:style>
-        <p:txBody>
-          <a:bodyPr rtlCol="0" anchor="ctr"/>
-          <a:lstStyle/>
-          <a:p>
-            <a:pPr algn="ctr"/>
-            <a:endParaRPr lang="en-US"/>
-          </a:p>
-        </p:txBody>
-      </p:sp>
-      <p:sp>
-        <p:nvSpPr>
-          <p:cNvPr id="16" name="Rectangle 15">
+        </p:nvGraphicFramePr>
+        <p:xfrm>
+          <a:off x="578515" y="1942312"/>
+          <a:ext cx="11029950" cy="2620831"/>
+        </p:xfrm>
+        <a:graphic>
+          <a:graphicData uri="http://schemas.openxmlformats.org/drawingml/2006/diagram">
+            <dgm:relIds xmlns:dgm="http://schemas.openxmlformats.org/drawingml/2006/diagram" xmlns:r="http://schemas.openxmlformats.org/officeDocument/2006/relationships" r:dm="rId2" r:lo="rId3" r:qs="rId4" r:cs="rId5"/>
+          </a:graphicData>
+        </a:graphic>
+      </p:graphicFrame>
+      <p:graphicFrame>
+        <p:nvGraphicFramePr>
+          <p:cNvPr id="3" name="TextBox 1">
             <a:extLst>
               <a:ext uri="{FF2B5EF4-FFF2-40B4-BE49-F238E27FC236}">
-                <a16:creationId xmlns:a16="http://schemas.microsoft.com/office/drawing/2014/main" id="{F367CCF1-BB1E-41CF-8499-94A870C33EFA}"/>
-              </a:ext>
-              <a:ext uri="{C183D7F6-B498-43B3-948B-1728B52AA6E4}">
-                <adec:decorative xmlns:adec="http://schemas.microsoft.com/office/drawing/2017/decorative" val="1"/>
+                <a16:creationId xmlns:a16="http://schemas.microsoft.com/office/drawing/2014/main" id="{42A7D37D-74AA-9E7D-2061-9F581CDCE7C1}"/>
               </a:ext>
             </a:extLst>
           </p:cNvPr>
-          <p:cNvSpPr>
-            <a:spLocks noGrp="1" noRot="1" noChangeAspect="1" noMove="1" noResize="1" noEditPoints="1" noAdjustHandles="1" noChangeArrowheads="1" noChangeShapeType="1" noTextEdit="1"/>
-          </p:cNvSpPr>
+          <p:cNvGraphicFramePr/>
           <p:nvPr>
             <p:extLst>
-              <p:ext uri="{386F3935-93C4-4BCD-93E2-E3B085C9AB24}">
-                <p16:designElem xmlns:p16="http://schemas.microsoft.com/office/powerpoint/2015/main" val="1"/>
+              <p:ext uri="{D42A27DB-BD31-4B8C-83A1-F6EECF244321}">
+                <p14:modId xmlns:p14="http://schemas.microsoft.com/office/powerpoint/2010/main" val="3695812490"/>
               </p:ext>
             </p:extLst>
           </p:nvPr>
-        </p:nvSpPr>
-        <p:spPr>
-          <a:xfrm>
-            <a:off x="446534" y="457200"/>
-            <a:ext cx="6675120" cy="94997"/>
-          </a:xfrm>
-          <a:prstGeom prst="rect">
-            <a:avLst/>
-          </a:prstGeom>
-          <a:solidFill>
-            <a:schemeClr val="accent1"/>
-          </a:solidFill>
-          <a:ln>
-            <a:noFill/>
-          </a:ln>
-          <a:effectLst/>
-        </p:spPr>
-        <p:style>
-          <a:lnRef idx="1">
-            <a:schemeClr val="accent1"/>
-          </a:lnRef>
-          <a:fillRef idx="3">
-            <a:schemeClr val="accent1"/>
-          </a:fillRef>
-          <a:effectRef idx="2">
-            <a:schemeClr val="accent1"/>
-          </a:effectRef>
-          <a:fontRef idx="minor">
-            <a:schemeClr val="lt1"/>
-          </a:fontRef>
-        </p:style>
-        <p:txBody>
-          <a:bodyPr/>
-          <a:lstStyle/>
-          <a:p>
-            <a:endParaRPr lang="en-US"/>
-          </a:p>
-        </p:txBody>
-      </p:sp>
+        </p:nvGraphicFramePr>
+        <p:xfrm>
+          <a:off x="578515" y="3620053"/>
+          <a:ext cx="11029950" cy="3814281"/>
+        </p:xfrm>
+        <a:graphic>
+          <a:graphicData uri="http://schemas.openxmlformats.org/drawingml/2006/diagram">
+            <dgm:relIds xmlns:dgm="http://schemas.openxmlformats.org/drawingml/2006/diagram" xmlns:r="http://schemas.openxmlformats.org/officeDocument/2006/relationships" r:dm="rId7" r:lo="rId8" r:qs="rId9" r:cs="rId10"/>
+          </a:graphicData>
+        </a:graphic>
+      </p:graphicFrame>
       <p:sp>
         <p:nvSpPr>
-          <p:cNvPr id="2" name="TextBox 1">
+          <p:cNvPr id="5" name="TextBox 4">
             <a:extLst>
               <a:ext uri="{FF2B5EF4-FFF2-40B4-BE49-F238E27FC236}">
-                <a16:creationId xmlns:a16="http://schemas.microsoft.com/office/drawing/2014/main" id="{C273DC6D-08AD-FBE5-078B-299C088C72ED}"/>
+                <a16:creationId xmlns:a16="http://schemas.microsoft.com/office/drawing/2014/main" id="{06BC7558-C440-4D70-A1CB-3423F3BE4D23}"/>
               </a:ext>
             </a:extLst>
           </p:cNvPr>
@@ -33060,192 +31384,48 @@
         </p:nvSpPr>
         <p:spPr>
           <a:xfrm>
-            <a:off x="581194" y="1896533"/>
-            <a:ext cx="6309003" cy="3962266"/>
+            <a:off x="578515" y="785470"/>
+            <a:ext cx="5633099" cy="523220"/>
           </a:xfrm>
           <a:prstGeom prst="rect">
             <a:avLst/>
           </a:prstGeom>
+          <a:noFill/>
         </p:spPr>
         <p:txBody>
-          <a:bodyPr vert="horz" lIns="91440" tIns="45720" rIns="91440" bIns="45720" rtlCol="0" anchor="ctr">
-            <a:normAutofit/>
+          <a:bodyPr wrap="square" rtlCol="0">
+            <a:spAutoFit/>
           </a:bodyPr>
           <a:lstStyle/>
           <a:p>
-            <a:pPr defTabSz="457200">
-              <a:spcBef>
-                <a:spcPct val="20000"/>
-              </a:spcBef>
-              <a:spcAft>
-                <a:spcPts val="600"/>
-              </a:spcAft>
-              <a:buClr>
-                <a:schemeClr val="accent1"/>
-              </a:buClr>
-              <a:buSzPct val="92000"/>
-            </a:pPr>
             <a:r>
-              <a:rPr lang="en-US" dirty="0">
+              <a:rPr lang="de-AT" sz="2800" dirty="0">
                 <a:solidFill>
-                  <a:schemeClr val="tx2"/>
+                  <a:schemeClr val="tx1">
+                    <a:lumMod val="75000"/>
+                    <a:lumOff val="25000"/>
+                  </a:schemeClr>
                 </a:solidFill>
+                <a:latin typeface="+mj-lt"/>
               </a:rPr>
-              <a:t>Implemented and abstracted the Lag-Llama, </a:t>
+              <a:t>Minimum Viable Prototype</a:t>
             </a:r>
-            <a:r>
-              <a:rPr lang="en-US" dirty="0" err="1">
-                <a:solidFill>
-                  <a:schemeClr val="tx2"/>
-                </a:solidFill>
-              </a:rPr>
-              <a:t>autoARIMA</a:t>
-            </a:r>
-            <a:r>
-              <a:rPr lang="en-US" dirty="0">
-                <a:solidFill>
-                  <a:schemeClr val="tx2"/>
-                </a:solidFill>
-              </a:rPr>
-              <a:t> and </a:t>
-            </a:r>
-            <a:r>
-              <a:rPr lang="en-US" dirty="0" err="1">
-                <a:solidFill>
-                  <a:schemeClr val="tx2"/>
-                </a:solidFill>
-              </a:rPr>
-              <a:t>autoRegressor</a:t>
-            </a:r>
-            <a:r>
-              <a:rPr lang="en-US" dirty="0">
-                <a:solidFill>
-                  <a:schemeClr val="tx2"/>
-                </a:solidFill>
-              </a:rPr>
-              <a:t> models</a:t>
-            </a:r>
-          </a:p>
-          <a:p>
-            <a:pPr marL="800100" lvl="1" indent="-342900" defTabSz="457200">
-              <a:spcBef>
-                <a:spcPct val="20000"/>
-              </a:spcBef>
-              <a:spcAft>
-                <a:spcPts val="600"/>
-              </a:spcAft>
-              <a:buClr>
-                <a:schemeClr val="accent1"/>
-              </a:buClr>
-              <a:buSzPct val="92000"/>
-              <a:buFont typeface="Wingdings 2" panose="05020102010507070707" pitchFamily="18" charset="2"/>
-              <a:buChar char=""/>
-            </a:pPr>
-            <a:r>
-              <a:rPr lang="en-US" dirty="0">
-                <a:solidFill>
-                  <a:schemeClr val="tx2"/>
-                </a:solidFill>
-              </a:rPr>
-              <a:t>get_(MODEL_NAME)_predictions(data, </a:t>
-            </a:r>
-            <a:r>
-              <a:rPr lang="en-US" dirty="0" err="1">
-                <a:solidFill>
-                  <a:schemeClr val="tx2"/>
-                </a:solidFill>
-              </a:rPr>
-              <a:t>prediction_horizon</a:t>
-            </a:r>
-            <a:r>
-              <a:rPr lang="en-US" dirty="0">
-                <a:solidFill>
-                  <a:schemeClr val="tx2"/>
-                </a:solidFill>
-              </a:rPr>
-              <a:t>)</a:t>
-            </a:r>
-          </a:p>
-          <a:p>
-            <a:pPr marL="800100" lvl="1" indent="-342900" defTabSz="457200">
-              <a:spcBef>
-                <a:spcPct val="20000"/>
-              </a:spcBef>
-              <a:spcAft>
-                <a:spcPts val="600"/>
-              </a:spcAft>
-              <a:buClr>
-                <a:schemeClr val="accent1"/>
-              </a:buClr>
-              <a:buSzPct val="92000"/>
-              <a:buFont typeface="Wingdings 2" panose="05020102010507070707" pitchFamily="18" charset="2"/>
-              <a:buChar char=""/>
-            </a:pPr>
-            <a:r>
-              <a:rPr lang="en-US" dirty="0">
-                <a:solidFill>
-                  <a:schemeClr val="tx2"/>
-                </a:solidFill>
-              </a:rPr>
-              <a:t>Standardized all the models is a way that they take data of the same format as input</a:t>
-            </a:r>
-          </a:p>
-          <a:p>
-            <a:pPr defTabSz="457200">
-              <a:spcBef>
-                <a:spcPct val="20000"/>
-              </a:spcBef>
-              <a:spcAft>
-                <a:spcPts val="600"/>
-              </a:spcAft>
-              <a:buClr>
-                <a:schemeClr val="accent1"/>
-              </a:buClr>
-              <a:buSzPct val="92000"/>
-              <a:buFont typeface="Wingdings 2" panose="05020102010507070707" pitchFamily="18" charset="2"/>
-              <a:buChar char=""/>
-            </a:pPr>
-            <a:endParaRPr lang="en-US" dirty="0">
+            <a:endParaRPr lang="en-GB" sz="2800" dirty="0">
               <a:solidFill>
-                <a:schemeClr val="tx2"/>
+                <a:schemeClr val="tx1">
+                  <a:lumMod val="75000"/>
+                  <a:lumOff val="25000"/>
+                </a:schemeClr>
               </a:solidFill>
+              <a:latin typeface="+mj-lt"/>
             </a:endParaRPr>
           </a:p>
         </p:txBody>
       </p:sp>
-      <p:pic>
-        <p:nvPicPr>
-          <p:cNvPr id="4" name="Picture 3" descr="A race between four rabbits and one tortoise and the tortoise is on the lead">
-            <a:extLst>
-              <a:ext uri="{FF2B5EF4-FFF2-40B4-BE49-F238E27FC236}">
-                <a16:creationId xmlns:a16="http://schemas.microsoft.com/office/drawing/2014/main" id="{3331FED0-800A-B832-B89F-80CEFF04C291}"/>
-              </a:ext>
-            </a:extLst>
-          </p:cNvPr>
-          <p:cNvPicPr>
-            <a:picLocks noChangeAspect="1"/>
-          </p:cNvPicPr>
-          <p:nvPr/>
-        </p:nvPicPr>
-        <p:blipFill rotWithShape="1">
-          <a:blip r:embed="rId3"/>
-          <a:srcRect l="23170" r="21665" b="2"/>
-          <a:stretch/>
-        </p:blipFill>
-        <p:spPr>
-          <a:xfrm>
-            <a:off x="7521283" y="10"/>
-            <a:ext cx="4670717" cy="6857990"/>
-          </a:xfrm>
-          <a:prstGeom prst="rect">
-            <a:avLst/>
-          </a:prstGeom>
-        </p:spPr>
-      </p:pic>
     </p:spTree>
     <p:extLst>
       <p:ext uri="{BB962C8B-B14F-4D97-AF65-F5344CB8AC3E}">
-        <p14:creationId xmlns:p14="http://schemas.microsoft.com/office/powerpoint/2010/main" val="975458511"/>
+        <p14:creationId xmlns:p14="http://schemas.microsoft.com/office/powerpoint/2010/main" val="1879918951"/>
       </p:ext>
     </p:extLst>
   </p:cSld>
@@ -33255,1580 +31435,7 @@
 </p:sld>
 </file>
 
-<file path=ppt/slides/slide16.xml><?xml version="1.0" encoding="utf-8"?>
-<p:sld xmlns:a="http://schemas.openxmlformats.org/drawingml/2006/main" xmlns:r="http://schemas.openxmlformats.org/officeDocument/2006/relationships" xmlns:p="http://schemas.openxmlformats.org/presentationml/2006/main" show="0">
-  <p:cSld>
-    <p:bg>
-      <p:bgPr>
-        <a:solidFill>
-          <a:schemeClr val="bg1"/>
-        </a:solidFill>
-        <a:effectLst/>
-      </p:bgPr>
-    </p:bg>
-    <p:spTree>
-      <p:nvGrpSpPr>
-        <p:cNvPr id="1" name=""/>
-        <p:cNvGrpSpPr/>
-        <p:nvPr/>
-      </p:nvGrpSpPr>
-      <p:grpSpPr>
-        <a:xfrm>
-          <a:off x="0" y="0"/>
-          <a:ext cx="0" cy="0"/>
-          <a:chOff x="0" y="0"/>
-          <a:chExt cx="0" cy="0"/>
-        </a:xfrm>
-      </p:grpSpPr>
-      <p:sp>
-        <p:nvSpPr>
-          <p:cNvPr id="8" name="Rectangle 7">
-            <a:extLst>
-              <a:ext uri="{FF2B5EF4-FFF2-40B4-BE49-F238E27FC236}">
-                <a16:creationId xmlns:a16="http://schemas.microsoft.com/office/drawing/2014/main" id="{E6C8E6EB-4C59-429B-97E4-72A058CFC4FB}"/>
-              </a:ext>
-              <a:ext uri="{C183D7F6-B498-43B3-948B-1728B52AA6E4}">
-                <adec:decorative xmlns:adec="http://schemas.microsoft.com/office/drawing/2017/decorative" val="1"/>
-              </a:ext>
-            </a:extLst>
-          </p:cNvPr>
-          <p:cNvSpPr>
-            <a:spLocks noGrp="1" noRot="1" noChangeAspect="1" noMove="1" noResize="1" noEditPoints="1" noAdjustHandles="1" noChangeArrowheads="1" noChangeShapeType="1" noTextEdit="1"/>
-          </p:cNvSpPr>
-          <p:nvPr>
-            <p:extLst>
-              <p:ext uri="{386F3935-93C4-4BCD-93E2-E3B085C9AB24}">
-                <p16:designElem xmlns:p16="http://schemas.microsoft.com/office/powerpoint/2015/main" val="1"/>
-              </p:ext>
-            </p:extLst>
-          </p:nvPr>
-        </p:nvSpPr>
-        <p:spPr>
-          <a:xfrm>
-            <a:off x="446534" y="457200"/>
-            <a:ext cx="3703320" cy="94997"/>
-          </a:xfrm>
-          <a:prstGeom prst="rect">
-            <a:avLst/>
-          </a:prstGeom>
-          <a:solidFill>
-            <a:srgbClr val="465359"/>
-          </a:solidFill>
-          <a:ln>
-            <a:noFill/>
-          </a:ln>
-          <a:effectLst/>
-        </p:spPr>
-        <p:style>
-          <a:lnRef idx="1">
-            <a:schemeClr val="accent1"/>
-          </a:lnRef>
-          <a:fillRef idx="3">
-            <a:schemeClr val="accent1"/>
-          </a:fillRef>
-          <a:effectRef idx="2">
-            <a:schemeClr val="accent1"/>
-          </a:effectRef>
-          <a:fontRef idx="minor">
-            <a:schemeClr val="lt1"/>
-          </a:fontRef>
-        </p:style>
-        <p:txBody>
-          <a:bodyPr/>
-          <a:lstStyle/>
-          <a:p>
-            <a:endParaRPr lang="en-GB"/>
-          </a:p>
-        </p:txBody>
-      </p:sp>
-      <p:sp>
-        <p:nvSpPr>
-          <p:cNvPr id="10" name="Rectangle 9">
-            <a:extLst>
-              <a:ext uri="{FF2B5EF4-FFF2-40B4-BE49-F238E27FC236}">
-                <a16:creationId xmlns:a16="http://schemas.microsoft.com/office/drawing/2014/main" id="{B5B90362-AFCC-46A9-B41C-A257A8C5B314}"/>
-              </a:ext>
-              <a:ext uri="{C183D7F6-B498-43B3-948B-1728B52AA6E4}">
-                <adec:decorative xmlns:adec="http://schemas.microsoft.com/office/drawing/2017/decorative" val="1"/>
-              </a:ext>
-            </a:extLst>
-          </p:cNvPr>
-          <p:cNvSpPr>
-            <a:spLocks noGrp="1" noRot="1" noChangeAspect="1" noMove="1" noResize="1" noEditPoints="1" noAdjustHandles="1" noChangeArrowheads="1" noChangeShapeType="1" noTextEdit="1"/>
-          </p:cNvSpPr>
-          <p:nvPr>
-            <p:extLst>
-              <p:ext uri="{386F3935-93C4-4BCD-93E2-E3B085C9AB24}">
-                <p16:designElem xmlns:p16="http://schemas.microsoft.com/office/powerpoint/2015/main" val="1"/>
-              </p:ext>
-            </p:extLst>
-          </p:nvPr>
-        </p:nvSpPr>
-        <p:spPr>
-          <a:xfrm>
-            <a:off x="8042147" y="453643"/>
-            <a:ext cx="3703320" cy="98554"/>
-          </a:xfrm>
-          <a:prstGeom prst="rect">
-            <a:avLst/>
-          </a:prstGeom>
-          <a:solidFill>
-            <a:srgbClr val="969FA7"/>
-          </a:solidFill>
-          <a:ln>
-            <a:noFill/>
-          </a:ln>
-          <a:effectLst/>
-        </p:spPr>
-        <p:style>
-          <a:lnRef idx="1">
-            <a:schemeClr val="accent1"/>
-          </a:lnRef>
-          <a:fillRef idx="3">
-            <a:schemeClr val="accent1"/>
-          </a:fillRef>
-          <a:effectRef idx="2">
-            <a:schemeClr val="accent1"/>
-          </a:effectRef>
-          <a:fontRef idx="minor">
-            <a:schemeClr val="lt1"/>
-          </a:fontRef>
-        </p:style>
-        <p:txBody>
-          <a:bodyPr/>
-          <a:lstStyle/>
-          <a:p>
-            <a:endParaRPr lang="en-GB"/>
-          </a:p>
-        </p:txBody>
-      </p:sp>
-      <p:sp>
-        <p:nvSpPr>
-          <p:cNvPr id="12" name="Rectangle 11">
-            <a:extLst>
-              <a:ext uri="{FF2B5EF4-FFF2-40B4-BE49-F238E27FC236}">
-                <a16:creationId xmlns:a16="http://schemas.microsoft.com/office/drawing/2014/main" id="{F71EF7F1-38BA-471D-8CD4-2A9AE8E35527}"/>
-              </a:ext>
-              <a:ext uri="{C183D7F6-B498-43B3-948B-1728B52AA6E4}">
-                <adec:decorative xmlns:adec="http://schemas.microsoft.com/office/drawing/2017/decorative" val="1"/>
-              </a:ext>
-            </a:extLst>
-          </p:cNvPr>
-          <p:cNvSpPr>
-            <a:spLocks noGrp="1" noRot="1" noChangeAspect="1" noMove="1" noResize="1" noEditPoints="1" noAdjustHandles="1" noChangeArrowheads="1" noChangeShapeType="1" noTextEdit="1"/>
-          </p:cNvSpPr>
-          <p:nvPr>
-            <p:extLst>
-              <p:ext uri="{386F3935-93C4-4BCD-93E2-E3B085C9AB24}">
-                <p16:designElem xmlns:p16="http://schemas.microsoft.com/office/powerpoint/2015/main" val="1"/>
-              </p:ext>
-            </p:extLst>
-          </p:nvPr>
-        </p:nvSpPr>
-        <p:spPr>
-          <a:xfrm>
-            <a:off x="4241830" y="457200"/>
-            <a:ext cx="3703320" cy="91440"/>
-          </a:xfrm>
-          <a:prstGeom prst="rect">
-            <a:avLst/>
-          </a:prstGeom>
-          <a:solidFill>
-            <a:schemeClr val="accent1"/>
-          </a:solidFill>
-          <a:ln>
-            <a:noFill/>
-          </a:ln>
-          <a:effectLst/>
-        </p:spPr>
-        <p:style>
-          <a:lnRef idx="1">
-            <a:schemeClr val="accent1"/>
-          </a:lnRef>
-          <a:fillRef idx="3">
-            <a:schemeClr val="accent1"/>
-          </a:fillRef>
-          <a:effectRef idx="2">
-            <a:schemeClr val="accent1"/>
-          </a:effectRef>
-          <a:fontRef idx="minor">
-            <a:schemeClr val="lt1"/>
-          </a:fontRef>
-        </p:style>
-        <p:txBody>
-          <a:bodyPr/>
-          <a:lstStyle/>
-          <a:p>
-            <a:endParaRPr lang="en-GB"/>
-          </a:p>
-        </p:txBody>
-      </p:sp>
-      <p:sp useBgFill="1">
-        <p:nvSpPr>
-          <p:cNvPr id="14" name="Rectangle 13">
-            <a:extLst>
-              <a:ext uri="{FF2B5EF4-FFF2-40B4-BE49-F238E27FC236}">
-                <a16:creationId xmlns:a16="http://schemas.microsoft.com/office/drawing/2014/main" id="{504BED40-EAF7-4E55-AFF7-2CD840EBD3AA}"/>
-              </a:ext>
-              <a:ext uri="{C183D7F6-B498-43B3-948B-1728B52AA6E4}">
-                <adec:decorative xmlns:adec="http://schemas.microsoft.com/office/drawing/2017/decorative" val="1"/>
-              </a:ext>
-            </a:extLst>
-          </p:cNvPr>
-          <p:cNvSpPr>
-            <a:spLocks noGrp="1" noRot="1" noChangeAspect="1" noMove="1" noResize="1" noEditPoints="1" noAdjustHandles="1" noChangeArrowheads="1" noChangeShapeType="1" noTextEdit="1"/>
-          </p:cNvSpPr>
-          <p:nvPr>
-            <p:extLst>
-              <p:ext uri="{386F3935-93C4-4BCD-93E2-E3B085C9AB24}">
-                <p16:designElem xmlns:p16="http://schemas.microsoft.com/office/powerpoint/2015/main" val="1"/>
-              </p:ext>
-            </p:extLst>
-          </p:nvPr>
-        </p:nvSpPr>
-        <p:spPr>
-          <a:xfrm>
-            <a:off x="0" y="0"/>
-            <a:ext cx="12192000" cy="6858000"/>
-          </a:xfrm>
-          <a:prstGeom prst="rect">
-            <a:avLst/>
-          </a:prstGeom>
-          <a:ln>
-            <a:noFill/>
-          </a:ln>
-        </p:spPr>
-        <p:style>
-          <a:lnRef idx="2">
-            <a:schemeClr val="accent1">
-              <a:shade val="50000"/>
-            </a:schemeClr>
-          </a:lnRef>
-          <a:fillRef idx="1">
-            <a:schemeClr val="accent1"/>
-          </a:fillRef>
-          <a:effectRef idx="0">
-            <a:schemeClr val="accent1"/>
-          </a:effectRef>
-          <a:fontRef idx="minor">
-            <a:schemeClr val="lt1"/>
-          </a:fontRef>
-        </p:style>
-        <p:txBody>
-          <a:bodyPr rtlCol="0" anchor="ctr"/>
-          <a:lstStyle/>
-          <a:p>
-            <a:pPr algn="ctr"/>
-            <a:endParaRPr lang="en-US"/>
-          </a:p>
-        </p:txBody>
-      </p:sp>
-      <p:sp>
-        <p:nvSpPr>
-          <p:cNvPr id="16" name="Rectangle 15">
-            <a:extLst>
-              <a:ext uri="{FF2B5EF4-FFF2-40B4-BE49-F238E27FC236}">
-                <a16:creationId xmlns:a16="http://schemas.microsoft.com/office/drawing/2014/main" id="{F367CCF1-BB1E-41CF-8499-94A870C33EFA}"/>
-              </a:ext>
-              <a:ext uri="{C183D7F6-B498-43B3-948B-1728B52AA6E4}">
-                <adec:decorative xmlns:adec="http://schemas.microsoft.com/office/drawing/2017/decorative" val="1"/>
-              </a:ext>
-            </a:extLst>
-          </p:cNvPr>
-          <p:cNvSpPr>
-            <a:spLocks noGrp="1" noRot="1" noChangeAspect="1" noMove="1" noResize="1" noEditPoints="1" noAdjustHandles="1" noChangeArrowheads="1" noChangeShapeType="1" noTextEdit="1"/>
-          </p:cNvSpPr>
-          <p:nvPr>
-            <p:extLst>
-              <p:ext uri="{386F3935-93C4-4BCD-93E2-E3B085C9AB24}">
-                <p16:designElem xmlns:p16="http://schemas.microsoft.com/office/powerpoint/2015/main" val="1"/>
-              </p:ext>
-            </p:extLst>
-          </p:nvPr>
-        </p:nvSpPr>
-        <p:spPr>
-          <a:xfrm>
-            <a:off x="446534" y="457200"/>
-            <a:ext cx="6675120" cy="94997"/>
-          </a:xfrm>
-          <a:prstGeom prst="rect">
-            <a:avLst/>
-          </a:prstGeom>
-          <a:solidFill>
-            <a:schemeClr val="accent1"/>
-          </a:solidFill>
-          <a:ln>
-            <a:noFill/>
-          </a:ln>
-          <a:effectLst/>
-        </p:spPr>
-        <p:style>
-          <a:lnRef idx="1">
-            <a:schemeClr val="accent1"/>
-          </a:lnRef>
-          <a:fillRef idx="3">
-            <a:schemeClr val="accent1"/>
-          </a:fillRef>
-          <a:effectRef idx="2">
-            <a:schemeClr val="accent1"/>
-          </a:effectRef>
-          <a:fontRef idx="minor">
-            <a:schemeClr val="lt1"/>
-          </a:fontRef>
-        </p:style>
-        <p:txBody>
-          <a:bodyPr/>
-          <a:lstStyle/>
-          <a:p>
-            <a:endParaRPr lang="en-US"/>
-          </a:p>
-        </p:txBody>
-      </p:sp>
-      <p:sp>
-        <p:nvSpPr>
-          <p:cNvPr id="2" name="TextBox 1">
-            <a:extLst>
-              <a:ext uri="{FF2B5EF4-FFF2-40B4-BE49-F238E27FC236}">
-                <a16:creationId xmlns:a16="http://schemas.microsoft.com/office/drawing/2014/main" id="{B69601C3-1E91-F946-C22E-033B52C0BB56}"/>
-              </a:ext>
-            </a:extLst>
-          </p:cNvPr>
-          <p:cNvSpPr txBox="1"/>
-          <p:nvPr/>
-        </p:nvSpPr>
-        <p:spPr>
-          <a:xfrm>
-            <a:off x="581194" y="1896533"/>
-            <a:ext cx="6309003" cy="3962266"/>
-          </a:xfrm>
-          <a:prstGeom prst="rect">
-            <a:avLst/>
-          </a:prstGeom>
-        </p:spPr>
-        <p:txBody>
-          <a:bodyPr vert="horz" lIns="91440" tIns="45720" rIns="91440" bIns="45720" rtlCol="0" anchor="ctr">
-            <a:normAutofit/>
-          </a:bodyPr>
-          <a:lstStyle/>
-          <a:p>
-            <a:pPr defTabSz="457200">
-              <a:spcBef>
-                <a:spcPct val="20000"/>
-              </a:spcBef>
-              <a:spcAft>
-                <a:spcPts val="600"/>
-              </a:spcAft>
-              <a:buClr>
-                <a:schemeClr val="accent1"/>
-              </a:buClr>
-              <a:buSzPct val="92000"/>
-            </a:pPr>
-            <a:r>
-              <a:rPr lang="en-US" dirty="0">
-                <a:solidFill>
-                  <a:schemeClr val="tx2"/>
-                </a:solidFill>
-              </a:rPr>
-              <a:t>Implemented rudimentary data sourcing capabilities which enables loading, writing and reading of the different types of data</a:t>
-            </a:r>
-          </a:p>
-          <a:p>
-            <a:pPr marL="742950" lvl="1" indent="-285750" defTabSz="457200">
-              <a:spcBef>
-                <a:spcPct val="20000"/>
-              </a:spcBef>
-              <a:spcAft>
-                <a:spcPts val="600"/>
-              </a:spcAft>
-              <a:buClr>
-                <a:schemeClr val="accent1"/>
-              </a:buClr>
-              <a:buSzPct val="92000"/>
-              <a:buFont typeface="Wingdings 2" panose="05020102010507070707" pitchFamily="18" charset="2"/>
-              <a:buChar char=""/>
-            </a:pPr>
-            <a:r>
-              <a:rPr lang="en-US" dirty="0" err="1">
-                <a:solidFill>
-                  <a:schemeClr val="tx2"/>
-                </a:solidFill>
-              </a:rPr>
-              <a:t>data_loader</a:t>
-            </a:r>
-            <a:endParaRPr lang="en-US" dirty="0">
-              <a:solidFill>
-                <a:schemeClr val="tx2"/>
-              </a:solidFill>
-            </a:endParaRPr>
-          </a:p>
-          <a:p>
-            <a:pPr marL="742950" lvl="1" indent="-285750" defTabSz="457200">
-              <a:spcBef>
-                <a:spcPct val="20000"/>
-              </a:spcBef>
-              <a:spcAft>
-                <a:spcPts val="600"/>
-              </a:spcAft>
-              <a:buClr>
-                <a:schemeClr val="accent1"/>
-              </a:buClr>
-              <a:buSzPct val="92000"/>
-              <a:buFont typeface="Wingdings 2" panose="05020102010507070707" pitchFamily="18" charset="2"/>
-              <a:buChar char=""/>
-            </a:pPr>
-            <a:r>
-              <a:rPr lang="en-US" dirty="0" err="1">
-                <a:solidFill>
-                  <a:schemeClr val="tx2"/>
-                </a:solidFill>
-              </a:rPr>
-              <a:t>data_writer</a:t>
-            </a:r>
-            <a:endParaRPr lang="en-US" dirty="0">
-              <a:solidFill>
-                <a:schemeClr val="tx2"/>
-              </a:solidFill>
-            </a:endParaRPr>
-          </a:p>
-          <a:p>
-            <a:pPr marL="742950" lvl="1" indent="-285750" defTabSz="457200">
-              <a:spcBef>
-                <a:spcPct val="20000"/>
-              </a:spcBef>
-              <a:spcAft>
-                <a:spcPts val="600"/>
-              </a:spcAft>
-              <a:buClr>
-                <a:schemeClr val="accent1"/>
-              </a:buClr>
-              <a:buSzPct val="92000"/>
-              <a:buFont typeface="Wingdings 2" panose="05020102010507070707" pitchFamily="18" charset="2"/>
-              <a:buChar char=""/>
-            </a:pPr>
-            <a:r>
-              <a:rPr lang="en-US" dirty="0" err="1">
-                <a:solidFill>
-                  <a:schemeClr val="tx2"/>
-                </a:solidFill>
-              </a:rPr>
-              <a:t>data_reader</a:t>
-            </a:r>
-            <a:endParaRPr lang="en-US" dirty="0">
-              <a:solidFill>
-                <a:schemeClr val="tx2"/>
-              </a:solidFill>
-            </a:endParaRPr>
-          </a:p>
-        </p:txBody>
-      </p:sp>
-      <p:pic>
-        <p:nvPicPr>
-          <p:cNvPr id="4" name="Picture 3" descr="Computer script on a screen">
-            <a:extLst>
-              <a:ext uri="{FF2B5EF4-FFF2-40B4-BE49-F238E27FC236}">
-                <a16:creationId xmlns:a16="http://schemas.microsoft.com/office/drawing/2014/main" id="{75A65DEF-0A91-E2AB-8088-3A0B5A9C2C76}"/>
-              </a:ext>
-            </a:extLst>
-          </p:cNvPr>
-          <p:cNvPicPr>
-            <a:picLocks noChangeAspect="1"/>
-          </p:cNvPicPr>
-          <p:nvPr/>
-        </p:nvPicPr>
-        <p:blipFill rotWithShape="1">
-          <a:blip r:embed="rId2"/>
-          <a:srcRect l="7383" r="47155" b="-1"/>
-          <a:stretch/>
-        </p:blipFill>
-        <p:spPr>
-          <a:xfrm>
-            <a:off x="7521283" y="10"/>
-            <a:ext cx="4670717" cy="6857990"/>
-          </a:xfrm>
-          <a:prstGeom prst="rect">
-            <a:avLst/>
-          </a:prstGeom>
-        </p:spPr>
-      </p:pic>
-    </p:spTree>
-    <p:extLst>
-      <p:ext uri="{BB962C8B-B14F-4D97-AF65-F5344CB8AC3E}">
-        <p14:creationId xmlns:p14="http://schemas.microsoft.com/office/powerpoint/2010/main" val="66811996"/>
-      </p:ext>
-    </p:extLst>
-  </p:cSld>
-  <p:clrMapOvr>
-    <a:masterClrMapping/>
-  </p:clrMapOvr>
-</p:sld>
-</file>
-
-<file path=ppt/slides/slide17.xml><?xml version="1.0" encoding="utf-8"?>
-<p:sld xmlns:a="http://schemas.openxmlformats.org/drawingml/2006/main" xmlns:r="http://schemas.openxmlformats.org/officeDocument/2006/relationships" xmlns:p="http://schemas.openxmlformats.org/presentationml/2006/main" show="0">
-  <p:cSld>
-    <p:bg>
-      <p:bgPr>
-        <a:solidFill>
-          <a:schemeClr val="bg1"/>
-        </a:solidFill>
-        <a:effectLst/>
-      </p:bgPr>
-    </p:bg>
-    <p:spTree>
-      <p:nvGrpSpPr>
-        <p:cNvPr id="1" name=""/>
-        <p:cNvGrpSpPr/>
-        <p:nvPr/>
-      </p:nvGrpSpPr>
-      <p:grpSpPr>
-        <a:xfrm>
-          <a:off x="0" y="0"/>
-          <a:ext cx="0" cy="0"/>
-          <a:chOff x="0" y="0"/>
-          <a:chExt cx="0" cy="0"/>
-        </a:xfrm>
-      </p:grpSpPr>
-      <p:sp>
-        <p:nvSpPr>
-          <p:cNvPr id="8" name="Rectangle 7">
-            <a:extLst>
-              <a:ext uri="{FF2B5EF4-FFF2-40B4-BE49-F238E27FC236}">
-                <a16:creationId xmlns:a16="http://schemas.microsoft.com/office/drawing/2014/main" id="{E6C8E6EB-4C59-429B-97E4-72A058CFC4FB}"/>
-              </a:ext>
-              <a:ext uri="{C183D7F6-B498-43B3-948B-1728B52AA6E4}">
-                <adec:decorative xmlns:adec="http://schemas.microsoft.com/office/drawing/2017/decorative" val="1"/>
-              </a:ext>
-            </a:extLst>
-          </p:cNvPr>
-          <p:cNvSpPr>
-            <a:spLocks noGrp="1" noRot="1" noChangeAspect="1" noMove="1" noResize="1" noEditPoints="1" noAdjustHandles="1" noChangeArrowheads="1" noChangeShapeType="1" noTextEdit="1"/>
-          </p:cNvSpPr>
-          <p:nvPr>
-            <p:extLst>
-              <p:ext uri="{386F3935-93C4-4BCD-93E2-E3B085C9AB24}">
-                <p16:designElem xmlns:p16="http://schemas.microsoft.com/office/powerpoint/2015/main" val="1"/>
-              </p:ext>
-            </p:extLst>
-          </p:nvPr>
-        </p:nvSpPr>
-        <p:spPr>
-          <a:xfrm>
-            <a:off x="446534" y="457200"/>
-            <a:ext cx="3703320" cy="94997"/>
-          </a:xfrm>
-          <a:prstGeom prst="rect">
-            <a:avLst/>
-          </a:prstGeom>
-          <a:solidFill>
-            <a:srgbClr val="465359"/>
-          </a:solidFill>
-          <a:ln>
-            <a:noFill/>
-          </a:ln>
-          <a:effectLst/>
-        </p:spPr>
-        <p:style>
-          <a:lnRef idx="1">
-            <a:schemeClr val="accent1"/>
-          </a:lnRef>
-          <a:fillRef idx="3">
-            <a:schemeClr val="accent1"/>
-          </a:fillRef>
-          <a:effectRef idx="2">
-            <a:schemeClr val="accent1"/>
-          </a:effectRef>
-          <a:fontRef idx="minor">
-            <a:schemeClr val="lt1"/>
-          </a:fontRef>
-        </p:style>
-        <p:txBody>
-          <a:bodyPr/>
-          <a:lstStyle/>
-          <a:p>
-            <a:endParaRPr lang="en-GB"/>
-          </a:p>
-        </p:txBody>
-      </p:sp>
-      <p:sp>
-        <p:nvSpPr>
-          <p:cNvPr id="10" name="Rectangle 9">
-            <a:extLst>
-              <a:ext uri="{FF2B5EF4-FFF2-40B4-BE49-F238E27FC236}">
-                <a16:creationId xmlns:a16="http://schemas.microsoft.com/office/drawing/2014/main" id="{B5B90362-AFCC-46A9-B41C-A257A8C5B314}"/>
-              </a:ext>
-              <a:ext uri="{C183D7F6-B498-43B3-948B-1728B52AA6E4}">
-                <adec:decorative xmlns:adec="http://schemas.microsoft.com/office/drawing/2017/decorative" val="1"/>
-              </a:ext>
-            </a:extLst>
-          </p:cNvPr>
-          <p:cNvSpPr>
-            <a:spLocks noGrp="1" noRot="1" noChangeAspect="1" noMove="1" noResize="1" noEditPoints="1" noAdjustHandles="1" noChangeArrowheads="1" noChangeShapeType="1" noTextEdit="1"/>
-          </p:cNvSpPr>
-          <p:nvPr>
-            <p:extLst>
-              <p:ext uri="{386F3935-93C4-4BCD-93E2-E3B085C9AB24}">
-                <p16:designElem xmlns:p16="http://schemas.microsoft.com/office/powerpoint/2015/main" val="1"/>
-              </p:ext>
-            </p:extLst>
-          </p:nvPr>
-        </p:nvSpPr>
-        <p:spPr>
-          <a:xfrm>
-            <a:off x="8042147" y="453643"/>
-            <a:ext cx="3703320" cy="98554"/>
-          </a:xfrm>
-          <a:prstGeom prst="rect">
-            <a:avLst/>
-          </a:prstGeom>
-          <a:solidFill>
-            <a:srgbClr val="969FA7"/>
-          </a:solidFill>
-          <a:ln>
-            <a:noFill/>
-          </a:ln>
-          <a:effectLst/>
-        </p:spPr>
-        <p:style>
-          <a:lnRef idx="1">
-            <a:schemeClr val="accent1"/>
-          </a:lnRef>
-          <a:fillRef idx="3">
-            <a:schemeClr val="accent1"/>
-          </a:fillRef>
-          <a:effectRef idx="2">
-            <a:schemeClr val="accent1"/>
-          </a:effectRef>
-          <a:fontRef idx="minor">
-            <a:schemeClr val="lt1"/>
-          </a:fontRef>
-        </p:style>
-        <p:txBody>
-          <a:bodyPr/>
-          <a:lstStyle/>
-          <a:p>
-            <a:endParaRPr lang="en-GB"/>
-          </a:p>
-        </p:txBody>
-      </p:sp>
-      <p:sp>
-        <p:nvSpPr>
-          <p:cNvPr id="12" name="Rectangle 11">
-            <a:extLst>
-              <a:ext uri="{FF2B5EF4-FFF2-40B4-BE49-F238E27FC236}">
-                <a16:creationId xmlns:a16="http://schemas.microsoft.com/office/drawing/2014/main" id="{F71EF7F1-38BA-471D-8CD4-2A9AE8E35527}"/>
-              </a:ext>
-              <a:ext uri="{C183D7F6-B498-43B3-948B-1728B52AA6E4}">
-                <adec:decorative xmlns:adec="http://schemas.microsoft.com/office/drawing/2017/decorative" val="1"/>
-              </a:ext>
-            </a:extLst>
-          </p:cNvPr>
-          <p:cNvSpPr>
-            <a:spLocks noGrp="1" noRot="1" noChangeAspect="1" noMove="1" noResize="1" noEditPoints="1" noAdjustHandles="1" noChangeArrowheads="1" noChangeShapeType="1" noTextEdit="1"/>
-          </p:cNvSpPr>
-          <p:nvPr>
-            <p:extLst>
-              <p:ext uri="{386F3935-93C4-4BCD-93E2-E3B085C9AB24}">
-                <p16:designElem xmlns:p16="http://schemas.microsoft.com/office/powerpoint/2015/main" val="1"/>
-              </p:ext>
-            </p:extLst>
-          </p:nvPr>
-        </p:nvSpPr>
-        <p:spPr>
-          <a:xfrm>
-            <a:off x="4241830" y="457200"/>
-            <a:ext cx="3703320" cy="91440"/>
-          </a:xfrm>
-          <a:prstGeom prst="rect">
-            <a:avLst/>
-          </a:prstGeom>
-          <a:solidFill>
-            <a:schemeClr val="accent1"/>
-          </a:solidFill>
-          <a:ln>
-            <a:noFill/>
-          </a:ln>
-          <a:effectLst/>
-        </p:spPr>
-        <p:style>
-          <a:lnRef idx="1">
-            <a:schemeClr val="accent1"/>
-          </a:lnRef>
-          <a:fillRef idx="3">
-            <a:schemeClr val="accent1"/>
-          </a:fillRef>
-          <a:effectRef idx="2">
-            <a:schemeClr val="accent1"/>
-          </a:effectRef>
-          <a:fontRef idx="minor">
-            <a:schemeClr val="lt1"/>
-          </a:fontRef>
-        </p:style>
-        <p:txBody>
-          <a:bodyPr/>
-          <a:lstStyle/>
-          <a:p>
-            <a:endParaRPr lang="en-GB"/>
-          </a:p>
-        </p:txBody>
-      </p:sp>
-      <p:sp useBgFill="1">
-        <p:nvSpPr>
-          <p:cNvPr id="14" name="Rectangle 13">
-            <a:extLst>
-              <a:ext uri="{FF2B5EF4-FFF2-40B4-BE49-F238E27FC236}">
-                <a16:creationId xmlns:a16="http://schemas.microsoft.com/office/drawing/2014/main" id="{504BED40-EAF7-4E55-AFF7-2CD840EBD3AA}"/>
-              </a:ext>
-              <a:ext uri="{C183D7F6-B498-43B3-948B-1728B52AA6E4}">
-                <adec:decorative xmlns:adec="http://schemas.microsoft.com/office/drawing/2017/decorative" val="1"/>
-              </a:ext>
-            </a:extLst>
-          </p:cNvPr>
-          <p:cNvSpPr>
-            <a:spLocks noGrp="1" noRot="1" noChangeAspect="1" noMove="1" noResize="1" noEditPoints="1" noAdjustHandles="1" noChangeArrowheads="1" noChangeShapeType="1" noTextEdit="1"/>
-          </p:cNvSpPr>
-          <p:nvPr>
-            <p:extLst>
-              <p:ext uri="{386F3935-93C4-4BCD-93E2-E3B085C9AB24}">
-                <p16:designElem xmlns:p16="http://schemas.microsoft.com/office/powerpoint/2015/main" val="1"/>
-              </p:ext>
-            </p:extLst>
-          </p:nvPr>
-        </p:nvSpPr>
-        <p:spPr>
-          <a:xfrm>
-            <a:off x="0" y="0"/>
-            <a:ext cx="12192000" cy="6858000"/>
-          </a:xfrm>
-          <a:prstGeom prst="rect">
-            <a:avLst/>
-          </a:prstGeom>
-          <a:ln>
-            <a:noFill/>
-          </a:ln>
-        </p:spPr>
-        <p:style>
-          <a:lnRef idx="2">
-            <a:schemeClr val="accent1">
-              <a:shade val="50000"/>
-            </a:schemeClr>
-          </a:lnRef>
-          <a:fillRef idx="1">
-            <a:schemeClr val="accent1"/>
-          </a:fillRef>
-          <a:effectRef idx="0">
-            <a:schemeClr val="accent1"/>
-          </a:effectRef>
-          <a:fontRef idx="minor">
-            <a:schemeClr val="lt1"/>
-          </a:fontRef>
-        </p:style>
-        <p:txBody>
-          <a:bodyPr rtlCol="0" anchor="ctr"/>
-          <a:lstStyle/>
-          <a:p>
-            <a:pPr algn="ctr"/>
-            <a:endParaRPr lang="en-US"/>
-          </a:p>
-        </p:txBody>
-      </p:sp>
-      <p:sp>
-        <p:nvSpPr>
-          <p:cNvPr id="16" name="Rectangle 15">
-            <a:extLst>
-              <a:ext uri="{FF2B5EF4-FFF2-40B4-BE49-F238E27FC236}">
-                <a16:creationId xmlns:a16="http://schemas.microsoft.com/office/drawing/2014/main" id="{F367CCF1-BB1E-41CF-8499-94A870C33EFA}"/>
-              </a:ext>
-              <a:ext uri="{C183D7F6-B498-43B3-948B-1728B52AA6E4}">
-                <adec:decorative xmlns:adec="http://schemas.microsoft.com/office/drawing/2017/decorative" val="1"/>
-              </a:ext>
-            </a:extLst>
-          </p:cNvPr>
-          <p:cNvSpPr>
-            <a:spLocks noGrp="1" noRot="1" noChangeAspect="1" noMove="1" noResize="1" noEditPoints="1" noAdjustHandles="1" noChangeArrowheads="1" noChangeShapeType="1" noTextEdit="1"/>
-          </p:cNvSpPr>
-          <p:nvPr>
-            <p:extLst>
-              <p:ext uri="{386F3935-93C4-4BCD-93E2-E3B085C9AB24}">
-                <p16:designElem xmlns:p16="http://schemas.microsoft.com/office/powerpoint/2015/main" val="1"/>
-              </p:ext>
-            </p:extLst>
-          </p:nvPr>
-        </p:nvSpPr>
-        <p:spPr>
-          <a:xfrm>
-            <a:off x="446534" y="457200"/>
-            <a:ext cx="6675120" cy="94997"/>
-          </a:xfrm>
-          <a:prstGeom prst="rect">
-            <a:avLst/>
-          </a:prstGeom>
-          <a:solidFill>
-            <a:schemeClr val="accent1"/>
-          </a:solidFill>
-          <a:ln>
-            <a:noFill/>
-          </a:ln>
-          <a:effectLst/>
-        </p:spPr>
-        <p:style>
-          <a:lnRef idx="1">
-            <a:schemeClr val="accent1"/>
-          </a:lnRef>
-          <a:fillRef idx="3">
-            <a:schemeClr val="accent1"/>
-          </a:fillRef>
-          <a:effectRef idx="2">
-            <a:schemeClr val="accent1"/>
-          </a:effectRef>
-          <a:fontRef idx="minor">
-            <a:schemeClr val="lt1"/>
-          </a:fontRef>
-        </p:style>
-        <p:txBody>
-          <a:bodyPr/>
-          <a:lstStyle/>
-          <a:p>
-            <a:endParaRPr lang="en-US"/>
-          </a:p>
-        </p:txBody>
-      </p:sp>
-      <p:sp>
-        <p:nvSpPr>
-          <p:cNvPr id="2" name="TextBox 1">
-            <a:extLst>
-              <a:ext uri="{FF2B5EF4-FFF2-40B4-BE49-F238E27FC236}">
-                <a16:creationId xmlns:a16="http://schemas.microsoft.com/office/drawing/2014/main" id="{7BD091E3-B3E8-FF13-3364-242BFC485849}"/>
-              </a:ext>
-            </a:extLst>
-          </p:cNvPr>
-          <p:cNvSpPr txBox="1"/>
-          <p:nvPr/>
-        </p:nvSpPr>
-        <p:spPr>
-          <a:xfrm>
-            <a:off x="581194" y="1896533"/>
-            <a:ext cx="6309003" cy="3962266"/>
-          </a:xfrm>
-          <a:prstGeom prst="rect">
-            <a:avLst/>
-          </a:prstGeom>
-        </p:spPr>
-        <p:txBody>
-          <a:bodyPr vert="horz" lIns="91440" tIns="45720" rIns="91440" bIns="45720" rtlCol="0" anchor="ctr">
-            <a:normAutofit/>
-          </a:bodyPr>
-          <a:lstStyle/>
-          <a:p>
-            <a:pPr defTabSz="457200">
-              <a:spcBef>
-                <a:spcPct val="20000"/>
-              </a:spcBef>
-              <a:spcAft>
-                <a:spcPts val="600"/>
-              </a:spcAft>
-              <a:buClr>
-                <a:schemeClr val="accent1"/>
-              </a:buClr>
-              <a:buSzPct val="92000"/>
-            </a:pPr>
-            <a:r>
-              <a:rPr lang="en-US" dirty="0">
-                <a:solidFill>
-                  <a:schemeClr val="tx2"/>
-                </a:solidFill>
-              </a:rPr>
-              <a:t>Implemented the TSCV functionality which returns the results of the TSCV over the given time-series. Results come in form of </a:t>
-            </a:r>
-            <a:r>
-              <a:rPr lang="en-US" dirty="0" err="1">
-                <a:solidFill>
-                  <a:schemeClr val="tx2"/>
-                </a:solidFill>
-              </a:rPr>
-              <a:t>dataframes</a:t>
-            </a:r>
-            <a:r>
-              <a:rPr lang="en-US" dirty="0">
-                <a:solidFill>
-                  <a:schemeClr val="tx2"/>
-                </a:solidFill>
-              </a:rPr>
-              <a:t> containing the information on all the evaluation metrics (mentioned before) as well as the actual predictions across all folds of the Cross Validation</a:t>
-            </a:r>
-          </a:p>
-          <a:p>
-            <a:pPr marL="742950" lvl="1" indent="-285750" defTabSz="457200">
-              <a:spcBef>
-                <a:spcPct val="20000"/>
-              </a:spcBef>
-              <a:spcAft>
-                <a:spcPts val="600"/>
-              </a:spcAft>
-              <a:buClr>
-                <a:schemeClr val="accent1"/>
-              </a:buClr>
-              <a:buSzPct val="92000"/>
-              <a:buFont typeface="Wingdings 2" panose="05020102010507070707" pitchFamily="18" charset="2"/>
-              <a:buChar char=""/>
-            </a:pPr>
-            <a:r>
-              <a:rPr lang="en-US" dirty="0" err="1">
-                <a:solidFill>
-                  <a:schemeClr val="tx2"/>
-                </a:solidFill>
-              </a:rPr>
-              <a:t>get_tscv_results</a:t>
-            </a:r>
-            <a:r>
-              <a:rPr lang="en-US" dirty="0">
-                <a:solidFill>
-                  <a:schemeClr val="tx2"/>
-                </a:solidFill>
-              </a:rPr>
-              <a:t>(data, </a:t>
-            </a:r>
-            <a:r>
-              <a:rPr lang="en-US" dirty="0" err="1">
-                <a:solidFill>
-                  <a:schemeClr val="tx2"/>
-                </a:solidFill>
-              </a:rPr>
-              <a:t>prediction_horizon</a:t>
-            </a:r>
-            <a:r>
-              <a:rPr lang="en-US" dirty="0">
-                <a:solidFill>
-                  <a:schemeClr val="tx2"/>
-                </a:solidFill>
-              </a:rPr>
-              <a:t>, </a:t>
-            </a:r>
-            <a:r>
-              <a:rPr lang="en-US" dirty="0" err="1">
-                <a:solidFill>
-                  <a:schemeClr val="tx2"/>
-                </a:solidFill>
-              </a:rPr>
-              <a:t>context_length</a:t>
-            </a:r>
-            <a:r>
-              <a:rPr lang="en-US" dirty="0">
-                <a:solidFill>
-                  <a:schemeClr val="tx2"/>
-                </a:solidFill>
-              </a:rPr>
-              <a:t>, </a:t>
-            </a:r>
-            <a:r>
-              <a:rPr lang="en-US" dirty="0" err="1">
-                <a:solidFill>
-                  <a:schemeClr val="tx2"/>
-                </a:solidFill>
-              </a:rPr>
-              <a:t>n_folds</a:t>
-            </a:r>
-            <a:r>
-              <a:rPr lang="en-US" dirty="0">
-                <a:solidFill>
-                  <a:schemeClr val="tx2"/>
-                </a:solidFill>
-              </a:rPr>
-              <a:t>)</a:t>
-            </a:r>
-          </a:p>
-        </p:txBody>
-      </p:sp>
-      <p:pic>
-        <p:nvPicPr>
-          <p:cNvPr id="4" name="Picture 3" descr="Financial graphs on a dark display">
-            <a:extLst>
-              <a:ext uri="{FF2B5EF4-FFF2-40B4-BE49-F238E27FC236}">
-                <a16:creationId xmlns:a16="http://schemas.microsoft.com/office/drawing/2014/main" id="{BD4D89CF-DF63-3C44-2E9D-10A73DCF942F}"/>
-              </a:ext>
-            </a:extLst>
-          </p:cNvPr>
-          <p:cNvPicPr>
-            <a:picLocks noChangeAspect="1"/>
-          </p:cNvPicPr>
-          <p:nvPr/>
-        </p:nvPicPr>
-        <p:blipFill rotWithShape="1">
-          <a:blip r:embed="rId2"/>
-          <a:srcRect l="25813" r="31621"/>
-          <a:stretch/>
-        </p:blipFill>
-        <p:spPr>
-          <a:xfrm>
-            <a:off x="7521283" y="10"/>
-            <a:ext cx="4670717" cy="6857990"/>
-          </a:xfrm>
-          <a:prstGeom prst="rect">
-            <a:avLst/>
-          </a:prstGeom>
-        </p:spPr>
-      </p:pic>
-    </p:spTree>
-    <p:extLst>
-      <p:ext uri="{BB962C8B-B14F-4D97-AF65-F5344CB8AC3E}">
-        <p14:creationId xmlns:p14="http://schemas.microsoft.com/office/powerpoint/2010/main" val="2259220390"/>
-      </p:ext>
-    </p:extLst>
-  </p:cSld>
-  <p:clrMapOvr>
-    <a:masterClrMapping/>
-  </p:clrMapOvr>
-</p:sld>
-</file>
-
-<file path=ppt/slides/slide18.xml><?xml version="1.0" encoding="utf-8"?>
-<p:sld xmlns:a="http://schemas.openxmlformats.org/drawingml/2006/main" xmlns:r="http://schemas.openxmlformats.org/officeDocument/2006/relationships" xmlns:p="http://schemas.openxmlformats.org/presentationml/2006/main" show="0">
-  <p:cSld>
-    <p:bg>
-      <p:bgPr>
-        <a:solidFill>
-          <a:schemeClr val="bg1"/>
-        </a:solidFill>
-        <a:effectLst/>
-      </p:bgPr>
-    </p:bg>
-    <p:spTree>
-      <p:nvGrpSpPr>
-        <p:cNvPr id="1" name=""/>
-        <p:cNvGrpSpPr/>
-        <p:nvPr/>
-      </p:nvGrpSpPr>
-      <p:grpSpPr>
-        <a:xfrm>
-          <a:off x="0" y="0"/>
-          <a:ext cx="0" cy="0"/>
-          <a:chOff x="0" y="0"/>
-          <a:chExt cx="0" cy="0"/>
-        </a:xfrm>
-      </p:grpSpPr>
-      <p:sp>
-        <p:nvSpPr>
-          <p:cNvPr id="21" name="Rectangle 20">
-            <a:extLst>
-              <a:ext uri="{FF2B5EF4-FFF2-40B4-BE49-F238E27FC236}">
-                <a16:creationId xmlns:a16="http://schemas.microsoft.com/office/drawing/2014/main" id="{E6C8E6EB-4C59-429B-97E4-72A058CFC4FB}"/>
-              </a:ext>
-              <a:ext uri="{C183D7F6-B498-43B3-948B-1728B52AA6E4}">
-                <adec:decorative xmlns:adec="http://schemas.microsoft.com/office/drawing/2017/decorative" val="1"/>
-              </a:ext>
-            </a:extLst>
-          </p:cNvPr>
-          <p:cNvSpPr>
-            <a:spLocks noGrp="1" noRot="1" noChangeAspect="1" noMove="1" noResize="1" noEditPoints="1" noAdjustHandles="1" noChangeArrowheads="1" noChangeShapeType="1" noTextEdit="1"/>
-          </p:cNvSpPr>
-          <p:nvPr>
-            <p:extLst>
-              <p:ext uri="{386F3935-93C4-4BCD-93E2-E3B085C9AB24}">
-                <p16:designElem xmlns:p16="http://schemas.microsoft.com/office/powerpoint/2015/main" val="1"/>
-              </p:ext>
-            </p:extLst>
-          </p:nvPr>
-        </p:nvSpPr>
-        <p:spPr>
-          <a:xfrm>
-            <a:off x="446534" y="457200"/>
-            <a:ext cx="3703320" cy="94997"/>
-          </a:xfrm>
-          <a:prstGeom prst="rect">
-            <a:avLst/>
-          </a:prstGeom>
-          <a:solidFill>
-            <a:srgbClr val="465359"/>
-          </a:solidFill>
-          <a:ln>
-            <a:noFill/>
-          </a:ln>
-          <a:effectLst/>
-        </p:spPr>
-        <p:style>
-          <a:lnRef idx="1">
-            <a:schemeClr val="accent1"/>
-          </a:lnRef>
-          <a:fillRef idx="3">
-            <a:schemeClr val="accent1"/>
-          </a:fillRef>
-          <a:effectRef idx="2">
-            <a:schemeClr val="accent1"/>
-          </a:effectRef>
-          <a:fontRef idx="minor">
-            <a:schemeClr val="lt1"/>
-          </a:fontRef>
-        </p:style>
-        <p:txBody>
-          <a:bodyPr/>
-          <a:lstStyle/>
-          <a:p>
-            <a:endParaRPr lang="en-GB"/>
-          </a:p>
-        </p:txBody>
-      </p:sp>
-      <p:sp>
-        <p:nvSpPr>
-          <p:cNvPr id="23" name="Rectangle 22">
-            <a:extLst>
-              <a:ext uri="{FF2B5EF4-FFF2-40B4-BE49-F238E27FC236}">
-                <a16:creationId xmlns:a16="http://schemas.microsoft.com/office/drawing/2014/main" id="{B5B90362-AFCC-46A9-B41C-A257A8C5B314}"/>
-              </a:ext>
-              <a:ext uri="{C183D7F6-B498-43B3-948B-1728B52AA6E4}">
-                <adec:decorative xmlns:adec="http://schemas.microsoft.com/office/drawing/2017/decorative" val="1"/>
-              </a:ext>
-            </a:extLst>
-          </p:cNvPr>
-          <p:cNvSpPr>
-            <a:spLocks noGrp="1" noRot="1" noChangeAspect="1" noMove="1" noResize="1" noEditPoints="1" noAdjustHandles="1" noChangeArrowheads="1" noChangeShapeType="1" noTextEdit="1"/>
-          </p:cNvSpPr>
-          <p:nvPr>
-            <p:extLst>
-              <p:ext uri="{386F3935-93C4-4BCD-93E2-E3B085C9AB24}">
-                <p16:designElem xmlns:p16="http://schemas.microsoft.com/office/powerpoint/2015/main" val="1"/>
-              </p:ext>
-            </p:extLst>
-          </p:nvPr>
-        </p:nvSpPr>
-        <p:spPr>
-          <a:xfrm>
-            <a:off x="8042147" y="453643"/>
-            <a:ext cx="3703320" cy="98554"/>
-          </a:xfrm>
-          <a:prstGeom prst="rect">
-            <a:avLst/>
-          </a:prstGeom>
-          <a:solidFill>
-            <a:srgbClr val="969FA7"/>
-          </a:solidFill>
-          <a:ln>
-            <a:noFill/>
-          </a:ln>
-          <a:effectLst/>
-        </p:spPr>
-        <p:style>
-          <a:lnRef idx="1">
-            <a:schemeClr val="accent1"/>
-          </a:lnRef>
-          <a:fillRef idx="3">
-            <a:schemeClr val="accent1"/>
-          </a:fillRef>
-          <a:effectRef idx="2">
-            <a:schemeClr val="accent1"/>
-          </a:effectRef>
-          <a:fontRef idx="minor">
-            <a:schemeClr val="lt1"/>
-          </a:fontRef>
-        </p:style>
-        <p:txBody>
-          <a:bodyPr/>
-          <a:lstStyle/>
-          <a:p>
-            <a:endParaRPr lang="en-GB"/>
-          </a:p>
-        </p:txBody>
-      </p:sp>
-      <p:sp>
-        <p:nvSpPr>
-          <p:cNvPr id="25" name="Rectangle 24">
-            <a:extLst>
-              <a:ext uri="{FF2B5EF4-FFF2-40B4-BE49-F238E27FC236}">
-                <a16:creationId xmlns:a16="http://schemas.microsoft.com/office/drawing/2014/main" id="{F71EF7F1-38BA-471D-8CD4-2A9AE8E35527}"/>
-              </a:ext>
-              <a:ext uri="{C183D7F6-B498-43B3-948B-1728B52AA6E4}">
-                <adec:decorative xmlns:adec="http://schemas.microsoft.com/office/drawing/2017/decorative" val="1"/>
-              </a:ext>
-            </a:extLst>
-          </p:cNvPr>
-          <p:cNvSpPr>
-            <a:spLocks noGrp="1" noRot="1" noChangeAspect="1" noMove="1" noResize="1" noEditPoints="1" noAdjustHandles="1" noChangeArrowheads="1" noChangeShapeType="1" noTextEdit="1"/>
-          </p:cNvSpPr>
-          <p:nvPr>
-            <p:extLst>
-              <p:ext uri="{386F3935-93C4-4BCD-93E2-E3B085C9AB24}">
-                <p16:designElem xmlns:p16="http://schemas.microsoft.com/office/powerpoint/2015/main" val="1"/>
-              </p:ext>
-            </p:extLst>
-          </p:nvPr>
-        </p:nvSpPr>
-        <p:spPr>
-          <a:xfrm>
-            <a:off x="4241830" y="457200"/>
-            <a:ext cx="3703320" cy="91440"/>
-          </a:xfrm>
-          <a:prstGeom prst="rect">
-            <a:avLst/>
-          </a:prstGeom>
-          <a:solidFill>
-            <a:schemeClr val="accent1"/>
-          </a:solidFill>
-          <a:ln>
-            <a:noFill/>
-          </a:ln>
-          <a:effectLst/>
-        </p:spPr>
-        <p:style>
-          <a:lnRef idx="1">
-            <a:schemeClr val="accent1"/>
-          </a:lnRef>
-          <a:fillRef idx="3">
-            <a:schemeClr val="accent1"/>
-          </a:fillRef>
-          <a:effectRef idx="2">
-            <a:schemeClr val="accent1"/>
-          </a:effectRef>
-          <a:fontRef idx="minor">
-            <a:schemeClr val="lt1"/>
-          </a:fontRef>
-        </p:style>
-        <p:txBody>
-          <a:bodyPr/>
-          <a:lstStyle/>
-          <a:p>
-            <a:endParaRPr lang="en-GB"/>
-          </a:p>
-        </p:txBody>
-      </p:sp>
-      <p:sp>
-        <p:nvSpPr>
-          <p:cNvPr id="27" name="Rectangle 26">
-            <a:extLst>
-              <a:ext uri="{FF2B5EF4-FFF2-40B4-BE49-F238E27FC236}">
-                <a16:creationId xmlns:a16="http://schemas.microsoft.com/office/drawing/2014/main" id="{3CED7894-4F62-4A6C-8DB5-DB5BE08E9C03}"/>
-              </a:ext>
-              <a:ext uri="{C183D7F6-B498-43B3-948B-1728B52AA6E4}">
-                <adec:decorative xmlns:adec="http://schemas.microsoft.com/office/drawing/2017/decorative" val="1"/>
-              </a:ext>
-            </a:extLst>
-          </p:cNvPr>
-          <p:cNvSpPr>
-            <a:spLocks noGrp="1" noRot="1" noChangeAspect="1" noMove="1" noResize="1" noEditPoints="1" noAdjustHandles="1" noChangeArrowheads="1" noChangeShapeType="1" noTextEdit="1"/>
-          </p:cNvSpPr>
-          <p:nvPr>
-            <p:extLst>
-              <p:ext uri="{386F3935-93C4-4BCD-93E2-E3B085C9AB24}">
-                <p16:designElem xmlns:p16="http://schemas.microsoft.com/office/powerpoint/2015/main" val="1"/>
-              </p:ext>
-            </p:extLst>
-          </p:nvPr>
-        </p:nvSpPr>
-        <p:spPr>
-          <a:xfrm>
-            <a:off x="0" y="0"/>
-            <a:ext cx="12192000" cy="6858000"/>
-          </a:xfrm>
-          <a:prstGeom prst="rect">
-            <a:avLst/>
-          </a:prstGeom>
-          <a:solidFill>
-            <a:schemeClr val="bg1">
-              <a:lumMod val="75000"/>
-              <a:lumOff val="25000"/>
-            </a:schemeClr>
-          </a:solidFill>
-          <a:ln>
-            <a:noFill/>
-          </a:ln>
-          <a:effectLst/>
-        </p:spPr>
-        <p:style>
-          <a:lnRef idx="1">
-            <a:schemeClr val="accent1"/>
-          </a:lnRef>
-          <a:fillRef idx="3">
-            <a:schemeClr val="accent1"/>
-          </a:fillRef>
-          <a:effectRef idx="2">
-            <a:schemeClr val="accent1"/>
-          </a:effectRef>
-          <a:fontRef idx="minor">
-            <a:schemeClr val="lt1"/>
-          </a:fontRef>
-        </p:style>
-        <p:txBody>
-          <a:bodyPr/>
-          <a:lstStyle/>
-          <a:p>
-            <a:endParaRPr lang="en-US"/>
-          </a:p>
-        </p:txBody>
-      </p:sp>
-      <p:sp>
-        <p:nvSpPr>
-          <p:cNvPr id="29" name="Rectangle 28">
-            <a:extLst>
-              <a:ext uri="{FF2B5EF4-FFF2-40B4-BE49-F238E27FC236}">
-                <a16:creationId xmlns:a16="http://schemas.microsoft.com/office/drawing/2014/main" id="{E536F3B4-50F6-4C52-8F76-4EB1214719DC}"/>
-              </a:ext>
-              <a:ext uri="{C183D7F6-B498-43B3-948B-1728B52AA6E4}">
-                <adec:decorative xmlns:adec="http://schemas.microsoft.com/office/drawing/2017/decorative" val="1"/>
-              </a:ext>
-            </a:extLst>
-          </p:cNvPr>
-          <p:cNvSpPr>
-            <a:spLocks noGrp="1" noRot="1" noChangeAspect="1" noMove="1" noResize="1" noEditPoints="1" noAdjustHandles="1" noChangeArrowheads="1" noChangeShapeType="1" noTextEdit="1"/>
-          </p:cNvSpPr>
-          <p:nvPr>
-            <p:extLst>
-              <p:ext uri="{386F3935-93C4-4BCD-93E2-E3B085C9AB24}">
-                <p16:designElem xmlns:p16="http://schemas.microsoft.com/office/powerpoint/2015/main" val="1"/>
-              </p:ext>
-            </p:extLst>
-          </p:nvPr>
-        </p:nvSpPr>
-        <p:spPr>
-          <a:xfrm>
-            <a:off x="638620" y="457200"/>
-            <a:ext cx="3511233" cy="91439"/>
-          </a:xfrm>
-          <a:prstGeom prst="rect">
-            <a:avLst/>
-          </a:prstGeom>
-          <a:solidFill>
-            <a:schemeClr val="accent1"/>
-          </a:solidFill>
-          <a:ln>
-            <a:noFill/>
-          </a:ln>
-          <a:effectLst/>
-        </p:spPr>
-        <p:style>
-          <a:lnRef idx="1">
-            <a:schemeClr val="accent1"/>
-          </a:lnRef>
-          <a:fillRef idx="3">
-            <a:schemeClr val="accent1"/>
-          </a:fillRef>
-          <a:effectRef idx="2">
-            <a:schemeClr val="accent1"/>
-          </a:effectRef>
-          <a:fontRef idx="minor">
-            <a:schemeClr val="lt1"/>
-          </a:fontRef>
-        </p:style>
-        <p:txBody>
-          <a:bodyPr/>
-          <a:lstStyle/>
-          <a:p>
-            <a:endParaRPr lang="en-US"/>
-          </a:p>
-        </p:txBody>
-      </p:sp>
-      <p:sp>
-        <p:nvSpPr>
-          <p:cNvPr id="2" name="TextBox 1">
-            <a:extLst>
-              <a:ext uri="{FF2B5EF4-FFF2-40B4-BE49-F238E27FC236}">
-                <a16:creationId xmlns:a16="http://schemas.microsoft.com/office/drawing/2014/main" id="{4F7F4887-CB1A-2D11-30C4-93BC61D339B4}"/>
-              </a:ext>
-            </a:extLst>
-          </p:cNvPr>
-          <p:cNvSpPr txBox="1"/>
-          <p:nvPr/>
-        </p:nvSpPr>
-        <p:spPr>
-          <a:xfrm>
-            <a:off x="609906" y="2340864"/>
-            <a:ext cx="3568661" cy="3634486"/>
-          </a:xfrm>
-          <a:prstGeom prst="rect">
-            <a:avLst/>
-          </a:prstGeom>
-        </p:spPr>
-        <p:txBody>
-          <a:bodyPr vert="horz" lIns="91440" tIns="45720" rIns="91440" bIns="45720" rtlCol="0" anchor="ctr">
-            <a:normAutofit/>
-          </a:bodyPr>
-          <a:lstStyle/>
-          <a:p>
-            <a:pPr defTabSz="457200">
-              <a:lnSpc>
-                <a:spcPct val="90000"/>
-              </a:lnSpc>
-              <a:spcBef>
-                <a:spcPct val="20000"/>
-              </a:spcBef>
-              <a:spcAft>
-                <a:spcPts val="600"/>
-              </a:spcAft>
-              <a:buClr>
-                <a:schemeClr val="accent1"/>
-              </a:buClr>
-              <a:buSzPct val="92000"/>
-            </a:pPr>
-            <a:r>
-              <a:rPr lang="en-US" sz="1500" dirty="0">
-                <a:solidFill>
-                  <a:schemeClr val="tx1">
-                    <a:lumMod val="75000"/>
-                    <a:lumOff val="25000"/>
-                  </a:schemeClr>
-                </a:solidFill>
-              </a:rPr>
-              <a:t>Created the visualization code</a:t>
-            </a:r>
-          </a:p>
-          <a:p>
-            <a:pPr marL="742950" lvl="1" indent="-285750" defTabSz="457200">
-              <a:lnSpc>
-                <a:spcPct val="90000"/>
-              </a:lnSpc>
-              <a:spcBef>
-                <a:spcPct val="20000"/>
-              </a:spcBef>
-              <a:spcAft>
-                <a:spcPts val="600"/>
-              </a:spcAft>
-              <a:buClr>
-                <a:schemeClr val="accent1"/>
-              </a:buClr>
-              <a:buSzPct val="92000"/>
-              <a:buFont typeface="Wingdings 2" panose="05020102010507070707" pitchFamily="18" charset="2"/>
-              <a:buChar char=""/>
-            </a:pPr>
-            <a:r>
-              <a:rPr lang="en-US" sz="1500" dirty="0">
-                <a:solidFill>
-                  <a:schemeClr val="tx1">
-                    <a:lumMod val="75000"/>
-                    <a:lumOff val="25000"/>
-                  </a:schemeClr>
-                </a:solidFill>
-              </a:rPr>
-              <a:t>Summary statistic graph of all metrics (showing their mean, median, and standard deviation)</a:t>
-            </a:r>
-          </a:p>
-          <a:p>
-            <a:pPr marL="742950" lvl="1" indent="-285750" defTabSz="457200">
-              <a:lnSpc>
-                <a:spcPct val="90000"/>
-              </a:lnSpc>
-              <a:spcBef>
-                <a:spcPct val="20000"/>
-              </a:spcBef>
-              <a:spcAft>
-                <a:spcPts val="600"/>
-              </a:spcAft>
-              <a:buClr>
-                <a:schemeClr val="accent1"/>
-              </a:buClr>
-              <a:buSzPct val="92000"/>
-              <a:buFont typeface="Wingdings 2" panose="05020102010507070707" pitchFamily="18" charset="2"/>
-              <a:buChar char=""/>
-            </a:pPr>
-            <a:r>
-              <a:rPr lang="en-US" sz="1500" dirty="0">
-                <a:solidFill>
-                  <a:schemeClr val="tx1">
-                    <a:lumMod val="75000"/>
-                    <a:lumOff val="25000"/>
-                  </a:schemeClr>
-                </a:solidFill>
-              </a:rPr>
-              <a:t>Interactive version with ability to choose which models and which metrics you want to be displayed on the graph</a:t>
-            </a:r>
-          </a:p>
-          <a:p>
-            <a:pPr marL="742950" lvl="1" indent="-285750" defTabSz="457200">
-              <a:lnSpc>
-                <a:spcPct val="90000"/>
-              </a:lnSpc>
-              <a:spcBef>
-                <a:spcPct val="20000"/>
-              </a:spcBef>
-              <a:spcAft>
-                <a:spcPts val="600"/>
-              </a:spcAft>
-              <a:buClr>
-                <a:schemeClr val="accent1"/>
-              </a:buClr>
-              <a:buSzPct val="92000"/>
-              <a:buFont typeface="Wingdings 2" panose="05020102010507070707" pitchFamily="18" charset="2"/>
-              <a:buChar char=""/>
-            </a:pPr>
-            <a:r>
-              <a:rPr lang="en-US" sz="1500" dirty="0">
-                <a:solidFill>
-                  <a:schemeClr val="tx1">
-                    <a:lumMod val="75000"/>
-                    <a:lumOff val="25000"/>
-                  </a:schemeClr>
-                </a:solidFill>
-              </a:rPr>
-              <a:t>Interactive visualization of all models’ prediction where you can manually choose which models’ prediction you want to see and compare with the actual values – for any fold of the Cross Validation</a:t>
-            </a:r>
-          </a:p>
-          <a:p>
-            <a:pPr marL="742950" lvl="1" indent="-285750" defTabSz="457200">
-              <a:lnSpc>
-                <a:spcPct val="90000"/>
-              </a:lnSpc>
-              <a:spcBef>
-                <a:spcPct val="20000"/>
-              </a:spcBef>
-              <a:spcAft>
-                <a:spcPts val="600"/>
-              </a:spcAft>
-              <a:buClr>
-                <a:schemeClr val="accent1"/>
-              </a:buClr>
-              <a:buSzPct val="92000"/>
-              <a:buFont typeface="Wingdings 2" panose="05020102010507070707" pitchFamily="18" charset="2"/>
-              <a:buChar char=""/>
-            </a:pPr>
-            <a:endParaRPr lang="en-US" sz="1500" dirty="0">
-              <a:solidFill>
-                <a:schemeClr val="tx1">
-                  <a:lumMod val="75000"/>
-                  <a:lumOff val="25000"/>
-                </a:schemeClr>
-              </a:solidFill>
-            </a:endParaRPr>
-          </a:p>
-        </p:txBody>
-      </p:sp>
-      <p:pic>
-        <p:nvPicPr>
-          <p:cNvPr id="4" name="Picture 3" descr="Graph">
-            <a:extLst>
-              <a:ext uri="{FF2B5EF4-FFF2-40B4-BE49-F238E27FC236}">
-                <a16:creationId xmlns:a16="http://schemas.microsoft.com/office/drawing/2014/main" id="{8B3BBE10-5BEA-A9DE-2985-061BAD9B622A}"/>
-              </a:ext>
-            </a:extLst>
-          </p:cNvPr>
-          <p:cNvPicPr>
-            <a:picLocks noChangeAspect="1"/>
-          </p:cNvPicPr>
-          <p:nvPr/>
-        </p:nvPicPr>
-        <p:blipFill rotWithShape="1">
-          <a:blip r:embed="rId2"/>
-          <a:srcRect l="8087" r="23219"/>
-          <a:stretch/>
-        </p:blipFill>
-        <p:spPr>
-          <a:xfrm>
-            <a:off x="4654295" y="10"/>
-            <a:ext cx="7537705" cy="6857990"/>
-          </a:xfrm>
-          <a:prstGeom prst="rect">
-            <a:avLst/>
-          </a:prstGeom>
-        </p:spPr>
-      </p:pic>
-    </p:spTree>
-    <p:extLst>
-      <p:ext uri="{BB962C8B-B14F-4D97-AF65-F5344CB8AC3E}">
-        <p14:creationId xmlns:p14="http://schemas.microsoft.com/office/powerpoint/2010/main" val="2134353381"/>
-      </p:ext>
-    </p:extLst>
-  </p:cSld>
-  <p:clrMapOvr>
-    <a:masterClrMapping/>
-  </p:clrMapOvr>
-</p:sld>
-</file>
-
-<file path=ppt/slides/slide19.xml><?xml version="1.0" encoding="utf-8"?>
+<file path=ppt/slides/slide14.xml><?xml version="1.0" encoding="utf-8"?>
 <p:sld xmlns:a="http://schemas.openxmlformats.org/drawingml/2006/main" xmlns:r="http://schemas.openxmlformats.org/officeDocument/2006/relationships" xmlns:p="http://schemas.openxmlformats.org/presentationml/2006/main">
   <p:cSld>
     <p:bg>
@@ -35218,177 +31825,7 @@
 </p:sld>
 </file>
 
-<file path=ppt/slides/slide2.xml><?xml version="1.0" encoding="utf-8"?>
-<p:sld xmlns:a="http://schemas.openxmlformats.org/drawingml/2006/main" xmlns:r="http://schemas.openxmlformats.org/officeDocument/2006/relationships" xmlns:p="http://schemas.openxmlformats.org/presentationml/2006/main">
-  <p:cSld>
-    <p:spTree>
-      <p:nvGrpSpPr>
-        <p:cNvPr id="1" name=""/>
-        <p:cNvGrpSpPr/>
-        <p:nvPr/>
-      </p:nvGrpSpPr>
-      <p:grpSpPr>
-        <a:xfrm>
-          <a:off x="0" y="0"/>
-          <a:ext cx="0" cy="0"/>
-          <a:chOff x="0" y="0"/>
-          <a:chExt cx="0" cy="0"/>
-        </a:xfrm>
-      </p:grpSpPr>
-      <p:sp>
-        <p:nvSpPr>
-          <p:cNvPr id="2" name="Title 1">
-            <a:extLst>
-              <a:ext uri="{FF2B5EF4-FFF2-40B4-BE49-F238E27FC236}">
-                <a16:creationId xmlns:a16="http://schemas.microsoft.com/office/drawing/2014/main" id="{17AB0D97-EA00-B311-37CC-37EAB842407E}"/>
-              </a:ext>
-            </a:extLst>
-          </p:cNvPr>
-          <p:cNvSpPr>
-            <a:spLocks noGrp="1"/>
-          </p:cNvSpPr>
-          <p:nvPr>
-            <p:ph type="title"/>
-          </p:nvPr>
-        </p:nvSpPr>
-        <p:spPr/>
-        <p:txBody>
-          <a:bodyPr/>
-          <a:lstStyle/>
-          <a:p>
-            <a:r>
-              <a:rPr lang="en-GB" dirty="0"/>
-              <a:t>Agenda</a:t>
-            </a:r>
-          </a:p>
-        </p:txBody>
-      </p:sp>
-      <p:sp>
-        <p:nvSpPr>
-          <p:cNvPr id="3" name="Content Placeholder 2">
-            <a:extLst>
-              <a:ext uri="{FF2B5EF4-FFF2-40B4-BE49-F238E27FC236}">
-                <a16:creationId xmlns:a16="http://schemas.microsoft.com/office/drawing/2014/main" id="{531CD239-0868-BC28-4787-705D64541A5D}"/>
-              </a:ext>
-            </a:extLst>
-          </p:cNvPr>
-          <p:cNvSpPr>
-            <a:spLocks noGrp="1"/>
-          </p:cNvSpPr>
-          <p:nvPr>
-            <p:ph idx="1"/>
-          </p:nvPr>
-        </p:nvSpPr>
-        <p:spPr/>
-        <p:txBody>
-          <a:bodyPr>
-            <a:normAutofit fontScale="70000" lnSpcReduction="20000"/>
-          </a:bodyPr>
-          <a:lstStyle/>
-          <a:p>
-            <a:r>
-              <a:rPr lang="en-GB" dirty="0"/>
-              <a:t>Summary</a:t>
-            </a:r>
-          </a:p>
-          <a:p>
-            <a:r>
-              <a:rPr lang="en-GB" dirty="0"/>
-              <a:t>Why is time-series forecasting important? (slide3)</a:t>
-            </a:r>
-          </a:p>
-          <a:p>
-            <a:r>
-              <a:rPr lang="en-GB" dirty="0"/>
-              <a:t>Why is there a need for another way of doing time-series forecasting? (slide4)</a:t>
-            </a:r>
-          </a:p>
-          <a:p>
-            <a:r>
-              <a:rPr lang="en-GB" dirty="0"/>
-              <a:t>What is the solution to the previous question? – Answer: (slide 4)</a:t>
-            </a:r>
-          </a:p>
-          <a:p>
-            <a:r>
-              <a:rPr lang="en-GB" dirty="0"/>
-              <a:t>What are TSFMs? (slide 5)</a:t>
-            </a:r>
-          </a:p>
-          <a:p>
-            <a:r>
-              <a:rPr lang="en-GB" dirty="0"/>
-              <a:t>Which are the best / most popular TSFMs? (slides 6 and 7)</a:t>
-            </a:r>
-          </a:p>
-          <a:p>
-            <a:r>
-              <a:rPr lang="en-GB" dirty="0"/>
-              <a:t>HOW are we going to figure out if they are useful in Finance? (slide 8)</a:t>
-            </a:r>
-          </a:p>
-          <a:p>
-            <a:pPr lvl="1"/>
-            <a:r>
-              <a:rPr lang="en-GB" dirty="0"/>
-              <a:t>How do we evaluate time-series forecasting performance? (slide 9)</a:t>
-            </a:r>
-          </a:p>
-          <a:p>
-            <a:pPr lvl="1"/>
-            <a:r>
-              <a:rPr lang="en-GB" dirty="0"/>
-              <a:t>What do we compare TSFMs with? (slide 10)</a:t>
-            </a:r>
-          </a:p>
-          <a:p>
-            <a:pPr lvl="1"/>
-            <a:r>
-              <a:rPr lang="en-GB" dirty="0"/>
-              <a:t>How do we set up the experiment? (slide 11)</a:t>
-            </a:r>
-          </a:p>
-          <a:p>
-            <a:r>
-              <a:rPr lang="en-GB" dirty="0"/>
-              <a:t>What have we done so far? (slides 12 and 13)</a:t>
-            </a:r>
-          </a:p>
-          <a:p>
-            <a:r>
-              <a:rPr lang="en-GB" dirty="0"/>
-              <a:t>What should we do in the future? (slides 14 and 15)</a:t>
-            </a:r>
-          </a:p>
-          <a:p>
-            <a:r>
-              <a:rPr lang="en-GB" dirty="0"/>
-              <a:t>What does the future schedule look like? (slides 16 and 17)</a:t>
-            </a:r>
-          </a:p>
-          <a:p>
-            <a:endParaRPr lang="en-GB" dirty="0"/>
-          </a:p>
-          <a:p>
-            <a:pPr lvl="1"/>
-            <a:endParaRPr lang="en-GB" dirty="0"/>
-          </a:p>
-        </p:txBody>
-      </p:sp>
-    </p:spTree>
-    <p:extLst>
-      <p:ext uri="{BB962C8B-B14F-4D97-AF65-F5344CB8AC3E}">
-        <p14:creationId xmlns:p14="http://schemas.microsoft.com/office/powerpoint/2010/main" val="3169601364"/>
-      </p:ext>
-    </p:extLst>
-  </p:cSld>
-  <p:clrMapOvr>
-    <a:masterClrMapping/>
-  </p:clrMapOvr>
-</p:sld>
-</file>
-
-<file path=ppt/slides/slide20.xml><?xml version="1.0" encoding="utf-8"?>
+<file path=ppt/slides/slide15.xml><?xml version="1.0" encoding="utf-8"?>
 <p:sld xmlns:a="http://schemas.openxmlformats.org/drawingml/2006/main" xmlns:r="http://schemas.openxmlformats.org/officeDocument/2006/relationships" xmlns:p="http://schemas.openxmlformats.org/presentationml/2006/main">
   <p:cSld>
     <p:bg>
@@ -35555,16 +31992,15 @@
           </p:cNvPicPr>
           <p:nvPr/>
         </p:nvPicPr>
-        <p:blipFill>
+        <p:blipFill rotWithShape="1">
           <a:blip r:embed="rId2"/>
-          <a:stretch>
-            <a:fillRect/>
-          </a:stretch>
+          <a:srcRect t="11464"/>
+          <a:stretch/>
         </p:blipFill>
         <p:spPr>
           <a:xfrm>
-            <a:off x="645435" y="1536879"/>
-            <a:ext cx="5201707" cy="3784241"/>
+            <a:off x="645435" y="1970690"/>
+            <a:ext cx="5201707" cy="3350430"/>
           </a:xfrm>
           <a:prstGeom prst="rect">
             <a:avLst/>
@@ -35669,6 +32105,423 @@
           </a:prstGeom>
         </p:spPr>
       </p:pic>
+      <p:sp>
+        <p:nvSpPr>
+          <p:cNvPr id="2" name="TextBox 1">
+            <a:extLst>
+              <a:ext uri="{FF2B5EF4-FFF2-40B4-BE49-F238E27FC236}">
+                <a16:creationId xmlns:a16="http://schemas.microsoft.com/office/drawing/2014/main" id="{9A268C00-E4D9-21F9-0DDB-20430776790F}"/>
+              </a:ext>
+            </a:extLst>
+          </p:cNvPr>
+          <p:cNvSpPr txBox="1"/>
+          <p:nvPr/>
+        </p:nvSpPr>
+        <p:spPr>
+          <a:xfrm>
+            <a:off x="701751" y="845778"/>
+            <a:ext cx="4997669" cy="646331"/>
+          </a:xfrm>
+          <a:prstGeom prst="rect">
+            <a:avLst/>
+          </a:prstGeom>
+          <a:noFill/>
+        </p:spPr>
+        <p:txBody>
+          <a:bodyPr wrap="square" rtlCol="0">
+            <a:spAutoFit/>
+          </a:bodyPr>
+          <a:lstStyle/>
+          <a:p>
+            <a:r>
+              <a:rPr lang="de-AT" dirty="0"/>
+              <a:t>Actual </a:t>
+            </a:r>
+            <a:r>
+              <a:rPr lang="de-AT" dirty="0" err="1"/>
+              <a:t>values</a:t>
+            </a:r>
+            <a:r>
+              <a:rPr lang="de-AT" dirty="0"/>
+              <a:t> and </a:t>
+            </a:r>
+            <a:r>
+              <a:rPr lang="de-AT" dirty="0" err="1"/>
+              <a:t>model</a:t>
+            </a:r>
+            <a:r>
+              <a:rPr lang="de-AT" dirty="0"/>
+              <a:t> </a:t>
+            </a:r>
+            <a:r>
+              <a:rPr lang="de-AT" dirty="0" err="1"/>
+              <a:t>predictions</a:t>
+            </a:r>
+            <a:r>
+              <a:rPr lang="de-AT" dirty="0"/>
+              <a:t> </a:t>
+            </a:r>
+            <a:r>
+              <a:rPr lang="de-AT" dirty="0" err="1"/>
+              <a:t>for</a:t>
+            </a:r>
+            <a:r>
+              <a:rPr lang="de-AT" dirty="0"/>
+              <a:t> </a:t>
+            </a:r>
+            <a:r>
+              <a:rPr lang="de-AT" dirty="0" err="1"/>
+              <a:t>Fold</a:t>
+            </a:r>
+            <a:r>
+              <a:rPr lang="de-AT" dirty="0"/>
+              <a:t> 2 (AAPL </a:t>
+            </a:r>
+            <a:r>
+              <a:rPr lang="de-AT" dirty="0" err="1"/>
+              <a:t>daily</a:t>
+            </a:r>
+            <a:r>
+              <a:rPr lang="de-AT" dirty="0"/>
+              <a:t> </a:t>
+            </a:r>
+            <a:r>
+              <a:rPr lang="de-AT" dirty="0" err="1"/>
+              <a:t>close</a:t>
+            </a:r>
+            <a:r>
+              <a:rPr lang="de-AT" dirty="0"/>
+              <a:t> stock </a:t>
+            </a:r>
+            <a:r>
+              <a:rPr lang="de-AT" dirty="0" err="1"/>
+              <a:t>price</a:t>
+            </a:r>
+            <a:r>
+              <a:rPr lang="de-AT" dirty="0"/>
+              <a:t>)</a:t>
+            </a:r>
+            <a:endParaRPr lang="en-GB" dirty="0"/>
+          </a:p>
+        </p:txBody>
+      </p:sp>
+      <mc:AlternateContent xmlns:mc="http://schemas.openxmlformats.org/markup-compatibility/2006">
+        <mc:Choice xmlns:p14="http://schemas.microsoft.com/office/powerpoint/2010/main" Requires="p14">
+          <p:contentPart p14:bwMode="auto" r:id="rId4">
+            <p14:nvContentPartPr>
+              <p14:cNvPr id="4" name="Ink 3">
+                <a:extLst>
+                  <a:ext uri="{FF2B5EF4-FFF2-40B4-BE49-F238E27FC236}">
+                    <a16:creationId xmlns:a16="http://schemas.microsoft.com/office/drawing/2014/main" id="{BC73D2A7-E822-9086-48DA-B43CDB035107}"/>
+                  </a:ext>
+                </a:extLst>
+              </p14:cNvPr>
+              <p14:cNvContentPartPr/>
+              <p14:nvPr/>
+            </p14:nvContentPartPr>
+            <p14:xfrm>
+              <a:off x="8812883" y="1580828"/>
+              <a:ext cx="464400" cy="24480"/>
+            </p14:xfrm>
+          </p:contentPart>
+        </mc:Choice>
+        <mc:Fallback>
+          <p:pic>
+            <p:nvPicPr>
+              <p:cNvPr id="4" name="Ink 3">
+                <a:extLst>
+                  <a:ext uri="{FF2B5EF4-FFF2-40B4-BE49-F238E27FC236}">
+                    <a16:creationId xmlns:a16="http://schemas.microsoft.com/office/drawing/2014/main" id="{BC73D2A7-E822-9086-48DA-B43CDB035107}"/>
+                  </a:ext>
+                </a:extLst>
+              </p:cNvPr>
+              <p:cNvPicPr/>
+              <p:nvPr/>
+            </p:nvPicPr>
+            <p:blipFill>
+              <a:blip r:embed="rId5"/>
+              <a:stretch>
+                <a:fillRect/>
+              </a:stretch>
+            </p:blipFill>
+            <p:spPr>
+              <a:xfrm>
+                <a:off x="8750243" y="1518188"/>
+                <a:ext cx="590040" cy="150120"/>
+              </a:xfrm>
+              <a:prstGeom prst="rect">
+                <a:avLst/>
+              </a:prstGeom>
+            </p:spPr>
+          </p:pic>
+        </mc:Fallback>
+      </mc:AlternateContent>
+      <mc:AlternateContent xmlns:mc="http://schemas.openxmlformats.org/markup-compatibility/2006">
+        <mc:Choice xmlns:p14="http://schemas.microsoft.com/office/powerpoint/2010/main" Requires="p14">
+          <p:contentPart p14:bwMode="auto" r:id="rId6">
+            <p14:nvContentPartPr>
+              <p14:cNvPr id="6" name="Ink 5">
+                <a:extLst>
+                  <a:ext uri="{FF2B5EF4-FFF2-40B4-BE49-F238E27FC236}">
+                    <a16:creationId xmlns:a16="http://schemas.microsoft.com/office/drawing/2014/main" id="{C761B5F6-529E-DDCB-9492-FBD4686C6406}"/>
+                  </a:ext>
+                </a:extLst>
+              </p14:cNvPr>
+              <p14:cNvContentPartPr/>
+              <p14:nvPr/>
+            </p14:nvContentPartPr>
+            <p14:xfrm>
+              <a:off x="8790203" y="3261308"/>
+              <a:ext cx="531000" cy="106920"/>
+            </p14:xfrm>
+          </p:contentPart>
+        </mc:Choice>
+        <mc:Fallback>
+          <p:pic>
+            <p:nvPicPr>
+              <p:cNvPr id="6" name="Ink 5">
+                <a:extLst>
+                  <a:ext uri="{FF2B5EF4-FFF2-40B4-BE49-F238E27FC236}">
+                    <a16:creationId xmlns:a16="http://schemas.microsoft.com/office/drawing/2014/main" id="{C761B5F6-529E-DDCB-9492-FBD4686C6406}"/>
+                  </a:ext>
+                </a:extLst>
+              </p:cNvPr>
+              <p:cNvPicPr/>
+              <p:nvPr/>
+            </p:nvPicPr>
+            <p:blipFill>
+              <a:blip r:embed="rId7"/>
+              <a:stretch>
+                <a:fillRect/>
+              </a:stretch>
+            </p:blipFill>
+            <p:spPr>
+              <a:xfrm>
+                <a:off x="8772563" y="3243668"/>
+                <a:ext cx="566640" cy="142560"/>
+              </a:xfrm>
+              <a:prstGeom prst="rect">
+                <a:avLst/>
+              </a:prstGeom>
+            </p:spPr>
+          </p:pic>
+        </mc:Fallback>
+      </mc:AlternateContent>
+      <p:grpSp>
+        <p:nvGrpSpPr>
+          <p:cNvPr id="9" name="Group 8">
+            <a:extLst>
+              <a:ext uri="{FF2B5EF4-FFF2-40B4-BE49-F238E27FC236}">
+                <a16:creationId xmlns:a16="http://schemas.microsoft.com/office/drawing/2014/main" id="{245E77D4-6706-AC5E-5CA7-6A5ACCE8FBDB}"/>
+              </a:ext>
+            </a:extLst>
+          </p:cNvPr>
+          <p:cNvGrpSpPr/>
+          <p:nvPr/>
+        </p:nvGrpSpPr>
+        <p:grpSpPr>
+          <a:xfrm>
+            <a:off x="8825123" y="3352388"/>
+            <a:ext cx="447480" cy="33840"/>
+            <a:chOff x="8825123" y="3352388"/>
+            <a:chExt cx="447480" cy="33840"/>
+          </a:xfrm>
+        </p:grpSpPr>
+        <mc:AlternateContent xmlns:mc="http://schemas.openxmlformats.org/markup-compatibility/2006">
+          <mc:Choice xmlns:p14="http://schemas.microsoft.com/office/powerpoint/2010/main" Requires="p14">
+            <p:contentPart p14:bwMode="auto" r:id="rId8">
+              <p14:nvContentPartPr>
+                <p14:cNvPr id="7" name="Ink 6">
+                  <a:extLst>
+                    <a:ext uri="{FF2B5EF4-FFF2-40B4-BE49-F238E27FC236}">
+                      <a16:creationId xmlns:a16="http://schemas.microsoft.com/office/drawing/2014/main" id="{9D3AB3B7-CA66-AC33-DB33-937A78A89E63}"/>
+                    </a:ext>
+                  </a:extLst>
+                </p14:cNvPr>
+                <p14:cNvContentPartPr/>
+                <p14:nvPr/>
+              </p14:nvContentPartPr>
+              <p14:xfrm>
+                <a:off x="8825123" y="3352388"/>
+                <a:ext cx="447480" cy="19440"/>
+              </p14:xfrm>
+            </p:contentPart>
+          </mc:Choice>
+          <mc:Fallback>
+            <p:pic>
+              <p:nvPicPr>
+                <p:cNvPr id="7" name="Ink 6">
+                  <a:extLst>
+                    <a:ext uri="{FF2B5EF4-FFF2-40B4-BE49-F238E27FC236}">
+                      <a16:creationId xmlns:a16="http://schemas.microsoft.com/office/drawing/2014/main" id="{9D3AB3B7-CA66-AC33-DB33-937A78A89E63}"/>
+                    </a:ext>
+                  </a:extLst>
+                </p:cNvPr>
+                <p:cNvPicPr/>
+                <p:nvPr/>
+              </p:nvPicPr>
+              <p:blipFill>
+                <a:blip r:embed="rId9"/>
+                <a:stretch>
+                  <a:fillRect/>
+                </a:stretch>
+              </p:blipFill>
+              <p:spPr>
+                <a:xfrm>
+                  <a:off x="8807483" y="3334748"/>
+                  <a:ext cx="483120" cy="55080"/>
+                </a:xfrm>
+                <a:prstGeom prst="rect">
+                  <a:avLst/>
+                </a:prstGeom>
+              </p:spPr>
+            </p:pic>
+          </mc:Fallback>
+        </mc:AlternateContent>
+        <mc:AlternateContent xmlns:mc="http://schemas.openxmlformats.org/markup-compatibility/2006">
+          <mc:Choice xmlns:p14="http://schemas.microsoft.com/office/powerpoint/2010/main" Requires="p14">
+            <p:contentPart p14:bwMode="auto" r:id="rId10">
+              <p14:nvContentPartPr>
+                <p14:cNvPr id="8" name="Ink 7">
+                  <a:extLst>
+                    <a:ext uri="{FF2B5EF4-FFF2-40B4-BE49-F238E27FC236}">
+                      <a16:creationId xmlns:a16="http://schemas.microsoft.com/office/drawing/2014/main" id="{06755486-610B-F5C0-AD92-3201C114415B}"/>
+                    </a:ext>
+                  </a:extLst>
+                </p14:cNvPr>
+                <p14:cNvContentPartPr/>
+                <p14:nvPr/>
+              </p14:nvContentPartPr>
+              <p14:xfrm>
+                <a:off x="9072083" y="3385868"/>
+                <a:ext cx="360" cy="360"/>
+              </p14:xfrm>
+            </p:contentPart>
+          </mc:Choice>
+          <mc:Fallback>
+            <p:pic>
+              <p:nvPicPr>
+                <p:cNvPr id="8" name="Ink 7">
+                  <a:extLst>
+                    <a:ext uri="{FF2B5EF4-FFF2-40B4-BE49-F238E27FC236}">
+                      <a16:creationId xmlns:a16="http://schemas.microsoft.com/office/drawing/2014/main" id="{06755486-610B-F5C0-AD92-3201C114415B}"/>
+                    </a:ext>
+                  </a:extLst>
+                </p:cNvPr>
+                <p:cNvPicPr/>
+                <p:nvPr/>
+              </p:nvPicPr>
+              <p:blipFill>
+                <a:blip r:embed="rId11"/>
+                <a:stretch>
+                  <a:fillRect/>
+                </a:stretch>
+              </p:blipFill>
+              <p:spPr>
+                <a:xfrm>
+                  <a:off x="9054443" y="3368228"/>
+                  <a:ext cx="36000" cy="36000"/>
+                </a:xfrm>
+                <a:prstGeom prst="rect">
+                  <a:avLst/>
+                </a:prstGeom>
+              </p:spPr>
+            </p:pic>
+          </mc:Fallback>
+        </mc:AlternateContent>
+      </p:grpSp>
+      <p:sp>
+        <p:nvSpPr>
+          <p:cNvPr id="10" name="TextBox 9">
+            <a:extLst>
+              <a:ext uri="{FF2B5EF4-FFF2-40B4-BE49-F238E27FC236}">
+                <a16:creationId xmlns:a16="http://schemas.microsoft.com/office/drawing/2014/main" id="{B80B4A49-EA8D-A240-3CFB-E809EB64D475}"/>
+              </a:ext>
+            </a:extLst>
+          </p:cNvPr>
+          <p:cNvSpPr txBox="1"/>
+          <p:nvPr/>
+        </p:nvSpPr>
+        <p:spPr>
+          <a:xfrm>
+            <a:off x="6337300" y="845778"/>
+            <a:ext cx="4997669" cy="646331"/>
+          </a:xfrm>
+          <a:prstGeom prst="rect">
+            <a:avLst/>
+          </a:prstGeom>
+          <a:noFill/>
+        </p:spPr>
+        <p:txBody>
+          <a:bodyPr wrap="square" rtlCol="0">
+            <a:spAutoFit/>
+          </a:bodyPr>
+          <a:lstStyle/>
+          <a:p>
+            <a:r>
+              <a:rPr lang="de-AT" dirty="0"/>
+              <a:t>RMSE and MDA </a:t>
+            </a:r>
+            <a:r>
+              <a:rPr lang="de-AT" dirty="0" err="1"/>
+              <a:t>of</a:t>
+            </a:r>
+            <a:r>
+              <a:rPr lang="de-AT" dirty="0"/>
+              <a:t> </a:t>
+            </a:r>
+            <a:r>
+              <a:rPr lang="de-AT" dirty="0" err="1"/>
+              <a:t>the</a:t>
+            </a:r>
+            <a:r>
+              <a:rPr lang="de-AT" dirty="0"/>
+              <a:t> </a:t>
+            </a:r>
+            <a:r>
+              <a:rPr lang="de-AT" dirty="0" err="1"/>
+              <a:t>implemented</a:t>
+            </a:r>
+            <a:r>
+              <a:rPr lang="de-AT" dirty="0"/>
+              <a:t> </a:t>
+            </a:r>
+            <a:r>
+              <a:rPr lang="de-AT" dirty="0" err="1"/>
+              <a:t>models</a:t>
+            </a:r>
+            <a:r>
+              <a:rPr lang="de-AT" dirty="0"/>
+              <a:t> (AAPL </a:t>
+            </a:r>
+            <a:r>
+              <a:rPr lang="de-AT" dirty="0" err="1"/>
+              <a:t>daily</a:t>
+            </a:r>
+            <a:r>
+              <a:rPr lang="de-AT" dirty="0"/>
+              <a:t> </a:t>
+            </a:r>
+            <a:r>
+              <a:rPr lang="de-AT" dirty="0" err="1"/>
+              <a:t>close</a:t>
+            </a:r>
+            <a:r>
+              <a:rPr lang="de-AT" dirty="0"/>
+              <a:t> stock </a:t>
+            </a:r>
+            <a:r>
+              <a:rPr lang="de-AT" dirty="0" err="1"/>
+              <a:t>price</a:t>
+            </a:r>
+            <a:r>
+              <a:rPr lang="de-AT" dirty="0"/>
+              <a:t>)  </a:t>
+            </a:r>
+            <a:endParaRPr lang="en-GB" dirty="0"/>
+          </a:p>
+        </p:txBody>
+      </p:sp>
     </p:spTree>
     <p:extLst>
       <p:ext uri="{BB962C8B-B14F-4D97-AF65-F5344CB8AC3E}">
@@ -35682,7 +32535,7 @@
 </p:sld>
 </file>
 
-<file path=ppt/slides/slide21.xml><?xml version="1.0" encoding="utf-8"?>
+<file path=ppt/slides/slide16.xml><?xml version="1.0" encoding="utf-8"?>
 <p:sld xmlns:a="http://schemas.openxmlformats.org/drawingml/2006/main" xmlns:r="http://schemas.openxmlformats.org/officeDocument/2006/relationships" xmlns:p="http://schemas.openxmlformats.org/presentationml/2006/main">
   <p:cSld>
     <p:bg>
@@ -35813,7 +32666,7 @@
 </p:sld>
 </file>
 
-<file path=ppt/slides/slide22.xml><?xml version="1.0" encoding="utf-8"?>
+<file path=ppt/slides/slide17.xml><?xml version="1.0" encoding="utf-8"?>
 <p:sld xmlns:a="http://schemas.openxmlformats.org/drawingml/2006/main" xmlns:r="http://schemas.openxmlformats.org/officeDocument/2006/relationships" xmlns:p="http://schemas.openxmlformats.org/presentationml/2006/main">
   <p:cSld>
     <p:bg>
@@ -36260,7 +33113,7 @@
 </p:sld>
 </file>
 
-<file path=ppt/slides/slide23.xml><?xml version="1.0" encoding="utf-8"?>
+<file path=ppt/slides/slide18.xml><?xml version="1.0" encoding="utf-8"?>
 <p:sld xmlns:a="http://schemas.openxmlformats.org/drawingml/2006/main" xmlns:r="http://schemas.openxmlformats.org/officeDocument/2006/relationships" xmlns:p="http://schemas.openxmlformats.org/presentationml/2006/main">
   <p:cSld>
     <p:bg>
@@ -36724,7 +33577,7 @@
 </p:sld>
 </file>
 
-<file path=ppt/slides/slide24.xml><?xml version="1.0" encoding="utf-8"?>
+<file path=ppt/slides/slide19.xml><?xml version="1.0" encoding="utf-8"?>
 <p:sld xmlns:a="http://schemas.openxmlformats.org/drawingml/2006/main" xmlns:r="http://schemas.openxmlformats.org/officeDocument/2006/relationships" xmlns:p="http://schemas.openxmlformats.org/presentationml/2006/main">
   <p:cSld>
     <p:bg>
@@ -36963,6 +33816,150 @@
     <p:extLst>
       <p:ext uri="{BB962C8B-B14F-4D97-AF65-F5344CB8AC3E}">
         <p14:creationId xmlns:p14="http://schemas.microsoft.com/office/powerpoint/2010/main" val="2885251774"/>
+      </p:ext>
+    </p:extLst>
+  </p:cSld>
+  <p:clrMapOvr>
+    <a:masterClrMapping/>
+  </p:clrMapOvr>
+</p:sld>
+</file>
+
+<file path=ppt/slides/slide2.xml><?xml version="1.0" encoding="utf-8"?>
+<p:sld xmlns:a="http://schemas.openxmlformats.org/drawingml/2006/main" xmlns:r="http://schemas.openxmlformats.org/officeDocument/2006/relationships" xmlns:p="http://schemas.openxmlformats.org/presentationml/2006/main">
+  <p:cSld>
+    <p:spTree>
+      <p:nvGrpSpPr>
+        <p:cNvPr id="1" name=""/>
+        <p:cNvGrpSpPr/>
+        <p:nvPr/>
+      </p:nvGrpSpPr>
+      <p:grpSpPr>
+        <a:xfrm>
+          <a:off x="0" y="0"/>
+          <a:ext cx="0" cy="0"/>
+          <a:chOff x="0" y="0"/>
+          <a:chExt cx="0" cy="0"/>
+        </a:xfrm>
+      </p:grpSpPr>
+      <p:sp>
+        <p:nvSpPr>
+          <p:cNvPr id="2" name="Title 1">
+            <a:extLst>
+              <a:ext uri="{FF2B5EF4-FFF2-40B4-BE49-F238E27FC236}">
+                <a16:creationId xmlns:a16="http://schemas.microsoft.com/office/drawing/2014/main" id="{17AB0D97-EA00-B311-37CC-37EAB842407E}"/>
+              </a:ext>
+            </a:extLst>
+          </p:cNvPr>
+          <p:cNvSpPr>
+            <a:spLocks noGrp="1"/>
+          </p:cNvSpPr>
+          <p:nvPr>
+            <p:ph type="title"/>
+          </p:nvPr>
+        </p:nvSpPr>
+        <p:spPr/>
+        <p:txBody>
+          <a:bodyPr/>
+          <a:lstStyle/>
+          <a:p>
+            <a:r>
+              <a:rPr lang="en-GB" dirty="0"/>
+              <a:t>Agenda</a:t>
+            </a:r>
+          </a:p>
+        </p:txBody>
+      </p:sp>
+      <p:sp>
+        <p:nvSpPr>
+          <p:cNvPr id="3" name="Content Placeholder 2">
+            <a:extLst>
+              <a:ext uri="{FF2B5EF4-FFF2-40B4-BE49-F238E27FC236}">
+                <a16:creationId xmlns:a16="http://schemas.microsoft.com/office/drawing/2014/main" id="{531CD239-0868-BC28-4787-705D64541A5D}"/>
+              </a:ext>
+            </a:extLst>
+          </p:cNvPr>
+          <p:cNvSpPr>
+            <a:spLocks noGrp="1"/>
+          </p:cNvSpPr>
+          <p:nvPr>
+            <p:ph idx="1"/>
+          </p:nvPr>
+        </p:nvSpPr>
+        <p:spPr/>
+        <p:txBody>
+          <a:bodyPr>
+            <a:normAutofit/>
+          </a:bodyPr>
+          <a:lstStyle/>
+          <a:p>
+            <a:r>
+              <a:rPr lang="en-GB" dirty="0"/>
+              <a:t>Summary </a:t>
+            </a:r>
+            <a:r>
+              <a:rPr lang="de-AT" dirty="0"/>
+              <a:t>(</a:t>
+            </a:r>
+            <a:r>
+              <a:rPr lang="de-AT" dirty="0" err="1"/>
+              <a:t>slide</a:t>
+            </a:r>
+            <a:r>
+              <a:rPr lang="de-AT" dirty="0"/>
+              <a:t> 4)</a:t>
+            </a:r>
+            <a:endParaRPr lang="en-GB" dirty="0"/>
+          </a:p>
+          <a:p>
+            <a:r>
+              <a:rPr lang="en-GB" dirty="0"/>
+              <a:t>Time Series Foundation models(slides 5-7)</a:t>
+            </a:r>
+          </a:p>
+          <a:p>
+            <a:r>
+              <a:rPr lang="en-GB" dirty="0"/>
+              <a:t>Methodology (slides 8-11)</a:t>
+            </a:r>
+          </a:p>
+          <a:p>
+            <a:r>
+              <a:rPr lang="en-GB" dirty="0"/>
+              <a:t>Current Progress (slides 12-13)</a:t>
+            </a:r>
+          </a:p>
+          <a:p>
+            <a:r>
+              <a:rPr lang="en-GB" dirty="0"/>
+              <a:t>Preliminary results (slides 14-16)</a:t>
+            </a:r>
+          </a:p>
+          <a:p>
+            <a:r>
+              <a:rPr lang="en-GB" dirty="0"/>
+              <a:t>Next steps (slides 17-18)</a:t>
+            </a:r>
+          </a:p>
+          <a:p>
+            <a:endParaRPr lang="en-GB" dirty="0"/>
+          </a:p>
+          <a:p>
+            <a:endParaRPr lang="en-GB" dirty="0"/>
+          </a:p>
+          <a:p>
+            <a:endParaRPr lang="en-GB" dirty="0"/>
+          </a:p>
+          <a:p>
+            <a:pPr lvl="1"/>
+            <a:endParaRPr lang="en-GB" dirty="0"/>
+          </a:p>
+        </p:txBody>
+      </p:sp>
+    </p:spTree>
+    <p:extLst>
+      <p:ext uri="{BB962C8B-B14F-4D97-AF65-F5344CB8AC3E}">
+        <p14:creationId xmlns:p14="http://schemas.microsoft.com/office/powerpoint/2010/main" val="3169601364"/>
       </p:ext>
     </p:extLst>
   </p:cSld>
@@ -38817,120 +35814,6 @@
 </file>
 
 <file path=ppt/slides/slide5.xml><?xml version="1.0" encoding="utf-8"?>
-<p:sld xmlns:a="http://schemas.openxmlformats.org/drawingml/2006/main" xmlns:r="http://schemas.openxmlformats.org/officeDocument/2006/relationships" xmlns:p="http://schemas.openxmlformats.org/presentationml/2006/main" show="0">
-  <p:cSld>
-    <p:spTree>
-      <p:nvGrpSpPr>
-        <p:cNvPr id="1" name=""/>
-        <p:cNvGrpSpPr/>
-        <p:nvPr/>
-      </p:nvGrpSpPr>
-      <p:grpSpPr>
-        <a:xfrm>
-          <a:off x="0" y="0"/>
-          <a:ext cx="0" cy="0"/>
-          <a:chOff x="0" y="0"/>
-          <a:chExt cx="0" cy="0"/>
-        </a:xfrm>
-      </p:grpSpPr>
-      <p:sp>
-        <p:nvSpPr>
-          <p:cNvPr id="2" name="Title 1">
-            <a:extLst>
-              <a:ext uri="{FF2B5EF4-FFF2-40B4-BE49-F238E27FC236}">
-                <a16:creationId xmlns:a16="http://schemas.microsoft.com/office/drawing/2014/main" id="{3992A1B3-269A-BCD7-AD9D-344DAF05C23B}"/>
-              </a:ext>
-            </a:extLst>
-          </p:cNvPr>
-          <p:cNvSpPr>
-            <a:spLocks noGrp="1"/>
-          </p:cNvSpPr>
-          <p:nvPr>
-            <p:ph type="title"/>
-          </p:nvPr>
-        </p:nvSpPr>
-        <p:spPr/>
-        <p:txBody>
-          <a:bodyPr/>
-          <a:lstStyle/>
-          <a:p>
-            <a:r>
-              <a:rPr lang="en-GB"/>
-              <a:t>Time series forecasting</a:t>
-            </a:r>
-            <a:endParaRPr lang="en-GB" dirty="0"/>
-          </a:p>
-        </p:txBody>
-      </p:sp>
-      <p:graphicFrame>
-        <p:nvGraphicFramePr>
-          <p:cNvPr id="6" name="Content Placeholder 2">
-            <a:extLst>
-              <a:ext uri="{FF2B5EF4-FFF2-40B4-BE49-F238E27FC236}">
-                <a16:creationId xmlns:a16="http://schemas.microsoft.com/office/drawing/2014/main" id="{A68DEE25-06AF-0992-AF03-3CF0DE474548}"/>
-              </a:ext>
-            </a:extLst>
-          </p:cNvPr>
-          <p:cNvGraphicFramePr>
-            <a:graphicFrameLocks noGrp="1"/>
-          </p:cNvGraphicFramePr>
-          <p:nvPr>
-            <p:ph idx="1"/>
-          </p:nvPr>
-        </p:nvGraphicFramePr>
-        <p:xfrm>
-          <a:off x="4900928" y="1179829"/>
-          <a:ext cx="6650991" cy="4658216"/>
-        </p:xfrm>
-        <a:graphic>
-          <a:graphicData uri="http://schemas.openxmlformats.org/drawingml/2006/diagram">
-            <dgm:relIds xmlns:dgm="http://schemas.openxmlformats.org/drawingml/2006/diagram" xmlns:r="http://schemas.openxmlformats.org/officeDocument/2006/relationships" r:dm="rId2" r:lo="rId3" r:qs="rId4" r:cs="rId5"/>
-          </a:graphicData>
-        </a:graphic>
-      </p:graphicFrame>
-      <p:sp>
-        <p:nvSpPr>
-          <p:cNvPr id="4" name="Text Placeholder 3">
-            <a:extLst>
-              <a:ext uri="{FF2B5EF4-FFF2-40B4-BE49-F238E27FC236}">
-                <a16:creationId xmlns:a16="http://schemas.microsoft.com/office/drawing/2014/main" id="{281AEED4-9FDA-B1A5-8DE7-FBD66F94169E}"/>
-              </a:ext>
-            </a:extLst>
-          </p:cNvPr>
-          <p:cNvSpPr>
-            <a:spLocks noGrp="1"/>
-          </p:cNvSpPr>
-          <p:nvPr>
-            <p:ph type="body" sz="half" idx="2"/>
-          </p:nvPr>
-        </p:nvSpPr>
-        <p:spPr/>
-        <p:txBody>
-          <a:bodyPr/>
-          <a:lstStyle/>
-          <a:p>
-            <a:r>
-              <a:rPr lang="en-GB"/>
-              <a:t>Enables decision-makers to prepare for the future</a:t>
-            </a:r>
-            <a:endParaRPr lang="en-GB" dirty="0"/>
-          </a:p>
-        </p:txBody>
-      </p:sp>
-    </p:spTree>
-    <p:extLst>
-      <p:ext uri="{BB962C8B-B14F-4D97-AF65-F5344CB8AC3E}">
-        <p14:creationId xmlns:p14="http://schemas.microsoft.com/office/powerpoint/2010/main" val="1043905376"/>
-      </p:ext>
-    </p:extLst>
-  </p:cSld>
-  <p:clrMapOvr>
-    <a:masterClrMapping/>
-  </p:clrMapOvr>
-</p:sld>
-</file>
-
-<file path=ppt/slides/slide6.xml><?xml version="1.0" encoding="utf-8"?>
 <p:sld xmlns:a="http://schemas.openxmlformats.org/drawingml/2006/main" xmlns:r="http://schemas.openxmlformats.org/officeDocument/2006/relationships" xmlns:p="http://schemas.openxmlformats.org/presentationml/2006/main">
   <p:cSld>
     <p:bg>
@@ -39388,7 +36271,7 @@
 </p:sld>
 </file>
 
-<file path=ppt/slides/slide7.xml><?xml version="1.0" encoding="utf-8"?>
+<file path=ppt/slides/slide6.xml><?xml version="1.0" encoding="utf-8"?>
 <p:sld xmlns:a="http://schemas.openxmlformats.org/drawingml/2006/main" xmlns:r="http://schemas.openxmlformats.org/officeDocument/2006/relationships" xmlns:p="http://schemas.openxmlformats.org/presentationml/2006/main">
   <p:cSld>
     <p:spTree>
@@ -39555,7 +36438,7 @@
 </p:sld>
 </file>
 
-<file path=ppt/slides/slide8.xml><?xml version="1.0" encoding="utf-8"?>
+<file path=ppt/slides/slide7.xml><?xml version="1.0" encoding="utf-8"?>
 <p:sld xmlns:a="http://schemas.openxmlformats.org/drawingml/2006/main" xmlns:r="http://schemas.openxmlformats.org/officeDocument/2006/relationships" xmlns:p="http://schemas.openxmlformats.org/presentationml/2006/main">
   <p:cSld>
     <p:spTree>
@@ -39714,8 +36597,8 @@
           </a:p>
         </p:txBody>
       </p:sp>
-      <mc:AlternateContent xmlns:mc="http://schemas.openxmlformats.org/markup-compatibility/2006">
-        <mc:Choice xmlns:p14="http://schemas.microsoft.com/office/powerpoint/2010/main" Requires="p14">
+      <mc:AlternateContent xmlns:mc="http://schemas.openxmlformats.org/markup-compatibility/2006" xmlns:p14="http://schemas.microsoft.com/office/powerpoint/2010/main">
+        <mc:Choice Requires="p14">
           <p:contentPart p14:bwMode="auto" r:id="rId9">
             <p14:nvContentPartPr>
               <p14:cNvPr id="6" name="Ink 5">
@@ -39734,7 +36617,7 @@
             </p14:xfrm>
           </p:contentPart>
         </mc:Choice>
-        <mc:Fallback>
+        <mc:Fallback xmlns="">
           <p:pic>
             <p:nvPicPr>
               <p:cNvPr id="6" name="Ink 5">
@@ -39765,8 +36648,8 @@
           </p:pic>
         </mc:Fallback>
       </mc:AlternateContent>
-      <mc:AlternateContent xmlns:mc="http://schemas.openxmlformats.org/markup-compatibility/2006">
-        <mc:Choice xmlns:p14="http://schemas.microsoft.com/office/powerpoint/2010/main" Requires="p14">
+      <mc:AlternateContent xmlns:mc="http://schemas.openxmlformats.org/markup-compatibility/2006" xmlns:p14="http://schemas.microsoft.com/office/powerpoint/2010/main">
+        <mc:Choice Requires="p14">
           <p:contentPart p14:bwMode="auto" r:id="rId11">
             <p14:nvContentPartPr>
               <p14:cNvPr id="7" name="Ink 6">
@@ -39785,7 +36668,7 @@
             </p14:xfrm>
           </p:contentPart>
         </mc:Choice>
-        <mc:Fallback>
+        <mc:Fallback xmlns="">
           <p:pic>
             <p:nvPicPr>
               <p:cNvPr id="7" name="Ink 6">
@@ -39816,8 +36699,8 @@
           </p:pic>
         </mc:Fallback>
       </mc:AlternateContent>
-      <mc:AlternateContent xmlns:mc="http://schemas.openxmlformats.org/markup-compatibility/2006">
-        <mc:Choice xmlns:p14="http://schemas.microsoft.com/office/powerpoint/2010/main" Requires="p14">
+      <mc:AlternateContent xmlns:mc="http://schemas.openxmlformats.org/markup-compatibility/2006" xmlns:p14="http://schemas.microsoft.com/office/powerpoint/2010/main">
+        <mc:Choice Requires="p14">
           <p:contentPart p14:bwMode="auto" r:id="rId13">
             <p14:nvContentPartPr>
               <p14:cNvPr id="8" name="Ink 7">
@@ -39836,7 +36719,7 @@
             </p14:xfrm>
           </p:contentPart>
         </mc:Choice>
-        <mc:Fallback>
+        <mc:Fallback xmlns="">
           <p:pic>
             <p:nvPicPr>
               <p:cNvPr id="8" name="Ink 7">
@@ -39867,8 +36750,8 @@
           </p:pic>
         </mc:Fallback>
       </mc:AlternateContent>
-      <mc:AlternateContent xmlns:mc="http://schemas.openxmlformats.org/markup-compatibility/2006">
-        <mc:Choice xmlns:p14="http://schemas.microsoft.com/office/powerpoint/2010/main" Requires="p14">
+      <mc:AlternateContent xmlns:mc="http://schemas.openxmlformats.org/markup-compatibility/2006" xmlns:p14="http://schemas.microsoft.com/office/powerpoint/2010/main">
+        <mc:Choice Requires="p14">
           <p:contentPart p14:bwMode="auto" r:id="rId15">
             <p14:nvContentPartPr>
               <p14:cNvPr id="9" name="Ink 8">
@@ -39887,7 +36770,7 @@
             </p14:xfrm>
           </p:contentPart>
         </mc:Choice>
-        <mc:Fallback>
+        <mc:Fallback xmlns="">
           <p:pic>
             <p:nvPicPr>
               <p:cNvPr id="9" name="Ink 8">
@@ -39931,7 +36814,7 @@
 </p:sld>
 </file>
 
-<file path=ppt/slides/slide9.xml><?xml version="1.0" encoding="utf-8"?>
+<file path=ppt/slides/slide8.xml><?xml version="1.0" encoding="utf-8"?>
 <p:sld xmlns:a="http://schemas.openxmlformats.org/drawingml/2006/main" xmlns:r="http://schemas.openxmlformats.org/officeDocument/2006/relationships" xmlns:p="http://schemas.openxmlformats.org/presentationml/2006/main">
   <p:cSld>
     <p:bg>
@@ -40378,6 +37261,232 @@
       <p:bldP spid="2" grpId="0"/>
     </p:bldLst>
   </p:timing>
+</p:sld>
+</file>
+
+<file path=ppt/slides/slide9.xml><?xml version="1.0" encoding="utf-8"?>
+<p:sld xmlns:a="http://schemas.openxmlformats.org/drawingml/2006/main" xmlns:r="http://schemas.openxmlformats.org/officeDocument/2006/relationships" xmlns:p="http://schemas.openxmlformats.org/presentationml/2006/main">
+  <p:cSld>
+    <p:spTree>
+      <p:nvGrpSpPr>
+        <p:cNvPr id="1" name=""/>
+        <p:cNvGrpSpPr/>
+        <p:nvPr/>
+      </p:nvGrpSpPr>
+      <p:grpSpPr>
+        <a:xfrm>
+          <a:off x="0" y="0"/>
+          <a:ext cx="0" cy="0"/>
+          <a:chOff x="0" y="0"/>
+          <a:chExt cx="0" cy="0"/>
+        </a:xfrm>
+      </p:grpSpPr>
+      <p:sp>
+        <p:nvSpPr>
+          <p:cNvPr id="2" name="Title 1">
+            <a:extLst>
+              <a:ext uri="{FF2B5EF4-FFF2-40B4-BE49-F238E27FC236}">
+                <a16:creationId xmlns:a16="http://schemas.microsoft.com/office/drawing/2014/main" id="{7AC84150-F546-16DE-F86A-FF5C4C01CECC}"/>
+              </a:ext>
+            </a:extLst>
+          </p:cNvPr>
+          <p:cNvSpPr>
+            <a:spLocks noGrp="1"/>
+          </p:cNvSpPr>
+          <p:nvPr>
+            <p:ph type="title"/>
+          </p:nvPr>
+        </p:nvSpPr>
+        <p:spPr/>
+        <p:txBody>
+          <a:bodyPr/>
+          <a:lstStyle/>
+          <a:p>
+            <a:r>
+              <a:rPr lang="en-GB" dirty="0"/>
+              <a:t>evaluation</a:t>
+            </a:r>
+          </a:p>
+        </p:txBody>
+      </p:sp>
+      <p:sp>
+        <p:nvSpPr>
+          <p:cNvPr id="3" name="Text Placeholder 2">
+            <a:extLst>
+              <a:ext uri="{FF2B5EF4-FFF2-40B4-BE49-F238E27FC236}">
+                <a16:creationId xmlns:a16="http://schemas.microsoft.com/office/drawing/2014/main" id="{83E109C8-A238-997C-B73A-48760D769517}"/>
+              </a:ext>
+            </a:extLst>
+          </p:cNvPr>
+          <p:cNvSpPr>
+            <a:spLocks noGrp="1"/>
+          </p:cNvSpPr>
+          <p:nvPr>
+            <p:ph type="body" idx="1"/>
+          </p:nvPr>
+        </p:nvSpPr>
+        <p:spPr>
+          <a:xfrm>
+            <a:off x="581191" y="1785257"/>
+            <a:ext cx="5194769" cy="2020389"/>
+          </a:xfrm>
+        </p:spPr>
+        <p:txBody>
+          <a:bodyPr/>
+          <a:lstStyle/>
+          <a:p>
+            <a:r>
+              <a:rPr lang="en-GB" sz="1300" dirty="0"/>
+              <a:t>RMSE is a general loss metric.  </a:t>
+            </a:r>
+          </a:p>
+          <a:p>
+            <a:r>
+              <a:rPr lang="en-GB" sz="1300" dirty="0"/>
+              <a:t>R2 is handy because (in theory) it is between 0 and 1, thus giving an intuitive interpretation of how well the predictions fit the actual data.</a:t>
+            </a:r>
+          </a:p>
+          <a:p>
+            <a:r>
+              <a:rPr lang="en-GB" sz="1300" dirty="0"/>
+              <a:t>MAPE tells us what percentage of the actual values were the predictions off.</a:t>
+            </a:r>
+          </a:p>
+          <a:p>
+            <a:r>
+              <a:rPr lang="en-GB" sz="1300" dirty="0"/>
+              <a:t>MDA doesn’t say whether the predictions were good or bad, but rather it measures how good the DIRECTION of predictions are.</a:t>
+            </a:r>
+          </a:p>
+        </p:txBody>
+      </p:sp>
+      <p:sp>
+        <p:nvSpPr>
+          <p:cNvPr id="5" name="Text Placeholder 4">
+            <a:extLst>
+              <a:ext uri="{FF2B5EF4-FFF2-40B4-BE49-F238E27FC236}">
+                <a16:creationId xmlns:a16="http://schemas.microsoft.com/office/drawing/2014/main" id="{68768218-0BA6-28A7-48F9-A16E9DD801B4}"/>
+              </a:ext>
+            </a:extLst>
+          </p:cNvPr>
+          <p:cNvSpPr>
+            <a:spLocks noGrp="1"/>
+          </p:cNvSpPr>
+          <p:nvPr>
+            <p:ph type="body" sz="quarter" idx="3"/>
+          </p:nvPr>
+        </p:nvSpPr>
+        <p:spPr>
+          <a:xfrm>
+            <a:off x="6416042" y="1785257"/>
+            <a:ext cx="5194770" cy="1282085"/>
+          </a:xfrm>
+        </p:spPr>
+        <p:txBody>
+          <a:bodyPr/>
+          <a:lstStyle/>
+          <a:p>
+            <a:r>
+              <a:rPr lang="en-GB" sz="1300" dirty="0"/>
+              <a:t>To ensure statistical significance, we will run the K-fold Time series Cross Validation on every time-series. This ensures that that the result we get is not a product of coincidence, rather it shows performance of the models across different time periods.</a:t>
+            </a:r>
+          </a:p>
+          <a:p>
+            <a:r>
+              <a:rPr lang="en-GB" sz="1300" dirty="0"/>
+              <a:t>K and the size of the training set are parameters of the experiment.</a:t>
+            </a:r>
+          </a:p>
+        </p:txBody>
+      </p:sp>
+      <p:graphicFrame>
+        <p:nvGraphicFramePr>
+          <p:cNvPr id="7" name="Content Placeholder 2">
+            <a:extLst>
+              <a:ext uri="{FF2B5EF4-FFF2-40B4-BE49-F238E27FC236}">
+                <a16:creationId xmlns:a16="http://schemas.microsoft.com/office/drawing/2014/main" id="{53C2DD54-6D26-FB1F-4F05-74EEF2C25B48}"/>
+              </a:ext>
+            </a:extLst>
+          </p:cNvPr>
+          <p:cNvGraphicFramePr>
+            <a:graphicFrameLocks noGrp="1"/>
+          </p:cNvGraphicFramePr>
+          <p:nvPr>
+            <p:ph sz="half" idx="2"/>
+            <p:extLst>
+              <p:ext uri="{D42A27DB-BD31-4B8C-83A1-F6EECF244321}">
+                <p14:modId xmlns:p14="http://schemas.microsoft.com/office/powerpoint/2010/main" val="653245219"/>
+              </p:ext>
+            </p:extLst>
+          </p:nvPr>
+        </p:nvGraphicFramePr>
+        <p:xfrm>
+          <a:off x="836117" y="3174022"/>
+          <a:ext cx="4280424" cy="2625481"/>
+        </p:xfrm>
+        <a:graphic>
+          <a:graphicData uri="http://schemas.openxmlformats.org/drawingml/2006/diagram">
+            <dgm:relIds xmlns:dgm="http://schemas.openxmlformats.org/drawingml/2006/diagram" xmlns:r="http://schemas.openxmlformats.org/officeDocument/2006/relationships" r:dm="rId3" r:lo="rId4" r:qs="rId5" r:cs="rId6"/>
+          </a:graphicData>
+        </a:graphic>
+      </p:graphicFrame>
+      <p:pic>
+        <p:nvPicPr>
+          <p:cNvPr id="1026" name="Picture 2" descr="arima - Backtesting: Which is better? Sliding Window or Expanding Window? -  Stack Overflow">
+            <a:extLst>
+              <a:ext uri="{FF2B5EF4-FFF2-40B4-BE49-F238E27FC236}">
+                <a16:creationId xmlns:a16="http://schemas.microsoft.com/office/drawing/2014/main" id="{4E077310-864E-BE12-A015-4E22C4D5392C}"/>
+              </a:ext>
+            </a:extLst>
+          </p:cNvPr>
+          <p:cNvPicPr>
+            <a:picLocks noChangeAspect="1" noChangeArrowheads="1"/>
+          </p:cNvPicPr>
+          <p:nvPr/>
+        </p:nvPicPr>
+        <p:blipFill>
+          <a:blip r:embed="rId8">
+            <a:extLst>
+              <a:ext uri="{28A0092B-C50C-407E-A947-70E740481C1C}">
+                <a14:useLocalDpi xmlns:a14="http://schemas.microsoft.com/office/drawing/2010/main" val="0"/>
+              </a:ext>
+            </a:extLst>
+          </a:blip>
+          <a:srcRect/>
+          <a:stretch>
+            <a:fillRect/>
+          </a:stretch>
+        </p:blipFill>
+        <p:spPr bwMode="auto">
+          <a:xfrm>
+            <a:off x="6873212" y="3446585"/>
+            <a:ext cx="4280424" cy="2223907"/>
+          </a:xfrm>
+          <a:prstGeom prst="rect">
+            <a:avLst/>
+          </a:prstGeom>
+          <a:noFill/>
+          <a:extLst>
+            <a:ext uri="{909E8E84-426E-40DD-AFC4-6F175D3DCCD1}">
+              <a14:hiddenFill xmlns:a14="http://schemas.microsoft.com/office/drawing/2010/main">
+                <a:solidFill>
+                  <a:srgbClr val="FFFFFF"/>
+                </a:solidFill>
+              </a14:hiddenFill>
+            </a:ext>
+          </a:extLst>
+        </p:spPr>
+      </p:pic>
+    </p:spTree>
+    <p:extLst>
+      <p:ext uri="{BB962C8B-B14F-4D97-AF65-F5344CB8AC3E}">
+        <p14:creationId xmlns:p14="http://schemas.microsoft.com/office/powerpoint/2010/main" val="1570081065"/>
+      </p:ext>
+    </p:extLst>
+  </p:cSld>
+  <p:clrMapOvr>
+    <a:masterClrMapping/>
+  </p:clrMapOvr>
 </p:sld>
 </file>
 
